--- a/halozatok/Load-Optimal Local Fast Rerouting for Relisient Networks.pptx
+++ b/halozatok/Load-Optimal Local Fast Rerouting for Relisient Networks.pptx
@@ -11,11 +11,15 @@
     <p:sldId id="259" r:id="rId5"/>
     <p:sldId id="260" r:id="rId6"/>
     <p:sldId id="261" r:id="rId7"/>
-    <p:sldId id="262" r:id="rId8"/>
-    <p:sldId id="263" r:id="rId9"/>
-    <p:sldId id="264" r:id="rId10"/>
-    <p:sldId id="265" r:id="rId11"/>
-    <p:sldId id="266" r:id="rId12"/>
+    <p:sldId id="267" r:id="rId8"/>
+    <p:sldId id="268" r:id="rId9"/>
+    <p:sldId id="269" r:id="rId10"/>
+    <p:sldId id="270" r:id="rId11"/>
+    <p:sldId id="262" r:id="rId12"/>
+    <p:sldId id="263" r:id="rId13"/>
+    <p:sldId id="264" r:id="rId14"/>
+    <p:sldId id="265" r:id="rId15"/>
+    <p:sldId id="266" r:id="rId16"/>
   </p:sldIdLst>
   <p:sldSz cx="12192000" cy="6858000"/>
   <p:notesSz cx="6858000" cy="9144000"/>
@@ -134,6 +138,10 @@
 </p:cmAuthorLst>
 </file>
 
+<file path=ppt/revisionInfo.xml><?xml version="1.0" encoding="utf-8"?>
+<p1510:revInfo xmlns:a="http://schemas.openxmlformats.org/drawingml/2006/main" xmlns:r="http://schemas.openxmlformats.org/officeDocument/2006/relationships" xmlns:p1510="http://schemas.microsoft.com/office/powerpoint/2015/10/main"/>
+</file>
+
 <file path=ppt/comments/comment1.xml><?xml version="1.0" encoding="utf-8"?>
 <p:cmLst xmlns:a="http://schemas.openxmlformats.org/drawingml/2006/main" xmlns:r="http://schemas.openxmlformats.org/officeDocument/2006/relationships" xmlns:p="http://schemas.openxmlformats.org/presentationml/2006/main">
   <p:cm authorId="1" dt="2017-10-19T18:21:03.136" idx="1">
@@ -190,7 +198,7 @@
           </a:lstStyle>
           <a:p>
             <a:r>
-              <a:rPr lang="en-US" smtClean="0"/>
+              <a:rPr lang="en-US"/>
               <a:t>Click to edit Master title style</a:t>
             </a:r>
             <a:endParaRPr lang="hu-HU"/>
@@ -255,7 +263,7 @@
           </a:lstStyle>
           <a:p>
             <a:r>
-              <a:rPr lang="en-US" smtClean="0"/>
+              <a:rPr lang="en-US"/>
               <a:t>Click to edit Master subtitle style</a:t>
             </a:r>
             <a:endParaRPr lang="hu-HU"/>
@@ -279,7 +287,7 @@
           <a:p>
             <a:fld id="{A8B8C383-1ABA-4B81-975C-6AABE475D833}" type="datetimeFigureOut">
               <a:rPr lang="hu-HU" smtClean="0"/>
-              <a:t>2017. 10. 19.</a:t>
+              <a:t>2017. 10. 22.</a:t>
             </a:fld>
             <a:endParaRPr lang="hu-HU"/>
           </a:p>
@@ -373,7 +381,7 @@
           <a:lstStyle/>
           <a:p>
             <a:r>
-              <a:rPr lang="en-US" smtClean="0"/>
+              <a:rPr lang="en-US"/>
               <a:t>Click to edit Master title style</a:t>
             </a:r>
             <a:endParaRPr lang="hu-HU"/>
@@ -397,35 +405,35 @@
           <a:p>
             <a:pPr lvl="0"/>
             <a:r>
-              <a:rPr lang="en-US" smtClean="0"/>
+              <a:rPr lang="en-US"/>
               <a:t>Edit Master text styles</a:t>
             </a:r>
           </a:p>
           <a:p>
             <a:pPr lvl="1"/>
             <a:r>
-              <a:rPr lang="en-US" smtClean="0"/>
+              <a:rPr lang="en-US"/>
               <a:t>Second level</a:t>
             </a:r>
           </a:p>
           <a:p>
             <a:pPr lvl="2"/>
             <a:r>
-              <a:rPr lang="en-US" smtClean="0"/>
+              <a:rPr lang="en-US"/>
               <a:t>Third level</a:t>
             </a:r>
           </a:p>
           <a:p>
             <a:pPr lvl="3"/>
             <a:r>
-              <a:rPr lang="en-US" smtClean="0"/>
+              <a:rPr lang="en-US"/>
               <a:t>Fourth level</a:t>
             </a:r>
           </a:p>
           <a:p>
             <a:pPr lvl="4"/>
             <a:r>
-              <a:rPr lang="en-US" smtClean="0"/>
+              <a:rPr lang="en-US"/>
               <a:t>Fifth level</a:t>
             </a:r>
             <a:endParaRPr lang="hu-HU"/>
@@ -449,7 +457,7 @@
           <a:p>
             <a:fld id="{A8B8C383-1ABA-4B81-975C-6AABE475D833}" type="datetimeFigureOut">
               <a:rPr lang="hu-HU" smtClean="0"/>
-              <a:t>2017. 10. 19.</a:t>
+              <a:t>2017. 10. 22.</a:t>
             </a:fld>
             <a:endParaRPr lang="hu-HU"/>
           </a:p>
@@ -548,7 +556,7 @@
           <a:lstStyle/>
           <a:p>
             <a:r>
-              <a:rPr lang="en-US" smtClean="0"/>
+              <a:rPr lang="en-US"/>
               <a:t>Click to edit Master title style</a:t>
             </a:r>
             <a:endParaRPr lang="hu-HU"/>
@@ -577,35 +585,35 @@
           <a:p>
             <a:pPr lvl="0"/>
             <a:r>
-              <a:rPr lang="en-US" smtClean="0"/>
+              <a:rPr lang="en-US"/>
               <a:t>Edit Master text styles</a:t>
             </a:r>
           </a:p>
           <a:p>
             <a:pPr lvl="1"/>
             <a:r>
-              <a:rPr lang="en-US" smtClean="0"/>
+              <a:rPr lang="en-US"/>
               <a:t>Second level</a:t>
             </a:r>
           </a:p>
           <a:p>
             <a:pPr lvl="2"/>
             <a:r>
-              <a:rPr lang="en-US" smtClean="0"/>
+              <a:rPr lang="en-US"/>
               <a:t>Third level</a:t>
             </a:r>
           </a:p>
           <a:p>
             <a:pPr lvl="3"/>
             <a:r>
-              <a:rPr lang="en-US" smtClean="0"/>
+              <a:rPr lang="en-US"/>
               <a:t>Fourth level</a:t>
             </a:r>
           </a:p>
           <a:p>
             <a:pPr lvl="4"/>
             <a:r>
-              <a:rPr lang="en-US" smtClean="0"/>
+              <a:rPr lang="en-US"/>
               <a:t>Fifth level</a:t>
             </a:r>
             <a:endParaRPr lang="hu-HU"/>
@@ -629,7 +637,7 @@
           <a:p>
             <a:fld id="{A8B8C383-1ABA-4B81-975C-6AABE475D833}" type="datetimeFigureOut">
               <a:rPr lang="hu-HU" smtClean="0"/>
-              <a:t>2017. 10. 19.</a:t>
+              <a:t>2017. 10. 22.</a:t>
             </a:fld>
             <a:endParaRPr lang="hu-HU"/>
           </a:p>
@@ -723,7 +731,7 @@
           <a:lstStyle/>
           <a:p>
             <a:r>
-              <a:rPr lang="en-US" smtClean="0"/>
+              <a:rPr lang="en-US"/>
               <a:t>Click to edit Master title style</a:t>
             </a:r>
             <a:endParaRPr lang="hu-HU"/>
@@ -747,35 +755,35 @@
           <a:p>
             <a:pPr lvl="0"/>
             <a:r>
-              <a:rPr lang="en-US" smtClean="0"/>
+              <a:rPr lang="en-US"/>
               <a:t>Edit Master text styles</a:t>
             </a:r>
           </a:p>
           <a:p>
             <a:pPr lvl="1"/>
             <a:r>
-              <a:rPr lang="en-US" smtClean="0"/>
+              <a:rPr lang="en-US"/>
               <a:t>Second level</a:t>
             </a:r>
           </a:p>
           <a:p>
             <a:pPr lvl="2"/>
             <a:r>
-              <a:rPr lang="en-US" smtClean="0"/>
+              <a:rPr lang="en-US"/>
               <a:t>Third level</a:t>
             </a:r>
           </a:p>
           <a:p>
             <a:pPr lvl="3"/>
             <a:r>
-              <a:rPr lang="en-US" smtClean="0"/>
+              <a:rPr lang="en-US"/>
               <a:t>Fourth level</a:t>
             </a:r>
           </a:p>
           <a:p>
             <a:pPr lvl="4"/>
             <a:r>
-              <a:rPr lang="en-US" smtClean="0"/>
+              <a:rPr lang="en-US"/>
               <a:t>Fifth level</a:t>
             </a:r>
             <a:endParaRPr lang="hu-HU"/>
@@ -799,7 +807,7 @@
           <a:p>
             <a:fld id="{A8B8C383-1ABA-4B81-975C-6AABE475D833}" type="datetimeFigureOut">
               <a:rPr lang="hu-HU" smtClean="0"/>
-              <a:t>2017. 10. 19.</a:t>
+              <a:t>2017. 10. 22.</a:t>
             </a:fld>
             <a:endParaRPr lang="hu-HU"/>
           </a:p>
@@ -902,7 +910,7 @@
           </a:lstStyle>
           <a:p>
             <a:r>
-              <a:rPr lang="en-US" smtClean="0"/>
+              <a:rPr lang="en-US"/>
               <a:t>Click to edit Master title style</a:t>
             </a:r>
             <a:endParaRPr lang="hu-HU"/>
@@ -1022,7 +1030,7 @@
           <a:p>
             <a:pPr lvl="0"/>
             <a:r>
-              <a:rPr lang="en-US" smtClean="0"/>
+              <a:rPr lang="en-US"/>
               <a:t>Edit Master text styles</a:t>
             </a:r>
           </a:p>
@@ -1045,7 +1053,7 @@
           <a:p>
             <a:fld id="{A8B8C383-1ABA-4B81-975C-6AABE475D833}" type="datetimeFigureOut">
               <a:rPr lang="hu-HU" smtClean="0"/>
-              <a:t>2017. 10. 19.</a:t>
+              <a:t>2017. 10. 22.</a:t>
             </a:fld>
             <a:endParaRPr lang="hu-HU"/>
           </a:p>
@@ -1139,7 +1147,7 @@
           <a:lstStyle/>
           <a:p>
             <a:r>
-              <a:rPr lang="en-US" smtClean="0"/>
+              <a:rPr lang="en-US"/>
               <a:t>Click to edit Master title style</a:t>
             </a:r>
             <a:endParaRPr lang="hu-HU"/>
@@ -1168,35 +1176,35 @@
           <a:p>
             <a:pPr lvl="0"/>
             <a:r>
-              <a:rPr lang="en-US" smtClean="0"/>
+              <a:rPr lang="en-US"/>
               <a:t>Edit Master text styles</a:t>
             </a:r>
           </a:p>
           <a:p>
             <a:pPr lvl="1"/>
             <a:r>
-              <a:rPr lang="en-US" smtClean="0"/>
+              <a:rPr lang="en-US"/>
               <a:t>Second level</a:t>
             </a:r>
           </a:p>
           <a:p>
             <a:pPr lvl="2"/>
             <a:r>
-              <a:rPr lang="en-US" smtClean="0"/>
+              <a:rPr lang="en-US"/>
               <a:t>Third level</a:t>
             </a:r>
           </a:p>
           <a:p>
             <a:pPr lvl="3"/>
             <a:r>
-              <a:rPr lang="en-US" smtClean="0"/>
+              <a:rPr lang="en-US"/>
               <a:t>Fourth level</a:t>
             </a:r>
           </a:p>
           <a:p>
             <a:pPr lvl="4"/>
             <a:r>
-              <a:rPr lang="en-US" smtClean="0"/>
+              <a:rPr lang="en-US"/>
               <a:t>Fifth level</a:t>
             </a:r>
             <a:endParaRPr lang="hu-HU"/>
@@ -1225,35 +1233,35 @@
           <a:p>
             <a:pPr lvl="0"/>
             <a:r>
-              <a:rPr lang="en-US" smtClean="0"/>
+              <a:rPr lang="en-US"/>
               <a:t>Edit Master text styles</a:t>
             </a:r>
           </a:p>
           <a:p>
             <a:pPr lvl="1"/>
             <a:r>
-              <a:rPr lang="en-US" smtClean="0"/>
+              <a:rPr lang="en-US"/>
               <a:t>Second level</a:t>
             </a:r>
           </a:p>
           <a:p>
             <a:pPr lvl="2"/>
             <a:r>
-              <a:rPr lang="en-US" smtClean="0"/>
+              <a:rPr lang="en-US"/>
               <a:t>Third level</a:t>
             </a:r>
           </a:p>
           <a:p>
             <a:pPr lvl="3"/>
             <a:r>
-              <a:rPr lang="en-US" smtClean="0"/>
+              <a:rPr lang="en-US"/>
               <a:t>Fourth level</a:t>
             </a:r>
           </a:p>
           <a:p>
             <a:pPr lvl="4"/>
             <a:r>
-              <a:rPr lang="en-US" smtClean="0"/>
+              <a:rPr lang="en-US"/>
               <a:t>Fifth level</a:t>
             </a:r>
             <a:endParaRPr lang="hu-HU"/>
@@ -1277,7 +1285,7 @@
           <a:p>
             <a:fld id="{A8B8C383-1ABA-4B81-975C-6AABE475D833}" type="datetimeFigureOut">
               <a:rPr lang="hu-HU" smtClean="0"/>
-              <a:t>2017. 10. 19.</a:t>
+              <a:t>2017. 10. 22.</a:t>
             </a:fld>
             <a:endParaRPr lang="hu-HU"/>
           </a:p>
@@ -1376,7 +1384,7 @@
           <a:lstStyle/>
           <a:p>
             <a:r>
-              <a:rPr lang="en-US" smtClean="0"/>
+              <a:rPr lang="en-US"/>
               <a:t>Click to edit Master title style</a:t>
             </a:r>
             <a:endParaRPr lang="hu-HU"/>
@@ -1442,7 +1450,7 @@
           <a:p>
             <a:pPr lvl="0"/>
             <a:r>
-              <a:rPr lang="en-US" smtClean="0"/>
+              <a:rPr lang="en-US"/>
               <a:t>Edit Master text styles</a:t>
             </a:r>
           </a:p>
@@ -1470,35 +1478,35 @@
           <a:p>
             <a:pPr lvl="0"/>
             <a:r>
-              <a:rPr lang="en-US" smtClean="0"/>
+              <a:rPr lang="en-US"/>
               <a:t>Edit Master text styles</a:t>
             </a:r>
           </a:p>
           <a:p>
             <a:pPr lvl="1"/>
             <a:r>
-              <a:rPr lang="en-US" smtClean="0"/>
+              <a:rPr lang="en-US"/>
               <a:t>Second level</a:t>
             </a:r>
           </a:p>
           <a:p>
             <a:pPr lvl="2"/>
             <a:r>
-              <a:rPr lang="en-US" smtClean="0"/>
+              <a:rPr lang="en-US"/>
               <a:t>Third level</a:t>
             </a:r>
           </a:p>
           <a:p>
             <a:pPr lvl="3"/>
             <a:r>
-              <a:rPr lang="en-US" smtClean="0"/>
+              <a:rPr lang="en-US"/>
               <a:t>Fourth level</a:t>
             </a:r>
           </a:p>
           <a:p>
             <a:pPr lvl="4"/>
             <a:r>
-              <a:rPr lang="en-US" smtClean="0"/>
+              <a:rPr lang="en-US"/>
               <a:t>Fifth level</a:t>
             </a:r>
             <a:endParaRPr lang="hu-HU"/>
@@ -1564,7 +1572,7 @@
           <a:p>
             <a:pPr lvl="0"/>
             <a:r>
-              <a:rPr lang="en-US" smtClean="0"/>
+              <a:rPr lang="en-US"/>
               <a:t>Edit Master text styles</a:t>
             </a:r>
           </a:p>
@@ -1592,35 +1600,35 @@
           <a:p>
             <a:pPr lvl="0"/>
             <a:r>
-              <a:rPr lang="en-US" smtClean="0"/>
+              <a:rPr lang="en-US"/>
               <a:t>Edit Master text styles</a:t>
             </a:r>
           </a:p>
           <a:p>
             <a:pPr lvl="1"/>
             <a:r>
-              <a:rPr lang="en-US" smtClean="0"/>
+              <a:rPr lang="en-US"/>
               <a:t>Second level</a:t>
             </a:r>
           </a:p>
           <a:p>
             <a:pPr lvl="2"/>
             <a:r>
-              <a:rPr lang="en-US" smtClean="0"/>
+              <a:rPr lang="en-US"/>
               <a:t>Third level</a:t>
             </a:r>
           </a:p>
           <a:p>
             <a:pPr lvl="3"/>
             <a:r>
-              <a:rPr lang="en-US" smtClean="0"/>
+              <a:rPr lang="en-US"/>
               <a:t>Fourth level</a:t>
             </a:r>
           </a:p>
           <a:p>
             <a:pPr lvl="4"/>
             <a:r>
-              <a:rPr lang="en-US" smtClean="0"/>
+              <a:rPr lang="en-US"/>
               <a:t>Fifth level</a:t>
             </a:r>
             <a:endParaRPr lang="hu-HU"/>
@@ -1644,7 +1652,7 @@
           <a:p>
             <a:fld id="{A8B8C383-1ABA-4B81-975C-6AABE475D833}" type="datetimeFigureOut">
               <a:rPr lang="hu-HU" smtClean="0"/>
-              <a:t>2017. 10. 19.</a:t>
+              <a:t>2017. 10. 22.</a:t>
             </a:fld>
             <a:endParaRPr lang="hu-HU"/>
           </a:p>
@@ -1738,7 +1746,7 @@
           <a:lstStyle/>
           <a:p>
             <a:r>
-              <a:rPr lang="en-US" smtClean="0"/>
+              <a:rPr lang="en-US"/>
               <a:t>Click to edit Master title style</a:t>
             </a:r>
             <a:endParaRPr lang="hu-HU"/>
@@ -1762,7 +1770,7 @@
           <a:p>
             <a:fld id="{A8B8C383-1ABA-4B81-975C-6AABE475D833}" type="datetimeFigureOut">
               <a:rPr lang="hu-HU" smtClean="0"/>
-              <a:t>2017. 10. 19.</a:t>
+              <a:t>2017. 10. 22.</a:t>
             </a:fld>
             <a:endParaRPr lang="hu-HU"/>
           </a:p>
@@ -1857,7 +1865,7 @@
           <a:p>
             <a:fld id="{A8B8C383-1ABA-4B81-975C-6AABE475D833}" type="datetimeFigureOut">
               <a:rPr lang="hu-HU" smtClean="0"/>
-              <a:t>2017. 10. 19.</a:t>
+              <a:t>2017. 10. 22.</a:t>
             </a:fld>
             <a:endParaRPr lang="hu-HU"/>
           </a:p>
@@ -1960,7 +1968,7 @@
           </a:lstStyle>
           <a:p>
             <a:r>
-              <a:rPr lang="en-US" smtClean="0"/>
+              <a:rPr lang="en-US"/>
               <a:t>Click to edit Master title style</a:t>
             </a:r>
             <a:endParaRPr lang="hu-HU"/>
@@ -2017,35 +2025,35 @@
           <a:p>
             <a:pPr lvl="0"/>
             <a:r>
-              <a:rPr lang="en-US" smtClean="0"/>
+              <a:rPr lang="en-US"/>
               <a:t>Edit Master text styles</a:t>
             </a:r>
           </a:p>
           <a:p>
             <a:pPr lvl="1"/>
             <a:r>
-              <a:rPr lang="en-US" smtClean="0"/>
+              <a:rPr lang="en-US"/>
               <a:t>Second level</a:t>
             </a:r>
           </a:p>
           <a:p>
             <a:pPr lvl="2"/>
             <a:r>
-              <a:rPr lang="en-US" smtClean="0"/>
+              <a:rPr lang="en-US"/>
               <a:t>Third level</a:t>
             </a:r>
           </a:p>
           <a:p>
             <a:pPr lvl="3"/>
             <a:r>
-              <a:rPr lang="en-US" smtClean="0"/>
+              <a:rPr lang="en-US"/>
               <a:t>Fourth level</a:t>
             </a:r>
           </a:p>
           <a:p>
             <a:pPr lvl="4"/>
             <a:r>
-              <a:rPr lang="en-US" smtClean="0"/>
+              <a:rPr lang="en-US"/>
               <a:t>Fifth level</a:t>
             </a:r>
             <a:endParaRPr lang="hu-HU"/>
@@ -2111,7 +2119,7 @@
           <a:p>
             <a:pPr lvl="0"/>
             <a:r>
-              <a:rPr lang="en-US" smtClean="0"/>
+              <a:rPr lang="en-US"/>
               <a:t>Edit Master text styles</a:t>
             </a:r>
           </a:p>
@@ -2134,7 +2142,7 @@
           <a:p>
             <a:fld id="{A8B8C383-1ABA-4B81-975C-6AABE475D833}" type="datetimeFigureOut">
               <a:rPr lang="hu-HU" smtClean="0"/>
-              <a:t>2017. 10. 19.</a:t>
+              <a:t>2017. 10. 22.</a:t>
             </a:fld>
             <a:endParaRPr lang="hu-HU"/>
           </a:p>
@@ -2237,7 +2245,7 @@
           </a:lstStyle>
           <a:p>
             <a:r>
-              <a:rPr lang="en-US" smtClean="0"/>
+              <a:rPr lang="en-US"/>
               <a:t>Click to edit Master title style</a:t>
             </a:r>
             <a:endParaRPr lang="hu-HU"/>
@@ -2364,7 +2372,7 @@
           <a:p>
             <a:pPr lvl="0"/>
             <a:r>
-              <a:rPr lang="en-US" smtClean="0"/>
+              <a:rPr lang="en-US"/>
               <a:t>Edit Master text styles</a:t>
             </a:r>
           </a:p>
@@ -2387,7 +2395,7 @@
           <a:p>
             <a:fld id="{A8B8C383-1ABA-4B81-975C-6AABE475D833}" type="datetimeFigureOut">
               <a:rPr lang="hu-HU" smtClean="0"/>
-              <a:t>2017. 10. 19.</a:t>
+              <a:t>2017. 10. 22.</a:t>
             </a:fld>
             <a:endParaRPr lang="hu-HU"/>
           </a:p>
@@ -2496,7 +2504,7 @@
           <a:lstStyle/>
           <a:p>
             <a:r>
-              <a:rPr lang="en-US" smtClean="0"/>
+              <a:rPr lang="en-US"/>
               <a:t>Click to edit Master title style</a:t>
             </a:r>
             <a:endParaRPr lang="hu-HU"/>
@@ -2530,35 +2538,35 @@
           <a:p>
             <a:pPr lvl="0"/>
             <a:r>
-              <a:rPr lang="en-US" smtClean="0"/>
+              <a:rPr lang="en-US"/>
               <a:t>Edit Master text styles</a:t>
             </a:r>
           </a:p>
           <a:p>
             <a:pPr lvl="1"/>
             <a:r>
-              <a:rPr lang="en-US" smtClean="0"/>
+              <a:rPr lang="en-US"/>
               <a:t>Second level</a:t>
             </a:r>
           </a:p>
           <a:p>
             <a:pPr lvl="2"/>
             <a:r>
-              <a:rPr lang="en-US" smtClean="0"/>
+              <a:rPr lang="en-US"/>
               <a:t>Third level</a:t>
             </a:r>
           </a:p>
           <a:p>
             <a:pPr lvl="3"/>
             <a:r>
-              <a:rPr lang="en-US" smtClean="0"/>
+              <a:rPr lang="en-US"/>
               <a:t>Fourth level</a:t>
             </a:r>
           </a:p>
           <a:p>
             <a:pPr lvl="4"/>
             <a:r>
-              <a:rPr lang="en-US" smtClean="0"/>
+              <a:rPr lang="en-US"/>
               <a:t>Fifth level</a:t>
             </a:r>
             <a:endParaRPr lang="hu-HU"/>
@@ -2600,7 +2608,7 @@
           <a:p>
             <a:fld id="{A8B8C383-1ABA-4B81-975C-6AABE475D833}" type="datetimeFigureOut">
               <a:rPr lang="hu-HU" smtClean="0"/>
-              <a:t>2017. 10. 19.</a:t>
+              <a:t>2017. 10. 22.</a:t>
             </a:fld>
             <a:endParaRPr lang="hu-HU"/>
           </a:p>
@@ -3023,10 +3031,9 @@
           <a:lstStyle/>
           <a:p>
             <a:r>
-              <a:rPr lang="hu-HU" dirty="0" smtClean="0"/>
+              <a:rPr lang="hu-HU" dirty="0"/>
               <a:t>Load-Optimal Local Fast Rerouting for Relisient Networks</a:t>
             </a:r>
-            <a:endParaRPr lang="hu-HU" dirty="0"/>
           </a:p>
         </p:txBody>
       </p:sp>
@@ -3046,10 +3053,9 @@
           <a:lstStyle/>
           <a:p>
             <a:r>
-              <a:rPr lang="hu-HU" dirty="0" smtClean="0"/>
+              <a:rPr lang="hu-HU" dirty="0"/>
               <a:t>Authors: Mózsi Krisztián, Nagy András</a:t>
             </a:r>
-            <a:endParaRPr lang="hu-HU" dirty="0"/>
           </a:p>
         </p:txBody>
       </p:sp>
@@ -3083,6 +3089,1880 @@
           <a:chExt cx="0" cy="0"/>
         </a:xfrm>
       </p:grpSpPr>
+      <p:grpSp>
+        <p:nvGrpSpPr>
+          <p:cNvPr id="42" name="Csoportba foglalás 41"/>
+          <p:cNvGrpSpPr/>
+          <p:nvPr/>
+        </p:nvGrpSpPr>
+        <p:grpSpPr>
+          <a:xfrm>
+            <a:off x="1071294" y="668453"/>
+            <a:ext cx="4176036" cy="4415312"/>
+            <a:chOff x="1071294" y="668453"/>
+            <a:chExt cx="4176036" cy="4415312"/>
+          </a:xfrm>
+        </p:grpSpPr>
+        <p:sp>
+          <p:nvSpPr>
+            <p:cNvPr id="4" name="Ellipszis 3"/>
+            <p:cNvSpPr/>
+            <p:nvPr/>
+          </p:nvSpPr>
+          <p:spPr>
+            <a:xfrm>
+              <a:off x="2939982" y="668453"/>
+              <a:ext cx="600891" cy="561702"/>
+            </a:xfrm>
+            <a:prstGeom prst="ellipse">
+              <a:avLst/>
+            </a:prstGeom>
+            <a:solidFill>
+              <a:schemeClr val="bg1"/>
+            </a:solidFill>
+          </p:spPr>
+          <p:style>
+            <a:lnRef idx="2">
+              <a:schemeClr val="accent1">
+                <a:shade val="50000"/>
+              </a:schemeClr>
+            </a:lnRef>
+            <a:fillRef idx="1">
+              <a:schemeClr val="accent1"/>
+            </a:fillRef>
+            <a:effectRef idx="0">
+              <a:schemeClr val="accent1"/>
+            </a:effectRef>
+            <a:fontRef idx="minor">
+              <a:schemeClr val="lt1"/>
+            </a:fontRef>
+          </p:style>
+          <p:txBody>
+            <a:bodyPr rtlCol="0" anchor="ctr"/>
+            <a:lstStyle/>
+            <a:p>
+              <a:pPr algn="ctr"/>
+              <a:r>
+                <a:rPr lang="hu-HU" dirty="0">
+                  <a:ln w="0"/>
+                  <a:solidFill>
+                    <a:schemeClr val="tx1"/>
+                  </a:solidFill>
+                  <a:effectLst>
+                    <a:outerShdw blurRad="38100" dist="19050" dir="2700000" algn="tl" rotWithShape="0">
+                      <a:schemeClr val="dk1">
+                        <a:alpha val="40000"/>
+                      </a:schemeClr>
+                    </a:outerShdw>
+                  </a:effectLst>
+                </a:rPr>
+                <a:t>1</a:t>
+              </a:r>
+            </a:p>
+          </p:txBody>
+        </p:sp>
+        <p:sp>
+          <p:nvSpPr>
+            <p:cNvPr id="6" name="Ellipszis 5"/>
+            <p:cNvSpPr/>
+            <p:nvPr/>
+          </p:nvSpPr>
+          <p:spPr>
+            <a:xfrm>
+              <a:off x="1071294" y="3362207"/>
+              <a:ext cx="600891" cy="561702"/>
+            </a:xfrm>
+            <a:prstGeom prst="ellipse">
+              <a:avLst/>
+            </a:prstGeom>
+            <a:solidFill>
+              <a:schemeClr val="bg1"/>
+            </a:solidFill>
+          </p:spPr>
+          <p:style>
+            <a:lnRef idx="2">
+              <a:schemeClr val="accent1">
+                <a:shade val="50000"/>
+              </a:schemeClr>
+            </a:lnRef>
+            <a:fillRef idx="1">
+              <a:schemeClr val="accent1"/>
+            </a:fillRef>
+            <a:effectRef idx="0">
+              <a:schemeClr val="accent1"/>
+            </a:effectRef>
+            <a:fontRef idx="minor">
+              <a:schemeClr val="lt1"/>
+            </a:fontRef>
+          </p:style>
+          <p:txBody>
+            <a:bodyPr rtlCol="0" anchor="ctr"/>
+            <a:lstStyle/>
+            <a:p>
+              <a:pPr algn="ctr"/>
+              <a:r>
+                <a:rPr lang="hu-HU" dirty="0">
+                  <a:ln w="0"/>
+                  <a:solidFill>
+                    <a:schemeClr val="tx1"/>
+                  </a:solidFill>
+                  <a:effectLst>
+                    <a:outerShdw blurRad="38100" dist="19050" dir="2700000" algn="tl" rotWithShape="0">
+                      <a:schemeClr val="dk1">
+                        <a:alpha val="40000"/>
+                      </a:schemeClr>
+                    </a:outerShdw>
+                  </a:effectLst>
+                </a:rPr>
+                <a:t>5</a:t>
+              </a:r>
+            </a:p>
+          </p:txBody>
+        </p:sp>
+        <p:sp>
+          <p:nvSpPr>
+            <p:cNvPr id="7" name="Ellipszis 6"/>
+            <p:cNvSpPr/>
+            <p:nvPr/>
+          </p:nvSpPr>
+          <p:spPr>
+            <a:xfrm>
+              <a:off x="2939982" y="4522063"/>
+              <a:ext cx="600891" cy="561702"/>
+            </a:xfrm>
+            <a:prstGeom prst="ellipse">
+              <a:avLst/>
+            </a:prstGeom>
+            <a:solidFill>
+              <a:schemeClr val="bg1"/>
+            </a:solidFill>
+          </p:spPr>
+          <p:style>
+            <a:lnRef idx="2">
+              <a:schemeClr val="accent1">
+                <a:shade val="50000"/>
+              </a:schemeClr>
+            </a:lnRef>
+            <a:fillRef idx="1">
+              <a:schemeClr val="accent1"/>
+            </a:fillRef>
+            <a:effectRef idx="0">
+              <a:schemeClr val="accent1"/>
+            </a:effectRef>
+            <a:fontRef idx="minor">
+              <a:schemeClr val="lt1"/>
+            </a:fontRef>
+          </p:style>
+          <p:txBody>
+            <a:bodyPr rtlCol="0" anchor="ctr"/>
+            <a:lstStyle/>
+            <a:p>
+              <a:pPr algn="ctr"/>
+              <a:r>
+                <a:rPr lang="hu-HU" dirty="0">
+                  <a:ln w="0"/>
+                  <a:solidFill>
+                    <a:schemeClr val="tx1"/>
+                  </a:solidFill>
+                  <a:effectLst>
+                    <a:outerShdw blurRad="38100" dist="19050" dir="2700000" algn="tl" rotWithShape="0">
+                      <a:schemeClr val="dk1">
+                        <a:alpha val="40000"/>
+                      </a:schemeClr>
+                    </a:outerShdw>
+                  </a:effectLst>
+                </a:rPr>
+                <a:t>4</a:t>
+              </a:r>
+            </a:p>
+          </p:txBody>
+        </p:sp>
+        <p:sp>
+          <p:nvSpPr>
+            <p:cNvPr id="8" name="Ellipszis 7"/>
+            <p:cNvSpPr/>
+            <p:nvPr/>
+          </p:nvSpPr>
+          <p:spPr>
+            <a:xfrm>
+              <a:off x="4646439" y="3398659"/>
+              <a:ext cx="600891" cy="561702"/>
+            </a:xfrm>
+            <a:prstGeom prst="ellipse">
+              <a:avLst/>
+            </a:prstGeom>
+            <a:solidFill>
+              <a:schemeClr val="bg1"/>
+            </a:solidFill>
+          </p:spPr>
+          <p:style>
+            <a:lnRef idx="2">
+              <a:schemeClr val="accent1">
+                <a:shade val="50000"/>
+              </a:schemeClr>
+            </a:lnRef>
+            <a:fillRef idx="1">
+              <a:schemeClr val="accent1"/>
+            </a:fillRef>
+            <a:effectRef idx="0">
+              <a:schemeClr val="accent1"/>
+            </a:effectRef>
+            <a:fontRef idx="minor">
+              <a:schemeClr val="lt1"/>
+            </a:fontRef>
+          </p:style>
+          <p:txBody>
+            <a:bodyPr rtlCol="0" anchor="ctr"/>
+            <a:lstStyle/>
+            <a:p>
+              <a:pPr algn="ctr"/>
+              <a:r>
+                <a:rPr lang="hu-HU" dirty="0">
+                  <a:ln w="0"/>
+                  <a:solidFill>
+                    <a:schemeClr val="tx1"/>
+                  </a:solidFill>
+                  <a:effectLst>
+                    <a:outerShdw blurRad="38100" dist="19050" dir="2700000" algn="tl" rotWithShape="0">
+                      <a:schemeClr val="dk1">
+                        <a:alpha val="40000"/>
+                      </a:schemeClr>
+                    </a:outerShdw>
+                  </a:effectLst>
+                </a:rPr>
+                <a:t>3</a:t>
+              </a:r>
+            </a:p>
+          </p:txBody>
+        </p:sp>
+        <p:sp>
+          <p:nvSpPr>
+            <p:cNvPr id="9" name="Ellipszis 8"/>
+            <p:cNvSpPr/>
+            <p:nvPr/>
+          </p:nvSpPr>
+          <p:spPr>
+            <a:xfrm>
+              <a:off x="1076911" y="1443934"/>
+              <a:ext cx="600891" cy="561702"/>
+            </a:xfrm>
+            <a:prstGeom prst="ellipse">
+              <a:avLst/>
+            </a:prstGeom>
+            <a:solidFill>
+              <a:schemeClr val="bg1"/>
+            </a:solidFill>
+          </p:spPr>
+          <p:style>
+            <a:lnRef idx="2">
+              <a:schemeClr val="accent1">
+                <a:shade val="50000"/>
+              </a:schemeClr>
+            </a:lnRef>
+            <a:fillRef idx="1">
+              <a:schemeClr val="accent1"/>
+            </a:fillRef>
+            <a:effectRef idx="0">
+              <a:schemeClr val="accent1"/>
+            </a:effectRef>
+            <a:fontRef idx="minor">
+              <a:schemeClr val="lt1"/>
+            </a:fontRef>
+          </p:style>
+          <p:txBody>
+            <a:bodyPr rtlCol="0" anchor="ctr"/>
+            <a:lstStyle/>
+            <a:p>
+              <a:pPr algn="ctr"/>
+              <a:r>
+                <a:rPr lang="hu-HU" dirty="0">
+                  <a:ln w="0"/>
+                  <a:solidFill>
+                    <a:schemeClr val="tx1"/>
+                  </a:solidFill>
+                  <a:effectLst>
+                    <a:outerShdw blurRad="38100" dist="19050" dir="2700000" algn="tl" rotWithShape="0">
+                      <a:schemeClr val="dk1">
+                        <a:alpha val="40000"/>
+                      </a:schemeClr>
+                    </a:outerShdw>
+                  </a:effectLst>
+                </a:rPr>
+                <a:t>6</a:t>
+              </a:r>
+            </a:p>
+          </p:txBody>
+        </p:sp>
+        <p:sp>
+          <p:nvSpPr>
+            <p:cNvPr id="10" name="Ellipszis 9"/>
+            <p:cNvSpPr/>
+            <p:nvPr/>
+          </p:nvSpPr>
+          <p:spPr>
+            <a:xfrm>
+              <a:off x="4646438" y="1541134"/>
+              <a:ext cx="600891" cy="561702"/>
+            </a:xfrm>
+            <a:prstGeom prst="ellipse">
+              <a:avLst/>
+            </a:prstGeom>
+            <a:solidFill>
+              <a:schemeClr val="bg1"/>
+            </a:solidFill>
+          </p:spPr>
+          <p:style>
+            <a:lnRef idx="2">
+              <a:schemeClr val="accent1">
+                <a:shade val="50000"/>
+              </a:schemeClr>
+            </a:lnRef>
+            <a:fillRef idx="1">
+              <a:schemeClr val="accent1"/>
+            </a:fillRef>
+            <a:effectRef idx="0">
+              <a:schemeClr val="accent1"/>
+            </a:effectRef>
+            <a:fontRef idx="minor">
+              <a:schemeClr val="lt1"/>
+            </a:fontRef>
+          </p:style>
+          <p:txBody>
+            <a:bodyPr rtlCol="0" anchor="ctr"/>
+            <a:lstStyle/>
+            <a:p>
+              <a:pPr algn="ctr"/>
+              <a:r>
+                <a:rPr lang="hu-HU" dirty="0">
+                  <a:ln w="0"/>
+                  <a:solidFill>
+                    <a:schemeClr val="tx1"/>
+                  </a:solidFill>
+                  <a:effectLst>
+                    <a:outerShdw blurRad="38100" dist="19050" dir="2700000" algn="tl" rotWithShape="0">
+                      <a:schemeClr val="dk1">
+                        <a:alpha val="40000"/>
+                      </a:schemeClr>
+                    </a:outerShdw>
+                  </a:effectLst>
+                </a:rPr>
+                <a:t>2</a:t>
+              </a:r>
+            </a:p>
+          </p:txBody>
+        </p:sp>
+        <p:cxnSp>
+          <p:nvCxnSpPr>
+            <p:cNvPr id="12" name="Egyenes összekötő 11"/>
+            <p:cNvCxnSpPr>
+              <a:stCxn id="4" idx="6"/>
+              <a:endCxn id="10" idx="1"/>
+            </p:cNvCxnSpPr>
+            <p:nvPr/>
+          </p:nvCxnSpPr>
+          <p:spPr>
+            <a:xfrm>
+              <a:off x="3540873" y="949304"/>
+              <a:ext cx="1193563" cy="674089"/>
+            </a:xfrm>
+            <a:prstGeom prst="line">
+              <a:avLst/>
+            </a:prstGeom>
+            <a:ln w="19050" cap="flat" cmpd="sng" algn="ctr">
+              <a:solidFill>
+                <a:schemeClr val="accent5"/>
+              </a:solidFill>
+              <a:prstDash val="solid"/>
+              <a:round/>
+              <a:headEnd type="none" w="med" len="med"/>
+              <a:tailEnd type="arrow" w="med" len="med"/>
+            </a:ln>
+          </p:spPr>
+          <p:style>
+            <a:lnRef idx="0">
+              <a:scrgbClr r="0" g="0" b="0"/>
+            </a:lnRef>
+            <a:fillRef idx="0">
+              <a:scrgbClr r="0" g="0" b="0"/>
+            </a:fillRef>
+            <a:effectRef idx="0">
+              <a:scrgbClr r="0" g="0" b="0"/>
+            </a:effectRef>
+            <a:fontRef idx="minor">
+              <a:schemeClr val="tx1"/>
+            </a:fontRef>
+          </p:style>
+        </p:cxnSp>
+        <p:cxnSp>
+          <p:nvCxnSpPr>
+            <p:cNvPr id="15" name="Egyenes összekötő 14"/>
+            <p:cNvCxnSpPr>
+              <a:endCxn id="7" idx="0"/>
+            </p:cNvCxnSpPr>
+            <p:nvPr/>
+          </p:nvCxnSpPr>
+          <p:spPr>
+            <a:xfrm>
+              <a:off x="3235905" y="1230155"/>
+              <a:ext cx="4523" cy="3291908"/>
+            </a:xfrm>
+            <a:prstGeom prst="line">
+              <a:avLst/>
+            </a:prstGeom>
+          </p:spPr>
+          <p:style>
+            <a:lnRef idx="1">
+              <a:schemeClr val="accent1"/>
+            </a:lnRef>
+            <a:fillRef idx="0">
+              <a:schemeClr val="accent1"/>
+            </a:fillRef>
+            <a:effectRef idx="0">
+              <a:schemeClr val="accent1"/>
+            </a:effectRef>
+            <a:fontRef idx="minor">
+              <a:schemeClr val="tx1"/>
+            </a:fontRef>
+          </p:style>
+        </p:cxnSp>
+        <p:cxnSp>
+          <p:nvCxnSpPr>
+            <p:cNvPr id="18" name="Egyenes összekötő 17"/>
+            <p:cNvCxnSpPr>
+              <a:endCxn id="6" idx="0"/>
+            </p:cNvCxnSpPr>
+            <p:nvPr/>
+          </p:nvCxnSpPr>
+          <p:spPr>
+            <a:xfrm flipH="1">
+              <a:off x="1371740" y="2009832"/>
+              <a:ext cx="5203" cy="1352375"/>
+            </a:xfrm>
+            <a:prstGeom prst="line">
+              <a:avLst/>
+            </a:prstGeom>
+          </p:spPr>
+          <p:style>
+            <a:lnRef idx="1">
+              <a:schemeClr val="accent1"/>
+            </a:lnRef>
+            <a:fillRef idx="0">
+              <a:schemeClr val="accent1"/>
+            </a:fillRef>
+            <a:effectRef idx="0">
+              <a:schemeClr val="accent1"/>
+            </a:effectRef>
+            <a:fontRef idx="minor">
+              <a:schemeClr val="tx1"/>
+            </a:fontRef>
+          </p:style>
+        </p:cxnSp>
+        <p:cxnSp>
+          <p:nvCxnSpPr>
+            <p:cNvPr id="20" name="Egyenes összekötő 19"/>
+            <p:cNvCxnSpPr>
+              <a:stCxn id="6" idx="5"/>
+              <a:endCxn id="7" idx="1"/>
+            </p:cNvCxnSpPr>
+            <p:nvPr/>
+          </p:nvCxnSpPr>
+          <p:spPr>
+            <a:xfrm>
+              <a:off x="1584187" y="3841650"/>
+              <a:ext cx="1443793" cy="762672"/>
+            </a:xfrm>
+            <a:prstGeom prst="line">
+              <a:avLst/>
+            </a:prstGeom>
+          </p:spPr>
+          <p:style>
+            <a:lnRef idx="1">
+              <a:schemeClr val="accent1"/>
+            </a:lnRef>
+            <a:fillRef idx="0">
+              <a:schemeClr val="accent1"/>
+            </a:fillRef>
+            <a:effectRef idx="0">
+              <a:schemeClr val="accent1"/>
+            </a:effectRef>
+            <a:fontRef idx="minor">
+              <a:schemeClr val="tx1"/>
+            </a:fontRef>
+          </p:style>
+        </p:cxnSp>
+        <p:cxnSp>
+          <p:nvCxnSpPr>
+            <p:cNvPr id="23" name="Egyenes összekötő 22"/>
+            <p:cNvCxnSpPr>
+              <a:endCxn id="8" idx="3"/>
+            </p:cNvCxnSpPr>
+            <p:nvPr/>
+          </p:nvCxnSpPr>
+          <p:spPr>
+            <a:xfrm flipV="1">
+              <a:off x="3546208" y="3878102"/>
+              <a:ext cx="1188229" cy="924812"/>
+            </a:xfrm>
+            <a:prstGeom prst="line">
+              <a:avLst/>
+            </a:prstGeom>
+          </p:spPr>
+          <p:style>
+            <a:lnRef idx="1">
+              <a:schemeClr val="accent1"/>
+            </a:lnRef>
+            <a:fillRef idx="0">
+              <a:schemeClr val="accent1"/>
+            </a:fillRef>
+            <a:effectRef idx="0">
+              <a:schemeClr val="accent1"/>
+            </a:effectRef>
+            <a:fontRef idx="minor">
+              <a:schemeClr val="tx1"/>
+            </a:fontRef>
+          </p:style>
+        </p:cxnSp>
+        <p:cxnSp>
+          <p:nvCxnSpPr>
+            <p:cNvPr id="26" name="Egyenes összekötő 25"/>
+            <p:cNvCxnSpPr>
+              <a:stCxn id="6" idx="6"/>
+              <a:endCxn id="8" idx="2"/>
+            </p:cNvCxnSpPr>
+            <p:nvPr/>
+          </p:nvCxnSpPr>
+          <p:spPr>
+            <a:xfrm>
+              <a:off x="1672185" y="3643058"/>
+              <a:ext cx="2974254" cy="36452"/>
+            </a:xfrm>
+            <a:prstGeom prst="line">
+              <a:avLst/>
+            </a:prstGeom>
+          </p:spPr>
+          <p:style>
+            <a:lnRef idx="1">
+              <a:schemeClr val="accent1"/>
+            </a:lnRef>
+            <a:fillRef idx="0">
+              <a:schemeClr val="accent1"/>
+            </a:fillRef>
+            <a:effectRef idx="0">
+              <a:schemeClr val="accent1"/>
+            </a:effectRef>
+            <a:fontRef idx="minor">
+              <a:schemeClr val="tx1"/>
+            </a:fontRef>
+          </p:style>
+        </p:cxnSp>
+        <p:cxnSp>
+          <p:nvCxnSpPr>
+            <p:cNvPr id="29" name="Egyenes összekötő 28"/>
+            <p:cNvCxnSpPr>
+              <a:stCxn id="9" idx="6"/>
+              <a:endCxn id="8" idx="1"/>
+            </p:cNvCxnSpPr>
+            <p:nvPr/>
+          </p:nvCxnSpPr>
+          <p:spPr>
+            <a:xfrm>
+              <a:off x="1677802" y="1724785"/>
+              <a:ext cx="3056635" cy="1756133"/>
+            </a:xfrm>
+            <a:prstGeom prst="line">
+              <a:avLst/>
+            </a:prstGeom>
+          </p:spPr>
+          <p:style>
+            <a:lnRef idx="1">
+              <a:schemeClr val="accent1"/>
+            </a:lnRef>
+            <a:fillRef idx="0">
+              <a:schemeClr val="accent1"/>
+            </a:fillRef>
+            <a:effectRef idx="0">
+              <a:schemeClr val="accent1"/>
+            </a:effectRef>
+            <a:fontRef idx="minor">
+              <a:schemeClr val="tx1"/>
+            </a:fontRef>
+          </p:style>
+        </p:cxnSp>
+        <p:cxnSp>
+          <p:nvCxnSpPr>
+            <p:cNvPr id="33" name="Egyenes összekötő 32"/>
+            <p:cNvCxnSpPr>
+              <a:stCxn id="6" idx="7"/>
+              <a:endCxn id="10" idx="3"/>
+            </p:cNvCxnSpPr>
+            <p:nvPr/>
+          </p:nvCxnSpPr>
+          <p:spPr>
+            <a:xfrm flipV="1">
+              <a:off x="1584187" y="2020577"/>
+              <a:ext cx="3150249" cy="1423889"/>
+            </a:xfrm>
+            <a:prstGeom prst="line">
+              <a:avLst/>
+            </a:prstGeom>
+          </p:spPr>
+          <p:style>
+            <a:lnRef idx="1">
+              <a:schemeClr val="accent1"/>
+            </a:lnRef>
+            <a:fillRef idx="0">
+              <a:schemeClr val="accent1"/>
+            </a:fillRef>
+            <a:effectRef idx="0">
+              <a:schemeClr val="accent1"/>
+            </a:effectRef>
+            <a:fontRef idx="minor">
+              <a:schemeClr val="tx1"/>
+            </a:fontRef>
+          </p:style>
+        </p:cxnSp>
+        <p:cxnSp>
+          <p:nvCxnSpPr>
+            <p:cNvPr id="36" name="Egyenes összekötő 35"/>
+            <p:cNvCxnSpPr>
+              <a:stCxn id="4" idx="5"/>
+              <a:endCxn id="8" idx="1"/>
+            </p:cNvCxnSpPr>
+            <p:nvPr/>
+          </p:nvCxnSpPr>
+          <p:spPr>
+            <a:xfrm>
+              <a:off x="3452875" y="1147896"/>
+              <a:ext cx="1281562" cy="2333022"/>
+            </a:xfrm>
+            <a:prstGeom prst="line">
+              <a:avLst/>
+            </a:prstGeom>
+          </p:spPr>
+          <p:style>
+            <a:lnRef idx="1">
+              <a:schemeClr val="accent1"/>
+            </a:lnRef>
+            <a:fillRef idx="0">
+              <a:schemeClr val="accent1"/>
+            </a:fillRef>
+            <a:effectRef idx="0">
+              <a:schemeClr val="accent1"/>
+            </a:effectRef>
+            <a:fontRef idx="minor">
+              <a:schemeClr val="tx1"/>
+            </a:fontRef>
+          </p:style>
+        </p:cxnSp>
+        <p:cxnSp>
+          <p:nvCxnSpPr>
+            <p:cNvPr id="39" name="Egyenes összekötő 38"/>
+            <p:cNvCxnSpPr>
+              <a:stCxn id="4" idx="4"/>
+              <a:endCxn id="6" idx="7"/>
+            </p:cNvCxnSpPr>
+            <p:nvPr/>
+          </p:nvCxnSpPr>
+          <p:spPr>
+            <a:xfrm flipH="1">
+              <a:off x="1584187" y="1230155"/>
+              <a:ext cx="1656241" cy="2214311"/>
+            </a:xfrm>
+            <a:prstGeom prst="line">
+              <a:avLst/>
+            </a:prstGeom>
+          </p:spPr>
+          <p:style>
+            <a:lnRef idx="1">
+              <a:schemeClr val="accent1"/>
+            </a:lnRef>
+            <a:fillRef idx="0">
+              <a:schemeClr val="accent1"/>
+            </a:fillRef>
+            <a:effectRef idx="0">
+              <a:schemeClr val="accent1"/>
+            </a:effectRef>
+            <a:fontRef idx="minor">
+              <a:schemeClr val="tx1"/>
+            </a:fontRef>
+          </p:style>
+        </p:cxnSp>
+      </p:grpSp>
+      <mc:AlternateContent xmlns:mc="http://schemas.openxmlformats.org/markup-compatibility/2006">
+        <mc:Choice xmlns:a14="http://schemas.microsoft.com/office/drawing/2010/main" Requires="a14">
+          <p:sp>
+            <p:nvSpPr>
+              <p:cNvPr id="43" name="Szövegdoboz 42"/>
+              <p:cNvSpPr txBox="1"/>
+              <p:nvPr/>
+            </p:nvSpPr>
+            <p:spPr>
+              <a:xfrm>
+                <a:off x="6835877" y="2599110"/>
+                <a:ext cx="3119285" cy="553998"/>
+              </a:xfrm>
+              <a:prstGeom prst="rect">
+                <a:avLst/>
+              </a:prstGeom>
+              <a:noFill/>
+            </p:spPr>
+            <p:txBody>
+              <a:bodyPr wrap="square" lIns="0" tIns="0" rIns="0" bIns="0" rtlCol="0">
+                <a:spAutoFit/>
+              </a:bodyPr>
+              <a:lstStyle/>
+              <a:p>
+                <a:pPr/>
+                <a14:m>
+                  <m:oMathPara xmlns:m="http://schemas.openxmlformats.org/officeDocument/2006/math">
+                    <m:oMathParaPr>
+                      <m:jc m:val="centerGroup"/>
+                    </m:oMathParaPr>
+                    <m:oMath xmlns:m="http://schemas.openxmlformats.org/officeDocument/2006/math">
+                      <m:d>
+                        <m:dPr>
+                          <m:begChr m:val="["/>
+                          <m:endChr m:val="]"/>
+                          <m:ctrlPr>
+                            <a:rPr lang="hu-HU" sz="3600" b="0" i="1" smtClean="0">
+                              <a:latin typeface="Cambria Math" panose="02040503050406030204" pitchFamily="18" charset="0"/>
+                            </a:rPr>
+                          </m:ctrlPr>
+                        </m:dPr>
+                        <m:e>
+                          <m:r>
+                            <a:rPr lang="hu-HU" sz="3600" b="0" i="1" smtClean="0">
+                              <a:latin typeface="Cambria Math" panose="02040503050406030204" pitchFamily="18" charset="0"/>
+                            </a:rPr>
+                            <m:t>1, </m:t>
+                          </m:r>
+                          <m:r>
+                            <a:rPr lang="hu-HU" sz="3600" i="1" smtClean="0">
+                              <a:ln w="0"/>
+                              <a:solidFill>
+                                <a:schemeClr val="tx1"/>
+                              </a:solidFill>
+                              <a:effectLst>
+                                <a:outerShdw blurRad="38100" dist="25400" dir="5400000" algn="ctr" rotWithShape="0">
+                                  <a:srgbClr val="6E747A">
+                                    <a:alpha val="43000"/>
+                                  </a:srgbClr>
+                                </a:outerShdw>
+                              </a:effectLst>
+                              <a:latin typeface="Cambria Math" panose="02040503050406030204" pitchFamily="18" charset="0"/>
+                            </a:rPr>
+                            <m:t>2</m:t>
+                          </m:r>
+                          <m:r>
+                            <a:rPr lang="hu-HU" sz="3600" b="0" i="1" smtClean="0">
+                              <a:latin typeface="Cambria Math" panose="02040503050406030204" pitchFamily="18" charset="0"/>
+                            </a:rPr>
+                            <m:t>, </m:t>
+                          </m:r>
+                          <m:r>
+                            <a:rPr lang="hu-HU" sz="3600" b="0" i="1" smtClean="0">
+                              <a:solidFill>
+                                <a:schemeClr val="tx1"/>
+                              </a:solidFill>
+                              <a:latin typeface="Cambria Math" panose="02040503050406030204" pitchFamily="18" charset="0"/>
+                            </a:rPr>
+                            <m:t>3</m:t>
+                          </m:r>
+                          <m:r>
+                            <a:rPr lang="hu-HU" sz="3600" b="0" i="1" smtClean="0">
+                              <a:latin typeface="Cambria Math" panose="02040503050406030204" pitchFamily="18" charset="0"/>
+                            </a:rPr>
+                            <m:t>, </m:t>
+                          </m:r>
+                          <m:r>
+                            <a:rPr lang="hu-HU" sz="3600" b="0" i="1" smtClean="0">
+                              <a:solidFill>
+                                <a:schemeClr val="accent1"/>
+                              </a:solidFill>
+                              <a:latin typeface="Cambria Math" panose="02040503050406030204" pitchFamily="18" charset="0"/>
+                            </a:rPr>
+                            <m:t>4</m:t>
+                          </m:r>
+                          <m:r>
+                            <a:rPr lang="hu-HU" sz="3600" b="0" i="1" smtClean="0">
+                              <a:latin typeface="Cambria Math" panose="02040503050406030204" pitchFamily="18" charset="0"/>
+                            </a:rPr>
+                            <m:t>, 5, 6</m:t>
+                          </m:r>
+                        </m:e>
+                      </m:d>
+                    </m:oMath>
+                  </m:oMathPara>
+                </a14:m>
+                <a:endParaRPr lang="hu-HU" sz="3600" b="0" dirty="0"/>
+              </a:p>
+            </p:txBody>
+          </p:sp>
+        </mc:Choice>
+        <mc:Fallback>
+          <p:sp>
+            <p:nvSpPr>
+              <p:cNvPr id="43" name="Szövegdoboz 42"/>
+              <p:cNvSpPr txBox="1">
+                <a:spLocks noRot="1" noChangeAspect="1" noMove="1" noResize="1" noEditPoints="1" noAdjustHandles="1" noChangeArrowheads="1" noChangeShapeType="1" noTextEdit="1"/>
+              </p:cNvSpPr>
+              <p:nvPr/>
+            </p:nvSpPr>
+            <p:spPr>
+              <a:xfrm>
+                <a:off x="6835877" y="2599110"/>
+                <a:ext cx="3119285" cy="553998"/>
+              </a:xfrm>
+              <a:prstGeom prst="rect">
+                <a:avLst/>
+              </a:prstGeom>
+              <a:blipFill>
+                <a:blip r:embed="rId2"/>
+                <a:stretch>
+                  <a:fillRect/>
+                </a:stretch>
+              </a:blipFill>
+            </p:spPr>
+            <p:txBody>
+              <a:bodyPr/>
+              <a:lstStyle/>
+              <a:p>
+                <a:r>
+                  <a:rPr lang="hu-HU">
+                    <a:noFill/>
+                  </a:rPr>
+                  <a:t> </a:t>
+                </a:r>
+              </a:p>
+            </p:txBody>
+          </p:sp>
+        </mc:Fallback>
+      </mc:AlternateContent>
+      <p:cxnSp>
+        <p:nvCxnSpPr>
+          <p:cNvPr id="21" name="Egyenes összekötő 20">
+            <a:extLst>
+              <a:ext uri="{FF2B5EF4-FFF2-40B4-BE49-F238E27FC236}">
+                <a16:creationId xmlns:a16="http://schemas.microsoft.com/office/drawing/2014/main" id="{5ECD2346-94DC-4B9B-952C-6F75E66AF945}"/>
+              </a:ext>
+            </a:extLst>
+          </p:cNvPr>
+          <p:cNvCxnSpPr>
+            <a:cxnSpLocks/>
+            <a:stCxn id="7" idx="7"/>
+          </p:cNvCxnSpPr>
+          <p:nvPr/>
+        </p:nvCxnSpPr>
+        <p:spPr>
+          <a:xfrm flipV="1">
+            <a:off x="3452875" y="2020580"/>
+            <a:ext cx="1281561" cy="2583742"/>
+          </a:xfrm>
+          <a:prstGeom prst="line">
+            <a:avLst/>
+          </a:prstGeom>
+          <a:ln w="19050">
+            <a:solidFill>
+              <a:schemeClr val="accent5"/>
+            </a:solidFill>
+            <a:headEnd type="triangle"/>
+            <a:tailEnd type="none"/>
+          </a:ln>
+        </p:spPr>
+        <p:style>
+          <a:lnRef idx="1">
+            <a:schemeClr val="accent1"/>
+          </a:lnRef>
+          <a:fillRef idx="0">
+            <a:schemeClr val="accent1"/>
+          </a:fillRef>
+          <a:effectRef idx="0">
+            <a:schemeClr val="accent1"/>
+          </a:effectRef>
+          <a:fontRef idx="minor">
+            <a:schemeClr val="tx1"/>
+          </a:fontRef>
+        </p:style>
+      </p:cxnSp>
+      <p:cxnSp>
+        <p:nvCxnSpPr>
+          <p:cNvPr id="24" name="Egyenes összekötő 23">
+            <a:extLst>
+              <a:ext uri="{FF2B5EF4-FFF2-40B4-BE49-F238E27FC236}">
+                <a16:creationId xmlns:a16="http://schemas.microsoft.com/office/drawing/2014/main" id="{39FFA79E-E852-49C1-9527-5CC7439760DF}"/>
+              </a:ext>
+            </a:extLst>
+          </p:cNvPr>
+          <p:cNvCxnSpPr>
+            <a:cxnSpLocks/>
+            <a:stCxn id="9" idx="5"/>
+            <a:endCxn id="7" idx="1"/>
+          </p:cNvCxnSpPr>
+          <p:nvPr/>
+        </p:nvCxnSpPr>
+        <p:spPr>
+          <a:xfrm>
+            <a:off x="1589804" y="1923377"/>
+            <a:ext cx="1438176" cy="2680945"/>
+          </a:xfrm>
+          <a:prstGeom prst="line">
+            <a:avLst/>
+          </a:prstGeom>
+          <a:ln w="19050">
+            <a:solidFill>
+              <a:schemeClr val="accent5"/>
+            </a:solidFill>
+            <a:headEnd type="triangle"/>
+          </a:ln>
+        </p:spPr>
+        <p:style>
+          <a:lnRef idx="1">
+            <a:schemeClr val="accent1"/>
+          </a:lnRef>
+          <a:fillRef idx="0">
+            <a:schemeClr val="accent1"/>
+          </a:fillRef>
+          <a:effectRef idx="0">
+            <a:schemeClr val="accent1"/>
+          </a:effectRef>
+          <a:fontRef idx="minor">
+            <a:schemeClr val="tx1"/>
+          </a:fontRef>
+        </p:style>
+      </p:cxnSp>
+    </p:spTree>
+    <p:extLst>
+      <p:ext uri="{BB962C8B-B14F-4D97-AF65-F5344CB8AC3E}">
+        <p14:creationId xmlns:p14="http://schemas.microsoft.com/office/powerpoint/2010/main" val="2797682119"/>
+      </p:ext>
+    </p:extLst>
+  </p:cSld>
+  <p:clrMapOvr>
+    <a:masterClrMapping/>
+  </p:clrMapOvr>
+</p:sld>
+</file>
+
+<file path=ppt/slides/slide11.xml><?xml version="1.0" encoding="utf-8"?>
+<p:sld xmlns:a="http://schemas.openxmlformats.org/drawingml/2006/main" xmlns:r="http://schemas.openxmlformats.org/officeDocument/2006/relationships" xmlns:p="http://schemas.openxmlformats.org/presentationml/2006/main">
+  <p:cSld>
+    <p:spTree>
+      <p:nvGrpSpPr>
+        <p:cNvPr id="1" name=""/>
+        <p:cNvGrpSpPr/>
+        <p:nvPr/>
+      </p:nvGrpSpPr>
+      <p:grpSpPr>
+        <a:xfrm>
+          <a:off x="0" y="0"/>
+          <a:ext cx="0" cy="0"/>
+          <a:chOff x="0" y="0"/>
+          <a:chExt cx="0" cy="0"/>
+        </a:xfrm>
+      </p:grpSpPr>
+      <mc:AlternateContent xmlns:mc="http://schemas.openxmlformats.org/markup-compatibility/2006" xmlns:a14="http://schemas.microsoft.com/office/drawing/2010/main">
+        <mc:Choice Requires="a14">
+          <p:sp>
+            <p:nvSpPr>
+              <p:cNvPr id="5" name="Téglalap 4"/>
+              <p:cNvSpPr/>
+              <p:nvPr/>
+            </p:nvSpPr>
+            <p:spPr>
+              <a:xfrm>
+                <a:off x="2398547" y="2080696"/>
+                <a:ext cx="3132098" cy="846963"/>
+              </a:xfrm>
+              <a:prstGeom prst="rect">
+                <a:avLst/>
+              </a:prstGeom>
+            </p:spPr>
+            <p:txBody>
+              <a:bodyPr wrap="square">
+                <a:spAutoFit/>
+              </a:bodyPr>
+              <a:lstStyle/>
+              <a:p>
+                <a:pPr/>
+                <a14:m>
+                  <m:oMathPara xmlns:m="http://schemas.openxmlformats.org/officeDocument/2006/math">
+                    <m:oMathParaPr>
+                      <m:jc m:val="centerGroup"/>
+                    </m:oMathParaPr>
+                    <m:oMath xmlns:m="http://schemas.openxmlformats.org/officeDocument/2006/math">
+                      <m:d>
+                        <m:dPr>
+                          <m:begChr m:val="["/>
+                          <m:endChr m:val="]"/>
+                          <m:ctrlPr>
+                            <a:rPr lang="hu-HU" i="1" smtClean="0">
+                              <a:latin typeface="Cambria Math" panose="02040503050406030204" pitchFamily="18" charset="0"/>
+                            </a:rPr>
+                          </m:ctrlPr>
+                        </m:dPr>
+                        <m:e>
+                          <m:m>
+                            <m:mPr>
+                              <m:mcs>
+                                <m:mc>
+                                  <m:mcPr>
+                                    <m:count m:val="3"/>
+                                    <m:mcJc m:val="center"/>
+                                  </m:mcPr>
+                                </m:mc>
+                              </m:mcs>
+                              <m:ctrlPr>
+                                <a:rPr lang="hu-HU" i="1" smtClean="0">
+                                  <a:latin typeface="Cambria Math" panose="02040503050406030204" pitchFamily="18" charset="0"/>
+                                </a:rPr>
+                              </m:ctrlPr>
+                            </m:mPr>
+                            <m:mr>
+                              <m:e>
+                                <m:r>
+                                  <m:rPr>
+                                    <m:brk m:alnAt="7"/>
+                                  </m:rPr>
+                                  <a:rPr lang="hu-HU" b="0" i="1" smtClean="0">
+                                    <a:latin typeface="Cambria Math" panose="02040503050406030204" pitchFamily="18" charset="0"/>
+                                  </a:rPr>
+                                  <m:t>1</m:t>
+                                </m:r>
+                              </m:e>
+                              <m:e>
+                                <m:r>
+                                  <a:rPr lang="hu-HU" b="0" i="1" smtClean="0">
+                                    <a:latin typeface="Cambria Math" panose="02040503050406030204" pitchFamily="18" charset="0"/>
+                                  </a:rPr>
+                                  <m:t>2</m:t>
+                                </m:r>
+                              </m:e>
+                              <m:e>
+                                <m:r>
+                                  <a:rPr lang="hu-HU" b="0" i="1" smtClean="0">
+                                    <a:latin typeface="Cambria Math" panose="02040503050406030204" pitchFamily="18" charset="0"/>
+                                  </a:rPr>
+                                  <m:t>3</m:t>
+                                </m:r>
+                              </m:e>
+                            </m:mr>
+                            <m:mr>
+                              <m:e>
+                                <m:r>
+                                  <a:rPr lang="hu-HU" b="0" i="1" smtClean="0">
+                                    <a:latin typeface="Cambria Math" panose="02040503050406030204" pitchFamily="18" charset="0"/>
+                                  </a:rPr>
+                                  <m:t>2</m:t>
+                                </m:r>
+                              </m:e>
+                              <m:e>
+                                <m:r>
+                                  <a:rPr lang="hu-HU" b="0" i="1" smtClean="0">
+                                    <a:latin typeface="Cambria Math" panose="02040503050406030204" pitchFamily="18" charset="0"/>
+                                  </a:rPr>
+                                  <m:t>3</m:t>
+                                </m:r>
+                              </m:e>
+                              <m:e>
+                                <m:r>
+                                  <a:rPr lang="hu-HU" b="0" i="1" smtClean="0">
+                                    <a:latin typeface="Cambria Math" panose="02040503050406030204" pitchFamily="18" charset="0"/>
+                                  </a:rPr>
+                                  <m:t>4</m:t>
+                                </m:r>
+                              </m:e>
+                            </m:mr>
+                            <m:mr>
+                              <m:e>
+                                <m:r>
+                                  <a:rPr lang="hu-HU" b="0" i="1" smtClean="0">
+                                    <a:latin typeface="Cambria Math" panose="02040503050406030204" pitchFamily="18" charset="0"/>
+                                  </a:rPr>
+                                  <m:t>3</m:t>
+                                </m:r>
+                              </m:e>
+                              <m:e>
+                                <m:r>
+                                  <a:rPr lang="hu-HU" b="0" i="1" smtClean="0">
+                                    <a:latin typeface="Cambria Math" panose="02040503050406030204" pitchFamily="18" charset="0"/>
+                                  </a:rPr>
+                                  <m:t>4</m:t>
+                                </m:r>
+                              </m:e>
+                              <m:e>
+                                <m:r>
+                                  <a:rPr lang="hu-HU" b="0" i="1" smtClean="0">
+                                    <a:latin typeface="Cambria Math" panose="02040503050406030204" pitchFamily="18" charset="0"/>
+                                  </a:rPr>
+                                  <m:t>5</m:t>
+                                </m:r>
+                              </m:e>
+                            </m:mr>
+                          </m:m>
+                          <m:r>
+                            <a:rPr lang="hu-HU" b="0" i="1" smtClean="0">
+                              <a:latin typeface="Cambria Math" panose="02040503050406030204" pitchFamily="18" charset="0"/>
+                            </a:rPr>
+                            <m:t>    </m:t>
+                          </m:r>
+                          <m:m>
+                            <m:mPr>
+                              <m:mcs>
+                                <m:mc>
+                                  <m:mcPr>
+                                    <m:count m:val="3"/>
+                                    <m:mcJc m:val="center"/>
+                                  </m:mcPr>
+                                </m:mc>
+                              </m:mcs>
+                              <m:ctrlPr>
+                                <a:rPr lang="hu-HU" i="1" smtClean="0">
+                                  <a:latin typeface="Cambria Math" panose="02040503050406030204" pitchFamily="18" charset="0"/>
+                                </a:rPr>
+                              </m:ctrlPr>
+                            </m:mPr>
+                            <m:mr>
+                              <m:e>
+                                <m:r>
+                                  <m:rPr>
+                                    <m:brk m:alnAt="7"/>
+                                  </m:rPr>
+                                  <a:rPr lang="hu-HU" b="0" i="1" smtClean="0">
+                                    <a:latin typeface="Cambria Math" panose="02040503050406030204" pitchFamily="18" charset="0"/>
+                                  </a:rPr>
+                                  <m:t>4</m:t>
+                                </m:r>
+                              </m:e>
+                              <m:e>
+                                <m:r>
+                                  <a:rPr lang="hu-HU" b="0" i="1" smtClean="0">
+                                    <a:latin typeface="Cambria Math" panose="02040503050406030204" pitchFamily="18" charset="0"/>
+                                  </a:rPr>
+                                  <m:t>5</m:t>
+                                </m:r>
+                              </m:e>
+                              <m:e>
+                                <m:r>
+                                  <a:rPr lang="hu-HU" b="0" i="1" smtClean="0">
+                                    <a:latin typeface="Cambria Math" panose="02040503050406030204" pitchFamily="18" charset="0"/>
+                                  </a:rPr>
+                                  <m:t>6</m:t>
+                                </m:r>
+                              </m:e>
+                            </m:mr>
+                            <m:mr>
+                              <m:e>
+                                <m:r>
+                                  <a:rPr lang="hu-HU" b="0" i="1" smtClean="0">
+                                    <a:latin typeface="Cambria Math" panose="02040503050406030204" pitchFamily="18" charset="0"/>
+                                  </a:rPr>
+                                  <m:t>5</m:t>
+                                </m:r>
+                              </m:e>
+                              <m:e>
+                                <m:r>
+                                  <a:rPr lang="hu-HU" b="0" i="1" smtClean="0">
+                                    <a:latin typeface="Cambria Math" panose="02040503050406030204" pitchFamily="18" charset="0"/>
+                                  </a:rPr>
+                                  <m:t>1</m:t>
+                                </m:r>
+                              </m:e>
+                              <m:e>
+                                <m:r>
+                                  <a:rPr lang="hu-HU" b="0" i="1" smtClean="0">
+                                    <a:latin typeface="Cambria Math" panose="02040503050406030204" pitchFamily="18" charset="0"/>
+                                  </a:rPr>
+                                  <m:t>6</m:t>
+                                </m:r>
+                              </m:e>
+                            </m:mr>
+                            <m:mr>
+                              <m:e>
+                                <m:r>
+                                  <a:rPr lang="hu-HU" b="0" i="1" smtClean="0">
+                                    <a:latin typeface="Cambria Math" panose="02040503050406030204" pitchFamily="18" charset="0"/>
+                                  </a:rPr>
+                                  <m:t>1</m:t>
+                                </m:r>
+                              </m:e>
+                              <m:e>
+                                <m:r>
+                                  <a:rPr lang="hu-HU" b="0" i="1" smtClean="0">
+                                    <a:latin typeface="Cambria Math" panose="02040503050406030204" pitchFamily="18" charset="0"/>
+                                  </a:rPr>
+                                  <m:t>2</m:t>
+                                </m:r>
+                              </m:e>
+                              <m:e>
+                                <m:r>
+                                  <a:rPr lang="hu-HU" b="0" i="1" smtClean="0">
+                                    <a:latin typeface="Cambria Math" panose="02040503050406030204" pitchFamily="18" charset="0"/>
+                                  </a:rPr>
+                                  <m:t>6</m:t>
+                                </m:r>
+                              </m:e>
+                            </m:mr>
+                          </m:m>
+                        </m:e>
+                      </m:d>
+                    </m:oMath>
+                  </m:oMathPara>
+                </a14:m>
+                <a:endParaRPr lang="hu-HU" dirty="0"/>
+              </a:p>
+            </p:txBody>
+          </p:sp>
+        </mc:Choice>
+        <mc:Fallback xmlns="">
+          <p:sp>
+            <p:nvSpPr>
+              <p:cNvPr id="5" name="Téglalap 4"/>
+              <p:cNvSpPr>
+                <a:spLocks noRot="1" noChangeAspect="1" noMove="1" noResize="1" noEditPoints="1" noAdjustHandles="1" noChangeArrowheads="1" noChangeShapeType="1" noTextEdit="1"/>
+              </p:cNvSpPr>
+              <p:nvPr/>
+            </p:nvSpPr>
+            <p:spPr>
+              <a:xfrm>
+                <a:off x="2398547" y="2080696"/>
+                <a:ext cx="3132098" cy="846963"/>
+              </a:xfrm>
+              <a:prstGeom prst="rect">
+                <a:avLst/>
+              </a:prstGeom>
+              <a:blipFill>
+                <a:blip r:embed="rId2"/>
+                <a:stretch>
+                  <a:fillRect/>
+                </a:stretch>
+              </a:blipFill>
+            </p:spPr>
+            <p:txBody>
+              <a:bodyPr/>
+              <a:lstStyle/>
+              <a:p>
+                <a:r>
+                  <a:rPr lang="hu-HU">
+                    <a:noFill/>
+                  </a:rPr>
+                  <a:t> </a:t>
+                </a:r>
+              </a:p>
+            </p:txBody>
+          </p:sp>
+        </mc:Fallback>
+      </mc:AlternateContent>
+      <mc:AlternateContent xmlns:mc="http://schemas.openxmlformats.org/markup-compatibility/2006" xmlns:a14="http://schemas.microsoft.com/office/drawing/2010/main">
+        <mc:Choice Requires="a14">
+          <p:sp>
+            <p:nvSpPr>
+              <p:cNvPr id="7" name="Téglalap 6"/>
+              <p:cNvSpPr/>
+              <p:nvPr/>
+            </p:nvSpPr>
+            <p:spPr>
+              <a:xfrm>
+                <a:off x="6444520" y="2080696"/>
+                <a:ext cx="3132098" cy="846963"/>
+              </a:xfrm>
+              <a:prstGeom prst="rect">
+                <a:avLst/>
+              </a:prstGeom>
+            </p:spPr>
+            <p:txBody>
+              <a:bodyPr wrap="square">
+                <a:spAutoFit/>
+              </a:bodyPr>
+              <a:lstStyle/>
+              <a:p>
+                <a:pPr/>
+                <a14:m>
+                  <m:oMathPara xmlns:m="http://schemas.openxmlformats.org/officeDocument/2006/math">
+                    <m:oMathParaPr>
+                      <m:jc m:val="centerGroup"/>
+                    </m:oMathParaPr>
+                    <m:oMath xmlns:m="http://schemas.openxmlformats.org/officeDocument/2006/math">
+                      <m:d>
+                        <m:dPr>
+                          <m:begChr m:val="["/>
+                          <m:endChr m:val="]"/>
+                          <m:ctrlPr>
+                            <a:rPr lang="hu-HU" i="1" smtClean="0">
+                              <a:latin typeface="Cambria Math" panose="02040503050406030204" pitchFamily="18" charset="0"/>
+                            </a:rPr>
+                          </m:ctrlPr>
+                        </m:dPr>
+                        <m:e>
+                          <m:m>
+                            <m:mPr>
+                              <m:mcs>
+                                <m:mc>
+                                  <m:mcPr>
+                                    <m:count m:val="3"/>
+                                    <m:mcJc m:val="center"/>
+                                  </m:mcPr>
+                                </m:mc>
+                              </m:mcs>
+                              <m:ctrlPr>
+                                <a:rPr lang="hu-HU" i="1" smtClean="0">
+                                  <a:latin typeface="Cambria Math" panose="02040503050406030204" pitchFamily="18" charset="0"/>
+                                </a:rPr>
+                              </m:ctrlPr>
+                            </m:mPr>
+                            <m:mr>
+                              <m:e>
+                                <m:r>
+                                  <m:rPr>
+                                    <m:brk m:alnAt="7"/>
+                                  </m:rPr>
+                                  <a:rPr lang="hu-HU" b="0" i="1" smtClean="0">
+                                    <a:latin typeface="Cambria Math" panose="02040503050406030204" pitchFamily="18" charset="0"/>
+                                  </a:rPr>
+                                  <m:t>1</m:t>
+                                </m:r>
+                              </m:e>
+                              <m:e>
+                                <m:r>
+                                  <a:rPr lang="hu-HU" b="0" i="1" smtClean="0">
+                                    <a:latin typeface="Cambria Math" panose="02040503050406030204" pitchFamily="18" charset="0"/>
+                                  </a:rPr>
+                                  <m:t>2</m:t>
+                                </m:r>
+                              </m:e>
+                              <m:e>
+                                <m:r>
+                                  <a:rPr lang="hu-HU" b="0" i="1" smtClean="0">
+                                    <a:latin typeface="Cambria Math" panose="02040503050406030204" pitchFamily="18" charset="0"/>
+                                  </a:rPr>
+                                  <m:t>3</m:t>
+                                </m:r>
+                              </m:e>
+                            </m:mr>
+                            <m:mr>
+                              <m:e>
+                                <m:r>
+                                  <a:rPr lang="hu-HU" b="0" i="1" smtClean="0">
+                                    <a:latin typeface="Cambria Math" panose="02040503050406030204" pitchFamily="18" charset="0"/>
+                                  </a:rPr>
+                                  <m:t>2</m:t>
+                                </m:r>
+                              </m:e>
+                              <m:e>
+                                <m:r>
+                                  <a:rPr lang="hu-HU" b="0" i="1" smtClean="0">
+                                    <a:latin typeface="Cambria Math" panose="02040503050406030204" pitchFamily="18" charset="0"/>
+                                  </a:rPr>
+                                  <m:t>5</m:t>
+                                </m:r>
+                              </m:e>
+                              <m:e>
+                                <m:r>
+                                  <a:rPr lang="hu-HU" b="0" i="1" smtClean="0">
+                                    <a:latin typeface="Cambria Math" panose="02040503050406030204" pitchFamily="18" charset="0"/>
+                                  </a:rPr>
+                                  <m:t>1</m:t>
+                                </m:r>
+                              </m:e>
+                            </m:mr>
+                            <m:mr>
+                              <m:e>
+                                <m:r>
+                                  <a:rPr lang="hu-HU" b="0" i="1" smtClean="0">
+                                    <a:latin typeface="Cambria Math" panose="02040503050406030204" pitchFamily="18" charset="0"/>
+                                  </a:rPr>
+                                  <m:t>3</m:t>
+                                </m:r>
+                              </m:e>
+                              <m:e>
+                                <m:r>
+                                  <a:rPr lang="hu-HU" b="0" i="1" smtClean="0">
+                                    <a:latin typeface="Cambria Math" panose="02040503050406030204" pitchFamily="18" charset="0"/>
+                                  </a:rPr>
+                                  <m:t>4</m:t>
+                                </m:r>
+                              </m:e>
+                              <m:e>
+                                <m:r>
+                                  <a:rPr lang="hu-HU" b="0" i="1" smtClean="0">
+                                    <a:latin typeface="Cambria Math" panose="02040503050406030204" pitchFamily="18" charset="0"/>
+                                  </a:rPr>
+                                  <m:t>5</m:t>
+                                </m:r>
+                              </m:e>
+                            </m:mr>
+                          </m:m>
+                          <m:r>
+                            <a:rPr lang="hu-HU" b="0" i="1" smtClean="0">
+                              <a:latin typeface="Cambria Math" panose="02040503050406030204" pitchFamily="18" charset="0"/>
+                            </a:rPr>
+                            <m:t>    </m:t>
+                          </m:r>
+                          <m:m>
+                            <m:mPr>
+                              <m:mcs>
+                                <m:mc>
+                                  <m:mcPr>
+                                    <m:count m:val="3"/>
+                                    <m:mcJc m:val="center"/>
+                                  </m:mcPr>
+                                </m:mc>
+                              </m:mcs>
+                              <m:ctrlPr>
+                                <a:rPr lang="hu-HU" i="1" smtClean="0">
+                                  <a:latin typeface="Cambria Math" panose="02040503050406030204" pitchFamily="18" charset="0"/>
+                                </a:rPr>
+                              </m:ctrlPr>
+                            </m:mPr>
+                            <m:mr>
+                              <m:e>
+                                <m:r>
+                                  <m:rPr>
+                                    <m:brk m:alnAt="7"/>
+                                  </m:rPr>
+                                  <a:rPr lang="hu-HU" b="0" i="1" smtClean="0">
+                                    <a:latin typeface="Cambria Math" panose="02040503050406030204" pitchFamily="18" charset="0"/>
+                                  </a:rPr>
+                                  <m:t>4</m:t>
+                                </m:r>
+                              </m:e>
+                              <m:e>
+                                <m:r>
+                                  <a:rPr lang="hu-HU" b="0" i="1" smtClean="0">
+                                    <a:latin typeface="Cambria Math" panose="02040503050406030204" pitchFamily="18" charset="0"/>
+                                  </a:rPr>
+                                  <m:t>5</m:t>
+                                </m:r>
+                              </m:e>
+                              <m:e>
+                                <m:r>
+                                  <a:rPr lang="hu-HU" b="0" i="1" smtClean="0">
+                                    <a:latin typeface="Cambria Math" panose="02040503050406030204" pitchFamily="18" charset="0"/>
+                                  </a:rPr>
+                                  <m:t>6</m:t>
+                                </m:r>
+                              </m:e>
+                            </m:mr>
+                            <m:mr>
+                              <m:e>
+                                <m:r>
+                                  <a:rPr lang="hu-HU" b="0" i="1" smtClean="0">
+                                    <a:latin typeface="Cambria Math" panose="02040503050406030204" pitchFamily="18" charset="0"/>
+                                  </a:rPr>
+                                  <m:t>3</m:t>
+                                </m:r>
+                              </m:e>
+                              <m:e>
+                                <m:r>
+                                  <a:rPr lang="hu-HU" b="0" i="1" smtClean="0">
+                                    <a:latin typeface="Cambria Math" panose="02040503050406030204" pitchFamily="18" charset="0"/>
+                                  </a:rPr>
+                                  <m:t>4</m:t>
+                                </m:r>
+                              </m:e>
+                              <m:e>
+                                <m:r>
+                                  <a:rPr lang="hu-HU" b="0" i="1" smtClean="0">
+                                    <a:latin typeface="Cambria Math" panose="02040503050406030204" pitchFamily="18" charset="0"/>
+                                  </a:rPr>
+                                  <m:t>6</m:t>
+                                </m:r>
+                              </m:e>
+                            </m:mr>
+                            <m:mr>
+                              <m:e>
+                                <m:r>
+                                  <a:rPr lang="hu-HU" b="0" i="1" smtClean="0">
+                                    <a:latin typeface="Cambria Math" panose="02040503050406030204" pitchFamily="18" charset="0"/>
+                                  </a:rPr>
+                                  <m:t>1</m:t>
+                                </m:r>
+                              </m:e>
+                              <m:e>
+                                <m:r>
+                                  <a:rPr lang="hu-HU" b="0" i="1" smtClean="0">
+                                    <a:latin typeface="Cambria Math" panose="02040503050406030204" pitchFamily="18" charset="0"/>
+                                  </a:rPr>
+                                  <m:t>2</m:t>
+                                </m:r>
+                              </m:e>
+                              <m:e>
+                                <m:r>
+                                  <a:rPr lang="hu-HU" b="0" i="1" smtClean="0">
+                                    <a:latin typeface="Cambria Math" panose="02040503050406030204" pitchFamily="18" charset="0"/>
+                                  </a:rPr>
+                                  <m:t>6</m:t>
+                                </m:r>
+                              </m:e>
+                            </m:mr>
+                          </m:m>
+                        </m:e>
+                      </m:d>
+                    </m:oMath>
+                  </m:oMathPara>
+                </a14:m>
+                <a:endParaRPr lang="hu-HU" dirty="0"/>
+              </a:p>
+            </p:txBody>
+          </p:sp>
+        </mc:Choice>
+        <mc:Fallback xmlns="">
+          <p:sp>
+            <p:nvSpPr>
+              <p:cNvPr id="7" name="Téglalap 6"/>
+              <p:cNvSpPr>
+                <a:spLocks noRot="1" noChangeAspect="1" noMove="1" noResize="1" noEditPoints="1" noAdjustHandles="1" noChangeArrowheads="1" noChangeShapeType="1" noTextEdit="1"/>
+              </p:cNvSpPr>
+              <p:nvPr/>
+            </p:nvSpPr>
+            <p:spPr>
+              <a:xfrm>
+                <a:off x="6444520" y="2080696"/>
+                <a:ext cx="3132098" cy="846963"/>
+              </a:xfrm>
+              <a:prstGeom prst="rect">
+                <a:avLst/>
+              </a:prstGeom>
+              <a:blipFill>
+                <a:blip r:embed="rId3"/>
+                <a:stretch>
+                  <a:fillRect/>
+                </a:stretch>
+              </a:blipFill>
+            </p:spPr>
+            <p:txBody>
+              <a:bodyPr/>
+              <a:lstStyle/>
+              <a:p>
+                <a:r>
+                  <a:rPr lang="hu-HU">
+                    <a:noFill/>
+                  </a:rPr>
+                  <a:t> </a:t>
+                </a:r>
+              </a:p>
+            </p:txBody>
+          </p:sp>
+        </mc:Fallback>
+      </mc:AlternateContent>
+      <p:sp>
+        <p:nvSpPr>
+          <p:cNvPr id="8" name="Szövegdoboz 7"/>
+          <p:cNvSpPr txBox="1"/>
+          <p:nvPr/>
+        </p:nvSpPr>
+        <p:spPr>
+          <a:xfrm>
+            <a:off x="5648370" y="2319511"/>
+            <a:ext cx="678425" cy="369332"/>
+          </a:xfrm>
+          <a:prstGeom prst="rect">
+            <a:avLst/>
+          </a:prstGeom>
+          <a:noFill/>
+        </p:spPr>
+        <p:txBody>
+          <a:bodyPr wrap="square" rtlCol="0">
+            <a:spAutoFit/>
+          </a:bodyPr>
+          <a:lstStyle/>
+          <a:p>
+            <a:r>
+              <a:rPr lang="hu-HU" dirty="0" err="1"/>
+              <a:t>vs</a:t>
+            </a:r>
+            <a:endParaRPr lang="hu-HU" dirty="0"/>
+          </a:p>
+        </p:txBody>
+      </p:sp>
+      <p:sp>
+        <p:nvSpPr>
+          <p:cNvPr id="9" name="Cím 1"/>
+          <p:cNvSpPr>
+            <a:spLocks noGrp="1"/>
+          </p:cNvSpPr>
+          <p:nvPr>
+            <p:ph type="title"/>
+          </p:nvPr>
+        </p:nvSpPr>
+        <p:spPr>
+          <a:xfrm>
+            <a:off x="838200" y="365125"/>
+            <a:ext cx="10515600" cy="1325563"/>
+          </a:xfrm>
+        </p:spPr>
+        <p:txBody>
+          <a:bodyPr/>
+          <a:lstStyle/>
+          <a:p>
+            <a:pPr algn="ctr"/>
+            <a:r>
+              <a:rPr lang="hu-HU" dirty="0"/>
+              <a:t>Performance</a:t>
+            </a:r>
+          </a:p>
+        </p:txBody>
+      </p:sp>
+      <p:sp>
+        <p:nvSpPr>
+          <p:cNvPr id="10" name="Szövegdoboz 9"/>
+          <p:cNvSpPr txBox="1"/>
+          <p:nvPr/>
+        </p:nvSpPr>
+        <p:spPr>
+          <a:xfrm>
+            <a:off x="4230329" y="3556482"/>
+            <a:ext cx="3202858" cy="2031325"/>
+          </a:xfrm>
+          <a:prstGeom prst="rect">
+            <a:avLst/>
+          </a:prstGeom>
+          <a:noFill/>
+        </p:spPr>
+        <p:txBody>
+          <a:bodyPr wrap="square" rtlCol="0">
+            <a:spAutoFit/>
+          </a:bodyPr>
+          <a:lstStyle/>
+          <a:p>
+            <a:r>
+              <a:rPr lang="hu-HU" dirty="0"/>
+              <a:t>The </a:t>
+            </a:r>
+            <a:r>
+              <a:rPr lang="hu-HU" dirty="0" err="1"/>
+              <a:t>resulting</a:t>
+            </a:r>
+            <a:r>
+              <a:rPr lang="hu-HU" dirty="0"/>
+              <a:t> </a:t>
+            </a:r>
+            <a:r>
+              <a:rPr lang="hu-HU" dirty="0" err="1"/>
+              <a:t>overhead</a:t>
+            </a:r>
+            <a:r>
+              <a:rPr lang="hu-HU" dirty="0"/>
+              <a:t> </a:t>
+            </a:r>
+            <a:r>
+              <a:rPr lang="hu-HU" dirty="0" err="1"/>
+              <a:t>load</a:t>
+            </a:r>
+            <a:r>
+              <a:rPr lang="hu-HU" dirty="0"/>
+              <a:t> is 3 </a:t>
+            </a:r>
+            <a:r>
+              <a:rPr lang="hu-HU" dirty="0" err="1"/>
+              <a:t>on</a:t>
+            </a:r>
+            <a:r>
+              <a:rPr lang="hu-HU" dirty="0"/>
+              <a:t> (4,6) in </a:t>
+            </a:r>
+            <a:r>
+              <a:rPr lang="hu-HU" dirty="0" err="1"/>
+              <a:t>the</a:t>
+            </a:r>
+            <a:r>
+              <a:rPr lang="hu-HU" dirty="0"/>
+              <a:t> </a:t>
+            </a:r>
+            <a:r>
+              <a:rPr lang="hu-HU" dirty="0" err="1"/>
+              <a:t>left</a:t>
+            </a:r>
+            <a:r>
+              <a:rPr lang="hu-HU" dirty="0"/>
+              <a:t> </a:t>
+            </a:r>
+            <a:r>
+              <a:rPr lang="hu-HU" dirty="0" err="1"/>
+              <a:t>matrix</a:t>
+            </a:r>
+            <a:r>
+              <a:rPr lang="hu-HU" dirty="0"/>
+              <a:t> </a:t>
+            </a:r>
+            <a:r>
+              <a:rPr lang="hu-HU" dirty="0" err="1"/>
+              <a:t>while</a:t>
+            </a:r>
+            <a:r>
+              <a:rPr lang="hu-HU" dirty="0"/>
+              <a:t> it is 2 </a:t>
+            </a:r>
+            <a:r>
+              <a:rPr lang="hu-HU" dirty="0" err="1"/>
+              <a:t>on</a:t>
+            </a:r>
+            <a:r>
+              <a:rPr lang="hu-HU" dirty="0"/>
+              <a:t> </a:t>
+            </a:r>
+            <a:r>
+              <a:rPr lang="hu-HU" dirty="0" err="1"/>
+              <a:t>the</a:t>
+            </a:r>
+            <a:r>
+              <a:rPr lang="hu-HU" dirty="0"/>
+              <a:t> </a:t>
+            </a:r>
+            <a:r>
+              <a:rPr lang="hu-HU" dirty="0" err="1"/>
+              <a:t>left</a:t>
+            </a:r>
+            <a:r>
+              <a:rPr lang="hu-HU" dirty="0"/>
+              <a:t>. </a:t>
+            </a:r>
+          </a:p>
+          <a:p>
+            <a:endParaRPr lang="hu-HU" dirty="0"/>
+          </a:p>
+          <a:p>
+            <a:r>
+              <a:rPr lang="hu-HU" dirty="0"/>
+              <a:t>The </a:t>
+            </a:r>
+            <a:r>
+              <a:rPr lang="hu-HU" dirty="0" err="1"/>
+              <a:t>worst</a:t>
+            </a:r>
+            <a:r>
+              <a:rPr lang="hu-HU" dirty="0"/>
+              <a:t> </a:t>
+            </a:r>
+            <a:r>
+              <a:rPr lang="hu-HU" dirty="0" err="1"/>
+              <a:t>perfromace</a:t>
+            </a:r>
+            <a:r>
+              <a:rPr lang="hu-HU" dirty="0"/>
+              <a:t> </a:t>
+            </a:r>
+            <a:r>
+              <a:rPr lang="hu-HU" dirty="0" err="1"/>
+              <a:t>comes</a:t>
+            </a:r>
+            <a:r>
+              <a:rPr lang="hu-HU" dirty="0"/>
+              <a:t> </a:t>
+            </a:r>
+            <a:r>
+              <a:rPr lang="hu-HU" dirty="0" err="1"/>
+              <a:t>from</a:t>
+            </a:r>
+            <a:r>
+              <a:rPr lang="hu-HU" dirty="0"/>
+              <a:t> </a:t>
+            </a:r>
+            <a:r>
+              <a:rPr lang="hu-HU" dirty="0" err="1"/>
+              <a:t>the</a:t>
+            </a:r>
+            <a:r>
+              <a:rPr lang="hu-HU" dirty="0"/>
+              <a:t> </a:t>
+            </a:r>
+            <a:r>
+              <a:rPr lang="hu-HU" dirty="0" err="1"/>
+              <a:t>simialarity</a:t>
+            </a:r>
+            <a:r>
+              <a:rPr lang="hu-HU" dirty="0"/>
+              <a:t> of </a:t>
+            </a:r>
+            <a:r>
+              <a:rPr lang="hu-HU" dirty="0" err="1"/>
+              <a:t>each</a:t>
+            </a:r>
+            <a:r>
+              <a:rPr lang="hu-HU" dirty="0"/>
+              <a:t> </a:t>
+            </a:r>
+            <a:r>
+              <a:rPr lang="hu-HU" dirty="0" err="1"/>
+              <a:t>node</a:t>
+            </a:r>
+            <a:r>
+              <a:rPr lang="hu-HU" dirty="0"/>
+              <a:t> </a:t>
+            </a:r>
+            <a:r>
+              <a:rPr lang="hu-HU" dirty="0" err="1"/>
+              <a:t>scheme</a:t>
+            </a:r>
+            <a:r>
+              <a:rPr lang="hu-HU" dirty="0"/>
+              <a:t>. </a:t>
+            </a:r>
+          </a:p>
+        </p:txBody>
+      </p:sp>
+      <p:sp>
+        <p:nvSpPr>
+          <p:cNvPr id="11" name="Szövegdoboz 10"/>
+          <p:cNvSpPr txBox="1"/>
+          <p:nvPr/>
+        </p:nvSpPr>
+        <p:spPr>
+          <a:xfrm>
+            <a:off x="531204" y="2181011"/>
+            <a:ext cx="1749618" cy="646331"/>
+          </a:xfrm>
+          <a:prstGeom prst="rect">
+            <a:avLst/>
+          </a:prstGeom>
+          <a:noFill/>
+        </p:spPr>
+        <p:txBody>
+          <a:bodyPr wrap="square" rtlCol="0">
+            <a:spAutoFit/>
+          </a:bodyPr>
+          <a:lstStyle/>
+          <a:p>
+            <a:r>
+              <a:rPr lang="hu-HU" dirty="0" err="1"/>
+              <a:t>Let</a:t>
+            </a:r>
+            <a:r>
+              <a:rPr lang="hu-HU" dirty="0"/>
+              <a:t> F = {(1,6), (2,6), (3,6)}</a:t>
+            </a:r>
+          </a:p>
+        </p:txBody>
+      </p:sp>
+    </p:spTree>
+    <p:extLst>
+      <p:ext uri="{BB962C8B-B14F-4D97-AF65-F5344CB8AC3E}">
+        <p14:creationId xmlns:p14="http://schemas.microsoft.com/office/powerpoint/2010/main" val="3136355520"/>
+      </p:ext>
+    </p:extLst>
+  </p:cSld>
+  <p:clrMapOvr>
+    <a:masterClrMapping/>
+  </p:clrMapOvr>
+</p:sld>
+</file>
+
+<file path=ppt/slides/slide12.xml><?xml version="1.0" encoding="utf-8"?>
+<p:sld xmlns:a="http://schemas.openxmlformats.org/drawingml/2006/main" xmlns:r="http://schemas.openxmlformats.org/officeDocument/2006/relationships" xmlns:p="http://schemas.openxmlformats.org/presentationml/2006/main">
+  <p:cSld>
+    <p:spTree>
+      <p:nvGrpSpPr>
+        <p:cNvPr id="1" name=""/>
+        <p:cNvGrpSpPr/>
+        <p:nvPr/>
+      </p:nvGrpSpPr>
+      <p:grpSpPr>
+        <a:xfrm>
+          <a:off x="0" y="0"/>
+          <a:ext cx="0" cy="0"/>
+          <a:chOff x="0" y="0"/>
+          <a:chExt cx="0" cy="0"/>
+        </a:xfrm>
+      </p:grpSpPr>
       <p:sp>
         <p:nvSpPr>
           <p:cNvPr id="2" name="Cím 1"/>
@@ -3098,56 +4978,980 @@
           <a:bodyPr/>
           <a:lstStyle/>
           <a:p>
-            <a:r>
-              <a:rPr lang="hu-HU" dirty="0" err="1" smtClean="0"/>
-              <a:t>How</a:t>
-            </a:r>
-            <a:r>
-              <a:rPr lang="hu-HU" dirty="0" smtClean="0"/>
+            <a:pPr algn="ctr"/>
+            <a:r>
+              <a:rPr lang="hu-HU" dirty="0"/>
+              <a:t>Latin </a:t>
+            </a:r>
+            <a:r>
+              <a:rPr lang="hu-HU" dirty="0" err="1"/>
+              <a:t>square</a:t>
+            </a:r>
+            <a:r>
+              <a:rPr lang="hu-HU" dirty="0"/>
               <a:t> </a:t>
             </a:r>
             <a:r>
-              <a:rPr lang="hu-HU" dirty="0" err="1" smtClean="0"/>
-              <a:t>to</a:t>
-            </a:r>
-            <a:r>
-              <a:rPr lang="hu-HU" dirty="0" smtClean="0"/>
-              <a:t> </a:t>
-            </a:r>
-            <a:r>
-              <a:rPr lang="hu-HU" dirty="0" err="1" smtClean="0"/>
-              <a:t>create</a:t>
-            </a:r>
-            <a:r>
-              <a:rPr lang="hu-HU" dirty="0" smtClean="0"/>
-              <a:t> </a:t>
-            </a:r>
-            <a:r>
-              <a:rPr lang="hu-HU" dirty="0" err="1" smtClean="0"/>
-              <a:t>submatrices</a:t>
-            </a:r>
-            <a:r>
-              <a:rPr lang="hu-HU" dirty="0" smtClean="0"/>
-              <a:t> of </a:t>
-            </a:r>
-            <a:r>
-              <a:rPr lang="hu-HU" dirty="0" err="1" smtClean="0"/>
-              <a:t>low</a:t>
-            </a:r>
-            <a:r>
-              <a:rPr lang="hu-HU" dirty="0" smtClean="0"/>
-              <a:t> </a:t>
-            </a:r>
-            <a:r>
-              <a:rPr lang="hu-HU" dirty="0" err="1" smtClean="0"/>
-              <a:t>intersection</a:t>
+              <a:rPr lang="hu-HU" dirty="0" err="1"/>
+              <a:t>shcmaes</a:t>
             </a:r>
             <a:endParaRPr lang="hu-HU" dirty="0"/>
           </a:p>
         </p:txBody>
       </p:sp>
-      <mc:AlternateContent xmlns:mc="http://schemas.openxmlformats.org/markup-compatibility/2006">
-        <mc:Choice xmlns:a14="http://schemas.microsoft.com/office/drawing/2010/main" Requires="a14">
+      <p:sp>
+        <p:nvSpPr>
+          <p:cNvPr id="3" name="Tartalom helye 2"/>
+          <p:cNvSpPr>
+            <a:spLocks noGrp="1"/>
+          </p:cNvSpPr>
+          <p:nvPr>
+            <p:ph idx="1"/>
+          </p:nvPr>
+        </p:nvSpPr>
+        <p:spPr/>
+        <p:txBody>
+          <a:bodyPr/>
+          <a:lstStyle/>
+          <a:p>
+            <a:r>
+              <a:rPr lang="hu-HU" dirty="0" err="1"/>
+              <a:t>Each</a:t>
+            </a:r>
+            <a:r>
+              <a:rPr lang="hu-HU" dirty="0"/>
+              <a:t> </a:t>
+            </a:r>
+            <a:r>
+              <a:rPr lang="hu-HU" dirty="0" err="1"/>
+              <a:t>node</a:t>
+            </a:r>
+            <a:r>
+              <a:rPr lang="hu-HU" dirty="0"/>
+              <a:t> </a:t>
+            </a:r>
+            <a:r>
+              <a:rPr lang="hu-HU" dirty="0" err="1"/>
+              <a:t>appears</a:t>
+            </a:r>
+            <a:r>
+              <a:rPr lang="hu-HU" dirty="0"/>
+              <a:t> </a:t>
+            </a:r>
+            <a:r>
+              <a:rPr lang="hu-HU" dirty="0" err="1"/>
+              <a:t>exactliy</a:t>
+            </a:r>
+            <a:r>
+              <a:rPr lang="hu-HU" dirty="0"/>
+              <a:t> </a:t>
+            </a:r>
+            <a:r>
+              <a:rPr lang="hu-HU" dirty="0" err="1"/>
+              <a:t>onece</a:t>
+            </a:r>
+            <a:r>
+              <a:rPr lang="hu-HU" dirty="0"/>
+              <a:t> in </a:t>
+            </a:r>
+            <a:r>
+              <a:rPr lang="hu-HU" dirty="0" err="1"/>
+              <a:t>each</a:t>
+            </a:r>
+            <a:r>
+              <a:rPr lang="hu-HU" dirty="0"/>
+              <a:t> </a:t>
+            </a:r>
+            <a:r>
+              <a:rPr lang="hu-HU" dirty="0" err="1"/>
+              <a:t>column</a:t>
+            </a:r>
+            <a:r>
+              <a:rPr lang="hu-HU" dirty="0"/>
+              <a:t> and </a:t>
+            </a:r>
+            <a:r>
+              <a:rPr lang="hu-HU" dirty="0" err="1"/>
+              <a:t>each</a:t>
+            </a:r>
+            <a:r>
+              <a:rPr lang="hu-HU" dirty="0"/>
+              <a:t>  </a:t>
+            </a:r>
+            <a:r>
+              <a:rPr lang="hu-HU" dirty="0" err="1"/>
+              <a:t>row</a:t>
+            </a:r>
+            <a:r>
+              <a:rPr lang="hu-HU" dirty="0"/>
+              <a:t>.</a:t>
+            </a:r>
+          </a:p>
+          <a:p>
+            <a:r>
+              <a:rPr lang="hu-HU" dirty="0" err="1"/>
+              <a:t>Not</a:t>
+            </a:r>
+            <a:r>
+              <a:rPr lang="hu-HU" dirty="0"/>
+              <a:t> </a:t>
+            </a:r>
+            <a:r>
+              <a:rPr lang="hu-HU" dirty="0" err="1"/>
+              <a:t>all</a:t>
+            </a:r>
+            <a:r>
+              <a:rPr lang="hu-HU" dirty="0"/>
+              <a:t> latin </a:t>
+            </a:r>
+            <a:r>
+              <a:rPr lang="hu-HU" dirty="0" err="1"/>
+              <a:t>squares</a:t>
+            </a:r>
+            <a:r>
+              <a:rPr lang="hu-HU" dirty="0"/>
+              <a:t> </a:t>
+            </a:r>
+            <a:r>
+              <a:rPr lang="hu-HU" dirty="0" err="1"/>
+              <a:t>are</a:t>
+            </a:r>
+            <a:r>
+              <a:rPr lang="hu-HU" dirty="0"/>
+              <a:t> </a:t>
+            </a:r>
+            <a:r>
+              <a:rPr lang="hu-HU" dirty="0" err="1"/>
+              <a:t>good</a:t>
+            </a:r>
+            <a:r>
+              <a:rPr lang="hu-HU" dirty="0"/>
+              <a:t> </a:t>
+            </a:r>
+            <a:r>
+              <a:rPr lang="hu-HU" dirty="0" err="1"/>
+              <a:t>failover</a:t>
+            </a:r>
+            <a:r>
+              <a:rPr lang="hu-HU" dirty="0"/>
+              <a:t> </a:t>
+            </a:r>
+            <a:r>
+              <a:rPr lang="hu-HU" dirty="0" err="1"/>
+              <a:t>matrices</a:t>
+            </a:r>
+            <a:r>
+              <a:rPr lang="hu-HU" dirty="0"/>
+              <a:t>. (</a:t>
+            </a:r>
+            <a:r>
+              <a:rPr lang="hu-HU" dirty="0" err="1"/>
+              <a:t>mij</a:t>
+            </a:r>
+            <a:r>
+              <a:rPr lang="hu-HU" dirty="0"/>
+              <a:t> = (i+j-1) </a:t>
+            </a:r>
+            <a:r>
+              <a:rPr lang="hu-HU" dirty="0" err="1"/>
+              <a:t>mod</a:t>
+            </a:r>
+            <a:r>
+              <a:rPr lang="hu-HU" dirty="0"/>
+              <a:t> (n-1))</a:t>
+            </a:r>
+          </a:p>
+          <a:p>
+            <a:r>
+              <a:rPr lang="hu-HU" dirty="0"/>
+              <a:t>TODO pl.</a:t>
+            </a:r>
+          </a:p>
+          <a:p>
+            <a:r>
+              <a:rPr lang="hu-HU" dirty="0" err="1"/>
+              <a:t>If</a:t>
+            </a:r>
+            <a:r>
+              <a:rPr lang="hu-HU" dirty="0"/>
+              <a:t> f </a:t>
+            </a:r>
+            <a:r>
+              <a:rPr lang="hu-HU" dirty="0" err="1"/>
+              <a:t>first</a:t>
+            </a:r>
+            <a:r>
+              <a:rPr lang="hu-HU" dirty="0"/>
+              <a:t> </a:t>
+            </a:r>
+            <a:r>
+              <a:rPr lang="hu-HU" dirty="0" err="1"/>
+              <a:t>llinks</a:t>
+            </a:r>
+            <a:r>
+              <a:rPr lang="hu-HU" dirty="0"/>
+              <a:t> </a:t>
+            </a:r>
+            <a:r>
+              <a:rPr lang="hu-HU" dirty="0" err="1"/>
+              <a:t>fail</a:t>
+            </a:r>
+            <a:r>
+              <a:rPr lang="hu-HU" dirty="0"/>
+              <a:t>, </a:t>
+            </a:r>
+            <a:r>
+              <a:rPr lang="hu-HU" dirty="0" err="1"/>
+              <a:t>the</a:t>
+            </a:r>
+            <a:r>
+              <a:rPr lang="hu-HU" dirty="0"/>
+              <a:t> f </a:t>
+            </a:r>
+            <a:r>
+              <a:rPr lang="hu-HU" dirty="0" err="1"/>
+              <a:t>first</a:t>
+            </a:r>
+            <a:r>
+              <a:rPr lang="hu-HU" dirty="0"/>
+              <a:t> </a:t>
+            </a:r>
+            <a:r>
+              <a:rPr lang="hu-HU" dirty="0" err="1"/>
+              <a:t>nodes</a:t>
+            </a:r>
+            <a:r>
+              <a:rPr lang="hu-HU" dirty="0"/>
+              <a:t> </a:t>
+            </a:r>
+            <a:r>
+              <a:rPr lang="hu-HU" dirty="0" err="1"/>
+              <a:t>will</a:t>
+            </a:r>
+            <a:r>
+              <a:rPr lang="hu-HU" dirty="0"/>
+              <a:t> </a:t>
+            </a:r>
+            <a:r>
+              <a:rPr lang="hu-HU" dirty="0" err="1"/>
+              <a:t>all</a:t>
+            </a:r>
+            <a:r>
+              <a:rPr lang="hu-HU" dirty="0"/>
+              <a:t> </a:t>
+            </a:r>
+            <a:r>
+              <a:rPr lang="hu-HU" dirty="0" err="1"/>
+              <a:t>route</a:t>
+            </a:r>
+            <a:r>
+              <a:rPr lang="hu-HU" dirty="0"/>
+              <a:t> </a:t>
+            </a:r>
+            <a:r>
+              <a:rPr lang="hu-HU" dirty="0" err="1"/>
+              <a:t>rougth</a:t>
+            </a:r>
+            <a:r>
+              <a:rPr lang="hu-HU" dirty="0"/>
+              <a:t> </a:t>
+            </a:r>
+            <a:r>
+              <a:rPr lang="hu-HU" dirty="0" err="1"/>
+              <a:t>throw</a:t>
+            </a:r>
+            <a:r>
+              <a:rPr lang="hu-HU" dirty="0"/>
+              <a:t> v(v f+1, d)</a:t>
+            </a:r>
+          </a:p>
+          <a:p>
+            <a:r>
+              <a:rPr lang="hu-HU" dirty="0"/>
+              <a:t>The </a:t>
+            </a:r>
+            <a:r>
+              <a:rPr lang="hu-HU" dirty="0" err="1"/>
+              <a:t>intersection</a:t>
+            </a:r>
+            <a:r>
+              <a:rPr lang="hu-HU" dirty="0"/>
+              <a:t> of </a:t>
+            </a:r>
+            <a:r>
+              <a:rPr lang="hu-HU" dirty="0" err="1"/>
+              <a:t>prefixes</a:t>
+            </a:r>
+            <a:r>
+              <a:rPr lang="hu-HU" dirty="0"/>
+              <a:t> of </a:t>
+            </a:r>
+            <a:r>
+              <a:rPr lang="hu-HU" dirty="0" err="1"/>
+              <a:t>rows</a:t>
+            </a:r>
+            <a:r>
+              <a:rPr lang="hu-HU" dirty="0"/>
+              <a:t> plays a </a:t>
+            </a:r>
+            <a:r>
+              <a:rPr lang="hu-HU" dirty="0" err="1"/>
+              <a:t>central</a:t>
+            </a:r>
+            <a:r>
+              <a:rPr lang="hu-HU" dirty="0"/>
+              <a:t> </a:t>
+            </a:r>
+            <a:r>
+              <a:rPr lang="hu-HU" dirty="0" err="1"/>
+              <a:t>role</a:t>
+            </a:r>
+            <a:r>
+              <a:rPr lang="hu-HU" dirty="0"/>
+              <a:t>.</a:t>
+            </a:r>
+          </a:p>
+        </p:txBody>
+      </p:sp>
+    </p:spTree>
+    <p:extLst>
+      <p:ext uri="{BB962C8B-B14F-4D97-AF65-F5344CB8AC3E}">
+        <p14:creationId xmlns:p14="http://schemas.microsoft.com/office/powerpoint/2010/main" val="2773494149"/>
+      </p:ext>
+    </p:extLst>
+  </p:cSld>
+  <p:clrMapOvr>
+    <a:masterClrMapping/>
+  </p:clrMapOvr>
+</p:sld>
+</file>
+
+<file path=ppt/slides/slide13.xml><?xml version="1.0" encoding="utf-8"?>
+<p:sld xmlns:a="http://schemas.openxmlformats.org/drawingml/2006/main" xmlns:r="http://schemas.openxmlformats.org/officeDocument/2006/relationships" xmlns:p="http://schemas.openxmlformats.org/presentationml/2006/main">
+  <p:cSld>
+    <p:spTree>
+      <p:nvGrpSpPr>
+        <p:cNvPr id="1" name=""/>
+        <p:cNvGrpSpPr/>
+        <p:nvPr/>
+      </p:nvGrpSpPr>
+      <p:grpSpPr>
+        <a:xfrm>
+          <a:off x="0" y="0"/>
+          <a:ext cx="0" cy="0"/>
+          <a:chOff x="0" y="0"/>
+          <a:chExt cx="0" cy="0"/>
+        </a:xfrm>
+      </p:grpSpPr>
+      <p:sp>
+        <p:nvSpPr>
+          <p:cNvPr id="2" name="Cím 1"/>
+          <p:cNvSpPr>
+            <a:spLocks noGrp="1"/>
+          </p:cNvSpPr>
+          <p:nvPr>
+            <p:ph type="title"/>
+          </p:nvPr>
+        </p:nvSpPr>
+        <p:spPr/>
+        <p:txBody>
+          <a:bodyPr/>
+          <a:lstStyle/>
+          <a:p>
+            <a:pPr algn="ctr"/>
+            <a:r>
+              <a:rPr lang="hu-HU" dirty="0"/>
+              <a:t>M</a:t>
+            </a:r>
+            <a:r>
+              <a:rPr lang="hu-HU" baseline="30000" dirty="0"/>
+              <a:t>k</a:t>
+            </a:r>
+            <a:r>
+              <a:rPr lang="hu-HU" dirty="0"/>
+              <a:t> </a:t>
+            </a:r>
+            <a:r>
+              <a:rPr lang="hu-HU" dirty="0" err="1"/>
+              <a:t>matrix</a:t>
+            </a:r>
+            <a:endParaRPr lang="hu-HU" dirty="0"/>
+          </a:p>
+        </p:txBody>
+      </p:sp>
+      <mc:AlternateContent xmlns:mc="http://schemas.openxmlformats.org/markup-compatibility/2006" xmlns:a14="http://schemas.microsoft.com/office/drawing/2010/main">
+        <mc:Choice Requires="a14">
+          <p:sp>
+            <p:nvSpPr>
+              <p:cNvPr id="3" name="Tartalom helye 2"/>
+              <p:cNvSpPr>
+                <a:spLocks noGrp="1"/>
+              </p:cNvSpPr>
+              <p:nvPr>
+                <p:ph idx="1"/>
+              </p:nvPr>
+            </p:nvSpPr>
+            <p:spPr/>
+            <p:txBody>
+              <a:bodyPr/>
+              <a:lstStyle/>
+              <a:p>
+                <a:r>
+                  <a:rPr lang="hu-HU" dirty="0"/>
+                  <a:t>Limit </a:t>
+                </a:r>
+                <a:r>
+                  <a:rPr lang="hu-HU" dirty="0" err="1"/>
+                  <a:t>the</a:t>
+                </a:r>
+                <a:r>
+                  <a:rPr lang="hu-HU" dirty="0"/>
+                  <a:t> </a:t>
+                </a:r>
+                <a:r>
+                  <a:rPr lang="hu-HU" dirty="0" err="1"/>
+                  <a:t>intersection</a:t>
+                </a:r>
+                <a:r>
+                  <a:rPr lang="hu-HU" dirty="0"/>
+                  <a:t> </a:t>
+                </a:r>
+                <a:r>
+                  <a:rPr lang="hu-HU" dirty="0" err="1"/>
+                  <a:t>size</a:t>
+                </a:r>
+                <a:r>
+                  <a:rPr lang="hu-HU" dirty="0"/>
+                  <a:t> </a:t>
+                </a:r>
+                <a:r>
+                  <a:rPr lang="hu-HU" dirty="0" err="1"/>
+                  <a:t>between</a:t>
+                </a:r>
+                <a:r>
+                  <a:rPr lang="hu-HU" dirty="0"/>
+                  <a:t> </a:t>
+                </a:r>
+                <a:r>
+                  <a:rPr lang="hu-HU" dirty="0" err="1"/>
+                  <a:t>the</a:t>
+                </a:r>
+                <a:r>
+                  <a:rPr lang="hu-HU" dirty="0"/>
+                  <a:t> </a:t>
+                </a:r>
+                <a:r>
+                  <a:rPr lang="hu-HU" dirty="0" err="1"/>
+                  <a:t>rows</a:t>
+                </a:r>
+                <a:r>
+                  <a:rPr lang="hu-HU" dirty="0"/>
+                  <a:t> </a:t>
+                </a:r>
+                <a:r>
+                  <a:rPr lang="hu-HU" dirty="0" err="1"/>
+                  <a:t>affatced</a:t>
+                </a:r>
+                <a:r>
+                  <a:rPr lang="hu-HU" dirty="0"/>
+                  <a:t> </a:t>
+                </a:r>
+                <a:r>
+                  <a:rPr lang="hu-HU" dirty="0" err="1"/>
+                  <a:t>by</a:t>
+                </a:r>
+                <a:r>
+                  <a:rPr lang="hu-HU" dirty="0"/>
+                  <a:t> </a:t>
+                </a:r>
+                <a:r>
+                  <a:rPr lang="hu-HU" dirty="0" err="1"/>
+                  <a:t>the</a:t>
+                </a:r>
+                <a:r>
+                  <a:rPr lang="hu-HU" dirty="0"/>
+                  <a:t> </a:t>
+                </a:r>
+                <a:r>
+                  <a:rPr lang="hu-HU" dirty="0" err="1"/>
+                  <a:t>failures</a:t>
+                </a:r>
+                <a:r>
+                  <a:rPr lang="hu-HU" dirty="0"/>
+                  <a:t>.</a:t>
+                </a:r>
+              </a:p>
+              <a:p>
+                <a:r>
+                  <a:rPr lang="hu-HU" dirty="0" err="1"/>
+                  <a:t>Any</a:t>
+                </a:r>
+                <a:r>
+                  <a:rPr lang="hu-HU" dirty="0"/>
+                  <a:t> </a:t>
+                </a:r>
+                <a:r>
+                  <a:rPr lang="hu-HU" dirty="0" err="1"/>
+                  <a:t>row</a:t>
+                </a:r>
+                <a:r>
+                  <a:rPr lang="hu-HU" dirty="0"/>
+                  <a:t> </a:t>
+                </a:r>
+                <a:r>
+                  <a:rPr lang="hu-HU" dirty="0" err="1"/>
+                  <a:t>ultimatly</a:t>
+                </a:r>
+                <a:r>
+                  <a:rPr lang="hu-HU" dirty="0"/>
+                  <a:t> </a:t>
+                </a:r>
+                <a:r>
+                  <a:rPr lang="hu-HU" dirty="0" err="1"/>
+                  <a:t>contains</a:t>
+                </a:r>
+                <a:r>
+                  <a:rPr lang="hu-HU" dirty="0"/>
+                  <a:t> </a:t>
+                </a:r>
+                <a:r>
+                  <a:rPr lang="hu-HU" dirty="0" err="1"/>
+                  <a:t>the</a:t>
+                </a:r>
+                <a:r>
+                  <a:rPr lang="hu-HU" dirty="0"/>
+                  <a:t> n </a:t>
+                </a:r>
+                <a:r>
+                  <a:rPr lang="hu-HU" dirty="0" err="1"/>
+                  <a:t>nodes</a:t>
+                </a:r>
+                <a:r>
+                  <a:rPr lang="hu-HU" dirty="0"/>
+                  <a:t>, we must </a:t>
+                </a:r>
+                <a:r>
+                  <a:rPr lang="hu-HU" dirty="0" err="1"/>
+                  <a:t>work</a:t>
+                </a:r>
+                <a:r>
+                  <a:rPr lang="hu-HU" dirty="0"/>
+                  <a:t> </a:t>
+                </a:r>
+                <a:r>
+                  <a:rPr lang="hu-HU" dirty="0" err="1"/>
+                  <a:t>first</a:t>
+                </a:r>
+                <a:r>
+                  <a:rPr lang="hu-HU" dirty="0"/>
+                  <a:t> k </a:t>
+                </a:r>
+                <a:r>
+                  <a:rPr lang="hu-HU" dirty="0" err="1"/>
+                  <a:t>columns</a:t>
+                </a:r>
+                <a:r>
+                  <a:rPr lang="hu-HU" dirty="0"/>
+                  <a:t> of </a:t>
+                </a:r>
+                <a:r>
+                  <a:rPr lang="hu-HU" dirty="0" err="1"/>
+                  <a:t>failover</a:t>
+                </a:r>
+                <a:r>
+                  <a:rPr lang="hu-HU" dirty="0"/>
+                  <a:t> </a:t>
+                </a:r>
+                <a:r>
+                  <a:rPr lang="hu-HU" dirty="0" err="1"/>
+                  <a:t>matrix</a:t>
+                </a:r>
+                <a:r>
+                  <a:rPr lang="hu-HU" dirty="0"/>
+                  <a:t> M.</a:t>
+                </a:r>
+              </a:p>
+              <a:p>
+                <a:r>
+                  <a:rPr lang="hu-HU" dirty="0"/>
+                  <a:t>Mk = [</a:t>
+                </a:r>
+                <a:r>
+                  <a:rPr lang="hu-HU" dirty="0" err="1"/>
+                  <a:t>mij</a:t>
+                </a:r>
+                <a:r>
+                  <a:rPr lang="hu-HU" dirty="0"/>
+                  <a:t> | 1 &lt;= i, &lt; n 1 &lt;= j &lt; &lt;= k]</a:t>
+                </a:r>
+              </a:p>
+              <a:p>
+                <a:r>
+                  <a:rPr lang="hu-HU" dirty="0" err="1"/>
+                  <a:t>There</a:t>
+                </a:r>
+                <a:r>
+                  <a:rPr lang="hu-HU" dirty="0"/>
+                  <a:t> is a </a:t>
+                </a:r>
+                <a:r>
+                  <a:rPr lang="hu-HU" dirty="0" err="1"/>
+                  <a:t>theorem</a:t>
+                </a:r>
+                <a:r>
+                  <a:rPr lang="hu-HU" dirty="0"/>
+                  <a:t> </a:t>
+                </a:r>
+                <a:r>
+                  <a:rPr lang="hu-HU" dirty="0" err="1"/>
+                  <a:t>that</a:t>
+                </a:r>
+                <a:r>
+                  <a:rPr lang="hu-HU" dirty="0"/>
+                  <a:t> </a:t>
+                </a:r>
+                <a:r>
+                  <a:rPr lang="hu-HU" dirty="0" err="1"/>
+                  <a:t>garantees</a:t>
+                </a:r>
+                <a:r>
+                  <a:rPr lang="hu-HU" dirty="0"/>
+                  <a:t> </a:t>
+                </a:r>
+                <a14:m>
+                  <m:oMath xmlns:m="http://schemas.openxmlformats.org/officeDocument/2006/math">
+                    <m:r>
+                      <m:rPr>
+                        <m:sty m:val="p"/>
+                      </m:rPr>
+                      <a:rPr lang="hu-HU" b="0" i="0" smtClean="0">
+                        <a:latin typeface="Cambria Math" panose="02040503050406030204" pitchFamily="18" charset="0"/>
+                        <a:ea typeface="Cambria Math" panose="02040503050406030204" pitchFamily="18" charset="0"/>
+                      </a:rPr>
+                      <m:t>F</m:t>
+                    </m:r>
+                    <m:r>
+                      <a:rPr lang="hu-HU" b="0" i="0" smtClean="0">
+                        <a:latin typeface="Cambria Math" panose="02040503050406030204" pitchFamily="18" charset="0"/>
+                        <a:ea typeface="Cambria Math" panose="02040503050406030204" pitchFamily="18" charset="0"/>
+                      </a:rPr>
+                      <m:t> </m:t>
+                    </m:r>
+                    <m:r>
+                      <m:rPr>
+                        <m:sty m:val="p"/>
+                      </m:rPr>
+                      <a:rPr lang="hu-HU" b="0" i="0" smtClean="0">
+                        <a:latin typeface="Cambria Math" panose="02040503050406030204" pitchFamily="18" charset="0"/>
+                        <a:ea typeface="Cambria Math" panose="02040503050406030204" pitchFamily="18" charset="0"/>
+                      </a:rPr>
+                      <m:t>is</m:t>
+                    </m:r>
+                    <m:r>
+                      <a:rPr lang="hu-HU" b="0" i="0" smtClean="0">
+                        <a:latin typeface="Cambria Math" panose="02040503050406030204" pitchFamily="18" charset="0"/>
+                        <a:ea typeface="Cambria Math" panose="02040503050406030204" pitchFamily="18" charset="0"/>
+                      </a:rPr>
+                      <m:t> </m:t>
+                    </m:r>
+                    <m:r>
+                      <m:rPr>
+                        <m:sty m:val="p"/>
+                      </m:rPr>
+                      <a:rPr lang="hu-HU" b="0" i="0" smtClean="0">
+                        <a:latin typeface="Cambria Math" panose="02040503050406030204" pitchFamily="18" charset="0"/>
+                        <a:ea typeface="Cambria Math" panose="02040503050406030204" pitchFamily="18" charset="0"/>
+                      </a:rPr>
+                      <m:t>an</m:t>
+                    </m:r>
+                    <m:r>
+                      <a:rPr lang="hu-HU" b="0" i="0" smtClean="0">
+                        <a:latin typeface="Cambria Math" panose="02040503050406030204" pitchFamily="18" charset="0"/>
+                        <a:ea typeface="Cambria Math" panose="02040503050406030204" pitchFamily="18" charset="0"/>
+                      </a:rPr>
+                      <m:t> </m:t>
+                    </m:r>
+                    <m:r>
+                      <m:rPr>
+                        <m:sty m:val="p"/>
+                      </m:rPr>
+                      <a:rPr lang="hu-HU" b="0" i="0" smtClean="0">
+                        <a:latin typeface="Cambria Math" panose="02040503050406030204" pitchFamily="18" charset="0"/>
+                        <a:ea typeface="Cambria Math" panose="02040503050406030204" pitchFamily="18" charset="0"/>
+                      </a:rPr>
+                      <m:t>optimal</m:t>
+                    </m:r>
+                    <m:r>
+                      <a:rPr lang="hu-HU" b="0" i="0" smtClean="0">
+                        <a:latin typeface="Cambria Math" panose="02040503050406030204" pitchFamily="18" charset="0"/>
+                        <a:ea typeface="Cambria Math" panose="02040503050406030204" pitchFamily="18" charset="0"/>
+                      </a:rPr>
+                      <m:t> </m:t>
+                    </m:r>
+                    <m:r>
+                      <m:rPr>
+                        <m:sty m:val="p"/>
+                      </m:rPr>
+                      <a:rPr lang="hu-HU" b="0" i="0" smtClean="0">
+                        <a:latin typeface="Cambria Math" panose="02040503050406030204" pitchFamily="18" charset="0"/>
+                        <a:ea typeface="Cambria Math" panose="02040503050406030204" pitchFamily="18" charset="0"/>
+                      </a:rPr>
+                      <m:t>attack</m:t>
+                    </m:r>
+                    <m:r>
+                      <a:rPr lang="hu-HU" b="0" i="0" smtClean="0">
+                        <a:latin typeface="Cambria Math" panose="02040503050406030204" pitchFamily="18" charset="0"/>
+                        <a:ea typeface="Cambria Math" panose="02040503050406030204" pitchFamily="18" charset="0"/>
+                      </a:rPr>
+                      <m:t> </m:t>
+                    </m:r>
+                    <m:r>
+                      <m:rPr>
+                        <m:sty m:val="p"/>
+                      </m:rPr>
+                      <a:rPr lang="hu-HU" b="0" i="0" smtClean="0">
+                        <a:latin typeface="Cambria Math" panose="02040503050406030204" pitchFamily="18" charset="0"/>
+                        <a:ea typeface="Cambria Math" panose="02040503050406030204" pitchFamily="18" charset="0"/>
+                      </a:rPr>
+                      <m:t>and</m:t>
+                    </m:r>
+                    <m:r>
+                      <a:rPr lang="hu-HU" b="0" i="0" smtClean="0">
+                        <a:latin typeface="Cambria Math" panose="02040503050406030204" pitchFamily="18" charset="0"/>
+                        <a:ea typeface="Cambria Math" panose="02040503050406030204" pitchFamily="18" charset="0"/>
+                      </a:rPr>
+                      <m:t>  </m:t>
+                    </m:r>
+                    <m:r>
+                      <a:rPr lang="hu-HU" i="1" smtClean="0">
+                        <a:latin typeface="Cambria Math" panose="02040503050406030204" pitchFamily="18" charset="0"/>
+                        <a:ea typeface="Cambria Math" panose="02040503050406030204" pitchFamily="18" charset="0"/>
+                      </a:rPr>
+                      <m:t>𝜃</m:t>
+                    </m:r>
+                    <m:r>
+                      <a:rPr lang="hu-HU" b="0" i="1" smtClean="0">
+                        <a:latin typeface="Cambria Math" panose="02040503050406030204" pitchFamily="18" charset="0"/>
+                        <a:ea typeface="Cambria Math" panose="02040503050406030204" pitchFamily="18" charset="0"/>
+                      </a:rPr>
+                      <m:t>≤</m:t>
+                    </m:r>
+                    <m:r>
+                      <a:rPr lang="hu-HU" b="0" i="1" smtClean="0">
+                        <a:latin typeface="Cambria Math" panose="02040503050406030204" pitchFamily="18" charset="0"/>
+                        <a:ea typeface="Cambria Math" panose="02040503050406030204" pitchFamily="18" charset="0"/>
+                      </a:rPr>
+                      <m:t>𝑘</m:t>
+                    </m:r>
+                    <m:r>
+                      <a:rPr lang="hu-HU" b="0" i="1" smtClean="0">
+                        <a:latin typeface="Cambria Math" panose="02040503050406030204" pitchFamily="18" charset="0"/>
+                        <a:ea typeface="Cambria Math" panose="02040503050406030204" pitchFamily="18" charset="0"/>
+                      </a:rPr>
+                      <m:t>⇒</m:t>
+                    </m:r>
+                    <m:d>
+                      <m:dPr>
+                        <m:begChr m:val="|"/>
+                        <m:endChr m:val="|"/>
+                        <m:ctrlPr>
+                          <a:rPr lang="hu-HU" b="0" i="1" smtClean="0">
+                            <a:latin typeface="Cambria Math" panose="02040503050406030204" pitchFamily="18" charset="0"/>
+                            <a:ea typeface="Cambria Math" panose="02040503050406030204" pitchFamily="18" charset="0"/>
+                          </a:rPr>
+                        </m:ctrlPr>
+                      </m:dPr>
+                      <m:e>
+                        <m:r>
+                          <a:rPr lang="hu-HU" b="0" i="1" smtClean="0">
+                            <a:latin typeface="Cambria Math" panose="02040503050406030204" pitchFamily="18" charset="0"/>
+                            <a:ea typeface="Cambria Math" panose="02040503050406030204" pitchFamily="18" charset="0"/>
+                          </a:rPr>
+                          <m:t>𝐹</m:t>
+                        </m:r>
+                      </m:e>
+                    </m:d>
+                    <m:r>
+                      <a:rPr lang="hu-HU" b="0" i="1" smtClean="0">
+                        <a:latin typeface="Cambria Math" panose="02040503050406030204" pitchFamily="18" charset="0"/>
+                        <a:ea typeface="Cambria Math" panose="02040503050406030204" pitchFamily="18" charset="0"/>
+                      </a:rPr>
+                      <m:t>= </m:t>
+                    </m:r>
+                    <m:r>
+                      <m:rPr>
+                        <m:sty m:val="p"/>
+                      </m:rPr>
+                      <a:rPr lang="el-GR" b="0" i="1" smtClean="0">
+                        <a:latin typeface="Cambria Math" panose="02040503050406030204" pitchFamily="18" charset="0"/>
+                        <a:ea typeface="Cambria Math" panose="02040503050406030204" pitchFamily="18" charset="0"/>
+                      </a:rPr>
+                      <m:t>Ω</m:t>
+                    </m:r>
+                    <m:r>
+                      <a:rPr lang="hu-HU" b="0" i="1" smtClean="0">
+                        <a:latin typeface="Cambria Math" panose="02040503050406030204" pitchFamily="18" charset="0"/>
+                        <a:ea typeface="Cambria Math" panose="02040503050406030204" pitchFamily="18" charset="0"/>
+                      </a:rPr>
+                      <m:t>(</m:t>
+                    </m:r>
+                    <m:r>
+                      <a:rPr lang="hu-HU" b="0" i="1" smtClean="0">
+                        <a:latin typeface="Cambria Math" panose="02040503050406030204" pitchFamily="18" charset="0"/>
+                        <a:ea typeface="Cambria Math" panose="02040503050406030204" pitchFamily="18" charset="0"/>
+                      </a:rPr>
+                      <m:t>𝜙</m:t>
+                    </m:r>
+                    <m:r>
+                      <a:rPr lang="hu-HU" b="0" i="1" baseline="30000" smtClean="0">
+                        <a:latin typeface="Cambria Math" panose="02040503050406030204" pitchFamily="18" charset="0"/>
+                        <a:ea typeface="Cambria Math" panose="02040503050406030204" pitchFamily="18" charset="0"/>
+                      </a:rPr>
+                      <m:t>2</m:t>
+                    </m:r>
+                    <m:r>
+                      <a:rPr lang="hu-HU" b="0" i="1" smtClean="0">
+                        <a:latin typeface="Cambria Math" panose="02040503050406030204" pitchFamily="18" charset="0"/>
+                        <a:ea typeface="Cambria Math" panose="02040503050406030204" pitchFamily="18" charset="0"/>
+                      </a:rPr>
+                      <m:t>)</m:t>
+                    </m:r>
+                  </m:oMath>
+                </a14:m>
+                <a:endParaRPr lang="hu-HU" dirty="0"/>
+              </a:p>
+            </p:txBody>
+          </p:sp>
+        </mc:Choice>
+        <mc:Fallback xmlns="">
+          <p:sp>
+            <p:nvSpPr>
+              <p:cNvPr id="3" name="Tartalom helye 2"/>
+              <p:cNvSpPr>
+                <a:spLocks noGrp="1" noRot="1" noChangeAspect="1" noMove="1" noResize="1" noEditPoints="1" noAdjustHandles="1" noChangeArrowheads="1" noChangeShapeType="1" noTextEdit="1"/>
+              </p:cNvSpPr>
+              <p:nvPr>
+                <p:ph idx="1"/>
+              </p:nvPr>
+            </p:nvSpPr>
+            <p:spPr>
+              <a:blipFill>
+                <a:blip r:embed="rId2"/>
+                <a:stretch>
+                  <a:fillRect l="-1043" t="-2241" r="-290"/>
+                </a:stretch>
+              </a:blipFill>
+            </p:spPr>
+            <p:txBody>
+              <a:bodyPr/>
+              <a:lstStyle/>
+              <a:p>
+                <a:r>
+                  <a:rPr lang="hu-HU">
+                    <a:noFill/>
+                  </a:rPr>
+                  <a:t> </a:t>
+                </a:r>
+              </a:p>
+            </p:txBody>
+          </p:sp>
+        </mc:Fallback>
+      </mc:AlternateContent>
+    </p:spTree>
+    <p:extLst>
+      <p:ext uri="{BB962C8B-B14F-4D97-AF65-F5344CB8AC3E}">
+        <p14:creationId xmlns:p14="http://schemas.microsoft.com/office/powerpoint/2010/main" val="1879281850"/>
+      </p:ext>
+    </p:extLst>
+  </p:cSld>
+  <p:clrMapOvr>
+    <a:masterClrMapping/>
+  </p:clrMapOvr>
+</p:sld>
+</file>
+
+<file path=ppt/slides/slide14.xml><?xml version="1.0" encoding="utf-8"?>
+<p:sld xmlns:a="http://schemas.openxmlformats.org/drawingml/2006/main" xmlns:r="http://schemas.openxmlformats.org/officeDocument/2006/relationships" xmlns:p="http://schemas.openxmlformats.org/presentationml/2006/main">
+  <p:cSld>
+    <p:spTree>
+      <p:nvGrpSpPr>
+        <p:cNvPr id="1" name=""/>
+        <p:cNvGrpSpPr/>
+        <p:nvPr/>
+      </p:nvGrpSpPr>
+      <p:grpSpPr>
+        <a:xfrm>
+          <a:off x="0" y="0"/>
+          <a:ext cx="0" cy="0"/>
+          <a:chOff x="0" y="0"/>
+          <a:chExt cx="0" cy="0"/>
+        </a:xfrm>
+      </p:grpSpPr>
+      <p:sp>
+        <p:nvSpPr>
+          <p:cNvPr id="2" name="Cím 1"/>
+          <p:cNvSpPr>
+            <a:spLocks noGrp="1"/>
+          </p:cNvSpPr>
+          <p:nvPr>
+            <p:ph type="title"/>
+          </p:nvPr>
+        </p:nvSpPr>
+        <p:spPr/>
+        <p:txBody>
+          <a:bodyPr/>
+          <a:lstStyle/>
+          <a:p>
+            <a:r>
+              <a:rPr lang="hu-HU" dirty="0" err="1"/>
+              <a:t>How</a:t>
+            </a:r>
+            <a:r>
+              <a:rPr lang="hu-HU" dirty="0"/>
+              <a:t> </a:t>
+            </a:r>
+            <a:r>
+              <a:rPr lang="hu-HU" dirty="0" err="1"/>
+              <a:t>to</a:t>
+            </a:r>
+            <a:r>
+              <a:rPr lang="hu-HU" dirty="0"/>
+              <a:t> </a:t>
+            </a:r>
+            <a:r>
+              <a:rPr lang="hu-HU" dirty="0" err="1"/>
+              <a:t>create</a:t>
+            </a:r>
+            <a:r>
+              <a:rPr lang="hu-HU" dirty="0"/>
+              <a:t> </a:t>
+            </a:r>
+            <a:r>
+              <a:rPr lang="hu-HU" dirty="0" err="1"/>
+              <a:t>submatrices</a:t>
+            </a:r>
+            <a:r>
+              <a:rPr lang="hu-HU" dirty="0"/>
+              <a:t> of </a:t>
+            </a:r>
+            <a:r>
+              <a:rPr lang="hu-HU" dirty="0" err="1"/>
+              <a:t>low</a:t>
+            </a:r>
+            <a:r>
+              <a:rPr lang="hu-HU" dirty="0"/>
+              <a:t> </a:t>
+            </a:r>
+            <a:r>
+              <a:rPr lang="hu-HU" dirty="0" err="1"/>
+              <a:t>intersection</a:t>
+            </a:r>
+            <a:endParaRPr lang="hu-HU" dirty="0"/>
+          </a:p>
+        </p:txBody>
+      </p:sp>
+      <mc:AlternateContent xmlns:mc="http://schemas.openxmlformats.org/markup-compatibility/2006" xmlns:a14="http://schemas.microsoft.com/office/drawing/2010/main">
+        <mc:Choice Requires="a14">
           <p:sp>
             <p:nvSpPr>
               <p:cNvPr id="3" name="Tartalom helye 2"/>
@@ -3166,7 +5970,7 @@
               <a:lstStyle/>
               <a:p>
                 <a:r>
-                  <a:rPr lang="hu-HU" dirty="0" smtClean="0"/>
+                  <a:rPr lang="hu-HU" dirty="0"/>
                   <a:t>BIBD: </a:t>
                 </a:r>
                 <a14:m>
@@ -3465,15 +6269,8 @@
                     </m:r>
                   </m:oMath>
                 </a14:m>
-                <a:r>
-                  <a:rPr lang="hu-HU" sz="3800" b="0" i="1" dirty="0" smtClean="0">
-                    <a:latin typeface="Cambria Math" panose="02040503050406030204" pitchFamily="18" charset="0"/>
-                    <a:ea typeface="Cambria Math" panose="02040503050406030204" pitchFamily="18" charset="0"/>
-                  </a:rPr>
-                  <a:t/>
-                </a:r>
                 <a:br>
-                  <a:rPr lang="hu-HU" sz="3800" b="0" i="1" dirty="0" smtClean="0">
+                  <a:rPr lang="hu-HU" sz="3800" b="0" i="1" dirty="0">
                     <a:latin typeface="Cambria Math" panose="02040503050406030204" pitchFamily="18" charset="0"/>
                     <a:ea typeface="Cambria Math" panose="02040503050406030204" pitchFamily="18" charset="0"/>
                   </a:rPr>
@@ -3566,105 +6363,104 @@
                     </m:r>
                   </m:oMath>
                 </a14:m>
-                <a:endParaRPr lang="hu-HU" sz="3800" dirty="0" smtClean="0"/>
+                <a:endParaRPr lang="hu-HU" sz="3800" dirty="0"/>
               </a:p>
               <a:p>
                 <a:r>
-                  <a:rPr lang="hu-HU" sz="3800" dirty="0" smtClean="0"/>
+                  <a:rPr lang="hu-HU" sz="3800" dirty="0"/>
                   <a:t>b = v is </a:t>
                 </a:r>
                 <a:r>
-                  <a:rPr lang="hu-HU" sz="3800" dirty="0" err="1" smtClean="0"/>
+                  <a:rPr lang="hu-HU" sz="3800" dirty="0" err="1"/>
                   <a:t>called</a:t>
                 </a:r>
                 <a:r>
-                  <a:rPr lang="hu-HU" sz="3800" dirty="0" smtClean="0"/>
+                  <a:rPr lang="hu-HU" sz="3800" dirty="0"/>
                   <a:t> </a:t>
                 </a:r>
                 <a:r>
-                  <a:rPr lang="hu-HU" sz="3800" dirty="0" err="1" smtClean="0"/>
+                  <a:rPr lang="hu-HU" sz="3800" dirty="0" err="1"/>
                   <a:t>symetric</a:t>
                 </a:r>
-                <a:endParaRPr lang="hu-HU" sz="3800" dirty="0" smtClean="0"/>
+                <a:endParaRPr lang="hu-HU" sz="3800" dirty="0"/>
               </a:p>
               <a:p>
                 <a:r>
-                  <a:rPr lang="hu-HU" sz="3800" dirty="0" smtClean="0"/>
+                  <a:rPr lang="hu-HU" sz="3800" dirty="0"/>
                   <a:t>The </a:t>
                 </a:r>
                 <a:r>
-                  <a:rPr lang="hu-HU" sz="3800" dirty="0" err="1" smtClean="0"/>
+                  <a:rPr lang="hu-HU" sz="3800" dirty="0" err="1"/>
                   <a:t>only</a:t>
                 </a:r>
                 <a:r>
-                  <a:rPr lang="hu-HU" sz="3800" dirty="0" smtClean="0"/>
+                  <a:rPr lang="hu-HU" sz="3800" dirty="0"/>
                   <a:t> </a:t>
                 </a:r>
                 <a:r>
-                  <a:rPr lang="hu-HU" sz="3800" dirty="0" err="1" smtClean="0"/>
+                  <a:rPr lang="hu-HU" sz="3800" dirty="0" err="1"/>
                   <a:t>reaming</a:t>
                 </a:r>
                 <a:r>
-                  <a:rPr lang="hu-HU" sz="3800" dirty="0" smtClean="0"/>
+                  <a:rPr lang="hu-HU" sz="3800" dirty="0"/>
                   <a:t> </a:t>
                 </a:r>
                 <a:r>
-                  <a:rPr lang="hu-HU" sz="3800" dirty="0" err="1" smtClean="0"/>
+                  <a:rPr lang="hu-HU" sz="3800" dirty="0" err="1"/>
                   <a:t>problem</a:t>
                 </a:r>
                 <a:r>
-                  <a:rPr lang="hu-HU" sz="3800" dirty="0" smtClean="0"/>
+                  <a:rPr lang="hu-HU" sz="3800" dirty="0"/>
                   <a:t>: </a:t>
                 </a:r>
                 <a:r>
-                  <a:rPr lang="hu-HU" sz="3800" dirty="0" err="1" smtClean="0"/>
+                  <a:rPr lang="hu-HU" sz="3800" dirty="0" err="1"/>
                   <a:t>the</a:t>
                 </a:r>
                 <a:r>
-                  <a:rPr lang="hu-HU" sz="3800" dirty="0" smtClean="0"/>
+                  <a:rPr lang="hu-HU" sz="3800" dirty="0"/>
                   <a:t> </a:t>
                 </a:r>
                 <a:r>
-                  <a:rPr lang="hu-HU" sz="3800" dirty="0" err="1" smtClean="0"/>
+                  <a:rPr lang="hu-HU" sz="3800" dirty="0" err="1"/>
                   <a:t>block</a:t>
                 </a:r>
                 <a:r>
-                  <a:rPr lang="hu-HU" sz="3800" dirty="0" smtClean="0"/>
+                  <a:rPr lang="hu-HU" sz="3800" dirty="0"/>
                   <a:t> </a:t>
                 </a:r>
                 <a:r>
-                  <a:rPr lang="hu-HU" sz="3800" dirty="0" err="1" smtClean="0"/>
+                  <a:rPr lang="hu-HU" sz="3800" dirty="0" err="1"/>
                   <a:t>arent</a:t>
                 </a:r>
                 <a:r>
-                  <a:rPr lang="hu-HU" sz="3800" dirty="0" smtClean="0"/>
+                  <a:rPr lang="hu-HU" sz="3800" dirty="0"/>
                   <a:t> </a:t>
                 </a:r>
                 <a:r>
-                  <a:rPr lang="hu-HU" sz="3800" dirty="0" err="1" smtClean="0"/>
+                  <a:rPr lang="hu-HU" sz="3800" dirty="0" err="1"/>
                   <a:t>rows</a:t>
                 </a:r>
-                <a:endParaRPr lang="hu-HU" sz="3800" dirty="0" smtClean="0"/>
+                <a:endParaRPr lang="hu-HU" sz="3800" dirty="0"/>
               </a:p>
               <a:p>
                 <a:r>
-                  <a:rPr lang="hu-HU" sz="3800" dirty="0" smtClean="0"/>
+                  <a:rPr lang="hu-HU" sz="3800" dirty="0"/>
                   <a:t>TODO: </a:t>
                 </a:r>
                 <a:r>
-                  <a:rPr lang="hu-HU" sz="3800" dirty="0" err="1" smtClean="0"/>
+                  <a:rPr lang="hu-HU" sz="3800" dirty="0" err="1"/>
                   <a:t>algorithm</a:t>
                 </a:r>
                 <a:r>
-                  <a:rPr lang="hu-HU" sz="3800" dirty="0" smtClean="0"/>
+                  <a:rPr lang="hu-HU" sz="3800" dirty="0"/>
                   <a:t> (1,2)</a:t>
                 </a:r>
-                <a:endParaRPr lang="hu-HU" sz="3800" dirty="0"/>
               </a:p>
             </p:txBody>
           </p:sp>
         </mc:Choice>
-        <mc:Fallback>
+        <mc:Fallback xmlns="">
           <p:sp>
             <p:nvSpPr>
               <p:cNvPr id="3" name="Tartalom helye 2"/>
@@ -3711,7 +6507,7 @@
 </p:sld>
 </file>
 
-<file path=ppt/slides/slide11.xml><?xml version="1.0" encoding="utf-8"?>
+<file path=ppt/slides/slide15.xml><?xml version="1.0" encoding="utf-8"?>
 <p:sld xmlns:a="http://schemas.openxmlformats.org/drawingml/2006/main" xmlns:r="http://schemas.openxmlformats.org/officeDocument/2006/relationships" xmlns:p="http://schemas.openxmlformats.org/presentationml/2006/main">
   <p:cSld>
     <p:spTree>
@@ -3745,23 +6541,23 @@
           <a:p>
             <a:pPr algn="ctr"/>
             <a:r>
-              <a:rPr lang="hu-HU" dirty="0" err="1" smtClean="0"/>
+              <a:rPr lang="hu-HU" dirty="0" err="1"/>
               <a:t>Prmutation</a:t>
             </a:r>
             <a:r>
-              <a:rPr lang="hu-HU" dirty="0" smtClean="0"/>
+              <a:rPr lang="hu-HU" dirty="0"/>
               <a:t> </a:t>
             </a:r>
             <a:r>
-              <a:rPr lang="hu-HU" dirty="0" err="1" smtClean="0"/>
+              <a:rPr lang="hu-HU" dirty="0" err="1"/>
               <a:t>routing</a:t>
             </a:r>
             <a:endParaRPr lang="hu-HU" dirty="0"/>
           </a:p>
         </p:txBody>
       </p:sp>
-      <mc:AlternateContent xmlns:mc="http://schemas.openxmlformats.org/markup-compatibility/2006">
-        <mc:Choice xmlns:a14="http://schemas.microsoft.com/office/drawing/2010/main" Requires="a14">
+      <mc:AlternateContent xmlns:mc="http://schemas.openxmlformats.org/markup-compatibility/2006" xmlns:a14="http://schemas.microsoft.com/office/drawing/2010/main">
+        <mc:Choice Requires="a14">
           <p:sp>
             <p:nvSpPr>
               <p:cNvPr id="3" name="Tartalom helye 2"/>
@@ -3778,63 +6574,63 @@
               <a:lstStyle/>
               <a:p>
                 <a:r>
-                  <a:rPr lang="hu-HU" dirty="0" smtClean="0"/>
+                  <a:rPr lang="hu-HU" dirty="0"/>
                   <a:t>Generalize </a:t>
                 </a:r>
                 <a:r>
-                  <a:rPr lang="hu-HU" dirty="0" err="1" smtClean="0"/>
+                  <a:rPr lang="hu-HU" dirty="0" err="1"/>
                   <a:t>All-to</a:t>
                 </a:r>
                 <a:r>
-                  <a:rPr lang="hu-HU" dirty="0" smtClean="0"/>
+                  <a:rPr lang="hu-HU" dirty="0"/>
                   <a:t> </a:t>
                 </a:r>
                 <a:r>
-                  <a:rPr lang="hu-HU" dirty="0" err="1" smtClean="0"/>
+                  <a:rPr lang="hu-HU" dirty="0" err="1"/>
                   <a:t>One</a:t>
                 </a:r>
                 <a:r>
-                  <a:rPr lang="hu-HU" dirty="0" smtClean="0"/>
+                  <a:rPr lang="hu-HU" dirty="0"/>
                   <a:t> </a:t>
                 </a:r>
                 <a:r>
-                  <a:rPr lang="hu-HU" dirty="0" err="1" smtClean="0"/>
+                  <a:rPr lang="hu-HU" dirty="0" err="1"/>
                   <a:t>routing</a:t>
                 </a:r>
                 <a:r>
-                  <a:rPr lang="hu-HU" dirty="0" smtClean="0"/>
+                  <a:rPr lang="hu-HU" dirty="0"/>
                   <a:t> </a:t>
                 </a:r>
                 <a:r>
-                  <a:rPr lang="hu-HU" dirty="0" err="1" smtClean="0"/>
+                  <a:rPr lang="hu-HU" dirty="0" err="1"/>
                   <a:t>to</a:t>
                 </a:r>
                 <a:r>
-                  <a:rPr lang="hu-HU" dirty="0" smtClean="0"/>
+                  <a:rPr lang="hu-HU" dirty="0"/>
                   <a:t> </a:t>
                 </a:r>
                 <a:r>
-                  <a:rPr lang="hu-HU" dirty="0" err="1" smtClean="0"/>
+                  <a:rPr lang="hu-HU" dirty="0" err="1"/>
                   <a:t>permutation</a:t>
                 </a:r>
                 <a:r>
-                  <a:rPr lang="hu-HU" dirty="0" smtClean="0"/>
+                  <a:rPr lang="hu-HU" dirty="0"/>
                   <a:t> </a:t>
                 </a:r>
                 <a:r>
-                  <a:rPr lang="hu-HU" dirty="0" err="1" smtClean="0"/>
+                  <a:rPr lang="hu-HU" dirty="0" err="1"/>
                   <a:t>routing</a:t>
                 </a:r>
                 <a:r>
-                  <a:rPr lang="hu-HU" dirty="0" smtClean="0"/>
+                  <a:rPr lang="hu-HU" dirty="0"/>
                   <a:t> </a:t>
                 </a:r>
                 <a:r>
-                  <a:rPr lang="hu-HU" dirty="0" err="1" smtClean="0"/>
+                  <a:rPr lang="hu-HU" dirty="0" err="1"/>
                   <a:t>problem</a:t>
                 </a:r>
                 <a:r>
-                  <a:rPr lang="hu-HU" dirty="0" smtClean="0"/>
+                  <a:rPr lang="hu-HU" dirty="0"/>
                   <a:t>.</a:t>
                 </a:r>
               </a:p>
@@ -4016,7 +6812,7 @@
             </p:txBody>
           </p:sp>
         </mc:Choice>
-        <mc:Fallback>
+        <mc:Fallback xmlns="">
           <p:sp>
             <p:nvSpPr>
               <p:cNvPr id="3" name="Tartalom helye 2"/>
@@ -4097,10 +6893,9 @@
           <a:p>
             <a:pPr algn="ctr"/>
             <a:r>
-              <a:rPr lang="hu-HU" dirty="0" smtClean="0"/>
+              <a:rPr lang="hu-HU" dirty="0"/>
               <a:t>About the article</a:t>
             </a:r>
-            <a:endParaRPr lang="hu-HU" dirty="0"/>
           </a:p>
         </p:txBody>
       </p:sp>
@@ -4120,22 +6915,21 @@
           <a:lstStyle/>
           <a:p>
             <a:r>
-              <a:rPr lang="hu-HU" dirty="0" smtClean="0"/>
+              <a:rPr lang="hu-HU" dirty="0"/>
               <a:t>Need for faster failover protocol when mutiplie edge fall out.</a:t>
             </a:r>
           </a:p>
           <a:p>
             <a:r>
-              <a:rPr lang="hu-HU" dirty="0" smtClean="0"/>
+              <a:rPr lang="hu-HU" dirty="0"/>
               <a:t>Not using pacake tagging. (Additional information for packages to rerouing)</a:t>
             </a:r>
           </a:p>
           <a:p>
             <a:r>
-              <a:rPr lang="hu-HU" dirty="0" smtClean="0"/>
+              <a:rPr lang="hu-HU" dirty="0"/>
               <a:t>Build a static failover matrix in order that the alternative route should not be recoputied in runtime.</a:t>
             </a:r>
-            <a:endParaRPr lang="hu-HU" dirty="0"/>
           </a:p>
         </p:txBody>
       </p:sp>
@@ -4186,10 +6980,9 @@
           <a:p>
             <a:pPr algn="ctr"/>
             <a:r>
-              <a:rPr lang="hu-HU" dirty="0" smtClean="0"/>
+              <a:rPr lang="hu-HU" dirty="0"/>
               <a:t>Problem statement model</a:t>
             </a:r>
-            <a:endParaRPr lang="hu-HU" dirty="0"/>
           </a:p>
         </p:txBody>
       </p:sp>
@@ -4211,7 +7004,7 @@
               <a:lstStyle/>
               <a:p>
                 <a:r>
-                  <a:rPr lang="hu-HU" dirty="0" smtClean="0"/>
+                  <a:rPr lang="hu-HU" dirty="0"/>
                   <a:t>SDN-network:</a:t>
                 </a:r>
                 <a14:m>
@@ -4301,7 +7094,7 @@
                     </m:r>
                   </m:oMath>
                 </a14:m>
-                <a:endParaRPr lang="hu-HU" b="0" dirty="0" smtClean="0"/>
+                <a:endParaRPr lang="hu-HU" b="0" dirty="0"/>
               </a:p>
               <a:p>
                 <a14:m>
@@ -4352,19 +7145,19 @@
                   </m:oMath>
                 </a14:m>
                 <a:r>
-                  <a:rPr lang="hu-HU" dirty="0" smtClean="0"/>
+                  <a:rPr lang="hu-HU" dirty="0"/>
                   <a:t> connected by bidirectional links E</a:t>
                 </a:r>
               </a:p>
               <a:p>
                 <a:r>
-                  <a:rPr lang="hu-HU" dirty="0" smtClean="0"/>
+                  <a:rPr lang="hu-HU" dirty="0"/>
                   <a:t>2 flow rolues: original (regular forwaring behavior) and conditional (in case of node fail)</a:t>
                 </a:r>
               </a:p>
               <a:p>
                 <a:r>
-                  <a:rPr lang="hu-HU" dirty="0" smtClean="0"/>
+                  <a:rPr lang="hu-HU" dirty="0"/>
                   <a:t>We consider an initial network where all nodes are directly connected</a:t>
                 </a:r>
               </a:p>
@@ -4373,12 +7166,12 @@
                   <a:buNone/>
                 </a:pPr>
                 <a:r>
-                  <a:rPr lang="hu-HU" dirty="0" smtClean="0"/>
+                  <a:rPr lang="hu-HU" dirty="0"/>
                   <a:t> </a:t>
                 </a:r>
               </a:p>
               <a:p>
-                <a:endParaRPr lang="hu-HU" dirty="0" smtClean="0"/>
+                <a:endParaRPr lang="hu-HU" dirty="0"/>
               </a:p>
             </p:txBody>
           </p:sp>
@@ -4464,15 +7257,14 @@
           <a:p>
             <a:pPr algn="ctr"/>
             <a:r>
-              <a:rPr lang="hu-HU" dirty="0" smtClean="0"/>
+              <a:rPr lang="hu-HU" dirty="0"/>
               <a:t>Main definitions</a:t>
             </a:r>
-            <a:endParaRPr lang="hu-HU" dirty="0"/>
           </a:p>
         </p:txBody>
       </p:sp>
-      <mc:AlternateContent xmlns:mc="http://schemas.openxmlformats.org/markup-compatibility/2006">
-        <mc:Choice xmlns:a14="http://schemas.microsoft.com/office/drawing/2010/main" Requires="a14">
+      <mc:AlternateContent xmlns:mc="http://schemas.openxmlformats.org/markup-compatibility/2006" xmlns:a14="http://schemas.microsoft.com/office/drawing/2010/main">
+        <mc:Choice Requires="a14">
           <p:sp>
             <p:nvSpPr>
               <p:cNvPr id="3" name="Content Placeholder 2"/>
@@ -4489,7 +7281,7 @@
               <a:lstStyle/>
               <a:p>
                 <a:r>
-                  <a:rPr lang="hu-HU" dirty="0" smtClean="0"/>
+                  <a:rPr lang="hu-HU" dirty="0"/>
                   <a:t>Load overhead: </a:t>
                 </a:r>
                 <a14:m>
@@ -4523,7 +7315,7 @@
                   </m:oMath>
                 </a14:m>
                 <a:r>
-                  <a:rPr lang="hu-HU" dirty="0" smtClean="0"/>
+                  <a:rPr lang="hu-HU" dirty="0"/>
                   <a:t> is a number of corrsing flow considering an e edge due the reouring. </a:t>
                 </a:r>
                 <a14:m>
@@ -4594,23 +7386,23 @@
                     </m:func>
                   </m:oMath>
                 </a14:m>
-                <a:endParaRPr lang="hu-HU" dirty="0" smtClean="0"/>
+                <a:endParaRPr lang="hu-HU" dirty="0"/>
               </a:p>
               <a:p>
                 <a:r>
-                  <a:rPr lang="hu-HU" dirty="0" err="1" smtClean="0"/>
+                  <a:rPr lang="hu-HU" dirty="0" err="1"/>
                   <a:t>Optimal</a:t>
                 </a:r>
                 <a:r>
-                  <a:rPr lang="hu-HU" dirty="0" smtClean="0"/>
+                  <a:rPr lang="hu-HU" dirty="0"/>
                   <a:t> </a:t>
                 </a:r>
                 <a:r>
-                  <a:rPr lang="hu-HU" dirty="0" err="1" smtClean="0"/>
+                  <a:rPr lang="hu-HU" dirty="0" err="1"/>
                   <a:t>attack</a:t>
                 </a:r>
                 <a:r>
-                  <a:rPr lang="hu-HU" dirty="0" smtClean="0"/>
+                  <a:rPr lang="hu-HU" dirty="0"/>
                   <a:t>: </a:t>
                 </a:r>
                 <a14:m>
@@ -4637,55 +7429,55 @@
                   </m:oMath>
                 </a14:m>
                 <a:r>
-                  <a:rPr lang="hu-HU" dirty="0" smtClean="0"/>
+                  <a:rPr lang="hu-HU" dirty="0"/>
                   <a:t> </a:t>
                 </a:r>
                 <a:r>
-                  <a:rPr lang="hu-HU" dirty="0" err="1" smtClean="0"/>
+                  <a:rPr lang="hu-HU" dirty="0" err="1"/>
                   <a:t>that</a:t>
                 </a:r>
                 <a:r>
-                  <a:rPr lang="hu-HU" dirty="0" smtClean="0"/>
+                  <a:rPr lang="hu-HU" dirty="0"/>
                   <a:t> </a:t>
                 </a:r>
                 <a:r>
-                  <a:rPr lang="hu-HU" dirty="0" err="1" smtClean="0"/>
+                  <a:rPr lang="hu-HU" dirty="0" err="1"/>
                   <a:t>generates</a:t>
                 </a:r>
                 <a:r>
-                  <a:rPr lang="hu-HU" dirty="0" smtClean="0"/>
+                  <a:rPr lang="hu-HU" dirty="0"/>
                   <a:t> </a:t>
                 </a:r>
                 <a:r>
-                  <a:rPr lang="hu-HU" dirty="0" err="1" smtClean="0"/>
+                  <a:rPr lang="hu-HU" dirty="0" err="1"/>
                   <a:t>the</a:t>
                 </a:r>
                 <a:r>
-                  <a:rPr lang="hu-HU" dirty="0" smtClean="0"/>
+                  <a:rPr lang="hu-HU" dirty="0"/>
                   <a:t> </a:t>
                 </a:r>
                 <a:r>
-                  <a:rPr lang="hu-HU" dirty="0" err="1" smtClean="0"/>
+                  <a:rPr lang="hu-HU" dirty="0" err="1"/>
                   <a:t>worst</a:t>
                 </a:r>
                 <a:r>
-                  <a:rPr lang="hu-HU" dirty="0" smtClean="0"/>
+                  <a:rPr lang="hu-HU" dirty="0"/>
                   <a:t> </a:t>
                 </a:r>
                 <a:r>
-                  <a:rPr lang="hu-HU" dirty="0" err="1" smtClean="0"/>
+                  <a:rPr lang="hu-HU" dirty="0" err="1"/>
                   <a:t>overhead</a:t>
                 </a:r>
                 <a:r>
-                  <a:rPr lang="hu-HU" dirty="0" smtClean="0"/>
+                  <a:rPr lang="hu-HU" dirty="0"/>
                   <a:t> </a:t>
                 </a:r>
                 <a:r>
-                  <a:rPr lang="hu-HU" dirty="0" err="1" smtClean="0"/>
+                  <a:rPr lang="hu-HU" dirty="0" err="1"/>
                   <a:t>load</a:t>
                 </a:r>
                 <a:r>
-                  <a:rPr lang="hu-HU" dirty="0" smtClean="0"/>
+                  <a:rPr lang="hu-HU" dirty="0"/>
                   <a:t> </a:t>
                 </a:r>
                 <a14:m>
@@ -4700,7 +7492,7 @@
                   </m:oMath>
                 </a14:m>
                 <a:r>
-                  <a:rPr lang="hu-HU" dirty="0" smtClean="0"/>
+                  <a:rPr lang="hu-HU" dirty="0"/>
                   <a:t>. </a:t>
                 </a:r>
                 <a14:m>
@@ -4732,79 +7524,79 @@
                   </m:oMath>
                 </a14:m>
                 <a:r>
-                  <a:rPr lang="hu-HU" dirty="0" smtClean="0"/>
+                  <a:rPr lang="hu-HU" dirty="0"/>
                   <a:t> is </a:t>
                 </a:r>
                 <a:r>
-                  <a:rPr lang="hu-HU" dirty="0" err="1" smtClean="0"/>
+                  <a:rPr lang="hu-HU" dirty="0" err="1"/>
                   <a:t>the</a:t>
                 </a:r>
                 <a:r>
-                  <a:rPr lang="hu-HU" dirty="0" smtClean="0"/>
+                  <a:rPr lang="hu-HU" dirty="0"/>
                   <a:t> </a:t>
                 </a:r>
                 <a:r>
-                  <a:rPr lang="hu-HU" dirty="0" err="1" smtClean="0"/>
+                  <a:rPr lang="hu-HU" dirty="0" err="1"/>
                   <a:t>minimal</a:t>
                 </a:r>
                 <a:r>
-                  <a:rPr lang="hu-HU" dirty="0" smtClean="0"/>
+                  <a:rPr lang="hu-HU" dirty="0"/>
                   <a:t> </a:t>
                 </a:r>
                 <a:r>
-                  <a:rPr lang="hu-HU" dirty="0" err="1" smtClean="0"/>
+                  <a:rPr lang="hu-HU" dirty="0" err="1"/>
                   <a:t>required</a:t>
                 </a:r>
                 <a:r>
-                  <a:rPr lang="hu-HU" dirty="0" smtClean="0"/>
+                  <a:rPr lang="hu-HU" dirty="0"/>
                   <a:t> </a:t>
                 </a:r>
                 <a:r>
-                  <a:rPr lang="hu-HU" dirty="0" err="1" smtClean="0"/>
+                  <a:rPr lang="hu-HU" dirty="0" err="1"/>
                   <a:t>number</a:t>
                 </a:r>
                 <a:r>
-                  <a:rPr lang="hu-HU" dirty="0" smtClean="0"/>
+                  <a:rPr lang="hu-HU" dirty="0"/>
                   <a:t> of </a:t>
                 </a:r>
                 <a:r>
-                  <a:rPr lang="hu-HU" dirty="0" err="1" smtClean="0"/>
+                  <a:rPr lang="hu-HU" dirty="0" err="1"/>
                   <a:t>failures</a:t>
                 </a:r>
                 <a:r>
-                  <a:rPr lang="hu-HU" dirty="0" smtClean="0"/>
+                  <a:rPr lang="hu-HU" dirty="0"/>
                   <a:t> </a:t>
                 </a:r>
                 <a:r>
-                  <a:rPr lang="hu-HU" dirty="0" err="1" smtClean="0"/>
+                  <a:rPr lang="hu-HU" dirty="0" err="1"/>
                   <a:t>leading</a:t>
                 </a:r>
                 <a:r>
-                  <a:rPr lang="hu-HU" dirty="0" smtClean="0"/>
+                  <a:rPr lang="hu-HU" dirty="0"/>
                   <a:t> </a:t>
                 </a:r>
                 <a:r>
-                  <a:rPr lang="hu-HU" dirty="0" err="1" smtClean="0"/>
+                  <a:rPr lang="hu-HU" dirty="0" err="1"/>
                   <a:t>to</a:t>
                 </a:r>
                 <a:r>
-                  <a:rPr lang="hu-HU" dirty="0" smtClean="0"/>
+                  <a:rPr lang="hu-HU" dirty="0"/>
                   <a:t> an </a:t>
                 </a:r>
                 <a:r>
-                  <a:rPr lang="hu-HU" dirty="0" err="1" smtClean="0"/>
+                  <a:rPr lang="hu-HU" dirty="0" err="1"/>
                   <a:t>overhead</a:t>
                 </a:r>
                 <a:r>
-                  <a:rPr lang="hu-HU" dirty="0" smtClean="0"/>
+                  <a:rPr lang="hu-HU" dirty="0"/>
                   <a:t> </a:t>
                 </a:r>
                 <a:r>
-                  <a:rPr lang="hu-HU" dirty="0" err="1" smtClean="0"/>
+                  <a:rPr lang="hu-HU" dirty="0" err="1"/>
                   <a:t>load</a:t>
                 </a:r>
                 <a:r>
-                  <a:rPr lang="hu-HU" dirty="0" smtClean="0"/>
+                  <a:rPr lang="hu-HU" dirty="0"/>
                   <a:t> </a:t>
                 </a:r>
                 <a14:m>
@@ -4823,7 +7615,7 @@
             </p:txBody>
           </p:sp>
         </mc:Choice>
-        <mc:Fallback>
+        <mc:Fallback xmlns="">
           <p:sp>
             <p:nvSpPr>
               <p:cNvPr id="3" name="Content Placeholder 2"/>
@@ -4904,23 +7696,23 @@
           <a:p>
             <a:pPr algn="ctr"/>
             <a:r>
-              <a:rPr lang="hu-HU" dirty="0" err="1" smtClean="0"/>
+              <a:rPr lang="hu-HU" dirty="0" err="1"/>
               <a:t>Failover</a:t>
             </a:r>
             <a:r>
-              <a:rPr lang="hu-HU" dirty="0" smtClean="0"/>
+              <a:rPr lang="hu-HU" dirty="0"/>
               <a:t> </a:t>
             </a:r>
             <a:r>
-              <a:rPr lang="hu-HU" dirty="0" err="1" smtClean="0"/>
+              <a:rPr lang="hu-HU" dirty="0" err="1"/>
               <a:t>matrix</a:t>
             </a:r>
             <a:r>
-              <a:rPr lang="hu-HU" dirty="0" smtClean="0"/>
+              <a:rPr lang="hu-HU" dirty="0"/>
               <a:t> </a:t>
             </a:r>
             <a:r>
-              <a:rPr lang="hu-HU" dirty="0" err="1" smtClean="0"/>
+              <a:rPr lang="hu-HU" dirty="0" err="1"/>
               <a:t>model</a:t>
             </a:r>
             <a:endParaRPr lang="hu-HU" dirty="0"/>
@@ -4943,287 +7735,283 @@
           <a:lstStyle/>
           <a:p>
             <a:r>
-              <a:rPr lang="hu-HU" dirty="0" err="1" smtClean="0"/>
+              <a:rPr lang="hu-HU" dirty="0" err="1"/>
               <a:t>Using</a:t>
             </a:r>
             <a:r>
-              <a:rPr lang="hu-HU" dirty="0" smtClean="0"/>
+              <a:rPr lang="hu-HU" dirty="0"/>
               <a:t> </a:t>
             </a:r>
             <a:r>
-              <a:rPr lang="hu-HU" dirty="0" err="1" smtClean="0"/>
+              <a:rPr lang="hu-HU" dirty="0" err="1"/>
               <a:t>All-to</a:t>
             </a:r>
             <a:r>
-              <a:rPr lang="hu-HU" dirty="0" smtClean="0"/>
+              <a:rPr lang="hu-HU" dirty="0"/>
               <a:t> </a:t>
             </a:r>
             <a:r>
-              <a:rPr lang="hu-HU" dirty="0" err="1" smtClean="0"/>
+              <a:rPr lang="hu-HU" dirty="0" err="1"/>
               <a:t>One</a:t>
             </a:r>
             <a:r>
-              <a:rPr lang="hu-HU" dirty="0" smtClean="0"/>
+              <a:rPr lang="hu-HU" dirty="0"/>
               <a:t> </a:t>
             </a:r>
             <a:r>
-              <a:rPr lang="hu-HU" dirty="0" err="1" smtClean="0"/>
+              <a:rPr lang="hu-HU" dirty="0" err="1"/>
               <a:t>routing</a:t>
             </a:r>
-            <a:endParaRPr lang="hu-HU" dirty="0" smtClean="0"/>
+            <a:endParaRPr lang="hu-HU" dirty="0"/>
           </a:p>
           <a:p>
             <a:r>
               <a:rPr lang="hu-HU" dirty="0"/>
-              <a:t>n</a:t>
-            </a:r>
-            <a:r>
-              <a:rPr lang="hu-HU" dirty="0" smtClean="0"/>
-              <a:t> flow, n </a:t>
-            </a:r>
-            <a:r>
-              <a:rPr lang="hu-HU" dirty="0" err="1" smtClean="0"/>
+              <a:t>n flow, n </a:t>
+            </a:r>
+            <a:r>
+              <a:rPr lang="hu-HU" dirty="0" err="1"/>
               <a:t>node</a:t>
             </a:r>
-            <a:endParaRPr lang="hu-HU" dirty="0" smtClean="0"/>
-          </a:p>
-          <a:p>
-            <a:r>
-              <a:rPr lang="hu-HU" dirty="0" smtClean="0"/>
+            <a:endParaRPr lang="hu-HU" dirty="0"/>
+          </a:p>
+          <a:p>
+            <a:r>
+              <a:rPr lang="hu-HU" dirty="0"/>
               <a:t>S </a:t>
             </a:r>
             <a:r>
-              <a:rPr lang="hu-HU" dirty="0" err="1" smtClean="0"/>
+              <a:rPr lang="hu-HU" dirty="0" err="1"/>
               <a:t>failover</a:t>
             </a:r>
             <a:r>
-              <a:rPr lang="hu-HU" dirty="0" smtClean="0"/>
+              <a:rPr lang="hu-HU" dirty="0"/>
               <a:t> </a:t>
             </a:r>
             <a:r>
-              <a:rPr lang="hu-HU" dirty="0" err="1" smtClean="0"/>
+              <a:rPr lang="hu-HU" dirty="0" err="1"/>
               <a:t>schame</a:t>
             </a:r>
             <a:r>
-              <a:rPr lang="hu-HU" dirty="0" smtClean="0"/>
+              <a:rPr lang="hu-HU" dirty="0"/>
               <a:t> </a:t>
             </a:r>
             <a:r>
-              <a:rPr lang="hu-HU" dirty="0" err="1" smtClean="0"/>
+              <a:rPr lang="hu-HU" dirty="0" err="1"/>
               <a:t>repesented</a:t>
             </a:r>
             <a:r>
-              <a:rPr lang="hu-HU" dirty="0" smtClean="0"/>
+              <a:rPr lang="hu-HU" dirty="0"/>
               <a:t> </a:t>
             </a:r>
             <a:r>
-              <a:rPr lang="hu-HU" dirty="0" err="1" smtClean="0"/>
+              <a:rPr lang="hu-HU" dirty="0" err="1"/>
               <a:t>as</a:t>
             </a:r>
             <a:r>
-              <a:rPr lang="hu-HU" dirty="0" smtClean="0"/>
+              <a:rPr lang="hu-HU" dirty="0"/>
               <a:t> M = [</a:t>
             </a:r>
             <a:r>
-              <a:rPr lang="hu-HU" dirty="0" err="1" smtClean="0"/>
+              <a:rPr lang="hu-HU" dirty="0" err="1"/>
               <a:t>mi,j</a:t>
             </a:r>
             <a:r>
-              <a:rPr lang="hu-HU" dirty="0" smtClean="0"/>
+              <a:rPr lang="hu-HU" dirty="0"/>
               <a:t>]</a:t>
             </a:r>
           </a:p>
           <a:p>
             <a:r>
-              <a:rPr lang="hu-HU" dirty="0" err="1" smtClean="0"/>
+              <a:rPr lang="hu-HU" dirty="0" err="1"/>
               <a:t>ith</a:t>
             </a:r>
             <a:r>
-              <a:rPr lang="hu-HU" dirty="0" smtClean="0"/>
+              <a:rPr lang="hu-HU" dirty="0"/>
               <a:t> flow </a:t>
             </a:r>
             <a:r>
-              <a:rPr lang="hu-HU" dirty="0" err="1" smtClean="0"/>
+              <a:rPr lang="hu-HU" dirty="0" err="1"/>
               <a:t>means</a:t>
             </a:r>
             <a:r>
-              <a:rPr lang="hu-HU" dirty="0" smtClean="0"/>
+              <a:rPr lang="hu-HU" dirty="0"/>
               <a:t>: we </a:t>
             </a:r>
             <a:r>
-              <a:rPr lang="hu-HU" dirty="0" err="1" smtClean="0"/>
+              <a:rPr lang="hu-HU" dirty="0" err="1"/>
               <a:t>want</a:t>
             </a:r>
             <a:r>
-              <a:rPr lang="hu-HU" dirty="0" smtClean="0"/>
+              <a:rPr lang="hu-HU" dirty="0"/>
               <a:t> </a:t>
             </a:r>
             <a:r>
-              <a:rPr lang="hu-HU" dirty="0" err="1" smtClean="0"/>
+              <a:rPr lang="hu-HU" dirty="0" err="1"/>
               <a:t>to</a:t>
             </a:r>
             <a:r>
-              <a:rPr lang="hu-HU" dirty="0" smtClean="0"/>
+              <a:rPr lang="hu-HU" dirty="0"/>
               <a:t> </a:t>
             </a:r>
             <a:r>
-              <a:rPr lang="hu-HU" dirty="0" err="1" smtClean="0"/>
+              <a:rPr lang="hu-HU" dirty="0" err="1"/>
               <a:t>foward</a:t>
             </a:r>
             <a:r>
-              <a:rPr lang="hu-HU" dirty="0" smtClean="0"/>
+              <a:rPr lang="hu-HU" dirty="0"/>
               <a:t> a </a:t>
             </a:r>
             <a:r>
-              <a:rPr lang="hu-HU" dirty="0" err="1" smtClean="0"/>
+              <a:rPr lang="hu-HU" dirty="0" err="1"/>
               <a:t>message</a:t>
             </a:r>
             <a:r>
-              <a:rPr lang="hu-HU" dirty="0" smtClean="0"/>
+              <a:rPr lang="hu-HU" dirty="0"/>
               <a:t> </a:t>
             </a:r>
             <a:r>
-              <a:rPr lang="hu-HU" dirty="0" err="1" smtClean="0"/>
+              <a:rPr lang="hu-HU" dirty="0" err="1"/>
               <a:t>from</a:t>
             </a:r>
             <a:r>
-              <a:rPr lang="hu-HU" dirty="0" smtClean="0"/>
+              <a:rPr lang="hu-HU" dirty="0"/>
               <a:t> </a:t>
             </a:r>
             <a:r>
-              <a:rPr lang="hu-HU" dirty="0" err="1" smtClean="0"/>
+              <a:rPr lang="hu-HU" dirty="0" err="1"/>
               <a:t>si</a:t>
             </a:r>
             <a:r>
-              <a:rPr lang="hu-HU" dirty="0" smtClean="0"/>
+              <a:rPr lang="hu-HU" dirty="0"/>
               <a:t> </a:t>
             </a:r>
             <a:r>
-              <a:rPr lang="hu-HU" dirty="0" err="1" smtClean="0"/>
+              <a:rPr lang="hu-HU" dirty="0" err="1"/>
               <a:t>to</a:t>
             </a:r>
             <a:r>
-              <a:rPr lang="hu-HU" dirty="0" smtClean="0"/>
+              <a:rPr lang="hu-HU" dirty="0"/>
               <a:t> di. </a:t>
             </a:r>
             <a:r>
-              <a:rPr lang="hu-HU" dirty="0" err="1" smtClean="0"/>
+              <a:rPr lang="hu-HU" dirty="0" err="1"/>
               <a:t>If</a:t>
             </a:r>
             <a:r>
-              <a:rPr lang="hu-HU" dirty="0" smtClean="0"/>
+              <a:rPr lang="hu-HU" dirty="0"/>
               <a:t> </a:t>
             </a:r>
             <a:r>
-              <a:rPr lang="hu-HU" dirty="0" err="1" smtClean="0"/>
+              <a:rPr lang="hu-HU" dirty="0" err="1"/>
               <a:t>there</a:t>
             </a:r>
             <a:r>
-              <a:rPr lang="hu-HU" dirty="0" smtClean="0"/>
+              <a:rPr lang="hu-HU" dirty="0"/>
               <a:t> is </a:t>
             </a:r>
             <a:r>
-              <a:rPr lang="hu-HU" dirty="0" err="1" smtClean="0"/>
+              <a:rPr lang="hu-HU" dirty="0" err="1"/>
               <a:t>not</a:t>
             </a:r>
             <a:r>
-              <a:rPr lang="hu-HU" dirty="0" smtClean="0"/>
+              <a:rPr lang="hu-HU" dirty="0"/>
               <a:t> </a:t>
             </a:r>
             <a:r>
-              <a:rPr lang="hu-HU" dirty="0" err="1" smtClean="0"/>
+              <a:rPr lang="hu-HU" dirty="0" err="1"/>
               <a:t>direct</a:t>
             </a:r>
             <a:r>
-              <a:rPr lang="hu-HU" dirty="0" smtClean="0"/>
+              <a:rPr lang="hu-HU" dirty="0"/>
               <a:t> link </a:t>
             </a:r>
             <a:r>
-              <a:rPr lang="hu-HU" dirty="0" err="1" smtClean="0"/>
+              <a:rPr lang="hu-HU" dirty="0" err="1"/>
               <a:t>between</a:t>
             </a:r>
             <a:r>
-              <a:rPr lang="hu-HU" dirty="0" smtClean="0"/>
+              <a:rPr lang="hu-HU" dirty="0"/>
               <a:t> </a:t>
             </a:r>
             <a:r>
-              <a:rPr lang="hu-HU" dirty="0" err="1" smtClean="0"/>
+              <a:rPr lang="hu-HU" dirty="0" err="1"/>
               <a:t>them</a:t>
             </a:r>
             <a:r>
-              <a:rPr lang="hu-HU" dirty="0" smtClean="0"/>
+              <a:rPr lang="hu-HU" dirty="0"/>
               <a:t> we </a:t>
             </a:r>
             <a:r>
-              <a:rPr lang="hu-HU" dirty="0" err="1" smtClean="0"/>
+              <a:rPr lang="hu-HU" dirty="0" err="1"/>
               <a:t>using</a:t>
             </a:r>
             <a:r>
-              <a:rPr lang="hu-HU" dirty="0" smtClean="0"/>
+              <a:rPr lang="hu-HU" dirty="0"/>
               <a:t> </a:t>
             </a:r>
             <a:r>
-              <a:rPr lang="hu-HU" dirty="0" err="1" smtClean="0"/>
+              <a:rPr lang="hu-HU" dirty="0" err="1"/>
               <a:t>the</a:t>
             </a:r>
             <a:r>
-              <a:rPr lang="hu-HU" dirty="0" smtClean="0"/>
+              <a:rPr lang="hu-HU" dirty="0"/>
               <a:t> </a:t>
             </a:r>
             <a:r>
-              <a:rPr lang="hu-HU" dirty="0" err="1" smtClean="0"/>
+              <a:rPr lang="hu-HU" dirty="0" err="1"/>
               <a:t>ith</a:t>
             </a:r>
             <a:r>
-              <a:rPr lang="hu-HU" dirty="0" smtClean="0"/>
+              <a:rPr lang="hu-HU" dirty="0"/>
               <a:t> flow </a:t>
             </a:r>
             <a:r>
-              <a:rPr lang="hu-HU" dirty="0" err="1" smtClean="0"/>
+              <a:rPr lang="hu-HU" dirty="0" err="1"/>
               <a:t>to</a:t>
             </a:r>
             <a:r>
-              <a:rPr lang="hu-HU" dirty="0" smtClean="0"/>
+              <a:rPr lang="hu-HU" dirty="0"/>
               <a:t> </a:t>
             </a:r>
             <a:r>
-              <a:rPr lang="hu-HU" dirty="0" err="1" smtClean="0"/>
+              <a:rPr lang="hu-HU" dirty="0" err="1"/>
               <a:t>search</a:t>
             </a:r>
             <a:r>
-              <a:rPr lang="hu-HU" dirty="0" smtClean="0"/>
+              <a:rPr lang="hu-HU" dirty="0"/>
               <a:t> </a:t>
             </a:r>
             <a:r>
-              <a:rPr lang="hu-HU" dirty="0" err="1" smtClean="0"/>
+              <a:rPr lang="hu-HU" dirty="0" err="1"/>
               <a:t>alternative</a:t>
             </a:r>
             <a:r>
-              <a:rPr lang="hu-HU" dirty="0" smtClean="0"/>
+              <a:rPr lang="hu-HU" dirty="0"/>
               <a:t> </a:t>
             </a:r>
             <a:r>
-              <a:rPr lang="hu-HU" dirty="0" err="1" smtClean="0"/>
+              <a:rPr lang="hu-HU" dirty="0" err="1"/>
               <a:t>routes</a:t>
             </a:r>
             <a:r>
-              <a:rPr lang="hu-HU" dirty="0" smtClean="0"/>
+              <a:rPr lang="hu-HU" dirty="0"/>
               <a:t> </a:t>
             </a:r>
             <a:r>
-              <a:rPr lang="hu-HU" dirty="0" err="1" smtClean="0"/>
+              <a:rPr lang="hu-HU" dirty="0" err="1"/>
               <a:t>for</a:t>
             </a:r>
             <a:r>
-              <a:rPr lang="hu-HU" dirty="0" smtClean="0"/>
+              <a:rPr lang="hu-HU" dirty="0"/>
               <a:t> </a:t>
             </a:r>
             <a:r>
-              <a:rPr lang="hu-HU" dirty="0" err="1" smtClean="0"/>
+              <a:rPr lang="hu-HU" dirty="0" err="1"/>
               <a:t>the</a:t>
             </a:r>
             <a:r>
-              <a:rPr lang="hu-HU" dirty="0" smtClean="0"/>
+              <a:rPr lang="hu-HU" dirty="0"/>
               <a:t> di.</a:t>
             </a:r>
           </a:p>
@@ -5316,7 +8104,7 @@
             <a:p>
               <a:pPr algn="ctr"/>
               <a:r>
-                <a:rPr lang="hu-HU" dirty="0" smtClean="0">
+                <a:rPr lang="hu-HU" dirty="0">
                   <a:ln w="0"/>
                   <a:solidFill>
                     <a:schemeClr val="tx1"/>
@@ -5389,19 +8177,6 @@
                 </a:rPr>
                 <a:t>5</a:t>
               </a:r>
-              <a:endParaRPr lang="hu-HU" dirty="0" smtClean="0">
-                <a:ln w="0"/>
-                <a:solidFill>
-                  <a:schemeClr val="tx1"/>
-                </a:solidFill>
-                <a:effectLst>
-                  <a:outerShdw blurRad="38100" dist="19050" dir="2700000" algn="tl" rotWithShape="0">
-                    <a:schemeClr val="dk1">
-                      <a:alpha val="40000"/>
-                    </a:schemeClr>
-                  </a:outerShdw>
-                </a:effectLst>
-              </a:endParaRPr>
             </a:p>
           </p:txBody>
         </p:sp>
@@ -5460,19 +8235,6 @@
                 </a:rPr>
                 <a:t>4</a:t>
               </a:r>
-              <a:endParaRPr lang="hu-HU" dirty="0" smtClean="0">
-                <a:ln w="0"/>
-                <a:solidFill>
-                  <a:schemeClr val="tx1"/>
-                </a:solidFill>
-                <a:effectLst>
-                  <a:outerShdw blurRad="38100" dist="19050" dir="2700000" algn="tl" rotWithShape="0">
-                    <a:schemeClr val="dk1">
-                      <a:alpha val="40000"/>
-                    </a:schemeClr>
-                  </a:outerShdw>
-                </a:effectLst>
-              </a:endParaRPr>
             </a:p>
           </p:txBody>
         </p:sp>
@@ -5531,19 +8293,6 @@
                 </a:rPr>
                 <a:t>3</a:t>
               </a:r>
-              <a:endParaRPr lang="hu-HU" dirty="0" smtClean="0">
-                <a:ln w="0"/>
-                <a:solidFill>
-                  <a:schemeClr val="tx1"/>
-                </a:solidFill>
-                <a:effectLst>
-                  <a:outerShdw blurRad="38100" dist="19050" dir="2700000" algn="tl" rotWithShape="0">
-                    <a:schemeClr val="dk1">
-                      <a:alpha val="40000"/>
-                    </a:schemeClr>
-                  </a:outerShdw>
-                </a:effectLst>
-              </a:endParaRPr>
             </a:p>
           </p:txBody>
         </p:sp>
@@ -5602,19 +8351,6 @@
                 </a:rPr>
                 <a:t>6</a:t>
               </a:r>
-              <a:endParaRPr lang="hu-HU" dirty="0" smtClean="0">
-                <a:ln w="0"/>
-                <a:solidFill>
-                  <a:schemeClr val="tx1"/>
-                </a:solidFill>
-                <a:effectLst>
-                  <a:outerShdw blurRad="38100" dist="19050" dir="2700000" algn="tl" rotWithShape="0">
-                    <a:schemeClr val="dk1">
-                      <a:alpha val="40000"/>
-                    </a:schemeClr>
-                  </a:outerShdw>
-                </a:effectLst>
-              </a:endParaRPr>
             </a:p>
           </p:txBody>
         </p:sp>
@@ -5673,19 +8409,6 @@
                 </a:rPr>
                 <a:t>2</a:t>
               </a:r>
-              <a:endParaRPr lang="hu-HU" dirty="0" smtClean="0">
-                <a:ln w="0"/>
-                <a:solidFill>
-                  <a:schemeClr val="tx1"/>
-                </a:solidFill>
-                <a:effectLst>
-                  <a:outerShdw blurRad="38100" dist="19050" dir="2700000" algn="tl" rotWithShape="0">
-                    <a:schemeClr val="dk1">
-                      <a:alpha val="40000"/>
-                    </a:schemeClr>
-                  </a:outerShdw>
-                </a:effectLst>
-              </a:endParaRPr>
             </a:p>
           </p:txBody>
         </p:sp>
@@ -5716,6 +8439,911 @@
             </a:fillRef>
             <a:effectRef idx="0">
               <a:schemeClr val="accent1"/>
+            </a:effectRef>
+            <a:fontRef idx="minor">
+              <a:schemeClr val="tx1"/>
+            </a:fontRef>
+          </p:style>
+        </p:cxnSp>
+        <p:cxnSp>
+          <p:nvCxnSpPr>
+            <p:cNvPr id="15" name="Egyenes összekötő 14"/>
+            <p:cNvCxnSpPr>
+              <a:endCxn id="7" idx="0"/>
+            </p:cNvCxnSpPr>
+            <p:nvPr/>
+          </p:nvCxnSpPr>
+          <p:spPr>
+            <a:xfrm>
+              <a:off x="3235905" y="1230155"/>
+              <a:ext cx="4523" cy="3291908"/>
+            </a:xfrm>
+            <a:prstGeom prst="line">
+              <a:avLst/>
+            </a:prstGeom>
+          </p:spPr>
+          <p:style>
+            <a:lnRef idx="1">
+              <a:schemeClr val="accent1"/>
+            </a:lnRef>
+            <a:fillRef idx="0">
+              <a:schemeClr val="accent1"/>
+            </a:fillRef>
+            <a:effectRef idx="0">
+              <a:schemeClr val="accent1"/>
+            </a:effectRef>
+            <a:fontRef idx="minor">
+              <a:schemeClr val="tx1"/>
+            </a:fontRef>
+          </p:style>
+        </p:cxnSp>
+        <p:cxnSp>
+          <p:nvCxnSpPr>
+            <p:cNvPr id="18" name="Egyenes összekötő 17"/>
+            <p:cNvCxnSpPr>
+              <a:endCxn id="6" idx="0"/>
+            </p:cNvCxnSpPr>
+            <p:nvPr/>
+          </p:nvCxnSpPr>
+          <p:spPr>
+            <a:xfrm flipH="1">
+              <a:off x="1371740" y="2009832"/>
+              <a:ext cx="5203" cy="1352375"/>
+            </a:xfrm>
+            <a:prstGeom prst="line">
+              <a:avLst/>
+            </a:prstGeom>
+          </p:spPr>
+          <p:style>
+            <a:lnRef idx="1">
+              <a:schemeClr val="accent1"/>
+            </a:lnRef>
+            <a:fillRef idx="0">
+              <a:schemeClr val="accent1"/>
+            </a:fillRef>
+            <a:effectRef idx="0">
+              <a:schemeClr val="accent1"/>
+            </a:effectRef>
+            <a:fontRef idx="minor">
+              <a:schemeClr val="tx1"/>
+            </a:fontRef>
+          </p:style>
+        </p:cxnSp>
+        <p:cxnSp>
+          <p:nvCxnSpPr>
+            <p:cNvPr id="20" name="Egyenes összekötő 19"/>
+            <p:cNvCxnSpPr>
+              <a:cxnSpLocks/>
+              <a:stCxn id="6" idx="5"/>
+              <a:endCxn id="7" idx="2"/>
+            </p:cNvCxnSpPr>
+            <p:nvPr/>
+          </p:nvCxnSpPr>
+          <p:spPr>
+            <a:xfrm>
+              <a:off x="1584187" y="3841650"/>
+              <a:ext cx="1355795" cy="961264"/>
+            </a:xfrm>
+            <a:prstGeom prst="line">
+              <a:avLst/>
+            </a:prstGeom>
+          </p:spPr>
+          <p:style>
+            <a:lnRef idx="1">
+              <a:schemeClr val="accent1"/>
+            </a:lnRef>
+            <a:fillRef idx="0">
+              <a:schemeClr val="accent1"/>
+            </a:fillRef>
+            <a:effectRef idx="0">
+              <a:schemeClr val="accent1"/>
+            </a:effectRef>
+            <a:fontRef idx="minor">
+              <a:schemeClr val="tx1"/>
+            </a:fontRef>
+          </p:style>
+        </p:cxnSp>
+        <p:cxnSp>
+          <p:nvCxnSpPr>
+            <p:cNvPr id="23" name="Egyenes összekötő 22"/>
+            <p:cNvCxnSpPr>
+              <a:endCxn id="8" idx="3"/>
+            </p:cNvCxnSpPr>
+            <p:nvPr/>
+          </p:nvCxnSpPr>
+          <p:spPr>
+            <a:xfrm flipV="1">
+              <a:off x="3546208" y="3878102"/>
+              <a:ext cx="1188229" cy="924812"/>
+            </a:xfrm>
+            <a:prstGeom prst="line">
+              <a:avLst/>
+            </a:prstGeom>
+          </p:spPr>
+          <p:style>
+            <a:lnRef idx="1">
+              <a:schemeClr val="accent1"/>
+            </a:lnRef>
+            <a:fillRef idx="0">
+              <a:schemeClr val="accent1"/>
+            </a:fillRef>
+            <a:effectRef idx="0">
+              <a:schemeClr val="accent1"/>
+            </a:effectRef>
+            <a:fontRef idx="minor">
+              <a:schemeClr val="tx1"/>
+            </a:fontRef>
+          </p:style>
+        </p:cxnSp>
+        <p:cxnSp>
+          <p:nvCxnSpPr>
+            <p:cNvPr id="26" name="Egyenes összekötő 25"/>
+            <p:cNvCxnSpPr>
+              <a:stCxn id="6" idx="6"/>
+              <a:endCxn id="8" idx="2"/>
+            </p:cNvCxnSpPr>
+            <p:nvPr/>
+          </p:nvCxnSpPr>
+          <p:spPr>
+            <a:xfrm>
+              <a:off x="1672185" y="3643058"/>
+              <a:ext cx="2974254" cy="36452"/>
+            </a:xfrm>
+            <a:prstGeom prst="line">
+              <a:avLst/>
+            </a:prstGeom>
+          </p:spPr>
+          <p:style>
+            <a:lnRef idx="1">
+              <a:schemeClr val="accent1"/>
+            </a:lnRef>
+            <a:fillRef idx="0">
+              <a:schemeClr val="accent1"/>
+            </a:fillRef>
+            <a:effectRef idx="0">
+              <a:schemeClr val="accent1"/>
+            </a:effectRef>
+            <a:fontRef idx="minor">
+              <a:schemeClr val="tx1"/>
+            </a:fontRef>
+          </p:style>
+        </p:cxnSp>
+        <p:cxnSp>
+          <p:nvCxnSpPr>
+            <p:cNvPr id="29" name="Egyenes összekötő 28"/>
+            <p:cNvCxnSpPr>
+              <a:stCxn id="9" idx="6"/>
+              <a:endCxn id="8" idx="1"/>
+            </p:cNvCxnSpPr>
+            <p:nvPr/>
+          </p:nvCxnSpPr>
+          <p:spPr>
+            <a:xfrm>
+              <a:off x="1677802" y="1724785"/>
+              <a:ext cx="3056635" cy="1756133"/>
+            </a:xfrm>
+            <a:prstGeom prst="line">
+              <a:avLst/>
+            </a:prstGeom>
+          </p:spPr>
+          <p:style>
+            <a:lnRef idx="1">
+              <a:schemeClr val="accent1"/>
+            </a:lnRef>
+            <a:fillRef idx="0">
+              <a:schemeClr val="accent1"/>
+            </a:fillRef>
+            <a:effectRef idx="0">
+              <a:schemeClr val="accent1"/>
+            </a:effectRef>
+            <a:fontRef idx="minor">
+              <a:schemeClr val="tx1"/>
+            </a:fontRef>
+          </p:style>
+        </p:cxnSp>
+        <p:cxnSp>
+          <p:nvCxnSpPr>
+            <p:cNvPr id="33" name="Egyenes összekötő 32"/>
+            <p:cNvCxnSpPr>
+              <a:stCxn id="6" idx="7"/>
+              <a:endCxn id="10" idx="3"/>
+            </p:cNvCxnSpPr>
+            <p:nvPr/>
+          </p:nvCxnSpPr>
+          <p:spPr>
+            <a:xfrm flipV="1">
+              <a:off x="1584187" y="2020577"/>
+              <a:ext cx="3150249" cy="1423889"/>
+            </a:xfrm>
+            <a:prstGeom prst="line">
+              <a:avLst/>
+            </a:prstGeom>
+          </p:spPr>
+          <p:style>
+            <a:lnRef idx="1">
+              <a:schemeClr val="accent1"/>
+            </a:lnRef>
+            <a:fillRef idx="0">
+              <a:schemeClr val="accent1"/>
+            </a:fillRef>
+            <a:effectRef idx="0">
+              <a:schemeClr val="accent1"/>
+            </a:effectRef>
+            <a:fontRef idx="minor">
+              <a:schemeClr val="tx1"/>
+            </a:fontRef>
+          </p:style>
+        </p:cxnSp>
+        <p:cxnSp>
+          <p:nvCxnSpPr>
+            <p:cNvPr id="36" name="Egyenes összekötő 35"/>
+            <p:cNvCxnSpPr>
+              <a:stCxn id="4" idx="5"/>
+              <a:endCxn id="8" idx="1"/>
+            </p:cNvCxnSpPr>
+            <p:nvPr/>
+          </p:nvCxnSpPr>
+          <p:spPr>
+            <a:xfrm>
+              <a:off x="3452875" y="1147896"/>
+              <a:ext cx="1281562" cy="2333022"/>
+            </a:xfrm>
+            <a:prstGeom prst="line">
+              <a:avLst/>
+            </a:prstGeom>
+          </p:spPr>
+          <p:style>
+            <a:lnRef idx="1">
+              <a:schemeClr val="accent1"/>
+            </a:lnRef>
+            <a:fillRef idx="0">
+              <a:schemeClr val="accent1"/>
+            </a:fillRef>
+            <a:effectRef idx="0">
+              <a:schemeClr val="accent1"/>
+            </a:effectRef>
+            <a:fontRef idx="minor">
+              <a:schemeClr val="tx1"/>
+            </a:fontRef>
+          </p:style>
+        </p:cxnSp>
+        <p:cxnSp>
+          <p:nvCxnSpPr>
+            <p:cNvPr id="39" name="Egyenes összekötő 38"/>
+            <p:cNvCxnSpPr>
+              <a:stCxn id="4" idx="4"/>
+              <a:endCxn id="6" idx="7"/>
+            </p:cNvCxnSpPr>
+            <p:nvPr/>
+          </p:nvCxnSpPr>
+          <p:spPr>
+            <a:xfrm flipH="1">
+              <a:off x="1584187" y="1230155"/>
+              <a:ext cx="1656241" cy="2214311"/>
+            </a:xfrm>
+            <a:prstGeom prst="line">
+              <a:avLst/>
+            </a:prstGeom>
+          </p:spPr>
+          <p:style>
+            <a:lnRef idx="1">
+              <a:schemeClr val="accent1"/>
+            </a:lnRef>
+            <a:fillRef idx="0">
+              <a:schemeClr val="accent1"/>
+            </a:fillRef>
+            <a:effectRef idx="0">
+              <a:schemeClr val="accent1"/>
+            </a:effectRef>
+            <a:fontRef idx="minor">
+              <a:schemeClr val="tx1"/>
+            </a:fontRef>
+          </p:style>
+        </p:cxnSp>
+      </p:grpSp>
+      <mc:AlternateContent xmlns:mc="http://schemas.openxmlformats.org/markup-compatibility/2006" xmlns:a14="http://schemas.microsoft.com/office/drawing/2010/main">
+        <mc:Choice Requires="a14">
+          <p:sp>
+            <p:nvSpPr>
+              <p:cNvPr id="43" name="Szövegdoboz 42"/>
+              <p:cNvSpPr txBox="1"/>
+              <p:nvPr/>
+            </p:nvSpPr>
+            <p:spPr>
+              <a:xfrm>
+                <a:off x="6835877" y="2599110"/>
+                <a:ext cx="3119285" cy="553998"/>
+              </a:xfrm>
+              <a:prstGeom prst="rect">
+                <a:avLst/>
+              </a:prstGeom>
+              <a:noFill/>
+            </p:spPr>
+            <p:txBody>
+              <a:bodyPr wrap="square" lIns="0" tIns="0" rIns="0" bIns="0" rtlCol="0">
+                <a:spAutoFit/>
+              </a:bodyPr>
+              <a:lstStyle/>
+              <a:p>
+                <a:pPr/>
+                <a14:m>
+                  <m:oMathPara xmlns:m="http://schemas.openxmlformats.org/officeDocument/2006/math">
+                    <m:oMathParaPr>
+                      <m:jc m:val="centerGroup"/>
+                    </m:oMathParaPr>
+                    <m:oMath xmlns:m="http://schemas.openxmlformats.org/officeDocument/2006/math">
+                      <m:d>
+                        <m:dPr>
+                          <m:begChr m:val="["/>
+                          <m:endChr m:val="]"/>
+                          <m:ctrlPr>
+                            <a:rPr lang="hu-HU" sz="3600" b="0" i="1" smtClean="0">
+                              <a:latin typeface="Cambria Math" panose="02040503050406030204" pitchFamily="18" charset="0"/>
+                            </a:rPr>
+                          </m:ctrlPr>
+                        </m:dPr>
+                        <m:e>
+                          <m:r>
+                            <a:rPr lang="hu-HU" sz="3600" b="0" i="1" smtClean="0">
+                              <a:latin typeface="Cambria Math" panose="02040503050406030204" pitchFamily="18" charset="0"/>
+                            </a:rPr>
+                            <m:t>1, 2, 3, 4, 5, 6</m:t>
+                          </m:r>
+                        </m:e>
+                      </m:d>
+                    </m:oMath>
+                  </m:oMathPara>
+                </a14:m>
+                <a:endParaRPr lang="hu-HU" sz="3600" b="0" dirty="0"/>
+              </a:p>
+            </p:txBody>
+          </p:sp>
+        </mc:Choice>
+        <mc:Fallback xmlns="">
+          <p:sp>
+            <p:nvSpPr>
+              <p:cNvPr id="43" name="Szövegdoboz 42"/>
+              <p:cNvSpPr txBox="1">
+                <a:spLocks noRot="1" noChangeAspect="1" noMove="1" noResize="1" noEditPoints="1" noAdjustHandles="1" noChangeArrowheads="1" noChangeShapeType="1" noTextEdit="1"/>
+              </p:cNvSpPr>
+              <p:nvPr/>
+            </p:nvSpPr>
+            <p:spPr>
+              <a:xfrm>
+                <a:off x="6835877" y="2599110"/>
+                <a:ext cx="3119285" cy="553998"/>
+              </a:xfrm>
+              <a:prstGeom prst="rect">
+                <a:avLst/>
+              </a:prstGeom>
+              <a:blipFill>
+                <a:blip r:embed="rId2"/>
+                <a:stretch>
+                  <a:fillRect/>
+                </a:stretch>
+              </a:blipFill>
+            </p:spPr>
+            <p:txBody>
+              <a:bodyPr/>
+              <a:lstStyle/>
+              <a:p>
+                <a:r>
+                  <a:rPr lang="hu-HU">
+                    <a:noFill/>
+                  </a:rPr>
+                  <a:t> </a:t>
+                </a:r>
+              </a:p>
+            </p:txBody>
+          </p:sp>
+        </mc:Fallback>
+      </mc:AlternateContent>
+      <p:cxnSp>
+        <p:nvCxnSpPr>
+          <p:cNvPr id="21" name="Egyenes összekötő 20">
+            <a:extLst>
+              <a:ext uri="{FF2B5EF4-FFF2-40B4-BE49-F238E27FC236}">
+                <a16:creationId xmlns:a16="http://schemas.microsoft.com/office/drawing/2014/main" id="{50917C28-C5E4-422F-92CE-4AA7BD479202}"/>
+              </a:ext>
+            </a:extLst>
+          </p:cNvPr>
+          <p:cNvCxnSpPr>
+            <a:cxnSpLocks/>
+            <a:stCxn id="7" idx="7"/>
+            <a:endCxn id="10" idx="3"/>
+          </p:cNvCxnSpPr>
+          <p:nvPr/>
+        </p:nvCxnSpPr>
+        <p:spPr>
+          <a:xfrm flipV="1">
+            <a:off x="3452875" y="2020577"/>
+            <a:ext cx="1281561" cy="2583745"/>
+          </a:xfrm>
+          <a:prstGeom prst="line">
+            <a:avLst/>
+          </a:prstGeom>
+        </p:spPr>
+        <p:style>
+          <a:lnRef idx="1">
+            <a:schemeClr val="accent1"/>
+          </a:lnRef>
+          <a:fillRef idx="0">
+            <a:schemeClr val="accent1"/>
+          </a:fillRef>
+          <a:effectRef idx="0">
+            <a:schemeClr val="accent1"/>
+          </a:effectRef>
+          <a:fontRef idx="minor">
+            <a:schemeClr val="tx1"/>
+          </a:fontRef>
+        </p:style>
+      </p:cxnSp>
+      <p:cxnSp>
+        <p:nvCxnSpPr>
+          <p:cNvPr id="25" name="Egyenes összekötő 24">
+            <a:extLst>
+              <a:ext uri="{FF2B5EF4-FFF2-40B4-BE49-F238E27FC236}">
+                <a16:creationId xmlns:a16="http://schemas.microsoft.com/office/drawing/2014/main" id="{4233F968-FC33-4787-A9ED-5DBF689D3E17}"/>
+              </a:ext>
+            </a:extLst>
+          </p:cNvPr>
+          <p:cNvCxnSpPr>
+            <a:cxnSpLocks/>
+          </p:cNvCxnSpPr>
+          <p:nvPr/>
+        </p:nvCxnSpPr>
+        <p:spPr>
+          <a:xfrm>
+            <a:off x="1589804" y="1923377"/>
+            <a:ext cx="1438176" cy="2680945"/>
+          </a:xfrm>
+          <a:prstGeom prst="line">
+            <a:avLst/>
+          </a:prstGeom>
+        </p:spPr>
+        <p:style>
+          <a:lnRef idx="1">
+            <a:schemeClr val="accent1"/>
+          </a:lnRef>
+          <a:fillRef idx="0">
+            <a:schemeClr val="accent1"/>
+          </a:fillRef>
+          <a:effectRef idx="0">
+            <a:schemeClr val="accent1"/>
+          </a:effectRef>
+          <a:fontRef idx="minor">
+            <a:schemeClr val="tx1"/>
+          </a:fontRef>
+        </p:style>
+      </p:cxnSp>
+    </p:spTree>
+    <p:extLst>
+      <p:ext uri="{BB962C8B-B14F-4D97-AF65-F5344CB8AC3E}">
+        <p14:creationId xmlns:p14="http://schemas.microsoft.com/office/powerpoint/2010/main" val="32966223"/>
+      </p:ext>
+    </p:extLst>
+  </p:cSld>
+  <p:clrMapOvr>
+    <a:masterClrMapping/>
+  </p:clrMapOvr>
+</p:sld>
+</file>
+
+<file path=ppt/slides/slide7.xml><?xml version="1.0" encoding="utf-8"?>
+<p:sld xmlns:a="http://schemas.openxmlformats.org/drawingml/2006/main" xmlns:r="http://schemas.openxmlformats.org/officeDocument/2006/relationships" xmlns:p="http://schemas.openxmlformats.org/presentationml/2006/main">
+  <p:cSld>
+    <p:spTree>
+      <p:nvGrpSpPr>
+        <p:cNvPr id="1" name=""/>
+        <p:cNvGrpSpPr/>
+        <p:nvPr/>
+      </p:nvGrpSpPr>
+      <p:grpSpPr>
+        <a:xfrm>
+          <a:off x="0" y="0"/>
+          <a:ext cx="0" cy="0"/>
+          <a:chOff x="0" y="0"/>
+          <a:chExt cx="0" cy="0"/>
+        </a:xfrm>
+      </p:grpSpPr>
+      <p:grpSp>
+        <p:nvGrpSpPr>
+          <p:cNvPr id="42" name="Csoportba foglalás 41"/>
+          <p:cNvGrpSpPr/>
+          <p:nvPr/>
+        </p:nvGrpSpPr>
+        <p:grpSpPr>
+          <a:xfrm>
+            <a:off x="1071294" y="668453"/>
+            <a:ext cx="4176036" cy="4415312"/>
+            <a:chOff x="1071294" y="668453"/>
+            <a:chExt cx="4176036" cy="4415312"/>
+          </a:xfrm>
+        </p:grpSpPr>
+        <p:sp>
+          <p:nvSpPr>
+            <p:cNvPr id="4" name="Ellipszis 3"/>
+            <p:cNvSpPr/>
+            <p:nvPr/>
+          </p:nvSpPr>
+          <p:spPr>
+            <a:xfrm>
+              <a:off x="2939982" y="668453"/>
+              <a:ext cx="600891" cy="561702"/>
+            </a:xfrm>
+            <a:prstGeom prst="ellipse">
+              <a:avLst/>
+            </a:prstGeom>
+            <a:solidFill>
+              <a:schemeClr val="bg1"/>
+            </a:solidFill>
+          </p:spPr>
+          <p:style>
+            <a:lnRef idx="2">
+              <a:schemeClr val="accent1">
+                <a:shade val="50000"/>
+              </a:schemeClr>
+            </a:lnRef>
+            <a:fillRef idx="1">
+              <a:schemeClr val="accent1"/>
+            </a:fillRef>
+            <a:effectRef idx="0">
+              <a:schemeClr val="accent1"/>
+            </a:effectRef>
+            <a:fontRef idx="minor">
+              <a:schemeClr val="lt1"/>
+            </a:fontRef>
+          </p:style>
+          <p:txBody>
+            <a:bodyPr rtlCol="0" anchor="ctr"/>
+            <a:lstStyle/>
+            <a:p>
+              <a:pPr algn="ctr"/>
+              <a:r>
+                <a:rPr lang="hu-HU" dirty="0">
+                  <a:ln w="0"/>
+                  <a:solidFill>
+                    <a:schemeClr val="tx1"/>
+                  </a:solidFill>
+                  <a:effectLst>
+                    <a:outerShdw blurRad="38100" dist="19050" dir="2700000" algn="tl" rotWithShape="0">
+                      <a:schemeClr val="dk1">
+                        <a:alpha val="40000"/>
+                      </a:schemeClr>
+                    </a:outerShdw>
+                  </a:effectLst>
+                </a:rPr>
+                <a:t>1</a:t>
+              </a:r>
+            </a:p>
+          </p:txBody>
+        </p:sp>
+        <p:sp>
+          <p:nvSpPr>
+            <p:cNvPr id="6" name="Ellipszis 5"/>
+            <p:cNvSpPr/>
+            <p:nvPr/>
+          </p:nvSpPr>
+          <p:spPr>
+            <a:xfrm>
+              <a:off x="1071294" y="3362207"/>
+              <a:ext cx="600891" cy="561702"/>
+            </a:xfrm>
+            <a:prstGeom prst="ellipse">
+              <a:avLst/>
+            </a:prstGeom>
+            <a:solidFill>
+              <a:schemeClr val="bg1"/>
+            </a:solidFill>
+          </p:spPr>
+          <p:style>
+            <a:lnRef idx="2">
+              <a:schemeClr val="accent1">
+                <a:shade val="50000"/>
+              </a:schemeClr>
+            </a:lnRef>
+            <a:fillRef idx="1">
+              <a:schemeClr val="accent1"/>
+            </a:fillRef>
+            <a:effectRef idx="0">
+              <a:schemeClr val="accent1"/>
+            </a:effectRef>
+            <a:fontRef idx="minor">
+              <a:schemeClr val="lt1"/>
+            </a:fontRef>
+          </p:style>
+          <p:txBody>
+            <a:bodyPr rtlCol="0" anchor="ctr"/>
+            <a:lstStyle/>
+            <a:p>
+              <a:pPr algn="ctr"/>
+              <a:r>
+                <a:rPr lang="hu-HU" dirty="0">
+                  <a:ln w="0"/>
+                  <a:solidFill>
+                    <a:schemeClr val="tx1"/>
+                  </a:solidFill>
+                  <a:effectLst>
+                    <a:outerShdw blurRad="38100" dist="19050" dir="2700000" algn="tl" rotWithShape="0">
+                      <a:schemeClr val="dk1">
+                        <a:alpha val="40000"/>
+                      </a:schemeClr>
+                    </a:outerShdw>
+                  </a:effectLst>
+                </a:rPr>
+                <a:t>5</a:t>
+              </a:r>
+            </a:p>
+          </p:txBody>
+        </p:sp>
+        <p:sp>
+          <p:nvSpPr>
+            <p:cNvPr id="7" name="Ellipszis 6"/>
+            <p:cNvSpPr/>
+            <p:nvPr/>
+          </p:nvSpPr>
+          <p:spPr>
+            <a:xfrm>
+              <a:off x="2939982" y="4522063"/>
+              <a:ext cx="600891" cy="561702"/>
+            </a:xfrm>
+            <a:prstGeom prst="ellipse">
+              <a:avLst/>
+            </a:prstGeom>
+            <a:solidFill>
+              <a:schemeClr val="bg1"/>
+            </a:solidFill>
+          </p:spPr>
+          <p:style>
+            <a:lnRef idx="2">
+              <a:schemeClr val="accent1">
+                <a:shade val="50000"/>
+              </a:schemeClr>
+            </a:lnRef>
+            <a:fillRef idx="1">
+              <a:schemeClr val="accent1"/>
+            </a:fillRef>
+            <a:effectRef idx="0">
+              <a:schemeClr val="accent1"/>
+            </a:effectRef>
+            <a:fontRef idx="minor">
+              <a:schemeClr val="lt1"/>
+            </a:fontRef>
+          </p:style>
+          <p:txBody>
+            <a:bodyPr rtlCol="0" anchor="ctr"/>
+            <a:lstStyle/>
+            <a:p>
+              <a:pPr algn="ctr"/>
+              <a:r>
+                <a:rPr lang="hu-HU" dirty="0">
+                  <a:ln w="0"/>
+                  <a:solidFill>
+                    <a:schemeClr val="tx1"/>
+                  </a:solidFill>
+                  <a:effectLst>
+                    <a:outerShdw blurRad="38100" dist="19050" dir="2700000" algn="tl" rotWithShape="0">
+                      <a:schemeClr val="dk1">
+                        <a:alpha val="40000"/>
+                      </a:schemeClr>
+                    </a:outerShdw>
+                  </a:effectLst>
+                </a:rPr>
+                <a:t>4</a:t>
+              </a:r>
+            </a:p>
+          </p:txBody>
+        </p:sp>
+        <p:sp>
+          <p:nvSpPr>
+            <p:cNvPr id="8" name="Ellipszis 7"/>
+            <p:cNvSpPr/>
+            <p:nvPr/>
+          </p:nvSpPr>
+          <p:spPr>
+            <a:xfrm>
+              <a:off x="4646439" y="3398659"/>
+              <a:ext cx="600891" cy="561702"/>
+            </a:xfrm>
+            <a:prstGeom prst="ellipse">
+              <a:avLst/>
+            </a:prstGeom>
+            <a:solidFill>
+              <a:schemeClr val="bg1"/>
+            </a:solidFill>
+          </p:spPr>
+          <p:style>
+            <a:lnRef idx="2">
+              <a:schemeClr val="accent1">
+                <a:shade val="50000"/>
+              </a:schemeClr>
+            </a:lnRef>
+            <a:fillRef idx="1">
+              <a:schemeClr val="accent1"/>
+            </a:fillRef>
+            <a:effectRef idx="0">
+              <a:schemeClr val="accent1"/>
+            </a:effectRef>
+            <a:fontRef idx="minor">
+              <a:schemeClr val="lt1"/>
+            </a:fontRef>
+          </p:style>
+          <p:txBody>
+            <a:bodyPr rtlCol="0" anchor="ctr"/>
+            <a:lstStyle/>
+            <a:p>
+              <a:pPr algn="ctr"/>
+              <a:r>
+                <a:rPr lang="hu-HU" dirty="0">
+                  <a:ln w="0"/>
+                  <a:solidFill>
+                    <a:schemeClr val="tx1"/>
+                  </a:solidFill>
+                  <a:effectLst>
+                    <a:outerShdw blurRad="38100" dist="19050" dir="2700000" algn="tl" rotWithShape="0">
+                      <a:schemeClr val="dk1">
+                        <a:alpha val="40000"/>
+                      </a:schemeClr>
+                    </a:outerShdw>
+                  </a:effectLst>
+                </a:rPr>
+                <a:t>3</a:t>
+              </a:r>
+            </a:p>
+          </p:txBody>
+        </p:sp>
+        <p:sp>
+          <p:nvSpPr>
+            <p:cNvPr id="9" name="Ellipszis 8"/>
+            <p:cNvSpPr/>
+            <p:nvPr/>
+          </p:nvSpPr>
+          <p:spPr>
+            <a:xfrm>
+              <a:off x="1076911" y="1443934"/>
+              <a:ext cx="600891" cy="561702"/>
+            </a:xfrm>
+            <a:prstGeom prst="ellipse">
+              <a:avLst/>
+            </a:prstGeom>
+            <a:solidFill>
+              <a:schemeClr val="bg1"/>
+            </a:solidFill>
+          </p:spPr>
+          <p:style>
+            <a:lnRef idx="2">
+              <a:schemeClr val="accent1">
+                <a:shade val="50000"/>
+              </a:schemeClr>
+            </a:lnRef>
+            <a:fillRef idx="1">
+              <a:schemeClr val="accent1"/>
+            </a:fillRef>
+            <a:effectRef idx="0">
+              <a:schemeClr val="accent1"/>
+            </a:effectRef>
+            <a:fontRef idx="minor">
+              <a:schemeClr val="lt1"/>
+            </a:fontRef>
+          </p:style>
+          <p:txBody>
+            <a:bodyPr rtlCol="0" anchor="ctr"/>
+            <a:lstStyle/>
+            <a:p>
+              <a:pPr algn="ctr"/>
+              <a:r>
+                <a:rPr lang="hu-HU" dirty="0">
+                  <a:ln w="0"/>
+                  <a:solidFill>
+                    <a:schemeClr val="tx1"/>
+                  </a:solidFill>
+                  <a:effectLst>
+                    <a:outerShdw blurRad="38100" dist="19050" dir="2700000" algn="tl" rotWithShape="0">
+                      <a:schemeClr val="dk1">
+                        <a:alpha val="40000"/>
+                      </a:schemeClr>
+                    </a:outerShdw>
+                  </a:effectLst>
+                </a:rPr>
+                <a:t>6</a:t>
+              </a:r>
+            </a:p>
+          </p:txBody>
+        </p:sp>
+        <p:sp>
+          <p:nvSpPr>
+            <p:cNvPr id="10" name="Ellipszis 9"/>
+            <p:cNvSpPr/>
+            <p:nvPr/>
+          </p:nvSpPr>
+          <p:spPr>
+            <a:xfrm>
+              <a:off x="4646438" y="1541134"/>
+              <a:ext cx="600891" cy="561702"/>
+            </a:xfrm>
+            <a:prstGeom prst="ellipse">
+              <a:avLst/>
+            </a:prstGeom>
+            <a:solidFill>
+              <a:schemeClr val="bg1"/>
+            </a:solidFill>
+          </p:spPr>
+          <p:style>
+            <a:lnRef idx="2">
+              <a:schemeClr val="accent1">
+                <a:shade val="50000"/>
+              </a:schemeClr>
+            </a:lnRef>
+            <a:fillRef idx="1">
+              <a:schemeClr val="accent1"/>
+            </a:fillRef>
+            <a:effectRef idx="0">
+              <a:schemeClr val="accent1"/>
+            </a:effectRef>
+            <a:fontRef idx="minor">
+              <a:schemeClr val="lt1"/>
+            </a:fontRef>
+          </p:style>
+          <p:txBody>
+            <a:bodyPr rtlCol="0" anchor="ctr"/>
+            <a:lstStyle/>
+            <a:p>
+              <a:pPr algn="ctr"/>
+              <a:r>
+                <a:rPr lang="hu-HU" dirty="0">
+                  <a:ln w="0"/>
+                  <a:solidFill>
+                    <a:schemeClr val="tx1"/>
+                  </a:solidFill>
+                  <a:effectLst>
+                    <a:outerShdw blurRad="38100" dist="19050" dir="2700000" algn="tl" rotWithShape="0">
+                      <a:schemeClr val="dk1">
+                        <a:alpha val="40000"/>
+                      </a:schemeClr>
+                    </a:outerShdw>
+                  </a:effectLst>
+                </a:rPr>
+                <a:t>2</a:t>
+              </a:r>
+            </a:p>
+          </p:txBody>
+        </p:sp>
+        <p:cxnSp>
+          <p:nvCxnSpPr>
+            <p:cNvPr id="12" name="Egyenes összekötő 11"/>
+            <p:cNvCxnSpPr>
+              <a:stCxn id="4" idx="6"/>
+              <a:endCxn id="10" idx="1"/>
+            </p:cNvCxnSpPr>
+            <p:nvPr/>
+          </p:nvCxnSpPr>
+          <p:spPr>
+            <a:xfrm>
+              <a:off x="3540873" y="949304"/>
+              <a:ext cx="1193563" cy="674089"/>
+            </a:xfrm>
+            <a:prstGeom prst="line">
+              <a:avLst/>
+            </a:prstGeom>
+            <a:ln w="19050" cap="flat" cmpd="sng" algn="ctr">
+              <a:solidFill>
+                <a:schemeClr val="accent5"/>
+              </a:solidFill>
+              <a:prstDash val="solid"/>
+              <a:round/>
+              <a:headEnd type="none" w="med" len="med"/>
+              <a:tailEnd type="arrow" w="med" len="med"/>
+            </a:ln>
+          </p:spPr>
+          <p:style>
+            <a:lnRef idx="0">
+              <a:scrgbClr r="0" g="0" b="0"/>
+            </a:lnRef>
+            <a:fillRef idx="0">
+              <a:scrgbClr r="0" g="0" b="0"/>
+            </a:fillRef>
+            <a:effectRef idx="0">
+              <a:scrgbClr r="0" g="0" b="0"/>
             </a:effectRef>
             <a:fontRef idx="minor">
               <a:schemeClr val="tx1"/>
@@ -6041,6 +9669,7 @@
               </a:bodyPr>
               <a:lstStyle/>
               <a:p>
+                <a:pPr/>
                 <a14:m>
                   <m:oMathPara xmlns:m="http://schemas.openxmlformats.org/officeDocument/2006/math">
                     <m:oMathParaPr>
@@ -6062,14 +9691,37 @@
                             <a:rPr lang="hu-HU" sz="3600" b="0" i="1" smtClean="0">
                               <a:latin typeface="Cambria Math" panose="02040503050406030204" pitchFamily="18" charset="0"/>
                             </a:rPr>
-                            <m:t>1, 2, 3, 4, 5, 6</m:t>
+                            <m:t>1, </m:t>
+                          </m:r>
+                          <m:r>
+                            <a:rPr lang="hu-HU" sz="3600" i="1" smtClean="0">
+                              <a:ln w="0"/>
+                              <a:solidFill>
+                                <a:schemeClr val="accent1"/>
+                              </a:solidFill>
+                              <a:effectLst>
+                                <a:outerShdw blurRad="38100" dist="25400" dir="5400000" algn="ctr" rotWithShape="0">
+                                  <a:srgbClr val="6E747A">
+                                    <a:alpha val="43000"/>
+                                  </a:srgbClr>
+                                </a:outerShdw>
+                              </a:effectLst>
+                              <a:latin typeface="Cambria Math" panose="02040503050406030204" pitchFamily="18" charset="0"/>
+                            </a:rPr>
+                            <m:t>2</m:t>
+                          </m:r>
+                          <m:r>
+                            <a:rPr lang="hu-HU" sz="3600" b="0" i="1" smtClean="0">
+                              <a:latin typeface="Cambria Math" panose="02040503050406030204" pitchFamily="18" charset="0"/>
+                            </a:rPr>
+                            <m:t>, 3, 4, 5, 6</m:t>
                           </m:r>
                         </m:e>
                       </m:d>
                     </m:oMath>
                   </m:oMathPara>
                 </a14:m>
-                <a:endParaRPr lang="hu-HU" sz="3600" b="0" dirty="0" smtClean="0"/>
+                <a:endParaRPr lang="hu-HU" sz="3600" b="0" dirty="0"/>
               </a:p>
             </p:txBody>
           </p:sp>
@@ -6113,914 +9765,86 @@
           </p:sp>
         </mc:Fallback>
       </mc:AlternateContent>
+      <p:cxnSp>
+        <p:nvCxnSpPr>
+          <p:cNvPr id="21" name="Egyenes összekötő 20">
+            <a:extLst>
+              <a:ext uri="{FF2B5EF4-FFF2-40B4-BE49-F238E27FC236}">
+                <a16:creationId xmlns:a16="http://schemas.microsoft.com/office/drawing/2014/main" id="{5ECD2346-94DC-4B9B-952C-6F75E66AF945}"/>
+              </a:ext>
+            </a:extLst>
+          </p:cNvPr>
+          <p:cNvCxnSpPr>
+            <a:cxnSpLocks/>
+          </p:cNvCxnSpPr>
+          <p:nvPr/>
+        </p:nvCxnSpPr>
+        <p:spPr>
+          <a:xfrm flipV="1">
+            <a:off x="3452875" y="2020577"/>
+            <a:ext cx="1281561" cy="2583745"/>
+          </a:xfrm>
+          <a:prstGeom prst="line">
+            <a:avLst/>
+          </a:prstGeom>
+        </p:spPr>
+        <p:style>
+          <a:lnRef idx="1">
+            <a:schemeClr val="accent1"/>
+          </a:lnRef>
+          <a:fillRef idx="0">
+            <a:schemeClr val="accent1"/>
+          </a:fillRef>
+          <a:effectRef idx="0">
+            <a:schemeClr val="accent1"/>
+          </a:effectRef>
+          <a:fontRef idx="minor">
+            <a:schemeClr val="tx1"/>
+          </a:fontRef>
+        </p:style>
+      </p:cxnSp>
+      <p:cxnSp>
+        <p:nvCxnSpPr>
+          <p:cNvPr id="22" name="Egyenes összekötő 21">
+            <a:extLst>
+              <a:ext uri="{FF2B5EF4-FFF2-40B4-BE49-F238E27FC236}">
+                <a16:creationId xmlns:a16="http://schemas.microsoft.com/office/drawing/2014/main" id="{680CFA6A-3FB5-4D52-ADEA-4A0CC1AE0AB5}"/>
+              </a:ext>
+            </a:extLst>
+          </p:cNvPr>
+          <p:cNvCxnSpPr>
+            <a:cxnSpLocks/>
+          </p:cNvCxnSpPr>
+          <p:nvPr/>
+        </p:nvCxnSpPr>
+        <p:spPr>
+          <a:xfrm>
+            <a:off x="1589804" y="1923377"/>
+            <a:ext cx="1438176" cy="2680945"/>
+          </a:xfrm>
+          <a:prstGeom prst="line">
+            <a:avLst/>
+          </a:prstGeom>
+        </p:spPr>
+        <p:style>
+          <a:lnRef idx="1">
+            <a:schemeClr val="accent1"/>
+          </a:lnRef>
+          <a:fillRef idx="0">
+            <a:schemeClr val="accent1"/>
+          </a:fillRef>
+          <a:effectRef idx="0">
+            <a:schemeClr val="accent1"/>
+          </a:effectRef>
+          <a:fontRef idx="minor">
+            <a:schemeClr val="tx1"/>
+          </a:fontRef>
+        </p:style>
+      </p:cxnSp>
     </p:spTree>
     <p:extLst>
       <p:ext uri="{BB962C8B-B14F-4D97-AF65-F5344CB8AC3E}">
-        <p14:creationId xmlns:p14="http://schemas.microsoft.com/office/powerpoint/2010/main" val="32966223"/>
-      </p:ext>
-    </p:extLst>
-  </p:cSld>
-  <p:clrMapOvr>
-    <a:masterClrMapping/>
-  </p:clrMapOvr>
-</p:sld>
-</file>
-
-<file path=ppt/slides/slide7.xml><?xml version="1.0" encoding="utf-8"?>
-<p:sld xmlns:a="http://schemas.openxmlformats.org/drawingml/2006/main" xmlns:r="http://schemas.openxmlformats.org/officeDocument/2006/relationships" xmlns:p="http://schemas.openxmlformats.org/presentationml/2006/main">
-  <p:cSld>
-    <p:spTree>
-      <p:nvGrpSpPr>
-        <p:cNvPr id="1" name=""/>
-        <p:cNvGrpSpPr/>
-        <p:nvPr/>
-      </p:nvGrpSpPr>
-      <p:grpSpPr>
-        <a:xfrm>
-          <a:off x="0" y="0"/>
-          <a:ext cx="0" cy="0"/>
-          <a:chOff x="0" y="0"/>
-          <a:chExt cx="0" cy="0"/>
-        </a:xfrm>
-      </p:grpSpPr>
-      <mc:AlternateContent xmlns:mc="http://schemas.openxmlformats.org/markup-compatibility/2006">
-        <mc:Choice xmlns:a14="http://schemas.microsoft.com/office/drawing/2010/main" Requires="a14">
-          <p:sp>
-            <p:nvSpPr>
-              <p:cNvPr id="5" name="Téglalap 4"/>
-              <p:cNvSpPr/>
-              <p:nvPr/>
-            </p:nvSpPr>
-            <p:spPr>
-              <a:xfrm>
-                <a:off x="2398547" y="2080696"/>
-                <a:ext cx="3132098" cy="846963"/>
-              </a:xfrm>
-              <a:prstGeom prst="rect">
-                <a:avLst/>
-              </a:prstGeom>
-            </p:spPr>
-            <p:txBody>
-              <a:bodyPr wrap="square">
-                <a:spAutoFit/>
-              </a:bodyPr>
-              <a:lstStyle/>
-              <a:p>
-                <a14:m>
-                  <m:oMathPara xmlns:m="http://schemas.openxmlformats.org/officeDocument/2006/math">
-                    <m:oMathParaPr>
-                      <m:jc m:val="centerGroup"/>
-                    </m:oMathParaPr>
-                    <m:oMath xmlns:m="http://schemas.openxmlformats.org/officeDocument/2006/math">
-                      <m:d>
-                        <m:dPr>
-                          <m:begChr m:val="["/>
-                          <m:endChr m:val="]"/>
-                          <m:ctrlPr>
-                            <a:rPr lang="hu-HU" i="1" smtClean="0">
-                              <a:latin typeface="Cambria Math" panose="02040503050406030204" pitchFamily="18" charset="0"/>
-                            </a:rPr>
-                          </m:ctrlPr>
-                        </m:dPr>
-                        <m:e>
-                          <m:m>
-                            <m:mPr>
-                              <m:mcs>
-                                <m:mc>
-                                  <m:mcPr>
-                                    <m:count m:val="3"/>
-                                    <m:mcJc m:val="center"/>
-                                  </m:mcPr>
-                                </m:mc>
-                              </m:mcs>
-                              <m:ctrlPr>
-                                <a:rPr lang="hu-HU" i="1" smtClean="0">
-                                  <a:latin typeface="Cambria Math" panose="02040503050406030204" pitchFamily="18" charset="0"/>
-                                </a:rPr>
-                              </m:ctrlPr>
-                            </m:mPr>
-                            <m:mr>
-                              <m:e>
-                                <m:r>
-                                  <m:rPr>
-                                    <m:brk m:alnAt="7"/>
-                                  </m:rPr>
-                                  <a:rPr lang="hu-HU" b="0" i="1" smtClean="0">
-                                    <a:latin typeface="Cambria Math" panose="02040503050406030204" pitchFamily="18" charset="0"/>
-                                  </a:rPr>
-                                  <m:t>1</m:t>
-                                </m:r>
-                              </m:e>
-                              <m:e>
-                                <m:r>
-                                  <a:rPr lang="hu-HU" b="0" i="1" smtClean="0">
-                                    <a:latin typeface="Cambria Math" panose="02040503050406030204" pitchFamily="18" charset="0"/>
-                                  </a:rPr>
-                                  <m:t>2</m:t>
-                                </m:r>
-                              </m:e>
-                              <m:e>
-                                <m:r>
-                                  <a:rPr lang="hu-HU" b="0" i="1" smtClean="0">
-                                    <a:latin typeface="Cambria Math" panose="02040503050406030204" pitchFamily="18" charset="0"/>
-                                  </a:rPr>
-                                  <m:t>3</m:t>
-                                </m:r>
-                              </m:e>
-                            </m:mr>
-                            <m:mr>
-                              <m:e>
-                                <m:r>
-                                  <a:rPr lang="hu-HU" b="0" i="1" smtClean="0">
-                                    <a:latin typeface="Cambria Math" panose="02040503050406030204" pitchFamily="18" charset="0"/>
-                                  </a:rPr>
-                                  <m:t>2</m:t>
-                                </m:r>
-                              </m:e>
-                              <m:e>
-                                <m:r>
-                                  <a:rPr lang="hu-HU" b="0" i="1" smtClean="0">
-                                    <a:latin typeface="Cambria Math" panose="02040503050406030204" pitchFamily="18" charset="0"/>
-                                  </a:rPr>
-                                  <m:t>3</m:t>
-                                </m:r>
-                              </m:e>
-                              <m:e>
-                                <m:r>
-                                  <a:rPr lang="hu-HU" b="0" i="1" smtClean="0">
-                                    <a:latin typeface="Cambria Math" panose="02040503050406030204" pitchFamily="18" charset="0"/>
-                                  </a:rPr>
-                                  <m:t>4</m:t>
-                                </m:r>
-                              </m:e>
-                            </m:mr>
-                            <m:mr>
-                              <m:e>
-                                <m:r>
-                                  <a:rPr lang="hu-HU" b="0" i="1" smtClean="0">
-                                    <a:latin typeface="Cambria Math" panose="02040503050406030204" pitchFamily="18" charset="0"/>
-                                  </a:rPr>
-                                  <m:t>3</m:t>
-                                </m:r>
-                              </m:e>
-                              <m:e>
-                                <m:r>
-                                  <a:rPr lang="hu-HU" b="0" i="1" smtClean="0">
-                                    <a:latin typeface="Cambria Math" panose="02040503050406030204" pitchFamily="18" charset="0"/>
-                                  </a:rPr>
-                                  <m:t>4</m:t>
-                                </m:r>
-                              </m:e>
-                              <m:e>
-                                <m:r>
-                                  <a:rPr lang="hu-HU" b="0" i="1" smtClean="0">
-                                    <a:latin typeface="Cambria Math" panose="02040503050406030204" pitchFamily="18" charset="0"/>
-                                  </a:rPr>
-                                  <m:t>5</m:t>
-                                </m:r>
-                              </m:e>
-                            </m:mr>
-                          </m:m>
-                          <m:r>
-                            <a:rPr lang="hu-HU" b="0" i="1" smtClean="0">
-                              <a:latin typeface="Cambria Math" panose="02040503050406030204" pitchFamily="18" charset="0"/>
-                            </a:rPr>
-                            <m:t>    </m:t>
-                          </m:r>
-                          <m:m>
-                            <m:mPr>
-                              <m:mcs>
-                                <m:mc>
-                                  <m:mcPr>
-                                    <m:count m:val="3"/>
-                                    <m:mcJc m:val="center"/>
-                                  </m:mcPr>
-                                </m:mc>
-                              </m:mcs>
-                              <m:ctrlPr>
-                                <a:rPr lang="hu-HU" i="1" smtClean="0">
-                                  <a:latin typeface="Cambria Math" panose="02040503050406030204" pitchFamily="18" charset="0"/>
-                                </a:rPr>
-                              </m:ctrlPr>
-                            </m:mPr>
-                            <m:mr>
-                              <m:e>
-                                <m:r>
-                                  <m:rPr>
-                                    <m:brk m:alnAt="7"/>
-                                  </m:rPr>
-                                  <a:rPr lang="hu-HU" b="0" i="1" smtClean="0">
-                                    <a:latin typeface="Cambria Math" panose="02040503050406030204" pitchFamily="18" charset="0"/>
-                                  </a:rPr>
-                                  <m:t>4</m:t>
-                                </m:r>
-                              </m:e>
-                              <m:e>
-                                <m:r>
-                                  <a:rPr lang="hu-HU" b="0" i="1" smtClean="0">
-                                    <a:latin typeface="Cambria Math" panose="02040503050406030204" pitchFamily="18" charset="0"/>
-                                  </a:rPr>
-                                  <m:t>5</m:t>
-                                </m:r>
-                              </m:e>
-                              <m:e>
-                                <m:r>
-                                  <a:rPr lang="hu-HU" b="0" i="1" smtClean="0">
-                                    <a:latin typeface="Cambria Math" panose="02040503050406030204" pitchFamily="18" charset="0"/>
-                                  </a:rPr>
-                                  <m:t>6</m:t>
-                                </m:r>
-                              </m:e>
-                            </m:mr>
-                            <m:mr>
-                              <m:e>
-                                <m:r>
-                                  <a:rPr lang="hu-HU" b="0" i="1" smtClean="0">
-                                    <a:latin typeface="Cambria Math" panose="02040503050406030204" pitchFamily="18" charset="0"/>
-                                  </a:rPr>
-                                  <m:t>5</m:t>
-                                </m:r>
-                              </m:e>
-                              <m:e>
-                                <m:r>
-                                  <a:rPr lang="hu-HU" b="0" i="1" smtClean="0">
-                                    <a:latin typeface="Cambria Math" panose="02040503050406030204" pitchFamily="18" charset="0"/>
-                                  </a:rPr>
-                                  <m:t>1</m:t>
-                                </m:r>
-                              </m:e>
-                              <m:e>
-                                <m:r>
-                                  <a:rPr lang="hu-HU" b="0" i="1" smtClean="0">
-                                    <a:latin typeface="Cambria Math" panose="02040503050406030204" pitchFamily="18" charset="0"/>
-                                  </a:rPr>
-                                  <m:t>6</m:t>
-                                </m:r>
-                              </m:e>
-                            </m:mr>
-                            <m:mr>
-                              <m:e>
-                                <m:r>
-                                  <a:rPr lang="hu-HU" b="0" i="1" smtClean="0">
-                                    <a:latin typeface="Cambria Math" panose="02040503050406030204" pitchFamily="18" charset="0"/>
-                                  </a:rPr>
-                                  <m:t>1</m:t>
-                                </m:r>
-                              </m:e>
-                              <m:e>
-                                <m:r>
-                                  <a:rPr lang="hu-HU" b="0" i="1" smtClean="0">
-                                    <a:latin typeface="Cambria Math" panose="02040503050406030204" pitchFamily="18" charset="0"/>
-                                  </a:rPr>
-                                  <m:t>2</m:t>
-                                </m:r>
-                              </m:e>
-                              <m:e>
-                                <m:r>
-                                  <a:rPr lang="hu-HU" b="0" i="1" smtClean="0">
-                                    <a:latin typeface="Cambria Math" panose="02040503050406030204" pitchFamily="18" charset="0"/>
-                                  </a:rPr>
-                                  <m:t>6</m:t>
-                                </m:r>
-                              </m:e>
-                            </m:mr>
-                          </m:m>
-                        </m:e>
-                      </m:d>
-                    </m:oMath>
-                  </m:oMathPara>
-                </a14:m>
-                <a:endParaRPr lang="hu-HU" dirty="0"/>
-              </a:p>
-            </p:txBody>
-          </p:sp>
-        </mc:Choice>
-        <mc:Fallback>
-          <p:sp>
-            <p:nvSpPr>
-              <p:cNvPr id="5" name="Téglalap 4"/>
-              <p:cNvSpPr>
-                <a:spLocks noRot="1" noChangeAspect="1" noMove="1" noResize="1" noEditPoints="1" noAdjustHandles="1" noChangeArrowheads="1" noChangeShapeType="1" noTextEdit="1"/>
-              </p:cNvSpPr>
-              <p:nvPr/>
-            </p:nvSpPr>
-            <p:spPr>
-              <a:xfrm>
-                <a:off x="2398547" y="2080696"/>
-                <a:ext cx="3132098" cy="846963"/>
-              </a:xfrm>
-              <a:prstGeom prst="rect">
-                <a:avLst/>
-              </a:prstGeom>
-              <a:blipFill>
-                <a:blip r:embed="rId2"/>
-                <a:stretch>
-                  <a:fillRect/>
-                </a:stretch>
-              </a:blipFill>
-            </p:spPr>
-            <p:txBody>
-              <a:bodyPr/>
-              <a:lstStyle/>
-              <a:p>
-                <a:r>
-                  <a:rPr lang="hu-HU">
-                    <a:noFill/>
-                  </a:rPr>
-                  <a:t> </a:t>
-                </a:r>
-              </a:p>
-            </p:txBody>
-          </p:sp>
-        </mc:Fallback>
-      </mc:AlternateContent>
-      <mc:AlternateContent xmlns:mc="http://schemas.openxmlformats.org/markup-compatibility/2006">
-        <mc:Choice xmlns:a14="http://schemas.microsoft.com/office/drawing/2010/main" Requires="a14">
-          <p:sp>
-            <p:nvSpPr>
-              <p:cNvPr id="7" name="Téglalap 6"/>
-              <p:cNvSpPr/>
-              <p:nvPr/>
-            </p:nvSpPr>
-            <p:spPr>
-              <a:xfrm>
-                <a:off x="6444520" y="2080696"/>
-                <a:ext cx="3132098" cy="846963"/>
-              </a:xfrm>
-              <a:prstGeom prst="rect">
-                <a:avLst/>
-              </a:prstGeom>
-            </p:spPr>
-            <p:txBody>
-              <a:bodyPr wrap="square">
-                <a:spAutoFit/>
-              </a:bodyPr>
-              <a:lstStyle/>
-              <a:p>
-                <a14:m>
-                  <m:oMathPara xmlns:m="http://schemas.openxmlformats.org/officeDocument/2006/math">
-                    <m:oMathParaPr>
-                      <m:jc m:val="centerGroup"/>
-                    </m:oMathParaPr>
-                    <m:oMath xmlns:m="http://schemas.openxmlformats.org/officeDocument/2006/math">
-                      <m:d>
-                        <m:dPr>
-                          <m:begChr m:val="["/>
-                          <m:endChr m:val="]"/>
-                          <m:ctrlPr>
-                            <a:rPr lang="hu-HU" i="1" smtClean="0">
-                              <a:latin typeface="Cambria Math" panose="02040503050406030204" pitchFamily="18" charset="0"/>
-                            </a:rPr>
-                          </m:ctrlPr>
-                        </m:dPr>
-                        <m:e>
-                          <m:m>
-                            <m:mPr>
-                              <m:mcs>
-                                <m:mc>
-                                  <m:mcPr>
-                                    <m:count m:val="3"/>
-                                    <m:mcJc m:val="center"/>
-                                  </m:mcPr>
-                                </m:mc>
-                              </m:mcs>
-                              <m:ctrlPr>
-                                <a:rPr lang="hu-HU" i="1" smtClean="0">
-                                  <a:latin typeface="Cambria Math" panose="02040503050406030204" pitchFamily="18" charset="0"/>
-                                </a:rPr>
-                              </m:ctrlPr>
-                            </m:mPr>
-                            <m:mr>
-                              <m:e>
-                                <m:r>
-                                  <m:rPr>
-                                    <m:brk m:alnAt="7"/>
-                                  </m:rPr>
-                                  <a:rPr lang="hu-HU" b="0" i="1" smtClean="0">
-                                    <a:latin typeface="Cambria Math" panose="02040503050406030204" pitchFamily="18" charset="0"/>
-                                  </a:rPr>
-                                  <m:t>1</m:t>
-                                </m:r>
-                              </m:e>
-                              <m:e>
-                                <m:r>
-                                  <a:rPr lang="hu-HU" b="0" i="1" smtClean="0">
-                                    <a:latin typeface="Cambria Math" panose="02040503050406030204" pitchFamily="18" charset="0"/>
-                                  </a:rPr>
-                                  <m:t>2</m:t>
-                                </m:r>
-                              </m:e>
-                              <m:e>
-                                <m:r>
-                                  <a:rPr lang="hu-HU" b="0" i="1" smtClean="0">
-                                    <a:latin typeface="Cambria Math" panose="02040503050406030204" pitchFamily="18" charset="0"/>
-                                  </a:rPr>
-                                  <m:t>3</m:t>
-                                </m:r>
-                              </m:e>
-                            </m:mr>
-                            <m:mr>
-                              <m:e>
-                                <m:r>
-                                  <a:rPr lang="hu-HU" b="0" i="1" smtClean="0">
-                                    <a:latin typeface="Cambria Math" panose="02040503050406030204" pitchFamily="18" charset="0"/>
-                                  </a:rPr>
-                                  <m:t>2</m:t>
-                                </m:r>
-                              </m:e>
-                              <m:e>
-                                <m:r>
-                                  <a:rPr lang="hu-HU" b="0" i="1" smtClean="0">
-                                    <a:latin typeface="Cambria Math" panose="02040503050406030204" pitchFamily="18" charset="0"/>
-                                  </a:rPr>
-                                  <m:t>5</m:t>
-                                </m:r>
-                              </m:e>
-                              <m:e>
-                                <m:r>
-                                  <a:rPr lang="hu-HU" b="0" i="1" smtClean="0">
-                                    <a:latin typeface="Cambria Math" panose="02040503050406030204" pitchFamily="18" charset="0"/>
-                                  </a:rPr>
-                                  <m:t>1</m:t>
-                                </m:r>
-                              </m:e>
-                            </m:mr>
-                            <m:mr>
-                              <m:e>
-                                <m:r>
-                                  <a:rPr lang="hu-HU" b="0" i="1" smtClean="0">
-                                    <a:latin typeface="Cambria Math" panose="02040503050406030204" pitchFamily="18" charset="0"/>
-                                  </a:rPr>
-                                  <m:t>3</m:t>
-                                </m:r>
-                              </m:e>
-                              <m:e>
-                                <m:r>
-                                  <a:rPr lang="hu-HU" b="0" i="1" smtClean="0">
-                                    <a:latin typeface="Cambria Math" panose="02040503050406030204" pitchFamily="18" charset="0"/>
-                                  </a:rPr>
-                                  <m:t>4</m:t>
-                                </m:r>
-                              </m:e>
-                              <m:e>
-                                <m:r>
-                                  <a:rPr lang="hu-HU" b="0" i="1" smtClean="0">
-                                    <a:latin typeface="Cambria Math" panose="02040503050406030204" pitchFamily="18" charset="0"/>
-                                  </a:rPr>
-                                  <m:t>5</m:t>
-                                </m:r>
-                              </m:e>
-                            </m:mr>
-                          </m:m>
-                          <m:r>
-                            <a:rPr lang="hu-HU" b="0" i="1" smtClean="0">
-                              <a:latin typeface="Cambria Math" panose="02040503050406030204" pitchFamily="18" charset="0"/>
-                            </a:rPr>
-                            <m:t>    </m:t>
-                          </m:r>
-                          <m:m>
-                            <m:mPr>
-                              <m:mcs>
-                                <m:mc>
-                                  <m:mcPr>
-                                    <m:count m:val="3"/>
-                                    <m:mcJc m:val="center"/>
-                                  </m:mcPr>
-                                </m:mc>
-                              </m:mcs>
-                              <m:ctrlPr>
-                                <a:rPr lang="hu-HU" i="1" smtClean="0">
-                                  <a:latin typeface="Cambria Math" panose="02040503050406030204" pitchFamily="18" charset="0"/>
-                                </a:rPr>
-                              </m:ctrlPr>
-                            </m:mPr>
-                            <m:mr>
-                              <m:e>
-                                <m:r>
-                                  <m:rPr>
-                                    <m:brk m:alnAt="7"/>
-                                  </m:rPr>
-                                  <a:rPr lang="hu-HU" b="0" i="1" smtClean="0">
-                                    <a:latin typeface="Cambria Math" panose="02040503050406030204" pitchFamily="18" charset="0"/>
-                                  </a:rPr>
-                                  <m:t>4</m:t>
-                                </m:r>
-                              </m:e>
-                              <m:e>
-                                <m:r>
-                                  <a:rPr lang="hu-HU" b="0" i="1" smtClean="0">
-                                    <a:latin typeface="Cambria Math" panose="02040503050406030204" pitchFamily="18" charset="0"/>
-                                  </a:rPr>
-                                  <m:t>5</m:t>
-                                </m:r>
-                              </m:e>
-                              <m:e>
-                                <m:r>
-                                  <a:rPr lang="hu-HU" b="0" i="1" smtClean="0">
-                                    <a:latin typeface="Cambria Math" panose="02040503050406030204" pitchFamily="18" charset="0"/>
-                                  </a:rPr>
-                                  <m:t>6</m:t>
-                                </m:r>
-                              </m:e>
-                            </m:mr>
-                            <m:mr>
-                              <m:e>
-                                <m:r>
-                                  <a:rPr lang="hu-HU" b="0" i="1" smtClean="0">
-                                    <a:latin typeface="Cambria Math" panose="02040503050406030204" pitchFamily="18" charset="0"/>
-                                  </a:rPr>
-                                  <m:t>3</m:t>
-                                </m:r>
-                              </m:e>
-                              <m:e>
-                                <m:r>
-                                  <a:rPr lang="hu-HU" b="0" i="1" smtClean="0">
-                                    <a:latin typeface="Cambria Math" panose="02040503050406030204" pitchFamily="18" charset="0"/>
-                                  </a:rPr>
-                                  <m:t>4</m:t>
-                                </m:r>
-                              </m:e>
-                              <m:e>
-                                <m:r>
-                                  <a:rPr lang="hu-HU" b="0" i="1" smtClean="0">
-                                    <a:latin typeface="Cambria Math" panose="02040503050406030204" pitchFamily="18" charset="0"/>
-                                  </a:rPr>
-                                  <m:t>6</m:t>
-                                </m:r>
-                              </m:e>
-                            </m:mr>
-                            <m:mr>
-                              <m:e>
-                                <m:r>
-                                  <a:rPr lang="hu-HU" b="0" i="1" smtClean="0">
-                                    <a:latin typeface="Cambria Math" panose="02040503050406030204" pitchFamily="18" charset="0"/>
-                                  </a:rPr>
-                                  <m:t>1</m:t>
-                                </m:r>
-                              </m:e>
-                              <m:e>
-                                <m:r>
-                                  <a:rPr lang="hu-HU" b="0" i="1" smtClean="0">
-                                    <a:latin typeface="Cambria Math" panose="02040503050406030204" pitchFamily="18" charset="0"/>
-                                  </a:rPr>
-                                  <m:t>2</m:t>
-                                </m:r>
-                              </m:e>
-                              <m:e>
-                                <m:r>
-                                  <a:rPr lang="hu-HU" b="0" i="1" smtClean="0">
-                                    <a:latin typeface="Cambria Math" panose="02040503050406030204" pitchFamily="18" charset="0"/>
-                                  </a:rPr>
-                                  <m:t>6</m:t>
-                                </m:r>
-                              </m:e>
-                            </m:mr>
-                          </m:m>
-                        </m:e>
-                      </m:d>
-                    </m:oMath>
-                  </m:oMathPara>
-                </a14:m>
-                <a:endParaRPr lang="hu-HU" dirty="0"/>
-              </a:p>
-            </p:txBody>
-          </p:sp>
-        </mc:Choice>
-        <mc:Fallback>
-          <p:sp>
-            <p:nvSpPr>
-              <p:cNvPr id="7" name="Téglalap 6"/>
-              <p:cNvSpPr>
-                <a:spLocks noRot="1" noChangeAspect="1" noMove="1" noResize="1" noEditPoints="1" noAdjustHandles="1" noChangeArrowheads="1" noChangeShapeType="1" noTextEdit="1"/>
-              </p:cNvSpPr>
-              <p:nvPr/>
-            </p:nvSpPr>
-            <p:spPr>
-              <a:xfrm>
-                <a:off x="6444520" y="2080696"/>
-                <a:ext cx="3132098" cy="846963"/>
-              </a:xfrm>
-              <a:prstGeom prst="rect">
-                <a:avLst/>
-              </a:prstGeom>
-              <a:blipFill>
-                <a:blip r:embed="rId3"/>
-                <a:stretch>
-                  <a:fillRect/>
-                </a:stretch>
-              </a:blipFill>
-            </p:spPr>
-            <p:txBody>
-              <a:bodyPr/>
-              <a:lstStyle/>
-              <a:p>
-                <a:r>
-                  <a:rPr lang="hu-HU">
-                    <a:noFill/>
-                  </a:rPr>
-                  <a:t> </a:t>
-                </a:r>
-              </a:p>
-            </p:txBody>
-          </p:sp>
-        </mc:Fallback>
-      </mc:AlternateContent>
-      <p:sp>
-        <p:nvSpPr>
-          <p:cNvPr id="8" name="Szövegdoboz 7"/>
-          <p:cNvSpPr txBox="1"/>
-          <p:nvPr/>
-        </p:nvSpPr>
-        <p:spPr>
-          <a:xfrm>
-            <a:off x="5648370" y="2319511"/>
-            <a:ext cx="678425" cy="369332"/>
-          </a:xfrm>
-          <a:prstGeom prst="rect">
-            <a:avLst/>
-          </a:prstGeom>
-          <a:noFill/>
-        </p:spPr>
-        <p:txBody>
-          <a:bodyPr wrap="square" rtlCol="0">
-            <a:spAutoFit/>
-          </a:bodyPr>
-          <a:lstStyle/>
-          <a:p>
-            <a:r>
-              <a:rPr lang="hu-HU" dirty="0" err="1" smtClean="0"/>
-              <a:t>vs</a:t>
-            </a:r>
-            <a:endParaRPr lang="hu-HU" dirty="0"/>
-          </a:p>
-        </p:txBody>
-      </p:sp>
-      <p:sp>
-        <p:nvSpPr>
-          <p:cNvPr id="9" name="Cím 1"/>
-          <p:cNvSpPr>
-            <a:spLocks noGrp="1"/>
-          </p:cNvSpPr>
-          <p:nvPr>
-            <p:ph type="title"/>
-          </p:nvPr>
-        </p:nvSpPr>
-        <p:spPr>
-          <a:xfrm>
-            <a:off x="838200" y="365125"/>
-            <a:ext cx="10515600" cy="1325563"/>
-          </a:xfrm>
-        </p:spPr>
-        <p:txBody>
-          <a:bodyPr/>
-          <a:lstStyle/>
-          <a:p>
-            <a:pPr algn="ctr"/>
-            <a:r>
-              <a:rPr lang="hu-HU" dirty="0" smtClean="0"/>
-              <a:t>Performance</a:t>
-            </a:r>
-            <a:endParaRPr lang="hu-HU" dirty="0"/>
-          </a:p>
-        </p:txBody>
-      </p:sp>
-      <p:sp>
-        <p:nvSpPr>
-          <p:cNvPr id="10" name="Szövegdoboz 9"/>
-          <p:cNvSpPr txBox="1"/>
-          <p:nvPr/>
-        </p:nvSpPr>
-        <p:spPr>
-          <a:xfrm>
-            <a:off x="4230329" y="3556482"/>
-            <a:ext cx="3202858" cy="2031325"/>
-          </a:xfrm>
-          <a:prstGeom prst="rect">
-            <a:avLst/>
-          </a:prstGeom>
-          <a:noFill/>
-        </p:spPr>
-        <p:txBody>
-          <a:bodyPr wrap="square" rtlCol="0">
-            <a:spAutoFit/>
-          </a:bodyPr>
-          <a:lstStyle/>
-          <a:p>
-            <a:r>
-              <a:rPr lang="hu-HU" dirty="0" smtClean="0"/>
-              <a:t>The </a:t>
-            </a:r>
-            <a:r>
-              <a:rPr lang="hu-HU" dirty="0" err="1" smtClean="0"/>
-              <a:t>resulting</a:t>
-            </a:r>
-            <a:r>
-              <a:rPr lang="hu-HU" dirty="0" smtClean="0"/>
-              <a:t> </a:t>
-            </a:r>
-            <a:r>
-              <a:rPr lang="hu-HU" dirty="0" err="1" smtClean="0"/>
-              <a:t>overhead</a:t>
-            </a:r>
-            <a:r>
-              <a:rPr lang="hu-HU" dirty="0" smtClean="0"/>
-              <a:t> </a:t>
-            </a:r>
-            <a:r>
-              <a:rPr lang="hu-HU" dirty="0" err="1" smtClean="0"/>
-              <a:t>load</a:t>
-            </a:r>
-            <a:r>
-              <a:rPr lang="hu-HU" dirty="0" smtClean="0"/>
-              <a:t> is 3 </a:t>
-            </a:r>
-            <a:r>
-              <a:rPr lang="hu-HU" dirty="0" err="1" smtClean="0"/>
-              <a:t>on</a:t>
-            </a:r>
-            <a:r>
-              <a:rPr lang="hu-HU" dirty="0" smtClean="0"/>
-              <a:t> (4,6) in </a:t>
-            </a:r>
-            <a:r>
-              <a:rPr lang="hu-HU" dirty="0" err="1" smtClean="0"/>
-              <a:t>the</a:t>
-            </a:r>
-            <a:r>
-              <a:rPr lang="hu-HU" dirty="0" smtClean="0"/>
-              <a:t> </a:t>
-            </a:r>
-            <a:r>
-              <a:rPr lang="hu-HU" dirty="0" err="1" smtClean="0"/>
-              <a:t>left</a:t>
-            </a:r>
-            <a:r>
-              <a:rPr lang="hu-HU" dirty="0" smtClean="0"/>
-              <a:t> </a:t>
-            </a:r>
-            <a:r>
-              <a:rPr lang="hu-HU" dirty="0" err="1" smtClean="0"/>
-              <a:t>matrix</a:t>
-            </a:r>
-            <a:r>
-              <a:rPr lang="hu-HU" dirty="0"/>
-              <a:t> </a:t>
-            </a:r>
-            <a:r>
-              <a:rPr lang="hu-HU" dirty="0" err="1" smtClean="0"/>
-              <a:t>while</a:t>
-            </a:r>
-            <a:r>
-              <a:rPr lang="hu-HU" dirty="0" smtClean="0"/>
-              <a:t> it is 2 </a:t>
-            </a:r>
-            <a:r>
-              <a:rPr lang="hu-HU" dirty="0" err="1" smtClean="0"/>
-              <a:t>on</a:t>
-            </a:r>
-            <a:r>
-              <a:rPr lang="hu-HU" dirty="0" smtClean="0"/>
-              <a:t> </a:t>
-            </a:r>
-            <a:r>
-              <a:rPr lang="hu-HU" dirty="0" err="1" smtClean="0"/>
-              <a:t>the</a:t>
-            </a:r>
-            <a:r>
-              <a:rPr lang="hu-HU" dirty="0" smtClean="0"/>
-              <a:t> </a:t>
-            </a:r>
-            <a:r>
-              <a:rPr lang="hu-HU" dirty="0" err="1" smtClean="0"/>
-              <a:t>left</a:t>
-            </a:r>
-            <a:r>
-              <a:rPr lang="hu-HU" dirty="0" smtClean="0"/>
-              <a:t>. </a:t>
-            </a:r>
-          </a:p>
-          <a:p>
-            <a:endParaRPr lang="hu-HU" dirty="0"/>
-          </a:p>
-          <a:p>
-            <a:r>
-              <a:rPr lang="hu-HU" dirty="0" smtClean="0"/>
-              <a:t>The </a:t>
-            </a:r>
-            <a:r>
-              <a:rPr lang="hu-HU" dirty="0" err="1" smtClean="0"/>
-              <a:t>worst</a:t>
-            </a:r>
-            <a:r>
-              <a:rPr lang="hu-HU" dirty="0" smtClean="0"/>
-              <a:t> </a:t>
-            </a:r>
-            <a:r>
-              <a:rPr lang="hu-HU" dirty="0" err="1" smtClean="0"/>
-              <a:t>perfromace</a:t>
-            </a:r>
-            <a:r>
-              <a:rPr lang="hu-HU" dirty="0" smtClean="0"/>
-              <a:t> </a:t>
-            </a:r>
-            <a:r>
-              <a:rPr lang="hu-HU" dirty="0" err="1" smtClean="0"/>
-              <a:t>comes</a:t>
-            </a:r>
-            <a:r>
-              <a:rPr lang="hu-HU" dirty="0" smtClean="0"/>
-              <a:t> </a:t>
-            </a:r>
-            <a:r>
-              <a:rPr lang="hu-HU" dirty="0" err="1" smtClean="0"/>
-              <a:t>from</a:t>
-            </a:r>
-            <a:r>
-              <a:rPr lang="hu-HU" dirty="0" smtClean="0"/>
-              <a:t> </a:t>
-            </a:r>
-            <a:r>
-              <a:rPr lang="hu-HU" dirty="0" err="1" smtClean="0"/>
-              <a:t>the</a:t>
-            </a:r>
-            <a:r>
-              <a:rPr lang="hu-HU" dirty="0" smtClean="0"/>
-              <a:t> </a:t>
-            </a:r>
-            <a:r>
-              <a:rPr lang="hu-HU" dirty="0" err="1" smtClean="0"/>
-              <a:t>simialarity</a:t>
-            </a:r>
-            <a:r>
-              <a:rPr lang="hu-HU" dirty="0" smtClean="0"/>
-              <a:t> of </a:t>
-            </a:r>
-            <a:r>
-              <a:rPr lang="hu-HU" dirty="0" err="1" smtClean="0"/>
-              <a:t>each</a:t>
-            </a:r>
-            <a:r>
-              <a:rPr lang="hu-HU" dirty="0" smtClean="0"/>
-              <a:t> </a:t>
-            </a:r>
-            <a:r>
-              <a:rPr lang="hu-HU" dirty="0" err="1" smtClean="0"/>
-              <a:t>node</a:t>
-            </a:r>
-            <a:r>
-              <a:rPr lang="hu-HU" dirty="0" smtClean="0"/>
-              <a:t> </a:t>
-            </a:r>
-            <a:r>
-              <a:rPr lang="hu-HU" dirty="0" err="1" smtClean="0"/>
-              <a:t>scheme</a:t>
-            </a:r>
-            <a:r>
-              <a:rPr lang="hu-HU" dirty="0" smtClean="0"/>
-              <a:t>. </a:t>
-            </a:r>
-            <a:endParaRPr lang="hu-HU" dirty="0"/>
-          </a:p>
-        </p:txBody>
-      </p:sp>
-      <p:sp>
-        <p:nvSpPr>
-          <p:cNvPr id="11" name="Szövegdoboz 10"/>
-          <p:cNvSpPr txBox="1"/>
-          <p:nvPr/>
-        </p:nvSpPr>
-        <p:spPr>
-          <a:xfrm>
-            <a:off x="531204" y="2181011"/>
-            <a:ext cx="1749618" cy="646331"/>
-          </a:xfrm>
-          <a:prstGeom prst="rect">
-            <a:avLst/>
-          </a:prstGeom>
-          <a:noFill/>
-        </p:spPr>
-        <p:txBody>
-          <a:bodyPr wrap="square" rtlCol="0">
-            <a:spAutoFit/>
-          </a:bodyPr>
-          <a:lstStyle/>
-          <a:p>
-            <a:r>
-              <a:rPr lang="hu-HU" dirty="0" err="1" smtClean="0"/>
-              <a:t>Let</a:t>
-            </a:r>
-            <a:r>
-              <a:rPr lang="hu-HU" dirty="0" smtClean="0"/>
-              <a:t> F = {(1,6), (2,6), (3,6)}</a:t>
-            </a:r>
-            <a:endParaRPr lang="hu-HU" dirty="0"/>
-          </a:p>
-        </p:txBody>
-      </p:sp>
-    </p:spTree>
-    <p:extLst>
-      <p:ext uri="{BB962C8B-B14F-4D97-AF65-F5344CB8AC3E}">
-        <p14:creationId xmlns:p14="http://schemas.microsoft.com/office/powerpoint/2010/main" val="3136355520"/>
+        <p14:creationId xmlns:p14="http://schemas.microsoft.com/office/powerpoint/2010/main" val="144831198"/>
       </p:ext>
     </p:extLst>
   </p:cSld>
@@ -7047,365 +9871,920 @@
           <a:chExt cx="0" cy="0"/>
         </a:xfrm>
       </p:grpSpPr>
-      <p:sp>
-        <p:nvSpPr>
-          <p:cNvPr id="2" name="Cím 1"/>
-          <p:cNvSpPr>
-            <a:spLocks noGrp="1"/>
-          </p:cNvSpPr>
-          <p:nvPr>
-            <p:ph type="title"/>
-          </p:nvPr>
-        </p:nvSpPr>
-        <p:spPr/>
-        <p:txBody>
-          <a:bodyPr/>
-          <a:lstStyle/>
-          <a:p>
-            <a:pPr algn="ctr"/>
-            <a:r>
-              <a:rPr lang="hu-HU" dirty="0" smtClean="0"/>
-              <a:t>Latin </a:t>
-            </a:r>
-            <a:r>
-              <a:rPr lang="hu-HU" dirty="0" err="1" smtClean="0"/>
-              <a:t>square</a:t>
-            </a:r>
-            <a:r>
-              <a:rPr lang="hu-HU" dirty="0"/>
-              <a:t> </a:t>
-            </a:r>
-            <a:r>
-              <a:rPr lang="hu-HU" dirty="0" err="1" smtClean="0"/>
-              <a:t>shcmaes</a:t>
-            </a:r>
-            <a:endParaRPr lang="hu-HU" dirty="0"/>
-          </a:p>
-        </p:txBody>
-      </p:sp>
-      <p:sp>
-        <p:nvSpPr>
-          <p:cNvPr id="3" name="Tartalom helye 2"/>
-          <p:cNvSpPr>
-            <a:spLocks noGrp="1"/>
-          </p:cNvSpPr>
-          <p:nvPr>
-            <p:ph idx="1"/>
-          </p:nvPr>
-        </p:nvSpPr>
-        <p:spPr/>
-        <p:txBody>
-          <a:bodyPr/>
-          <a:lstStyle/>
-          <a:p>
-            <a:r>
-              <a:rPr lang="hu-HU" dirty="0" err="1" smtClean="0"/>
-              <a:t>Each</a:t>
-            </a:r>
-            <a:r>
-              <a:rPr lang="hu-HU" dirty="0" smtClean="0"/>
-              <a:t> </a:t>
-            </a:r>
-            <a:r>
-              <a:rPr lang="hu-HU" dirty="0" err="1" smtClean="0"/>
-              <a:t>node</a:t>
-            </a:r>
-            <a:r>
-              <a:rPr lang="hu-HU" dirty="0" smtClean="0"/>
-              <a:t> </a:t>
-            </a:r>
-            <a:r>
-              <a:rPr lang="hu-HU" dirty="0" err="1" smtClean="0"/>
-              <a:t>appears</a:t>
-            </a:r>
-            <a:r>
-              <a:rPr lang="hu-HU" dirty="0" smtClean="0"/>
-              <a:t> </a:t>
-            </a:r>
-            <a:r>
-              <a:rPr lang="hu-HU" dirty="0" err="1" smtClean="0"/>
-              <a:t>exactliy</a:t>
-            </a:r>
-            <a:r>
-              <a:rPr lang="hu-HU" dirty="0" smtClean="0"/>
-              <a:t> </a:t>
-            </a:r>
-            <a:r>
-              <a:rPr lang="hu-HU" dirty="0" err="1" smtClean="0"/>
-              <a:t>onece</a:t>
-            </a:r>
-            <a:r>
-              <a:rPr lang="hu-HU" dirty="0" smtClean="0"/>
-              <a:t> in </a:t>
-            </a:r>
-            <a:r>
-              <a:rPr lang="hu-HU" dirty="0" err="1" smtClean="0"/>
-              <a:t>each</a:t>
-            </a:r>
-            <a:r>
-              <a:rPr lang="hu-HU" dirty="0" smtClean="0"/>
-              <a:t> </a:t>
-            </a:r>
-            <a:r>
-              <a:rPr lang="hu-HU" dirty="0" err="1" smtClean="0"/>
-              <a:t>column</a:t>
-            </a:r>
-            <a:r>
-              <a:rPr lang="hu-HU" dirty="0" smtClean="0"/>
-              <a:t> and </a:t>
-            </a:r>
-            <a:r>
-              <a:rPr lang="hu-HU" dirty="0" err="1" smtClean="0"/>
-              <a:t>each</a:t>
-            </a:r>
-            <a:r>
-              <a:rPr lang="hu-HU" dirty="0" smtClean="0"/>
-              <a:t>  </a:t>
-            </a:r>
-            <a:r>
-              <a:rPr lang="hu-HU" dirty="0" err="1" smtClean="0"/>
-              <a:t>row</a:t>
-            </a:r>
-            <a:r>
-              <a:rPr lang="hu-HU" dirty="0" smtClean="0"/>
-              <a:t>.</a:t>
-            </a:r>
-          </a:p>
-          <a:p>
-            <a:r>
-              <a:rPr lang="hu-HU" dirty="0" err="1" smtClean="0"/>
-              <a:t>Not</a:t>
-            </a:r>
-            <a:r>
-              <a:rPr lang="hu-HU" dirty="0" smtClean="0"/>
-              <a:t> </a:t>
-            </a:r>
-            <a:r>
-              <a:rPr lang="hu-HU" dirty="0" err="1" smtClean="0"/>
-              <a:t>all</a:t>
-            </a:r>
-            <a:r>
-              <a:rPr lang="hu-HU" dirty="0" smtClean="0"/>
-              <a:t> latin </a:t>
-            </a:r>
-            <a:r>
-              <a:rPr lang="hu-HU" dirty="0" err="1" smtClean="0"/>
-              <a:t>squares</a:t>
-            </a:r>
-            <a:r>
-              <a:rPr lang="hu-HU" dirty="0" smtClean="0"/>
-              <a:t> </a:t>
-            </a:r>
-            <a:r>
-              <a:rPr lang="hu-HU" dirty="0" err="1" smtClean="0"/>
-              <a:t>are</a:t>
-            </a:r>
-            <a:r>
-              <a:rPr lang="hu-HU" dirty="0" smtClean="0"/>
-              <a:t> </a:t>
-            </a:r>
-            <a:r>
-              <a:rPr lang="hu-HU" dirty="0" err="1" smtClean="0"/>
-              <a:t>good</a:t>
-            </a:r>
-            <a:r>
-              <a:rPr lang="hu-HU" dirty="0" smtClean="0"/>
-              <a:t> </a:t>
-            </a:r>
-            <a:r>
-              <a:rPr lang="hu-HU" dirty="0" err="1" smtClean="0"/>
-              <a:t>failover</a:t>
-            </a:r>
-            <a:r>
-              <a:rPr lang="hu-HU" dirty="0" smtClean="0"/>
-              <a:t> </a:t>
-            </a:r>
-            <a:r>
-              <a:rPr lang="hu-HU" dirty="0" err="1" smtClean="0"/>
-              <a:t>matrices</a:t>
-            </a:r>
-            <a:r>
-              <a:rPr lang="hu-HU" dirty="0" smtClean="0"/>
-              <a:t>. (</a:t>
-            </a:r>
-            <a:r>
-              <a:rPr lang="hu-HU" dirty="0" err="1" smtClean="0"/>
-              <a:t>mij</a:t>
-            </a:r>
-            <a:r>
-              <a:rPr lang="hu-HU" dirty="0" smtClean="0"/>
-              <a:t> = (i+j-1) </a:t>
-            </a:r>
-            <a:r>
-              <a:rPr lang="hu-HU" dirty="0" err="1" smtClean="0"/>
-              <a:t>mod</a:t>
-            </a:r>
-            <a:r>
-              <a:rPr lang="hu-HU" dirty="0" smtClean="0"/>
-              <a:t> (n-1))</a:t>
-            </a:r>
-          </a:p>
-          <a:p>
-            <a:r>
-              <a:rPr lang="hu-HU" dirty="0" smtClean="0"/>
-              <a:t>TODO pl.</a:t>
-            </a:r>
-          </a:p>
-          <a:p>
-            <a:r>
-              <a:rPr lang="hu-HU" dirty="0" err="1"/>
-              <a:t>I</a:t>
-            </a:r>
-            <a:r>
-              <a:rPr lang="hu-HU" dirty="0" err="1" smtClean="0"/>
-              <a:t>f</a:t>
-            </a:r>
-            <a:r>
-              <a:rPr lang="hu-HU" dirty="0" smtClean="0"/>
-              <a:t> f </a:t>
-            </a:r>
-            <a:r>
-              <a:rPr lang="hu-HU" dirty="0" err="1" smtClean="0"/>
-              <a:t>first</a:t>
-            </a:r>
-            <a:r>
-              <a:rPr lang="hu-HU" dirty="0" smtClean="0"/>
-              <a:t> </a:t>
-            </a:r>
-            <a:r>
-              <a:rPr lang="hu-HU" dirty="0" err="1" smtClean="0"/>
-              <a:t>llinks</a:t>
-            </a:r>
-            <a:r>
-              <a:rPr lang="hu-HU" dirty="0" smtClean="0"/>
-              <a:t> </a:t>
-            </a:r>
-            <a:r>
-              <a:rPr lang="hu-HU" dirty="0" err="1" smtClean="0"/>
-              <a:t>fail</a:t>
-            </a:r>
-            <a:r>
-              <a:rPr lang="hu-HU" dirty="0" smtClean="0"/>
-              <a:t>, </a:t>
-            </a:r>
-            <a:r>
-              <a:rPr lang="hu-HU" dirty="0" err="1" smtClean="0"/>
-              <a:t>the</a:t>
-            </a:r>
-            <a:r>
-              <a:rPr lang="hu-HU" dirty="0" smtClean="0"/>
-              <a:t> f </a:t>
-            </a:r>
-            <a:r>
-              <a:rPr lang="hu-HU" dirty="0" err="1" smtClean="0"/>
-              <a:t>first</a:t>
-            </a:r>
-            <a:r>
-              <a:rPr lang="hu-HU" dirty="0" smtClean="0"/>
-              <a:t> </a:t>
-            </a:r>
-            <a:r>
-              <a:rPr lang="hu-HU" dirty="0" err="1" smtClean="0"/>
-              <a:t>nodes</a:t>
-            </a:r>
-            <a:r>
-              <a:rPr lang="hu-HU" dirty="0" smtClean="0"/>
-              <a:t> </a:t>
-            </a:r>
-            <a:r>
-              <a:rPr lang="hu-HU" dirty="0" err="1" smtClean="0"/>
-              <a:t>will</a:t>
-            </a:r>
-            <a:r>
-              <a:rPr lang="hu-HU" dirty="0" smtClean="0"/>
-              <a:t> </a:t>
-            </a:r>
-            <a:r>
-              <a:rPr lang="hu-HU" dirty="0" err="1" smtClean="0"/>
-              <a:t>all</a:t>
-            </a:r>
-            <a:r>
-              <a:rPr lang="hu-HU" dirty="0" smtClean="0"/>
-              <a:t> </a:t>
-            </a:r>
-            <a:r>
-              <a:rPr lang="hu-HU" dirty="0" err="1" smtClean="0"/>
-              <a:t>route</a:t>
-            </a:r>
-            <a:r>
-              <a:rPr lang="hu-HU" dirty="0" smtClean="0"/>
-              <a:t> </a:t>
-            </a:r>
-            <a:r>
-              <a:rPr lang="hu-HU" dirty="0" err="1" smtClean="0"/>
-              <a:t>rougth</a:t>
-            </a:r>
-            <a:r>
-              <a:rPr lang="hu-HU" dirty="0" smtClean="0"/>
-              <a:t> </a:t>
-            </a:r>
-            <a:r>
-              <a:rPr lang="hu-HU" dirty="0" err="1" smtClean="0"/>
-              <a:t>throw</a:t>
-            </a:r>
-            <a:r>
-              <a:rPr lang="hu-HU" dirty="0" smtClean="0"/>
-              <a:t> v(v f+1, d)</a:t>
-            </a:r>
-          </a:p>
-          <a:p>
-            <a:r>
-              <a:rPr lang="hu-HU" dirty="0" smtClean="0"/>
-              <a:t>The </a:t>
-            </a:r>
-            <a:r>
-              <a:rPr lang="hu-HU" dirty="0" err="1" smtClean="0"/>
-              <a:t>intersection</a:t>
-            </a:r>
-            <a:r>
-              <a:rPr lang="hu-HU" dirty="0" smtClean="0"/>
-              <a:t> of </a:t>
-            </a:r>
-            <a:r>
-              <a:rPr lang="hu-HU" dirty="0" err="1" smtClean="0"/>
-              <a:t>prefixes</a:t>
-            </a:r>
-            <a:r>
-              <a:rPr lang="hu-HU" dirty="0" smtClean="0"/>
-              <a:t> of </a:t>
-            </a:r>
-            <a:r>
-              <a:rPr lang="hu-HU" dirty="0" err="1" smtClean="0"/>
-              <a:t>rows</a:t>
-            </a:r>
-            <a:r>
-              <a:rPr lang="hu-HU" dirty="0" smtClean="0"/>
-              <a:t> plays a </a:t>
-            </a:r>
-            <a:r>
-              <a:rPr lang="hu-HU" dirty="0" err="1" smtClean="0"/>
-              <a:t>central</a:t>
-            </a:r>
-            <a:r>
-              <a:rPr lang="hu-HU" dirty="0" smtClean="0"/>
-              <a:t> </a:t>
-            </a:r>
-            <a:r>
-              <a:rPr lang="hu-HU" dirty="0" err="1" smtClean="0"/>
-              <a:t>role</a:t>
-            </a:r>
-            <a:r>
-              <a:rPr lang="hu-HU" dirty="0" smtClean="0"/>
-              <a:t>.</a:t>
-            </a:r>
-            <a:endParaRPr lang="hu-HU" dirty="0"/>
-          </a:p>
-        </p:txBody>
-      </p:sp>
+      <p:grpSp>
+        <p:nvGrpSpPr>
+          <p:cNvPr id="42" name="Csoportba foglalás 41"/>
+          <p:cNvGrpSpPr/>
+          <p:nvPr/>
+        </p:nvGrpSpPr>
+        <p:grpSpPr>
+          <a:xfrm>
+            <a:off x="1071294" y="668453"/>
+            <a:ext cx="4176036" cy="4415312"/>
+            <a:chOff x="1071294" y="668453"/>
+            <a:chExt cx="4176036" cy="4415312"/>
+          </a:xfrm>
+        </p:grpSpPr>
+        <p:sp>
+          <p:nvSpPr>
+            <p:cNvPr id="4" name="Ellipszis 3"/>
+            <p:cNvSpPr/>
+            <p:nvPr/>
+          </p:nvSpPr>
+          <p:spPr>
+            <a:xfrm>
+              <a:off x="2939982" y="668453"/>
+              <a:ext cx="600891" cy="561702"/>
+            </a:xfrm>
+            <a:prstGeom prst="ellipse">
+              <a:avLst/>
+            </a:prstGeom>
+            <a:solidFill>
+              <a:schemeClr val="bg1"/>
+            </a:solidFill>
+          </p:spPr>
+          <p:style>
+            <a:lnRef idx="2">
+              <a:schemeClr val="accent1">
+                <a:shade val="50000"/>
+              </a:schemeClr>
+            </a:lnRef>
+            <a:fillRef idx="1">
+              <a:schemeClr val="accent1"/>
+            </a:fillRef>
+            <a:effectRef idx="0">
+              <a:schemeClr val="accent1"/>
+            </a:effectRef>
+            <a:fontRef idx="minor">
+              <a:schemeClr val="lt1"/>
+            </a:fontRef>
+          </p:style>
+          <p:txBody>
+            <a:bodyPr rtlCol="0" anchor="ctr"/>
+            <a:lstStyle/>
+            <a:p>
+              <a:pPr algn="ctr"/>
+              <a:r>
+                <a:rPr lang="hu-HU" dirty="0">
+                  <a:ln w="0"/>
+                  <a:solidFill>
+                    <a:schemeClr val="tx1"/>
+                  </a:solidFill>
+                  <a:effectLst>
+                    <a:outerShdw blurRad="38100" dist="19050" dir="2700000" algn="tl" rotWithShape="0">
+                      <a:schemeClr val="dk1">
+                        <a:alpha val="40000"/>
+                      </a:schemeClr>
+                    </a:outerShdw>
+                  </a:effectLst>
+                </a:rPr>
+                <a:t>1</a:t>
+              </a:r>
+            </a:p>
+          </p:txBody>
+        </p:sp>
+        <p:sp>
+          <p:nvSpPr>
+            <p:cNvPr id="6" name="Ellipszis 5"/>
+            <p:cNvSpPr/>
+            <p:nvPr/>
+          </p:nvSpPr>
+          <p:spPr>
+            <a:xfrm>
+              <a:off x="1071294" y="3362207"/>
+              <a:ext cx="600891" cy="561702"/>
+            </a:xfrm>
+            <a:prstGeom prst="ellipse">
+              <a:avLst/>
+            </a:prstGeom>
+            <a:solidFill>
+              <a:schemeClr val="bg1"/>
+            </a:solidFill>
+          </p:spPr>
+          <p:style>
+            <a:lnRef idx="2">
+              <a:schemeClr val="accent1">
+                <a:shade val="50000"/>
+              </a:schemeClr>
+            </a:lnRef>
+            <a:fillRef idx="1">
+              <a:schemeClr val="accent1"/>
+            </a:fillRef>
+            <a:effectRef idx="0">
+              <a:schemeClr val="accent1"/>
+            </a:effectRef>
+            <a:fontRef idx="minor">
+              <a:schemeClr val="lt1"/>
+            </a:fontRef>
+          </p:style>
+          <p:txBody>
+            <a:bodyPr rtlCol="0" anchor="ctr"/>
+            <a:lstStyle/>
+            <a:p>
+              <a:pPr algn="ctr"/>
+              <a:r>
+                <a:rPr lang="hu-HU" dirty="0">
+                  <a:ln w="0"/>
+                  <a:solidFill>
+                    <a:schemeClr val="tx1"/>
+                  </a:solidFill>
+                  <a:effectLst>
+                    <a:outerShdw blurRad="38100" dist="19050" dir="2700000" algn="tl" rotWithShape="0">
+                      <a:schemeClr val="dk1">
+                        <a:alpha val="40000"/>
+                      </a:schemeClr>
+                    </a:outerShdw>
+                  </a:effectLst>
+                </a:rPr>
+                <a:t>5</a:t>
+              </a:r>
+            </a:p>
+          </p:txBody>
+        </p:sp>
+        <p:sp>
+          <p:nvSpPr>
+            <p:cNvPr id="7" name="Ellipszis 6"/>
+            <p:cNvSpPr/>
+            <p:nvPr/>
+          </p:nvSpPr>
+          <p:spPr>
+            <a:xfrm>
+              <a:off x="2939982" y="4522063"/>
+              <a:ext cx="600891" cy="561702"/>
+            </a:xfrm>
+            <a:prstGeom prst="ellipse">
+              <a:avLst/>
+            </a:prstGeom>
+            <a:solidFill>
+              <a:schemeClr val="bg1"/>
+            </a:solidFill>
+          </p:spPr>
+          <p:style>
+            <a:lnRef idx="2">
+              <a:schemeClr val="accent1">
+                <a:shade val="50000"/>
+              </a:schemeClr>
+            </a:lnRef>
+            <a:fillRef idx="1">
+              <a:schemeClr val="accent1"/>
+            </a:fillRef>
+            <a:effectRef idx="0">
+              <a:schemeClr val="accent1"/>
+            </a:effectRef>
+            <a:fontRef idx="minor">
+              <a:schemeClr val="lt1"/>
+            </a:fontRef>
+          </p:style>
+          <p:txBody>
+            <a:bodyPr rtlCol="0" anchor="ctr"/>
+            <a:lstStyle/>
+            <a:p>
+              <a:pPr algn="ctr"/>
+              <a:r>
+                <a:rPr lang="hu-HU" dirty="0">
+                  <a:ln w="0"/>
+                  <a:solidFill>
+                    <a:schemeClr val="tx1"/>
+                  </a:solidFill>
+                  <a:effectLst>
+                    <a:outerShdw blurRad="38100" dist="19050" dir="2700000" algn="tl" rotWithShape="0">
+                      <a:schemeClr val="dk1">
+                        <a:alpha val="40000"/>
+                      </a:schemeClr>
+                    </a:outerShdw>
+                  </a:effectLst>
+                </a:rPr>
+                <a:t>4</a:t>
+              </a:r>
+            </a:p>
+          </p:txBody>
+        </p:sp>
+        <p:sp>
+          <p:nvSpPr>
+            <p:cNvPr id="8" name="Ellipszis 7"/>
+            <p:cNvSpPr/>
+            <p:nvPr/>
+          </p:nvSpPr>
+          <p:spPr>
+            <a:xfrm>
+              <a:off x="4646439" y="3398659"/>
+              <a:ext cx="600891" cy="561702"/>
+            </a:xfrm>
+            <a:prstGeom prst="ellipse">
+              <a:avLst/>
+            </a:prstGeom>
+            <a:solidFill>
+              <a:schemeClr val="bg1"/>
+            </a:solidFill>
+          </p:spPr>
+          <p:style>
+            <a:lnRef idx="2">
+              <a:schemeClr val="accent1">
+                <a:shade val="50000"/>
+              </a:schemeClr>
+            </a:lnRef>
+            <a:fillRef idx="1">
+              <a:schemeClr val="accent1"/>
+            </a:fillRef>
+            <a:effectRef idx="0">
+              <a:schemeClr val="accent1"/>
+            </a:effectRef>
+            <a:fontRef idx="minor">
+              <a:schemeClr val="lt1"/>
+            </a:fontRef>
+          </p:style>
+          <p:txBody>
+            <a:bodyPr rtlCol="0" anchor="ctr"/>
+            <a:lstStyle/>
+            <a:p>
+              <a:pPr algn="ctr"/>
+              <a:r>
+                <a:rPr lang="hu-HU" dirty="0">
+                  <a:ln w="0"/>
+                  <a:solidFill>
+                    <a:schemeClr val="tx1"/>
+                  </a:solidFill>
+                  <a:effectLst>
+                    <a:outerShdw blurRad="38100" dist="19050" dir="2700000" algn="tl" rotWithShape="0">
+                      <a:schemeClr val="dk1">
+                        <a:alpha val="40000"/>
+                      </a:schemeClr>
+                    </a:outerShdw>
+                  </a:effectLst>
+                </a:rPr>
+                <a:t>3</a:t>
+              </a:r>
+            </a:p>
+          </p:txBody>
+        </p:sp>
+        <p:sp>
+          <p:nvSpPr>
+            <p:cNvPr id="9" name="Ellipszis 8"/>
+            <p:cNvSpPr/>
+            <p:nvPr/>
+          </p:nvSpPr>
+          <p:spPr>
+            <a:xfrm>
+              <a:off x="1076911" y="1443934"/>
+              <a:ext cx="600891" cy="561702"/>
+            </a:xfrm>
+            <a:prstGeom prst="ellipse">
+              <a:avLst/>
+            </a:prstGeom>
+            <a:solidFill>
+              <a:schemeClr val="bg1"/>
+            </a:solidFill>
+          </p:spPr>
+          <p:style>
+            <a:lnRef idx="2">
+              <a:schemeClr val="accent1">
+                <a:shade val="50000"/>
+              </a:schemeClr>
+            </a:lnRef>
+            <a:fillRef idx="1">
+              <a:schemeClr val="accent1"/>
+            </a:fillRef>
+            <a:effectRef idx="0">
+              <a:schemeClr val="accent1"/>
+            </a:effectRef>
+            <a:fontRef idx="minor">
+              <a:schemeClr val="lt1"/>
+            </a:fontRef>
+          </p:style>
+          <p:txBody>
+            <a:bodyPr rtlCol="0" anchor="ctr"/>
+            <a:lstStyle/>
+            <a:p>
+              <a:pPr algn="ctr"/>
+              <a:r>
+                <a:rPr lang="hu-HU" dirty="0">
+                  <a:ln w="0"/>
+                  <a:solidFill>
+                    <a:schemeClr val="tx1"/>
+                  </a:solidFill>
+                  <a:effectLst>
+                    <a:outerShdw blurRad="38100" dist="19050" dir="2700000" algn="tl" rotWithShape="0">
+                      <a:schemeClr val="dk1">
+                        <a:alpha val="40000"/>
+                      </a:schemeClr>
+                    </a:outerShdw>
+                  </a:effectLst>
+                </a:rPr>
+                <a:t>6</a:t>
+              </a:r>
+            </a:p>
+          </p:txBody>
+        </p:sp>
+        <p:sp>
+          <p:nvSpPr>
+            <p:cNvPr id="10" name="Ellipszis 9"/>
+            <p:cNvSpPr/>
+            <p:nvPr/>
+          </p:nvSpPr>
+          <p:spPr>
+            <a:xfrm>
+              <a:off x="4646438" y="1541134"/>
+              <a:ext cx="600891" cy="561702"/>
+            </a:xfrm>
+            <a:prstGeom prst="ellipse">
+              <a:avLst/>
+            </a:prstGeom>
+            <a:solidFill>
+              <a:schemeClr val="bg1"/>
+            </a:solidFill>
+          </p:spPr>
+          <p:style>
+            <a:lnRef idx="2">
+              <a:schemeClr val="accent1">
+                <a:shade val="50000"/>
+              </a:schemeClr>
+            </a:lnRef>
+            <a:fillRef idx="1">
+              <a:schemeClr val="accent1"/>
+            </a:fillRef>
+            <a:effectRef idx="0">
+              <a:schemeClr val="accent1"/>
+            </a:effectRef>
+            <a:fontRef idx="minor">
+              <a:schemeClr val="lt1"/>
+            </a:fontRef>
+          </p:style>
+          <p:txBody>
+            <a:bodyPr rtlCol="0" anchor="ctr"/>
+            <a:lstStyle/>
+            <a:p>
+              <a:pPr algn="ctr"/>
+              <a:r>
+                <a:rPr lang="hu-HU" dirty="0">
+                  <a:ln w="0"/>
+                  <a:solidFill>
+                    <a:schemeClr val="tx1"/>
+                  </a:solidFill>
+                  <a:effectLst>
+                    <a:outerShdw blurRad="38100" dist="19050" dir="2700000" algn="tl" rotWithShape="0">
+                      <a:schemeClr val="dk1">
+                        <a:alpha val="40000"/>
+                      </a:schemeClr>
+                    </a:outerShdw>
+                  </a:effectLst>
+                </a:rPr>
+                <a:t>2</a:t>
+              </a:r>
+            </a:p>
+          </p:txBody>
+        </p:sp>
+        <p:cxnSp>
+          <p:nvCxnSpPr>
+            <p:cNvPr id="12" name="Egyenes összekötő 11"/>
+            <p:cNvCxnSpPr>
+              <a:stCxn id="4" idx="6"/>
+              <a:endCxn id="10" idx="1"/>
+            </p:cNvCxnSpPr>
+            <p:nvPr/>
+          </p:nvCxnSpPr>
+          <p:spPr>
+            <a:xfrm>
+              <a:off x="3540873" y="949304"/>
+              <a:ext cx="1193563" cy="674089"/>
+            </a:xfrm>
+            <a:prstGeom prst="line">
+              <a:avLst/>
+            </a:prstGeom>
+            <a:ln w="19050" cap="flat" cmpd="sng" algn="ctr">
+              <a:solidFill>
+                <a:schemeClr val="accent5"/>
+              </a:solidFill>
+              <a:prstDash val="solid"/>
+              <a:round/>
+              <a:headEnd type="none" w="med" len="med"/>
+              <a:tailEnd type="arrow" w="med" len="med"/>
+            </a:ln>
+          </p:spPr>
+          <p:style>
+            <a:lnRef idx="0">
+              <a:scrgbClr r="0" g="0" b="0"/>
+            </a:lnRef>
+            <a:fillRef idx="0">
+              <a:scrgbClr r="0" g="0" b="0"/>
+            </a:fillRef>
+            <a:effectRef idx="0">
+              <a:scrgbClr r="0" g="0" b="0"/>
+            </a:effectRef>
+            <a:fontRef idx="minor">
+              <a:schemeClr val="tx1"/>
+            </a:fontRef>
+          </p:style>
+        </p:cxnSp>
+        <p:cxnSp>
+          <p:nvCxnSpPr>
+            <p:cNvPr id="15" name="Egyenes összekötő 14"/>
+            <p:cNvCxnSpPr>
+              <a:endCxn id="7" idx="0"/>
+            </p:cNvCxnSpPr>
+            <p:nvPr/>
+          </p:nvCxnSpPr>
+          <p:spPr>
+            <a:xfrm>
+              <a:off x="3235905" y="1230155"/>
+              <a:ext cx="4523" cy="3291908"/>
+            </a:xfrm>
+            <a:prstGeom prst="line">
+              <a:avLst/>
+            </a:prstGeom>
+          </p:spPr>
+          <p:style>
+            <a:lnRef idx="1">
+              <a:schemeClr val="accent1"/>
+            </a:lnRef>
+            <a:fillRef idx="0">
+              <a:schemeClr val="accent1"/>
+            </a:fillRef>
+            <a:effectRef idx="0">
+              <a:schemeClr val="accent1"/>
+            </a:effectRef>
+            <a:fontRef idx="minor">
+              <a:schemeClr val="tx1"/>
+            </a:fontRef>
+          </p:style>
+        </p:cxnSp>
+        <p:cxnSp>
+          <p:nvCxnSpPr>
+            <p:cNvPr id="18" name="Egyenes összekötő 17"/>
+            <p:cNvCxnSpPr>
+              <a:endCxn id="6" idx="0"/>
+            </p:cNvCxnSpPr>
+            <p:nvPr/>
+          </p:nvCxnSpPr>
+          <p:spPr>
+            <a:xfrm flipH="1">
+              <a:off x="1371740" y="2009832"/>
+              <a:ext cx="5203" cy="1352375"/>
+            </a:xfrm>
+            <a:prstGeom prst="line">
+              <a:avLst/>
+            </a:prstGeom>
+          </p:spPr>
+          <p:style>
+            <a:lnRef idx="1">
+              <a:schemeClr val="accent1"/>
+            </a:lnRef>
+            <a:fillRef idx="0">
+              <a:schemeClr val="accent1"/>
+            </a:fillRef>
+            <a:effectRef idx="0">
+              <a:schemeClr val="accent1"/>
+            </a:effectRef>
+            <a:fontRef idx="minor">
+              <a:schemeClr val="tx1"/>
+            </a:fontRef>
+          </p:style>
+        </p:cxnSp>
+        <p:cxnSp>
+          <p:nvCxnSpPr>
+            <p:cNvPr id="20" name="Egyenes összekötő 19"/>
+            <p:cNvCxnSpPr>
+              <a:stCxn id="6" idx="5"/>
+              <a:endCxn id="7" idx="1"/>
+            </p:cNvCxnSpPr>
+            <p:nvPr/>
+          </p:nvCxnSpPr>
+          <p:spPr>
+            <a:xfrm>
+              <a:off x="1584187" y="3841650"/>
+              <a:ext cx="1443793" cy="762672"/>
+            </a:xfrm>
+            <a:prstGeom prst="line">
+              <a:avLst/>
+            </a:prstGeom>
+          </p:spPr>
+          <p:style>
+            <a:lnRef idx="1">
+              <a:schemeClr val="accent1"/>
+            </a:lnRef>
+            <a:fillRef idx="0">
+              <a:schemeClr val="accent1"/>
+            </a:fillRef>
+            <a:effectRef idx="0">
+              <a:schemeClr val="accent1"/>
+            </a:effectRef>
+            <a:fontRef idx="minor">
+              <a:schemeClr val="tx1"/>
+            </a:fontRef>
+          </p:style>
+        </p:cxnSp>
+        <p:cxnSp>
+          <p:nvCxnSpPr>
+            <p:cNvPr id="23" name="Egyenes összekötő 22"/>
+            <p:cNvCxnSpPr>
+              <a:endCxn id="8" idx="3"/>
+            </p:cNvCxnSpPr>
+            <p:nvPr/>
+          </p:nvCxnSpPr>
+          <p:spPr>
+            <a:xfrm flipV="1">
+              <a:off x="3546208" y="3878102"/>
+              <a:ext cx="1188229" cy="924812"/>
+            </a:xfrm>
+            <a:prstGeom prst="line">
+              <a:avLst/>
+            </a:prstGeom>
+          </p:spPr>
+          <p:style>
+            <a:lnRef idx="1">
+              <a:schemeClr val="accent1"/>
+            </a:lnRef>
+            <a:fillRef idx="0">
+              <a:schemeClr val="accent1"/>
+            </a:fillRef>
+            <a:effectRef idx="0">
+              <a:schemeClr val="accent1"/>
+            </a:effectRef>
+            <a:fontRef idx="minor">
+              <a:schemeClr val="tx1"/>
+            </a:fontRef>
+          </p:style>
+        </p:cxnSp>
+        <p:cxnSp>
+          <p:nvCxnSpPr>
+            <p:cNvPr id="26" name="Egyenes összekötő 25"/>
+            <p:cNvCxnSpPr>
+              <a:stCxn id="6" idx="6"/>
+              <a:endCxn id="8" idx="2"/>
+            </p:cNvCxnSpPr>
+            <p:nvPr/>
+          </p:nvCxnSpPr>
+          <p:spPr>
+            <a:xfrm>
+              <a:off x="1672185" y="3643058"/>
+              <a:ext cx="2974254" cy="36452"/>
+            </a:xfrm>
+            <a:prstGeom prst="line">
+              <a:avLst/>
+            </a:prstGeom>
+          </p:spPr>
+          <p:style>
+            <a:lnRef idx="1">
+              <a:schemeClr val="accent1"/>
+            </a:lnRef>
+            <a:fillRef idx="0">
+              <a:schemeClr val="accent1"/>
+            </a:fillRef>
+            <a:effectRef idx="0">
+              <a:schemeClr val="accent1"/>
+            </a:effectRef>
+            <a:fontRef idx="minor">
+              <a:schemeClr val="tx1"/>
+            </a:fontRef>
+          </p:style>
+        </p:cxnSp>
+        <p:cxnSp>
+          <p:nvCxnSpPr>
+            <p:cNvPr id="29" name="Egyenes összekötő 28"/>
+            <p:cNvCxnSpPr>
+              <a:stCxn id="9" idx="6"/>
+              <a:endCxn id="8" idx="1"/>
+            </p:cNvCxnSpPr>
+            <p:nvPr/>
+          </p:nvCxnSpPr>
+          <p:spPr>
+            <a:xfrm>
+              <a:off x="1677802" y="1724785"/>
+              <a:ext cx="3056635" cy="1756133"/>
+            </a:xfrm>
+            <a:prstGeom prst="line">
+              <a:avLst/>
+            </a:prstGeom>
+          </p:spPr>
+          <p:style>
+            <a:lnRef idx="1">
+              <a:schemeClr val="accent1"/>
+            </a:lnRef>
+            <a:fillRef idx="0">
+              <a:schemeClr val="accent1"/>
+            </a:fillRef>
+            <a:effectRef idx="0">
+              <a:schemeClr val="accent1"/>
+            </a:effectRef>
+            <a:fontRef idx="minor">
+              <a:schemeClr val="tx1"/>
+            </a:fontRef>
+          </p:style>
+        </p:cxnSp>
+        <p:cxnSp>
+          <p:nvCxnSpPr>
+            <p:cNvPr id="33" name="Egyenes összekötő 32"/>
+            <p:cNvCxnSpPr>
+              <a:stCxn id="6" idx="7"/>
+              <a:endCxn id="10" idx="3"/>
+            </p:cNvCxnSpPr>
+            <p:nvPr/>
+          </p:nvCxnSpPr>
+          <p:spPr>
+            <a:xfrm flipV="1">
+              <a:off x="1584187" y="2020577"/>
+              <a:ext cx="3150249" cy="1423889"/>
+            </a:xfrm>
+            <a:prstGeom prst="line">
+              <a:avLst/>
+            </a:prstGeom>
+          </p:spPr>
+          <p:style>
+            <a:lnRef idx="1">
+              <a:schemeClr val="accent1"/>
+            </a:lnRef>
+            <a:fillRef idx="0">
+              <a:schemeClr val="accent1"/>
+            </a:fillRef>
+            <a:effectRef idx="0">
+              <a:schemeClr val="accent1"/>
+            </a:effectRef>
+            <a:fontRef idx="minor">
+              <a:schemeClr val="tx1"/>
+            </a:fontRef>
+          </p:style>
+        </p:cxnSp>
+        <p:cxnSp>
+          <p:nvCxnSpPr>
+            <p:cNvPr id="36" name="Egyenes összekötő 35"/>
+            <p:cNvCxnSpPr>
+              <a:stCxn id="4" idx="5"/>
+              <a:endCxn id="8" idx="1"/>
+            </p:cNvCxnSpPr>
+            <p:nvPr/>
+          </p:nvCxnSpPr>
+          <p:spPr>
+            <a:xfrm>
+              <a:off x="3452875" y="1147896"/>
+              <a:ext cx="1281562" cy="2333022"/>
+            </a:xfrm>
+            <a:prstGeom prst="line">
+              <a:avLst/>
+            </a:prstGeom>
+          </p:spPr>
+          <p:style>
+            <a:lnRef idx="1">
+              <a:schemeClr val="accent1"/>
+            </a:lnRef>
+            <a:fillRef idx="0">
+              <a:schemeClr val="accent1"/>
+            </a:fillRef>
+            <a:effectRef idx="0">
+              <a:schemeClr val="accent1"/>
+            </a:effectRef>
+            <a:fontRef idx="minor">
+              <a:schemeClr val="tx1"/>
+            </a:fontRef>
+          </p:style>
+        </p:cxnSp>
+        <p:cxnSp>
+          <p:nvCxnSpPr>
+            <p:cNvPr id="39" name="Egyenes összekötő 38"/>
+            <p:cNvCxnSpPr>
+              <a:stCxn id="4" idx="4"/>
+              <a:endCxn id="6" idx="7"/>
+            </p:cNvCxnSpPr>
+            <p:nvPr/>
+          </p:nvCxnSpPr>
+          <p:spPr>
+            <a:xfrm flipH="1">
+              <a:off x="1584187" y="1230155"/>
+              <a:ext cx="1656241" cy="2214311"/>
+            </a:xfrm>
+            <a:prstGeom prst="line">
+              <a:avLst/>
+            </a:prstGeom>
+          </p:spPr>
+          <p:style>
+            <a:lnRef idx="1">
+              <a:schemeClr val="accent1"/>
+            </a:lnRef>
+            <a:fillRef idx="0">
+              <a:schemeClr val="accent1"/>
+            </a:fillRef>
+            <a:effectRef idx="0">
+              <a:schemeClr val="accent1"/>
+            </a:effectRef>
+            <a:fontRef idx="minor">
+              <a:schemeClr val="tx1"/>
+            </a:fontRef>
+          </p:style>
+        </p:cxnSp>
+      </p:grpSp>
+      <mc:AlternateContent xmlns:mc="http://schemas.openxmlformats.org/markup-compatibility/2006">
+        <mc:Choice xmlns:a14="http://schemas.microsoft.com/office/drawing/2010/main" Requires="a14">
+          <p:sp>
+            <p:nvSpPr>
+              <p:cNvPr id="43" name="Szövegdoboz 42"/>
+              <p:cNvSpPr txBox="1"/>
+              <p:nvPr/>
+            </p:nvSpPr>
+            <p:spPr>
+              <a:xfrm>
+                <a:off x="6835877" y="2599110"/>
+                <a:ext cx="3119285" cy="553998"/>
+              </a:xfrm>
+              <a:prstGeom prst="rect">
+                <a:avLst/>
+              </a:prstGeom>
+              <a:noFill/>
+            </p:spPr>
+            <p:txBody>
+              <a:bodyPr wrap="square" lIns="0" tIns="0" rIns="0" bIns="0" rtlCol="0">
+                <a:spAutoFit/>
+              </a:bodyPr>
+              <a:lstStyle/>
+              <a:p>
+                <a:pPr/>
+                <a14:m>
+                  <m:oMathPara xmlns:m="http://schemas.openxmlformats.org/officeDocument/2006/math">
+                    <m:oMathParaPr>
+                      <m:jc m:val="centerGroup"/>
+                    </m:oMathParaPr>
+                    <m:oMath xmlns:m="http://schemas.openxmlformats.org/officeDocument/2006/math">
+                      <m:d>
+                        <m:dPr>
+                          <m:begChr m:val="["/>
+                          <m:endChr m:val="]"/>
+                          <m:ctrlPr>
+                            <a:rPr lang="hu-HU" sz="3600" b="0" i="1" smtClean="0">
+                              <a:latin typeface="Cambria Math" panose="02040503050406030204" pitchFamily="18" charset="0"/>
+                            </a:rPr>
+                          </m:ctrlPr>
+                        </m:dPr>
+                        <m:e>
+                          <m:r>
+                            <a:rPr lang="hu-HU" sz="3600" b="0" i="1" smtClean="0">
+                              <a:latin typeface="Cambria Math" panose="02040503050406030204" pitchFamily="18" charset="0"/>
+                            </a:rPr>
+                            <m:t>1, </m:t>
+                          </m:r>
+                          <m:r>
+                            <a:rPr lang="hu-HU" sz="3600" i="1" smtClean="0">
+                              <a:ln w="0"/>
+                              <a:solidFill>
+                                <a:schemeClr val="tx1"/>
+                              </a:solidFill>
+                              <a:effectLst>
+                                <a:outerShdw blurRad="38100" dist="25400" dir="5400000" algn="ctr" rotWithShape="0">
+                                  <a:srgbClr val="6E747A">
+                                    <a:alpha val="43000"/>
+                                  </a:srgbClr>
+                                </a:outerShdw>
+                              </a:effectLst>
+                              <a:latin typeface="Cambria Math" panose="02040503050406030204" pitchFamily="18" charset="0"/>
+                            </a:rPr>
+                            <m:t>2</m:t>
+                          </m:r>
+                          <m:r>
+                            <a:rPr lang="hu-HU" sz="3600" b="0" i="1" smtClean="0">
+                              <a:latin typeface="Cambria Math" panose="02040503050406030204" pitchFamily="18" charset="0"/>
+                            </a:rPr>
+                            <m:t>, </m:t>
+                          </m:r>
+                          <m:r>
+                            <a:rPr lang="hu-HU" sz="3600" b="0" i="1" smtClean="0">
+                              <a:solidFill>
+                                <a:schemeClr val="accent1"/>
+                              </a:solidFill>
+                              <a:latin typeface="Cambria Math" panose="02040503050406030204" pitchFamily="18" charset="0"/>
+                            </a:rPr>
+                            <m:t>3</m:t>
+                          </m:r>
+                          <m:r>
+                            <a:rPr lang="hu-HU" sz="3600" b="0" i="1" smtClean="0">
+                              <a:latin typeface="Cambria Math" panose="02040503050406030204" pitchFamily="18" charset="0"/>
+                            </a:rPr>
+                            <m:t>, 4, 5, 6</m:t>
+                          </m:r>
+                        </m:e>
+                      </m:d>
+                    </m:oMath>
+                  </m:oMathPara>
+                </a14:m>
+                <a:endParaRPr lang="hu-HU" sz="3600" b="0" dirty="0"/>
+              </a:p>
+            </p:txBody>
+          </p:sp>
+        </mc:Choice>
+        <mc:Fallback>
+          <p:sp>
+            <p:nvSpPr>
+              <p:cNvPr id="43" name="Szövegdoboz 42"/>
+              <p:cNvSpPr txBox="1">
+                <a:spLocks noRot="1" noChangeAspect="1" noMove="1" noResize="1" noEditPoints="1" noAdjustHandles="1" noChangeArrowheads="1" noChangeShapeType="1" noTextEdit="1"/>
+              </p:cNvSpPr>
+              <p:nvPr/>
+            </p:nvSpPr>
+            <p:spPr>
+              <a:xfrm>
+                <a:off x="6835877" y="2599110"/>
+                <a:ext cx="3119285" cy="553998"/>
+              </a:xfrm>
+              <a:prstGeom prst="rect">
+                <a:avLst/>
+              </a:prstGeom>
+              <a:blipFill>
+                <a:blip r:embed="rId2"/>
+                <a:stretch>
+                  <a:fillRect/>
+                </a:stretch>
+              </a:blipFill>
+            </p:spPr>
+            <p:txBody>
+              <a:bodyPr/>
+              <a:lstStyle/>
+              <a:p>
+                <a:r>
+                  <a:rPr lang="hu-HU">
+                    <a:noFill/>
+                  </a:rPr>
+                  <a:t> </a:t>
+                </a:r>
+              </a:p>
+            </p:txBody>
+          </p:sp>
+        </mc:Fallback>
+      </mc:AlternateContent>
+      <p:cxnSp>
+        <p:nvCxnSpPr>
+          <p:cNvPr id="21" name="Egyenes összekötő 20">
+            <a:extLst>
+              <a:ext uri="{FF2B5EF4-FFF2-40B4-BE49-F238E27FC236}">
+                <a16:creationId xmlns:a16="http://schemas.microsoft.com/office/drawing/2014/main" id="{5ECD2346-94DC-4B9B-952C-6F75E66AF945}"/>
+              </a:ext>
+            </a:extLst>
+          </p:cNvPr>
+          <p:cNvCxnSpPr>
+            <a:cxnSpLocks/>
+          </p:cNvCxnSpPr>
+          <p:nvPr/>
+        </p:nvCxnSpPr>
+        <p:spPr>
+          <a:xfrm flipV="1">
+            <a:off x="3452875" y="2020577"/>
+            <a:ext cx="1281561" cy="2583745"/>
+          </a:xfrm>
+          <a:prstGeom prst="line">
+            <a:avLst/>
+          </a:prstGeom>
+        </p:spPr>
+        <p:style>
+          <a:lnRef idx="1">
+            <a:schemeClr val="accent1"/>
+          </a:lnRef>
+          <a:fillRef idx="0">
+            <a:schemeClr val="accent1"/>
+          </a:fillRef>
+          <a:effectRef idx="0">
+            <a:schemeClr val="accent1"/>
+          </a:effectRef>
+          <a:fontRef idx="minor">
+            <a:schemeClr val="tx1"/>
+          </a:fontRef>
+        </p:style>
+      </p:cxnSp>
+      <p:cxnSp>
+        <p:nvCxnSpPr>
+          <p:cNvPr id="22" name="Egyenes összekötő 21">
+            <a:extLst>
+              <a:ext uri="{FF2B5EF4-FFF2-40B4-BE49-F238E27FC236}">
+                <a16:creationId xmlns:a16="http://schemas.microsoft.com/office/drawing/2014/main" id="{C803C3D6-03B8-4DC4-878F-0B0801E15F71}"/>
+              </a:ext>
+            </a:extLst>
+          </p:cNvPr>
+          <p:cNvCxnSpPr>
+            <a:cxnSpLocks/>
+          </p:cNvCxnSpPr>
+          <p:nvPr/>
+        </p:nvCxnSpPr>
+        <p:spPr>
+          <a:xfrm>
+            <a:off x="1589804" y="1923377"/>
+            <a:ext cx="1438176" cy="2680945"/>
+          </a:xfrm>
+          <a:prstGeom prst="line">
+            <a:avLst/>
+          </a:prstGeom>
+        </p:spPr>
+        <p:style>
+          <a:lnRef idx="1">
+            <a:schemeClr val="accent1"/>
+          </a:lnRef>
+          <a:fillRef idx="0">
+            <a:schemeClr val="accent1"/>
+          </a:fillRef>
+          <a:effectRef idx="0">
+            <a:schemeClr val="accent1"/>
+          </a:effectRef>
+          <a:fontRef idx="minor">
+            <a:schemeClr val="tx1"/>
+          </a:fontRef>
+        </p:style>
+      </p:cxnSp>
     </p:spTree>
     <p:extLst>
       <p:ext uri="{BB962C8B-B14F-4D97-AF65-F5344CB8AC3E}">
-        <p14:creationId xmlns:p14="http://schemas.microsoft.com/office/powerpoint/2010/main" val="2773494149"/>
+        <p14:creationId xmlns:p14="http://schemas.microsoft.com/office/powerpoint/2010/main" val="3310583845"/>
       </p:ext>
     </p:extLst>
   </p:cSld>
@@ -7432,486 +10811,812 @@
           <a:chExt cx="0" cy="0"/>
         </a:xfrm>
       </p:grpSpPr>
-      <p:sp>
-        <p:nvSpPr>
-          <p:cNvPr id="2" name="Cím 1"/>
-          <p:cNvSpPr>
-            <a:spLocks noGrp="1"/>
-          </p:cNvSpPr>
-          <p:nvPr>
-            <p:ph type="title"/>
-          </p:nvPr>
-        </p:nvSpPr>
-        <p:spPr/>
-        <p:txBody>
-          <a:bodyPr/>
-          <a:lstStyle/>
-          <a:p>
-            <a:pPr algn="ctr"/>
-            <a:r>
-              <a:rPr lang="hu-HU" dirty="0" smtClean="0"/>
-              <a:t>M</a:t>
-            </a:r>
-            <a:r>
-              <a:rPr lang="hu-HU" baseline="30000" dirty="0" smtClean="0"/>
-              <a:t>k</a:t>
-            </a:r>
-            <a:r>
-              <a:rPr lang="hu-HU" dirty="0" smtClean="0"/>
-              <a:t> </a:t>
-            </a:r>
-            <a:r>
-              <a:rPr lang="hu-HU" dirty="0" err="1" smtClean="0"/>
-              <a:t>matrix</a:t>
-            </a:r>
-            <a:endParaRPr lang="hu-HU" dirty="0"/>
-          </a:p>
-        </p:txBody>
-      </p:sp>
+      <p:grpSp>
+        <p:nvGrpSpPr>
+          <p:cNvPr id="42" name="Csoportba foglalás 41"/>
+          <p:cNvGrpSpPr/>
+          <p:nvPr/>
+        </p:nvGrpSpPr>
+        <p:grpSpPr>
+          <a:xfrm>
+            <a:off x="1071294" y="668453"/>
+            <a:ext cx="4176036" cy="4415312"/>
+            <a:chOff x="1071294" y="668453"/>
+            <a:chExt cx="4176036" cy="4415312"/>
+          </a:xfrm>
+        </p:grpSpPr>
+        <p:sp>
+          <p:nvSpPr>
+            <p:cNvPr id="4" name="Ellipszis 3"/>
+            <p:cNvSpPr/>
+            <p:nvPr/>
+          </p:nvSpPr>
+          <p:spPr>
+            <a:xfrm>
+              <a:off x="2939982" y="668453"/>
+              <a:ext cx="600891" cy="561702"/>
+            </a:xfrm>
+            <a:prstGeom prst="ellipse">
+              <a:avLst/>
+            </a:prstGeom>
+            <a:solidFill>
+              <a:schemeClr val="bg1"/>
+            </a:solidFill>
+          </p:spPr>
+          <p:style>
+            <a:lnRef idx="2">
+              <a:schemeClr val="accent1">
+                <a:shade val="50000"/>
+              </a:schemeClr>
+            </a:lnRef>
+            <a:fillRef idx="1">
+              <a:schemeClr val="accent1"/>
+            </a:fillRef>
+            <a:effectRef idx="0">
+              <a:schemeClr val="accent1"/>
+            </a:effectRef>
+            <a:fontRef idx="minor">
+              <a:schemeClr val="lt1"/>
+            </a:fontRef>
+          </p:style>
+          <p:txBody>
+            <a:bodyPr rtlCol="0" anchor="ctr"/>
+            <a:lstStyle/>
+            <a:p>
+              <a:pPr algn="ctr"/>
+              <a:r>
+                <a:rPr lang="hu-HU" dirty="0">
+                  <a:ln w="0"/>
+                  <a:solidFill>
+                    <a:schemeClr val="tx1"/>
+                  </a:solidFill>
+                  <a:effectLst>
+                    <a:outerShdw blurRad="38100" dist="19050" dir="2700000" algn="tl" rotWithShape="0">
+                      <a:schemeClr val="dk1">
+                        <a:alpha val="40000"/>
+                      </a:schemeClr>
+                    </a:outerShdw>
+                  </a:effectLst>
+                </a:rPr>
+                <a:t>1</a:t>
+              </a:r>
+            </a:p>
+          </p:txBody>
+        </p:sp>
+        <p:sp>
+          <p:nvSpPr>
+            <p:cNvPr id="6" name="Ellipszis 5"/>
+            <p:cNvSpPr/>
+            <p:nvPr/>
+          </p:nvSpPr>
+          <p:spPr>
+            <a:xfrm>
+              <a:off x="1071294" y="3362207"/>
+              <a:ext cx="600891" cy="561702"/>
+            </a:xfrm>
+            <a:prstGeom prst="ellipse">
+              <a:avLst/>
+            </a:prstGeom>
+            <a:solidFill>
+              <a:schemeClr val="bg1"/>
+            </a:solidFill>
+          </p:spPr>
+          <p:style>
+            <a:lnRef idx="2">
+              <a:schemeClr val="accent1">
+                <a:shade val="50000"/>
+              </a:schemeClr>
+            </a:lnRef>
+            <a:fillRef idx="1">
+              <a:schemeClr val="accent1"/>
+            </a:fillRef>
+            <a:effectRef idx="0">
+              <a:schemeClr val="accent1"/>
+            </a:effectRef>
+            <a:fontRef idx="minor">
+              <a:schemeClr val="lt1"/>
+            </a:fontRef>
+          </p:style>
+          <p:txBody>
+            <a:bodyPr rtlCol="0" anchor="ctr"/>
+            <a:lstStyle/>
+            <a:p>
+              <a:pPr algn="ctr"/>
+              <a:r>
+                <a:rPr lang="hu-HU" dirty="0">
+                  <a:ln w="0"/>
+                  <a:solidFill>
+                    <a:schemeClr val="tx1"/>
+                  </a:solidFill>
+                  <a:effectLst>
+                    <a:outerShdw blurRad="38100" dist="19050" dir="2700000" algn="tl" rotWithShape="0">
+                      <a:schemeClr val="dk1">
+                        <a:alpha val="40000"/>
+                      </a:schemeClr>
+                    </a:outerShdw>
+                  </a:effectLst>
+                </a:rPr>
+                <a:t>5</a:t>
+              </a:r>
+            </a:p>
+          </p:txBody>
+        </p:sp>
+        <p:sp>
+          <p:nvSpPr>
+            <p:cNvPr id="7" name="Ellipszis 6"/>
+            <p:cNvSpPr/>
+            <p:nvPr/>
+          </p:nvSpPr>
+          <p:spPr>
+            <a:xfrm>
+              <a:off x="2939982" y="4522063"/>
+              <a:ext cx="600891" cy="561702"/>
+            </a:xfrm>
+            <a:prstGeom prst="ellipse">
+              <a:avLst/>
+            </a:prstGeom>
+            <a:solidFill>
+              <a:schemeClr val="bg1"/>
+            </a:solidFill>
+          </p:spPr>
+          <p:style>
+            <a:lnRef idx="2">
+              <a:schemeClr val="accent1">
+                <a:shade val="50000"/>
+              </a:schemeClr>
+            </a:lnRef>
+            <a:fillRef idx="1">
+              <a:schemeClr val="accent1"/>
+            </a:fillRef>
+            <a:effectRef idx="0">
+              <a:schemeClr val="accent1"/>
+            </a:effectRef>
+            <a:fontRef idx="minor">
+              <a:schemeClr val="lt1"/>
+            </a:fontRef>
+          </p:style>
+          <p:txBody>
+            <a:bodyPr rtlCol="0" anchor="ctr"/>
+            <a:lstStyle/>
+            <a:p>
+              <a:pPr algn="ctr"/>
+              <a:r>
+                <a:rPr lang="hu-HU" dirty="0">
+                  <a:ln w="0"/>
+                  <a:solidFill>
+                    <a:schemeClr val="tx1"/>
+                  </a:solidFill>
+                  <a:effectLst>
+                    <a:outerShdw blurRad="38100" dist="19050" dir="2700000" algn="tl" rotWithShape="0">
+                      <a:schemeClr val="dk1">
+                        <a:alpha val="40000"/>
+                      </a:schemeClr>
+                    </a:outerShdw>
+                  </a:effectLst>
+                </a:rPr>
+                <a:t>4</a:t>
+              </a:r>
+            </a:p>
+          </p:txBody>
+        </p:sp>
+        <p:sp>
+          <p:nvSpPr>
+            <p:cNvPr id="8" name="Ellipszis 7"/>
+            <p:cNvSpPr/>
+            <p:nvPr/>
+          </p:nvSpPr>
+          <p:spPr>
+            <a:xfrm>
+              <a:off x="4646439" y="3398659"/>
+              <a:ext cx="600891" cy="561702"/>
+            </a:xfrm>
+            <a:prstGeom prst="ellipse">
+              <a:avLst/>
+            </a:prstGeom>
+            <a:solidFill>
+              <a:schemeClr val="bg1"/>
+            </a:solidFill>
+          </p:spPr>
+          <p:style>
+            <a:lnRef idx="2">
+              <a:schemeClr val="accent1">
+                <a:shade val="50000"/>
+              </a:schemeClr>
+            </a:lnRef>
+            <a:fillRef idx="1">
+              <a:schemeClr val="accent1"/>
+            </a:fillRef>
+            <a:effectRef idx="0">
+              <a:schemeClr val="accent1"/>
+            </a:effectRef>
+            <a:fontRef idx="minor">
+              <a:schemeClr val="lt1"/>
+            </a:fontRef>
+          </p:style>
+          <p:txBody>
+            <a:bodyPr rtlCol="0" anchor="ctr"/>
+            <a:lstStyle/>
+            <a:p>
+              <a:pPr algn="ctr"/>
+              <a:r>
+                <a:rPr lang="hu-HU" dirty="0">
+                  <a:ln w="0"/>
+                  <a:solidFill>
+                    <a:schemeClr val="tx1"/>
+                  </a:solidFill>
+                  <a:effectLst>
+                    <a:outerShdw blurRad="38100" dist="19050" dir="2700000" algn="tl" rotWithShape="0">
+                      <a:schemeClr val="dk1">
+                        <a:alpha val="40000"/>
+                      </a:schemeClr>
+                    </a:outerShdw>
+                  </a:effectLst>
+                </a:rPr>
+                <a:t>3</a:t>
+              </a:r>
+            </a:p>
+          </p:txBody>
+        </p:sp>
+        <p:sp>
+          <p:nvSpPr>
+            <p:cNvPr id="9" name="Ellipszis 8"/>
+            <p:cNvSpPr/>
+            <p:nvPr/>
+          </p:nvSpPr>
+          <p:spPr>
+            <a:xfrm>
+              <a:off x="1076911" y="1443934"/>
+              <a:ext cx="600891" cy="561702"/>
+            </a:xfrm>
+            <a:prstGeom prst="ellipse">
+              <a:avLst/>
+            </a:prstGeom>
+            <a:solidFill>
+              <a:schemeClr val="bg1"/>
+            </a:solidFill>
+          </p:spPr>
+          <p:style>
+            <a:lnRef idx="2">
+              <a:schemeClr val="accent1">
+                <a:shade val="50000"/>
+              </a:schemeClr>
+            </a:lnRef>
+            <a:fillRef idx="1">
+              <a:schemeClr val="accent1"/>
+            </a:fillRef>
+            <a:effectRef idx="0">
+              <a:schemeClr val="accent1"/>
+            </a:effectRef>
+            <a:fontRef idx="minor">
+              <a:schemeClr val="lt1"/>
+            </a:fontRef>
+          </p:style>
+          <p:txBody>
+            <a:bodyPr rtlCol="0" anchor="ctr"/>
+            <a:lstStyle/>
+            <a:p>
+              <a:pPr algn="ctr"/>
+              <a:r>
+                <a:rPr lang="hu-HU" dirty="0">
+                  <a:ln w="0"/>
+                  <a:solidFill>
+                    <a:schemeClr val="tx1"/>
+                  </a:solidFill>
+                  <a:effectLst>
+                    <a:outerShdw blurRad="38100" dist="19050" dir="2700000" algn="tl" rotWithShape="0">
+                      <a:schemeClr val="dk1">
+                        <a:alpha val="40000"/>
+                      </a:schemeClr>
+                    </a:outerShdw>
+                  </a:effectLst>
+                </a:rPr>
+                <a:t>6</a:t>
+              </a:r>
+            </a:p>
+          </p:txBody>
+        </p:sp>
+        <p:sp>
+          <p:nvSpPr>
+            <p:cNvPr id="10" name="Ellipszis 9"/>
+            <p:cNvSpPr/>
+            <p:nvPr/>
+          </p:nvSpPr>
+          <p:spPr>
+            <a:xfrm>
+              <a:off x="4646438" y="1541134"/>
+              <a:ext cx="600891" cy="561702"/>
+            </a:xfrm>
+            <a:prstGeom prst="ellipse">
+              <a:avLst/>
+            </a:prstGeom>
+            <a:solidFill>
+              <a:schemeClr val="bg1"/>
+            </a:solidFill>
+          </p:spPr>
+          <p:style>
+            <a:lnRef idx="2">
+              <a:schemeClr val="accent1">
+                <a:shade val="50000"/>
+              </a:schemeClr>
+            </a:lnRef>
+            <a:fillRef idx="1">
+              <a:schemeClr val="accent1"/>
+            </a:fillRef>
+            <a:effectRef idx="0">
+              <a:schemeClr val="accent1"/>
+            </a:effectRef>
+            <a:fontRef idx="minor">
+              <a:schemeClr val="lt1"/>
+            </a:fontRef>
+          </p:style>
+          <p:txBody>
+            <a:bodyPr rtlCol="0" anchor="ctr"/>
+            <a:lstStyle/>
+            <a:p>
+              <a:pPr algn="ctr"/>
+              <a:r>
+                <a:rPr lang="hu-HU" dirty="0">
+                  <a:ln w="0"/>
+                  <a:solidFill>
+                    <a:schemeClr val="tx1"/>
+                  </a:solidFill>
+                  <a:effectLst>
+                    <a:outerShdw blurRad="38100" dist="19050" dir="2700000" algn="tl" rotWithShape="0">
+                      <a:schemeClr val="dk1">
+                        <a:alpha val="40000"/>
+                      </a:schemeClr>
+                    </a:outerShdw>
+                  </a:effectLst>
+                </a:rPr>
+                <a:t>2</a:t>
+              </a:r>
+            </a:p>
+          </p:txBody>
+        </p:sp>
+        <p:cxnSp>
+          <p:nvCxnSpPr>
+            <p:cNvPr id="12" name="Egyenes összekötő 11"/>
+            <p:cNvCxnSpPr>
+              <a:stCxn id="4" idx="6"/>
+              <a:endCxn id="10" idx="1"/>
+            </p:cNvCxnSpPr>
+            <p:nvPr/>
+          </p:nvCxnSpPr>
+          <p:spPr>
+            <a:xfrm>
+              <a:off x="3540873" y="949304"/>
+              <a:ext cx="1193563" cy="674089"/>
+            </a:xfrm>
+            <a:prstGeom prst="line">
+              <a:avLst/>
+            </a:prstGeom>
+            <a:ln w="19050" cap="flat" cmpd="sng" algn="ctr">
+              <a:solidFill>
+                <a:schemeClr val="accent5"/>
+              </a:solidFill>
+              <a:prstDash val="solid"/>
+              <a:round/>
+              <a:headEnd type="none" w="med" len="med"/>
+              <a:tailEnd type="arrow" w="med" len="med"/>
+            </a:ln>
+          </p:spPr>
+          <p:style>
+            <a:lnRef idx="0">
+              <a:scrgbClr r="0" g="0" b="0"/>
+            </a:lnRef>
+            <a:fillRef idx="0">
+              <a:scrgbClr r="0" g="0" b="0"/>
+            </a:fillRef>
+            <a:effectRef idx="0">
+              <a:scrgbClr r="0" g="0" b="0"/>
+            </a:effectRef>
+            <a:fontRef idx="minor">
+              <a:schemeClr val="tx1"/>
+            </a:fontRef>
+          </p:style>
+        </p:cxnSp>
+        <p:cxnSp>
+          <p:nvCxnSpPr>
+            <p:cNvPr id="15" name="Egyenes összekötő 14"/>
+            <p:cNvCxnSpPr>
+              <a:endCxn id="7" idx="0"/>
+            </p:cNvCxnSpPr>
+            <p:nvPr/>
+          </p:nvCxnSpPr>
+          <p:spPr>
+            <a:xfrm>
+              <a:off x="3235905" y="1230155"/>
+              <a:ext cx="4523" cy="3291908"/>
+            </a:xfrm>
+            <a:prstGeom prst="line">
+              <a:avLst/>
+            </a:prstGeom>
+          </p:spPr>
+          <p:style>
+            <a:lnRef idx="1">
+              <a:schemeClr val="accent1"/>
+            </a:lnRef>
+            <a:fillRef idx="0">
+              <a:schemeClr val="accent1"/>
+            </a:fillRef>
+            <a:effectRef idx="0">
+              <a:schemeClr val="accent1"/>
+            </a:effectRef>
+            <a:fontRef idx="minor">
+              <a:schemeClr val="tx1"/>
+            </a:fontRef>
+          </p:style>
+        </p:cxnSp>
+        <p:cxnSp>
+          <p:nvCxnSpPr>
+            <p:cNvPr id="18" name="Egyenes összekötő 17"/>
+            <p:cNvCxnSpPr>
+              <a:endCxn id="6" idx="0"/>
+            </p:cNvCxnSpPr>
+            <p:nvPr/>
+          </p:nvCxnSpPr>
+          <p:spPr>
+            <a:xfrm flipH="1">
+              <a:off x="1371740" y="2009832"/>
+              <a:ext cx="5203" cy="1352375"/>
+            </a:xfrm>
+            <a:prstGeom prst="line">
+              <a:avLst/>
+            </a:prstGeom>
+          </p:spPr>
+          <p:style>
+            <a:lnRef idx="1">
+              <a:schemeClr val="accent1"/>
+            </a:lnRef>
+            <a:fillRef idx="0">
+              <a:schemeClr val="accent1"/>
+            </a:fillRef>
+            <a:effectRef idx="0">
+              <a:schemeClr val="accent1"/>
+            </a:effectRef>
+            <a:fontRef idx="minor">
+              <a:schemeClr val="tx1"/>
+            </a:fontRef>
+          </p:style>
+        </p:cxnSp>
+        <p:cxnSp>
+          <p:nvCxnSpPr>
+            <p:cNvPr id="20" name="Egyenes összekötő 19"/>
+            <p:cNvCxnSpPr>
+              <a:stCxn id="6" idx="5"/>
+              <a:endCxn id="7" idx="1"/>
+            </p:cNvCxnSpPr>
+            <p:nvPr/>
+          </p:nvCxnSpPr>
+          <p:spPr>
+            <a:xfrm>
+              <a:off x="1584187" y="3841650"/>
+              <a:ext cx="1443793" cy="762672"/>
+            </a:xfrm>
+            <a:prstGeom prst="line">
+              <a:avLst/>
+            </a:prstGeom>
+          </p:spPr>
+          <p:style>
+            <a:lnRef idx="1">
+              <a:schemeClr val="accent1"/>
+            </a:lnRef>
+            <a:fillRef idx="0">
+              <a:schemeClr val="accent1"/>
+            </a:fillRef>
+            <a:effectRef idx="0">
+              <a:schemeClr val="accent1"/>
+            </a:effectRef>
+            <a:fontRef idx="minor">
+              <a:schemeClr val="tx1"/>
+            </a:fontRef>
+          </p:style>
+        </p:cxnSp>
+        <p:cxnSp>
+          <p:nvCxnSpPr>
+            <p:cNvPr id="23" name="Egyenes összekötő 22"/>
+            <p:cNvCxnSpPr>
+              <a:endCxn id="8" idx="3"/>
+            </p:cNvCxnSpPr>
+            <p:nvPr/>
+          </p:nvCxnSpPr>
+          <p:spPr>
+            <a:xfrm flipV="1">
+              <a:off x="3546208" y="3878102"/>
+              <a:ext cx="1188229" cy="924812"/>
+            </a:xfrm>
+            <a:prstGeom prst="line">
+              <a:avLst/>
+            </a:prstGeom>
+          </p:spPr>
+          <p:style>
+            <a:lnRef idx="1">
+              <a:schemeClr val="accent1"/>
+            </a:lnRef>
+            <a:fillRef idx="0">
+              <a:schemeClr val="accent1"/>
+            </a:fillRef>
+            <a:effectRef idx="0">
+              <a:schemeClr val="accent1"/>
+            </a:effectRef>
+            <a:fontRef idx="minor">
+              <a:schemeClr val="tx1"/>
+            </a:fontRef>
+          </p:style>
+        </p:cxnSp>
+        <p:cxnSp>
+          <p:nvCxnSpPr>
+            <p:cNvPr id="26" name="Egyenes összekötő 25"/>
+            <p:cNvCxnSpPr>
+              <a:stCxn id="6" idx="6"/>
+              <a:endCxn id="8" idx="2"/>
+            </p:cNvCxnSpPr>
+            <p:nvPr/>
+          </p:nvCxnSpPr>
+          <p:spPr>
+            <a:xfrm>
+              <a:off x="1672185" y="3643058"/>
+              <a:ext cx="2974254" cy="36452"/>
+            </a:xfrm>
+            <a:prstGeom prst="line">
+              <a:avLst/>
+            </a:prstGeom>
+          </p:spPr>
+          <p:style>
+            <a:lnRef idx="1">
+              <a:schemeClr val="accent1"/>
+            </a:lnRef>
+            <a:fillRef idx="0">
+              <a:schemeClr val="accent1"/>
+            </a:fillRef>
+            <a:effectRef idx="0">
+              <a:schemeClr val="accent1"/>
+            </a:effectRef>
+            <a:fontRef idx="minor">
+              <a:schemeClr val="tx1"/>
+            </a:fontRef>
+          </p:style>
+        </p:cxnSp>
+        <p:cxnSp>
+          <p:nvCxnSpPr>
+            <p:cNvPr id="29" name="Egyenes összekötő 28"/>
+            <p:cNvCxnSpPr>
+              <a:stCxn id="9" idx="6"/>
+              <a:endCxn id="8" idx="1"/>
+            </p:cNvCxnSpPr>
+            <p:nvPr/>
+          </p:nvCxnSpPr>
+          <p:spPr>
+            <a:xfrm>
+              <a:off x="1677802" y="1724785"/>
+              <a:ext cx="3056635" cy="1756133"/>
+            </a:xfrm>
+            <a:prstGeom prst="line">
+              <a:avLst/>
+            </a:prstGeom>
+          </p:spPr>
+          <p:style>
+            <a:lnRef idx="1">
+              <a:schemeClr val="accent1"/>
+            </a:lnRef>
+            <a:fillRef idx="0">
+              <a:schemeClr val="accent1"/>
+            </a:fillRef>
+            <a:effectRef idx="0">
+              <a:schemeClr val="accent1"/>
+            </a:effectRef>
+            <a:fontRef idx="minor">
+              <a:schemeClr val="tx1"/>
+            </a:fontRef>
+          </p:style>
+        </p:cxnSp>
+        <p:cxnSp>
+          <p:nvCxnSpPr>
+            <p:cNvPr id="33" name="Egyenes összekötő 32"/>
+            <p:cNvCxnSpPr>
+              <a:stCxn id="6" idx="7"/>
+              <a:endCxn id="10" idx="3"/>
+            </p:cNvCxnSpPr>
+            <p:nvPr/>
+          </p:nvCxnSpPr>
+          <p:spPr>
+            <a:xfrm flipV="1">
+              <a:off x="1584187" y="2020577"/>
+              <a:ext cx="3150249" cy="1423889"/>
+            </a:xfrm>
+            <a:prstGeom prst="line">
+              <a:avLst/>
+            </a:prstGeom>
+          </p:spPr>
+          <p:style>
+            <a:lnRef idx="1">
+              <a:schemeClr val="accent1"/>
+            </a:lnRef>
+            <a:fillRef idx="0">
+              <a:schemeClr val="accent1"/>
+            </a:fillRef>
+            <a:effectRef idx="0">
+              <a:schemeClr val="accent1"/>
+            </a:effectRef>
+            <a:fontRef idx="minor">
+              <a:schemeClr val="tx1"/>
+            </a:fontRef>
+          </p:style>
+        </p:cxnSp>
+        <p:cxnSp>
+          <p:nvCxnSpPr>
+            <p:cNvPr id="36" name="Egyenes összekötő 35"/>
+            <p:cNvCxnSpPr>
+              <a:stCxn id="4" idx="5"/>
+              <a:endCxn id="8" idx="1"/>
+            </p:cNvCxnSpPr>
+            <p:nvPr/>
+          </p:nvCxnSpPr>
+          <p:spPr>
+            <a:xfrm>
+              <a:off x="3452875" y="1147896"/>
+              <a:ext cx="1281562" cy="2333022"/>
+            </a:xfrm>
+            <a:prstGeom prst="line">
+              <a:avLst/>
+            </a:prstGeom>
+          </p:spPr>
+          <p:style>
+            <a:lnRef idx="1">
+              <a:schemeClr val="accent1"/>
+            </a:lnRef>
+            <a:fillRef idx="0">
+              <a:schemeClr val="accent1"/>
+            </a:fillRef>
+            <a:effectRef idx="0">
+              <a:schemeClr val="accent1"/>
+            </a:effectRef>
+            <a:fontRef idx="minor">
+              <a:schemeClr val="tx1"/>
+            </a:fontRef>
+          </p:style>
+        </p:cxnSp>
+        <p:cxnSp>
+          <p:nvCxnSpPr>
+            <p:cNvPr id="39" name="Egyenes összekötő 38"/>
+            <p:cNvCxnSpPr>
+              <a:stCxn id="4" idx="4"/>
+              <a:endCxn id="6" idx="7"/>
+            </p:cNvCxnSpPr>
+            <p:nvPr/>
+          </p:nvCxnSpPr>
+          <p:spPr>
+            <a:xfrm flipH="1">
+              <a:off x="1584187" y="1230155"/>
+              <a:ext cx="1656241" cy="2214311"/>
+            </a:xfrm>
+            <a:prstGeom prst="line">
+              <a:avLst/>
+            </a:prstGeom>
+          </p:spPr>
+          <p:style>
+            <a:lnRef idx="1">
+              <a:schemeClr val="accent1"/>
+            </a:lnRef>
+            <a:fillRef idx="0">
+              <a:schemeClr val="accent1"/>
+            </a:fillRef>
+            <a:effectRef idx="0">
+              <a:schemeClr val="accent1"/>
+            </a:effectRef>
+            <a:fontRef idx="minor">
+              <a:schemeClr val="tx1"/>
+            </a:fontRef>
+          </p:style>
+        </p:cxnSp>
+      </p:grpSp>
       <mc:AlternateContent xmlns:mc="http://schemas.openxmlformats.org/markup-compatibility/2006">
         <mc:Choice xmlns:a14="http://schemas.microsoft.com/office/drawing/2010/main" Requires="a14">
           <p:sp>
             <p:nvSpPr>
-              <p:cNvPr id="3" name="Tartalom helye 2"/>
-              <p:cNvSpPr>
-                <a:spLocks noGrp="1"/>
-              </p:cNvSpPr>
-              <p:nvPr>
-                <p:ph idx="1"/>
-              </p:nvPr>
+              <p:cNvPr id="43" name="Szövegdoboz 42"/>
+              <p:cNvSpPr txBox="1"/>
+              <p:nvPr/>
             </p:nvSpPr>
-            <p:spPr/>
+            <p:spPr>
+              <a:xfrm>
+                <a:off x="6835877" y="2599110"/>
+                <a:ext cx="3119285" cy="553998"/>
+              </a:xfrm>
+              <a:prstGeom prst="rect">
+                <a:avLst/>
+              </a:prstGeom>
+              <a:noFill/>
+            </p:spPr>
             <p:txBody>
-              <a:bodyPr/>
+              <a:bodyPr wrap="square" lIns="0" tIns="0" rIns="0" bIns="0" rtlCol="0">
+                <a:spAutoFit/>
+              </a:bodyPr>
               <a:lstStyle/>
               <a:p>
-                <a:r>
-                  <a:rPr lang="hu-HU" dirty="0" smtClean="0"/>
-                  <a:t>Limit </a:t>
-                </a:r>
-                <a:r>
-                  <a:rPr lang="hu-HU" dirty="0" err="1" smtClean="0"/>
-                  <a:t>the</a:t>
-                </a:r>
-                <a:r>
-                  <a:rPr lang="hu-HU" dirty="0" smtClean="0"/>
-                  <a:t> </a:t>
-                </a:r>
-                <a:r>
-                  <a:rPr lang="hu-HU" dirty="0" err="1" smtClean="0"/>
-                  <a:t>intersection</a:t>
-                </a:r>
-                <a:r>
-                  <a:rPr lang="hu-HU" dirty="0" smtClean="0"/>
-                  <a:t> </a:t>
-                </a:r>
-                <a:r>
-                  <a:rPr lang="hu-HU" dirty="0" err="1" smtClean="0"/>
-                  <a:t>size</a:t>
-                </a:r>
-                <a:r>
-                  <a:rPr lang="hu-HU" dirty="0" smtClean="0"/>
-                  <a:t> </a:t>
-                </a:r>
-                <a:r>
-                  <a:rPr lang="hu-HU" dirty="0" err="1" smtClean="0"/>
-                  <a:t>between</a:t>
-                </a:r>
-                <a:r>
-                  <a:rPr lang="hu-HU" dirty="0" smtClean="0"/>
-                  <a:t> </a:t>
-                </a:r>
-                <a:r>
-                  <a:rPr lang="hu-HU" dirty="0" err="1" smtClean="0"/>
-                  <a:t>the</a:t>
-                </a:r>
-                <a:r>
-                  <a:rPr lang="hu-HU" dirty="0" smtClean="0"/>
-                  <a:t> </a:t>
-                </a:r>
-                <a:r>
-                  <a:rPr lang="hu-HU" dirty="0" err="1" smtClean="0"/>
-                  <a:t>rows</a:t>
-                </a:r>
-                <a:r>
-                  <a:rPr lang="hu-HU" dirty="0" smtClean="0"/>
-                  <a:t> </a:t>
-                </a:r>
-                <a:r>
-                  <a:rPr lang="hu-HU" dirty="0" err="1" smtClean="0"/>
-                  <a:t>affatced</a:t>
-                </a:r>
-                <a:r>
-                  <a:rPr lang="hu-HU" dirty="0" smtClean="0"/>
-                  <a:t> </a:t>
-                </a:r>
-                <a:r>
-                  <a:rPr lang="hu-HU" dirty="0" err="1" smtClean="0"/>
-                  <a:t>by</a:t>
-                </a:r>
-                <a:r>
-                  <a:rPr lang="hu-HU" dirty="0" smtClean="0"/>
-                  <a:t> </a:t>
-                </a:r>
-                <a:r>
-                  <a:rPr lang="hu-HU" dirty="0" err="1" smtClean="0"/>
-                  <a:t>the</a:t>
-                </a:r>
-                <a:r>
-                  <a:rPr lang="hu-HU" dirty="0" smtClean="0"/>
-                  <a:t> </a:t>
-                </a:r>
-                <a:r>
-                  <a:rPr lang="hu-HU" dirty="0" err="1" smtClean="0"/>
-                  <a:t>failures</a:t>
-                </a:r>
-                <a:r>
-                  <a:rPr lang="hu-HU" dirty="0" smtClean="0"/>
-                  <a:t>.</a:t>
-                </a:r>
-              </a:p>
-              <a:p>
-                <a:r>
-                  <a:rPr lang="hu-HU" dirty="0" err="1" smtClean="0"/>
-                  <a:t>Any</a:t>
-                </a:r>
-                <a:r>
-                  <a:rPr lang="hu-HU" dirty="0" smtClean="0"/>
-                  <a:t> </a:t>
-                </a:r>
-                <a:r>
-                  <a:rPr lang="hu-HU" dirty="0" err="1" smtClean="0"/>
-                  <a:t>row</a:t>
-                </a:r>
-                <a:r>
-                  <a:rPr lang="hu-HU" dirty="0" smtClean="0"/>
-                  <a:t> </a:t>
-                </a:r>
-                <a:r>
-                  <a:rPr lang="hu-HU" dirty="0" err="1" smtClean="0"/>
-                  <a:t>ultimatly</a:t>
-                </a:r>
-                <a:r>
-                  <a:rPr lang="hu-HU" dirty="0" smtClean="0"/>
-                  <a:t> </a:t>
-                </a:r>
-                <a:r>
-                  <a:rPr lang="hu-HU" dirty="0" err="1" smtClean="0"/>
-                  <a:t>contains</a:t>
-                </a:r>
-                <a:r>
-                  <a:rPr lang="hu-HU" dirty="0" smtClean="0"/>
-                  <a:t> </a:t>
-                </a:r>
-                <a:r>
-                  <a:rPr lang="hu-HU" dirty="0" err="1" smtClean="0"/>
-                  <a:t>the</a:t>
-                </a:r>
-                <a:r>
-                  <a:rPr lang="hu-HU" dirty="0" smtClean="0"/>
-                  <a:t> n </a:t>
-                </a:r>
-                <a:r>
-                  <a:rPr lang="hu-HU" dirty="0" err="1" smtClean="0"/>
-                  <a:t>nodes</a:t>
-                </a:r>
-                <a:r>
-                  <a:rPr lang="hu-HU" dirty="0" smtClean="0"/>
-                  <a:t>, we must </a:t>
-                </a:r>
-                <a:r>
-                  <a:rPr lang="hu-HU" dirty="0" err="1" smtClean="0"/>
-                  <a:t>work</a:t>
-                </a:r>
-                <a:r>
-                  <a:rPr lang="hu-HU" dirty="0" smtClean="0"/>
-                  <a:t> </a:t>
-                </a:r>
-                <a:r>
-                  <a:rPr lang="hu-HU" dirty="0" err="1" smtClean="0"/>
-                  <a:t>first</a:t>
-                </a:r>
-                <a:r>
-                  <a:rPr lang="hu-HU" dirty="0" smtClean="0"/>
-                  <a:t> k </a:t>
-                </a:r>
-                <a:r>
-                  <a:rPr lang="hu-HU" dirty="0" err="1" smtClean="0"/>
-                  <a:t>columns</a:t>
-                </a:r>
-                <a:r>
-                  <a:rPr lang="hu-HU" dirty="0" smtClean="0"/>
-                  <a:t> of </a:t>
-                </a:r>
-                <a:r>
-                  <a:rPr lang="hu-HU" dirty="0" err="1" smtClean="0"/>
-                  <a:t>failover</a:t>
-                </a:r>
-                <a:r>
-                  <a:rPr lang="hu-HU" dirty="0" smtClean="0"/>
-                  <a:t> </a:t>
-                </a:r>
-                <a:r>
-                  <a:rPr lang="hu-HU" dirty="0" err="1" smtClean="0"/>
-                  <a:t>matrix</a:t>
-                </a:r>
-                <a:r>
-                  <a:rPr lang="hu-HU" dirty="0" smtClean="0"/>
-                  <a:t> M.</a:t>
-                </a:r>
-              </a:p>
-              <a:p>
-                <a:r>
-                  <a:rPr lang="hu-HU" dirty="0"/>
-                  <a:t>Mk = [</a:t>
-                </a:r>
-                <a:r>
-                  <a:rPr lang="hu-HU" dirty="0" err="1"/>
-                  <a:t>mij</a:t>
-                </a:r>
-                <a:r>
-                  <a:rPr lang="hu-HU" dirty="0"/>
-                  <a:t> | 1 &lt;= i, &lt; n 1 &lt;= j &lt; &lt;= k</a:t>
-                </a:r>
-                <a:r>
-                  <a:rPr lang="hu-HU" dirty="0" smtClean="0"/>
-                  <a:t>]</a:t>
-                </a:r>
-              </a:p>
-              <a:p>
-                <a:r>
-                  <a:rPr lang="hu-HU" dirty="0" err="1" smtClean="0"/>
-                  <a:t>There</a:t>
-                </a:r>
-                <a:r>
-                  <a:rPr lang="hu-HU" dirty="0" smtClean="0"/>
-                  <a:t> is a </a:t>
-                </a:r>
-                <a:r>
-                  <a:rPr lang="hu-HU" dirty="0" err="1" smtClean="0"/>
-                  <a:t>theorem</a:t>
-                </a:r>
-                <a:r>
-                  <a:rPr lang="hu-HU" dirty="0" smtClean="0"/>
-                  <a:t> </a:t>
-                </a:r>
-                <a:r>
-                  <a:rPr lang="hu-HU" dirty="0" err="1" smtClean="0"/>
-                  <a:t>that</a:t>
-                </a:r>
-                <a:r>
-                  <a:rPr lang="hu-HU" dirty="0" smtClean="0"/>
-                  <a:t> </a:t>
-                </a:r>
-                <a:r>
-                  <a:rPr lang="hu-HU" dirty="0" err="1" smtClean="0"/>
-                  <a:t>garantees</a:t>
-                </a:r>
-                <a:r>
-                  <a:rPr lang="hu-HU" dirty="0" smtClean="0"/>
-                  <a:t> </a:t>
-                </a:r>
+                <a:pPr/>
                 <a14:m>
-                  <m:oMath xmlns:m="http://schemas.openxmlformats.org/officeDocument/2006/math">
-                    <m:r>
-                      <m:rPr>
-                        <m:sty m:val="p"/>
-                      </m:rPr>
-                      <a:rPr lang="hu-HU" b="0" i="0" smtClean="0">
-                        <a:latin typeface="Cambria Math" panose="02040503050406030204" pitchFamily="18" charset="0"/>
-                        <a:ea typeface="Cambria Math" panose="02040503050406030204" pitchFamily="18" charset="0"/>
-                      </a:rPr>
-                      <m:t>F</m:t>
-                    </m:r>
-                    <m:r>
-                      <a:rPr lang="hu-HU" b="0" i="0" smtClean="0">
-                        <a:latin typeface="Cambria Math" panose="02040503050406030204" pitchFamily="18" charset="0"/>
-                        <a:ea typeface="Cambria Math" panose="02040503050406030204" pitchFamily="18" charset="0"/>
-                      </a:rPr>
-                      <m:t> </m:t>
-                    </m:r>
-                    <m:r>
-                      <m:rPr>
-                        <m:sty m:val="p"/>
-                      </m:rPr>
-                      <a:rPr lang="hu-HU" b="0" i="0" smtClean="0">
-                        <a:latin typeface="Cambria Math" panose="02040503050406030204" pitchFamily="18" charset="0"/>
-                        <a:ea typeface="Cambria Math" panose="02040503050406030204" pitchFamily="18" charset="0"/>
-                      </a:rPr>
-                      <m:t>is</m:t>
-                    </m:r>
-                    <m:r>
-                      <a:rPr lang="hu-HU" b="0" i="0" smtClean="0">
-                        <a:latin typeface="Cambria Math" panose="02040503050406030204" pitchFamily="18" charset="0"/>
-                        <a:ea typeface="Cambria Math" panose="02040503050406030204" pitchFamily="18" charset="0"/>
-                      </a:rPr>
-                      <m:t> </m:t>
-                    </m:r>
-                    <m:r>
-                      <m:rPr>
-                        <m:sty m:val="p"/>
-                      </m:rPr>
-                      <a:rPr lang="hu-HU" b="0" i="0" smtClean="0">
-                        <a:latin typeface="Cambria Math" panose="02040503050406030204" pitchFamily="18" charset="0"/>
-                        <a:ea typeface="Cambria Math" panose="02040503050406030204" pitchFamily="18" charset="0"/>
-                      </a:rPr>
-                      <m:t>an</m:t>
-                    </m:r>
-                    <m:r>
-                      <a:rPr lang="hu-HU" b="0" i="0" smtClean="0">
-                        <a:latin typeface="Cambria Math" panose="02040503050406030204" pitchFamily="18" charset="0"/>
-                        <a:ea typeface="Cambria Math" panose="02040503050406030204" pitchFamily="18" charset="0"/>
-                      </a:rPr>
-                      <m:t> </m:t>
-                    </m:r>
-                    <m:r>
-                      <m:rPr>
-                        <m:sty m:val="p"/>
-                      </m:rPr>
-                      <a:rPr lang="hu-HU" b="0" i="0" smtClean="0">
-                        <a:latin typeface="Cambria Math" panose="02040503050406030204" pitchFamily="18" charset="0"/>
-                        <a:ea typeface="Cambria Math" panose="02040503050406030204" pitchFamily="18" charset="0"/>
-                      </a:rPr>
-                      <m:t>optimal</m:t>
-                    </m:r>
-                    <m:r>
-                      <a:rPr lang="hu-HU" b="0" i="0" smtClean="0">
-                        <a:latin typeface="Cambria Math" panose="02040503050406030204" pitchFamily="18" charset="0"/>
-                        <a:ea typeface="Cambria Math" panose="02040503050406030204" pitchFamily="18" charset="0"/>
-                      </a:rPr>
-                      <m:t> </m:t>
-                    </m:r>
-                    <m:r>
-                      <m:rPr>
-                        <m:sty m:val="p"/>
-                      </m:rPr>
-                      <a:rPr lang="hu-HU" b="0" i="0" smtClean="0">
-                        <a:latin typeface="Cambria Math" panose="02040503050406030204" pitchFamily="18" charset="0"/>
-                        <a:ea typeface="Cambria Math" panose="02040503050406030204" pitchFamily="18" charset="0"/>
-                      </a:rPr>
-                      <m:t>attack</m:t>
-                    </m:r>
-                    <m:r>
-                      <a:rPr lang="hu-HU" b="0" i="0" smtClean="0">
-                        <a:latin typeface="Cambria Math" panose="02040503050406030204" pitchFamily="18" charset="0"/>
-                        <a:ea typeface="Cambria Math" panose="02040503050406030204" pitchFamily="18" charset="0"/>
-                      </a:rPr>
-                      <m:t> </m:t>
-                    </m:r>
-                    <m:r>
-                      <m:rPr>
-                        <m:sty m:val="p"/>
-                      </m:rPr>
-                      <a:rPr lang="hu-HU" b="0" i="0" smtClean="0">
-                        <a:latin typeface="Cambria Math" panose="02040503050406030204" pitchFamily="18" charset="0"/>
-                        <a:ea typeface="Cambria Math" panose="02040503050406030204" pitchFamily="18" charset="0"/>
-                      </a:rPr>
-                      <m:t>and</m:t>
-                    </m:r>
-                    <m:r>
-                      <a:rPr lang="hu-HU" b="0" i="0" smtClean="0">
-                        <a:latin typeface="Cambria Math" panose="02040503050406030204" pitchFamily="18" charset="0"/>
-                        <a:ea typeface="Cambria Math" panose="02040503050406030204" pitchFamily="18" charset="0"/>
-                      </a:rPr>
-                      <m:t>  </m:t>
-                    </m:r>
-                    <m:r>
-                      <a:rPr lang="hu-HU" i="1" smtClean="0">
-                        <a:latin typeface="Cambria Math" panose="02040503050406030204" pitchFamily="18" charset="0"/>
-                        <a:ea typeface="Cambria Math" panose="02040503050406030204" pitchFamily="18" charset="0"/>
-                      </a:rPr>
-                      <m:t>𝜃</m:t>
-                    </m:r>
-                    <m:r>
-                      <a:rPr lang="hu-HU" b="0" i="1" smtClean="0">
-                        <a:latin typeface="Cambria Math" panose="02040503050406030204" pitchFamily="18" charset="0"/>
-                        <a:ea typeface="Cambria Math" panose="02040503050406030204" pitchFamily="18" charset="0"/>
-                      </a:rPr>
-                      <m:t>≤</m:t>
-                    </m:r>
-                    <m:r>
-                      <a:rPr lang="hu-HU" b="0" i="1" smtClean="0">
-                        <a:latin typeface="Cambria Math" panose="02040503050406030204" pitchFamily="18" charset="0"/>
-                        <a:ea typeface="Cambria Math" panose="02040503050406030204" pitchFamily="18" charset="0"/>
-                      </a:rPr>
-                      <m:t>𝑘</m:t>
-                    </m:r>
-                    <m:r>
-                      <a:rPr lang="hu-HU" b="0" i="1" smtClean="0">
-                        <a:latin typeface="Cambria Math" panose="02040503050406030204" pitchFamily="18" charset="0"/>
-                        <a:ea typeface="Cambria Math" panose="02040503050406030204" pitchFamily="18" charset="0"/>
-                      </a:rPr>
-                      <m:t>⇒</m:t>
-                    </m:r>
-                    <m:d>
-                      <m:dPr>
-                        <m:begChr m:val="|"/>
-                        <m:endChr m:val="|"/>
-                        <m:ctrlPr>
-                          <a:rPr lang="hu-HU" b="0" i="1" smtClean="0">
-                            <a:latin typeface="Cambria Math" panose="02040503050406030204" pitchFamily="18" charset="0"/>
-                            <a:ea typeface="Cambria Math" panose="02040503050406030204" pitchFamily="18" charset="0"/>
-                          </a:rPr>
-                        </m:ctrlPr>
-                      </m:dPr>
-                      <m:e>
-                        <m:r>
-                          <a:rPr lang="hu-HU" b="0" i="1" smtClean="0">
-                            <a:latin typeface="Cambria Math" panose="02040503050406030204" pitchFamily="18" charset="0"/>
-                            <a:ea typeface="Cambria Math" panose="02040503050406030204" pitchFamily="18" charset="0"/>
-                          </a:rPr>
-                          <m:t>𝐹</m:t>
-                        </m:r>
-                      </m:e>
-                    </m:d>
-                    <m:r>
-                      <a:rPr lang="hu-HU" b="0" i="1" smtClean="0">
-                        <a:latin typeface="Cambria Math" panose="02040503050406030204" pitchFamily="18" charset="0"/>
-                        <a:ea typeface="Cambria Math" panose="02040503050406030204" pitchFamily="18" charset="0"/>
-                      </a:rPr>
-                      <m:t>= </m:t>
-                    </m:r>
-                    <m:r>
-                      <m:rPr>
-                        <m:sty m:val="p"/>
-                      </m:rPr>
-                      <a:rPr lang="el-GR" b="0" i="1" smtClean="0">
-                        <a:latin typeface="Cambria Math" panose="02040503050406030204" pitchFamily="18" charset="0"/>
-                        <a:ea typeface="Cambria Math" panose="02040503050406030204" pitchFamily="18" charset="0"/>
-                      </a:rPr>
-                      <m:t>Ω</m:t>
-                    </m:r>
-                    <m:r>
-                      <a:rPr lang="hu-HU" b="0" i="1" smtClean="0">
-                        <a:latin typeface="Cambria Math" panose="02040503050406030204" pitchFamily="18" charset="0"/>
-                        <a:ea typeface="Cambria Math" panose="02040503050406030204" pitchFamily="18" charset="0"/>
-                      </a:rPr>
-                      <m:t>(</m:t>
-                    </m:r>
-                    <m:r>
-                      <a:rPr lang="hu-HU" b="0" i="1" smtClean="0">
-                        <a:latin typeface="Cambria Math" panose="02040503050406030204" pitchFamily="18" charset="0"/>
-                        <a:ea typeface="Cambria Math" panose="02040503050406030204" pitchFamily="18" charset="0"/>
-                      </a:rPr>
-                      <m:t>𝜙</m:t>
-                    </m:r>
-                    <m:r>
-                      <a:rPr lang="hu-HU" b="0" i="1" baseline="30000" smtClean="0">
-                        <a:latin typeface="Cambria Math" panose="02040503050406030204" pitchFamily="18" charset="0"/>
-                        <a:ea typeface="Cambria Math" panose="02040503050406030204" pitchFamily="18" charset="0"/>
-                      </a:rPr>
-                      <m:t>2</m:t>
-                    </m:r>
-                    <m:r>
-                      <a:rPr lang="hu-HU" b="0" i="1" smtClean="0">
-                        <a:latin typeface="Cambria Math" panose="02040503050406030204" pitchFamily="18" charset="0"/>
-                        <a:ea typeface="Cambria Math" panose="02040503050406030204" pitchFamily="18" charset="0"/>
-                      </a:rPr>
-                      <m:t>)</m:t>
-                    </m:r>
-                  </m:oMath>
+                  <m:oMathPara xmlns:m="http://schemas.openxmlformats.org/officeDocument/2006/math">
+                    <m:oMathParaPr>
+                      <m:jc m:val="centerGroup"/>
+                    </m:oMathParaPr>
+                    <m:oMath xmlns:m="http://schemas.openxmlformats.org/officeDocument/2006/math">
+                      <m:d>
+                        <m:dPr>
+                          <m:begChr m:val="["/>
+                          <m:endChr m:val="]"/>
+                          <m:ctrlPr>
+                            <a:rPr lang="hu-HU" sz="3600" b="0" i="1" smtClean="0">
+                              <a:latin typeface="Cambria Math" panose="02040503050406030204" pitchFamily="18" charset="0"/>
+                            </a:rPr>
+                          </m:ctrlPr>
+                        </m:dPr>
+                        <m:e>
+                          <m:r>
+                            <a:rPr lang="hu-HU" sz="3600" b="0" i="1" smtClean="0">
+                              <a:latin typeface="Cambria Math" panose="02040503050406030204" pitchFamily="18" charset="0"/>
+                            </a:rPr>
+                            <m:t>1, </m:t>
+                          </m:r>
+                          <m:r>
+                            <a:rPr lang="hu-HU" sz="3600" i="1" smtClean="0">
+                              <a:ln w="0"/>
+                              <a:solidFill>
+                                <a:schemeClr val="tx1"/>
+                              </a:solidFill>
+                              <a:effectLst>
+                                <a:outerShdw blurRad="38100" dist="25400" dir="5400000" algn="ctr" rotWithShape="0">
+                                  <a:srgbClr val="6E747A">
+                                    <a:alpha val="43000"/>
+                                  </a:srgbClr>
+                                </a:outerShdw>
+                              </a:effectLst>
+                              <a:latin typeface="Cambria Math" panose="02040503050406030204" pitchFamily="18" charset="0"/>
+                            </a:rPr>
+                            <m:t>2</m:t>
+                          </m:r>
+                          <m:r>
+                            <a:rPr lang="hu-HU" sz="3600" b="0" i="1" smtClean="0">
+                              <a:latin typeface="Cambria Math" panose="02040503050406030204" pitchFamily="18" charset="0"/>
+                            </a:rPr>
+                            <m:t>, </m:t>
+                          </m:r>
+                          <m:r>
+                            <a:rPr lang="hu-HU" sz="3600" b="0" i="1" smtClean="0">
+                              <a:solidFill>
+                                <a:schemeClr val="tx1"/>
+                              </a:solidFill>
+                              <a:latin typeface="Cambria Math" panose="02040503050406030204" pitchFamily="18" charset="0"/>
+                            </a:rPr>
+                            <m:t>3</m:t>
+                          </m:r>
+                          <m:r>
+                            <a:rPr lang="hu-HU" sz="3600" b="0" i="1" smtClean="0">
+                              <a:latin typeface="Cambria Math" panose="02040503050406030204" pitchFamily="18" charset="0"/>
+                            </a:rPr>
+                            <m:t>, </m:t>
+                          </m:r>
+                          <m:r>
+                            <a:rPr lang="hu-HU" sz="3600" b="0" i="1" smtClean="0">
+                              <a:solidFill>
+                                <a:schemeClr val="accent1"/>
+                              </a:solidFill>
+                              <a:latin typeface="Cambria Math" panose="02040503050406030204" pitchFamily="18" charset="0"/>
+                            </a:rPr>
+                            <m:t>4</m:t>
+                          </m:r>
+                          <m:r>
+                            <a:rPr lang="hu-HU" sz="3600" b="0" i="1" smtClean="0">
+                              <a:latin typeface="Cambria Math" panose="02040503050406030204" pitchFamily="18" charset="0"/>
+                            </a:rPr>
+                            <m:t>, 5, 6</m:t>
+                          </m:r>
+                        </m:e>
+                      </m:d>
+                    </m:oMath>
+                  </m:oMathPara>
                 </a14:m>
-                <a:endParaRPr lang="hu-HU" dirty="0"/>
+                <a:endParaRPr lang="hu-HU" sz="3600" b="0" dirty="0"/>
               </a:p>
             </p:txBody>
           </p:sp>
@@ -7919,19 +11624,24 @@
         <mc:Fallback>
           <p:sp>
             <p:nvSpPr>
-              <p:cNvPr id="3" name="Tartalom helye 2"/>
-              <p:cNvSpPr>
-                <a:spLocks noGrp="1" noRot="1" noChangeAspect="1" noMove="1" noResize="1" noEditPoints="1" noAdjustHandles="1" noChangeArrowheads="1" noChangeShapeType="1" noTextEdit="1"/>
+              <p:cNvPr id="43" name="Szövegdoboz 42"/>
+              <p:cNvSpPr txBox="1">
+                <a:spLocks noRot="1" noChangeAspect="1" noMove="1" noResize="1" noEditPoints="1" noAdjustHandles="1" noChangeArrowheads="1" noChangeShapeType="1" noTextEdit="1"/>
               </p:cNvSpPr>
-              <p:nvPr>
-                <p:ph idx="1"/>
-              </p:nvPr>
+              <p:nvPr/>
             </p:nvSpPr>
             <p:spPr>
+              <a:xfrm>
+                <a:off x="6835877" y="2599110"/>
+                <a:ext cx="3119285" cy="553998"/>
+              </a:xfrm>
+              <a:prstGeom prst="rect">
+                <a:avLst/>
+              </a:prstGeom>
               <a:blipFill>
                 <a:blip r:embed="rId2"/>
                 <a:stretch>
-                  <a:fillRect l="-1043" t="-2241" r="-290"/>
+                  <a:fillRect/>
                 </a:stretch>
               </a:blipFill>
             </p:spPr>
@@ -7950,10 +11660,96 @@
           </p:sp>
         </mc:Fallback>
       </mc:AlternateContent>
+      <p:cxnSp>
+        <p:nvCxnSpPr>
+          <p:cNvPr id="21" name="Egyenes összekötő 20">
+            <a:extLst>
+              <a:ext uri="{FF2B5EF4-FFF2-40B4-BE49-F238E27FC236}">
+                <a16:creationId xmlns:a16="http://schemas.microsoft.com/office/drawing/2014/main" id="{5ECD2346-94DC-4B9B-952C-6F75E66AF945}"/>
+              </a:ext>
+            </a:extLst>
+          </p:cNvPr>
+          <p:cNvCxnSpPr>
+            <a:cxnSpLocks/>
+            <a:stCxn id="7" idx="7"/>
+          </p:cNvCxnSpPr>
+          <p:nvPr/>
+        </p:nvCxnSpPr>
+        <p:spPr>
+          <a:xfrm flipV="1">
+            <a:off x="3452875" y="2020580"/>
+            <a:ext cx="1281561" cy="2583742"/>
+          </a:xfrm>
+          <a:prstGeom prst="line">
+            <a:avLst/>
+          </a:prstGeom>
+          <a:ln w="19050">
+            <a:solidFill>
+              <a:schemeClr val="accent5"/>
+            </a:solidFill>
+            <a:headEnd type="triangle"/>
+            <a:tailEnd type="none"/>
+          </a:ln>
+        </p:spPr>
+        <p:style>
+          <a:lnRef idx="1">
+            <a:schemeClr val="accent1"/>
+          </a:lnRef>
+          <a:fillRef idx="0">
+            <a:schemeClr val="accent1"/>
+          </a:fillRef>
+          <a:effectRef idx="0">
+            <a:schemeClr val="accent1"/>
+          </a:effectRef>
+          <a:fontRef idx="minor">
+            <a:schemeClr val="tx1"/>
+          </a:fontRef>
+        </p:style>
+      </p:cxnSp>
+      <p:cxnSp>
+        <p:nvCxnSpPr>
+          <p:cNvPr id="24" name="Egyenes összekötő 23">
+            <a:extLst>
+              <a:ext uri="{FF2B5EF4-FFF2-40B4-BE49-F238E27FC236}">
+                <a16:creationId xmlns:a16="http://schemas.microsoft.com/office/drawing/2014/main" id="{39FFA79E-E852-49C1-9527-5CC7439760DF}"/>
+              </a:ext>
+            </a:extLst>
+          </p:cNvPr>
+          <p:cNvCxnSpPr>
+            <a:cxnSpLocks/>
+            <a:stCxn id="9" idx="5"/>
+            <a:endCxn id="7" idx="1"/>
+          </p:cNvCxnSpPr>
+          <p:nvPr/>
+        </p:nvCxnSpPr>
+        <p:spPr>
+          <a:xfrm>
+            <a:off x="1589804" y="1923377"/>
+            <a:ext cx="1438176" cy="2680945"/>
+          </a:xfrm>
+          <a:prstGeom prst="line">
+            <a:avLst/>
+          </a:prstGeom>
+        </p:spPr>
+        <p:style>
+          <a:lnRef idx="1">
+            <a:schemeClr val="accent1"/>
+          </a:lnRef>
+          <a:fillRef idx="0">
+            <a:schemeClr val="accent1"/>
+          </a:fillRef>
+          <a:effectRef idx="0">
+            <a:schemeClr val="accent1"/>
+          </a:effectRef>
+          <a:fontRef idx="minor">
+            <a:schemeClr val="tx1"/>
+          </a:fontRef>
+        </p:style>
+      </p:cxnSp>
     </p:spTree>
     <p:extLst>
       <p:ext uri="{BB962C8B-B14F-4D97-AF65-F5344CB8AC3E}">
-        <p14:creationId xmlns:p14="http://schemas.microsoft.com/office/powerpoint/2010/main" val="1879281850"/>
+        <p14:creationId xmlns:p14="http://schemas.microsoft.com/office/powerpoint/2010/main" val="1756247718"/>
       </p:ext>
     </p:extLst>
   </p:cSld>

--- a/halozatok/Load-Optimal Local Fast Rerouting for Relisient Networks.pptx
+++ b/halozatok/Load-Optimal Local Fast Rerouting for Relisient Networks.pptx
@@ -19,7 +19,10 @@
     <p:sldId id="263" r:id="rId13"/>
     <p:sldId id="264" r:id="rId14"/>
     <p:sldId id="265" r:id="rId15"/>
-    <p:sldId id="266" r:id="rId16"/>
+    <p:sldId id="271" r:id="rId16"/>
+    <p:sldId id="272" r:id="rId17"/>
+    <p:sldId id="273" r:id="rId18"/>
+    <p:sldId id="266" r:id="rId19"/>
   </p:sldIdLst>
   <p:sldSz cx="12192000" cy="6858000"/>
   <p:notesSz cx="6858000" cy="9144000"/>
@@ -287,7 +290,7 @@
           <a:p>
             <a:fld id="{A8B8C383-1ABA-4B81-975C-6AABE475D833}" type="datetimeFigureOut">
               <a:rPr lang="hu-HU" smtClean="0"/>
-              <a:t>2017. 10. 22.</a:t>
+              <a:t>2017. 10. 23.</a:t>
             </a:fld>
             <a:endParaRPr lang="hu-HU"/>
           </a:p>
@@ -457,7 +460,7 @@
           <a:p>
             <a:fld id="{A8B8C383-1ABA-4B81-975C-6AABE475D833}" type="datetimeFigureOut">
               <a:rPr lang="hu-HU" smtClean="0"/>
-              <a:t>2017. 10. 22.</a:t>
+              <a:t>2017. 10. 23.</a:t>
             </a:fld>
             <a:endParaRPr lang="hu-HU"/>
           </a:p>
@@ -637,7 +640,7 @@
           <a:p>
             <a:fld id="{A8B8C383-1ABA-4B81-975C-6AABE475D833}" type="datetimeFigureOut">
               <a:rPr lang="hu-HU" smtClean="0"/>
-              <a:t>2017. 10. 22.</a:t>
+              <a:t>2017. 10. 23.</a:t>
             </a:fld>
             <a:endParaRPr lang="hu-HU"/>
           </a:p>
@@ -807,7 +810,7 @@
           <a:p>
             <a:fld id="{A8B8C383-1ABA-4B81-975C-6AABE475D833}" type="datetimeFigureOut">
               <a:rPr lang="hu-HU" smtClean="0"/>
-              <a:t>2017. 10. 22.</a:t>
+              <a:t>2017. 10. 23.</a:t>
             </a:fld>
             <a:endParaRPr lang="hu-HU"/>
           </a:p>
@@ -1053,7 +1056,7 @@
           <a:p>
             <a:fld id="{A8B8C383-1ABA-4B81-975C-6AABE475D833}" type="datetimeFigureOut">
               <a:rPr lang="hu-HU" smtClean="0"/>
-              <a:t>2017. 10. 22.</a:t>
+              <a:t>2017. 10. 23.</a:t>
             </a:fld>
             <a:endParaRPr lang="hu-HU"/>
           </a:p>
@@ -1285,7 +1288,7 @@
           <a:p>
             <a:fld id="{A8B8C383-1ABA-4B81-975C-6AABE475D833}" type="datetimeFigureOut">
               <a:rPr lang="hu-HU" smtClean="0"/>
-              <a:t>2017. 10. 22.</a:t>
+              <a:t>2017. 10. 23.</a:t>
             </a:fld>
             <a:endParaRPr lang="hu-HU"/>
           </a:p>
@@ -1652,7 +1655,7 @@
           <a:p>
             <a:fld id="{A8B8C383-1ABA-4B81-975C-6AABE475D833}" type="datetimeFigureOut">
               <a:rPr lang="hu-HU" smtClean="0"/>
-              <a:t>2017. 10. 22.</a:t>
+              <a:t>2017. 10. 23.</a:t>
             </a:fld>
             <a:endParaRPr lang="hu-HU"/>
           </a:p>
@@ -1770,7 +1773,7 @@
           <a:p>
             <a:fld id="{A8B8C383-1ABA-4B81-975C-6AABE475D833}" type="datetimeFigureOut">
               <a:rPr lang="hu-HU" smtClean="0"/>
-              <a:t>2017. 10. 22.</a:t>
+              <a:t>2017. 10. 23.</a:t>
             </a:fld>
             <a:endParaRPr lang="hu-HU"/>
           </a:p>
@@ -1865,7 +1868,7 @@
           <a:p>
             <a:fld id="{A8B8C383-1ABA-4B81-975C-6AABE475D833}" type="datetimeFigureOut">
               <a:rPr lang="hu-HU" smtClean="0"/>
-              <a:t>2017. 10. 22.</a:t>
+              <a:t>2017. 10. 23.</a:t>
             </a:fld>
             <a:endParaRPr lang="hu-HU"/>
           </a:p>
@@ -2142,7 +2145,7 @@
           <a:p>
             <a:fld id="{A8B8C383-1ABA-4B81-975C-6AABE475D833}" type="datetimeFigureOut">
               <a:rPr lang="hu-HU" smtClean="0"/>
-              <a:t>2017. 10. 22.</a:t>
+              <a:t>2017. 10. 23.</a:t>
             </a:fld>
             <a:endParaRPr lang="hu-HU"/>
           </a:p>
@@ -2395,7 +2398,7 @@
           <a:p>
             <a:fld id="{A8B8C383-1ABA-4B81-975C-6AABE475D833}" type="datetimeFigureOut">
               <a:rPr lang="hu-HU" smtClean="0"/>
-              <a:t>2017. 10. 22.</a:t>
+              <a:t>2017. 10. 23.</a:t>
             </a:fld>
             <a:endParaRPr lang="hu-HU"/>
           </a:p>
@@ -2608,7 +2611,7 @@
           <a:p>
             <a:fld id="{A8B8C383-1ABA-4B81-975C-6AABE475D833}" type="datetimeFigureOut">
               <a:rPr lang="hu-HU" smtClean="0"/>
-              <a:t>2017. 10. 22.</a:t>
+              <a:t>2017. 10. 23.</a:t>
             </a:fld>
             <a:endParaRPr lang="hu-HU"/>
           </a:p>
@@ -3037,28 +3040,6 @@
           </a:p>
         </p:txBody>
       </p:sp>
-      <p:sp>
-        <p:nvSpPr>
-          <p:cNvPr id="3" name="Subtitle 2"/>
-          <p:cNvSpPr>
-            <a:spLocks noGrp="1"/>
-          </p:cNvSpPr>
-          <p:nvPr>
-            <p:ph type="subTitle" idx="1"/>
-          </p:nvPr>
-        </p:nvSpPr>
-        <p:spPr/>
-        <p:txBody>
-          <a:bodyPr/>
-          <a:lstStyle/>
-          <a:p>
-            <a:r>
-              <a:rPr lang="hu-HU" dirty="0"/>
-              <a:t>Authors: Mózsi Krisztián, Nagy András</a:t>
-            </a:r>
-          </a:p>
-        </p:txBody>
-      </p:sp>
     </p:spTree>
     <p:extLst>
       <p:ext uri="{BB962C8B-B14F-4D97-AF65-F5344CB8AC3E}">
@@ -3788,8 +3769,8 @@
           </p:style>
         </p:cxnSp>
       </p:grpSp>
-      <mc:AlternateContent xmlns:mc="http://schemas.openxmlformats.org/markup-compatibility/2006">
-        <mc:Choice xmlns:a14="http://schemas.microsoft.com/office/drawing/2010/main" Requires="a14">
+      <mc:AlternateContent xmlns:mc="http://schemas.openxmlformats.org/markup-compatibility/2006" xmlns:a14="http://schemas.microsoft.com/office/drawing/2010/main">
+        <mc:Choice Requires="a14">
           <p:sp>
             <p:nvSpPr>
               <p:cNvPr id="43" name="Szövegdoboz 42"/>
@@ -3899,7 +3880,7 @@
             </p:txBody>
           </p:sp>
         </mc:Choice>
-        <mc:Fallback>
+        <mc:Fallback xmlns="">
           <p:sp>
             <p:nvSpPr>
               <p:cNvPr id="43" name="Szövegdoboz 42"/>
@@ -4060,8 +4041,8 @@
           <a:chExt cx="0" cy="0"/>
         </a:xfrm>
       </p:grpSpPr>
-      <mc:AlternateContent xmlns:mc="http://schemas.openxmlformats.org/markup-compatibility/2006" xmlns:a14="http://schemas.microsoft.com/office/drawing/2010/main">
-        <mc:Choice Requires="a14">
+      <mc:AlternateContent xmlns:mc="http://schemas.openxmlformats.org/markup-compatibility/2006">
+        <mc:Choice xmlns:a14="http://schemas.microsoft.com/office/drawing/2010/main" Requires="a14">
           <p:sp>
             <p:nvSpPr>
               <p:cNvPr id="5" name="Téglalap 4"/>
@@ -4071,7 +4052,7 @@
             <p:spPr>
               <a:xfrm>
                 <a:off x="2398547" y="2080696"/>
-                <a:ext cx="3132098" cy="846963"/>
+                <a:ext cx="3132098" cy="972702"/>
               </a:xfrm>
               <a:prstGeom prst="rect">
                 <a:avLst/>
@@ -4101,208 +4082,227 @@
                           </m:ctrlPr>
                         </m:dPr>
                         <m:e>
-                          <m:m>
-                            <m:mPr>
-                              <m:mcs>
-                                <m:mc>
-                                  <m:mcPr>
-                                    <m:count m:val="3"/>
-                                    <m:mcJc m:val="center"/>
-                                  </m:mcPr>
-                                </m:mc>
-                              </m:mcs>
+                          <m:eqArr>
+                            <m:eqArrPr>
                               <m:ctrlPr>
                                 <a:rPr lang="hu-HU" i="1" smtClean="0">
                                   <a:latin typeface="Cambria Math" panose="02040503050406030204" pitchFamily="18" charset="0"/>
                                 </a:rPr>
                               </m:ctrlPr>
-                            </m:mPr>
-                            <m:mr>
-                              <m:e>
-                                <m:r>
-                                  <m:rPr>
-                                    <m:brk m:alnAt="7"/>
-                                  </m:rPr>
-                                  <a:rPr lang="hu-HU" b="0" i="1" smtClean="0">
-                                    <a:latin typeface="Cambria Math" panose="02040503050406030204" pitchFamily="18" charset="0"/>
-                                  </a:rPr>
-                                  <m:t>1</m:t>
-                                </m:r>
-                              </m:e>
-                              <m:e>
-                                <m:r>
-                                  <a:rPr lang="hu-HU" b="0" i="1" smtClean="0">
-                                    <a:latin typeface="Cambria Math" panose="02040503050406030204" pitchFamily="18" charset="0"/>
-                                  </a:rPr>
-                                  <m:t>2</m:t>
-                                </m:r>
-                              </m:e>
-                              <m:e>
-                                <m:r>
-                                  <a:rPr lang="hu-HU" b="0" i="1" smtClean="0">
-                                    <a:latin typeface="Cambria Math" panose="02040503050406030204" pitchFamily="18" charset="0"/>
-                                  </a:rPr>
-                                  <m:t>3</m:t>
-                                </m:r>
-                              </m:e>
-                            </m:mr>
-                            <m:mr>
-                              <m:e>
-                                <m:r>
-                                  <a:rPr lang="hu-HU" b="0" i="1" smtClean="0">
-                                    <a:latin typeface="Cambria Math" panose="02040503050406030204" pitchFamily="18" charset="0"/>
-                                  </a:rPr>
-                                  <m:t>2</m:t>
-                                </m:r>
-                              </m:e>
-                              <m:e>
-                                <m:r>
-                                  <a:rPr lang="hu-HU" b="0" i="1" smtClean="0">
-                                    <a:latin typeface="Cambria Math" panose="02040503050406030204" pitchFamily="18" charset="0"/>
-                                  </a:rPr>
-                                  <m:t>3</m:t>
-                                </m:r>
-                              </m:e>
-                              <m:e>
-                                <m:r>
-                                  <a:rPr lang="hu-HU" b="0" i="1" smtClean="0">
-                                    <a:latin typeface="Cambria Math" panose="02040503050406030204" pitchFamily="18" charset="0"/>
-                                  </a:rPr>
-                                  <m:t>4</m:t>
-                                </m:r>
-                              </m:e>
-                            </m:mr>
-                            <m:mr>
-                              <m:e>
-                                <m:r>
-                                  <a:rPr lang="hu-HU" b="0" i="1" smtClean="0">
-                                    <a:latin typeface="Cambria Math" panose="02040503050406030204" pitchFamily="18" charset="0"/>
-                                  </a:rPr>
-                                  <m:t>3</m:t>
-                                </m:r>
-                              </m:e>
-                              <m:e>
-                                <m:r>
-                                  <a:rPr lang="hu-HU" b="0" i="1" smtClean="0">
-                                    <a:latin typeface="Cambria Math" panose="02040503050406030204" pitchFamily="18" charset="0"/>
-                                  </a:rPr>
-                                  <m:t>4</m:t>
-                                </m:r>
-                              </m:e>
-                              <m:e>
-                                <m:r>
-                                  <a:rPr lang="hu-HU" b="0" i="1" smtClean="0">
-                                    <a:latin typeface="Cambria Math" panose="02040503050406030204" pitchFamily="18" charset="0"/>
-                                  </a:rPr>
-                                  <m:t>5</m:t>
-                                </m:r>
-                              </m:e>
-                            </m:mr>
-                          </m:m>
-                          <m:r>
-                            <a:rPr lang="hu-HU" b="0" i="1" smtClean="0">
-                              <a:latin typeface="Cambria Math" panose="02040503050406030204" pitchFamily="18" charset="0"/>
-                            </a:rPr>
-                            <m:t>    </m:t>
-                          </m:r>
-                          <m:m>
-                            <m:mPr>
-                              <m:mcs>
-                                <m:mc>
-                                  <m:mcPr>
-                                    <m:count m:val="3"/>
-                                    <m:mcJc m:val="center"/>
-                                  </m:mcPr>
-                                </m:mc>
-                              </m:mcs>
-                              <m:ctrlPr>
-                                <a:rPr lang="hu-HU" i="1" smtClean="0">
+                            </m:eqArrPr>
+                            <m:e>
+                              <m:m>
+                                <m:mPr>
+                                  <m:mcs>
+                                    <m:mc>
+                                      <m:mcPr>
+                                        <m:count m:val="3"/>
+                                        <m:mcJc m:val="center"/>
+                                      </m:mcPr>
+                                    </m:mc>
+                                  </m:mcs>
+                                  <m:ctrlPr>
+                                    <a:rPr lang="hu-HU" i="1" smtClean="0">
+                                      <a:latin typeface="Cambria Math" panose="02040503050406030204" pitchFamily="18" charset="0"/>
+                                    </a:rPr>
+                                  </m:ctrlPr>
+                                </m:mPr>
+                                <m:mr>
+                                  <m:e>
+                                    <m:r>
+                                      <m:rPr>
+                                        <m:brk m:alnAt="7"/>
+                                      </m:rPr>
+                                      <a:rPr lang="hu-HU" b="0" i="1" smtClean="0">
+                                        <a:latin typeface="Cambria Math" panose="02040503050406030204" pitchFamily="18" charset="0"/>
+                                      </a:rPr>
+                                      <m:t>1</m:t>
+                                    </m:r>
+                                  </m:e>
+                                  <m:e>
+                                    <m:r>
+                                      <a:rPr lang="hu-HU" b="0" i="1" smtClean="0">
+                                        <a:latin typeface="Cambria Math" panose="02040503050406030204" pitchFamily="18" charset="0"/>
+                                      </a:rPr>
+                                      <m:t>2</m:t>
+                                    </m:r>
+                                  </m:e>
+                                  <m:e>
+                                    <m:r>
+                                      <a:rPr lang="hu-HU" b="0" i="1" smtClean="0">
+                                        <a:latin typeface="Cambria Math" panose="02040503050406030204" pitchFamily="18" charset="0"/>
+                                      </a:rPr>
+                                      <m:t>3</m:t>
+                                    </m:r>
+                                  </m:e>
+                                </m:mr>
+                                <m:mr>
+                                  <m:e>
+                                    <m:r>
+                                      <a:rPr lang="hu-HU" b="0" i="1" smtClean="0">
+                                        <a:latin typeface="Cambria Math" panose="02040503050406030204" pitchFamily="18" charset="0"/>
+                                      </a:rPr>
+                                      <m:t>2</m:t>
+                                    </m:r>
+                                  </m:e>
+                                  <m:e>
+                                    <m:r>
+                                      <a:rPr lang="hu-HU" b="0" i="1" smtClean="0">
+                                        <a:latin typeface="Cambria Math" panose="02040503050406030204" pitchFamily="18" charset="0"/>
+                                      </a:rPr>
+                                      <m:t>3</m:t>
+                                    </m:r>
+                                  </m:e>
+                                  <m:e>
+                                    <m:r>
+                                      <a:rPr lang="hu-HU" b="0" i="1" smtClean="0">
+                                        <a:latin typeface="Cambria Math" panose="02040503050406030204" pitchFamily="18" charset="0"/>
+                                      </a:rPr>
+                                      <m:t>4</m:t>
+                                    </m:r>
+                                  </m:e>
+                                </m:mr>
+                                <m:mr>
+                                  <m:e>
+                                    <m:r>
+                                      <a:rPr lang="hu-HU" b="0" i="1" smtClean="0">
+                                        <a:latin typeface="Cambria Math" panose="02040503050406030204" pitchFamily="18" charset="0"/>
+                                      </a:rPr>
+                                      <m:t>3</m:t>
+                                    </m:r>
+                                  </m:e>
+                                  <m:e>
+                                    <m:r>
+                                      <a:rPr lang="hu-HU" b="0" i="1" smtClean="0">
+                                        <a:latin typeface="Cambria Math" panose="02040503050406030204" pitchFamily="18" charset="0"/>
+                                      </a:rPr>
+                                      <m:t>4</m:t>
+                                    </m:r>
+                                  </m:e>
+                                  <m:e>
+                                    <m:r>
+                                      <a:rPr lang="hu-HU" b="0" i="1" smtClean="0">
+                                        <a:latin typeface="Cambria Math" panose="02040503050406030204" pitchFamily="18" charset="0"/>
+                                      </a:rPr>
+                                      <m:t>5</m:t>
+                                    </m:r>
+                                  </m:e>
+                                </m:mr>
+                              </m:m>
+                              <m:r>
+                                <a:rPr lang="hu-HU" b="0" i="1" smtClean="0">
                                   <a:latin typeface="Cambria Math" panose="02040503050406030204" pitchFamily="18" charset="0"/>
                                 </a:rPr>
-                              </m:ctrlPr>
-                            </m:mPr>
-                            <m:mr>
-                              <m:e>
-                                <m:r>
-                                  <m:rPr>
-                                    <m:brk m:alnAt="7"/>
-                                  </m:rPr>
-                                  <a:rPr lang="hu-HU" b="0" i="1" smtClean="0">
-                                    <a:latin typeface="Cambria Math" panose="02040503050406030204" pitchFamily="18" charset="0"/>
-                                  </a:rPr>
-                                  <m:t>4</m:t>
-                                </m:r>
-                              </m:e>
-                              <m:e>
-                                <m:r>
-                                  <a:rPr lang="hu-HU" b="0" i="1" smtClean="0">
-                                    <a:latin typeface="Cambria Math" panose="02040503050406030204" pitchFamily="18" charset="0"/>
-                                  </a:rPr>
-                                  <m:t>5</m:t>
-                                </m:r>
-                              </m:e>
-                              <m:e>
-                                <m:r>
-                                  <a:rPr lang="hu-HU" b="0" i="1" smtClean="0">
-                                    <a:latin typeface="Cambria Math" panose="02040503050406030204" pitchFamily="18" charset="0"/>
-                                  </a:rPr>
-                                  <m:t>6</m:t>
-                                </m:r>
-                              </m:e>
-                            </m:mr>
-                            <m:mr>
-                              <m:e>
-                                <m:r>
-                                  <a:rPr lang="hu-HU" b="0" i="1" smtClean="0">
-                                    <a:latin typeface="Cambria Math" panose="02040503050406030204" pitchFamily="18" charset="0"/>
-                                  </a:rPr>
-                                  <m:t>5</m:t>
-                                </m:r>
-                              </m:e>
-                              <m:e>
-                                <m:r>
-                                  <a:rPr lang="hu-HU" b="0" i="1" smtClean="0">
-                                    <a:latin typeface="Cambria Math" panose="02040503050406030204" pitchFamily="18" charset="0"/>
-                                  </a:rPr>
-                                  <m:t>1</m:t>
-                                </m:r>
-                              </m:e>
-                              <m:e>
-                                <m:r>
-                                  <a:rPr lang="hu-HU" b="0" i="1" smtClean="0">
-                                    <a:latin typeface="Cambria Math" panose="02040503050406030204" pitchFamily="18" charset="0"/>
-                                  </a:rPr>
-                                  <m:t>6</m:t>
-                                </m:r>
-                              </m:e>
-                            </m:mr>
-                            <m:mr>
-                              <m:e>
-                                <m:r>
-                                  <a:rPr lang="hu-HU" b="0" i="1" smtClean="0">
-                                    <a:latin typeface="Cambria Math" panose="02040503050406030204" pitchFamily="18" charset="0"/>
-                                  </a:rPr>
-                                  <m:t>1</m:t>
-                                </m:r>
-                              </m:e>
-                              <m:e>
-                                <m:r>
-                                  <a:rPr lang="hu-HU" b="0" i="1" smtClean="0">
-                                    <a:latin typeface="Cambria Math" panose="02040503050406030204" pitchFamily="18" charset="0"/>
-                                  </a:rPr>
-                                  <m:t>2</m:t>
-                                </m:r>
-                              </m:e>
-                              <m:e>
-                                <m:r>
-                                  <a:rPr lang="hu-HU" b="0" i="1" smtClean="0">
-                                    <a:latin typeface="Cambria Math" panose="02040503050406030204" pitchFamily="18" charset="0"/>
-                                  </a:rPr>
-                                  <m:t>6</m:t>
-                                </m:r>
-                              </m:e>
-                            </m:mr>
-                          </m:m>
+                                <m:t>    </m:t>
+                              </m:r>
+                              <m:m>
+                                <m:mPr>
+                                  <m:mcs>
+                                    <m:mc>
+                                      <m:mcPr>
+                                        <m:count m:val="3"/>
+                                        <m:mcJc m:val="center"/>
+                                      </m:mcPr>
+                                    </m:mc>
+                                  </m:mcs>
+                                  <m:ctrlPr>
+                                    <a:rPr lang="hu-HU" i="1" smtClean="0">
+                                      <a:latin typeface="Cambria Math" panose="02040503050406030204" pitchFamily="18" charset="0"/>
+                                    </a:rPr>
+                                  </m:ctrlPr>
+                                </m:mPr>
+                                <m:mr>
+                                  <m:e>
+                                    <m:r>
+                                      <m:rPr>
+                                        <m:brk m:alnAt="7"/>
+                                      </m:rPr>
+                                      <a:rPr lang="hu-HU" b="0" i="1" smtClean="0">
+                                        <a:latin typeface="Cambria Math" panose="02040503050406030204" pitchFamily="18" charset="0"/>
+                                      </a:rPr>
+                                      <m:t>4</m:t>
+                                    </m:r>
+                                  </m:e>
+                                  <m:e>
+                                    <m:r>
+                                      <a:rPr lang="hu-HU" b="0" i="1" smtClean="0">
+                                        <a:latin typeface="Cambria Math" panose="02040503050406030204" pitchFamily="18" charset="0"/>
+                                      </a:rPr>
+                                      <m:t>5</m:t>
+                                    </m:r>
+                                  </m:e>
+                                  <m:e>
+                                    <m:r>
+                                      <a:rPr lang="hu-HU" b="0" i="1" smtClean="0">
+                                        <a:latin typeface="Cambria Math" panose="02040503050406030204" pitchFamily="18" charset="0"/>
+                                      </a:rPr>
+                                      <m:t>6</m:t>
+                                    </m:r>
+                                  </m:e>
+                                </m:mr>
+                                <m:mr>
+                                  <m:e>
+                                    <m:r>
+                                      <a:rPr lang="hu-HU" b="0" i="1" smtClean="0">
+                                        <a:latin typeface="Cambria Math" panose="02040503050406030204" pitchFamily="18" charset="0"/>
+                                      </a:rPr>
+                                      <m:t>5</m:t>
+                                    </m:r>
+                                  </m:e>
+                                  <m:e>
+                                    <m:r>
+                                      <a:rPr lang="hu-HU" b="0" i="1" smtClean="0">
+                                        <a:latin typeface="Cambria Math" panose="02040503050406030204" pitchFamily="18" charset="0"/>
+                                      </a:rPr>
+                                      <m:t>1</m:t>
+                                    </m:r>
+                                  </m:e>
+                                  <m:e>
+                                    <m:r>
+                                      <a:rPr lang="hu-HU" b="0" i="1" smtClean="0">
+                                        <a:latin typeface="Cambria Math" panose="02040503050406030204" pitchFamily="18" charset="0"/>
+                                      </a:rPr>
+                                      <m:t>6</m:t>
+                                    </m:r>
+                                  </m:e>
+                                </m:mr>
+                                <m:mr>
+                                  <m:e>
+                                    <m:r>
+                                      <a:rPr lang="hu-HU" b="0" i="1" smtClean="0">
+                                        <a:latin typeface="Cambria Math" panose="02040503050406030204" pitchFamily="18" charset="0"/>
+                                      </a:rPr>
+                                      <m:t>1</m:t>
+                                    </m:r>
+                                  </m:e>
+                                  <m:e>
+                                    <m:r>
+                                      <a:rPr lang="hu-HU" b="0" i="1" smtClean="0">
+                                        <a:latin typeface="Cambria Math" panose="02040503050406030204" pitchFamily="18" charset="0"/>
+                                      </a:rPr>
+                                      <m:t>2</m:t>
+                                    </m:r>
+                                  </m:e>
+                                  <m:e>
+                                    <m:r>
+                                      <a:rPr lang="hu-HU" b="0" i="1" smtClean="0">
+                                        <a:latin typeface="Cambria Math" panose="02040503050406030204" pitchFamily="18" charset="0"/>
+                                      </a:rPr>
+                                      <m:t>6</m:t>
+                                    </m:r>
+                                  </m:e>
+                                </m:mr>
+                              </m:m>
+                            </m:e>
+                            <m:e>
+                              <m:r>
+                                <a:rPr lang="hu-HU" b="0" i="1" smtClean="0">
+                                  <a:latin typeface="Cambria Math" panose="02040503050406030204" pitchFamily="18" charset="0"/>
+                                </a:rPr>
+                                <m:t>………………………</m:t>
+                              </m:r>
+                            </m:e>
+                          </m:eqArr>
                         </m:e>
                       </m:d>
                     </m:oMath>
@@ -4313,7 +4313,7 @@
             </p:txBody>
           </p:sp>
         </mc:Choice>
-        <mc:Fallback xmlns="">
+        <mc:Fallback>
           <p:sp>
             <p:nvSpPr>
               <p:cNvPr id="5" name="Téglalap 4"/>
@@ -4325,7 +4325,7 @@
             <p:spPr>
               <a:xfrm>
                 <a:off x="2398547" y="2080696"/>
-                <a:ext cx="3132098" cy="846963"/>
+                <a:ext cx="3132098" cy="972702"/>
               </a:xfrm>
               <a:prstGeom prst="rect">
                 <a:avLst/>
@@ -4352,8 +4352,8 @@
           </p:sp>
         </mc:Fallback>
       </mc:AlternateContent>
-      <mc:AlternateContent xmlns:mc="http://schemas.openxmlformats.org/markup-compatibility/2006" xmlns:a14="http://schemas.microsoft.com/office/drawing/2010/main">
-        <mc:Choice Requires="a14">
+      <mc:AlternateContent xmlns:mc="http://schemas.openxmlformats.org/markup-compatibility/2006">
+        <mc:Choice xmlns:a14="http://schemas.microsoft.com/office/drawing/2010/main" Requires="a14">
           <p:sp>
             <p:nvSpPr>
               <p:cNvPr id="7" name="Téglalap 6"/>
@@ -4363,7 +4363,7 @@
             <p:spPr>
               <a:xfrm>
                 <a:off x="6444520" y="2080696"/>
-                <a:ext cx="3132098" cy="846963"/>
+                <a:ext cx="3132098" cy="972702"/>
               </a:xfrm>
               <a:prstGeom prst="rect">
                 <a:avLst/>
@@ -4393,208 +4393,227 @@
                           </m:ctrlPr>
                         </m:dPr>
                         <m:e>
-                          <m:m>
-                            <m:mPr>
-                              <m:mcs>
-                                <m:mc>
-                                  <m:mcPr>
-                                    <m:count m:val="3"/>
-                                    <m:mcJc m:val="center"/>
-                                  </m:mcPr>
-                                </m:mc>
-                              </m:mcs>
+                          <m:eqArr>
+                            <m:eqArrPr>
                               <m:ctrlPr>
                                 <a:rPr lang="hu-HU" i="1" smtClean="0">
                                   <a:latin typeface="Cambria Math" panose="02040503050406030204" pitchFamily="18" charset="0"/>
                                 </a:rPr>
                               </m:ctrlPr>
-                            </m:mPr>
-                            <m:mr>
-                              <m:e>
-                                <m:r>
-                                  <m:rPr>
-                                    <m:brk m:alnAt="7"/>
-                                  </m:rPr>
-                                  <a:rPr lang="hu-HU" b="0" i="1" smtClean="0">
-                                    <a:latin typeface="Cambria Math" panose="02040503050406030204" pitchFamily="18" charset="0"/>
-                                  </a:rPr>
-                                  <m:t>1</m:t>
-                                </m:r>
-                              </m:e>
-                              <m:e>
-                                <m:r>
-                                  <a:rPr lang="hu-HU" b="0" i="1" smtClean="0">
-                                    <a:latin typeface="Cambria Math" panose="02040503050406030204" pitchFamily="18" charset="0"/>
-                                  </a:rPr>
-                                  <m:t>2</m:t>
-                                </m:r>
-                              </m:e>
-                              <m:e>
-                                <m:r>
-                                  <a:rPr lang="hu-HU" b="0" i="1" smtClean="0">
-                                    <a:latin typeface="Cambria Math" panose="02040503050406030204" pitchFamily="18" charset="0"/>
-                                  </a:rPr>
-                                  <m:t>3</m:t>
-                                </m:r>
-                              </m:e>
-                            </m:mr>
-                            <m:mr>
-                              <m:e>
-                                <m:r>
-                                  <a:rPr lang="hu-HU" b="0" i="1" smtClean="0">
-                                    <a:latin typeface="Cambria Math" panose="02040503050406030204" pitchFamily="18" charset="0"/>
-                                  </a:rPr>
-                                  <m:t>2</m:t>
-                                </m:r>
-                              </m:e>
-                              <m:e>
-                                <m:r>
-                                  <a:rPr lang="hu-HU" b="0" i="1" smtClean="0">
-                                    <a:latin typeface="Cambria Math" panose="02040503050406030204" pitchFamily="18" charset="0"/>
-                                  </a:rPr>
-                                  <m:t>5</m:t>
-                                </m:r>
-                              </m:e>
-                              <m:e>
-                                <m:r>
-                                  <a:rPr lang="hu-HU" b="0" i="1" smtClean="0">
-                                    <a:latin typeface="Cambria Math" panose="02040503050406030204" pitchFamily="18" charset="0"/>
-                                  </a:rPr>
-                                  <m:t>1</m:t>
-                                </m:r>
-                              </m:e>
-                            </m:mr>
-                            <m:mr>
-                              <m:e>
-                                <m:r>
-                                  <a:rPr lang="hu-HU" b="0" i="1" smtClean="0">
-                                    <a:latin typeface="Cambria Math" panose="02040503050406030204" pitchFamily="18" charset="0"/>
-                                  </a:rPr>
-                                  <m:t>3</m:t>
-                                </m:r>
-                              </m:e>
-                              <m:e>
-                                <m:r>
-                                  <a:rPr lang="hu-HU" b="0" i="1" smtClean="0">
-                                    <a:latin typeface="Cambria Math" panose="02040503050406030204" pitchFamily="18" charset="0"/>
-                                  </a:rPr>
-                                  <m:t>4</m:t>
-                                </m:r>
-                              </m:e>
-                              <m:e>
-                                <m:r>
-                                  <a:rPr lang="hu-HU" b="0" i="1" smtClean="0">
-                                    <a:latin typeface="Cambria Math" panose="02040503050406030204" pitchFamily="18" charset="0"/>
-                                  </a:rPr>
-                                  <m:t>5</m:t>
-                                </m:r>
-                              </m:e>
-                            </m:mr>
-                          </m:m>
-                          <m:r>
-                            <a:rPr lang="hu-HU" b="0" i="1" smtClean="0">
-                              <a:latin typeface="Cambria Math" panose="02040503050406030204" pitchFamily="18" charset="0"/>
-                            </a:rPr>
-                            <m:t>    </m:t>
-                          </m:r>
-                          <m:m>
-                            <m:mPr>
-                              <m:mcs>
-                                <m:mc>
-                                  <m:mcPr>
-                                    <m:count m:val="3"/>
-                                    <m:mcJc m:val="center"/>
-                                  </m:mcPr>
-                                </m:mc>
-                              </m:mcs>
-                              <m:ctrlPr>
-                                <a:rPr lang="hu-HU" i="1" smtClean="0">
+                            </m:eqArrPr>
+                            <m:e>
+                              <m:m>
+                                <m:mPr>
+                                  <m:mcs>
+                                    <m:mc>
+                                      <m:mcPr>
+                                        <m:count m:val="3"/>
+                                        <m:mcJc m:val="center"/>
+                                      </m:mcPr>
+                                    </m:mc>
+                                  </m:mcs>
+                                  <m:ctrlPr>
+                                    <a:rPr lang="hu-HU" i="1" smtClean="0">
+                                      <a:latin typeface="Cambria Math" panose="02040503050406030204" pitchFamily="18" charset="0"/>
+                                    </a:rPr>
+                                  </m:ctrlPr>
+                                </m:mPr>
+                                <m:mr>
+                                  <m:e>
+                                    <m:r>
+                                      <m:rPr>
+                                        <m:brk m:alnAt="7"/>
+                                      </m:rPr>
+                                      <a:rPr lang="hu-HU" b="0" i="1" smtClean="0">
+                                        <a:latin typeface="Cambria Math" panose="02040503050406030204" pitchFamily="18" charset="0"/>
+                                      </a:rPr>
+                                      <m:t>1</m:t>
+                                    </m:r>
+                                  </m:e>
+                                  <m:e>
+                                    <m:r>
+                                      <a:rPr lang="hu-HU" b="0" i="1" smtClean="0">
+                                        <a:latin typeface="Cambria Math" panose="02040503050406030204" pitchFamily="18" charset="0"/>
+                                      </a:rPr>
+                                      <m:t>2</m:t>
+                                    </m:r>
+                                  </m:e>
+                                  <m:e>
+                                    <m:r>
+                                      <a:rPr lang="hu-HU" b="0" i="1" smtClean="0">
+                                        <a:latin typeface="Cambria Math" panose="02040503050406030204" pitchFamily="18" charset="0"/>
+                                      </a:rPr>
+                                      <m:t>3</m:t>
+                                    </m:r>
+                                  </m:e>
+                                </m:mr>
+                                <m:mr>
+                                  <m:e>
+                                    <m:r>
+                                      <a:rPr lang="hu-HU" b="0" i="1" smtClean="0">
+                                        <a:latin typeface="Cambria Math" panose="02040503050406030204" pitchFamily="18" charset="0"/>
+                                      </a:rPr>
+                                      <m:t>2</m:t>
+                                    </m:r>
+                                  </m:e>
+                                  <m:e>
+                                    <m:r>
+                                      <a:rPr lang="hu-HU" b="0" i="1" smtClean="0">
+                                        <a:latin typeface="Cambria Math" panose="02040503050406030204" pitchFamily="18" charset="0"/>
+                                      </a:rPr>
+                                      <m:t>5</m:t>
+                                    </m:r>
+                                  </m:e>
+                                  <m:e>
+                                    <m:r>
+                                      <a:rPr lang="hu-HU" b="0" i="1" smtClean="0">
+                                        <a:latin typeface="Cambria Math" panose="02040503050406030204" pitchFamily="18" charset="0"/>
+                                      </a:rPr>
+                                      <m:t>1</m:t>
+                                    </m:r>
+                                  </m:e>
+                                </m:mr>
+                                <m:mr>
+                                  <m:e>
+                                    <m:r>
+                                      <a:rPr lang="hu-HU" b="0" i="1" smtClean="0">
+                                        <a:latin typeface="Cambria Math" panose="02040503050406030204" pitchFamily="18" charset="0"/>
+                                      </a:rPr>
+                                      <m:t>3</m:t>
+                                    </m:r>
+                                  </m:e>
+                                  <m:e>
+                                    <m:r>
+                                      <a:rPr lang="hu-HU" b="0" i="1" smtClean="0">
+                                        <a:latin typeface="Cambria Math" panose="02040503050406030204" pitchFamily="18" charset="0"/>
+                                      </a:rPr>
+                                      <m:t>4</m:t>
+                                    </m:r>
+                                  </m:e>
+                                  <m:e>
+                                    <m:r>
+                                      <a:rPr lang="hu-HU" b="0" i="1" smtClean="0">
+                                        <a:latin typeface="Cambria Math" panose="02040503050406030204" pitchFamily="18" charset="0"/>
+                                      </a:rPr>
+                                      <m:t>5</m:t>
+                                    </m:r>
+                                  </m:e>
+                                </m:mr>
+                              </m:m>
+                              <m:r>
+                                <a:rPr lang="hu-HU" b="0" i="1" smtClean="0">
                                   <a:latin typeface="Cambria Math" panose="02040503050406030204" pitchFamily="18" charset="0"/>
                                 </a:rPr>
-                              </m:ctrlPr>
-                            </m:mPr>
-                            <m:mr>
-                              <m:e>
-                                <m:r>
-                                  <m:rPr>
-                                    <m:brk m:alnAt="7"/>
-                                  </m:rPr>
-                                  <a:rPr lang="hu-HU" b="0" i="1" smtClean="0">
-                                    <a:latin typeface="Cambria Math" panose="02040503050406030204" pitchFamily="18" charset="0"/>
-                                  </a:rPr>
-                                  <m:t>4</m:t>
-                                </m:r>
-                              </m:e>
-                              <m:e>
-                                <m:r>
-                                  <a:rPr lang="hu-HU" b="0" i="1" smtClean="0">
-                                    <a:latin typeface="Cambria Math" panose="02040503050406030204" pitchFamily="18" charset="0"/>
-                                  </a:rPr>
-                                  <m:t>5</m:t>
-                                </m:r>
-                              </m:e>
-                              <m:e>
-                                <m:r>
-                                  <a:rPr lang="hu-HU" b="0" i="1" smtClean="0">
-                                    <a:latin typeface="Cambria Math" panose="02040503050406030204" pitchFamily="18" charset="0"/>
-                                  </a:rPr>
-                                  <m:t>6</m:t>
-                                </m:r>
-                              </m:e>
-                            </m:mr>
-                            <m:mr>
-                              <m:e>
-                                <m:r>
-                                  <a:rPr lang="hu-HU" b="0" i="1" smtClean="0">
-                                    <a:latin typeface="Cambria Math" panose="02040503050406030204" pitchFamily="18" charset="0"/>
-                                  </a:rPr>
-                                  <m:t>3</m:t>
-                                </m:r>
-                              </m:e>
-                              <m:e>
-                                <m:r>
-                                  <a:rPr lang="hu-HU" b="0" i="1" smtClean="0">
-                                    <a:latin typeface="Cambria Math" panose="02040503050406030204" pitchFamily="18" charset="0"/>
-                                  </a:rPr>
-                                  <m:t>4</m:t>
-                                </m:r>
-                              </m:e>
-                              <m:e>
-                                <m:r>
-                                  <a:rPr lang="hu-HU" b="0" i="1" smtClean="0">
-                                    <a:latin typeface="Cambria Math" panose="02040503050406030204" pitchFamily="18" charset="0"/>
-                                  </a:rPr>
-                                  <m:t>6</m:t>
-                                </m:r>
-                              </m:e>
-                            </m:mr>
-                            <m:mr>
-                              <m:e>
-                                <m:r>
-                                  <a:rPr lang="hu-HU" b="0" i="1" smtClean="0">
-                                    <a:latin typeface="Cambria Math" panose="02040503050406030204" pitchFamily="18" charset="0"/>
-                                  </a:rPr>
-                                  <m:t>1</m:t>
-                                </m:r>
-                              </m:e>
-                              <m:e>
-                                <m:r>
-                                  <a:rPr lang="hu-HU" b="0" i="1" smtClean="0">
-                                    <a:latin typeface="Cambria Math" panose="02040503050406030204" pitchFamily="18" charset="0"/>
-                                  </a:rPr>
-                                  <m:t>2</m:t>
-                                </m:r>
-                              </m:e>
-                              <m:e>
-                                <m:r>
-                                  <a:rPr lang="hu-HU" b="0" i="1" smtClean="0">
-                                    <a:latin typeface="Cambria Math" panose="02040503050406030204" pitchFamily="18" charset="0"/>
-                                  </a:rPr>
-                                  <m:t>6</m:t>
-                                </m:r>
-                              </m:e>
-                            </m:mr>
-                          </m:m>
+                                <m:t>    </m:t>
+                              </m:r>
+                              <m:m>
+                                <m:mPr>
+                                  <m:mcs>
+                                    <m:mc>
+                                      <m:mcPr>
+                                        <m:count m:val="3"/>
+                                        <m:mcJc m:val="center"/>
+                                      </m:mcPr>
+                                    </m:mc>
+                                  </m:mcs>
+                                  <m:ctrlPr>
+                                    <a:rPr lang="hu-HU" i="1" smtClean="0">
+                                      <a:latin typeface="Cambria Math" panose="02040503050406030204" pitchFamily="18" charset="0"/>
+                                    </a:rPr>
+                                  </m:ctrlPr>
+                                </m:mPr>
+                                <m:mr>
+                                  <m:e>
+                                    <m:r>
+                                      <m:rPr>
+                                        <m:brk m:alnAt="7"/>
+                                      </m:rPr>
+                                      <a:rPr lang="hu-HU" b="0" i="1" smtClean="0">
+                                        <a:latin typeface="Cambria Math" panose="02040503050406030204" pitchFamily="18" charset="0"/>
+                                      </a:rPr>
+                                      <m:t>4</m:t>
+                                    </m:r>
+                                  </m:e>
+                                  <m:e>
+                                    <m:r>
+                                      <a:rPr lang="hu-HU" b="0" i="1" smtClean="0">
+                                        <a:latin typeface="Cambria Math" panose="02040503050406030204" pitchFamily="18" charset="0"/>
+                                      </a:rPr>
+                                      <m:t>5</m:t>
+                                    </m:r>
+                                  </m:e>
+                                  <m:e>
+                                    <m:r>
+                                      <a:rPr lang="hu-HU" b="0" i="1" smtClean="0">
+                                        <a:latin typeface="Cambria Math" panose="02040503050406030204" pitchFamily="18" charset="0"/>
+                                      </a:rPr>
+                                      <m:t>6</m:t>
+                                    </m:r>
+                                  </m:e>
+                                </m:mr>
+                                <m:mr>
+                                  <m:e>
+                                    <m:r>
+                                      <a:rPr lang="hu-HU" b="0" i="1" smtClean="0">
+                                        <a:latin typeface="Cambria Math" panose="02040503050406030204" pitchFamily="18" charset="0"/>
+                                      </a:rPr>
+                                      <m:t>3</m:t>
+                                    </m:r>
+                                  </m:e>
+                                  <m:e>
+                                    <m:r>
+                                      <a:rPr lang="hu-HU" b="0" i="1" smtClean="0">
+                                        <a:latin typeface="Cambria Math" panose="02040503050406030204" pitchFamily="18" charset="0"/>
+                                      </a:rPr>
+                                      <m:t>4</m:t>
+                                    </m:r>
+                                  </m:e>
+                                  <m:e>
+                                    <m:r>
+                                      <a:rPr lang="hu-HU" b="0" i="1" smtClean="0">
+                                        <a:latin typeface="Cambria Math" panose="02040503050406030204" pitchFamily="18" charset="0"/>
+                                      </a:rPr>
+                                      <m:t>6</m:t>
+                                    </m:r>
+                                  </m:e>
+                                </m:mr>
+                                <m:mr>
+                                  <m:e>
+                                    <m:r>
+                                      <a:rPr lang="hu-HU" b="0" i="1" smtClean="0">
+                                        <a:latin typeface="Cambria Math" panose="02040503050406030204" pitchFamily="18" charset="0"/>
+                                      </a:rPr>
+                                      <m:t>1</m:t>
+                                    </m:r>
+                                  </m:e>
+                                  <m:e>
+                                    <m:r>
+                                      <a:rPr lang="hu-HU" b="0" i="1" smtClean="0">
+                                        <a:latin typeface="Cambria Math" panose="02040503050406030204" pitchFamily="18" charset="0"/>
+                                      </a:rPr>
+                                      <m:t>2</m:t>
+                                    </m:r>
+                                  </m:e>
+                                  <m:e>
+                                    <m:r>
+                                      <a:rPr lang="hu-HU" b="0" i="1" smtClean="0">
+                                        <a:latin typeface="Cambria Math" panose="02040503050406030204" pitchFamily="18" charset="0"/>
+                                      </a:rPr>
+                                      <m:t>6</m:t>
+                                    </m:r>
+                                  </m:e>
+                                </m:mr>
+                              </m:m>
+                            </m:e>
+                            <m:e>
+                              <m:r>
+                                <a:rPr lang="hu-HU" b="0" i="1" smtClean="0">
+                                  <a:latin typeface="Cambria Math" panose="02040503050406030204" pitchFamily="18" charset="0"/>
+                                </a:rPr>
+                                <m:t>………………………</m:t>
+                              </m:r>
+                            </m:e>
+                          </m:eqArr>
                         </m:e>
                       </m:d>
                     </m:oMath>
@@ -4605,7 +4624,7 @@
             </p:txBody>
           </p:sp>
         </mc:Choice>
-        <mc:Fallback xmlns="">
+        <mc:Fallback>
           <p:sp>
             <p:nvSpPr>
               <p:cNvPr id="7" name="Téglalap 6"/>
@@ -4617,7 +4636,7 @@
             <p:spPr>
               <a:xfrm>
                 <a:off x="6444520" y="2080696"/>
-                <a:ext cx="3132098" cy="846963"/>
+                <a:ext cx="3132098" cy="972702"/>
               </a:xfrm>
               <a:prstGeom prst="rect">
                 <a:avLst/>
@@ -4710,7 +4729,7 @@
         </p:nvSpPr>
         <p:spPr>
           <a:xfrm>
-            <a:off x="4230329" y="3556482"/>
+            <a:off x="531204" y="3597513"/>
             <a:ext cx="3202858" cy="2031325"/>
           </a:xfrm>
           <a:prstGeom prst="rect">
@@ -4810,7 +4829,7 @@
             </a:r>
             <a:r>
               <a:rPr lang="hu-HU" dirty="0" err="1"/>
-              <a:t>left</a:t>
+              <a:t>rigth</a:t>
             </a:r>
             <a:r>
               <a:rPr lang="hu-HU" dirty="0"/>
@@ -4999,320 +5018,543 @@
           </a:p>
         </p:txBody>
       </p:sp>
-      <p:sp>
-        <p:nvSpPr>
-          <p:cNvPr id="3" name="Tartalom helye 2"/>
-          <p:cNvSpPr>
-            <a:spLocks noGrp="1"/>
-          </p:cNvSpPr>
-          <p:nvPr>
-            <p:ph idx="1"/>
-          </p:nvPr>
-        </p:nvSpPr>
-        <p:spPr/>
-        <p:txBody>
-          <a:bodyPr/>
-          <a:lstStyle/>
-          <a:p>
-            <a:r>
-              <a:rPr lang="hu-HU" dirty="0" err="1"/>
-              <a:t>Each</a:t>
-            </a:r>
-            <a:r>
-              <a:rPr lang="hu-HU" dirty="0"/>
-              <a:t> </a:t>
-            </a:r>
-            <a:r>
-              <a:rPr lang="hu-HU" dirty="0" err="1"/>
-              <a:t>node</a:t>
-            </a:r>
-            <a:r>
-              <a:rPr lang="hu-HU" dirty="0"/>
-              <a:t> </a:t>
-            </a:r>
-            <a:r>
-              <a:rPr lang="hu-HU" dirty="0" err="1"/>
-              <a:t>appears</a:t>
-            </a:r>
-            <a:r>
-              <a:rPr lang="hu-HU" dirty="0"/>
-              <a:t> </a:t>
-            </a:r>
-            <a:r>
-              <a:rPr lang="hu-HU" dirty="0" err="1"/>
-              <a:t>exactliy</a:t>
-            </a:r>
-            <a:r>
-              <a:rPr lang="hu-HU" dirty="0"/>
-              <a:t> </a:t>
-            </a:r>
-            <a:r>
-              <a:rPr lang="hu-HU" dirty="0" err="1"/>
-              <a:t>onece</a:t>
-            </a:r>
-            <a:r>
-              <a:rPr lang="hu-HU" dirty="0"/>
-              <a:t> in </a:t>
-            </a:r>
-            <a:r>
-              <a:rPr lang="hu-HU" dirty="0" err="1"/>
-              <a:t>each</a:t>
-            </a:r>
-            <a:r>
-              <a:rPr lang="hu-HU" dirty="0"/>
-              <a:t> </a:t>
-            </a:r>
-            <a:r>
-              <a:rPr lang="hu-HU" dirty="0" err="1"/>
-              <a:t>column</a:t>
-            </a:r>
-            <a:r>
-              <a:rPr lang="hu-HU" dirty="0"/>
-              <a:t> and </a:t>
-            </a:r>
-            <a:r>
-              <a:rPr lang="hu-HU" dirty="0" err="1"/>
-              <a:t>each</a:t>
-            </a:r>
-            <a:r>
-              <a:rPr lang="hu-HU" dirty="0"/>
-              <a:t>  </a:t>
-            </a:r>
-            <a:r>
-              <a:rPr lang="hu-HU" dirty="0" err="1"/>
-              <a:t>row</a:t>
-            </a:r>
-            <a:r>
-              <a:rPr lang="hu-HU" dirty="0"/>
-              <a:t>.</a:t>
-            </a:r>
-          </a:p>
-          <a:p>
-            <a:r>
-              <a:rPr lang="hu-HU" dirty="0" err="1"/>
-              <a:t>Not</a:t>
-            </a:r>
-            <a:r>
-              <a:rPr lang="hu-HU" dirty="0"/>
-              <a:t> </a:t>
-            </a:r>
-            <a:r>
-              <a:rPr lang="hu-HU" dirty="0" err="1"/>
-              <a:t>all</a:t>
-            </a:r>
-            <a:r>
-              <a:rPr lang="hu-HU" dirty="0"/>
-              <a:t> latin </a:t>
-            </a:r>
-            <a:r>
-              <a:rPr lang="hu-HU" dirty="0" err="1"/>
-              <a:t>squares</a:t>
-            </a:r>
-            <a:r>
-              <a:rPr lang="hu-HU" dirty="0"/>
-              <a:t> </a:t>
-            </a:r>
-            <a:r>
-              <a:rPr lang="hu-HU" dirty="0" err="1"/>
-              <a:t>are</a:t>
-            </a:r>
-            <a:r>
-              <a:rPr lang="hu-HU" dirty="0"/>
-              <a:t> </a:t>
-            </a:r>
-            <a:r>
-              <a:rPr lang="hu-HU" dirty="0" err="1"/>
-              <a:t>good</a:t>
-            </a:r>
-            <a:r>
-              <a:rPr lang="hu-HU" dirty="0"/>
-              <a:t> </a:t>
-            </a:r>
-            <a:r>
-              <a:rPr lang="hu-HU" dirty="0" err="1"/>
-              <a:t>failover</a:t>
-            </a:r>
-            <a:r>
-              <a:rPr lang="hu-HU" dirty="0"/>
-              <a:t> </a:t>
-            </a:r>
-            <a:r>
-              <a:rPr lang="hu-HU" dirty="0" err="1"/>
-              <a:t>matrices</a:t>
-            </a:r>
-            <a:r>
-              <a:rPr lang="hu-HU" dirty="0"/>
-              <a:t>. (</a:t>
-            </a:r>
-            <a:r>
-              <a:rPr lang="hu-HU" dirty="0" err="1"/>
-              <a:t>mij</a:t>
-            </a:r>
-            <a:r>
-              <a:rPr lang="hu-HU" dirty="0"/>
-              <a:t> = (i+j-1) </a:t>
-            </a:r>
-            <a:r>
-              <a:rPr lang="hu-HU" dirty="0" err="1"/>
-              <a:t>mod</a:t>
-            </a:r>
-            <a:r>
-              <a:rPr lang="hu-HU" dirty="0"/>
-              <a:t> (n-1))</a:t>
-            </a:r>
-          </a:p>
-          <a:p>
-            <a:r>
-              <a:rPr lang="hu-HU" dirty="0"/>
-              <a:t>TODO pl.</a:t>
-            </a:r>
-          </a:p>
-          <a:p>
-            <a:r>
-              <a:rPr lang="hu-HU" dirty="0" err="1"/>
-              <a:t>If</a:t>
-            </a:r>
-            <a:r>
-              <a:rPr lang="hu-HU" dirty="0"/>
-              <a:t> f </a:t>
-            </a:r>
-            <a:r>
-              <a:rPr lang="hu-HU" dirty="0" err="1"/>
-              <a:t>first</a:t>
-            </a:r>
-            <a:r>
-              <a:rPr lang="hu-HU" dirty="0"/>
-              <a:t> </a:t>
-            </a:r>
-            <a:r>
-              <a:rPr lang="hu-HU" dirty="0" err="1"/>
-              <a:t>llinks</a:t>
-            </a:r>
-            <a:r>
-              <a:rPr lang="hu-HU" dirty="0"/>
-              <a:t> </a:t>
-            </a:r>
-            <a:r>
-              <a:rPr lang="hu-HU" dirty="0" err="1"/>
-              <a:t>fail</a:t>
-            </a:r>
-            <a:r>
-              <a:rPr lang="hu-HU" dirty="0"/>
-              <a:t>, </a:t>
-            </a:r>
-            <a:r>
-              <a:rPr lang="hu-HU" dirty="0" err="1"/>
-              <a:t>the</a:t>
-            </a:r>
-            <a:r>
-              <a:rPr lang="hu-HU" dirty="0"/>
-              <a:t> f </a:t>
-            </a:r>
-            <a:r>
-              <a:rPr lang="hu-HU" dirty="0" err="1"/>
-              <a:t>first</a:t>
-            </a:r>
-            <a:r>
-              <a:rPr lang="hu-HU" dirty="0"/>
-              <a:t> </a:t>
-            </a:r>
-            <a:r>
-              <a:rPr lang="hu-HU" dirty="0" err="1"/>
-              <a:t>nodes</a:t>
-            </a:r>
-            <a:r>
-              <a:rPr lang="hu-HU" dirty="0"/>
-              <a:t> </a:t>
-            </a:r>
-            <a:r>
-              <a:rPr lang="hu-HU" dirty="0" err="1"/>
-              <a:t>will</a:t>
-            </a:r>
-            <a:r>
-              <a:rPr lang="hu-HU" dirty="0"/>
-              <a:t> </a:t>
-            </a:r>
-            <a:r>
-              <a:rPr lang="hu-HU" dirty="0" err="1"/>
-              <a:t>all</a:t>
-            </a:r>
-            <a:r>
-              <a:rPr lang="hu-HU" dirty="0"/>
-              <a:t> </a:t>
-            </a:r>
-            <a:r>
-              <a:rPr lang="hu-HU" dirty="0" err="1"/>
-              <a:t>route</a:t>
-            </a:r>
-            <a:r>
-              <a:rPr lang="hu-HU" dirty="0"/>
-              <a:t> </a:t>
-            </a:r>
-            <a:r>
-              <a:rPr lang="hu-HU" dirty="0" err="1"/>
-              <a:t>rougth</a:t>
-            </a:r>
-            <a:r>
-              <a:rPr lang="hu-HU" dirty="0"/>
-              <a:t> </a:t>
-            </a:r>
-            <a:r>
-              <a:rPr lang="hu-HU" dirty="0" err="1"/>
-              <a:t>throw</a:t>
-            </a:r>
-            <a:r>
-              <a:rPr lang="hu-HU" dirty="0"/>
-              <a:t> v(v f+1, d)</a:t>
-            </a:r>
-          </a:p>
-          <a:p>
-            <a:r>
-              <a:rPr lang="hu-HU" dirty="0"/>
-              <a:t>The </a:t>
-            </a:r>
-            <a:r>
-              <a:rPr lang="hu-HU" dirty="0" err="1"/>
-              <a:t>intersection</a:t>
-            </a:r>
-            <a:r>
-              <a:rPr lang="hu-HU" dirty="0"/>
-              <a:t> of </a:t>
-            </a:r>
-            <a:r>
-              <a:rPr lang="hu-HU" dirty="0" err="1"/>
-              <a:t>prefixes</a:t>
-            </a:r>
-            <a:r>
-              <a:rPr lang="hu-HU" dirty="0"/>
-              <a:t> of </a:t>
-            </a:r>
-            <a:r>
-              <a:rPr lang="hu-HU" dirty="0" err="1"/>
-              <a:t>rows</a:t>
-            </a:r>
-            <a:r>
-              <a:rPr lang="hu-HU" dirty="0"/>
-              <a:t> plays a </a:t>
-            </a:r>
-            <a:r>
-              <a:rPr lang="hu-HU" dirty="0" err="1"/>
-              <a:t>central</a:t>
-            </a:r>
-            <a:r>
-              <a:rPr lang="hu-HU" dirty="0"/>
-              <a:t> </a:t>
-            </a:r>
-            <a:r>
-              <a:rPr lang="hu-HU" dirty="0" err="1"/>
-              <a:t>role</a:t>
-            </a:r>
-            <a:r>
-              <a:rPr lang="hu-HU" dirty="0"/>
-              <a:t>.</a:t>
-            </a:r>
-          </a:p>
-        </p:txBody>
-      </p:sp>
+      <mc:AlternateContent xmlns:mc="http://schemas.openxmlformats.org/markup-compatibility/2006">
+        <mc:Choice xmlns:a14="http://schemas.microsoft.com/office/drawing/2010/main" Requires="a14">
+          <p:sp>
+            <p:nvSpPr>
+              <p:cNvPr id="3" name="Tartalom helye 2"/>
+              <p:cNvSpPr>
+                <a:spLocks noGrp="1"/>
+              </p:cNvSpPr>
+              <p:nvPr>
+                <p:ph idx="1"/>
+              </p:nvPr>
+            </p:nvSpPr>
+            <p:spPr/>
+            <p:txBody>
+              <a:bodyPr/>
+              <a:lstStyle/>
+              <a:p>
+                <a:r>
+                  <a:rPr lang="hu-HU" dirty="0"/>
+                  <a:t>Each </a:t>
+                </a:r>
+                <a:r>
+                  <a:rPr lang="hu-HU" dirty="0" err="1"/>
+                  <a:t>node</a:t>
+                </a:r>
+                <a:r>
+                  <a:rPr lang="hu-HU" dirty="0"/>
+                  <a:t> </a:t>
+                </a:r>
+                <a:r>
+                  <a:rPr lang="hu-HU" dirty="0" err="1"/>
+                  <a:t>appears</a:t>
+                </a:r>
+                <a:r>
+                  <a:rPr lang="hu-HU" dirty="0"/>
+                  <a:t> </a:t>
+                </a:r>
+                <a:r>
+                  <a:rPr lang="hu-HU" dirty="0" err="1"/>
+                  <a:t>exactliy</a:t>
+                </a:r>
+                <a:r>
+                  <a:rPr lang="hu-HU" dirty="0"/>
+                  <a:t> </a:t>
+                </a:r>
+                <a:r>
+                  <a:rPr lang="hu-HU" dirty="0" err="1"/>
+                  <a:t>onece</a:t>
+                </a:r>
+                <a:r>
+                  <a:rPr lang="hu-HU" dirty="0"/>
+                  <a:t> in </a:t>
+                </a:r>
+                <a:r>
+                  <a:rPr lang="hu-HU" dirty="0" err="1"/>
+                  <a:t>each</a:t>
+                </a:r>
+                <a:r>
+                  <a:rPr lang="hu-HU" dirty="0"/>
+                  <a:t> </a:t>
+                </a:r>
+                <a:r>
+                  <a:rPr lang="hu-HU" dirty="0" err="1"/>
+                  <a:t>column</a:t>
+                </a:r>
+                <a:r>
+                  <a:rPr lang="hu-HU" dirty="0"/>
+                  <a:t> and </a:t>
+                </a:r>
+                <a:r>
+                  <a:rPr lang="hu-HU" dirty="0" err="1"/>
+                  <a:t>each</a:t>
+                </a:r>
+                <a:r>
+                  <a:rPr lang="hu-HU" dirty="0"/>
+                  <a:t>  </a:t>
+                </a:r>
+                <a:r>
+                  <a:rPr lang="hu-HU" dirty="0" err="1"/>
+                  <a:t>row</a:t>
+                </a:r>
+                <a:r>
+                  <a:rPr lang="hu-HU" dirty="0"/>
+                  <a:t>.</a:t>
+                </a:r>
+              </a:p>
+              <a:p>
+                <a:r>
+                  <a:rPr lang="hu-HU" dirty="0" err="1"/>
+                  <a:t>Not</a:t>
+                </a:r>
+                <a:r>
+                  <a:rPr lang="hu-HU" dirty="0"/>
+                  <a:t> </a:t>
+                </a:r>
+                <a:r>
+                  <a:rPr lang="hu-HU" dirty="0" err="1"/>
+                  <a:t>all</a:t>
+                </a:r>
+                <a:r>
+                  <a:rPr lang="hu-HU" dirty="0"/>
+                  <a:t> latin </a:t>
+                </a:r>
+                <a:r>
+                  <a:rPr lang="hu-HU" dirty="0" err="1"/>
+                  <a:t>squares</a:t>
+                </a:r>
+                <a:r>
+                  <a:rPr lang="hu-HU" dirty="0"/>
+                  <a:t> </a:t>
+                </a:r>
+                <a:r>
+                  <a:rPr lang="hu-HU" dirty="0" err="1"/>
+                  <a:t>are</a:t>
+                </a:r>
+                <a:r>
+                  <a:rPr lang="hu-HU" dirty="0"/>
+                  <a:t> </a:t>
+                </a:r>
+                <a:r>
+                  <a:rPr lang="hu-HU" dirty="0" err="1"/>
+                  <a:t>good</a:t>
+                </a:r>
+                <a:r>
+                  <a:rPr lang="hu-HU" dirty="0"/>
+                  <a:t> </a:t>
+                </a:r>
+                <a:r>
+                  <a:rPr lang="hu-HU" dirty="0" err="1"/>
+                  <a:t>failover</a:t>
+                </a:r>
+                <a:r>
+                  <a:rPr lang="hu-HU" dirty="0"/>
+                  <a:t> </a:t>
+                </a:r>
+                <a:r>
+                  <a:rPr lang="hu-HU" dirty="0" err="1"/>
+                  <a:t>matrices</a:t>
+                </a:r>
+                <a:r>
+                  <a:rPr lang="hu-HU" dirty="0"/>
+                  <a:t>. (</a:t>
+                </a:r>
+                <a:r>
+                  <a:rPr lang="hu-HU" dirty="0" err="1"/>
+                  <a:t>m</a:t>
+                </a:r>
+                <a:r>
+                  <a:rPr lang="hu-HU" baseline="-25000" dirty="0" err="1"/>
+                  <a:t>i,j</a:t>
+                </a:r>
+                <a:r>
+                  <a:rPr lang="hu-HU" baseline="-25000" dirty="0"/>
+                  <a:t> </a:t>
+                </a:r>
+                <a:r>
+                  <a:rPr lang="hu-HU" dirty="0"/>
+                  <a:t>= (i+j-1) </a:t>
+                </a:r>
+                <a:r>
+                  <a:rPr lang="hu-HU" dirty="0" err="1"/>
+                  <a:t>mod</a:t>
+                </a:r>
+                <a:r>
+                  <a:rPr lang="hu-HU" dirty="0"/>
+                  <a:t> (n-1))</a:t>
+                </a:r>
+              </a:p>
+              <a:p>
+                <a:r>
+                  <a:rPr lang="hu-HU" dirty="0"/>
+                  <a:t>Example: </a:t>
+                </a:r>
+                <a14:m>
+                  <m:oMath xmlns:m="http://schemas.openxmlformats.org/officeDocument/2006/math">
+                    <m:m>
+                      <m:mPr>
+                        <m:mcs>
+                          <m:mc>
+                            <m:mcPr>
+                              <m:count m:val="3"/>
+                              <m:mcJc m:val="center"/>
+                            </m:mcPr>
+                          </m:mc>
+                        </m:mcs>
+                        <m:ctrlPr>
+                          <a:rPr lang="hu-HU" i="1" dirty="0" smtClean="0">
+                            <a:latin typeface="Cambria Math" panose="02040503050406030204" pitchFamily="18" charset="0"/>
+                          </a:rPr>
+                        </m:ctrlPr>
+                      </m:mPr>
+                      <m:mr>
+                        <m:e>
+                          <m:r>
+                            <m:rPr>
+                              <m:brk m:alnAt="7"/>
+                            </m:rPr>
+                            <a:rPr lang="hu-HU" b="0" i="1" dirty="0" smtClean="0">
+                              <a:latin typeface="Cambria Math" panose="02040503050406030204" pitchFamily="18" charset="0"/>
+                            </a:rPr>
+                            <m:t>1</m:t>
+                          </m:r>
+                        </m:e>
+                        <m:e>
+                          <m:r>
+                            <a:rPr lang="hu-HU" b="0" i="1" dirty="0" smtClean="0">
+                              <a:latin typeface="Cambria Math" panose="02040503050406030204" pitchFamily="18" charset="0"/>
+                            </a:rPr>
+                            <m:t>2</m:t>
+                          </m:r>
+                        </m:e>
+                        <m:e>
+                          <m:r>
+                            <a:rPr lang="hu-HU" b="0" i="1" dirty="0" smtClean="0">
+                              <a:latin typeface="Cambria Math" panose="02040503050406030204" pitchFamily="18" charset="0"/>
+                            </a:rPr>
+                            <m:t>3</m:t>
+                          </m:r>
+                        </m:e>
+                      </m:mr>
+                      <m:mr>
+                        <m:e>
+                          <m:r>
+                            <a:rPr lang="hu-HU" b="0" i="1" dirty="0" smtClean="0">
+                              <a:latin typeface="Cambria Math" panose="02040503050406030204" pitchFamily="18" charset="0"/>
+                            </a:rPr>
+                            <m:t>3</m:t>
+                          </m:r>
+                        </m:e>
+                        <m:e>
+                          <m:r>
+                            <a:rPr lang="hu-HU" b="0" i="1" dirty="0" smtClean="0">
+                              <a:latin typeface="Cambria Math" panose="02040503050406030204" pitchFamily="18" charset="0"/>
+                            </a:rPr>
+                            <m:t>1</m:t>
+                          </m:r>
+                        </m:e>
+                        <m:e>
+                          <m:r>
+                            <a:rPr lang="hu-HU" b="0" i="1" dirty="0" smtClean="0">
+                              <a:latin typeface="Cambria Math" panose="02040503050406030204" pitchFamily="18" charset="0"/>
+                            </a:rPr>
+                            <m:t>2</m:t>
+                          </m:r>
+                        </m:e>
+                      </m:mr>
+                      <m:mr>
+                        <m:e>
+                          <m:r>
+                            <a:rPr lang="hu-HU" b="0" i="1" dirty="0" smtClean="0">
+                              <a:latin typeface="Cambria Math" panose="02040503050406030204" pitchFamily="18" charset="0"/>
+                            </a:rPr>
+                            <m:t>2</m:t>
+                          </m:r>
+                        </m:e>
+                        <m:e>
+                          <m:r>
+                            <a:rPr lang="hu-HU" b="0" i="1" dirty="0" smtClean="0">
+                              <a:latin typeface="Cambria Math" panose="02040503050406030204" pitchFamily="18" charset="0"/>
+                            </a:rPr>
+                            <m:t>3</m:t>
+                          </m:r>
+                        </m:e>
+                        <m:e>
+                          <m:r>
+                            <a:rPr lang="hu-HU" b="0" i="1" dirty="0" smtClean="0">
+                              <a:latin typeface="Cambria Math" panose="02040503050406030204" pitchFamily="18" charset="0"/>
+                            </a:rPr>
+                            <m:t>1</m:t>
+                          </m:r>
+                        </m:e>
+                      </m:mr>
+                    </m:m>
+                  </m:oMath>
+                </a14:m>
+                <a:endParaRPr lang="hu-HU" dirty="0"/>
+              </a:p>
+              <a:p>
+                <a:r>
+                  <a:rPr lang="hu-HU" dirty="0" err="1"/>
+                  <a:t>If</a:t>
+                </a:r>
+                <a:r>
+                  <a:rPr lang="hu-HU" dirty="0"/>
+                  <a:t> f </a:t>
+                </a:r>
+                <a:r>
+                  <a:rPr lang="hu-HU" dirty="0" err="1"/>
+                  <a:t>first</a:t>
+                </a:r>
+                <a:r>
+                  <a:rPr lang="hu-HU" dirty="0"/>
+                  <a:t> </a:t>
+                </a:r>
+                <a:r>
+                  <a:rPr lang="hu-HU" dirty="0" err="1"/>
+                  <a:t>llinks</a:t>
+                </a:r>
+                <a:r>
+                  <a:rPr lang="hu-HU" dirty="0"/>
+                  <a:t> </a:t>
+                </a:r>
+                <a:r>
+                  <a:rPr lang="hu-HU" dirty="0" err="1"/>
+                  <a:t>fail</a:t>
+                </a:r>
+                <a:r>
+                  <a:rPr lang="hu-HU" dirty="0"/>
+                  <a:t>, </a:t>
+                </a:r>
+                <a:r>
+                  <a:rPr lang="hu-HU" dirty="0" err="1"/>
+                  <a:t>the</a:t>
+                </a:r>
+                <a:r>
+                  <a:rPr lang="hu-HU" dirty="0"/>
+                  <a:t> f </a:t>
+                </a:r>
+                <a:r>
+                  <a:rPr lang="hu-HU" dirty="0" err="1"/>
+                  <a:t>first</a:t>
+                </a:r>
+                <a:r>
+                  <a:rPr lang="hu-HU" dirty="0"/>
+                  <a:t> </a:t>
+                </a:r>
+                <a:r>
+                  <a:rPr lang="hu-HU" dirty="0" err="1"/>
+                  <a:t>nodes</a:t>
+                </a:r>
+                <a:r>
+                  <a:rPr lang="hu-HU" dirty="0"/>
+                  <a:t> </a:t>
+                </a:r>
+                <a:r>
+                  <a:rPr lang="hu-HU" dirty="0" err="1"/>
+                  <a:t>will</a:t>
+                </a:r>
+                <a:r>
+                  <a:rPr lang="hu-HU" dirty="0"/>
+                  <a:t> </a:t>
+                </a:r>
+                <a:r>
+                  <a:rPr lang="hu-HU" dirty="0" err="1"/>
+                  <a:t>all</a:t>
+                </a:r>
+                <a:r>
+                  <a:rPr lang="hu-HU" dirty="0"/>
+                  <a:t> </a:t>
+                </a:r>
+                <a:r>
+                  <a:rPr lang="hu-HU" dirty="0" err="1"/>
+                  <a:t>route</a:t>
+                </a:r>
+                <a:r>
+                  <a:rPr lang="hu-HU" dirty="0"/>
+                  <a:t> </a:t>
+                </a:r>
+                <a:r>
+                  <a:rPr lang="hu-HU" dirty="0" err="1"/>
+                  <a:t>rougth</a:t>
+                </a:r>
+                <a:r>
+                  <a:rPr lang="hu-HU" dirty="0"/>
+                  <a:t> </a:t>
+                </a:r>
+                <a:r>
+                  <a:rPr lang="hu-HU" dirty="0" err="1"/>
+                  <a:t>throw</a:t>
+                </a:r>
+                <a:r>
+                  <a:rPr lang="hu-HU" dirty="0"/>
+                  <a:t> (v </a:t>
+                </a:r>
+                <a:r>
+                  <a:rPr lang="hu-HU" baseline="-25000" dirty="0"/>
+                  <a:t>f+1</a:t>
+                </a:r>
+                <a:r>
+                  <a:rPr lang="hu-HU" dirty="0"/>
+                  <a:t>, d) </a:t>
+                </a:r>
+                <a:r>
+                  <a:rPr lang="hu-HU" dirty="0" err="1"/>
+                  <a:t>so</a:t>
+                </a:r>
+                <a:r>
+                  <a:rPr lang="hu-HU" dirty="0"/>
+                  <a:t> </a:t>
+                </a:r>
+                <a:r>
+                  <a:rPr lang="hu-HU" dirty="0" err="1"/>
+                  <a:t>ww</a:t>
+                </a:r>
+                <a:r>
+                  <a:rPr lang="hu-HU" dirty="0"/>
+                  <a:t> </a:t>
+                </a:r>
+                <a:r>
+                  <a:rPr lang="hu-HU" dirty="0" err="1"/>
+                  <a:t>have</a:t>
+                </a:r>
+                <a:r>
+                  <a:rPr lang="hu-HU" dirty="0"/>
+                  <a:t> </a:t>
+                </a:r>
+                <a14:m>
+                  <m:oMath xmlns:m="http://schemas.openxmlformats.org/officeDocument/2006/math">
+                    <m:r>
+                      <a:rPr lang="hu-HU" i="1" smtClean="0">
+                        <a:latin typeface="Cambria Math" panose="02040503050406030204" pitchFamily="18" charset="0"/>
+                        <a:ea typeface="Cambria Math" panose="02040503050406030204" pitchFamily="18" charset="0"/>
+                      </a:rPr>
+                      <m:t>𝜙</m:t>
+                    </m:r>
+                    <m:r>
+                      <a:rPr lang="hu-HU" b="0" i="1" smtClean="0">
+                        <a:latin typeface="Cambria Math" panose="02040503050406030204" pitchFamily="18" charset="0"/>
+                        <a:ea typeface="Cambria Math" panose="02040503050406030204" pitchFamily="18" charset="0"/>
+                      </a:rPr>
+                      <m:t>= </m:t>
+                    </m:r>
+                    <m:r>
+                      <a:rPr lang="hu-HU" b="0" i="1" smtClean="0">
+                        <a:latin typeface="Cambria Math" panose="02040503050406030204" pitchFamily="18" charset="0"/>
+                        <a:ea typeface="Cambria Math" panose="02040503050406030204" pitchFamily="18" charset="0"/>
+                      </a:rPr>
+                      <m:t>𝜃</m:t>
+                    </m:r>
+                    <m:r>
+                      <a:rPr lang="hu-HU" b="0" i="1" smtClean="0">
+                        <a:latin typeface="Cambria Math" panose="02040503050406030204" pitchFamily="18" charset="0"/>
+                        <a:ea typeface="Cambria Math" panose="02040503050406030204" pitchFamily="18" charset="0"/>
+                      </a:rPr>
+                      <m:t>(</m:t>
+                    </m:r>
+                    <m:r>
+                      <a:rPr lang="hu-HU" b="0" i="1" smtClean="0">
+                        <a:latin typeface="Cambria Math" panose="02040503050406030204" pitchFamily="18" charset="0"/>
+                        <a:ea typeface="Cambria Math" panose="02040503050406030204" pitchFamily="18" charset="0"/>
+                      </a:rPr>
+                      <m:t>𝑓</m:t>
+                    </m:r>
+                    <m:r>
+                      <a:rPr lang="hu-HU" b="0" i="1" smtClean="0">
+                        <a:latin typeface="Cambria Math" panose="02040503050406030204" pitchFamily="18" charset="0"/>
+                        <a:ea typeface="Cambria Math" panose="02040503050406030204" pitchFamily="18" charset="0"/>
+                      </a:rPr>
+                      <m:t>)</m:t>
+                    </m:r>
+                  </m:oMath>
+                </a14:m>
+                <a:endParaRPr lang="hu-HU" dirty="0"/>
+              </a:p>
+              <a:p>
+                <a:r>
+                  <a:rPr lang="hu-HU" dirty="0"/>
+                  <a:t>The </a:t>
+                </a:r>
+                <a:r>
+                  <a:rPr lang="hu-HU" dirty="0" err="1"/>
+                  <a:t>intersection</a:t>
+                </a:r>
+                <a:r>
+                  <a:rPr lang="hu-HU" dirty="0"/>
+                  <a:t> of </a:t>
+                </a:r>
+                <a:r>
+                  <a:rPr lang="hu-HU" dirty="0" err="1"/>
+                  <a:t>prefixes</a:t>
+                </a:r>
+                <a:r>
+                  <a:rPr lang="hu-HU" dirty="0"/>
+                  <a:t> of </a:t>
+                </a:r>
+                <a:r>
+                  <a:rPr lang="hu-HU" dirty="0" err="1"/>
+                  <a:t>rows</a:t>
+                </a:r>
+                <a:r>
+                  <a:rPr lang="hu-HU" dirty="0"/>
+                  <a:t> plays a </a:t>
+                </a:r>
+                <a:r>
+                  <a:rPr lang="hu-HU" dirty="0" err="1"/>
+                  <a:t>central</a:t>
+                </a:r>
+                <a:r>
+                  <a:rPr lang="hu-HU" dirty="0"/>
+                  <a:t> </a:t>
+                </a:r>
+                <a:r>
+                  <a:rPr lang="hu-HU" dirty="0" err="1"/>
+                  <a:t>role</a:t>
+                </a:r>
+                <a:r>
+                  <a:rPr lang="hu-HU" dirty="0"/>
+                  <a:t>.</a:t>
+                </a:r>
+              </a:p>
+            </p:txBody>
+          </p:sp>
+        </mc:Choice>
+        <mc:Fallback>
+          <p:sp>
+            <p:nvSpPr>
+              <p:cNvPr id="3" name="Tartalom helye 2"/>
+              <p:cNvSpPr>
+                <a:spLocks noGrp="1" noRot="1" noChangeAspect="1" noMove="1" noResize="1" noEditPoints="1" noAdjustHandles="1" noChangeArrowheads="1" noChangeShapeType="1" noTextEdit="1"/>
+              </p:cNvSpPr>
+              <p:nvPr>
+                <p:ph idx="1"/>
+              </p:nvPr>
+            </p:nvSpPr>
+            <p:spPr>
+              <a:blipFill>
+                <a:blip r:embed="rId2"/>
+                <a:stretch>
+                  <a:fillRect l="-1043" t="-2241"/>
+                </a:stretch>
+              </a:blipFill>
+            </p:spPr>
+            <p:txBody>
+              <a:bodyPr/>
+              <a:lstStyle/>
+              <a:p>
+                <a:r>
+                  <a:rPr lang="hu-HU">
+                    <a:noFill/>
+                  </a:rPr>
+                  <a:t> </a:t>
+                </a:r>
+              </a:p>
+            </p:txBody>
+          </p:sp>
+        </mc:Fallback>
+      </mc:AlternateContent>
     </p:spTree>
     <p:extLst>
       <p:ext uri="{BB962C8B-B14F-4D97-AF65-F5344CB8AC3E}">
@@ -5379,8 +5621,8 @@
           </a:p>
         </p:txBody>
       </p:sp>
-      <mc:AlternateContent xmlns:mc="http://schemas.openxmlformats.org/markup-compatibility/2006" xmlns:a14="http://schemas.microsoft.com/office/drawing/2010/main">
-        <mc:Choice Requires="a14">
+      <mc:AlternateContent xmlns:mc="http://schemas.openxmlformats.org/markup-compatibility/2006">
+        <mc:Choice xmlns:a14="http://schemas.microsoft.com/office/drawing/2010/main" Requires="a14">
           <p:sp>
             <p:nvSpPr>
               <p:cNvPr id="3" name="Tartalom helye 2"/>
@@ -5587,12 +5829,8 @@
               </a:p>
               <a:p>
                 <a:r>
-                  <a:rPr lang="hu-HU" dirty="0" err="1"/>
-                  <a:t>There</a:t>
-                </a:r>
-                <a:r>
                   <a:rPr lang="hu-HU" dirty="0"/>
-                  <a:t> is a </a:t>
+                  <a:t>There is a </a:t>
                 </a:r>
                 <a:r>
                   <a:rPr lang="hu-HU" dirty="0" err="1"/>
@@ -5616,7 +5854,7 @@
                 </a:r>
                 <a:r>
                   <a:rPr lang="hu-HU" dirty="0"/>
-                  <a:t> </a:t>
+                  <a:t>: </a:t>
                 </a:r>
                 <a14:m>
                   <m:oMath xmlns:m="http://schemas.openxmlformats.org/officeDocument/2006/math">
@@ -5723,11 +5961,11 @@
                       <m:t>  </m:t>
                     </m:r>
                     <m:r>
-                      <a:rPr lang="hu-HU" i="1" smtClean="0">
+                      <a:rPr lang="hu-HU" b="0" i="1" smtClean="0">
                         <a:latin typeface="Cambria Math" panose="02040503050406030204" pitchFamily="18" charset="0"/>
                         <a:ea typeface="Cambria Math" panose="02040503050406030204" pitchFamily="18" charset="0"/>
                       </a:rPr>
-                      <m:t>𝜃</m:t>
+                      <m:t>𝜙</m:t>
                     </m:r>
                     <m:r>
                       <a:rPr lang="hu-HU" b="0" i="1" smtClean="0">
@@ -5823,7 +6061,7 @@
             </p:txBody>
           </p:sp>
         </mc:Choice>
-        <mc:Fallback xmlns="">
+        <mc:Fallback>
           <p:sp>
             <p:nvSpPr>
               <p:cNvPr id="3" name="Tartalom helye 2"/>
@@ -5950,8 +6188,8 @@
           </a:p>
         </p:txBody>
       </p:sp>
-      <mc:AlternateContent xmlns:mc="http://schemas.openxmlformats.org/markup-compatibility/2006" xmlns:a14="http://schemas.microsoft.com/office/drawing/2010/main">
-        <mc:Choice Requires="a14">
+      <mc:AlternateContent xmlns:mc="http://schemas.openxmlformats.org/markup-compatibility/2006">
+        <mc:Choice xmlns:a14="http://schemas.microsoft.com/office/drawing/2010/main" Requires="a14">
           <p:sp>
             <p:nvSpPr>
               <p:cNvPr id="3" name="Tartalom helye 2"/>
@@ -6445,22 +6683,47 @@
               </a:p>
               <a:p>
                 <a:r>
+                  <a:rPr lang="hu-HU" sz="3800" dirty="0" err="1"/>
+                  <a:t>Algorithm</a:t>
+                </a:r>
+                <a:r>
                   <a:rPr lang="hu-HU" sz="3800" dirty="0"/>
-                  <a:t>TODO: </a:t>
+                  <a:t>: </a:t>
                 </a:r>
                 <a:r>
                   <a:rPr lang="hu-HU" sz="3800" dirty="0" err="1"/>
-                  <a:t>algorithm</a:t>
+                  <a:t>Transforming</a:t>
                 </a:r>
                 <a:r>
                   <a:rPr lang="hu-HU" sz="3800" dirty="0"/>
-                  <a:t> (1,2)</a:t>
-                </a:r>
+                  <a:t> </a:t>
+                </a:r>
+                <a:r>
+                  <a:rPr lang="hu-HU" sz="3800" dirty="0" err="1"/>
+                  <a:t>Blocks</a:t>
+                </a:r>
+                <a:r>
+                  <a:rPr lang="hu-HU" sz="3800" dirty="0"/>
+                  <a:t> </a:t>
+                </a:r>
+                <a:r>
+                  <a:rPr lang="hu-HU" sz="3800" dirty="0" err="1"/>
+                  <a:t>into</a:t>
+                </a:r>
+                <a:r>
+                  <a:rPr lang="hu-HU" sz="3800" dirty="0"/>
+                  <a:t> Latin </a:t>
+                </a:r>
+                <a:r>
+                  <a:rPr lang="hu-HU" sz="3800" dirty="0" err="1"/>
+                  <a:t>Rwos</a:t>
+                </a:r>
+                <a:endParaRPr lang="hu-HU" sz="3800" dirty="0"/>
               </a:p>
             </p:txBody>
           </p:sp>
         </mc:Choice>
-        <mc:Fallback xmlns="">
+        <mc:Fallback>
           <p:sp>
             <p:nvSpPr>
               <p:cNvPr id="3" name="Tartalom helye 2"/>
@@ -6508,6 +6771,3305 @@
 </file>
 
 <file path=ppt/slides/slide15.xml><?xml version="1.0" encoding="utf-8"?>
+<p:sld xmlns:a="http://schemas.openxmlformats.org/drawingml/2006/main" xmlns:r="http://schemas.openxmlformats.org/officeDocument/2006/relationships" xmlns:p="http://schemas.openxmlformats.org/presentationml/2006/main">
+  <p:cSld>
+    <p:spTree>
+      <p:nvGrpSpPr>
+        <p:cNvPr id="1" name=""/>
+        <p:cNvGrpSpPr/>
+        <p:nvPr/>
+      </p:nvGrpSpPr>
+      <p:grpSpPr>
+        <a:xfrm>
+          <a:off x="0" y="0"/>
+          <a:ext cx="0" cy="0"/>
+          <a:chOff x="0" y="0"/>
+          <a:chExt cx="0" cy="0"/>
+        </a:xfrm>
+      </p:grpSpPr>
+      <p:sp>
+        <p:nvSpPr>
+          <p:cNvPr id="4" name="Ellipszis 3">
+            <a:extLst>
+              <a:ext uri="{FF2B5EF4-FFF2-40B4-BE49-F238E27FC236}">
+                <a16:creationId xmlns:a16="http://schemas.microsoft.com/office/drawing/2014/main" id="{4D4BAC99-6C90-4566-9716-0A7A7EBBECA5}"/>
+              </a:ext>
+            </a:extLst>
+          </p:cNvPr>
+          <p:cNvSpPr/>
+          <p:nvPr/>
+        </p:nvSpPr>
+        <p:spPr>
+          <a:xfrm>
+            <a:off x="1189892" y="1003799"/>
+            <a:ext cx="1148862" cy="603738"/>
+          </a:xfrm>
+          <a:prstGeom prst="ellipse">
+            <a:avLst/>
+          </a:prstGeom>
+        </p:spPr>
+        <p:style>
+          <a:lnRef idx="2">
+            <a:schemeClr val="accent1">
+              <a:shade val="50000"/>
+            </a:schemeClr>
+          </a:lnRef>
+          <a:fillRef idx="1">
+            <a:schemeClr val="accent1"/>
+          </a:fillRef>
+          <a:effectRef idx="0">
+            <a:schemeClr val="accent1"/>
+          </a:effectRef>
+          <a:fontRef idx="minor">
+            <a:schemeClr val="lt1"/>
+          </a:fontRef>
+        </p:style>
+        <p:txBody>
+          <a:bodyPr rtlCol="0" anchor="ctr"/>
+          <a:lstStyle/>
+          <a:p>
+            <a:pPr algn="ctr"/>
+            <a:r>
+              <a:rPr lang="hu-HU" dirty="0"/>
+              <a:t>3,4</a:t>
+            </a:r>
+          </a:p>
+        </p:txBody>
+      </p:sp>
+      <p:sp>
+        <p:nvSpPr>
+          <p:cNvPr id="5" name="Ellipszis 4">
+            <a:extLst>
+              <a:ext uri="{FF2B5EF4-FFF2-40B4-BE49-F238E27FC236}">
+                <a16:creationId xmlns:a16="http://schemas.microsoft.com/office/drawing/2014/main" id="{51FD2FD1-6CCD-4B48-83BB-2F467CC138A0}"/>
+              </a:ext>
+            </a:extLst>
+          </p:cNvPr>
+          <p:cNvSpPr/>
+          <p:nvPr/>
+        </p:nvSpPr>
+        <p:spPr>
+          <a:xfrm>
+            <a:off x="1189892" y="1711572"/>
+            <a:ext cx="1096108" cy="603738"/>
+          </a:xfrm>
+          <a:prstGeom prst="ellipse">
+            <a:avLst/>
+          </a:prstGeom>
+        </p:spPr>
+        <p:style>
+          <a:lnRef idx="2">
+            <a:schemeClr val="accent1">
+              <a:shade val="50000"/>
+            </a:schemeClr>
+          </a:lnRef>
+          <a:fillRef idx="1">
+            <a:schemeClr val="accent1"/>
+          </a:fillRef>
+          <a:effectRef idx="0">
+            <a:schemeClr val="accent1"/>
+          </a:effectRef>
+          <a:fontRef idx="minor">
+            <a:schemeClr val="lt1"/>
+          </a:fontRef>
+        </p:style>
+        <p:txBody>
+          <a:bodyPr rtlCol="0" anchor="ctr"/>
+          <a:lstStyle/>
+          <a:p>
+            <a:pPr algn="ctr"/>
+            <a:r>
+              <a:rPr lang="hu-HU" dirty="0"/>
+              <a:t>1,2</a:t>
+            </a:r>
+          </a:p>
+        </p:txBody>
+      </p:sp>
+      <p:sp>
+        <p:nvSpPr>
+          <p:cNvPr id="6" name="Ellipszis 5">
+            <a:extLst>
+              <a:ext uri="{FF2B5EF4-FFF2-40B4-BE49-F238E27FC236}">
+                <a16:creationId xmlns:a16="http://schemas.microsoft.com/office/drawing/2014/main" id="{01F21123-FF48-449C-9D28-BD4C1EA7E498}"/>
+              </a:ext>
+            </a:extLst>
+          </p:cNvPr>
+          <p:cNvSpPr/>
+          <p:nvPr/>
+        </p:nvSpPr>
+        <p:spPr>
+          <a:xfrm>
+            <a:off x="1189892" y="2461847"/>
+            <a:ext cx="1096108" cy="603738"/>
+          </a:xfrm>
+          <a:prstGeom prst="ellipse">
+            <a:avLst/>
+          </a:prstGeom>
+        </p:spPr>
+        <p:style>
+          <a:lnRef idx="2">
+            <a:schemeClr val="accent1">
+              <a:shade val="50000"/>
+            </a:schemeClr>
+          </a:lnRef>
+          <a:fillRef idx="1">
+            <a:schemeClr val="accent1"/>
+          </a:fillRef>
+          <a:effectRef idx="0">
+            <a:schemeClr val="accent1"/>
+          </a:effectRef>
+          <a:fontRef idx="minor">
+            <a:schemeClr val="lt1"/>
+          </a:fontRef>
+        </p:style>
+        <p:txBody>
+          <a:bodyPr rtlCol="0" anchor="ctr"/>
+          <a:lstStyle/>
+          <a:p>
+            <a:pPr algn="ctr"/>
+            <a:r>
+              <a:rPr lang="hu-HU" dirty="0"/>
+              <a:t>3,2</a:t>
+            </a:r>
+          </a:p>
+        </p:txBody>
+      </p:sp>
+      <p:sp>
+        <p:nvSpPr>
+          <p:cNvPr id="10" name="Ellipszis 9">
+            <a:extLst>
+              <a:ext uri="{FF2B5EF4-FFF2-40B4-BE49-F238E27FC236}">
+                <a16:creationId xmlns:a16="http://schemas.microsoft.com/office/drawing/2014/main" id="{2BB7E0E6-1FA6-40EE-B37A-B2EEE8D6454F}"/>
+              </a:ext>
+            </a:extLst>
+          </p:cNvPr>
+          <p:cNvSpPr/>
+          <p:nvPr/>
+        </p:nvSpPr>
+        <p:spPr>
+          <a:xfrm>
+            <a:off x="1189892" y="285754"/>
+            <a:ext cx="1096108" cy="603738"/>
+          </a:xfrm>
+          <a:prstGeom prst="ellipse">
+            <a:avLst/>
+          </a:prstGeom>
+        </p:spPr>
+        <p:style>
+          <a:lnRef idx="2">
+            <a:schemeClr val="accent1">
+              <a:shade val="50000"/>
+            </a:schemeClr>
+          </a:lnRef>
+          <a:fillRef idx="1">
+            <a:schemeClr val="accent1"/>
+          </a:fillRef>
+          <a:effectRef idx="0">
+            <a:schemeClr val="accent1"/>
+          </a:effectRef>
+          <a:fontRef idx="minor">
+            <a:schemeClr val="lt1"/>
+          </a:fontRef>
+        </p:style>
+        <p:txBody>
+          <a:bodyPr rtlCol="0" anchor="ctr"/>
+          <a:lstStyle/>
+          <a:p>
+            <a:pPr algn="ctr"/>
+            <a:r>
+              <a:rPr lang="hu-HU" dirty="0"/>
+              <a:t>1,4</a:t>
+            </a:r>
+          </a:p>
+        </p:txBody>
+      </p:sp>
+      <p:sp>
+        <p:nvSpPr>
+          <p:cNvPr id="13" name="Ellipszis 12">
+            <a:extLst>
+              <a:ext uri="{FF2B5EF4-FFF2-40B4-BE49-F238E27FC236}">
+                <a16:creationId xmlns:a16="http://schemas.microsoft.com/office/drawing/2014/main" id="{9429FCD1-0F10-475C-BE58-B0E8F2B9727D}"/>
+              </a:ext>
+            </a:extLst>
+          </p:cNvPr>
+          <p:cNvSpPr/>
+          <p:nvPr/>
+        </p:nvSpPr>
+        <p:spPr>
+          <a:xfrm>
+            <a:off x="4067909" y="323854"/>
+            <a:ext cx="685799" cy="527537"/>
+          </a:xfrm>
+          <a:prstGeom prst="ellipse">
+            <a:avLst/>
+          </a:prstGeom>
+        </p:spPr>
+        <p:style>
+          <a:lnRef idx="2">
+            <a:schemeClr val="accent1">
+              <a:shade val="50000"/>
+            </a:schemeClr>
+          </a:lnRef>
+          <a:fillRef idx="1">
+            <a:schemeClr val="accent1"/>
+          </a:fillRef>
+          <a:effectRef idx="0">
+            <a:schemeClr val="accent1"/>
+          </a:effectRef>
+          <a:fontRef idx="minor">
+            <a:schemeClr val="lt1"/>
+          </a:fontRef>
+        </p:style>
+        <p:txBody>
+          <a:bodyPr rtlCol="0" anchor="ctr"/>
+          <a:lstStyle/>
+          <a:p>
+            <a:pPr algn="ctr"/>
+            <a:r>
+              <a:rPr lang="hu-HU" dirty="0"/>
+              <a:t>1</a:t>
+            </a:r>
+          </a:p>
+        </p:txBody>
+      </p:sp>
+      <p:sp>
+        <p:nvSpPr>
+          <p:cNvPr id="14" name="Ellipszis 13">
+            <a:extLst>
+              <a:ext uri="{FF2B5EF4-FFF2-40B4-BE49-F238E27FC236}">
+                <a16:creationId xmlns:a16="http://schemas.microsoft.com/office/drawing/2014/main" id="{8C149689-9B0B-4E80-9E4B-30045CEE1056}"/>
+              </a:ext>
+            </a:extLst>
+          </p:cNvPr>
+          <p:cNvSpPr/>
+          <p:nvPr/>
+        </p:nvSpPr>
+        <p:spPr>
+          <a:xfrm>
+            <a:off x="4067909" y="1003799"/>
+            <a:ext cx="685799" cy="527537"/>
+          </a:xfrm>
+          <a:prstGeom prst="ellipse">
+            <a:avLst/>
+          </a:prstGeom>
+        </p:spPr>
+        <p:style>
+          <a:lnRef idx="2">
+            <a:schemeClr val="accent1">
+              <a:shade val="50000"/>
+            </a:schemeClr>
+          </a:lnRef>
+          <a:fillRef idx="1">
+            <a:schemeClr val="accent1"/>
+          </a:fillRef>
+          <a:effectRef idx="0">
+            <a:schemeClr val="accent1"/>
+          </a:effectRef>
+          <a:fontRef idx="minor">
+            <a:schemeClr val="lt1"/>
+          </a:fontRef>
+        </p:style>
+        <p:txBody>
+          <a:bodyPr rtlCol="0" anchor="ctr"/>
+          <a:lstStyle/>
+          <a:p>
+            <a:pPr algn="ctr"/>
+            <a:r>
+              <a:rPr lang="hu-HU" dirty="0"/>
+              <a:t>2</a:t>
+            </a:r>
+          </a:p>
+        </p:txBody>
+      </p:sp>
+      <p:sp>
+        <p:nvSpPr>
+          <p:cNvPr id="15" name="Ellipszis 14">
+            <a:extLst>
+              <a:ext uri="{FF2B5EF4-FFF2-40B4-BE49-F238E27FC236}">
+                <a16:creationId xmlns:a16="http://schemas.microsoft.com/office/drawing/2014/main" id="{A3A19924-783F-4843-A701-A16A175A97F6}"/>
+              </a:ext>
+            </a:extLst>
+          </p:cNvPr>
+          <p:cNvSpPr/>
+          <p:nvPr/>
+        </p:nvSpPr>
+        <p:spPr>
+          <a:xfrm>
+            <a:off x="4067909" y="1711572"/>
+            <a:ext cx="685799" cy="527537"/>
+          </a:xfrm>
+          <a:prstGeom prst="ellipse">
+            <a:avLst/>
+          </a:prstGeom>
+        </p:spPr>
+        <p:style>
+          <a:lnRef idx="2">
+            <a:schemeClr val="accent1">
+              <a:shade val="50000"/>
+            </a:schemeClr>
+          </a:lnRef>
+          <a:fillRef idx="1">
+            <a:schemeClr val="accent1"/>
+          </a:fillRef>
+          <a:effectRef idx="0">
+            <a:schemeClr val="accent1"/>
+          </a:effectRef>
+          <a:fontRef idx="minor">
+            <a:schemeClr val="lt1"/>
+          </a:fontRef>
+        </p:style>
+        <p:txBody>
+          <a:bodyPr rtlCol="0" anchor="ctr"/>
+          <a:lstStyle/>
+          <a:p>
+            <a:pPr algn="ctr"/>
+            <a:r>
+              <a:rPr lang="hu-HU" dirty="0"/>
+              <a:t>3</a:t>
+            </a:r>
+          </a:p>
+        </p:txBody>
+      </p:sp>
+      <p:sp>
+        <p:nvSpPr>
+          <p:cNvPr id="16" name="Ellipszis 15">
+            <a:extLst>
+              <a:ext uri="{FF2B5EF4-FFF2-40B4-BE49-F238E27FC236}">
+                <a16:creationId xmlns:a16="http://schemas.microsoft.com/office/drawing/2014/main" id="{00E574D1-B870-4265-9BFE-582889900FF7}"/>
+              </a:ext>
+            </a:extLst>
+          </p:cNvPr>
+          <p:cNvSpPr/>
+          <p:nvPr/>
+        </p:nvSpPr>
+        <p:spPr>
+          <a:xfrm>
+            <a:off x="4067909" y="2490416"/>
+            <a:ext cx="685799" cy="527537"/>
+          </a:xfrm>
+          <a:prstGeom prst="ellipse">
+            <a:avLst/>
+          </a:prstGeom>
+        </p:spPr>
+        <p:style>
+          <a:lnRef idx="2">
+            <a:schemeClr val="accent1">
+              <a:shade val="50000"/>
+            </a:schemeClr>
+          </a:lnRef>
+          <a:fillRef idx="1">
+            <a:schemeClr val="accent1"/>
+          </a:fillRef>
+          <a:effectRef idx="0">
+            <a:schemeClr val="accent1"/>
+          </a:effectRef>
+          <a:fontRef idx="minor">
+            <a:schemeClr val="lt1"/>
+          </a:fontRef>
+        </p:style>
+        <p:txBody>
+          <a:bodyPr rtlCol="0" anchor="ctr"/>
+          <a:lstStyle/>
+          <a:p>
+            <a:pPr algn="ctr"/>
+            <a:r>
+              <a:rPr lang="hu-HU" dirty="0"/>
+              <a:t>4</a:t>
+            </a:r>
+          </a:p>
+        </p:txBody>
+      </p:sp>
+      <p:cxnSp>
+        <p:nvCxnSpPr>
+          <p:cNvPr id="23" name="Egyenes összekötő 22">
+            <a:extLst>
+              <a:ext uri="{FF2B5EF4-FFF2-40B4-BE49-F238E27FC236}">
+                <a16:creationId xmlns:a16="http://schemas.microsoft.com/office/drawing/2014/main" id="{889FCE02-DF30-4CDC-9EE8-7ACF6285EE56}"/>
+              </a:ext>
+            </a:extLst>
+          </p:cNvPr>
+          <p:cNvCxnSpPr>
+            <a:cxnSpLocks/>
+            <a:stCxn id="10" idx="6"/>
+            <a:endCxn id="13" idx="2"/>
+          </p:cNvCxnSpPr>
+          <p:nvPr/>
+        </p:nvCxnSpPr>
+        <p:spPr>
+          <a:xfrm>
+            <a:off x="2286000" y="587623"/>
+            <a:ext cx="1781909" cy="0"/>
+          </a:xfrm>
+          <a:prstGeom prst="line">
+            <a:avLst/>
+          </a:prstGeom>
+          <a:ln w="19050"/>
+        </p:spPr>
+        <p:style>
+          <a:lnRef idx="1">
+            <a:schemeClr val="accent1"/>
+          </a:lnRef>
+          <a:fillRef idx="0">
+            <a:schemeClr val="accent1"/>
+          </a:fillRef>
+          <a:effectRef idx="0">
+            <a:schemeClr val="accent1"/>
+          </a:effectRef>
+          <a:fontRef idx="minor">
+            <a:schemeClr val="tx1"/>
+          </a:fontRef>
+        </p:style>
+      </p:cxnSp>
+      <p:cxnSp>
+        <p:nvCxnSpPr>
+          <p:cNvPr id="26" name="Egyenes összekötő 25">
+            <a:extLst>
+              <a:ext uri="{FF2B5EF4-FFF2-40B4-BE49-F238E27FC236}">
+                <a16:creationId xmlns:a16="http://schemas.microsoft.com/office/drawing/2014/main" id="{C2BDF3C5-8BE2-418C-A01E-1639FB892793}"/>
+              </a:ext>
+            </a:extLst>
+          </p:cNvPr>
+          <p:cNvCxnSpPr>
+            <a:cxnSpLocks/>
+            <a:stCxn id="10" idx="6"/>
+            <a:endCxn id="16" idx="2"/>
+          </p:cNvCxnSpPr>
+          <p:nvPr/>
+        </p:nvCxnSpPr>
+        <p:spPr>
+          <a:xfrm>
+            <a:off x="2286000" y="587623"/>
+            <a:ext cx="1781909" cy="2166562"/>
+          </a:xfrm>
+          <a:prstGeom prst="line">
+            <a:avLst/>
+          </a:prstGeom>
+        </p:spPr>
+        <p:style>
+          <a:lnRef idx="1">
+            <a:schemeClr val="accent1"/>
+          </a:lnRef>
+          <a:fillRef idx="0">
+            <a:schemeClr val="accent1"/>
+          </a:fillRef>
+          <a:effectRef idx="0">
+            <a:schemeClr val="accent1"/>
+          </a:effectRef>
+          <a:fontRef idx="minor">
+            <a:schemeClr val="tx1"/>
+          </a:fontRef>
+        </p:style>
+      </p:cxnSp>
+      <p:cxnSp>
+        <p:nvCxnSpPr>
+          <p:cNvPr id="29" name="Egyenes összekötő 28">
+            <a:extLst>
+              <a:ext uri="{FF2B5EF4-FFF2-40B4-BE49-F238E27FC236}">
+                <a16:creationId xmlns:a16="http://schemas.microsoft.com/office/drawing/2014/main" id="{44CA2CD5-8CA2-4A81-8B96-535CF431A72E}"/>
+              </a:ext>
+            </a:extLst>
+          </p:cNvPr>
+          <p:cNvCxnSpPr>
+            <a:cxnSpLocks/>
+            <a:stCxn id="4" idx="6"/>
+            <a:endCxn id="15" idx="2"/>
+          </p:cNvCxnSpPr>
+          <p:nvPr/>
+        </p:nvCxnSpPr>
+        <p:spPr>
+          <a:xfrm>
+            <a:off x="2338754" y="1305668"/>
+            <a:ext cx="1729155" cy="669673"/>
+          </a:xfrm>
+          <a:prstGeom prst="line">
+            <a:avLst/>
+          </a:prstGeom>
+        </p:spPr>
+        <p:style>
+          <a:lnRef idx="1">
+            <a:schemeClr val="accent1"/>
+          </a:lnRef>
+          <a:fillRef idx="0">
+            <a:schemeClr val="accent1"/>
+          </a:fillRef>
+          <a:effectRef idx="0">
+            <a:schemeClr val="accent1"/>
+          </a:effectRef>
+          <a:fontRef idx="minor">
+            <a:schemeClr val="tx1"/>
+          </a:fontRef>
+        </p:style>
+      </p:cxnSp>
+      <p:cxnSp>
+        <p:nvCxnSpPr>
+          <p:cNvPr id="32" name="Egyenes összekötő 31">
+            <a:extLst>
+              <a:ext uri="{FF2B5EF4-FFF2-40B4-BE49-F238E27FC236}">
+                <a16:creationId xmlns:a16="http://schemas.microsoft.com/office/drawing/2014/main" id="{2A1AA9E3-B4D6-4DB4-AC1A-2122A4AE5700}"/>
+              </a:ext>
+            </a:extLst>
+          </p:cNvPr>
+          <p:cNvCxnSpPr>
+            <a:cxnSpLocks/>
+            <a:endCxn id="16" idx="2"/>
+          </p:cNvCxnSpPr>
+          <p:nvPr/>
+        </p:nvCxnSpPr>
+        <p:spPr>
+          <a:xfrm>
+            <a:off x="2338755" y="1335706"/>
+            <a:ext cx="1729154" cy="1418479"/>
+          </a:xfrm>
+          <a:prstGeom prst="line">
+            <a:avLst/>
+          </a:prstGeom>
+          <a:ln w="19050"/>
+        </p:spPr>
+        <p:style>
+          <a:lnRef idx="1">
+            <a:schemeClr val="accent1"/>
+          </a:lnRef>
+          <a:fillRef idx="0">
+            <a:schemeClr val="accent1"/>
+          </a:fillRef>
+          <a:effectRef idx="0">
+            <a:schemeClr val="accent1"/>
+          </a:effectRef>
+          <a:fontRef idx="minor">
+            <a:schemeClr val="tx1"/>
+          </a:fontRef>
+        </p:style>
+      </p:cxnSp>
+      <p:cxnSp>
+        <p:nvCxnSpPr>
+          <p:cNvPr id="34" name="Egyenes összekötő 33">
+            <a:extLst>
+              <a:ext uri="{FF2B5EF4-FFF2-40B4-BE49-F238E27FC236}">
+                <a16:creationId xmlns:a16="http://schemas.microsoft.com/office/drawing/2014/main" id="{79F16233-ED5D-4261-9278-3280729F6926}"/>
+              </a:ext>
+            </a:extLst>
+          </p:cNvPr>
+          <p:cNvCxnSpPr>
+            <a:cxnSpLocks/>
+            <a:endCxn id="13" idx="2"/>
+          </p:cNvCxnSpPr>
+          <p:nvPr/>
+        </p:nvCxnSpPr>
+        <p:spPr>
+          <a:xfrm flipV="1">
+            <a:off x="2198076" y="587623"/>
+            <a:ext cx="1869833" cy="1425818"/>
+          </a:xfrm>
+          <a:prstGeom prst="line">
+            <a:avLst/>
+          </a:prstGeom>
+        </p:spPr>
+        <p:style>
+          <a:lnRef idx="1">
+            <a:schemeClr val="accent1"/>
+          </a:lnRef>
+          <a:fillRef idx="0">
+            <a:schemeClr val="accent1"/>
+          </a:fillRef>
+          <a:effectRef idx="0">
+            <a:schemeClr val="accent1"/>
+          </a:effectRef>
+          <a:fontRef idx="minor">
+            <a:schemeClr val="tx1"/>
+          </a:fontRef>
+        </p:style>
+      </p:cxnSp>
+      <p:cxnSp>
+        <p:nvCxnSpPr>
+          <p:cNvPr id="36" name="Egyenes összekötő 35">
+            <a:extLst>
+              <a:ext uri="{FF2B5EF4-FFF2-40B4-BE49-F238E27FC236}">
+                <a16:creationId xmlns:a16="http://schemas.microsoft.com/office/drawing/2014/main" id="{904C537A-0615-44A6-87C2-BBCD62682E80}"/>
+              </a:ext>
+            </a:extLst>
+          </p:cNvPr>
+          <p:cNvCxnSpPr>
+            <a:cxnSpLocks/>
+            <a:endCxn id="14" idx="2"/>
+          </p:cNvCxnSpPr>
+          <p:nvPr/>
+        </p:nvCxnSpPr>
+        <p:spPr>
+          <a:xfrm flipV="1">
+            <a:off x="2242037" y="1267568"/>
+            <a:ext cx="1825872" cy="707772"/>
+          </a:xfrm>
+          <a:prstGeom prst="line">
+            <a:avLst/>
+          </a:prstGeom>
+          <a:ln w="19050"/>
+        </p:spPr>
+        <p:style>
+          <a:lnRef idx="1">
+            <a:schemeClr val="accent1"/>
+          </a:lnRef>
+          <a:fillRef idx="0">
+            <a:schemeClr val="accent1"/>
+          </a:fillRef>
+          <a:effectRef idx="0">
+            <a:schemeClr val="accent1"/>
+          </a:effectRef>
+          <a:fontRef idx="minor">
+            <a:schemeClr val="tx1"/>
+          </a:fontRef>
+        </p:style>
+      </p:cxnSp>
+      <p:cxnSp>
+        <p:nvCxnSpPr>
+          <p:cNvPr id="38" name="Egyenes összekötő 37">
+            <a:extLst>
+              <a:ext uri="{FF2B5EF4-FFF2-40B4-BE49-F238E27FC236}">
+                <a16:creationId xmlns:a16="http://schemas.microsoft.com/office/drawing/2014/main" id="{D2C9B355-9EA3-480B-9C79-34302ACFAE24}"/>
+              </a:ext>
+            </a:extLst>
+          </p:cNvPr>
+          <p:cNvCxnSpPr>
+            <a:cxnSpLocks/>
+            <a:stCxn id="6" idx="6"/>
+            <a:endCxn id="15" idx="2"/>
+          </p:cNvCxnSpPr>
+          <p:nvPr/>
+        </p:nvCxnSpPr>
+        <p:spPr>
+          <a:xfrm flipV="1">
+            <a:off x="2286000" y="1975341"/>
+            <a:ext cx="1781909" cy="788375"/>
+          </a:xfrm>
+          <a:prstGeom prst="line">
+            <a:avLst/>
+          </a:prstGeom>
+          <a:ln w="19050"/>
+        </p:spPr>
+        <p:style>
+          <a:lnRef idx="1">
+            <a:schemeClr val="accent1"/>
+          </a:lnRef>
+          <a:fillRef idx="0">
+            <a:schemeClr val="accent1"/>
+          </a:fillRef>
+          <a:effectRef idx="0">
+            <a:schemeClr val="accent1"/>
+          </a:effectRef>
+          <a:fontRef idx="minor">
+            <a:schemeClr val="tx1"/>
+          </a:fontRef>
+        </p:style>
+      </p:cxnSp>
+      <p:cxnSp>
+        <p:nvCxnSpPr>
+          <p:cNvPr id="43" name="Egyenes összekötő 42">
+            <a:extLst>
+              <a:ext uri="{FF2B5EF4-FFF2-40B4-BE49-F238E27FC236}">
+                <a16:creationId xmlns:a16="http://schemas.microsoft.com/office/drawing/2014/main" id="{3423E43F-4859-4785-A458-7A6A2FFFAF54}"/>
+              </a:ext>
+            </a:extLst>
+          </p:cNvPr>
+          <p:cNvCxnSpPr>
+            <a:cxnSpLocks/>
+            <a:endCxn id="14" idx="2"/>
+          </p:cNvCxnSpPr>
+          <p:nvPr/>
+        </p:nvCxnSpPr>
+        <p:spPr>
+          <a:xfrm flipV="1">
+            <a:off x="2286000" y="1267568"/>
+            <a:ext cx="1781909" cy="1480024"/>
+          </a:xfrm>
+          <a:prstGeom prst="line">
+            <a:avLst/>
+          </a:prstGeom>
+        </p:spPr>
+        <p:style>
+          <a:lnRef idx="1">
+            <a:schemeClr val="accent1"/>
+          </a:lnRef>
+          <a:fillRef idx="0">
+            <a:schemeClr val="accent1"/>
+          </a:fillRef>
+          <a:effectRef idx="0">
+            <a:schemeClr val="accent1"/>
+          </a:effectRef>
+          <a:fontRef idx="minor">
+            <a:schemeClr val="tx1"/>
+          </a:fontRef>
+        </p:style>
+      </p:cxnSp>
+      <mc:AlternateContent xmlns:mc="http://schemas.openxmlformats.org/markup-compatibility/2006">
+        <mc:Choice xmlns:a14="http://schemas.microsoft.com/office/drawing/2010/main" Requires="a14">
+          <p:sp>
+            <p:nvSpPr>
+              <p:cNvPr id="49" name="Szövegdoboz 48">
+                <a:extLst>
+                  <a:ext uri="{FF2B5EF4-FFF2-40B4-BE49-F238E27FC236}">
+                    <a16:creationId xmlns:a16="http://schemas.microsoft.com/office/drawing/2014/main" id="{E5F34DBF-425D-4031-8DDF-0E9B9EA0E3C6}"/>
+                  </a:ext>
+                </a:extLst>
+              </p:cNvPr>
+              <p:cNvSpPr txBox="1"/>
+              <p:nvPr/>
+            </p:nvSpPr>
+            <p:spPr>
+              <a:xfrm>
+                <a:off x="6482862" y="1167016"/>
+                <a:ext cx="1034043" cy="1007776"/>
+              </a:xfrm>
+              <a:prstGeom prst="rect">
+                <a:avLst/>
+              </a:prstGeom>
+              <a:noFill/>
+            </p:spPr>
+            <p:txBody>
+              <a:bodyPr wrap="square" lIns="0" tIns="0" rIns="0" bIns="0" rtlCol="0">
+                <a:spAutoFit/>
+              </a:bodyPr>
+              <a:lstStyle/>
+              <a:p>
+                <a14:m>
+                  <m:oMath xmlns:m="http://schemas.openxmlformats.org/officeDocument/2006/math">
+                    <m:m>
+                      <m:mPr>
+                        <m:mcs>
+                          <m:mc>
+                            <m:mcPr>
+                              <m:count m:val="1"/>
+                              <m:mcJc m:val="center"/>
+                            </m:mcPr>
+                          </m:mc>
+                        </m:mcs>
+                        <m:ctrlPr>
+                          <a:rPr lang="hu-HU" i="1" smtClean="0">
+                            <a:latin typeface="Cambria Math" panose="02040503050406030204" pitchFamily="18" charset="0"/>
+                          </a:rPr>
+                        </m:ctrlPr>
+                      </m:mPr>
+                      <m:mr>
+                        <m:e>
+                          <m:r>
+                            <m:rPr>
+                              <m:brk m:alnAt="7"/>
+                            </m:rPr>
+                            <a:rPr lang="hu-HU" b="0" i="1" smtClean="0">
+                              <a:latin typeface="Cambria Math" panose="02040503050406030204" pitchFamily="18" charset="0"/>
+                            </a:rPr>
+                            <m:t>1</m:t>
+                          </m:r>
+                        </m:e>
+                      </m:mr>
+                      <m:mr>
+                        <m:e>
+                          <m:r>
+                            <a:rPr lang="hu-HU" b="0" i="1" smtClean="0">
+                              <a:latin typeface="Cambria Math" panose="02040503050406030204" pitchFamily="18" charset="0"/>
+                            </a:rPr>
+                            <m:t>4</m:t>
+                          </m:r>
+                        </m:e>
+                      </m:mr>
+                      <m:mr>
+                        <m:e>
+                          <m:eqArr>
+                            <m:eqArrPr>
+                              <m:ctrlPr>
+                                <a:rPr lang="hu-HU" i="1" smtClean="0">
+                                  <a:latin typeface="Cambria Math" panose="02040503050406030204" pitchFamily="18" charset="0"/>
+                                </a:rPr>
+                              </m:ctrlPr>
+                            </m:eqArrPr>
+                            <m:e>
+                              <m:r>
+                                <a:rPr lang="hu-HU" b="0" i="1" smtClean="0">
+                                  <a:latin typeface="Cambria Math" panose="02040503050406030204" pitchFamily="18" charset="0"/>
+                                </a:rPr>
+                                <m:t>2</m:t>
+                              </m:r>
+                            </m:e>
+                            <m:e>
+                              <m:r>
+                                <a:rPr lang="hu-HU" b="0" i="1" smtClean="0">
+                                  <a:latin typeface="Cambria Math" panose="02040503050406030204" pitchFamily="18" charset="0"/>
+                                </a:rPr>
+                                <m:t>3</m:t>
+                              </m:r>
+                            </m:e>
+                          </m:eqArr>
+                        </m:e>
+                      </m:mr>
+                    </m:m>
+                  </m:oMath>
+                </a14:m>
+                <a:r>
+                  <a:rPr lang="hu-HU" dirty="0"/>
+                  <a:t> </a:t>
+                </a:r>
+                <a14:m>
+                  <m:oMath xmlns:m="http://schemas.openxmlformats.org/officeDocument/2006/math">
+                    <m:m>
+                      <m:mPr>
+                        <m:mcs>
+                          <m:mc>
+                            <m:mcPr>
+                              <m:count m:val="1"/>
+                              <m:mcJc m:val="center"/>
+                            </m:mcPr>
+                          </m:mc>
+                        </m:mcs>
+                        <m:ctrlPr>
+                          <a:rPr lang="hu-HU" i="1">
+                            <a:latin typeface="Cambria Math" panose="02040503050406030204" pitchFamily="18" charset="0"/>
+                          </a:rPr>
+                        </m:ctrlPr>
+                      </m:mPr>
+                      <m:mr>
+                        <m:e/>
+                      </m:mr>
+                      <m:mr>
+                        <m:e/>
+                      </m:mr>
+                      <m:mr>
+                        <m:e>
+                          <m:eqArr>
+                            <m:eqArrPr>
+                              <m:ctrlPr>
+                                <a:rPr lang="hu-HU" i="1">
+                                  <a:latin typeface="Cambria Math" panose="02040503050406030204" pitchFamily="18" charset="0"/>
+                                </a:rPr>
+                              </m:ctrlPr>
+                            </m:eqArrPr>
+                            <m:e/>
+                            <m:e/>
+                          </m:eqArr>
+                        </m:e>
+                      </m:mr>
+                    </m:m>
+                  </m:oMath>
+                </a14:m>
+                <a:r>
+                  <a:rPr lang="hu-HU" dirty="0"/>
+                  <a:t> </a:t>
+                </a:r>
+                <a14:m>
+                  <m:oMath xmlns:m="http://schemas.openxmlformats.org/officeDocument/2006/math">
+                    <m:m>
+                      <m:mPr>
+                        <m:mcs>
+                          <m:mc>
+                            <m:mcPr>
+                              <m:count m:val="1"/>
+                              <m:mcJc m:val="center"/>
+                            </m:mcPr>
+                          </m:mc>
+                        </m:mcs>
+                        <m:ctrlPr>
+                          <a:rPr lang="hu-HU" i="1">
+                            <a:latin typeface="Cambria Math" panose="02040503050406030204" pitchFamily="18" charset="0"/>
+                          </a:rPr>
+                        </m:ctrlPr>
+                      </m:mPr>
+                      <m:mr>
+                        <m:e/>
+                      </m:mr>
+                      <m:mr>
+                        <m:e/>
+                      </m:mr>
+                      <m:mr>
+                        <m:e>
+                          <m:eqArr>
+                            <m:eqArrPr>
+                              <m:ctrlPr>
+                                <a:rPr lang="hu-HU" i="1">
+                                  <a:latin typeface="Cambria Math" panose="02040503050406030204" pitchFamily="18" charset="0"/>
+                                </a:rPr>
+                              </m:ctrlPr>
+                            </m:eqArrPr>
+                            <m:e/>
+                            <m:e/>
+                          </m:eqArr>
+                        </m:e>
+                      </m:mr>
+                    </m:m>
+                  </m:oMath>
+                </a14:m>
+                <a:r>
+                  <a:rPr lang="hu-HU" dirty="0"/>
+                  <a:t> </a:t>
+                </a:r>
+                <a14:m>
+                  <m:oMath xmlns:m="http://schemas.openxmlformats.org/officeDocument/2006/math">
+                    <m:m>
+                      <m:mPr>
+                        <m:mcs>
+                          <m:mc>
+                            <m:mcPr>
+                              <m:count m:val="1"/>
+                              <m:mcJc m:val="center"/>
+                            </m:mcPr>
+                          </m:mc>
+                        </m:mcs>
+                        <m:ctrlPr>
+                          <a:rPr lang="hu-HU" i="1">
+                            <a:latin typeface="Cambria Math" panose="02040503050406030204" pitchFamily="18" charset="0"/>
+                          </a:rPr>
+                        </m:ctrlPr>
+                      </m:mPr>
+                      <m:mr>
+                        <m:e/>
+                      </m:mr>
+                      <m:mr>
+                        <m:e/>
+                      </m:mr>
+                      <m:mr>
+                        <m:e>
+                          <m:eqArr>
+                            <m:eqArrPr>
+                              <m:ctrlPr>
+                                <a:rPr lang="hu-HU" i="1">
+                                  <a:latin typeface="Cambria Math" panose="02040503050406030204" pitchFamily="18" charset="0"/>
+                                </a:rPr>
+                              </m:ctrlPr>
+                            </m:eqArrPr>
+                            <m:e/>
+                            <m:e/>
+                          </m:eqArr>
+                        </m:e>
+                      </m:mr>
+                    </m:m>
+                  </m:oMath>
+                </a14:m>
+                <a:endParaRPr lang="hu-HU" dirty="0"/>
+              </a:p>
+            </p:txBody>
+          </p:sp>
+        </mc:Choice>
+        <mc:Fallback>
+          <p:sp>
+            <p:nvSpPr>
+              <p:cNvPr id="49" name="Szövegdoboz 48">
+                <a:extLst>
+                  <a:ext uri="{FF2B5EF4-FFF2-40B4-BE49-F238E27FC236}">
+                    <a16:creationId xmlns:a16="http://schemas.microsoft.com/office/drawing/2014/main" id="{E5F34DBF-425D-4031-8DDF-0E9B9EA0E3C6}"/>
+                  </a:ext>
+                </a:extLst>
+              </p:cNvPr>
+              <p:cNvSpPr txBox="1">
+                <a:spLocks noRot="1" noChangeAspect="1" noMove="1" noResize="1" noEditPoints="1" noAdjustHandles="1" noChangeArrowheads="1" noChangeShapeType="1" noTextEdit="1"/>
+              </p:cNvSpPr>
+              <p:nvPr/>
+            </p:nvSpPr>
+            <p:spPr>
+              <a:xfrm>
+                <a:off x="6482862" y="1167016"/>
+                <a:ext cx="1034043" cy="1007776"/>
+              </a:xfrm>
+              <a:prstGeom prst="rect">
+                <a:avLst/>
+              </a:prstGeom>
+              <a:blipFill>
+                <a:blip r:embed="rId2"/>
+                <a:stretch>
+                  <a:fillRect/>
+                </a:stretch>
+              </a:blipFill>
+            </p:spPr>
+            <p:txBody>
+              <a:bodyPr/>
+              <a:lstStyle/>
+              <a:p>
+                <a:r>
+                  <a:rPr lang="hu-HU">
+                    <a:noFill/>
+                  </a:rPr>
+                  <a:t> </a:t>
+                </a:r>
+              </a:p>
+            </p:txBody>
+          </p:sp>
+        </mc:Fallback>
+      </mc:AlternateContent>
+    </p:spTree>
+    <p:extLst>
+      <p:ext uri="{BB962C8B-B14F-4D97-AF65-F5344CB8AC3E}">
+        <p14:creationId xmlns:p14="http://schemas.microsoft.com/office/powerpoint/2010/main" val="2997898997"/>
+      </p:ext>
+    </p:extLst>
+  </p:cSld>
+  <p:clrMapOvr>
+    <a:masterClrMapping/>
+  </p:clrMapOvr>
+</p:sld>
+</file>
+
+<file path=ppt/slides/slide16.xml><?xml version="1.0" encoding="utf-8"?>
+<p:sld xmlns:a="http://schemas.openxmlformats.org/drawingml/2006/main" xmlns:r="http://schemas.openxmlformats.org/officeDocument/2006/relationships" xmlns:p="http://schemas.openxmlformats.org/presentationml/2006/main">
+  <p:cSld>
+    <p:spTree>
+      <p:nvGrpSpPr>
+        <p:cNvPr id="1" name=""/>
+        <p:cNvGrpSpPr/>
+        <p:nvPr/>
+      </p:nvGrpSpPr>
+      <p:grpSpPr>
+        <a:xfrm>
+          <a:off x="0" y="0"/>
+          <a:ext cx="0" cy="0"/>
+          <a:chOff x="0" y="0"/>
+          <a:chExt cx="0" cy="0"/>
+        </a:xfrm>
+      </p:grpSpPr>
+      <p:sp>
+        <p:nvSpPr>
+          <p:cNvPr id="4" name="Ellipszis 3">
+            <a:extLst>
+              <a:ext uri="{FF2B5EF4-FFF2-40B4-BE49-F238E27FC236}">
+                <a16:creationId xmlns:a16="http://schemas.microsoft.com/office/drawing/2014/main" id="{4D4BAC99-6C90-4566-9716-0A7A7EBBECA5}"/>
+              </a:ext>
+            </a:extLst>
+          </p:cNvPr>
+          <p:cNvSpPr/>
+          <p:nvPr/>
+        </p:nvSpPr>
+        <p:spPr>
+          <a:xfrm>
+            <a:off x="1189892" y="1003799"/>
+            <a:ext cx="1148862" cy="603738"/>
+          </a:xfrm>
+          <a:prstGeom prst="ellipse">
+            <a:avLst/>
+          </a:prstGeom>
+        </p:spPr>
+        <p:style>
+          <a:lnRef idx="2">
+            <a:schemeClr val="accent1">
+              <a:shade val="50000"/>
+            </a:schemeClr>
+          </a:lnRef>
+          <a:fillRef idx="1">
+            <a:schemeClr val="accent1"/>
+          </a:fillRef>
+          <a:effectRef idx="0">
+            <a:schemeClr val="accent1"/>
+          </a:effectRef>
+          <a:fontRef idx="minor">
+            <a:schemeClr val="lt1"/>
+          </a:fontRef>
+        </p:style>
+        <p:txBody>
+          <a:bodyPr rtlCol="0" anchor="ctr"/>
+          <a:lstStyle/>
+          <a:p>
+            <a:pPr algn="ctr"/>
+            <a:r>
+              <a:rPr lang="hu-HU" dirty="0"/>
+              <a:t>3,4</a:t>
+            </a:r>
+          </a:p>
+        </p:txBody>
+      </p:sp>
+      <p:sp>
+        <p:nvSpPr>
+          <p:cNvPr id="5" name="Ellipszis 4">
+            <a:extLst>
+              <a:ext uri="{FF2B5EF4-FFF2-40B4-BE49-F238E27FC236}">
+                <a16:creationId xmlns:a16="http://schemas.microsoft.com/office/drawing/2014/main" id="{51FD2FD1-6CCD-4B48-83BB-2F467CC138A0}"/>
+              </a:ext>
+            </a:extLst>
+          </p:cNvPr>
+          <p:cNvSpPr/>
+          <p:nvPr/>
+        </p:nvSpPr>
+        <p:spPr>
+          <a:xfrm>
+            <a:off x="1189892" y="1711572"/>
+            <a:ext cx="1096108" cy="603738"/>
+          </a:xfrm>
+          <a:prstGeom prst="ellipse">
+            <a:avLst/>
+          </a:prstGeom>
+        </p:spPr>
+        <p:style>
+          <a:lnRef idx="2">
+            <a:schemeClr val="accent1">
+              <a:shade val="50000"/>
+            </a:schemeClr>
+          </a:lnRef>
+          <a:fillRef idx="1">
+            <a:schemeClr val="accent1"/>
+          </a:fillRef>
+          <a:effectRef idx="0">
+            <a:schemeClr val="accent1"/>
+          </a:effectRef>
+          <a:fontRef idx="minor">
+            <a:schemeClr val="lt1"/>
+          </a:fontRef>
+        </p:style>
+        <p:txBody>
+          <a:bodyPr rtlCol="0" anchor="ctr"/>
+          <a:lstStyle/>
+          <a:p>
+            <a:pPr algn="ctr"/>
+            <a:r>
+              <a:rPr lang="hu-HU" dirty="0"/>
+              <a:t>1,2</a:t>
+            </a:r>
+          </a:p>
+        </p:txBody>
+      </p:sp>
+      <p:sp>
+        <p:nvSpPr>
+          <p:cNvPr id="6" name="Ellipszis 5">
+            <a:extLst>
+              <a:ext uri="{FF2B5EF4-FFF2-40B4-BE49-F238E27FC236}">
+                <a16:creationId xmlns:a16="http://schemas.microsoft.com/office/drawing/2014/main" id="{01F21123-FF48-449C-9D28-BD4C1EA7E498}"/>
+              </a:ext>
+            </a:extLst>
+          </p:cNvPr>
+          <p:cNvSpPr/>
+          <p:nvPr/>
+        </p:nvSpPr>
+        <p:spPr>
+          <a:xfrm>
+            <a:off x="1189892" y="2461847"/>
+            <a:ext cx="1096108" cy="603738"/>
+          </a:xfrm>
+          <a:prstGeom prst="ellipse">
+            <a:avLst/>
+          </a:prstGeom>
+        </p:spPr>
+        <p:style>
+          <a:lnRef idx="2">
+            <a:schemeClr val="accent1">
+              <a:shade val="50000"/>
+            </a:schemeClr>
+          </a:lnRef>
+          <a:fillRef idx="1">
+            <a:schemeClr val="accent1"/>
+          </a:fillRef>
+          <a:effectRef idx="0">
+            <a:schemeClr val="accent1"/>
+          </a:effectRef>
+          <a:fontRef idx="minor">
+            <a:schemeClr val="lt1"/>
+          </a:fontRef>
+        </p:style>
+        <p:txBody>
+          <a:bodyPr rtlCol="0" anchor="ctr"/>
+          <a:lstStyle/>
+          <a:p>
+            <a:pPr algn="ctr"/>
+            <a:r>
+              <a:rPr lang="hu-HU" dirty="0"/>
+              <a:t>3,2</a:t>
+            </a:r>
+          </a:p>
+        </p:txBody>
+      </p:sp>
+      <p:sp>
+        <p:nvSpPr>
+          <p:cNvPr id="10" name="Ellipszis 9">
+            <a:extLst>
+              <a:ext uri="{FF2B5EF4-FFF2-40B4-BE49-F238E27FC236}">
+                <a16:creationId xmlns:a16="http://schemas.microsoft.com/office/drawing/2014/main" id="{2BB7E0E6-1FA6-40EE-B37A-B2EEE8D6454F}"/>
+              </a:ext>
+            </a:extLst>
+          </p:cNvPr>
+          <p:cNvSpPr/>
+          <p:nvPr/>
+        </p:nvSpPr>
+        <p:spPr>
+          <a:xfrm>
+            <a:off x="1189892" y="285754"/>
+            <a:ext cx="1096108" cy="603738"/>
+          </a:xfrm>
+          <a:prstGeom prst="ellipse">
+            <a:avLst/>
+          </a:prstGeom>
+        </p:spPr>
+        <p:style>
+          <a:lnRef idx="2">
+            <a:schemeClr val="accent1">
+              <a:shade val="50000"/>
+            </a:schemeClr>
+          </a:lnRef>
+          <a:fillRef idx="1">
+            <a:schemeClr val="accent1"/>
+          </a:fillRef>
+          <a:effectRef idx="0">
+            <a:schemeClr val="accent1"/>
+          </a:effectRef>
+          <a:fontRef idx="minor">
+            <a:schemeClr val="lt1"/>
+          </a:fontRef>
+        </p:style>
+        <p:txBody>
+          <a:bodyPr rtlCol="0" anchor="ctr"/>
+          <a:lstStyle/>
+          <a:p>
+            <a:pPr algn="ctr"/>
+            <a:r>
+              <a:rPr lang="hu-HU" dirty="0"/>
+              <a:t>1,4</a:t>
+            </a:r>
+          </a:p>
+        </p:txBody>
+      </p:sp>
+      <p:sp>
+        <p:nvSpPr>
+          <p:cNvPr id="13" name="Ellipszis 12">
+            <a:extLst>
+              <a:ext uri="{FF2B5EF4-FFF2-40B4-BE49-F238E27FC236}">
+                <a16:creationId xmlns:a16="http://schemas.microsoft.com/office/drawing/2014/main" id="{9429FCD1-0F10-475C-BE58-B0E8F2B9727D}"/>
+              </a:ext>
+            </a:extLst>
+          </p:cNvPr>
+          <p:cNvSpPr/>
+          <p:nvPr/>
+        </p:nvSpPr>
+        <p:spPr>
+          <a:xfrm>
+            <a:off x="4067909" y="323854"/>
+            <a:ext cx="685799" cy="527537"/>
+          </a:xfrm>
+          <a:prstGeom prst="ellipse">
+            <a:avLst/>
+          </a:prstGeom>
+        </p:spPr>
+        <p:style>
+          <a:lnRef idx="2">
+            <a:schemeClr val="accent1">
+              <a:shade val="50000"/>
+            </a:schemeClr>
+          </a:lnRef>
+          <a:fillRef idx="1">
+            <a:schemeClr val="accent1"/>
+          </a:fillRef>
+          <a:effectRef idx="0">
+            <a:schemeClr val="accent1"/>
+          </a:effectRef>
+          <a:fontRef idx="minor">
+            <a:schemeClr val="lt1"/>
+          </a:fontRef>
+        </p:style>
+        <p:txBody>
+          <a:bodyPr rtlCol="0" anchor="ctr"/>
+          <a:lstStyle/>
+          <a:p>
+            <a:pPr algn="ctr"/>
+            <a:r>
+              <a:rPr lang="hu-HU" dirty="0"/>
+              <a:t>1</a:t>
+            </a:r>
+          </a:p>
+        </p:txBody>
+      </p:sp>
+      <p:sp>
+        <p:nvSpPr>
+          <p:cNvPr id="14" name="Ellipszis 13">
+            <a:extLst>
+              <a:ext uri="{FF2B5EF4-FFF2-40B4-BE49-F238E27FC236}">
+                <a16:creationId xmlns:a16="http://schemas.microsoft.com/office/drawing/2014/main" id="{8C149689-9B0B-4E80-9E4B-30045CEE1056}"/>
+              </a:ext>
+            </a:extLst>
+          </p:cNvPr>
+          <p:cNvSpPr/>
+          <p:nvPr/>
+        </p:nvSpPr>
+        <p:spPr>
+          <a:xfrm>
+            <a:off x="4067909" y="1003799"/>
+            <a:ext cx="685799" cy="527537"/>
+          </a:xfrm>
+          <a:prstGeom prst="ellipse">
+            <a:avLst/>
+          </a:prstGeom>
+        </p:spPr>
+        <p:style>
+          <a:lnRef idx="2">
+            <a:schemeClr val="accent1">
+              <a:shade val="50000"/>
+            </a:schemeClr>
+          </a:lnRef>
+          <a:fillRef idx="1">
+            <a:schemeClr val="accent1"/>
+          </a:fillRef>
+          <a:effectRef idx="0">
+            <a:schemeClr val="accent1"/>
+          </a:effectRef>
+          <a:fontRef idx="minor">
+            <a:schemeClr val="lt1"/>
+          </a:fontRef>
+        </p:style>
+        <p:txBody>
+          <a:bodyPr rtlCol="0" anchor="ctr"/>
+          <a:lstStyle/>
+          <a:p>
+            <a:pPr algn="ctr"/>
+            <a:r>
+              <a:rPr lang="hu-HU" dirty="0"/>
+              <a:t>2</a:t>
+            </a:r>
+          </a:p>
+        </p:txBody>
+      </p:sp>
+      <p:sp>
+        <p:nvSpPr>
+          <p:cNvPr id="15" name="Ellipszis 14">
+            <a:extLst>
+              <a:ext uri="{FF2B5EF4-FFF2-40B4-BE49-F238E27FC236}">
+                <a16:creationId xmlns:a16="http://schemas.microsoft.com/office/drawing/2014/main" id="{A3A19924-783F-4843-A701-A16A175A97F6}"/>
+              </a:ext>
+            </a:extLst>
+          </p:cNvPr>
+          <p:cNvSpPr/>
+          <p:nvPr/>
+        </p:nvSpPr>
+        <p:spPr>
+          <a:xfrm>
+            <a:off x="4067909" y="1711572"/>
+            <a:ext cx="685799" cy="527537"/>
+          </a:xfrm>
+          <a:prstGeom prst="ellipse">
+            <a:avLst/>
+          </a:prstGeom>
+        </p:spPr>
+        <p:style>
+          <a:lnRef idx="2">
+            <a:schemeClr val="accent1">
+              <a:shade val="50000"/>
+            </a:schemeClr>
+          </a:lnRef>
+          <a:fillRef idx="1">
+            <a:schemeClr val="accent1"/>
+          </a:fillRef>
+          <a:effectRef idx="0">
+            <a:schemeClr val="accent1"/>
+          </a:effectRef>
+          <a:fontRef idx="minor">
+            <a:schemeClr val="lt1"/>
+          </a:fontRef>
+        </p:style>
+        <p:txBody>
+          <a:bodyPr rtlCol="0" anchor="ctr"/>
+          <a:lstStyle/>
+          <a:p>
+            <a:pPr algn="ctr"/>
+            <a:r>
+              <a:rPr lang="hu-HU" dirty="0"/>
+              <a:t>3</a:t>
+            </a:r>
+          </a:p>
+        </p:txBody>
+      </p:sp>
+      <p:sp>
+        <p:nvSpPr>
+          <p:cNvPr id="16" name="Ellipszis 15">
+            <a:extLst>
+              <a:ext uri="{FF2B5EF4-FFF2-40B4-BE49-F238E27FC236}">
+                <a16:creationId xmlns:a16="http://schemas.microsoft.com/office/drawing/2014/main" id="{00E574D1-B870-4265-9BFE-582889900FF7}"/>
+              </a:ext>
+            </a:extLst>
+          </p:cNvPr>
+          <p:cNvSpPr/>
+          <p:nvPr/>
+        </p:nvSpPr>
+        <p:spPr>
+          <a:xfrm>
+            <a:off x="4067909" y="2490416"/>
+            <a:ext cx="685799" cy="527537"/>
+          </a:xfrm>
+          <a:prstGeom prst="ellipse">
+            <a:avLst/>
+          </a:prstGeom>
+        </p:spPr>
+        <p:style>
+          <a:lnRef idx="2">
+            <a:schemeClr val="accent1">
+              <a:shade val="50000"/>
+            </a:schemeClr>
+          </a:lnRef>
+          <a:fillRef idx="1">
+            <a:schemeClr val="accent1"/>
+          </a:fillRef>
+          <a:effectRef idx="0">
+            <a:schemeClr val="accent1"/>
+          </a:effectRef>
+          <a:fontRef idx="minor">
+            <a:schemeClr val="lt1"/>
+          </a:fontRef>
+        </p:style>
+        <p:txBody>
+          <a:bodyPr rtlCol="0" anchor="ctr"/>
+          <a:lstStyle/>
+          <a:p>
+            <a:pPr algn="ctr"/>
+            <a:r>
+              <a:rPr lang="hu-HU" dirty="0"/>
+              <a:t>4</a:t>
+            </a:r>
+          </a:p>
+        </p:txBody>
+      </p:sp>
+      <p:cxnSp>
+        <p:nvCxnSpPr>
+          <p:cNvPr id="23" name="Egyenes összekötő 22">
+            <a:extLst>
+              <a:ext uri="{FF2B5EF4-FFF2-40B4-BE49-F238E27FC236}">
+                <a16:creationId xmlns:a16="http://schemas.microsoft.com/office/drawing/2014/main" id="{889FCE02-DF30-4CDC-9EE8-7ACF6285EE56}"/>
+              </a:ext>
+            </a:extLst>
+          </p:cNvPr>
+          <p:cNvCxnSpPr>
+            <a:cxnSpLocks/>
+            <a:stCxn id="10" idx="6"/>
+            <a:endCxn id="13" idx="2"/>
+          </p:cNvCxnSpPr>
+          <p:nvPr/>
+        </p:nvCxnSpPr>
+        <p:spPr>
+          <a:xfrm>
+            <a:off x="2286000" y="587623"/>
+            <a:ext cx="1781909" cy="0"/>
+          </a:xfrm>
+          <a:prstGeom prst="line">
+            <a:avLst/>
+          </a:prstGeom>
+          <a:ln w="9525"/>
+        </p:spPr>
+        <p:style>
+          <a:lnRef idx="1">
+            <a:schemeClr val="accent1"/>
+          </a:lnRef>
+          <a:fillRef idx="0">
+            <a:schemeClr val="accent1"/>
+          </a:fillRef>
+          <a:effectRef idx="0">
+            <a:schemeClr val="accent1"/>
+          </a:effectRef>
+          <a:fontRef idx="minor">
+            <a:schemeClr val="tx1"/>
+          </a:fontRef>
+        </p:style>
+      </p:cxnSp>
+      <p:cxnSp>
+        <p:nvCxnSpPr>
+          <p:cNvPr id="26" name="Egyenes összekötő 25">
+            <a:extLst>
+              <a:ext uri="{FF2B5EF4-FFF2-40B4-BE49-F238E27FC236}">
+                <a16:creationId xmlns:a16="http://schemas.microsoft.com/office/drawing/2014/main" id="{C2BDF3C5-8BE2-418C-A01E-1639FB892793}"/>
+              </a:ext>
+            </a:extLst>
+          </p:cNvPr>
+          <p:cNvCxnSpPr>
+            <a:cxnSpLocks/>
+            <a:stCxn id="10" idx="6"/>
+            <a:endCxn id="16" idx="2"/>
+          </p:cNvCxnSpPr>
+          <p:nvPr/>
+        </p:nvCxnSpPr>
+        <p:spPr>
+          <a:xfrm>
+            <a:off x="2286000" y="587623"/>
+            <a:ext cx="1781909" cy="2166562"/>
+          </a:xfrm>
+          <a:prstGeom prst="line">
+            <a:avLst/>
+          </a:prstGeom>
+          <a:ln w="19050"/>
+        </p:spPr>
+        <p:style>
+          <a:lnRef idx="1">
+            <a:schemeClr val="accent1"/>
+          </a:lnRef>
+          <a:fillRef idx="0">
+            <a:schemeClr val="accent1"/>
+          </a:fillRef>
+          <a:effectRef idx="0">
+            <a:schemeClr val="accent1"/>
+          </a:effectRef>
+          <a:fontRef idx="minor">
+            <a:schemeClr val="tx1"/>
+          </a:fontRef>
+        </p:style>
+      </p:cxnSp>
+      <p:cxnSp>
+        <p:nvCxnSpPr>
+          <p:cNvPr id="29" name="Egyenes összekötő 28">
+            <a:extLst>
+              <a:ext uri="{FF2B5EF4-FFF2-40B4-BE49-F238E27FC236}">
+                <a16:creationId xmlns:a16="http://schemas.microsoft.com/office/drawing/2014/main" id="{44CA2CD5-8CA2-4A81-8B96-535CF431A72E}"/>
+              </a:ext>
+            </a:extLst>
+          </p:cNvPr>
+          <p:cNvCxnSpPr>
+            <a:cxnSpLocks/>
+            <a:stCxn id="4" idx="6"/>
+            <a:endCxn id="15" idx="2"/>
+          </p:cNvCxnSpPr>
+          <p:nvPr/>
+        </p:nvCxnSpPr>
+        <p:spPr>
+          <a:xfrm>
+            <a:off x="2338754" y="1305668"/>
+            <a:ext cx="1729155" cy="669673"/>
+          </a:xfrm>
+          <a:prstGeom prst="line">
+            <a:avLst/>
+          </a:prstGeom>
+          <a:ln w="19050"/>
+        </p:spPr>
+        <p:style>
+          <a:lnRef idx="1">
+            <a:schemeClr val="accent1"/>
+          </a:lnRef>
+          <a:fillRef idx="0">
+            <a:schemeClr val="accent1"/>
+          </a:fillRef>
+          <a:effectRef idx="0">
+            <a:schemeClr val="accent1"/>
+          </a:effectRef>
+          <a:fontRef idx="minor">
+            <a:schemeClr val="tx1"/>
+          </a:fontRef>
+        </p:style>
+      </p:cxnSp>
+      <p:cxnSp>
+        <p:nvCxnSpPr>
+          <p:cNvPr id="32" name="Egyenes összekötő 31">
+            <a:extLst>
+              <a:ext uri="{FF2B5EF4-FFF2-40B4-BE49-F238E27FC236}">
+                <a16:creationId xmlns:a16="http://schemas.microsoft.com/office/drawing/2014/main" id="{2A1AA9E3-B4D6-4DB4-AC1A-2122A4AE5700}"/>
+              </a:ext>
+            </a:extLst>
+          </p:cNvPr>
+          <p:cNvCxnSpPr>
+            <a:cxnSpLocks/>
+            <a:endCxn id="16" idx="2"/>
+          </p:cNvCxnSpPr>
+          <p:nvPr/>
+        </p:nvCxnSpPr>
+        <p:spPr>
+          <a:xfrm>
+            <a:off x="2338755" y="1335706"/>
+            <a:ext cx="1729154" cy="1418479"/>
+          </a:xfrm>
+          <a:prstGeom prst="line">
+            <a:avLst/>
+          </a:prstGeom>
+          <a:ln w="9525"/>
+        </p:spPr>
+        <p:style>
+          <a:lnRef idx="1">
+            <a:schemeClr val="accent1"/>
+          </a:lnRef>
+          <a:fillRef idx="0">
+            <a:schemeClr val="accent1"/>
+          </a:fillRef>
+          <a:effectRef idx="0">
+            <a:schemeClr val="accent1"/>
+          </a:effectRef>
+          <a:fontRef idx="minor">
+            <a:schemeClr val="tx1"/>
+          </a:fontRef>
+        </p:style>
+      </p:cxnSp>
+      <p:cxnSp>
+        <p:nvCxnSpPr>
+          <p:cNvPr id="34" name="Egyenes összekötő 33">
+            <a:extLst>
+              <a:ext uri="{FF2B5EF4-FFF2-40B4-BE49-F238E27FC236}">
+                <a16:creationId xmlns:a16="http://schemas.microsoft.com/office/drawing/2014/main" id="{79F16233-ED5D-4261-9278-3280729F6926}"/>
+              </a:ext>
+            </a:extLst>
+          </p:cNvPr>
+          <p:cNvCxnSpPr>
+            <a:cxnSpLocks/>
+            <a:endCxn id="13" idx="2"/>
+          </p:cNvCxnSpPr>
+          <p:nvPr/>
+        </p:nvCxnSpPr>
+        <p:spPr>
+          <a:xfrm flipV="1">
+            <a:off x="2198076" y="587623"/>
+            <a:ext cx="1869833" cy="1425818"/>
+          </a:xfrm>
+          <a:prstGeom prst="line">
+            <a:avLst/>
+          </a:prstGeom>
+          <a:ln w="19050"/>
+        </p:spPr>
+        <p:style>
+          <a:lnRef idx="1">
+            <a:schemeClr val="accent1"/>
+          </a:lnRef>
+          <a:fillRef idx="0">
+            <a:schemeClr val="accent1"/>
+          </a:fillRef>
+          <a:effectRef idx="0">
+            <a:schemeClr val="accent1"/>
+          </a:effectRef>
+          <a:fontRef idx="minor">
+            <a:schemeClr val="tx1"/>
+          </a:fontRef>
+        </p:style>
+      </p:cxnSp>
+      <p:cxnSp>
+        <p:nvCxnSpPr>
+          <p:cNvPr id="36" name="Egyenes összekötő 35">
+            <a:extLst>
+              <a:ext uri="{FF2B5EF4-FFF2-40B4-BE49-F238E27FC236}">
+                <a16:creationId xmlns:a16="http://schemas.microsoft.com/office/drawing/2014/main" id="{904C537A-0615-44A6-87C2-BBCD62682E80}"/>
+              </a:ext>
+            </a:extLst>
+          </p:cNvPr>
+          <p:cNvCxnSpPr>
+            <a:cxnSpLocks/>
+            <a:endCxn id="14" idx="2"/>
+          </p:cNvCxnSpPr>
+          <p:nvPr/>
+        </p:nvCxnSpPr>
+        <p:spPr>
+          <a:xfrm flipV="1">
+            <a:off x="2242037" y="1267568"/>
+            <a:ext cx="1825872" cy="707772"/>
+          </a:xfrm>
+          <a:prstGeom prst="line">
+            <a:avLst/>
+          </a:prstGeom>
+          <a:ln w="9525"/>
+        </p:spPr>
+        <p:style>
+          <a:lnRef idx="1">
+            <a:schemeClr val="accent1"/>
+          </a:lnRef>
+          <a:fillRef idx="0">
+            <a:schemeClr val="accent1"/>
+          </a:fillRef>
+          <a:effectRef idx="0">
+            <a:schemeClr val="accent1"/>
+          </a:effectRef>
+          <a:fontRef idx="minor">
+            <a:schemeClr val="tx1"/>
+          </a:fontRef>
+        </p:style>
+      </p:cxnSp>
+      <p:cxnSp>
+        <p:nvCxnSpPr>
+          <p:cNvPr id="38" name="Egyenes összekötő 37">
+            <a:extLst>
+              <a:ext uri="{FF2B5EF4-FFF2-40B4-BE49-F238E27FC236}">
+                <a16:creationId xmlns:a16="http://schemas.microsoft.com/office/drawing/2014/main" id="{D2C9B355-9EA3-480B-9C79-34302ACFAE24}"/>
+              </a:ext>
+            </a:extLst>
+          </p:cNvPr>
+          <p:cNvCxnSpPr>
+            <a:cxnSpLocks/>
+            <a:stCxn id="6" idx="6"/>
+            <a:endCxn id="15" idx="2"/>
+          </p:cNvCxnSpPr>
+          <p:nvPr/>
+        </p:nvCxnSpPr>
+        <p:spPr>
+          <a:xfrm flipV="1">
+            <a:off x="2286000" y="1975341"/>
+            <a:ext cx="1781909" cy="788375"/>
+          </a:xfrm>
+          <a:prstGeom prst="line">
+            <a:avLst/>
+          </a:prstGeom>
+          <a:ln w="6350"/>
+        </p:spPr>
+        <p:style>
+          <a:lnRef idx="1">
+            <a:schemeClr val="accent1"/>
+          </a:lnRef>
+          <a:fillRef idx="0">
+            <a:schemeClr val="accent1"/>
+          </a:fillRef>
+          <a:effectRef idx="0">
+            <a:schemeClr val="accent1"/>
+          </a:effectRef>
+          <a:fontRef idx="minor">
+            <a:schemeClr val="tx1"/>
+          </a:fontRef>
+        </p:style>
+      </p:cxnSp>
+      <p:cxnSp>
+        <p:nvCxnSpPr>
+          <p:cNvPr id="43" name="Egyenes összekötő 42">
+            <a:extLst>
+              <a:ext uri="{FF2B5EF4-FFF2-40B4-BE49-F238E27FC236}">
+                <a16:creationId xmlns:a16="http://schemas.microsoft.com/office/drawing/2014/main" id="{3423E43F-4859-4785-A458-7A6A2FFFAF54}"/>
+              </a:ext>
+            </a:extLst>
+          </p:cNvPr>
+          <p:cNvCxnSpPr>
+            <a:cxnSpLocks/>
+            <a:endCxn id="14" idx="2"/>
+          </p:cNvCxnSpPr>
+          <p:nvPr/>
+        </p:nvCxnSpPr>
+        <p:spPr>
+          <a:xfrm flipV="1">
+            <a:off x="2286000" y="1267568"/>
+            <a:ext cx="1781909" cy="1480024"/>
+          </a:xfrm>
+          <a:prstGeom prst="line">
+            <a:avLst/>
+          </a:prstGeom>
+          <a:ln w="19050"/>
+        </p:spPr>
+        <p:style>
+          <a:lnRef idx="1">
+            <a:schemeClr val="accent1"/>
+          </a:lnRef>
+          <a:fillRef idx="0">
+            <a:schemeClr val="accent1"/>
+          </a:fillRef>
+          <a:effectRef idx="0">
+            <a:schemeClr val="accent1"/>
+          </a:effectRef>
+          <a:fontRef idx="minor">
+            <a:schemeClr val="tx1"/>
+          </a:fontRef>
+        </p:style>
+      </p:cxnSp>
+      <mc:AlternateContent xmlns:mc="http://schemas.openxmlformats.org/markup-compatibility/2006">
+        <mc:Choice xmlns:a14="http://schemas.microsoft.com/office/drawing/2010/main" Requires="a14">
+          <p:sp>
+            <p:nvSpPr>
+              <p:cNvPr id="49" name="Szövegdoboz 48">
+                <a:extLst>
+                  <a:ext uri="{FF2B5EF4-FFF2-40B4-BE49-F238E27FC236}">
+                    <a16:creationId xmlns:a16="http://schemas.microsoft.com/office/drawing/2014/main" id="{E5F34DBF-425D-4031-8DDF-0E9B9EA0E3C6}"/>
+                  </a:ext>
+                </a:extLst>
+              </p:cNvPr>
+              <p:cNvSpPr txBox="1"/>
+              <p:nvPr/>
+            </p:nvSpPr>
+            <p:spPr>
+              <a:xfrm>
+                <a:off x="6482862" y="1167016"/>
+                <a:ext cx="1034043" cy="1007776"/>
+              </a:xfrm>
+              <a:prstGeom prst="rect">
+                <a:avLst/>
+              </a:prstGeom>
+              <a:noFill/>
+            </p:spPr>
+            <p:txBody>
+              <a:bodyPr wrap="square" lIns="0" tIns="0" rIns="0" bIns="0" rtlCol="0">
+                <a:spAutoFit/>
+              </a:bodyPr>
+              <a:lstStyle/>
+              <a:p>
+                <a14:m>
+                  <m:oMath xmlns:m="http://schemas.openxmlformats.org/officeDocument/2006/math">
+                    <m:m>
+                      <m:mPr>
+                        <m:mcs>
+                          <m:mc>
+                            <m:mcPr>
+                              <m:count m:val="1"/>
+                              <m:mcJc m:val="center"/>
+                            </m:mcPr>
+                          </m:mc>
+                        </m:mcs>
+                        <m:ctrlPr>
+                          <a:rPr lang="hu-HU" i="1" smtClean="0">
+                            <a:latin typeface="Cambria Math" panose="02040503050406030204" pitchFamily="18" charset="0"/>
+                          </a:rPr>
+                        </m:ctrlPr>
+                      </m:mPr>
+                      <m:mr>
+                        <m:e>
+                          <m:r>
+                            <m:rPr>
+                              <m:brk m:alnAt="7"/>
+                            </m:rPr>
+                            <a:rPr lang="hu-HU" b="0" i="1" smtClean="0">
+                              <a:latin typeface="Cambria Math" panose="02040503050406030204" pitchFamily="18" charset="0"/>
+                            </a:rPr>
+                            <m:t>1</m:t>
+                          </m:r>
+                        </m:e>
+                      </m:mr>
+                      <m:mr>
+                        <m:e>
+                          <m:r>
+                            <a:rPr lang="hu-HU" b="0" i="1" smtClean="0">
+                              <a:latin typeface="Cambria Math" panose="02040503050406030204" pitchFamily="18" charset="0"/>
+                            </a:rPr>
+                            <m:t>4</m:t>
+                          </m:r>
+                        </m:e>
+                      </m:mr>
+                      <m:mr>
+                        <m:e>
+                          <m:eqArr>
+                            <m:eqArrPr>
+                              <m:ctrlPr>
+                                <a:rPr lang="hu-HU" i="1" smtClean="0">
+                                  <a:latin typeface="Cambria Math" panose="02040503050406030204" pitchFamily="18" charset="0"/>
+                                </a:rPr>
+                              </m:ctrlPr>
+                            </m:eqArrPr>
+                            <m:e>
+                              <m:r>
+                                <a:rPr lang="hu-HU" b="0" i="1" smtClean="0">
+                                  <a:latin typeface="Cambria Math" panose="02040503050406030204" pitchFamily="18" charset="0"/>
+                                </a:rPr>
+                                <m:t>2</m:t>
+                              </m:r>
+                            </m:e>
+                            <m:e>
+                              <m:r>
+                                <a:rPr lang="hu-HU" b="0" i="1" smtClean="0">
+                                  <a:latin typeface="Cambria Math" panose="02040503050406030204" pitchFamily="18" charset="0"/>
+                                </a:rPr>
+                                <m:t>3</m:t>
+                              </m:r>
+                            </m:e>
+                          </m:eqArr>
+                        </m:e>
+                      </m:mr>
+                    </m:m>
+                  </m:oMath>
+                </a14:m>
+                <a:r>
+                  <a:rPr lang="hu-HU" dirty="0"/>
+                  <a:t> </a:t>
+                </a:r>
+                <a14:m>
+                  <m:oMath xmlns:m="http://schemas.openxmlformats.org/officeDocument/2006/math">
+                    <m:m>
+                      <m:mPr>
+                        <m:mcs>
+                          <m:mc>
+                            <m:mcPr>
+                              <m:count m:val="1"/>
+                              <m:mcJc m:val="center"/>
+                            </m:mcPr>
+                          </m:mc>
+                        </m:mcs>
+                        <m:ctrlPr>
+                          <a:rPr lang="hu-HU" i="1">
+                            <a:latin typeface="Cambria Math" panose="02040503050406030204" pitchFamily="18" charset="0"/>
+                          </a:rPr>
+                        </m:ctrlPr>
+                      </m:mPr>
+                      <m:mr>
+                        <m:e>
+                          <m:r>
+                            <m:rPr>
+                              <m:brk m:alnAt="7"/>
+                            </m:rPr>
+                            <a:rPr lang="hu-HU" b="0" i="1" smtClean="0">
+                              <a:latin typeface="Cambria Math" panose="02040503050406030204" pitchFamily="18" charset="0"/>
+                            </a:rPr>
+                            <m:t>4</m:t>
+                          </m:r>
+                        </m:e>
+                      </m:mr>
+                      <m:mr>
+                        <m:e>
+                          <m:r>
+                            <a:rPr lang="hu-HU" b="0" i="1" smtClean="0">
+                              <a:latin typeface="Cambria Math" panose="02040503050406030204" pitchFamily="18" charset="0"/>
+                            </a:rPr>
+                            <m:t>3</m:t>
+                          </m:r>
+                        </m:e>
+                      </m:mr>
+                      <m:mr>
+                        <m:e>
+                          <m:eqArr>
+                            <m:eqArrPr>
+                              <m:ctrlPr>
+                                <a:rPr lang="hu-HU" i="1">
+                                  <a:latin typeface="Cambria Math" panose="02040503050406030204" pitchFamily="18" charset="0"/>
+                                </a:rPr>
+                              </m:ctrlPr>
+                            </m:eqArrPr>
+                            <m:e>
+                              <m:r>
+                                <a:rPr lang="hu-HU" b="0" i="1" smtClean="0">
+                                  <a:latin typeface="Cambria Math" panose="02040503050406030204" pitchFamily="18" charset="0"/>
+                                </a:rPr>
+                                <m:t>1</m:t>
+                              </m:r>
+                            </m:e>
+                            <m:e>
+                              <m:r>
+                                <a:rPr lang="hu-HU" b="0" i="1" smtClean="0">
+                                  <a:latin typeface="Cambria Math" panose="02040503050406030204" pitchFamily="18" charset="0"/>
+                                </a:rPr>
+                                <m:t>2</m:t>
+                              </m:r>
+                            </m:e>
+                          </m:eqArr>
+                        </m:e>
+                      </m:mr>
+                    </m:m>
+                  </m:oMath>
+                </a14:m>
+                <a:r>
+                  <a:rPr lang="hu-HU" dirty="0"/>
+                  <a:t> </a:t>
+                </a:r>
+                <a14:m>
+                  <m:oMath xmlns:m="http://schemas.openxmlformats.org/officeDocument/2006/math">
+                    <m:m>
+                      <m:mPr>
+                        <m:mcs>
+                          <m:mc>
+                            <m:mcPr>
+                              <m:count m:val="1"/>
+                              <m:mcJc m:val="center"/>
+                            </m:mcPr>
+                          </m:mc>
+                        </m:mcs>
+                        <m:ctrlPr>
+                          <a:rPr lang="hu-HU" i="1">
+                            <a:latin typeface="Cambria Math" panose="02040503050406030204" pitchFamily="18" charset="0"/>
+                          </a:rPr>
+                        </m:ctrlPr>
+                      </m:mPr>
+                      <m:mr>
+                        <m:e/>
+                      </m:mr>
+                      <m:mr>
+                        <m:e/>
+                      </m:mr>
+                      <m:mr>
+                        <m:e>
+                          <m:eqArr>
+                            <m:eqArrPr>
+                              <m:ctrlPr>
+                                <a:rPr lang="hu-HU" i="1">
+                                  <a:latin typeface="Cambria Math" panose="02040503050406030204" pitchFamily="18" charset="0"/>
+                                </a:rPr>
+                              </m:ctrlPr>
+                            </m:eqArrPr>
+                            <m:e/>
+                            <m:e/>
+                          </m:eqArr>
+                        </m:e>
+                      </m:mr>
+                    </m:m>
+                  </m:oMath>
+                </a14:m>
+                <a:r>
+                  <a:rPr lang="hu-HU" dirty="0"/>
+                  <a:t> </a:t>
+                </a:r>
+                <a14:m>
+                  <m:oMath xmlns:m="http://schemas.openxmlformats.org/officeDocument/2006/math">
+                    <m:m>
+                      <m:mPr>
+                        <m:mcs>
+                          <m:mc>
+                            <m:mcPr>
+                              <m:count m:val="1"/>
+                              <m:mcJc m:val="center"/>
+                            </m:mcPr>
+                          </m:mc>
+                        </m:mcs>
+                        <m:ctrlPr>
+                          <a:rPr lang="hu-HU" i="1">
+                            <a:latin typeface="Cambria Math" panose="02040503050406030204" pitchFamily="18" charset="0"/>
+                          </a:rPr>
+                        </m:ctrlPr>
+                      </m:mPr>
+                      <m:mr>
+                        <m:e/>
+                      </m:mr>
+                      <m:mr>
+                        <m:e/>
+                      </m:mr>
+                      <m:mr>
+                        <m:e>
+                          <m:eqArr>
+                            <m:eqArrPr>
+                              <m:ctrlPr>
+                                <a:rPr lang="hu-HU" i="1">
+                                  <a:latin typeface="Cambria Math" panose="02040503050406030204" pitchFamily="18" charset="0"/>
+                                </a:rPr>
+                              </m:ctrlPr>
+                            </m:eqArrPr>
+                            <m:e/>
+                            <m:e/>
+                          </m:eqArr>
+                        </m:e>
+                      </m:mr>
+                    </m:m>
+                  </m:oMath>
+                </a14:m>
+                <a:endParaRPr lang="hu-HU" dirty="0"/>
+              </a:p>
+            </p:txBody>
+          </p:sp>
+        </mc:Choice>
+        <mc:Fallback>
+          <p:sp>
+            <p:nvSpPr>
+              <p:cNvPr id="49" name="Szövegdoboz 48">
+                <a:extLst>
+                  <a:ext uri="{FF2B5EF4-FFF2-40B4-BE49-F238E27FC236}">
+                    <a16:creationId xmlns:a16="http://schemas.microsoft.com/office/drawing/2014/main" id="{E5F34DBF-425D-4031-8DDF-0E9B9EA0E3C6}"/>
+                  </a:ext>
+                </a:extLst>
+              </p:cNvPr>
+              <p:cNvSpPr txBox="1">
+                <a:spLocks noRot="1" noChangeAspect="1" noMove="1" noResize="1" noEditPoints="1" noAdjustHandles="1" noChangeArrowheads="1" noChangeShapeType="1" noTextEdit="1"/>
+              </p:cNvSpPr>
+              <p:nvPr/>
+            </p:nvSpPr>
+            <p:spPr>
+              <a:xfrm>
+                <a:off x="6482862" y="1167016"/>
+                <a:ext cx="1034043" cy="1007776"/>
+              </a:xfrm>
+              <a:prstGeom prst="rect">
+                <a:avLst/>
+              </a:prstGeom>
+              <a:blipFill>
+                <a:blip r:embed="rId2"/>
+                <a:stretch>
+                  <a:fillRect/>
+                </a:stretch>
+              </a:blipFill>
+            </p:spPr>
+            <p:txBody>
+              <a:bodyPr/>
+              <a:lstStyle/>
+              <a:p>
+                <a:r>
+                  <a:rPr lang="hu-HU">
+                    <a:noFill/>
+                  </a:rPr>
+                  <a:t> </a:t>
+                </a:r>
+              </a:p>
+            </p:txBody>
+          </p:sp>
+        </mc:Fallback>
+      </mc:AlternateContent>
+    </p:spTree>
+    <p:extLst>
+      <p:ext uri="{BB962C8B-B14F-4D97-AF65-F5344CB8AC3E}">
+        <p14:creationId xmlns:p14="http://schemas.microsoft.com/office/powerpoint/2010/main" val="560724260"/>
+      </p:ext>
+    </p:extLst>
+  </p:cSld>
+  <p:clrMapOvr>
+    <a:masterClrMapping/>
+  </p:clrMapOvr>
+</p:sld>
+</file>
+
+<file path=ppt/slides/slide17.xml><?xml version="1.0" encoding="utf-8"?>
+<p:sld xmlns:a="http://schemas.openxmlformats.org/drawingml/2006/main" xmlns:r="http://schemas.openxmlformats.org/officeDocument/2006/relationships" xmlns:p="http://schemas.openxmlformats.org/presentationml/2006/main">
+  <p:cSld>
+    <p:spTree>
+      <p:nvGrpSpPr>
+        <p:cNvPr id="1" name=""/>
+        <p:cNvGrpSpPr/>
+        <p:nvPr/>
+      </p:nvGrpSpPr>
+      <p:grpSpPr>
+        <a:xfrm>
+          <a:off x="0" y="0"/>
+          <a:ext cx="0" cy="0"/>
+          <a:chOff x="0" y="0"/>
+          <a:chExt cx="0" cy="0"/>
+        </a:xfrm>
+      </p:grpSpPr>
+      <p:sp>
+        <p:nvSpPr>
+          <p:cNvPr id="4" name="Ellipszis 3">
+            <a:extLst>
+              <a:ext uri="{FF2B5EF4-FFF2-40B4-BE49-F238E27FC236}">
+                <a16:creationId xmlns:a16="http://schemas.microsoft.com/office/drawing/2014/main" id="{4D4BAC99-6C90-4566-9716-0A7A7EBBECA5}"/>
+              </a:ext>
+            </a:extLst>
+          </p:cNvPr>
+          <p:cNvSpPr/>
+          <p:nvPr/>
+        </p:nvSpPr>
+        <p:spPr>
+          <a:xfrm>
+            <a:off x="1189892" y="1003799"/>
+            <a:ext cx="1148862" cy="603738"/>
+          </a:xfrm>
+          <a:prstGeom prst="ellipse">
+            <a:avLst/>
+          </a:prstGeom>
+        </p:spPr>
+        <p:style>
+          <a:lnRef idx="2">
+            <a:schemeClr val="accent1">
+              <a:shade val="50000"/>
+            </a:schemeClr>
+          </a:lnRef>
+          <a:fillRef idx="1">
+            <a:schemeClr val="accent1"/>
+          </a:fillRef>
+          <a:effectRef idx="0">
+            <a:schemeClr val="accent1"/>
+          </a:effectRef>
+          <a:fontRef idx="minor">
+            <a:schemeClr val="lt1"/>
+          </a:fontRef>
+        </p:style>
+        <p:txBody>
+          <a:bodyPr rtlCol="0" anchor="ctr"/>
+          <a:lstStyle/>
+          <a:p>
+            <a:pPr algn="ctr"/>
+            <a:r>
+              <a:rPr lang="hu-HU" dirty="0"/>
+              <a:t>3,4</a:t>
+            </a:r>
+          </a:p>
+        </p:txBody>
+      </p:sp>
+      <p:sp>
+        <p:nvSpPr>
+          <p:cNvPr id="5" name="Ellipszis 4">
+            <a:extLst>
+              <a:ext uri="{FF2B5EF4-FFF2-40B4-BE49-F238E27FC236}">
+                <a16:creationId xmlns:a16="http://schemas.microsoft.com/office/drawing/2014/main" id="{51FD2FD1-6CCD-4B48-83BB-2F467CC138A0}"/>
+              </a:ext>
+            </a:extLst>
+          </p:cNvPr>
+          <p:cNvSpPr/>
+          <p:nvPr/>
+        </p:nvSpPr>
+        <p:spPr>
+          <a:xfrm>
+            <a:off x="1189892" y="1711572"/>
+            <a:ext cx="1096108" cy="603738"/>
+          </a:xfrm>
+          <a:prstGeom prst="ellipse">
+            <a:avLst/>
+          </a:prstGeom>
+        </p:spPr>
+        <p:style>
+          <a:lnRef idx="2">
+            <a:schemeClr val="accent1">
+              <a:shade val="50000"/>
+            </a:schemeClr>
+          </a:lnRef>
+          <a:fillRef idx="1">
+            <a:schemeClr val="accent1"/>
+          </a:fillRef>
+          <a:effectRef idx="0">
+            <a:schemeClr val="accent1"/>
+          </a:effectRef>
+          <a:fontRef idx="minor">
+            <a:schemeClr val="lt1"/>
+          </a:fontRef>
+        </p:style>
+        <p:txBody>
+          <a:bodyPr rtlCol="0" anchor="ctr"/>
+          <a:lstStyle/>
+          <a:p>
+            <a:pPr algn="ctr"/>
+            <a:r>
+              <a:rPr lang="hu-HU" dirty="0"/>
+              <a:t>1,2</a:t>
+            </a:r>
+          </a:p>
+        </p:txBody>
+      </p:sp>
+      <p:sp>
+        <p:nvSpPr>
+          <p:cNvPr id="6" name="Ellipszis 5">
+            <a:extLst>
+              <a:ext uri="{FF2B5EF4-FFF2-40B4-BE49-F238E27FC236}">
+                <a16:creationId xmlns:a16="http://schemas.microsoft.com/office/drawing/2014/main" id="{01F21123-FF48-449C-9D28-BD4C1EA7E498}"/>
+              </a:ext>
+            </a:extLst>
+          </p:cNvPr>
+          <p:cNvSpPr/>
+          <p:nvPr/>
+        </p:nvSpPr>
+        <p:spPr>
+          <a:xfrm>
+            <a:off x="1189892" y="2461847"/>
+            <a:ext cx="1096108" cy="603738"/>
+          </a:xfrm>
+          <a:prstGeom prst="ellipse">
+            <a:avLst/>
+          </a:prstGeom>
+        </p:spPr>
+        <p:style>
+          <a:lnRef idx="2">
+            <a:schemeClr val="accent1">
+              <a:shade val="50000"/>
+            </a:schemeClr>
+          </a:lnRef>
+          <a:fillRef idx="1">
+            <a:schemeClr val="accent1"/>
+          </a:fillRef>
+          <a:effectRef idx="0">
+            <a:schemeClr val="accent1"/>
+          </a:effectRef>
+          <a:fontRef idx="minor">
+            <a:schemeClr val="lt1"/>
+          </a:fontRef>
+        </p:style>
+        <p:txBody>
+          <a:bodyPr rtlCol="0" anchor="ctr"/>
+          <a:lstStyle/>
+          <a:p>
+            <a:pPr algn="ctr"/>
+            <a:r>
+              <a:rPr lang="hu-HU" dirty="0"/>
+              <a:t>3,2</a:t>
+            </a:r>
+          </a:p>
+        </p:txBody>
+      </p:sp>
+      <p:sp>
+        <p:nvSpPr>
+          <p:cNvPr id="10" name="Ellipszis 9">
+            <a:extLst>
+              <a:ext uri="{FF2B5EF4-FFF2-40B4-BE49-F238E27FC236}">
+                <a16:creationId xmlns:a16="http://schemas.microsoft.com/office/drawing/2014/main" id="{2BB7E0E6-1FA6-40EE-B37A-B2EEE8D6454F}"/>
+              </a:ext>
+            </a:extLst>
+          </p:cNvPr>
+          <p:cNvSpPr/>
+          <p:nvPr/>
+        </p:nvSpPr>
+        <p:spPr>
+          <a:xfrm>
+            <a:off x="1189892" y="285754"/>
+            <a:ext cx="1096108" cy="603738"/>
+          </a:xfrm>
+          <a:prstGeom prst="ellipse">
+            <a:avLst/>
+          </a:prstGeom>
+        </p:spPr>
+        <p:style>
+          <a:lnRef idx="2">
+            <a:schemeClr val="accent1">
+              <a:shade val="50000"/>
+            </a:schemeClr>
+          </a:lnRef>
+          <a:fillRef idx="1">
+            <a:schemeClr val="accent1"/>
+          </a:fillRef>
+          <a:effectRef idx="0">
+            <a:schemeClr val="accent1"/>
+          </a:effectRef>
+          <a:fontRef idx="minor">
+            <a:schemeClr val="lt1"/>
+          </a:fontRef>
+        </p:style>
+        <p:txBody>
+          <a:bodyPr rtlCol="0" anchor="ctr"/>
+          <a:lstStyle/>
+          <a:p>
+            <a:pPr algn="ctr"/>
+            <a:r>
+              <a:rPr lang="hu-HU" dirty="0"/>
+              <a:t>1,4</a:t>
+            </a:r>
+          </a:p>
+        </p:txBody>
+      </p:sp>
+      <p:sp>
+        <p:nvSpPr>
+          <p:cNvPr id="13" name="Ellipszis 12">
+            <a:extLst>
+              <a:ext uri="{FF2B5EF4-FFF2-40B4-BE49-F238E27FC236}">
+                <a16:creationId xmlns:a16="http://schemas.microsoft.com/office/drawing/2014/main" id="{9429FCD1-0F10-475C-BE58-B0E8F2B9727D}"/>
+              </a:ext>
+            </a:extLst>
+          </p:cNvPr>
+          <p:cNvSpPr/>
+          <p:nvPr/>
+        </p:nvSpPr>
+        <p:spPr>
+          <a:xfrm>
+            <a:off x="4067909" y="323854"/>
+            <a:ext cx="685799" cy="527537"/>
+          </a:xfrm>
+          <a:prstGeom prst="ellipse">
+            <a:avLst/>
+          </a:prstGeom>
+        </p:spPr>
+        <p:style>
+          <a:lnRef idx="2">
+            <a:schemeClr val="accent1">
+              <a:shade val="50000"/>
+            </a:schemeClr>
+          </a:lnRef>
+          <a:fillRef idx="1">
+            <a:schemeClr val="accent1"/>
+          </a:fillRef>
+          <a:effectRef idx="0">
+            <a:schemeClr val="accent1"/>
+          </a:effectRef>
+          <a:fontRef idx="minor">
+            <a:schemeClr val="lt1"/>
+          </a:fontRef>
+        </p:style>
+        <p:txBody>
+          <a:bodyPr rtlCol="0" anchor="ctr"/>
+          <a:lstStyle/>
+          <a:p>
+            <a:pPr algn="ctr"/>
+            <a:r>
+              <a:rPr lang="hu-HU" dirty="0"/>
+              <a:t>1</a:t>
+            </a:r>
+          </a:p>
+        </p:txBody>
+      </p:sp>
+      <p:sp>
+        <p:nvSpPr>
+          <p:cNvPr id="14" name="Ellipszis 13">
+            <a:extLst>
+              <a:ext uri="{FF2B5EF4-FFF2-40B4-BE49-F238E27FC236}">
+                <a16:creationId xmlns:a16="http://schemas.microsoft.com/office/drawing/2014/main" id="{8C149689-9B0B-4E80-9E4B-30045CEE1056}"/>
+              </a:ext>
+            </a:extLst>
+          </p:cNvPr>
+          <p:cNvSpPr/>
+          <p:nvPr/>
+        </p:nvSpPr>
+        <p:spPr>
+          <a:xfrm>
+            <a:off x="4067909" y="1003799"/>
+            <a:ext cx="685799" cy="527537"/>
+          </a:xfrm>
+          <a:prstGeom prst="ellipse">
+            <a:avLst/>
+          </a:prstGeom>
+        </p:spPr>
+        <p:style>
+          <a:lnRef idx="2">
+            <a:schemeClr val="accent1">
+              <a:shade val="50000"/>
+            </a:schemeClr>
+          </a:lnRef>
+          <a:fillRef idx="1">
+            <a:schemeClr val="accent1"/>
+          </a:fillRef>
+          <a:effectRef idx="0">
+            <a:schemeClr val="accent1"/>
+          </a:effectRef>
+          <a:fontRef idx="minor">
+            <a:schemeClr val="lt1"/>
+          </a:fontRef>
+        </p:style>
+        <p:txBody>
+          <a:bodyPr rtlCol="0" anchor="ctr"/>
+          <a:lstStyle/>
+          <a:p>
+            <a:pPr algn="ctr"/>
+            <a:r>
+              <a:rPr lang="hu-HU" dirty="0"/>
+              <a:t>2</a:t>
+            </a:r>
+          </a:p>
+        </p:txBody>
+      </p:sp>
+      <p:sp>
+        <p:nvSpPr>
+          <p:cNvPr id="15" name="Ellipszis 14">
+            <a:extLst>
+              <a:ext uri="{FF2B5EF4-FFF2-40B4-BE49-F238E27FC236}">
+                <a16:creationId xmlns:a16="http://schemas.microsoft.com/office/drawing/2014/main" id="{A3A19924-783F-4843-A701-A16A175A97F6}"/>
+              </a:ext>
+            </a:extLst>
+          </p:cNvPr>
+          <p:cNvSpPr/>
+          <p:nvPr/>
+        </p:nvSpPr>
+        <p:spPr>
+          <a:xfrm>
+            <a:off x="4067909" y="1711572"/>
+            <a:ext cx="685799" cy="527537"/>
+          </a:xfrm>
+          <a:prstGeom prst="ellipse">
+            <a:avLst/>
+          </a:prstGeom>
+        </p:spPr>
+        <p:style>
+          <a:lnRef idx="2">
+            <a:schemeClr val="accent1">
+              <a:shade val="50000"/>
+            </a:schemeClr>
+          </a:lnRef>
+          <a:fillRef idx="1">
+            <a:schemeClr val="accent1"/>
+          </a:fillRef>
+          <a:effectRef idx="0">
+            <a:schemeClr val="accent1"/>
+          </a:effectRef>
+          <a:fontRef idx="minor">
+            <a:schemeClr val="lt1"/>
+          </a:fontRef>
+        </p:style>
+        <p:txBody>
+          <a:bodyPr rtlCol="0" anchor="ctr"/>
+          <a:lstStyle/>
+          <a:p>
+            <a:pPr algn="ctr"/>
+            <a:r>
+              <a:rPr lang="hu-HU" dirty="0"/>
+              <a:t>3</a:t>
+            </a:r>
+          </a:p>
+        </p:txBody>
+      </p:sp>
+      <p:sp>
+        <p:nvSpPr>
+          <p:cNvPr id="16" name="Ellipszis 15">
+            <a:extLst>
+              <a:ext uri="{FF2B5EF4-FFF2-40B4-BE49-F238E27FC236}">
+                <a16:creationId xmlns:a16="http://schemas.microsoft.com/office/drawing/2014/main" id="{00E574D1-B870-4265-9BFE-582889900FF7}"/>
+              </a:ext>
+            </a:extLst>
+          </p:cNvPr>
+          <p:cNvSpPr/>
+          <p:nvPr/>
+        </p:nvSpPr>
+        <p:spPr>
+          <a:xfrm>
+            <a:off x="4067909" y="2490416"/>
+            <a:ext cx="685799" cy="527537"/>
+          </a:xfrm>
+          <a:prstGeom prst="ellipse">
+            <a:avLst/>
+          </a:prstGeom>
+        </p:spPr>
+        <p:style>
+          <a:lnRef idx="2">
+            <a:schemeClr val="accent1">
+              <a:shade val="50000"/>
+            </a:schemeClr>
+          </a:lnRef>
+          <a:fillRef idx="1">
+            <a:schemeClr val="accent1"/>
+          </a:fillRef>
+          <a:effectRef idx="0">
+            <a:schemeClr val="accent1"/>
+          </a:effectRef>
+          <a:fontRef idx="minor">
+            <a:schemeClr val="lt1"/>
+          </a:fontRef>
+        </p:style>
+        <p:txBody>
+          <a:bodyPr rtlCol="0" anchor="ctr"/>
+          <a:lstStyle/>
+          <a:p>
+            <a:pPr algn="ctr"/>
+            <a:r>
+              <a:rPr lang="hu-HU" dirty="0"/>
+              <a:t>4</a:t>
+            </a:r>
+          </a:p>
+        </p:txBody>
+      </p:sp>
+      <p:cxnSp>
+        <p:nvCxnSpPr>
+          <p:cNvPr id="23" name="Egyenes összekötő 22">
+            <a:extLst>
+              <a:ext uri="{FF2B5EF4-FFF2-40B4-BE49-F238E27FC236}">
+                <a16:creationId xmlns:a16="http://schemas.microsoft.com/office/drawing/2014/main" id="{889FCE02-DF30-4CDC-9EE8-7ACF6285EE56}"/>
+              </a:ext>
+            </a:extLst>
+          </p:cNvPr>
+          <p:cNvCxnSpPr>
+            <a:cxnSpLocks/>
+            <a:stCxn id="10" idx="6"/>
+            <a:endCxn id="13" idx="2"/>
+          </p:cNvCxnSpPr>
+          <p:nvPr/>
+        </p:nvCxnSpPr>
+        <p:spPr>
+          <a:xfrm>
+            <a:off x="2286000" y="587623"/>
+            <a:ext cx="1781909" cy="0"/>
+          </a:xfrm>
+          <a:prstGeom prst="line">
+            <a:avLst/>
+          </a:prstGeom>
+          <a:ln w="9525"/>
+        </p:spPr>
+        <p:style>
+          <a:lnRef idx="1">
+            <a:schemeClr val="accent1"/>
+          </a:lnRef>
+          <a:fillRef idx="0">
+            <a:schemeClr val="accent1"/>
+          </a:fillRef>
+          <a:effectRef idx="0">
+            <a:schemeClr val="accent1"/>
+          </a:effectRef>
+          <a:fontRef idx="minor">
+            <a:schemeClr val="tx1"/>
+          </a:fontRef>
+        </p:style>
+      </p:cxnSp>
+      <p:cxnSp>
+        <p:nvCxnSpPr>
+          <p:cNvPr id="26" name="Egyenes összekötő 25">
+            <a:extLst>
+              <a:ext uri="{FF2B5EF4-FFF2-40B4-BE49-F238E27FC236}">
+                <a16:creationId xmlns:a16="http://schemas.microsoft.com/office/drawing/2014/main" id="{C2BDF3C5-8BE2-418C-A01E-1639FB892793}"/>
+              </a:ext>
+            </a:extLst>
+          </p:cNvPr>
+          <p:cNvCxnSpPr>
+            <a:cxnSpLocks/>
+            <a:stCxn id="10" idx="6"/>
+            <a:endCxn id="16" idx="2"/>
+          </p:cNvCxnSpPr>
+          <p:nvPr/>
+        </p:nvCxnSpPr>
+        <p:spPr>
+          <a:xfrm>
+            <a:off x="2286000" y="587623"/>
+            <a:ext cx="1781909" cy="2166562"/>
+          </a:xfrm>
+          <a:prstGeom prst="line">
+            <a:avLst/>
+          </a:prstGeom>
+          <a:ln w="9525"/>
+        </p:spPr>
+        <p:style>
+          <a:lnRef idx="1">
+            <a:schemeClr val="accent1"/>
+          </a:lnRef>
+          <a:fillRef idx="0">
+            <a:schemeClr val="accent1"/>
+          </a:fillRef>
+          <a:effectRef idx="0">
+            <a:schemeClr val="accent1"/>
+          </a:effectRef>
+          <a:fontRef idx="minor">
+            <a:schemeClr val="tx1"/>
+          </a:fontRef>
+        </p:style>
+      </p:cxnSp>
+      <p:cxnSp>
+        <p:nvCxnSpPr>
+          <p:cNvPr id="29" name="Egyenes összekötő 28">
+            <a:extLst>
+              <a:ext uri="{FF2B5EF4-FFF2-40B4-BE49-F238E27FC236}">
+                <a16:creationId xmlns:a16="http://schemas.microsoft.com/office/drawing/2014/main" id="{44CA2CD5-8CA2-4A81-8B96-535CF431A72E}"/>
+              </a:ext>
+            </a:extLst>
+          </p:cNvPr>
+          <p:cNvCxnSpPr>
+            <a:cxnSpLocks/>
+            <a:stCxn id="4" idx="6"/>
+            <a:endCxn id="15" idx="2"/>
+          </p:cNvCxnSpPr>
+          <p:nvPr/>
+        </p:nvCxnSpPr>
+        <p:spPr>
+          <a:xfrm>
+            <a:off x="2338754" y="1305668"/>
+            <a:ext cx="1729155" cy="669673"/>
+          </a:xfrm>
+          <a:prstGeom prst="line">
+            <a:avLst/>
+          </a:prstGeom>
+          <a:ln w="9525"/>
+        </p:spPr>
+        <p:style>
+          <a:lnRef idx="1">
+            <a:schemeClr val="accent1"/>
+          </a:lnRef>
+          <a:fillRef idx="0">
+            <a:schemeClr val="accent1"/>
+          </a:fillRef>
+          <a:effectRef idx="0">
+            <a:schemeClr val="accent1"/>
+          </a:effectRef>
+          <a:fontRef idx="minor">
+            <a:schemeClr val="tx1"/>
+          </a:fontRef>
+        </p:style>
+      </p:cxnSp>
+      <p:cxnSp>
+        <p:nvCxnSpPr>
+          <p:cNvPr id="32" name="Egyenes összekötő 31">
+            <a:extLst>
+              <a:ext uri="{FF2B5EF4-FFF2-40B4-BE49-F238E27FC236}">
+                <a16:creationId xmlns:a16="http://schemas.microsoft.com/office/drawing/2014/main" id="{2A1AA9E3-B4D6-4DB4-AC1A-2122A4AE5700}"/>
+              </a:ext>
+            </a:extLst>
+          </p:cNvPr>
+          <p:cNvCxnSpPr>
+            <a:cxnSpLocks/>
+            <a:endCxn id="16" idx="2"/>
+          </p:cNvCxnSpPr>
+          <p:nvPr/>
+        </p:nvCxnSpPr>
+        <p:spPr>
+          <a:xfrm>
+            <a:off x="2338755" y="1335706"/>
+            <a:ext cx="1729154" cy="1418479"/>
+          </a:xfrm>
+          <a:prstGeom prst="line">
+            <a:avLst/>
+          </a:prstGeom>
+          <a:ln w="9525"/>
+        </p:spPr>
+        <p:style>
+          <a:lnRef idx="1">
+            <a:schemeClr val="accent1"/>
+          </a:lnRef>
+          <a:fillRef idx="0">
+            <a:schemeClr val="accent1"/>
+          </a:fillRef>
+          <a:effectRef idx="0">
+            <a:schemeClr val="accent1"/>
+          </a:effectRef>
+          <a:fontRef idx="minor">
+            <a:schemeClr val="tx1"/>
+          </a:fontRef>
+        </p:style>
+      </p:cxnSp>
+      <p:cxnSp>
+        <p:nvCxnSpPr>
+          <p:cNvPr id="34" name="Egyenes összekötő 33">
+            <a:extLst>
+              <a:ext uri="{FF2B5EF4-FFF2-40B4-BE49-F238E27FC236}">
+                <a16:creationId xmlns:a16="http://schemas.microsoft.com/office/drawing/2014/main" id="{79F16233-ED5D-4261-9278-3280729F6926}"/>
+              </a:ext>
+            </a:extLst>
+          </p:cNvPr>
+          <p:cNvCxnSpPr>
+            <a:cxnSpLocks/>
+            <a:endCxn id="13" idx="2"/>
+          </p:cNvCxnSpPr>
+          <p:nvPr/>
+        </p:nvCxnSpPr>
+        <p:spPr>
+          <a:xfrm flipV="1">
+            <a:off x="2198076" y="587623"/>
+            <a:ext cx="1869833" cy="1425818"/>
+          </a:xfrm>
+          <a:prstGeom prst="line">
+            <a:avLst/>
+          </a:prstGeom>
+          <a:ln w="9525"/>
+        </p:spPr>
+        <p:style>
+          <a:lnRef idx="1">
+            <a:schemeClr val="accent1"/>
+          </a:lnRef>
+          <a:fillRef idx="0">
+            <a:schemeClr val="accent1"/>
+          </a:fillRef>
+          <a:effectRef idx="0">
+            <a:schemeClr val="accent1"/>
+          </a:effectRef>
+          <a:fontRef idx="minor">
+            <a:schemeClr val="tx1"/>
+          </a:fontRef>
+        </p:style>
+      </p:cxnSp>
+      <p:cxnSp>
+        <p:nvCxnSpPr>
+          <p:cNvPr id="36" name="Egyenes összekötő 35">
+            <a:extLst>
+              <a:ext uri="{FF2B5EF4-FFF2-40B4-BE49-F238E27FC236}">
+                <a16:creationId xmlns:a16="http://schemas.microsoft.com/office/drawing/2014/main" id="{904C537A-0615-44A6-87C2-BBCD62682E80}"/>
+              </a:ext>
+            </a:extLst>
+          </p:cNvPr>
+          <p:cNvCxnSpPr>
+            <a:cxnSpLocks/>
+            <a:endCxn id="14" idx="2"/>
+          </p:cNvCxnSpPr>
+          <p:nvPr/>
+        </p:nvCxnSpPr>
+        <p:spPr>
+          <a:xfrm flipV="1">
+            <a:off x="2242037" y="1267568"/>
+            <a:ext cx="1825872" cy="707772"/>
+          </a:xfrm>
+          <a:prstGeom prst="line">
+            <a:avLst/>
+          </a:prstGeom>
+          <a:ln w="9525"/>
+        </p:spPr>
+        <p:style>
+          <a:lnRef idx="1">
+            <a:schemeClr val="accent1"/>
+          </a:lnRef>
+          <a:fillRef idx="0">
+            <a:schemeClr val="accent1"/>
+          </a:fillRef>
+          <a:effectRef idx="0">
+            <a:schemeClr val="accent1"/>
+          </a:effectRef>
+          <a:fontRef idx="minor">
+            <a:schemeClr val="tx1"/>
+          </a:fontRef>
+        </p:style>
+      </p:cxnSp>
+      <p:cxnSp>
+        <p:nvCxnSpPr>
+          <p:cNvPr id="38" name="Egyenes összekötő 37">
+            <a:extLst>
+              <a:ext uri="{FF2B5EF4-FFF2-40B4-BE49-F238E27FC236}">
+                <a16:creationId xmlns:a16="http://schemas.microsoft.com/office/drawing/2014/main" id="{D2C9B355-9EA3-480B-9C79-34302ACFAE24}"/>
+              </a:ext>
+            </a:extLst>
+          </p:cNvPr>
+          <p:cNvCxnSpPr>
+            <a:cxnSpLocks/>
+            <a:stCxn id="6" idx="6"/>
+            <a:endCxn id="15" idx="2"/>
+          </p:cNvCxnSpPr>
+          <p:nvPr/>
+        </p:nvCxnSpPr>
+        <p:spPr>
+          <a:xfrm flipV="1">
+            <a:off x="2286000" y="1975341"/>
+            <a:ext cx="1781909" cy="788375"/>
+          </a:xfrm>
+          <a:prstGeom prst="line">
+            <a:avLst/>
+          </a:prstGeom>
+          <a:ln w="6350"/>
+        </p:spPr>
+        <p:style>
+          <a:lnRef idx="1">
+            <a:schemeClr val="accent1"/>
+          </a:lnRef>
+          <a:fillRef idx="0">
+            <a:schemeClr val="accent1"/>
+          </a:fillRef>
+          <a:effectRef idx="0">
+            <a:schemeClr val="accent1"/>
+          </a:effectRef>
+          <a:fontRef idx="minor">
+            <a:schemeClr val="tx1"/>
+          </a:fontRef>
+        </p:style>
+      </p:cxnSp>
+      <p:cxnSp>
+        <p:nvCxnSpPr>
+          <p:cNvPr id="43" name="Egyenes összekötő 42">
+            <a:extLst>
+              <a:ext uri="{FF2B5EF4-FFF2-40B4-BE49-F238E27FC236}">
+                <a16:creationId xmlns:a16="http://schemas.microsoft.com/office/drawing/2014/main" id="{3423E43F-4859-4785-A458-7A6A2FFFAF54}"/>
+              </a:ext>
+            </a:extLst>
+          </p:cNvPr>
+          <p:cNvCxnSpPr>
+            <a:cxnSpLocks/>
+            <a:endCxn id="14" idx="2"/>
+          </p:cNvCxnSpPr>
+          <p:nvPr/>
+        </p:nvCxnSpPr>
+        <p:spPr>
+          <a:xfrm flipV="1">
+            <a:off x="2286000" y="1267568"/>
+            <a:ext cx="1781909" cy="1480024"/>
+          </a:xfrm>
+          <a:prstGeom prst="line">
+            <a:avLst/>
+          </a:prstGeom>
+          <a:ln w="9525"/>
+        </p:spPr>
+        <p:style>
+          <a:lnRef idx="1">
+            <a:schemeClr val="accent1"/>
+          </a:lnRef>
+          <a:fillRef idx="0">
+            <a:schemeClr val="accent1"/>
+          </a:fillRef>
+          <a:effectRef idx="0">
+            <a:schemeClr val="accent1"/>
+          </a:effectRef>
+          <a:fontRef idx="minor">
+            <a:schemeClr val="tx1"/>
+          </a:fontRef>
+        </p:style>
+      </p:cxnSp>
+      <mc:AlternateContent xmlns:mc="http://schemas.openxmlformats.org/markup-compatibility/2006">
+        <mc:Choice xmlns:a14="http://schemas.microsoft.com/office/drawing/2010/main" Requires="a14">
+          <p:sp>
+            <p:nvSpPr>
+              <p:cNvPr id="19" name="Szövegdoboz 18">
+                <a:extLst>
+                  <a:ext uri="{FF2B5EF4-FFF2-40B4-BE49-F238E27FC236}">
+                    <a16:creationId xmlns:a16="http://schemas.microsoft.com/office/drawing/2014/main" id="{D9AC5B55-0CF0-4D18-B232-CCE9A9647992}"/>
+                  </a:ext>
+                </a:extLst>
+              </p:cNvPr>
+              <p:cNvSpPr txBox="1"/>
+              <p:nvPr/>
+            </p:nvSpPr>
+            <p:spPr>
+              <a:xfrm>
+                <a:off x="6695773" y="1189971"/>
+                <a:ext cx="1034043" cy="961866"/>
+              </a:xfrm>
+              <a:prstGeom prst="rect">
+                <a:avLst/>
+              </a:prstGeom>
+              <a:noFill/>
+            </p:spPr>
+            <p:txBody>
+              <a:bodyPr wrap="square" lIns="0" tIns="0" rIns="0" bIns="0" rtlCol="0">
+                <a:spAutoFit/>
+              </a:bodyPr>
+              <a:lstStyle/>
+              <a:p>
+                <a14:m>
+                  <m:oMath xmlns:m="http://schemas.openxmlformats.org/officeDocument/2006/math">
+                    <m:m>
+                      <m:mPr>
+                        <m:mcs>
+                          <m:mc>
+                            <m:mcPr>
+                              <m:count m:val="1"/>
+                              <m:mcJc m:val="center"/>
+                            </m:mcPr>
+                          </m:mc>
+                        </m:mcs>
+                        <m:ctrlPr>
+                          <a:rPr lang="hu-HU" i="1" smtClean="0">
+                            <a:latin typeface="Cambria Math" panose="02040503050406030204" pitchFamily="18" charset="0"/>
+                          </a:rPr>
+                        </m:ctrlPr>
+                      </m:mPr>
+                      <m:mr>
+                        <m:e>
+                          <m:r>
+                            <m:rPr>
+                              <m:brk m:alnAt="7"/>
+                            </m:rPr>
+                            <a:rPr lang="hu-HU" b="0" i="1" smtClean="0">
+                              <a:latin typeface="Cambria Math" panose="02040503050406030204" pitchFamily="18" charset="0"/>
+                            </a:rPr>
+                            <m:t>1</m:t>
+                          </m:r>
+                        </m:e>
+                      </m:mr>
+                      <m:mr>
+                        <m:e>
+                          <m:r>
+                            <a:rPr lang="hu-HU" b="0" i="1" smtClean="0">
+                              <a:latin typeface="Cambria Math" panose="02040503050406030204" pitchFamily="18" charset="0"/>
+                            </a:rPr>
+                            <m:t>4</m:t>
+                          </m:r>
+                        </m:e>
+                      </m:mr>
+                      <m:mr>
+                        <m:e>
+                          <m:eqArr>
+                            <m:eqArrPr>
+                              <m:ctrlPr>
+                                <a:rPr lang="hu-HU" i="1" smtClean="0">
+                                  <a:latin typeface="Cambria Math" panose="02040503050406030204" pitchFamily="18" charset="0"/>
+                                </a:rPr>
+                              </m:ctrlPr>
+                            </m:eqArrPr>
+                            <m:e>
+                              <m:r>
+                                <a:rPr lang="hu-HU" b="0" i="1" smtClean="0">
+                                  <a:latin typeface="Cambria Math" panose="02040503050406030204" pitchFamily="18" charset="0"/>
+                                </a:rPr>
+                                <m:t>2</m:t>
+                              </m:r>
+                            </m:e>
+                            <m:e>
+                              <m:r>
+                                <a:rPr lang="hu-HU" b="0" i="1" smtClean="0">
+                                  <a:latin typeface="Cambria Math" panose="02040503050406030204" pitchFamily="18" charset="0"/>
+                                </a:rPr>
+                                <m:t>3</m:t>
+                              </m:r>
+                            </m:e>
+                          </m:eqArr>
+                        </m:e>
+                      </m:mr>
+                    </m:m>
+                  </m:oMath>
+                </a14:m>
+                <a:r>
+                  <a:rPr lang="hu-HU" dirty="0"/>
+                  <a:t> </a:t>
+                </a:r>
+                <a14:m>
+                  <m:oMath xmlns:m="http://schemas.openxmlformats.org/officeDocument/2006/math">
+                    <m:m>
+                      <m:mPr>
+                        <m:mcs>
+                          <m:mc>
+                            <m:mcPr>
+                              <m:count m:val="1"/>
+                              <m:mcJc m:val="center"/>
+                            </m:mcPr>
+                          </m:mc>
+                        </m:mcs>
+                        <m:ctrlPr>
+                          <a:rPr lang="hu-HU" i="1">
+                            <a:latin typeface="Cambria Math" panose="02040503050406030204" pitchFamily="18" charset="0"/>
+                          </a:rPr>
+                        </m:ctrlPr>
+                      </m:mPr>
+                      <m:mr>
+                        <m:e>
+                          <m:r>
+                            <m:rPr>
+                              <m:brk m:alnAt="7"/>
+                            </m:rPr>
+                            <a:rPr lang="hu-HU" b="0" i="1" smtClean="0">
+                              <a:latin typeface="Cambria Math" panose="02040503050406030204" pitchFamily="18" charset="0"/>
+                            </a:rPr>
+                            <m:t>4</m:t>
+                          </m:r>
+                        </m:e>
+                      </m:mr>
+                      <m:mr>
+                        <m:e>
+                          <m:r>
+                            <a:rPr lang="hu-HU" b="0" i="1" smtClean="0">
+                              <a:latin typeface="Cambria Math" panose="02040503050406030204" pitchFamily="18" charset="0"/>
+                            </a:rPr>
+                            <m:t>3</m:t>
+                          </m:r>
+                        </m:e>
+                      </m:mr>
+                      <m:mr>
+                        <m:e>
+                          <m:eqArr>
+                            <m:eqArrPr>
+                              <m:ctrlPr>
+                                <a:rPr lang="hu-HU" i="1">
+                                  <a:latin typeface="Cambria Math" panose="02040503050406030204" pitchFamily="18" charset="0"/>
+                                </a:rPr>
+                              </m:ctrlPr>
+                            </m:eqArrPr>
+                            <m:e>
+                              <m:r>
+                                <a:rPr lang="hu-HU" b="0" i="1" smtClean="0">
+                                  <a:latin typeface="Cambria Math" panose="02040503050406030204" pitchFamily="18" charset="0"/>
+                                </a:rPr>
+                                <m:t>1</m:t>
+                              </m:r>
+                            </m:e>
+                            <m:e>
+                              <m:r>
+                                <a:rPr lang="hu-HU" b="0" i="1" smtClean="0">
+                                  <a:latin typeface="Cambria Math" panose="02040503050406030204" pitchFamily="18" charset="0"/>
+                                </a:rPr>
+                                <m:t>2</m:t>
+                              </m:r>
+                            </m:e>
+                          </m:eqArr>
+                        </m:e>
+                      </m:mr>
+                    </m:m>
+                  </m:oMath>
+                </a14:m>
+                <a:r>
+                  <a:rPr lang="hu-HU" dirty="0"/>
+                  <a:t> </a:t>
+                </a:r>
+                <a14:m>
+                  <m:oMath xmlns:m="http://schemas.openxmlformats.org/officeDocument/2006/math">
+                    <m:m>
+                      <m:mPr>
+                        <m:mcs>
+                          <m:mc>
+                            <m:mcPr>
+                              <m:count m:val="1"/>
+                              <m:mcJc m:val="center"/>
+                            </m:mcPr>
+                          </m:mc>
+                        </m:mcs>
+                        <m:ctrlPr>
+                          <a:rPr lang="hu-HU" i="1">
+                            <a:latin typeface="Cambria Math" panose="02040503050406030204" pitchFamily="18" charset="0"/>
+                          </a:rPr>
+                        </m:ctrlPr>
+                      </m:mPr>
+                      <m:mr>
+                        <m:e>
+                          <m:r>
+                            <m:rPr>
+                              <m:brk m:alnAt="7"/>
+                            </m:rPr>
+                            <a:rPr lang="hu-HU" b="0" i="1" smtClean="0">
+                              <a:latin typeface="Cambria Math" panose="02040503050406030204" pitchFamily="18" charset="0"/>
+                            </a:rPr>
+                            <m:t>2</m:t>
+                          </m:r>
+                        </m:e>
+                      </m:mr>
+                      <m:mr>
+                        <m:e>
+                          <m:r>
+                            <a:rPr lang="hu-HU" b="0" i="1" smtClean="0">
+                              <a:latin typeface="Cambria Math" panose="02040503050406030204" pitchFamily="18" charset="0"/>
+                            </a:rPr>
+                            <m:t>1</m:t>
+                          </m:r>
+                        </m:e>
+                      </m:mr>
+                      <m:mr>
+                        <m:e>
+                          <m:eqArr>
+                            <m:eqArrPr>
+                              <m:ctrlPr>
+                                <a:rPr lang="hu-HU" i="1">
+                                  <a:latin typeface="Cambria Math" panose="02040503050406030204" pitchFamily="18" charset="0"/>
+                                </a:rPr>
+                              </m:ctrlPr>
+                            </m:eqArrPr>
+                            <m:e>
+                              <m:r>
+                                <a:rPr lang="hu-HU" b="0" i="1" smtClean="0">
+                                  <a:latin typeface="Cambria Math" panose="02040503050406030204" pitchFamily="18" charset="0"/>
+                                </a:rPr>
+                                <m:t>3</m:t>
+                              </m:r>
+                            </m:e>
+                            <m:e>
+                              <m:r>
+                                <a:rPr lang="hu-HU" b="0" i="1" smtClean="0">
+                                  <a:latin typeface="Cambria Math" panose="02040503050406030204" pitchFamily="18" charset="0"/>
+                                </a:rPr>
+                                <m:t>4</m:t>
+                              </m:r>
+                            </m:e>
+                          </m:eqArr>
+                        </m:e>
+                      </m:mr>
+                    </m:m>
+                  </m:oMath>
+                </a14:m>
+                <a:r>
+                  <a:rPr lang="hu-HU" dirty="0"/>
+                  <a:t> </a:t>
+                </a:r>
+                <a14:m>
+                  <m:oMath xmlns:m="http://schemas.openxmlformats.org/officeDocument/2006/math">
+                    <m:m>
+                      <m:mPr>
+                        <m:mcs>
+                          <m:mc>
+                            <m:mcPr>
+                              <m:count m:val="1"/>
+                              <m:mcJc m:val="center"/>
+                            </m:mcPr>
+                          </m:mc>
+                        </m:mcs>
+                        <m:ctrlPr>
+                          <a:rPr lang="hu-HU" i="1">
+                            <a:latin typeface="Cambria Math" panose="02040503050406030204" pitchFamily="18" charset="0"/>
+                          </a:rPr>
+                        </m:ctrlPr>
+                      </m:mPr>
+                      <m:mr>
+                        <m:e>
+                          <m:r>
+                            <m:rPr>
+                              <m:brk m:alnAt="7"/>
+                            </m:rPr>
+                            <a:rPr lang="hu-HU" b="0" i="1" smtClean="0">
+                              <a:latin typeface="Cambria Math" panose="02040503050406030204" pitchFamily="18" charset="0"/>
+                            </a:rPr>
+                            <m:t>3</m:t>
+                          </m:r>
+                        </m:e>
+                      </m:mr>
+                      <m:mr>
+                        <m:e>
+                          <m:r>
+                            <a:rPr lang="hu-HU" b="0" i="1" smtClean="0">
+                              <a:latin typeface="Cambria Math" panose="02040503050406030204" pitchFamily="18" charset="0"/>
+                            </a:rPr>
+                            <m:t>2</m:t>
+                          </m:r>
+                        </m:e>
+                      </m:mr>
+                      <m:mr>
+                        <m:e>
+                          <m:eqArr>
+                            <m:eqArrPr>
+                              <m:ctrlPr>
+                                <a:rPr lang="hu-HU" i="1">
+                                  <a:latin typeface="Cambria Math" panose="02040503050406030204" pitchFamily="18" charset="0"/>
+                                </a:rPr>
+                              </m:ctrlPr>
+                            </m:eqArrPr>
+                            <m:e>
+                              <m:r>
+                                <a:rPr lang="hu-HU" b="0" i="1" smtClean="0">
+                                  <a:latin typeface="Cambria Math" panose="02040503050406030204" pitchFamily="18" charset="0"/>
+                                </a:rPr>
+                                <m:t>4</m:t>
+                              </m:r>
+                            </m:e>
+                            <m:e>
+                              <m:r>
+                                <a:rPr lang="hu-HU" b="0" i="1" smtClean="0">
+                                  <a:latin typeface="Cambria Math" panose="02040503050406030204" pitchFamily="18" charset="0"/>
+                                </a:rPr>
+                                <m:t>1</m:t>
+                              </m:r>
+                            </m:e>
+                          </m:eqArr>
+                        </m:e>
+                      </m:mr>
+                    </m:m>
+                  </m:oMath>
+                </a14:m>
+                <a:endParaRPr lang="hu-HU" dirty="0"/>
+              </a:p>
+            </p:txBody>
+          </p:sp>
+        </mc:Choice>
+        <mc:Fallback>
+          <p:sp>
+            <p:nvSpPr>
+              <p:cNvPr id="19" name="Szövegdoboz 18">
+                <a:extLst>
+                  <a:ext uri="{FF2B5EF4-FFF2-40B4-BE49-F238E27FC236}">
+                    <a16:creationId xmlns:a16="http://schemas.microsoft.com/office/drawing/2014/main" id="{D9AC5B55-0CF0-4D18-B232-CCE9A9647992}"/>
+                  </a:ext>
+                </a:extLst>
+              </p:cNvPr>
+              <p:cNvSpPr txBox="1">
+                <a:spLocks noRot="1" noChangeAspect="1" noMove="1" noResize="1" noEditPoints="1" noAdjustHandles="1" noChangeArrowheads="1" noChangeShapeType="1" noTextEdit="1"/>
+              </p:cNvSpPr>
+              <p:nvPr/>
+            </p:nvSpPr>
+            <p:spPr>
+              <a:xfrm>
+                <a:off x="6695773" y="1189971"/>
+                <a:ext cx="1034043" cy="961866"/>
+              </a:xfrm>
+              <a:prstGeom prst="rect">
+                <a:avLst/>
+              </a:prstGeom>
+              <a:blipFill>
+                <a:blip r:embed="rId2"/>
+                <a:stretch>
+                  <a:fillRect/>
+                </a:stretch>
+              </a:blipFill>
+            </p:spPr>
+            <p:txBody>
+              <a:bodyPr/>
+              <a:lstStyle/>
+              <a:p>
+                <a:r>
+                  <a:rPr lang="hu-HU">
+                    <a:noFill/>
+                  </a:rPr>
+                  <a:t> </a:t>
+                </a:r>
+              </a:p>
+            </p:txBody>
+          </p:sp>
+        </mc:Fallback>
+      </mc:AlternateContent>
+      <p:sp>
+        <p:nvSpPr>
+          <p:cNvPr id="2" name="Szövegdoboz 1">
+            <a:extLst>
+              <a:ext uri="{FF2B5EF4-FFF2-40B4-BE49-F238E27FC236}">
+                <a16:creationId xmlns:a16="http://schemas.microsoft.com/office/drawing/2014/main" id="{A368F585-F6E4-469E-BE36-82F0DB7CF5BC}"/>
+              </a:ext>
+            </a:extLst>
+          </p:cNvPr>
+          <p:cNvSpPr txBox="1"/>
+          <p:nvPr/>
+        </p:nvSpPr>
+        <p:spPr>
+          <a:xfrm>
+            <a:off x="6461311" y="3329052"/>
+            <a:ext cx="2998694" cy="646331"/>
+          </a:xfrm>
+          <a:prstGeom prst="rect">
+            <a:avLst/>
+          </a:prstGeom>
+          <a:noFill/>
+        </p:spPr>
+        <p:txBody>
+          <a:bodyPr wrap="square" rtlCol="0">
+            <a:spAutoFit/>
+          </a:bodyPr>
+          <a:lstStyle/>
+          <a:p>
+            <a:r>
+              <a:rPr lang="hu-HU" dirty="0" err="1"/>
+              <a:t>Run</a:t>
+            </a:r>
+            <a:r>
+              <a:rPr lang="hu-HU" dirty="0"/>
+              <a:t> </a:t>
+            </a:r>
+            <a:r>
+              <a:rPr lang="hu-HU" dirty="0" err="1"/>
+              <a:t>algorithm</a:t>
+            </a:r>
+            <a:r>
+              <a:rPr lang="hu-HU" dirty="0"/>
+              <a:t> </a:t>
+            </a:r>
+            <a:r>
+              <a:rPr lang="hu-HU" dirty="0" err="1"/>
+              <a:t>with</a:t>
+            </a:r>
+            <a:r>
+              <a:rPr lang="hu-HU" dirty="0"/>
+              <a:t> </a:t>
+            </a:r>
+            <a:r>
+              <a:rPr lang="hu-HU" dirty="0" err="1"/>
+              <a:t>complementer</a:t>
+            </a:r>
+            <a:r>
+              <a:rPr lang="hu-HU" dirty="0"/>
+              <a:t> </a:t>
+            </a:r>
+            <a:r>
+              <a:rPr lang="hu-HU" dirty="0" err="1"/>
+              <a:t>blocks</a:t>
+            </a:r>
+            <a:endParaRPr lang="hu-HU" dirty="0"/>
+          </a:p>
+        </p:txBody>
+      </p:sp>
+    </p:spTree>
+    <p:extLst>
+      <p:ext uri="{BB962C8B-B14F-4D97-AF65-F5344CB8AC3E}">
+        <p14:creationId xmlns:p14="http://schemas.microsoft.com/office/powerpoint/2010/main" val="513265286"/>
+      </p:ext>
+    </p:extLst>
+  </p:cSld>
+  <p:clrMapOvr>
+    <a:masterClrMapping/>
+  </p:clrMapOvr>
+</p:sld>
+</file>
+
+<file path=ppt/slides/slide18.xml><?xml version="1.0" encoding="utf-8"?>
 <p:sld xmlns:a="http://schemas.openxmlformats.org/drawingml/2006/main" xmlns:r="http://schemas.openxmlformats.org/officeDocument/2006/relationships" xmlns:p="http://schemas.openxmlformats.org/presentationml/2006/main">
   <p:cSld>
     <p:spTree>
@@ -6986,8 +10548,8 @@
           </a:p>
         </p:txBody>
       </p:sp>
-      <mc:AlternateContent xmlns:mc="http://schemas.openxmlformats.org/markup-compatibility/2006" xmlns:a14="http://schemas.microsoft.com/office/drawing/2010/main">
-        <mc:Choice Requires="a14">
+      <mc:AlternateContent xmlns:mc="http://schemas.openxmlformats.org/markup-compatibility/2006">
+        <mc:Choice xmlns:a14="http://schemas.microsoft.com/office/drawing/2010/main" Requires="a14">
           <p:sp>
             <p:nvSpPr>
               <p:cNvPr id="3" name="Content Placeholder 2"/>
@@ -7129,10 +10691,16 @@
                           <m:t>𝑣</m:t>
                         </m:r>
                         <m:r>
+                          <a:rPr lang="hu-HU" b="0" i="1" baseline="-25000" smtClean="0">
+                            <a:latin typeface="Cambria Math" panose="02040503050406030204" pitchFamily="18" charset="0"/>
+                          </a:rPr>
+                          <m:t>1</m:t>
+                        </m:r>
+                        <m:r>
                           <a:rPr lang="hu-HU" b="0" i="1" smtClean="0">
                             <a:latin typeface="Cambria Math" panose="02040503050406030204" pitchFamily="18" charset="0"/>
                           </a:rPr>
-                          <m:t>1, .. , </m:t>
+                          <m:t>, .. , </m:t>
                         </m:r>
                         <m:r>
                           <a:rPr lang="hu-HU" b="0" i="1" smtClean="0">
@@ -7176,7 +10744,7 @@
             </p:txBody>
           </p:sp>
         </mc:Choice>
-        <mc:Fallback xmlns="">
+        <mc:Fallback>
           <p:sp>
             <p:nvSpPr>
               <p:cNvPr id="3" name="Content Placeholder 2"/>
@@ -7263,8 +10831,8 @@
           </a:p>
         </p:txBody>
       </p:sp>
-      <mc:AlternateContent xmlns:mc="http://schemas.openxmlformats.org/markup-compatibility/2006" xmlns:a14="http://schemas.microsoft.com/office/drawing/2010/main">
-        <mc:Choice Requires="a14">
+      <mc:AlternateContent xmlns:mc="http://schemas.openxmlformats.org/markup-compatibility/2006">
+        <mc:Choice xmlns:a14="http://schemas.microsoft.com/office/drawing/2010/main" Requires="a14">
           <p:sp>
             <p:nvSpPr>
               <p:cNvPr id="3" name="Content Placeholder 2"/>
@@ -7291,7 +10859,7 @@
                         <a:latin typeface="Cambria Math" panose="02040503050406030204" pitchFamily="18" charset="0"/>
                         <a:ea typeface="Cambria Math" panose="02040503050406030204" pitchFamily="18" charset="0"/>
                       </a:rPr>
-                      <m:t>𝜃</m:t>
+                      <m:t>𝜙</m:t>
                     </m:r>
                     <m:d>
                       <m:dPr>
@@ -7316,16 +10884,16 @@
                 </a14:m>
                 <a:r>
                   <a:rPr lang="hu-HU" dirty="0"/>
-                  <a:t> is a number of corrsing flow considering an e edge due the reouring. </a:t>
+                  <a:t> is a number of corrsing flow considering an e edge due the reouring.</a:t>
                 </a:r>
                 <a14:m>
                   <m:oMath xmlns:m="http://schemas.openxmlformats.org/officeDocument/2006/math">
                     <m:r>
-                      <a:rPr lang="hu-HU" i="1" smtClean="0">
+                      <a:rPr lang="hu-HU" i="1">
                         <a:latin typeface="Cambria Math" panose="02040503050406030204" pitchFamily="18" charset="0"/>
                         <a:ea typeface="Cambria Math" panose="02040503050406030204" pitchFamily="18" charset="0"/>
                       </a:rPr>
-                      <m:t>𝜃</m:t>
+                      <m:t>𝜙</m:t>
                     </m:r>
                     <m:r>
                       <a:rPr lang="hu-HU" b="0" i="1" smtClean="0">
@@ -7357,11 +10925,11 @@
                       </m:fName>
                       <m:e>
                         <m:r>
-                          <a:rPr lang="hu-HU" i="1" smtClean="0">
+                          <a:rPr lang="hu-HU" i="1">
                             <a:latin typeface="Cambria Math" panose="02040503050406030204" pitchFamily="18" charset="0"/>
                             <a:ea typeface="Cambria Math" panose="02040503050406030204" pitchFamily="18" charset="0"/>
                           </a:rPr>
-                          <m:t>𝜃</m:t>
+                          <m:t>𝜙</m:t>
                         </m:r>
                         <m:d>
                           <m:dPr>
@@ -7513,17 +11081,21 @@
                       </m:dPr>
                       <m:e>
                         <m:r>
-                          <a:rPr lang="hu-HU" b="0" i="1" smtClean="0">
+                          <a:rPr lang="hu-HU" i="1">
                             <a:latin typeface="Cambria Math" panose="02040503050406030204" pitchFamily="18" charset="0"/>
                             <a:ea typeface="Cambria Math" panose="02040503050406030204" pitchFamily="18" charset="0"/>
                           </a:rPr>
-                          <m:t>𝜃</m:t>
+                          <m:t>𝜙</m:t>
                         </m:r>
                       </m:e>
                     </m:d>
                   </m:oMath>
                 </a14:m>
                 <a:r>
+                  <a:rPr lang="hu-HU" baseline="-25000" dirty="0"/>
+                  <a:t>o</a:t>
+                </a:r>
+                <a:r>
                   <a:rPr lang="hu-HU" dirty="0"/>
                   <a:t> is </a:t>
                 </a:r>
@@ -7595,18 +11167,21 @@
                   <a:rPr lang="hu-HU" dirty="0" err="1"/>
                   <a:t>load</a:t>
                 </a:r>
-                <a:r>
-                  <a:rPr lang="hu-HU" dirty="0"/>
-                  <a:t> </a:t>
-                </a:r>
                 <a14:m>
                   <m:oMath xmlns:m="http://schemas.openxmlformats.org/officeDocument/2006/math">
+                    <m:r>
+                      <a:rPr lang="hu-HU" b="0" i="0" smtClean="0">
+                        <a:latin typeface="Cambria Math" panose="02040503050406030204" pitchFamily="18" charset="0"/>
+                        <a:ea typeface="Cambria Math" panose="02040503050406030204" pitchFamily="18" charset="0"/>
+                      </a:rPr>
+                      <m:t> </m:t>
+                    </m:r>
                     <m:r>
                       <a:rPr lang="hu-HU" i="1">
                         <a:latin typeface="Cambria Math" panose="02040503050406030204" pitchFamily="18" charset="0"/>
                         <a:ea typeface="Cambria Math" panose="02040503050406030204" pitchFamily="18" charset="0"/>
                       </a:rPr>
-                      <m:t>𝜃</m:t>
+                      <m:t>𝜙</m:t>
                     </m:r>
                   </m:oMath>
                 </a14:m>
@@ -7615,7 +11190,7 @@
             </p:txBody>
           </p:sp>
         </mc:Choice>
-        <mc:Fallback xmlns="">
+        <mc:Fallback>
           <p:sp>
             <p:nvSpPr>
               <p:cNvPr id="3" name="Content Placeholder 2"/>
@@ -7814,7 +11389,19 @@
             </a:r>
             <a:r>
               <a:rPr lang="hu-HU" dirty="0" err="1"/>
-              <a:t>mi,j</a:t>
+              <a:t>m</a:t>
+            </a:r>
+            <a:r>
+              <a:rPr lang="hu-HU" baseline="-25000" dirty="0" err="1"/>
+              <a:t>i</a:t>
+            </a:r>
+            <a:r>
+              <a:rPr lang="hu-HU" dirty="0" err="1"/>
+              <a:t>,</a:t>
+            </a:r>
+            <a:r>
+              <a:rPr lang="hu-HU" baseline="-25000" dirty="0" err="1"/>
+              <a:t>j</a:t>
             </a:r>
             <a:r>
               <a:rPr lang="hu-HU" dirty="0"/>
@@ -7824,7 +11411,11 @@
           <a:p>
             <a:r>
               <a:rPr lang="hu-HU" dirty="0" err="1"/>
-              <a:t>ith</a:t>
+              <a:t>i</a:t>
+            </a:r>
+            <a:r>
+              <a:rPr lang="hu-HU" baseline="30000" dirty="0" err="1"/>
+              <a:t>th</a:t>
             </a:r>
             <a:r>
               <a:rPr lang="hu-HU" dirty="0"/>
@@ -7880,7 +11471,11 @@
             </a:r>
             <a:r>
               <a:rPr lang="hu-HU" dirty="0" err="1"/>
-              <a:t>si</a:t>
+              <a:t>s</a:t>
+            </a:r>
+            <a:r>
+              <a:rPr lang="hu-HU" baseline="-25000" dirty="0" err="1"/>
+              <a:t>i</a:t>
             </a:r>
             <a:r>
               <a:rPr lang="hu-HU" dirty="0"/>
@@ -7892,7 +11487,15 @@
             </a:r>
             <a:r>
               <a:rPr lang="hu-HU" dirty="0"/>
-              <a:t> di. </a:t>
+              <a:t> d</a:t>
+            </a:r>
+            <a:r>
+              <a:rPr lang="hu-HU" baseline="-25000" dirty="0"/>
+              <a:t>i</a:t>
+            </a:r>
+            <a:r>
+              <a:rPr lang="hu-HU" dirty="0"/>
+              <a:t>. </a:t>
             </a:r>
             <a:r>
               <a:rPr lang="hu-HU" dirty="0" err="1"/>
@@ -8012,7 +11615,15 @@
             </a:r>
             <a:r>
               <a:rPr lang="hu-HU" dirty="0"/>
-              <a:t> di.</a:t>
+              <a:t> d</a:t>
+            </a:r>
+            <a:r>
+              <a:rPr lang="hu-HU" baseline="-25000" dirty="0"/>
+              <a:t>i</a:t>
+            </a:r>
+            <a:r>
+              <a:rPr lang="hu-HU" dirty="0"/>
+              <a:t>.</a:t>
             </a:r>
           </a:p>
           <a:p>
@@ -9645,8 +13256,8 @@
           </p:style>
         </p:cxnSp>
       </p:grpSp>
-      <mc:AlternateContent xmlns:mc="http://schemas.openxmlformats.org/markup-compatibility/2006">
-        <mc:Choice xmlns:a14="http://schemas.microsoft.com/office/drawing/2010/main" Requires="a14">
+      <mc:AlternateContent xmlns:mc="http://schemas.openxmlformats.org/markup-compatibility/2006" xmlns:a14="http://schemas.microsoft.com/office/drawing/2010/main">
+        <mc:Choice Requires="a14">
           <p:sp>
             <p:nvSpPr>
               <p:cNvPr id="43" name="Szövegdoboz 42"/>
@@ -9726,7 +13337,7 @@
             </p:txBody>
           </p:sp>
         </mc:Choice>
-        <mc:Fallback>
+        <mc:Fallback xmlns="">
           <p:sp>
             <p:nvSpPr>
               <p:cNvPr id="43" name="Szövegdoboz 42"/>
@@ -10570,8 +14181,8 @@
           </p:style>
         </p:cxnSp>
       </p:grpSp>
-      <mc:AlternateContent xmlns:mc="http://schemas.openxmlformats.org/markup-compatibility/2006">
-        <mc:Choice xmlns:a14="http://schemas.microsoft.com/office/drawing/2010/main" Requires="a14">
+      <mc:AlternateContent xmlns:mc="http://schemas.openxmlformats.org/markup-compatibility/2006" xmlns:a14="http://schemas.microsoft.com/office/drawing/2010/main">
+        <mc:Choice Requires="a14">
           <p:sp>
             <p:nvSpPr>
               <p:cNvPr id="43" name="Szövegdoboz 42"/>
@@ -10666,7 +14277,7 @@
             </p:txBody>
           </p:sp>
         </mc:Choice>
-        <mc:Fallback>
+        <mc:Fallback xmlns="">
           <p:sp>
             <p:nvSpPr>
               <p:cNvPr id="43" name="Szövegdoboz 42"/>
@@ -11510,8 +15121,8 @@
           </p:style>
         </p:cxnSp>
       </p:grpSp>
-      <mc:AlternateContent xmlns:mc="http://schemas.openxmlformats.org/markup-compatibility/2006">
-        <mc:Choice xmlns:a14="http://schemas.microsoft.com/office/drawing/2010/main" Requires="a14">
+      <mc:AlternateContent xmlns:mc="http://schemas.openxmlformats.org/markup-compatibility/2006" xmlns:a14="http://schemas.microsoft.com/office/drawing/2010/main">
+        <mc:Choice Requires="a14">
           <p:sp>
             <p:nvSpPr>
               <p:cNvPr id="43" name="Szövegdoboz 42"/>
@@ -11621,7 +15232,7 @@
             </p:txBody>
           </p:sp>
         </mc:Choice>
-        <mc:Fallback>
+        <mc:Fallback xmlns="">
           <p:sp>
             <p:nvSpPr>
               <p:cNvPr id="43" name="Szövegdoboz 42"/>

--- a/halozatok/Load-Optimal Local Fast Rerouting for Relisient Networks.pptx
+++ b/halozatok/Load-Optimal Local Fast Rerouting for Relisient Networks.pptx
@@ -4041,8 +4041,8 @@
           <a:chExt cx="0" cy="0"/>
         </a:xfrm>
       </p:grpSpPr>
-      <mc:AlternateContent xmlns:mc="http://schemas.openxmlformats.org/markup-compatibility/2006">
-        <mc:Choice xmlns:a14="http://schemas.microsoft.com/office/drawing/2010/main" Requires="a14">
+      <mc:AlternateContent xmlns:mc="http://schemas.openxmlformats.org/markup-compatibility/2006" xmlns:a14="http://schemas.microsoft.com/office/drawing/2010/main">
+        <mc:Choice Requires="a14">
           <p:sp>
             <p:nvSpPr>
               <p:cNvPr id="5" name="Téglalap 4"/>
@@ -4313,7 +4313,7 @@
             </p:txBody>
           </p:sp>
         </mc:Choice>
-        <mc:Fallback>
+        <mc:Fallback xmlns="">
           <p:sp>
             <p:nvSpPr>
               <p:cNvPr id="5" name="Téglalap 4"/>
@@ -4352,8 +4352,8 @@
           </p:sp>
         </mc:Fallback>
       </mc:AlternateContent>
-      <mc:AlternateContent xmlns:mc="http://schemas.openxmlformats.org/markup-compatibility/2006">
-        <mc:Choice xmlns:a14="http://schemas.microsoft.com/office/drawing/2010/main" Requires="a14">
+      <mc:AlternateContent xmlns:mc="http://schemas.openxmlformats.org/markup-compatibility/2006" xmlns:a14="http://schemas.microsoft.com/office/drawing/2010/main">
+        <mc:Choice Requires="a14">
           <p:sp>
             <p:nvSpPr>
               <p:cNvPr id="7" name="Téglalap 6"/>
@@ -4624,7 +4624,7 @@
             </p:txBody>
           </p:sp>
         </mc:Choice>
-        <mc:Fallback>
+        <mc:Fallback xmlns="">
           <p:sp>
             <p:nvSpPr>
               <p:cNvPr id="7" name="Téglalap 6"/>
@@ -4952,6 +4952,1495 @@
           </a:p>
         </p:txBody>
       </p:sp>
+      <p:sp>
+        <p:nvSpPr>
+          <p:cNvPr id="12" name="Ellipszis 11">
+            <a:extLst>
+              <a:ext uri="{FF2B5EF4-FFF2-40B4-BE49-F238E27FC236}">
+                <a16:creationId xmlns:a16="http://schemas.microsoft.com/office/drawing/2014/main" id="{0138D184-EAE7-4932-9655-5EB8D5501AA1}"/>
+              </a:ext>
+            </a:extLst>
+          </p:cNvPr>
+          <p:cNvSpPr/>
+          <p:nvPr/>
+        </p:nvSpPr>
+        <p:spPr>
+          <a:xfrm>
+            <a:off x="6233573" y="3523122"/>
+            <a:ext cx="421894" cy="390245"/>
+          </a:xfrm>
+          <a:prstGeom prst="ellipse">
+            <a:avLst/>
+          </a:prstGeom>
+          <a:solidFill>
+            <a:schemeClr val="bg1"/>
+          </a:solidFill>
+        </p:spPr>
+        <p:style>
+          <a:lnRef idx="2">
+            <a:schemeClr val="accent1">
+              <a:shade val="50000"/>
+            </a:schemeClr>
+          </a:lnRef>
+          <a:fillRef idx="1">
+            <a:schemeClr val="accent1"/>
+          </a:fillRef>
+          <a:effectRef idx="0">
+            <a:schemeClr val="accent1"/>
+          </a:effectRef>
+          <a:fontRef idx="minor">
+            <a:schemeClr val="lt1"/>
+          </a:fontRef>
+        </p:style>
+        <p:txBody>
+          <a:bodyPr rtlCol="0" anchor="ctr"/>
+          <a:lstStyle/>
+          <a:p>
+            <a:pPr algn="ctr"/>
+            <a:r>
+              <a:rPr lang="hu-HU" dirty="0">
+                <a:ln w="0"/>
+                <a:solidFill>
+                  <a:schemeClr val="tx1"/>
+                </a:solidFill>
+                <a:effectLst>
+                  <a:outerShdw blurRad="38100" dist="19050" dir="2700000" algn="tl" rotWithShape="0">
+                    <a:schemeClr val="dk1">
+                      <a:alpha val="40000"/>
+                    </a:schemeClr>
+                  </a:outerShdw>
+                </a:effectLst>
+              </a:rPr>
+              <a:t>1</a:t>
+            </a:r>
+          </a:p>
+        </p:txBody>
+      </p:sp>
+      <p:sp>
+        <p:nvSpPr>
+          <p:cNvPr id="13" name="Ellipszis 12">
+            <a:extLst>
+              <a:ext uri="{FF2B5EF4-FFF2-40B4-BE49-F238E27FC236}">
+                <a16:creationId xmlns:a16="http://schemas.microsoft.com/office/drawing/2014/main" id="{CFEE2F05-9431-410F-8D13-3B50D44FCC98}"/>
+              </a:ext>
+            </a:extLst>
+          </p:cNvPr>
+          <p:cNvSpPr/>
+          <p:nvPr/>
+        </p:nvSpPr>
+        <p:spPr>
+          <a:xfrm>
+            <a:off x="5319698" y="4919068"/>
+            <a:ext cx="421894" cy="419553"/>
+          </a:xfrm>
+          <a:prstGeom prst="ellipse">
+            <a:avLst/>
+          </a:prstGeom>
+          <a:solidFill>
+            <a:schemeClr val="bg1"/>
+          </a:solidFill>
+        </p:spPr>
+        <p:style>
+          <a:lnRef idx="2">
+            <a:schemeClr val="accent1">
+              <a:shade val="50000"/>
+            </a:schemeClr>
+          </a:lnRef>
+          <a:fillRef idx="1">
+            <a:schemeClr val="accent1"/>
+          </a:fillRef>
+          <a:effectRef idx="0">
+            <a:schemeClr val="accent1"/>
+          </a:effectRef>
+          <a:fontRef idx="minor">
+            <a:schemeClr val="lt1"/>
+          </a:fontRef>
+        </p:style>
+        <p:txBody>
+          <a:bodyPr rtlCol="0" anchor="ctr"/>
+          <a:lstStyle/>
+          <a:p>
+            <a:pPr algn="ctr"/>
+            <a:r>
+              <a:rPr lang="hu-HU" dirty="0">
+                <a:ln w="0"/>
+                <a:solidFill>
+                  <a:schemeClr val="tx1"/>
+                </a:solidFill>
+                <a:effectLst>
+                  <a:outerShdw blurRad="38100" dist="19050" dir="2700000" algn="tl" rotWithShape="0">
+                    <a:schemeClr val="dk1">
+                      <a:alpha val="40000"/>
+                    </a:schemeClr>
+                  </a:outerShdw>
+                </a:effectLst>
+              </a:rPr>
+              <a:t>5</a:t>
+            </a:r>
+          </a:p>
+        </p:txBody>
+      </p:sp>
+      <p:sp>
+        <p:nvSpPr>
+          <p:cNvPr id="14" name="Ellipszis 13">
+            <a:extLst>
+              <a:ext uri="{FF2B5EF4-FFF2-40B4-BE49-F238E27FC236}">
+                <a16:creationId xmlns:a16="http://schemas.microsoft.com/office/drawing/2014/main" id="{B48B6676-20B7-46D6-A45A-4F3DBD71A82C}"/>
+              </a:ext>
+            </a:extLst>
+          </p:cNvPr>
+          <p:cNvSpPr/>
+          <p:nvPr/>
+        </p:nvSpPr>
+        <p:spPr>
+          <a:xfrm>
+            <a:off x="6233573" y="5390048"/>
+            <a:ext cx="421894" cy="419553"/>
+          </a:xfrm>
+          <a:prstGeom prst="ellipse">
+            <a:avLst/>
+          </a:prstGeom>
+          <a:solidFill>
+            <a:schemeClr val="bg1"/>
+          </a:solidFill>
+        </p:spPr>
+        <p:style>
+          <a:lnRef idx="2">
+            <a:schemeClr val="accent1">
+              <a:shade val="50000"/>
+            </a:schemeClr>
+          </a:lnRef>
+          <a:fillRef idx="1">
+            <a:schemeClr val="accent1"/>
+          </a:fillRef>
+          <a:effectRef idx="0">
+            <a:schemeClr val="accent1"/>
+          </a:effectRef>
+          <a:fontRef idx="minor">
+            <a:schemeClr val="lt1"/>
+          </a:fontRef>
+        </p:style>
+        <p:txBody>
+          <a:bodyPr rtlCol="0" anchor="ctr"/>
+          <a:lstStyle/>
+          <a:p>
+            <a:pPr algn="ctr"/>
+            <a:r>
+              <a:rPr lang="hu-HU" dirty="0">
+                <a:ln w="0"/>
+                <a:solidFill>
+                  <a:schemeClr val="tx1"/>
+                </a:solidFill>
+                <a:effectLst>
+                  <a:outerShdw blurRad="38100" dist="19050" dir="2700000" algn="tl" rotWithShape="0">
+                    <a:schemeClr val="dk1">
+                      <a:alpha val="40000"/>
+                    </a:schemeClr>
+                  </a:outerShdw>
+                </a:effectLst>
+              </a:rPr>
+              <a:t>4</a:t>
+            </a:r>
+          </a:p>
+        </p:txBody>
+      </p:sp>
+      <p:sp>
+        <p:nvSpPr>
+          <p:cNvPr id="15" name="Ellipszis 14">
+            <a:extLst>
+              <a:ext uri="{FF2B5EF4-FFF2-40B4-BE49-F238E27FC236}">
+                <a16:creationId xmlns:a16="http://schemas.microsoft.com/office/drawing/2014/main" id="{FA424EC2-8238-47EA-9D50-3EE05A09DE91}"/>
+              </a:ext>
+            </a:extLst>
+          </p:cNvPr>
+          <p:cNvSpPr/>
+          <p:nvPr/>
+        </p:nvSpPr>
+        <p:spPr>
+          <a:xfrm>
+            <a:off x="7183211" y="4919067"/>
+            <a:ext cx="421894" cy="419553"/>
+          </a:xfrm>
+          <a:prstGeom prst="ellipse">
+            <a:avLst/>
+          </a:prstGeom>
+          <a:solidFill>
+            <a:schemeClr val="bg1"/>
+          </a:solidFill>
+        </p:spPr>
+        <p:style>
+          <a:lnRef idx="2">
+            <a:schemeClr val="accent1">
+              <a:shade val="50000"/>
+            </a:schemeClr>
+          </a:lnRef>
+          <a:fillRef idx="1">
+            <a:schemeClr val="accent1"/>
+          </a:fillRef>
+          <a:effectRef idx="0">
+            <a:schemeClr val="accent1"/>
+          </a:effectRef>
+          <a:fontRef idx="minor">
+            <a:schemeClr val="lt1"/>
+          </a:fontRef>
+        </p:style>
+        <p:txBody>
+          <a:bodyPr rtlCol="0" anchor="ctr"/>
+          <a:lstStyle/>
+          <a:p>
+            <a:pPr algn="ctr"/>
+            <a:r>
+              <a:rPr lang="hu-HU" dirty="0">
+                <a:ln w="0"/>
+                <a:solidFill>
+                  <a:schemeClr val="tx1"/>
+                </a:solidFill>
+                <a:effectLst>
+                  <a:outerShdw blurRad="38100" dist="19050" dir="2700000" algn="tl" rotWithShape="0">
+                    <a:schemeClr val="dk1">
+                      <a:alpha val="40000"/>
+                    </a:schemeClr>
+                  </a:outerShdw>
+                </a:effectLst>
+              </a:rPr>
+              <a:t>3</a:t>
+            </a:r>
+          </a:p>
+        </p:txBody>
+      </p:sp>
+      <p:sp>
+        <p:nvSpPr>
+          <p:cNvPr id="16" name="Ellipszis 15">
+            <a:extLst>
+              <a:ext uri="{FF2B5EF4-FFF2-40B4-BE49-F238E27FC236}">
+                <a16:creationId xmlns:a16="http://schemas.microsoft.com/office/drawing/2014/main" id="{81E2216F-0ED1-4F84-AB3B-561532161D03}"/>
+              </a:ext>
+            </a:extLst>
+          </p:cNvPr>
+          <p:cNvSpPr/>
+          <p:nvPr/>
+        </p:nvSpPr>
+        <p:spPr>
+          <a:xfrm>
+            <a:off x="7183211" y="3978061"/>
+            <a:ext cx="421894" cy="419553"/>
+          </a:xfrm>
+          <a:prstGeom prst="ellipse">
+            <a:avLst/>
+          </a:prstGeom>
+          <a:solidFill>
+            <a:schemeClr val="bg1"/>
+          </a:solidFill>
+        </p:spPr>
+        <p:style>
+          <a:lnRef idx="2">
+            <a:schemeClr val="accent1">
+              <a:shade val="50000"/>
+            </a:schemeClr>
+          </a:lnRef>
+          <a:fillRef idx="1">
+            <a:schemeClr val="accent1"/>
+          </a:fillRef>
+          <a:effectRef idx="0">
+            <a:schemeClr val="accent1"/>
+          </a:effectRef>
+          <a:fontRef idx="minor">
+            <a:schemeClr val="lt1"/>
+          </a:fontRef>
+        </p:style>
+        <p:txBody>
+          <a:bodyPr rtlCol="0" anchor="ctr"/>
+          <a:lstStyle/>
+          <a:p>
+            <a:pPr algn="ctr"/>
+            <a:r>
+              <a:rPr lang="hu-HU" dirty="0">
+                <a:ln w="0"/>
+                <a:solidFill>
+                  <a:schemeClr val="tx1"/>
+                </a:solidFill>
+                <a:effectLst>
+                  <a:outerShdw blurRad="38100" dist="19050" dir="2700000" algn="tl" rotWithShape="0">
+                    <a:schemeClr val="dk1">
+                      <a:alpha val="40000"/>
+                    </a:schemeClr>
+                  </a:outerShdw>
+                </a:effectLst>
+              </a:rPr>
+              <a:t>2</a:t>
+            </a:r>
+          </a:p>
+        </p:txBody>
+      </p:sp>
+      <p:sp>
+        <p:nvSpPr>
+          <p:cNvPr id="17" name="Ellipszis 16">
+            <a:extLst>
+              <a:ext uri="{FF2B5EF4-FFF2-40B4-BE49-F238E27FC236}">
+                <a16:creationId xmlns:a16="http://schemas.microsoft.com/office/drawing/2014/main" id="{C161DE59-D71F-46B3-81FA-96C238362529}"/>
+              </a:ext>
+            </a:extLst>
+          </p:cNvPr>
+          <p:cNvSpPr/>
+          <p:nvPr/>
+        </p:nvSpPr>
+        <p:spPr>
+          <a:xfrm>
+            <a:off x="5319698" y="4018537"/>
+            <a:ext cx="421894" cy="419553"/>
+          </a:xfrm>
+          <a:prstGeom prst="ellipse">
+            <a:avLst/>
+          </a:prstGeom>
+          <a:solidFill>
+            <a:schemeClr val="bg1"/>
+          </a:solidFill>
+        </p:spPr>
+        <p:style>
+          <a:lnRef idx="2">
+            <a:schemeClr val="accent1">
+              <a:shade val="50000"/>
+            </a:schemeClr>
+          </a:lnRef>
+          <a:fillRef idx="1">
+            <a:schemeClr val="accent1"/>
+          </a:fillRef>
+          <a:effectRef idx="0">
+            <a:schemeClr val="accent1"/>
+          </a:effectRef>
+          <a:fontRef idx="minor">
+            <a:schemeClr val="lt1"/>
+          </a:fontRef>
+        </p:style>
+        <p:txBody>
+          <a:bodyPr rtlCol="0" anchor="ctr"/>
+          <a:lstStyle/>
+          <a:p>
+            <a:pPr algn="ctr"/>
+            <a:r>
+              <a:rPr lang="hu-HU" dirty="0">
+                <a:ln w="0"/>
+                <a:solidFill>
+                  <a:schemeClr val="tx1"/>
+                </a:solidFill>
+                <a:effectLst>
+                  <a:outerShdw blurRad="38100" dist="19050" dir="2700000" algn="tl" rotWithShape="0">
+                    <a:schemeClr val="dk1">
+                      <a:alpha val="40000"/>
+                    </a:schemeClr>
+                  </a:outerShdw>
+                </a:effectLst>
+              </a:rPr>
+              <a:t>6</a:t>
+            </a:r>
+          </a:p>
+        </p:txBody>
+      </p:sp>
+      <p:cxnSp>
+        <p:nvCxnSpPr>
+          <p:cNvPr id="3" name="Egyenes összekötő nyíllal 2">
+            <a:extLst>
+              <a:ext uri="{FF2B5EF4-FFF2-40B4-BE49-F238E27FC236}">
+                <a16:creationId xmlns:a16="http://schemas.microsoft.com/office/drawing/2014/main" id="{3B7C2303-AD8B-47BD-B171-40E9D65AE941}"/>
+              </a:ext>
+            </a:extLst>
+          </p:cNvPr>
+          <p:cNvCxnSpPr>
+            <a:cxnSpLocks/>
+          </p:cNvCxnSpPr>
+          <p:nvPr/>
+        </p:nvCxnSpPr>
+        <p:spPr>
+          <a:xfrm>
+            <a:off x="6655467" y="3752738"/>
+            <a:ext cx="589529" cy="321258"/>
+          </a:xfrm>
+          <a:prstGeom prst="straightConnector1">
+            <a:avLst/>
+          </a:prstGeom>
+          <a:ln>
+            <a:tailEnd type="triangle"/>
+          </a:ln>
+        </p:spPr>
+        <p:style>
+          <a:lnRef idx="1">
+            <a:schemeClr val="accent1"/>
+          </a:lnRef>
+          <a:fillRef idx="0">
+            <a:schemeClr val="accent1"/>
+          </a:fillRef>
+          <a:effectRef idx="0">
+            <a:schemeClr val="accent1"/>
+          </a:effectRef>
+          <a:fontRef idx="minor">
+            <a:schemeClr val="tx1"/>
+          </a:fontRef>
+        </p:style>
+      </p:cxnSp>
+      <p:cxnSp>
+        <p:nvCxnSpPr>
+          <p:cNvPr id="18" name="Egyenes összekötő nyíllal 17">
+            <a:extLst>
+              <a:ext uri="{FF2B5EF4-FFF2-40B4-BE49-F238E27FC236}">
+                <a16:creationId xmlns:a16="http://schemas.microsoft.com/office/drawing/2014/main" id="{ACA86D39-A705-4ABD-9A10-4F6E59CD716A}"/>
+              </a:ext>
+            </a:extLst>
+          </p:cNvPr>
+          <p:cNvCxnSpPr>
+            <a:cxnSpLocks/>
+            <a:stCxn id="16" idx="4"/>
+            <a:endCxn id="15" idx="1"/>
+          </p:cNvCxnSpPr>
+          <p:nvPr/>
+        </p:nvCxnSpPr>
+        <p:spPr>
+          <a:xfrm flipH="1">
+            <a:off x="7244996" y="4397614"/>
+            <a:ext cx="149162" cy="582895"/>
+          </a:xfrm>
+          <a:prstGeom prst="straightConnector1">
+            <a:avLst/>
+          </a:prstGeom>
+          <a:ln>
+            <a:tailEnd type="triangle"/>
+          </a:ln>
+        </p:spPr>
+        <p:style>
+          <a:lnRef idx="1">
+            <a:schemeClr val="accent1"/>
+          </a:lnRef>
+          <a:fillRef idx="0">
+            <a:schemeClr val="accent1"/>
+          </a:fillRef>
+          <a:effectRef idx="0">
+            <a:schemeClr val="accent1"/>
+          </a:effectRef>
+          <a:fontRef idx="minor">
+            <a:schemeClr val="tx1"/>
+          </a:fontRef>
+        </p:style>
+      </p:cxnSp>
+      <p:cxnSp>
+        <p:nvCxnSpPr>
+          <p:cNvPr id="20" name="Egyenes összekötő nyíllal 19">
+            <a:extLst>
+              <a:ext uri="{FF2B5EF4-FFF2-40B4-BE49-F238E27FC236}">
+                <a16:creationId xmlns:a16="http://schemas.microsoft.com/office/drawing/2014/main" id="{C441581D-7A1E-40C2-82ED-3504F8FFFB94}"/>
+              </a:ext>
+            </a:extLst>
+          </p:cNvPr>
+          <p:cNvCxnSpPr>
+            <a:cxnSpLocks/>
+            <a:endCxn id="15" idx="7"/>
+          </p:cNvCxnSpPr>
+          <p:nvPr/>
+        </p:nvCxnSpPr>
+        <p:spPr>
+          <a:xfrm>
+            <a:off x="7470358" y="4397613"/>
+            <a:ext cx="72962" cy="582896"/>
+          </a:xfrm>
+          <a:prstGeom prst="straightConnector1">
+            <a:avLst/>
+          </a:prstGeom>
+          <a:ln>
+            <a:tailEnd type="triangle"/>
+          </a:ln>
+        </p:spPr>
+        <p:style>
+          <a:lnRef idx="1">
+            <a:schemeClr val="accent1"/>
+          </a:lnRef>
+          <a:fillRef idx="0">
+            <a:schemeClr val="accent1"/>
+          </a:fillRef>
+          <a:effectRef idx="0">
+            <a:schemeClr val="accent1"/>
+          </a:effectRef>
+          <a:fontRef idx="minor">
+            <a:schemeClr val="tx1"/>
+          </a:fontRef>
+        </p:style>
+      </p:cxnSp>
+      <p:cxnSp>
+        <p:nvCxnSpPr>
+          <p:cNvPr id="26" name="Egyenes összekötő nyíllal 25">
+            <a:extLst>
+              <a:ext uri="{FF2B5EF4-FFF2-40B4-BE49-F238E27FC236}">
+                <a16:creationId xmlns:a16="http://schemas.microsoft.com/office/drawing/2014/main" id="{7F461830-7B4A-45AE-AA34-6D457D2FD768}"/>
+              </a:ext>
+            </a:extLst>
+          </p:cNvPr>
+          <p:cNvCxnSpPr>
+            <a:cxnSpLocks/>
+            <a:stCxn id="15" idx="2"/>
+            <a:endCxn id="14" idx="0"/>
+          </p:cNvCxnSpPr>
+          <p:nvPr/>
+        </p:nvCxnSpPr>
+        <p:spPr>
+          <a:xfrm flipH="1">
+            <a:off x="6444520" y="5128844"/>
+            <a:ext cx="738691" cy="261204"/>
+          </a:xfrm>
+          <a:prstGeom prst="straightConnector1">
+            <a:avLst/>
+          </a:prstGeom>
+          <a:ln>
+            <a:tailEnd type="triangle"/>
+          </a:ln>
+        </p:spPr>
+        <p:style>
+          <a:lnRef idx="1">
+            <a:schemeClr val="accent1"/>
+          </a:lnRef>
+          <a:fillRef idx="0">
+            <a:schemeClr val="accent1"/>
+          </a:fillRef>
+          <a:effectRef idx="0">
+            <a:schemeClr val="accent1"/>
+          </a:effectRef>
+          <a:fontRef idx="minor">
+            <a:schemeClr val="tx1"/>
+          </a:fontRef>
+        </p:style>
+      </p:cxnSp>
+      <p:cxnSp>
+        <p:nvCxnSpPr>
+          <p:cNvPr id="27" name="Egyenes összekötő nyíllal 26">
+            <a:extLst>
+              <a:ext uri="{FF2B5EF4-FFF2-40B4-BE49-F238E27FC236}">
+                <a16:creationId xmlns:a16="http://schemas.microsoft.com/office/drawing/2014/main" id="{B24C8AE0-A535-45DE-9838-200151486815}"/>
+              </a:ext>
+            </a:extLst>
+          </p:cNvPr>
+          <p:cNvCxnSpPr>
+            <a:cxnSpLocks/>
+            <a:stCxn id="15" idx="3"/>
+            <a:endCxn id="14" idx="6"/>
+          </p:cNvCxnSpPr>
+          <p:nvPr/>
+        </p:nvCxnSpPr>
+        <p:spPr>
+          <a:xfrm flipH="1">
+            <a:off x="6655467" y="5277178"/>
+            <a:ext cx="589529" cy="322647"/>
+          </a:xfrm>
+          <a:prstGeom prst="straightConnector1">
+            <a:avLst/>
+          </a:prstGeom>
+          <a:ln>
+            <a:tailEnd type="triangle"/>
+          </a:ln>
+        </p:spPr>
+        <p:style>
+          <a:lnRef idx="1">
+            <a:schemeClr val="accent1"/>
+          </a:lnRef>
+          <a:fillRef idx="0">
+            <a:schemeClr val="accent1"/>
+          </a:fillRef>
+          <a:effectRef idx="0">
+            <a:schemeClr val="accent1"/>
+          </a:effectRef>
+          <a:fontRef idx="minor">
+            <a:schemeClr val="tx1"/>
+          </a:fontRef>
+        </p:style>
+      </p:cxnSp>
+      <p:cxnSp>
+        <p:nvCxnSpPr>
+          <p:cNvPr id="30" name="Egyenes összekötő nyíllal 29">
+            <a:extLst>
+              <a:ext uri="{FF2B5EF4-FFF2-40B4-BE49-F238E27FC236}">
+                <a16:creationId xmlns:a16="http://schemas.microsoft.com/office/drawing/2014/main" id="{188A565A-D93F-4766-A2C5-D018A14F3972}"/>
+              </a:ext>
+            </a:extLst>
+          </p:cNvPr>
+          <p:cNvCxnSpPr>
+            <a:cxnSpLocks/>
+            <a:stCxn id="15" idx="4"/>
+            <a:endCxn id="14" idx="5"/>
+          </p:cNvCxnSpPr>
+          <p:nvPr/>
+        </p:nvCxnSpPr>
+        <p:spPr>
+          <a:xfrm flipH="1">
+            <a:off x="6593682" y="5338620"/>
+            <a:ext cx="800476" cy="409539"/>
+          </a:xfrm>
+          <a:prstGeom prst="straightConnector1">
+            <a:avLst/>
+          </a:prstGeom>
+          <a:ln>
+            <a:tailEnd type="triangle"/>
+          </a:ln>
+        </p:spPr>
+        <p:style>
+          <a:lnRef idx="1">
+            <a:schemeClr val="accent1"/>
+          </a:lnRef>
+          <a:fillRef idx="0">
+            <a:schemeClr val="accent1"/>
+          </a:fillRef>
+          <a:effectRef idx="0">
+            <a:schemeClr val="accent1"/>
+          </a:effectRef>
+          <a:fontRef idx="minor">
+            <a:schemeClr val="tx1"/>
+          </a:fontRef>
+        </p:style>
+      </p:cxnSp>
+      <p:cxnSp>
+        <p:nvCxnSpPr>
+          <p:cNvPr id="34" name="Egyenes összekötő nyíllal 33">
+            <a:extLst>
+              <a:ext uri="{FF2B5EF4-FFF2-40B4-BE49-F238E27FC236}">
+                <a16:creationId xmlns:a16="http://schemas.microsoft.com/office/drawing/2014/main" id="{A952BD21-D17A-4CDB-AD2A-E14F9D7CECE3}"/>
+              </a:ext>
+            </a:extLst>
+          </p:cNvPr>
+          <p:cNvCxnSpPr>
+            <a:cxnSpLocks/>
+            <a:stCxn id="14" idx="2"/>
+            <a:endCxn id="17" idx="4"/>
+          </p:cNvCxnSpPr>
+          <p:nvPr/>
+        </p:nvCxnSpPr>
+        <p:spPr>
+          <a:xfrm flipH="1" flipV="1">
+            <a:off x="5530645" y="4438090"/>
+            <a:ext cx="702928" cy="1161735"/>
+          </a:xfrm>
+          <a:prstGeom prst="straightConnector1">
+            <a:avLst/>
+          </a:prstGeom>
+          <a:ln>
+            <a:tailEnd type="triangle"/>
+          </a:ln>
+        </p:spPr>
+        <p:style>
+          <a:lnRef idx="1">
+            <a:schemeClr val="accent1"/>
+          </a:lnRef>
+          <a:fillRef idx="0">
+            <a:schemeClr val="accent1"/>
+          </a:fillRef>
+          <a:effectRef idx="0">
+            <a:schemeClr val="accent1"/>
+          </a:effectRef>
+          <a:fontRef idx="minor">
+            <a:schemeClr val="tx1"/>
+          </a:fontRef>
+        </p:style>
+      </p:cxnSp>
+      <p:cxnSp>
+        <p:nvCxnSpPr>
+          <p:cNvPr id="36" name="Egyenes összekötő nyíllal 35">
+            <a:extLst>
+              <a:ext uri="{FF2B5EF4-FFF2-40B4-BE49-F238E27FC236}">
+                <a16:creationId xmlns:a16="http://schemas.microsoft.com/office/drawing/2014/main" id="{080C1544-812C-4E19-A8A1-5F24DEEF95F1}"/>
+              </a:ext>
+            </a:extLst>
+          </p:cNvPr>
+          <p:cNvCxnSpPr>
+            <a:cxnSpLocks/>
+            <a:stCxn id="14" idx="1"/>
+            <a:endCxn id="17" idx="5"/>
+          </p:cNvCxnSpPr>
+          <p:nvPr/>
+        </p:nvCxnSpPr>
+        <p:spPr>
+          <a:xfrm flipH="1" flipV="1">
+            <a:off x="5679807" y="4376648"/>
+            <a:ext cx="615551" cy="1074842"/>
+          </a:xfrm>
+          <a:prstGeom prst="straightConnector1">
+            <a:avLst/>
+          </a:prstGeom>
+          <a:ln>
+            <a:tailEnd type="triangle"/>
+          </a:ln>
+        </p:spPr>
+        <p:style>
+          <a:lnRef idx="1">
+            <a:schemeClr val="accent1"/>
+          </a:lnRef>
+          <a:fillRef idx="0">
+            <a:schemeClr val="accent1"/>
+          </a:fillRef>
+          <a:effectRef idx="0">
+            <a:schemeClr val="accent1"/>
+          </a:effectRef>
+          <a:fontRef idx="minor">
+            <a:schemeClr val="tx1"/>
+          </a:fontRef>
+        </p:style>
+      </p:cxnSp>
+      <p:cxnSp>
+        <p:nvCxnSpPr>
+          <p:cNvPr id="39" name="Egyenes összekötő nyíllal 38">
+            <a:extLst>
+              <a:ext uri="{FF2B5EF4-FFF2-40B4-BE49-F238E27FC236}">
+                <a16:creationId xmlns:a16="http://schemas.microsoft.com/office/drawing/2014/main" id="{E0725F5D-7BC2-45D0-8170-B3B10E781EDD}"/>
+              </a:ext>
+            </a:extLst>
+          </p:cNvPr>
+          <p:cNvCxnSpPr>
+            <a:cxnSpLocks/>
+            <a:stCxn id="14" idx="0"/>
+            <a:endCxn id="17" idx="6"/>
+          </p:cNvCxnSpPr>
+          <p:nvPr/>
+        </p:nvCxnSpPr>
+        <p:spPr>
+          <a:xfrm flipH="1" flipV="1">
+            <a:off x="5741592" y="4228314"/>
+            <a:ext cx="702928" cy="1161734"/>
+          </a:xfrm>
+          <a:prstGeom prst="straightConnector1">
+            <a:avLst/>
+          </a:prstGeom>
+          <a:ln>
+            <a:tailEnd type="triangle"/>
+          </a:ln>
+        </p:spPr>
+        <p:style>
+          <a:lnRef idx="1">
+            <a:schemeClr val="accent1"/>
+          </a:lnRef>
+          <a:fillRef idx="0">
+            <a:schemeClr val="accent1"/>
+          </a:fillRef>
+          <a:effectRef idx="0">
+            <a:schemeClr val="accent1"/>
+          </a:effectRef>
+          <a:fontRef idx="minor">
+            <a:schemeClr val="tx1"/>
+          </a:fontRef>
+        </p:style>
+      </p:cxnSp>
+      <p:sp>
+        <p:nvSpPr>
+          <p:cNvPr id="42" name="Ellipszis 41">
+            <a:extLst>
+              <a:ext uri="{FF2B5EF4-FFF2-40B4-BE49-F238E27FC236}">
+                <a16:creationId xmlns:a16="http://schemas.microsoft.com/office/drawing/2014/main" id="{258B66A8-BE5F-4E59-BC82-21E19ED93F1C}"/>
+              </a:ext>
+            </a:extLst>
+          </p:cNvPr>
+          <p:cNvSpPr/>
+          <p:nvPr/>
+        </p:nvSpPr>
+        <p:spPr>
+          <a:xfrm>
+            <a:off x="9277945" y="3417819"/>
+            <a:ext cx="421894" cy="390245"/>
+          </a:xfrm>
+          <a:prstGeom prst="ellipse">
+            <a:avLst/>
+          </a:prstGeom>
+          <a:solidFill>
+            <a:schemeClr val="bg1"/>
+          </a:solidFill>
+        </p:spPr>
+        <p:style>
+          <a:lnRef idx="2">
+            <a:schemeClr val="accent1">
+              <a:shade val="50000"/>
+            </a:schemeClr>
+          </a:lnRef>
+          <a:fillRef idx="1">
+            <a:schemeClr val="accent1"/>
+          </a:fillRef>
+          <a:effectRef idx="0">
+            <a:schemeClr val="accent1"/>
+          </a:effectRef>
+          <a:fontRef idx="minor">
+            <a:schemeClr val="lt1"/>
+          </a:fontRef>
+        </p:style>
+        <p:txBody>
+          <a:bodyPr rtlCol="0" anchor="ctr"/>
+          <a:lstStyle/>
+          <a:p>
+            <a:pPr algn="ctr"/>
+            <a:r>
+              <a:rPr lang="hu-HU" dirty="0">
+                <a:ln w="0"/>
+                <a:solidFill>
+                  <a:schemeClr val="tx1"/>
+                </a:solidFill>
+                <a:effectLst>
+                  <a:outerShdw blurRad="38100" dist="19050" dir="2700000" algn="tl" rotWithShape="0">
+                    <a:schemeClr val="dk1">
+                      <a:alpha val="40000"/>
+                    </a:schemeClr>
+                  </a:outerShdw>
+                </a:effectLst>
+              </a:rPr>
+              <a:t>1</a:t>
+            </a:r>
+          </a:p>
+        </p:txBody>
+      </p:sp>
+      <p:sp>
+        <p:nvSpPr>
+          <p:cNvPr id="43" name="Ellipszis 42">
+            <a:extLst>
+              <a:ext uri="{FF2B5EF4-FFF2-40B4-BE49-F238E27FC236}">
+                <a16:creationId xmlns:a16="http://schemas.microsoft.com/office/drawing/2014/main" id="{72DDDA77-9B5D-4A9B-A743-CFC15A30FD36}"/>
+              </a:ext>
+            </a:extLst>
+          </p:cNvPr>
+          <p:cNvSpPr/>
+          <p:nvPr/>
+        </p:nvSpPr>
+        <p:spPr>
+          <a:xfrm>
+            <a:off x="8364070" y="4813765"/>
+            <a:ext cx="421894" cy="419553"/>
+          </a:xfrm>
+          <a:prstGeom prst="ellipse">
+            <a:avLst/>
+          </a:prstGeom>
+          <a:solidFill>
+            <a:schemeClr val="bg1"/>
+          </a:solidFill>
+        </p:spPr>
+        <p:style>
+          <a:lnRef idx="2">
+            <a:schemeClr val="accent1">
+              <a:shade val="50000"/>
+            </a:schemeClr>
+          </a:lnRef>
+          <a:fillRef idx="1">
+            <a:schemeClr val="accent1"/>
+          </a:fillRef>
+          <a:effectRef idx="0">
+            <a:schemeClr val="accent1"/>
+          </a:effectRef>
+          <a:fontRef idx="minor">
+            <a:schemeClr val="lt1"/>
+          </a:fontRef>
+        </p:style>
+        <p:txBody>
+          <a:bodyPr rtlCol="0" anchor="ctr"/>
+          <a:lstStyle/>
+          <a:p>
+            <a:pPr algn="ctr"/>
+            <a:r>
+              <a:rPr lang="hu-HU" dirty="0">
+                <a:ln w="0"/>
+                <a:solidFill>
+                  <a:schemeClr val="tx1"/>
+                </a:solidFill>
+                <a:effectLst>
+                  <a:outerShdw blurRad="38100" dist="19050" dir="2700000" algn="tl" rotWithShape="0">
+                    <a:schemeClr val="dk1">
+                      <a:alpha val="40000"/>
+                    </a:schemeClr>
+                  </a:outerShdw>
+                </a:effectLst>
+              </a:rPr>
+              <a:t>5</a:t>
+            </a:r>
+          </a:p>
+        </p:txBody>
+      </p:sp>
+      <p:sp>
+        <p:nvSpPr>
+          <p:cNvPr id="44" name="Ellipszis 43">
+            <a:extLst>
+              <a:ext uri="{FF2B5EF4-FFF2-40B4-BE49-F238E27FC236}">
+                <a16:creationId xmlns:a16="http://schemas.microsoft.com/office/drawing/2014/main" id="{12CE47F8-D4E1-40C6-A1F2-12F83F5F1233}"/>
+              </a:ext>
+            </a:extLst>
+          </p:cNvPr>
+          <p:cNvSpPr/>
+          <p:nvPr/>
+        </p:nvSpPr>
+        <p:spPr>
+          <a:xfrm>
+            <a:off x="9277945" y="5284745"/>
+            <a:ext cx="421894" cy="419553"/>
+          </a:xfrm>
+          <a:prstGeom prst="ellipse">
+            <a:avLst/>
+          </a:prstGeom>
+          <a:solidFill>
+            <a:schemeClr val="bg1"/>
+          </a:solidFill>
+        </p:spPr>
+        <p:style>
+          <a:lnRef idx="2">
+            <a:schemeClr val="accent1">
+              <a:shade val="50000"/>
+            </a:schemeClr>
+          </a:lnRef>
+          <a:fillRef idx="1">
+            <a:schemeClr val="accent1"/>
+          </a:fillRef>
+          <a:effectRef idx="0">
+            <a:schemeClr val="accent1"/>
+          </a:effectRef>
+          <a:fontRef idx="minor">
+            <a:schemeClr val="lt1"/>
+          </a:fontRef>
+        </p:style>
+        <p:txBody>
+          <a:bodyPr rtlCol="0" anchor="ctr"/>
+          <a:lstStyle/>
+          <a:p>
+            <a:pPr algn="ctr"/>
+            <a:r>
+              <a:rPr lang="hu-HU" dirty="0">
+                <a:ln w="0"/>
+                <a:solidFill>
+                  <a:schemeClr val="tx1"/>
+                </a:solidFill>
+                <a:effectLst>
+                  <a:outerShdw blurRad="38100" dist="19050" dir="2700000" algn="tl" rotWithShape="0">
+                    <a:schemeClr val="dk1">
+                      <a:alpha val="40000"/>
+                    </a:schemeClr>
+                  </a:outerShdw>
+                </a:effectLst>
+              </a:rPr>
+              <a:t>4</a:t>
+            </a:r>
+          </a:p>
+        </p:txBody>
+      </p:sp>
+      <p:sp>
+        <p:nvSpPr>
+          <p:cNvPr id="45" name="Ellipszis 44">
+            <a:extLst>
+              <a:ext uri="{FF2B5EF4-FFF2-40B4-BE49-F238E27FC236}">
+                <a16:creationId xmlns:a16="http://schemas.microsoft.com/office/drawing/2014/main" id="{01087318-3370-4A1D-A4D0-1047838401E6}"/>
+              </a:ext>
+            </a:extLst>
+          </p:cNvPr>
+          <p:cNvSpPr/>
+          <p:nvPr/>
+        </p:nvSpPr>
+        <p:spPr>
+          <a:xfrm>
+            <a:off x="10227583" y="4813764"/>
+            <a:ext cx="421894" cy="419553"/>
+          </a:xfrm>
+          <a:prstGeom prst="ellipse">
+            <a:avLst/>
+          </a:prstGeom>
+          <a:solidFill>
+            <a:schemeClr val="bg1"/>
+          </a:solidFill>
+        </p:spPr>
+        <p:style>
+          <a:lnRef idx="2">
+            <a:schemeClr val="accent1">
+              <a:shade val="50000"/>
+            </a:schemeClr>
+          </a:lnRef>
+          <a:fillRef idx="1">
+            <a:schemeClr val="accent1"/>
+          </a:fillRef>
+          <a:effectRef idx="0">
+            <a:schemeClr val="accent1"/>
+          </a:effectRef>
+          <a:fontRef idx="minor">
+            <a:schemeClr val="lt1"/>
+          </a:fontRef>
+        </p:style>
+        <p:txBody>
+          <a:bodyPr rtlCol="0" anchor="ctr"/>
+          <a:lstStyle/>
+          <a:p>
+            <a:pPr algn="ctr"/>
+            <a:r>
+              <a:rPr lang="hu-HU" dirty="0">
+                <a:ln w="0"/>
+                <a:solidFill>
+                  <a:schemeClr val="tx1"/>
+                </a:solidFill>
+                <a:effectLst>
+                  <a:outerShdw blurRad="38100" dist="19050" dir="2700000" algn="tl" rotWithShape="0">
+                    <a:schemeClr val="dk1">
+                      <a:alpha val="40000"/>
+                    </a:schemeClr>
+                  </a:outerShdw>
+                </a:effectLst>
+              </a:rPr>
+              <a:t>3</a:t>
+            </a:r>
+          </a:p>
+        </p:txBody>
+      </p:sp>
+      <p:sp>
+        <p:nvSpPr>
+          <p:cNvPr id="46" name="Ellipszis 45">
+            <a:extLst>
+              <a:ext uri="{FF2B5EF4-FFF2-40B4-BE49-F238E27FC236}">
+                <a16:creationId xmlns:a16="http://schemas.microsoft.com/office/drawing/2014/main" id="{90E2A985-F844-4F26-AAFA-3EC781DDD25F}"/>
+              </a:ext>
+            </a:extLst>
+          </p:cNvPr>
+          <p:cNvSpPr/>
+          <p:nvPr/>
+        </p:nvSpPr>
+        <p:spPr>
+          <a:xfrm>
+            <a:off x="10227583" y="3872758"/>
+            <a:ext cx="421894" cy="419553"/>
+          </a:xfrm>
+          <a:prstGeom prst="ellipse">
+            <a:avLst/>
+          </a:prstGeom>
+          <a:solidFill>
+            <a:schemeClr val="bg1"/>
+          </a:solidFill>
+        </p:spPr>
+        <p:style>
+          <a:lnRef idx="2">
+            <a:schemeClr val="accent1">
+              <a:shade val="50000"/>
+            </a:schemeClr>
+          </a:lnRef>
+          <a:fillRef idx="1">
+            <a:schemeClr val="accent1"/>
+          </a:fillRef>
+          <a:effectRef idx="0">
+            <a:schemeClr val="accent1"/>
+          </a:effectRef>
+          <a:fontRef idx="minor">
+            <a:schemeClr val="lt1"/>
+          </a:fontRef>
+        </p:style>
+        <p:txBody>
+          <a:bodyPr rtlCol="0" anchor="ctr"/>
+          <a:lstStyle/>
+          <a:p>
+            <a:pPr algn="ctr"/>
+            <a:r>
+              <a:rPr lang="hu-HU" dirty="0">
+                <a:ln w="0"/>
+                <a:solidFill>
+                  <a:schemeClr val="tx1"/>
+                </a:solidFill>
+                <a:effectLst>
+                  <a:outerShdw blurRad="38100" dist="19050" dir="2700000" algn="tl" rotWithShape="0">
+                    <a:schemeClr val="dk1">
+                      <a:alpha val="40000"/>
+                    </a:schemeClr>
+                  </a:outerShdw>
+                </a:effectLst>
+              </a:rPr>
+              <a:t>2</a:t>
+            </a:r>
+          </a:p>
+        </p:txBody>
+      </p:sp>
+      <p:sp>
+        <p:nvSpPr>
+          <p:cNvPr id="47" name="Ellipszis 46">
+            <a:extLst>
+              <a:ext uri="{FF2B5EF4-FFF2-40B4-BE49-F238E27FC236}">
+                <a16:creationId xmlns:a16="http://schemas.microsoft.com/office/drawing/2014/main" id="{4679B146-15D8-4398-BAF6-7BCC410D7EE7}"/>
+              </a:ext>
+            </a:extLst>
+          </p:cNvPr>
+          <p:cNvSpPr/>
+          <p:nvPr/>
+        </p:nvSpPr>
+        <p:spPr>
+          <a:xfrm>
+            <a:off x="8364070" y="3913234"/>
+            <a:ext cx="421894" cy="419553"/>
+          </a:xfrm>
+          <a:prstGeom prst="ellipse">
+            <a:avLst/>
+          </a:prstGeom>
+          <a:solidFill>
+            <a:schemeClr val="bg1"/>
+          </a:solidFill>
+        </p:spPr>
+        <p:style>
+          <a:lnRef idx="2">
+            <a:schemeClr val="accent1">
+              <a:shade val="50000"/>
+            </a:schemeClr>
+          </a:lnRef>
+          <a:fillRef idx="1">
+            <a:schemeClr val="accent1"/>
+          </a:fillRef>
+          <a:effectRef idx="0">
+            <a:schemeClr val="accent1"/>
+          </a:effectRef>
+          <a:fontRef idx="minor">
+            <a:schemeClr val="lt1"/>
+          </a:fontRef>
+        </p:style>
+        <p:txBody>
+          <a:bodyPr rtlCol="0" anchor="ctr"/>
+          <a:lstStyle/>
+          <a:p>
+            <a:pPr algn="ctr"/>
+            <a:r>
+              <a:rPr lang="hu-HU" dirty="0">
+                <a:ln w="0"/>
+                <a:solidFill>
+                  <a:schemeClr val="tx1"/>
+                </a:solidFill>
+                <a:effectLst>
+                  <a:outerShdw blurRad="38100" dist="19050" dir="2700000" algn="tl" rotWithShape="0">
+                    <a:schemeClr val="dk1">
+                      <a:alpha val="40000"/>
+                    </a:schemeClr>
+                  </a:outerShdw>
+                </a:effectLst>
+              </a:rPr>
+              <a:t>6</a:t>
+            </a:r>
+          </a:p>
+        </p:txBody>
+      </p:sp>
+      <p:cxnSp>
+        <p:nvCxnSpPr>
+          <p:cNvPr id="48" name="Egyenes összekötő nyíllal 47">
+            <a:extLst>
+              <a:ext uri="{FF2B5EF4-FFF2-40B4-BE49-F238E27FC236}">
+                <a16:creationId xmlns:a16="http://schemas.microsoft.com/office/drawing/2014/main" id="{22D6AA96-3D7F-434C-B2A4-ABDC4BB92557}"/>
+              </a:ext>
+            </a:extLst>
+          </p:cNvPr>
+          <p:cNvCxnSpPr>
+            <a:cxnSpLocks/>
+          </p:cNvCxnSpPr>
+          <p:nvPr/>
+        </p:nvCxnSpPr>
+        <p:spPr>
+          <a:xfrm>
+            <a:off x="9699839" y="3647435"/>
+            <a:ext cx="589529" cy="321258"/>
+          </a:xfrm>
+          <a:prstGeom prst="straightConnector1">
+            <a:avLst/>
+          </a:prstGeom>
+          <a:ln>
+            <a:tailEnd type="triangle"/>
+          </a:ln>
+        </p:spPr>
+        <p:style>
+          <a:lnRef idx="1">
+            <a:schemeClr val="accent1"/>
+          </a:lnRef>
+          <a:fillRef idx="0">
+            <a:schemeClr val="accent1"/>
+          </a:fillRef>
+          <a:effectRef idx="0">
+            <a:schemeClr val="accent1"/>
+          </a:effectRef>
+          <a:fontRef idx="minor">
+            <a:schemeClr val="tx1"/>
+          </a:fontRef>
+        </p:style>
+      </p:cxnSp>
+      <p:cxnSp>
+        <p:nvCxnSpPr>
+          <p:cNvPr id="49" name="Egyenes összekötő nyíllal 48">
+            <a:extLst>
+              <a:ext uri="{FF2B5EF4-FFF2-40B4-BE49-F238E27FC236}">
+                <a16:creationId xmlns:a16="http://schemas.microsoft.com/office/drawing/2014/main" id="{A1FB7530-C2FA-43C2-A486-128570DA487A}"/>
+              </a:ext>
+            </a:extLst>
+          </p:cNvPr>
+          <p:cNvCxnSpPr>
+            <a:cxnSpLocks/>
+            <a:stCxn id="46" idx="4"/>
+            <a:endCxn id="45" idx="0"/>
+          </p:cNvCxnSpPr>
+          <p:nvPr/>
+        </p:nvCxnSpPr>
+        <p:spPr>
+          <a:xfrm>
+            <a:off x="10438530" y="4292311"/>
+            <a:ext cx="0" cy="521453"/>
+          </a:xfrm>
+          <a:prstGeom prst="straightConnector1">
+            <a:avLst/>
+          </a:prstGeom>
+          <a:ln>
+            <a:tailEnd type="triangle"/>
+          </a:ln>
+        </p:spPr>
+        <p:style>
+          <a:lnRef idx="1">
+            <a:schemeClr val="accent1"/>
+          </a:lnRef>
+          <a:fillRef idx="0">
+            <a:schemeClr val="accent1"/>
+          </a:fillRef>
+          <a:effectRef idx="0">
+            <a:schemeClr val="accent1"/>
+          </a:effectRef>
+          <a:fontRef idx="minor">
+            <a:schemeClr val="tx1"/>
+          </a:fontRef>
+        </p:style>
+      </p:cxnSp>
+      <p:cxnSp>
+        <p:nvCxnSpPr>
+          <p:cNvPr id="51" name="Egyenes összekötő nyíllal 50">
+            <a:extLst>
+              <a:ext uri="{FF2B5EF4-FFF2-40B4-BE49-F238E27FC236}">
+                <a16:creationId xmlns:a16="http://schemas.microsoft.com/office/drawing/2014/main" id="{B608C0F1-DBD2-4FD0-82C1-9755B05B32D1}"/>
+              </a:ext>
+            </a:extLst>
+          </p:cNvPr>
+          <p:cNvCxnSpPr>
+            <a:stCxn id="45" idx="2"/>
+            <a:endCxn id="44" idx="0"/>
+          </p:cNvCxnSpPr>
+          <p:nvPr/>
+        </p:nvCxnSpPr>
+        <p:spPr>
+          <a:xfrm flipH="1">
+            <a:off x="9488892" y="5023541"/>
+            <a:ext cx="738691" cy="261204"/>
+          </a:xfrm>
+          <a:prstGeom prst="straightConnector1">
+            <a:avLst/>
+          </a:prstGeom>
+          <a:ln>
+            <a:tailEnd type="triangle"/>
+          </a:ln>
+        </p:spPr>
+        <p:style>
+          <a:lnRef idx="1">
+            <a:schemeClr val="accent1"/>
+          </a:lnRef>
+          <a:fillRef idx="0">
+            <a:schemeClr val="accent1"/>
+          </a:fillRef>
+          <a:effectRef idx="0">
+            <a:schemeClr val="accent1"/>
+          </a:effectRef>
+          <a:fontRef idx="minor">
+            <a:schemeClr val="tx1"/>
+          </a:fontRef>
+        </p:style>
+      </p:cxnSp>
+      <p:cxnSp>
+        <p:nvCxnSpPr>
+          <p:cNvPr id="53" name="Egyenes összekötő nyíllal 52">
+            <a:extLst>
+              <a:ext uri="{FF2B5EF4-FFF2-40B4-BE49-F238E27FC236}">
+                <a16:creationId xmlns:a16="http://schemas.microsoft.com/office/drawing/2014/main" id="{3E1A2EF1-E822-48F7-9AA3-79E6DBB325A2}"/>
+              </a:ext>
+            </a:extLst>
+          </p:cNvPr>
+          <p:cNvCxnSpPr>
+            <a:cxnSpLocks/>
+            <a:stCxn id="45" idx="4"/>
+            <a:endCxn id="44" idx="6"/>
+          </p:cNvCxnSpPr>
+          <p:nvPr/>
+        </p:nvCxnSpPr>
+        <p:spPr>
+          <a:xfrm flipH="1">
+            <a:off x="9699839" y="5233317"/>
+            <a:ext cx="738691" cy="261205"/>
+          </a:xfrm>
+          <a:prstGeom prst="straightConnector1">
+            <a:avLst/>
+          </a:prstGeom>
+          <a:ln>
+            <a:tailEnd type="triangle"/>
+          </a:ln>
+        </p:spPr>
+        <p:style>
+          <a:lnRef idx="1">
+            <a:schemeClr val="accent1"/>
+          </a:lnRef>
+          <a:fillRef idx="0">
+            <a:schemeClr val="accent1"/>
+          </a:fillRef>
+          <a:effectRef idx="0">
+            <a:schemeClr val="accent1"/>
+          </a:effectRef>
+          <a:fontRef idx="minor">
+            <a:schemeClr val="tx1"/>
+          </a:fontRef>
+        </p:style>
+      </p:cxnSp>
+      <p:cxnSp>
+        <p:nvCxnSpPr>
+          <p:cNvPr id="54" name="Egyenes összekötő nyíllal 53">
+            <a:extLst>
+              <a:ext uri="{FF2B5EF4-FFF2-40B4-BE49-F238E27FC236}">
+                <a16:creationId xmlns:a16="http://schemas.microsoft.com/office/drawing/2014/main" id="{E68234D6-F355-44F6-8D3D-D3601E7E7AC2}"/>
+              </a:ext>
+            </a:extLst>
+          </p:cNvPr>
+          <p:cNvCxnSpPr>
+            <a:cxnSpLocks/>
+            <a:stCxn id="44" idx="2"/>
+          </p:cNvCxnSpPr>
+          <p:nvPr/>
+        </p:nvCxnSpPr>
+        <p:spPr>
+          <a:xfrm flipH="1" flipV="1">
+            <a:off x="8662611" y="4321426"/>
+            <a:ext cx="615334" cy="1173096"/>
+          </a:xfrm>
+          <a:prstGeom prst="straightConnector1">
+            <a:avLst/>
+          </a:prstGeom>
+          <a:ln>
+            <a:tailEnd type="triangle"/>
+          </a:ln>
+        </p:spPr>
+        <p:style>
+          <a:lnRef idx="1">
+            <a:schemeClr val="accent1"/>
+          </a:lnRef>
+          <a:fillRef idx="0">
+            <a:schemeClr val="accent1"/>
+          </a:fillRef>
+          <a:effectRef idx="0">
+            <a:schemeClr val="accent1"/>
+          </a:effectRef>
+          <a:fontRef idx="minor">
+            <a:schemeClr val="tx1"/>
+          </a:fontRef>
+        </p:style>
+      </p:cxnSp>
+      <p:cxnSp>
+        <p:nvCxnSpPr>
+          <p:cNvPr id="55" name="Egyenes összekötő nyíllal 54">
+            <a:extLst>
+              <a:ext uri="{FF2B5EF4-FFF2-40B4-BE49-F238E27FC236}">
+                <a16:creationId xmlns:a16="http://schemas.microsoft.com/office/drawing/2014/main" id="{E7A2E117-9F4E-4D19-81F4-0F75E99F34F7}"/>
+              </a:ext>
+            </a:extLst>
+          </p:cNvPr>
+          <p:cNvCxnSpPr>
+            <a:cxnSpLocks/>
+            <a:stCxn id="44" idx="1"/>
+          </p:cNvCxnSpPr>
+          <p:nvPr/>
+        </p:nvCxnSpPr>
+        <p:spPr>
+          <a:xfrm flipH="1" flipV="1">
+            <a:off x="8736366" y="4216257"/>
+            <a:ext cx="603364" cy="1129930"/>
+          </a:xfrm>
+          <a:prstGeom prst="straightConnector1">
+            <a:avLst/>
+          </a:prstGeom>
+          <a:ln>
+            <a:tailEnd type="triangle"/>
+          </a:ln>
+        </p:spPr>
+        <p:style>
+          <a:lnRef idx="1">
+            <a:schemeClr val="accent1"/>
+          </a:lnRef>
+          <a:fillRef idx="0">
+            <a:schemeClr val="accent1"/>
+          </a:fillRef>
+          <a:effectRef idx="0">
+            <a:schemeClr val="accent1"/>
+          </a:effectRef>
+          <a:fontRef idx="minor">
+            <a:schemeClr val="tx1"/>
+          </a:fontRef>
+        </p:style>
+      </p:cxnSp>
+      <p:cxnSp>
+        <p:nvCxnSpPr>
+          <p:cNvPr id="58" name="Egyenes összekötő nyíllal 57">
+            <a:extLst>
+              <a:ext uri="{FF2B5EF4-FFF2-40B4-BE49-F238E27FC236}">
+                <a16:creationId xmlns:a16="http://schemas.microsoft.com/office/drawing/2014/main" id="{BCD426FC-89F6-4AE6-9ADC-C5DAF6FEF7FB}"/>
+              </a:ext>
+            </a:extLst>
+          </p:cNvPr>
+          <p:cNvCxnSpPr>
+            <a:stCxn id="46" idx="2"/>
+            <a:endCxn id="43" idx="6"/>
+          </p:cNvCxnSpPr>
+          <p:nvPr/>
+        </p:nvCxnSpPr>
+        <p:spPr>
+          <a:xfrm flipH="1">
+            <a:off x="8785964" y="4082535"/>
+            <a:ext cx="1441619" cy="941007"/>
+          </a:xfrm>
+          <a:prstGeom prst="straightConnector1">
+            <a:avLst/>
+          </a:prstGeom>
+          <a:ln>
+            <a:tailEnd type="triangle"/>
+          </a:ln>
+        </p:spPr>
+        <p:style>
+          <a:lnRef idx="1">
+            <a:schemeClr val="accent1"/>
+          </a:lnRef>
+          <a:fillRef idx="0">
+            <a:schemeClr val="accent1"/>
+          </a:fillRef>
+          <a:effectRef idx="0">
+            <a:schemeClr val="accent1"/>
+          </a:effectRef>
+          <a:fontRef idx="minor">
+            <a:schemeClr val="tx1"/>
+          </a:fontRef>
+        </p:style>
+      </p:cxnSp>
+      <p:cxnSp>
+        <p:nvCxnSpPr>
+          <p:cNvPr id="60" name="Egyenes összekötő nyíllal 59">
+            <a:extLst>
+              <a:ext uri="{FF2B5EF4-FFF2-40B4-BE49-F238E27FC236}">
+                <a16:creationId xmlns:a16="http://schemas.microsoft.com/office/drawing/2014/main" id="{01DF418F-F661-4FED-BD46-754260453194}"/>
+              </a:ext>
+            </a:extLst>
+          </p:cNvPr>
+          <p:cNvCxnSpPr>
+            <a:stCxn id="43" idx="0"/>
+            <a:endCxn id="47" idx="4"/>
+          </p:cNvCxnSpPr>
+          <p:nvPr/>
+        </p:nvCxnSpPr>
+        <p:spPr>
+          <a:xfrm flipV="1">
+            <a:off x="8575017" y="4332787"/>
+            <a:ext cx="0" cy="480978"/>
+          </a:xfrm>
+          <a:prstGeom prst="straightConnector1">
+            <a:avLst/>
+          </a:prstGeom>
+          <a:ln>
+            <a:tailEnd type="triangle"/>
+          </a:ln>
+        </p:spPr>
+        <p:style>
+          <a:lnRef idx="1">
+            <a:schemeClr val="accent1"/>
+          </a:lnRef>
+          <a:fillRef idx="0">
+            <a:schemeClr val="accent1"/>
+          </a:fillRef>
+          <a:effectRef idx="0">
+            <a:schemeClr val="accent1"/>
+          </a:effectRef>
+          <a:fontRef idx="minor">
+            <a:schemeClr val="tx1"/>
+          </a:fontRef>
+        </p:style>
+      </p:cxnSp>
     </p:spTree>
     <p:extLst>
       <p:ext uri="{BB962C8B-B14F-4D97-AF65-F5344CB8AC3E}">
@@ -5018,8 +6507,8 @@
           </a:p>
         </p:txBody>
       </p:sp>
-      <mc:AlternateContent xmlns:mc="http://schemas.openxmlformats.org/markup-compatibility/2006">
-        <mc:Choice xmlns:a14="http://schemas.microsoft.com/office/drawing/2010/main" Requires="a14">
+      <mc:AlternateContent xmlns:mc="http://schemas.openxmlformats.org/markup-compatibility/2006" xmlns:a14="http://schemas.microsoft.com/office/drawing/2010/main">
+        <mc:Choice Requires="a14">
           <p:sp>
             <p:nvSpPr>
               <p:cNvPr id="3" name="Tartalom helye 2"/>
@@ -5521,7 +7010,7 @@
             </p:txBody>
           </p:sp>
         </mc:Choice>
-        <mc:Fallback>
+        <mc:Fallback xmlns="">
           <p:sp>
             <p:nvSpPr>
               <p:cNvPr id="3" name="Tartalom helye 2"/>
@@ -5621,8 +7110,8 @@
           </a:p>
         </p:txBody>
       </p:sp>
-      <mc:AlternateContent xmlns:mc="http://schemas.openxmlformats.org/markup-compatibility/2006">
-        <mc:Choice xmlns:a14="http://schemas.microsoft.com/office/drawing/2010/main" Requires="a14">
+      <mc:AlternateContent xmlns:mc="http://schemas.openxmlformats.org/markup-compatibility/2006" xmlns:a14="http://schemas.microsoft.com/office/drawing/2010/main">
+        <mc:Choice Requires="a14">
           <p:sp>
             <p:nvSpPr>
               <p:cNvPr id="3" name="Tartalom helye 2"/>
@@ -6061,7 +7550,7 @@
             </p:txBody>
           </p:sp>
         </mc:Choice>
-        <mc:Fallback>
+        <mc:Fallback xmlns="">
           <p:sp>
             <p:nvSpPr>
               <p:cNvPr id="3" name="Tartalom helye 2"/>
@@ -6188,8 +7677,8 @@
           </a:p>
         </p:txBody>
       </p:sp>
-      <mc:AlternateContent xmlns:mc="http://schemas.openxmlformats.org/markup-compatibility/2006">
-        <mc:Choice xmlns:a14="http://schemas.microsoft.com/office/drawing/2010/main" Requires="a14">
+      <mc:AlternateContent xmlns:mc="http://schemas.openxmlformats.org/markup-compatibility/2006" xmlns:a14="http://schemas.microsoft.com/office/drawing/2010/main">
+        <mc:Choice Requires="a14">
           <p:sp>
             <p:nvSpPr>
               <p:cNvPr id="3" name="Tartalom helye 2"/>
@@ -6723,7 +8212,7 @@
             </p:txBody>
           </p:sp>
         </mc:Choice>
-        <mc:Fallback>
+        <mc:Fallback xmlns="">
           <p:sp>
             <p:nvSpPr>
               <p:cNvPr id="3" name="Tartalom helye 2"/>
@@ -7499,8 +8988,8 @@
           </a:fontRef>
         </p:style>
       </p:cxnSp>
-      <mc:AlternateContent xmlns:mc="http://schemas.openxmlformats.org/markup-compatibility/2006">
-        <mc:Choice xmlns:a14="http://schemas.microsoft.com/office/drawing/2010/main" Requires="a14">
+      <mc:AlternateContent xmlns:mc="http://schemas.openxmlformats.org/markup-compatibility/2006" xmlns:a14="http://schemas.microsoft.com/office/drawing/2010/main">
+        <mc:Choice Requires="a14">
           <p:sp>
             <p:nvSpPr>
               <p:cNvPr id="49" name="Szövegdoboz 48">
@@ -7745,7 +9234,7 @@
             </p:txBody>
           </p:sp>
         </mc:Choice>
-        <mc:Fallback>
+        <mc:Fallback xmlns="">
           <p:sp>
             <p:nvSpPr>
               <p:cNvPr id="49" name="Szövegdoboz 48">
@@ -8536,8 +10025,8 @@
           </a:fontRef>
         </p:style>
       </p:cxnSp>
-      <mc:AlternateContent xmlns:mc="http://schemas.openxmlformats.org/markup-compatibility/2006">
-        <mc:Choice xmlns:a14="http://schemas.microsoft.com/office/drawing/2010/main" Requires="a14">
+      <mc:AlternateContent xmlns:mc="http://schemas.openxmlformats.org/markup-compatibility/2006" xmlns:a14="http://schemas.microsoft.com/office/drawing/2010/main">
+        <mc:Choice Requires="a14">
           <p:sp>
             <p:nvSpPr>
               <p:cNvPr id="49" name="Szövegdoboz 48">
@@ -8813,7 +10302,7 @@
             </p:txBody>
           </p:sp>
         </mc:Choice>
-        <mc:Fallback>
+        <mc:Fallback xmlns="">
           <p:sp>
             <p:nvSpPr>
               <p:cNvPr id="49" name="Szövegdoboz 48">
@@ -9604,8 +11093,8 @@
           </a:fontRef>
         </p:style>
       </p:cxnSp>
-      <mc:AlternateContent xmlns:mc="http://schemas.openxmlformats.org/markup-compatibility/2006">
-        <mc:Choice xmlns:a14="http://schemas.microsoft.com/office/drawing/2010/main" Requires="a14">
+      <mc:AlternateContent xmlns:mc="http://schemas.openxmlformats.org/markup-compatibility/2006" xmlns:a14="http://schemas.microsoft.com/office/drawing/2010/main">
+        <mc:Choice Requires="a14">
           <p:sp>
             <p:nvSpPr>
               <p:cNvPr id="19" name="Szövegdoboz 18">
@@ -9943,7 +11432,7 @@
             </p:txBody>
           </p:sp>
         </mc:Choice>
-        <mc:Fallback>
+        <mc:Fallback xmlns="">
           <p:sp>
             <p:nvSpPr>
               <p:cNvPr id="19" name="Szövegdoboz 18">
@@ -10548,8 +12037,8 @@
           </a:p>
         </p:txBody>
       </p:sp>
-      <mc:AlternateContent xmlns:mc="http://schemas.openxmlformats.org/markup-compatibility/2006">
-        <mc:Choice xmlns:a14="http://schemas.microsoft.com/office/drawing/2010/main" Requires="a14">
+      <mc:AlternateContent xmlns:mc="http://schemas.openxmlformats.org/markup-compatibility/2006" xmlns:a14="http://schemas.microsoft.com/office/drawing/2010/main">
+        <mc:Choice Requires="a14">
           <p:sp>
             <p:nvSpPr>
               <p:cNvPr id="3" name="Content Placeholder 2"/>
@@ -10744,7 +12233,7 @@
             </p:txBody>
           </p:sp>
         </mc:Choice>
-        <mc:Fallback>
+        <mc:Fallback xmlns="">
           <p:sp>
             <p:nvSpPr>
               <p:cNvPr id="3" name="Content Placeholder 2"/>
@@ -11044,18 +12533,21 @@
                   <a:rPr lang="hu-HU" dirty="0" err="1"/>
                   <a:t>load</a:t>
                 </a:r>
-                <a:r>
-                  <a:rPr lang="hu-HU" dirty="0"/>
-                  <a:t> </a:t>
-                </a:r>
                 <a14:m>
                   <m:oMath xmlns:m="http://schemas.openxmlformats.org/officeDocument/2006/math">
+                    <m:r>
+                      <a:rPr lang="hu-HU" b="0" i="0" smtClean="0">
+                        <a:latin typeface="Cambria Math" panose="02040503050406030204" pitchFamily="18" charset="0"/>
+                        <a:ea typeface="Cambria Math" panose="02040503050406030204" pitchFamily="18" charset="0"/>
+                      </a:rPr>
+                      <m:t> </m:t>
+                    </m:r>
                     <m:r>
                       <a:rPr lang="hu-HU" i="1">
                         <a:latin typeface="Cambria Math" panose="02040503050406030204" pitchFamily="18" charset="0"/>
                         <a:ea typeface="Cambria Math" panose="02040503050406030204" pitchFamily="18" charset="0"/>
                       </a:rPr>
-                      <m:t>𝜃</m:t>
+                      <m:t>𝜙</m:t>
                     </m:r>
                   </m:oMath>
                 </a14:m>

--- a/halozatok/Load-Optimal Local Fast Rerouting for Relisient Networks.pptx
+++ b/halozatok/Load-Optimal Local Fast Rerouting for Relisient Networks.pptx
@@ -23,6 +23,7 @@
     <p:sldId id="272" r:id="rId17"/>
     <p:sldId id="273" r:id="rId18"/>
     <p:sldId id="266" r:id="rId19"/>
+    <p:sldId id="274" r:id="rId20"/>
   </p:sldIdLst>
   <p:sldSz cx="12192000" cy="6858000"/>
   <p:notesSz cx="6858000" cy="9144000"/>
@@ -139,10 +140,6 @@
     </p:extLst>
   </p:cmAuthor>
 </p:cmAuthorLst>
-</file>
-
-<file path=ppt/revisionInfo.xml><?xml version="1.0" encoding="utf-8"?>
-<p1510:revInfo xmlns:a="http://schemas.openxmlformats.org/drawingml/2006/main" xmlns:r="http://schemas.openxmlformats.org/officeDocument/2006/relationships" xmlns:p1510="http://schemas.microsoft.com/office/powerpoint/2015/10/main"/>
 </file>
 
 <file path=ppt/comments/comment1.xml><?xml version="1.0" encoding="utf-8"?>
@@ -4041,8 +4038,8 @@
           <a:chExt cx="0" cy="0"/>
         </a:xfrm>
       </p:grpSpPr>
-      <mc:AlternateContent xmlns:mc="http://schemas.openxmlformats.org/markup-compatibility/2006" xmlns:a14="http://schemas.microsoft.com/office/drawing/2010/main">
-        <mc:Choice Requires="a14">
+      <mc:AlternateContent xmlns:mc="http://schemas.openxmlformats.org/markup-compatibility/2006">
+        <mc:Choice xmlns:a14="http://schemas.microsoft.com/office/drawing/2010/main" Requires="a14">
           <p:sp>
             <p:nvSpPr>
               <p:cNvPr id="5" name="Téglalap 4"/>
@@ -4051,7 +4048,7 @@
             </p:nvSpPr>
             <p:spPr>
               <a:xfrm>
-                <a:off x="2398547" y="2080696"/>
+                <a:off x="2746883" y="2080696"/>
                 <a:ext cx="3132098" cy="972702"/>
               </a:xfrm>
               <a:prstGeom prst="rect">
@@ -4313,7 +4310,7 @@
             </p:txBody>
           </p:sp>
         </mc:Choice>
-        <mc:Fallback xmlns="">
+        <mc:Fallback>
           <p:sp>
             <p:nvSpPr>
               <p:cNvPr id="5" name="Téglalap 4"/>
@@ -4324,7 +4321,7 @@
             </p:nvSpPr>
             <p:spPr>
               <a:xfrm>
-                <a:off x="2398547" y="2080696"/>
+                <a:off x="2746883" y="2080696"/>
                 <a:ext cx="3132098" cy="972702"/>
               </a:xfrm>
               <a:prstGeom prst="rect">
@@ -4671,7 +4668,7 @@
         </p:nvSpPr>
         <p:spPr>
           <a:xfrm>
-            <a:off x="5648370" y="2319511"/>
+            <a:off x="5953172" y="2319511"/>
             <a:ext cx="678425" cy="369332"/>
           </a:xfrm>
           <a:prstGeom prst="rect">
@@ -4730,7 +4727,7 @@
         <p:spPr>
           <a:xfrm>
             <a:off x="531204" y="3597513"/>
-            <a:ext cx="3202858" cy="2031325"/>
+            <a:ext cx="4296513" cy="1938992"/>
           </a:xfrm>
           <a:prstGeom prst="rect">
             <a:avLst/>
@@ -4744,176 +4741,168 @@
           <a:lstStyle/>
           <a:p>
             <a:r>
-              <a:rPr lang="hu-HU" dirty="0"/>
+              <a:rPr lang="hu-HU" sz="2000" dirty="0"/>
               <a:t>The </a:t>
             </a:r>
             <a:r>
-              <a:rPr lang="hu-HU" dirty="0" err="1"/>
+              <a:rPr lang="hu-HU" sz="2000" dirty="0" err="1"/>
               <a:t>resulting</a:t>
             </a:r>
             <a:r>
-              <a:rPr lang="hu-HU" dirty="0"/>
+              <a:rPr lang="hu-HU" sz="2000" dirty="0"/>
               <a:t> </a:t>
             </a:r>
             <a:r>
-              <a:rPr lang="hu-HU" dirty="0" err="1"/>
+              <a:rPr lang="hu-HU" sz="2000" dirty="0" err="1"/>
               <a:t>overhead</a:t>
             </a:r>
             <a:r>
-              <a:rPr lang="hu-HU" dirty="0"/>
+              <a:rPr lang="hu-HU" sz="2000" dirty="0"/>
               <a:t> </a:t>
             </a:r>
             <a:r>
-              <a:rPr lang="hu-HU" dirty="0" err="1"/>
+              <a:rPr lang="hu-HU" sz="2000" dirty="0" err="1"/>
               <a:t>load</a:t>
             </a:r>
             <a:r>
-              <a:rPr lang="hu-HU" dirty="0"/>
+              <a:rPr lang="hu-HU" sz="2000" dirty="0"/>
               <a:t> is 3 </a:t>
             </a:r>
             <a:r>
-              <a:rPr lang="hu-HU" dirty="0" err="1"/>
+              <a:rPr lang="hu-HU" sz="2000" dirty="0" err="1"/>
               <a:t>on</a:t>
             </a:r>
             <a:r>
-              <a:rPr lang="hu-HU" dirty="0"/>
+              <a:rPr lang="hu-HU" sz="2000" dirty="0"/>
               <a:t> (4,6) in </a:t>
             </a:r>
             <a:r>
-              <a:rPr lang="hu-HU" dirty="0" err="1"/>
+              <a:rPr lang="hu-HU" sz="2000" dirty="0" err="1"/>
               <a:t>the</a:t>
             </a:r>
             <a:r>
-              <a:rPr lang="hu-HU" dirty="0"/>
+              <a:rPr lang="hu-HU" sz="2000" dirty="0"/>
               <a:t> </a:t>
             </a:r>
             <a:r>
-              <a:rPr lang="hu-HU" dirty="0" err="1"/>
+              <a:rPr lang="hu-HU" sz="2000" dirty="0" err="1"/>
               <a:t>left</a:t>
             </a:r>
             <a:r>
-              <a:rPr lang="hu-HU" dirty="0"/>
+              <a:rPr lang="hu-HU" sz="2000" dirty="0"/>
               <a:t> </a:t>
             </a:r>
             <a:r>
-              <a:rPr lang="hu-HU" dirty="0" err="1"/>
+              <a:rPr lang="hu-HU" sz="2000" dirty="0" err="1"/>
               <a:t>matrix</a:t>
             </a:r>
             <a:r>
-              <a:rPr lang="hu-HU" dirty="0"/>
+              <a:rPr lang="hu-HU" sz="2000" dirty="0"/>
               <a:t> </a:t>
             </a:r>
             <a:r>
-              <a:rPr lang="hu-HU" dirty="0" err="1"/>
+              <a:rPr lang="hu-HU" sz="2000" dirty="0" err="1"/>
               <a:t>while</a:t>
             </a:r>
             <a:r>
-              <a:rPr lang="hu-HU" dirty="0"/>
+              <a:rPr lang="hu-HU" sz="2000" dirty="0"/>
               <a:t> it is 2 </a:t>
             </a:r>
             <a:r>
-              <a:rPr lang="hu-HU" dirty="0" err="1"/>
+              <a:rPr lang="hu-HU" sz="2000" dirty="0" err="1"/>
               <a:t>on</a:t>
             </a:r>
             <a:r>
-              <a:rPr lang="hu-HU" dirty="0"/>
+              <a:rPr lang="hu-HU" sz="2000" dirty="0"/>
               <a:t> </a:t>
             </a:r>
             <a:r>
-              <a:rPr lang="hu-HU" dirty="0" err="1"/>
+              <a:rPr lang="hu-HU" sz="2000" dirty="0" err="1"/>
               <a:t>the</a:t>
             </a:r>
             <a:r>
-              <a:rPr lang="hu-HU" dirty="0"/>
+              <a:rPr lang="hu-HU" sz="2000" dirty="0"/>
               <a:t> </a:t>
             </a:r>
             <a:r>
-              <a:rPr lang="hu-HU" dirty="0" err="1"/>
-              <a:t>rigth</a:t>
-            </a:r>
-            <a:r>
-              <a:rPr lang="hu-HU" dirty="0"/>
+              <a:rPr lang="hu-HU" sz="2000" dirty="0" err="1"/>
+              <a:t>right</a:t>
+            </a:r>
+            <a:r>
+              <a:rPr lang="hu-HU" sz="2000" dirty="0"/>
               <a:t>. </a:t>
             </a:r>
           </a:p>
           <a:p>
-            <a:endParaRPr lang="hu-HU" dirty="0"/>
+            <a:endParaRPr lang="hu-HU" sz="2000" dirty="0"/>
           </a:p>
           <a:p>
             <a:r>
-              <a:rPr lang="hu-HU" dirty="0"/>
+              <a:rPr lang="hu-HU" sz="2000" dirty="0"/>
               <a:t>The </a:t>
             </a:r>
             <a:r>
-              <a:rPr lang="hu-HU" dirty="0" err="1"/>
-              <a:t>worst</a:t>
-            </a:r>
-            <a:r>
-              <a:rPr lang="hu-HU" dirty="0"/>
+              <a:rPr lang="hu-HU" sz="2000" dirty="0" err="1"/>
+              <a:t>worse</a:t>
+            </a:r>
+            <a:r>
+              <a:rPr lang="hu-HU" sz="2000" dirty="0"/>
+              <a:t> performance </a:t>
+            </a:r>
+            <a:r>
+              <a:rPr lang="hu-HU" sz="2000" dirty="0" err="1"/>
+              <a:t>comes</a:t>
+            </a:r>
+            <a:r>
+              <a:rPr lang="hu-HU" sz="2000" dirty="0"/>
               <a:t> </a:t>
             </a:r>
             <a:r>
-              <a:rPr lang="hu-HU" dirty="0" err="1"/>
-              <a:t>perfromace</a:t>
-            </a:r>
-            <a:r>
-              <a:rPr lang="hu-HU" dirty="0"/>
+              <a:rPr lang="hu-HU" sz="2000" dirty="0" err="1"/>
+              <a:t>from</a:t>
+            </a:r>
+            <a:r>
+              <a:rPr lang="hu-HU" sz="2000" dirty="0"/>
               <a:t> </a:t>
             </a:r>
             <a:r>
-              <a:rPr lang="hu-HU" dirty="0" err="1"/>
-              <a:t>comes</a:t>
-            </a:r>
-            <a:r>
-              <a:rPr lang="hu-HU" dirty="0"/>
+              <a:rPr lang="hu-HU" sz="2000" dirty="0" err="1"/>
+              <a:t>the</a:t>
+            </a:r>
+            <a:r>
+              <a:rPr lang="hu-HU" sz="2000" dirty="0"/>
               <a:t> </a:t>
             </a:r>
             <a:r>
-              <a:rPr lang="hu-HU" dirty="0" err="1"/>
-              <a:t>from</a:t>
-            </a:r>
-            <a:r>
-              <a:rPr lang="hu-HU" dirty="0"/>
+              <a:rPr lang="hu-HU" sz="2000" dirty="0" err="1"/>
+              <a:t>similarity</a:t>
+            </a:r>
+            <a:r>
+              <a:rPr lang="hu-HU" sz="2000" dirty="0"/>
+              <a:t> of </a:t>
+            </a:r>
+            <a:r>
+              <a:rPr lang="hu-HU" sz="2000" dirty="0" err="1"/>
+              <a:t>each</a:t>
+            </a:r>
+            <a:r>
+              <a:rPr lang="hu-HU" sz="2000" dirty="0"/>
               <a:t> </a:t>
             </a:r>
             <a:r>
-              <a:rPr lang="hu-HU" dirty="0" err="1"/>
-              <a:t>the</a:t>
-            </a:r>
-            <a:r>
-              <a:rPr lang="hu-HU" dirty="0"/>
+              <a:rPr lang="hu-HU" sz="2000" dirty="0" err="1"/>
+              <a:t>node’s</a:t>
+            </a:r>
+            <a:r>
+              <a:rPr lang="hu-HU" sz="2000" dirty="0"/>
               <a:t> </a:t>
             </a:r>
             <a:r>
-              <a:rPr lang="hu-HU" dirty="0" err="1"/>
-              <a:t>simialarity</a:t>
-            </a:r>
-            <a:r>
-              <a:rPr lang="hu-HU" dirty="0"/>
-              <a:t> of </a:t>
-            </a:r>
-            <a:r>
-              <a:rPr lang="hu-HU" dirty="0" err="1"/>
-              <a:t>each</a:t>
-            </a:r>
-            <a:r>
-              <a:rPr lang="hu-HU" dirty="0"/>
-              <a:t> </a:t>
-            </a:r>
-            <a:r>
-              <a:rPr lang="hu-HU" dirty="0" err="1"/>
-              <a:t>node</a:t>
-            </a:r>
-            <a:r>
-              <a:rPr lang="hu-HU" dirty="0"/>
-              <a:t> </a:t>
-            </a:r>
-            <a:r>
-              <a:rPr lang="hu-HU" dirty="0" err="1"/>
+              <a:rPr lang="hu-HU" sz="2000" dirty="0" err="1"/>
               <a:t>scheme</a:t>
             </a:r>
             <a:r>
-              <a:rPr lang="hu-HU" dirty="0"/>
+              <a:rPr lang="hu-HU" sz="2000" dirty="0"/>
               <a:t>. </a:t>
             </a:r>
           </a:p>
@@ -4927,8 +4916,8 @@
         </p:nvSpPr>
         <p:spPr>
           <a:xfrm>
-            <a:off x="531204" y="2181011"/>
-            <a:ext cx="1749618" cy="646331"/>
+            <a:off x="531203" y="2181011"/>
+            <a:ext cx="2560339" cy="369332"/>
           </a:xfrm>
           <a:prstGeom prst="rect">
             <a:avLst/>
@@ -4942,1505 +4931,1547 @@
           <a:lstStyle/>
           <a:p>
             <a:r>
-              <a:rPr lang="hu-HU" dirty="0" err="1"/>
+              <a:rPr lang="hu-HU" b="1" dirty="0" err="1"/>
               <a:t>Let</a:t>
             </a:r>
             <a:r>
-              <a:rPr lang="hu-HU" dirty="0"/>
+              <a:rPr lang="hu-HU" b="1" dirty="0"/>
               <a:t> F = {(1,6), (2,6), (3,6)}</a:t>
             </a:r>
           </a:p>
         </p:txBody>
       </p:sp>
-      <p:sp>
-        <p:nvSpPr>
-          <p:cNvPr id="12" name="Ellipszis 11">
+      <p:grpSp>
+        <p:nvGrpSpPr>
+          <p:cNvPr id="12" name="Csoportba foglalás 11">
             <a:extLst>
               <a:ext uri="{FF2B5EF4-FFF2-40B4-BE49-F238E27FC236}">
-                <a16:creationId xmlns:a16="http://schemas.microsoft.com/office/drawing/2014/main" id="{0138D184-EAE7-4932-9655-5EB8D5501AA1}"/>
+                <a16:creationId xmlns:a16="http://schemas.microsoft.com/office/drawing/2014/main" id="{30463460-A5E0-4204-AFE6-F5A5241180B3}"/>
               </a:ext>
             </a:extLst>
           </p:cNvPr>
-          <p:cNvSpPr/>
+          <p:cNvGrpSpPr/>
           <p:nvPr/>
-        </p:nvSpPr>
-        <p:spPr>
+        </p:nvGrpSpPr>
+        <p:grpSpPr>
           <a:xfrm>
-            <a:off x="6233573" y="3523122"/>
-            <a:ext cx="421894" cy="390245"/>
+            <a:off x="5319698" y="3523122"/>
+            <a:ext cx="2285407" cy="2286479"/>
+            <a:chOff x="5319698" y="3523122"/>
+            <a:chExt cx="2285407" cy="2286479"/>
           </a:xfrm>
-          <a:prstGeom prst="ellipse">
-            <a:avLst/>
-          </a:prstGeom>
-          <a:solidFill>
-            <a:schemeClr val="bg1"/>
-          </a:solidFill>
-        </p:spPr>
-        <p:style>
-          <a:lnRef idx="2">
-            <a:schemeClr val="accent1">
-              <a:shade val="50000"/>
-            </a:schemeClr>
-          </a:lnRef>
-          <a:fillRef idx="1">
-            <a:schemeClr val="accent1"/>
-          </a:fillRef>
-          <a:effectRef idx="0">
-            <a:schemeClr val="accent1"/>
-          </a:effectRef>
-          <a:fontRef idx="minor">
-            <a:schemeClr val="lt1"/>
-          </a:fontRef>
-        </p:style>
-        <p:txBody>
-          <a:bodyPr rtlCol="0" anchor="ctr"/>
-          <a:lstStyle/>
-          <a:p>
-            <a:pPr algn="ctr"/>
-            <a:r>
-              <a:rPr lang="hu-HU" dirty="0">
-                <a:ln w="0"/>
-                <a:solidFill>
-                  <a:schemeClr val="tx1"/>
-                </a:solidFill>
-                <a:effectLst>
-                  <a:outerShdw blurRad="38100" dist="19050" dir="2700000" algn="tl" rotWithShape="0">
-                    <a:schemeClr val="dk1">
-                      <a:alpha val="40000"/>
-                    </a:schemeClr>
-                  </a:outerShdw>
-                </a:effectLst>
-              </a:rPr>
-              <a:t>1</a:t>
-            </a:r>
-          </a:p>
-        </p:txBody>
-      </p:sp>
-      <p:sp>
-        <p:nvSpPr>
-          <p:cNvPr id="13" name="Ellipszis 12">
+        </p:grpSpPr>
+        <p:sp>
+          <p:nvSpPr>
+            <p:cNvPr id="13" name="Ellipszis 12">
+              <a:extLst>
+                <a:ext uri="{FF2B5EF4-FFF2-40B4-BE49-F238E27FC236}">
+                  <a16:creationId xmlns:a16="http://schemas.microsoft.com/office/drawing/2014/main" id="{549FD6C1-0FBE-49DF-A133-5F62D8754844}"/>
+                </a:ext>
+              </a:extLst>
+            </p:cNvPr>
+            <p:cNvSpPr/>
+            <p:nvPr/>
+          </p:nvSpPr>
+          <p:spPr>
+            <a:xfrm>
+              <a:off x="6233573" y="3523122"/>
+              <a:ext cx="421894" cy="390245"/>
+            </a:xfrm>
+            <a:prstGeom prst="ellipse">
+              <a:avLst/>
+            </a:prstGeom>
+            <a:solidFill>
+              <a:schemeClr val="bg1"/>
+            </a:solidFill>
+          </p:spPr>
+          <p:style>
+            <a:lnRef idx="2">
+              <a:schemeClr val="accent1">
+                <a:shade val="50000"/>
+              </a:schemeClr>
+            </a:lnRef>
+            <a:fillRef idx="1">
+              <a:schemeClr val="accent1"/>
+            </a:fillRef>
+            <a:effectRef idx="0">
+              <a:schemeClr val="accent1"/>
+            </a:effectRef>
+            <a:fontRef idx="minor">
+              <a:schemeClr val="lt1"/>
+            </a:fontRef>
+          </p:style>
+          <p:txBody>
+            <a:bodyPr rtlCol="0" anchor="ctr"/>
+            <a:lstStyle/>
+            <a:p>
+              <a:pPr algn="ctr"/>
+              <a:r>
+                <a:rPr lang="hu-HU" dirty="0">
+                  <a:ln w="0"/>
+                  <a:solidFill>
+                    <a:schemeClr val="tx1"/>
+                  </a:solidFill>
+                  <a:effectLst>
+                    <a:outerShdw blurRad="38100" dist="19050" dir="2700000" algn="tl" rotWithShape="0">
+                      <a:schemeClr val="dk1">
+                        <a:alpha val="40000"/>
+                      </a:schemeClr>
+                    </a:outerShdw>
+                  </a:effectLst>
+                </a:rPr>
+                <a:t>1</a:t>
+              </a:r>
+            </a:p>
+          </p:txBody>
+        </p:sp>
+        <p:sp>
+          <p:nvSpPr>
+            <p:cNvPr id="14" name="Ellipszis 13">
+              <a:extLst>
+                <a:ext uri="{FF2B5EF4-FFF2-40B4-BE49-F238E27FC236}">
+                  <a16:creationId xmlns:a16="http://schemas.microsoft.com/office/drawing/2014/main" id="{4F8EB6AB-D04A-43D6-8917-E15D3C35AF36}"/>
+                </a:ext>
+              </a:extLst>
+            </p:cNvPr>
+            <p:cNvSpPr/>
+            <p:nvPr/>
+          </p:nvSpPr>
+          <p:spPr>
+            <a:xfrm>
+              <a:off x="5319698" y="4919068"/>
+              <a:ext cx="421894" cy="419553"/>
+            </a:xfrm>
+            <a:prstGeom prst="ellipse">
+              <a:avLst/>
+            </a:prstGeom>
+            <a:solidFill>
+              <a:schemeClr val="bg1"/>
+            </a:solidFill>
+          </p:spPr>
+          <p:style>
+            <a:lnRef idx="2">
+              <a:schemeClr val="accent1">
+                <a:shade val="50000"/>
+              </a:schemeClr>
+            </a:lnRef>
+            <a:fillRef idx="1">
+              <a:schemeClr val="accent1"/>
+            </a:fillRef>
+            <a:effectRef idx="0">
+              <a:schemeClr val="accent1"/>
+            </a:effectRef>
+            <a:fontRef idx="minor">
+              <a:schemeClr val="lt1"/>
+            </a:fontRef>
+          </p:style>
+          <p:txBody>
+            <a:bodyPr rtlCol="0" anchor="ctr"/>
+            <a:lstStyle/>
+            <a:p>
+              <a:pPr algn="ctr"/>
+              <a:r>
+                <a:rPr lang="hu-HU" dirty="0">
+                  <a:ln w="0"/>
+                  <a:solidFill>
+                    <a:schemeClr val="tx1"/>
+                  </a:solidFill>
+                  <a:effectLst>
+                    <a:outerShdw blurRad="38100" dist="19050" dir="2700000" algn="tl" rotWithShape="0">
+                      <a:schemeClr val="dk1">
+                        <a:alpha val="40000"/>
+                      </a:schemeClr>
+                    </a:outerShdw>
+                  </a:effectLst>
+                </a:rPr>
+                <a:t>5</a:t>
+              </a:r>
+            </a:p>
+          </p:txBody>
+        </p:sp>
+        <p:sp>
+          <p:nvSpPr>
+            <p:cNvPr id="15" name="Ellipszis 14">
+              <a:extLst>
+                <a:ext uri="{FF2B5EF4-FFF2-40B4-BE49-F238E27FC236}">
+                  <a16:creationId xmlns:a16="http://schemas.microsoft.com/office/drawing/2014/main" id="{F62B9DCF-1B97-46AC-9FB1-7A256A027F99}"/>
+                </a:ext>
+              </a:extLst>
+            </p:cNvPr>
+            <p:cNvSpPr/>
+            <p:nvPr/>
+          </p:nvSpPr>
+          <p:spPr>
+            <a:xfrm>
+              <a:off x="6233573" y="5390048"/>
+              <a:ext cx="421894" cy="419553"/>
+            </a:xfrm>
+            <a:prstGeom prst="ellipse">
+              <a:avLst/>
+            </a:prstGeom>
+            <a:solidFill>
+              <a:schemeClr val="bg1"/>
+            </a:solidFill>
+          </p:spPr>
+          <p:style>
+            <a:lnRef idx="2">
+              <a:schemeClr val="accent1">
+                <a:shade val="50000"/>
+              </a:schemeClr>
+            </a:lnRef>
+            <a:fillRef idx="1">
+              <a:schemeClr val="accent1"/>
+            </a:fillRef>
+            <a:effectRef idx="0">
+              <a:schemeClr val="accent1"/>
+            </a:effectRef>
+            <a:fontRef idx="minor">
+              <a:schemeClr val="lt1"/>
+            </a:fontRef>
+          </p:style>
+          <p:txBody>
+            <a:bodyPr rtlCol="0" anchor="ctr"/>
+            <a:lstStyle/>
+            <a:p>
+              <a:pPr algn="ctr"/>
+              <a:r>
+                <a:rPr lang="hu-HU" dirty="0">
+                  <a:ln w="0"/>
+                  <a:solidFill>
+                    <a:schemeClr val="tx1"/>
+                  </a:solidFill>
+                  <a:effectLst>
+                    <a:outerShdw blurRad="38100" dist="19050" dir="2700000" algn="tl" rotWithShape="0">
+                      <a:schemeClr val="dk1">
+                        <a:alpha val="40000"/>
+                      </a:schemeClr>
+                    </a:outerShdw>
+                  </a:effectLst>
+                </a:rPr>
+                <a:t>4</a:t>
+              </a:r>
+            </a:p>
+          </p:txBody>
+        </p:sp>
+        <p:sp>
+          <p:nvSpPr>
+            <p:cNvPr id="16" name="Ellipszis 15">
+              <a:extLst>
+                <a:ext uri="{FF2B5EF4-FFF2-40B4-BE49-F238E27FC236}">
+                  <a16:creationId xmlns:a16="http://schemas.microsoft.com/office/drawing/2014/main" id="{AF48F952-2C2C-4B1A-BC61-D92CBDABDB34}"/>
+                </a:ext>
+              </a:extLst>
+            </p:cNvPr>
+            <p:cNvSpPr/>
+            <p:nvPr/>
+          </p:nvSpPr>
+          <p:spPr>
+            <a:xfrm>
+              <a:off x="7183211" y="4919067"/>
+              <a:ext cx="421894" cy="419553"/>
+            </a:xfrm>
+            <a:prstGeom prst="ellipse">
+              <a:avLst/>
+            </a:prstGeom>
+            <a:solidFill>
+              <a:schemeClr val="bg1"/>
+            </a:solidFill>
+          </p:spPr>
+          <p:style>
+            <a:lnRef idx="2">
+              <a:schemeClr val="accent1">
+                <a:shade val="50000"/>
+              </a:schemeClr>
+            </a:lnRef>
+            <a:fillRef idx="1">
+              <a:schemeClr val="accent1"/>
+            </a:fillRef>
+            <a:effectRef idx="0">
+              <a:schemeClr val="accent1"/>
+            </a:effectRef>
+            <a:fontRef idx="minor">
+              <a:schemeClr val="lt1"/>
+            </a:fontRef>
+          </p:style>
+          <p:txBody>
+            <a:bodyPr rtlCol="0" anchor="ctr"/>
+            <a:lstStyle/>
+            <a:p>
+              <a:pPr algn="ctr"/>
+              <a:r>
+                <a:rPr lang="hu-HU" dirty="0">
+                  <a:ln w="0"/>
+                  <a:solidFill>
+                    <a:schemeClr val="tx1"/>
+                  </a:solidFill>
+                  <a:effectLst>
+                    <a:outerShdw blurRad="38100" dist="19050" dir="2700000" algn="tl" rotWithShape="0">
+                      <a:schemeClr val="dk1">
+                        <a:alpha val="40000"/>
+                      </a:schemeClr>
+                    </a:outerShdw>
+                  </a:effectLst>
+                </a:rPr>
+                <a:t>3</a:t>
+              </a:r>
+            </a:p>
+          </p:txBody>
+        </p:sp>
+        <p:sp>
+          <p:nvSpPr>
+            <p:cNvPr id="17" name="Ellipszis 16">
+              <a:extLst>
+                <a:ext uri="{FF2B5EF4-FFF2-40B4-BE49-F238E27FC236}">
+                  <a16:creationId xmlns:a16="http://schemas.microsoft.com/office/drawing/2014/main" id="{18B50850-69AB-462D-868E-8754E518687A}"/>
+                </a:ext>
+              </a:extLst>
+            </p:cNvPr>
+            <p:cNvSpPr/>
+            <p:nvPr/>
+          </p:nvSpPr>
+          <p:spPr>
+            <a:xfrm>
+              <a:off x="7183211" y="3978061"/>
+              <a:ext cx="421894" cy="419553"/>
+            </a:xfrm>
+            <a:prstGeom prst="ellipse">
+              <a:avLst/>
+            </a:prstGeom>
+            <a:solidFill>
+              <a:schemeClr val="bg1"/>
+            </a:solidFill>
+          </p:spPr>
+          <p:style>
+            <a:lnRef idx="2">
+              <a:schemeClr val="accent1">
+                <a:shade val="50000"/>
+              </a:schemeClr>
+            </a:lnRef>
+            <a:fillRef idx="1">
+              <a:schemeClr val="accent1"/>
+            </a:fillRef>
+            <a:effectRef idx="0">
+              <a:schemeClr val="accent1"/>
+            </a:effectRef>
+            <a:fontRef idx="minor">
+              <a:schemeClr val="lt1"/>
+            </a:fontRef>
+          </p:style>
+          <p:txBody>
+            <a:bodyPr rtlCol="0" anchor="ctr"/>
+            <a:lstStyle/>
+            <a:p>
+              <a:pPr algn="ctr"/>
+              <a:r>
+                <a:rPr lang="hu-HU" dirty="0">
+                  <a:ln w="0"/>
+                  <a:solidFill>
+                    <a:schemeClr val="tx1"/>
+                  </a:solidFill>
+                  <a:effectLst>
+                    <a:outerShdw blurRad="38100" dist="19050" dir="2700000" algn="tl" rotWithShape="0">
+                      <a:schemeClr val="dk1">
+                        <a:alpha val="40000"/>
+                      </a:schemeClr>
+                    </a:outerShdw>
+                  </a:effectLst>
+                </a:rPr>
+                <a:t>2</a:t>
+              </a:r>
+            </a:p>
+          </p:txBody>
+        </p:sp>
+        <p:sp>
+          <p:nvSpPr>
+            <p:cNvPr id="18" name="Ellipszis 17">
+              <a:extLst>
+                <a:ext uri="{FF2B5EF4-FFF2-40B4-BE49-F238E27FC236}">
+                  <a16:creationId xmlns:a16="http://schemas.microsoft.com/office/drawing/2014/main" id="{4CB41031-ED23-4EAA-BD1E-C4CDB6596DB0}"/>
+                </a:ext>
+              </a:extLst>
+            </p:cNvPr>
+            <p:cNvSpPr/>
+            <p:nvPr/>
+          </p:nvSpPr>
+          <p:spPr>
+            <a:xfrm>
+              <a:off x="5319698" y="4018537"/>
+              <a:ext cx="421894" cy="419553"/>
+            </a:xfrm>
+            <a:prstGeom prst="ellipse">
+              <a:avLst/>
+            </a:prstGeom>
+            <a:solidFill>
+              <a:schemeClr val="bg1"/>
+            </a:solidFill>
+          </p:spPr>
+          <p:style>
+            <a:lnRef idx="2">
+              <a:schemeClr val="accent1">
+                <a:shade val="50000"/>
+              </a:schemeClr>
+            </a:lnRef>
+            <a:fillRef idx="1">
+              <a:schemeClr val="accent1"/>
+            </a:fillRef>
+            <a:effectRef idx="0">
+              <a:schemeClr val="accent1"/>
+            </a:effectRef>
+            <a:fontRef idx="minor">
+              <a:schemeClr val="lt1"/>
+            </a:fontRef>
+          </p:style>
+          <p:txBody>
+            <a:bodyPr rtlCol="0" anchor="ctr"/>
+            <a:lstStyle/>
+            <a:p>
+              <a:pPr algn="ctr"/>
+              <a:r>
+                <a:rPr lang="hu-HU" dirty="0">
+                  <a:ln w="0"/>
+                  <a:solidFill>
+                    <a:schemeClr val="tx1"/>
+                  </a:solidFill>
+                  <a:effectLst>
+                    <a:outerShdw blurRad="38100" dist="19050" dir="2700000" algn="tl" rotWithShape="0">
+                      <a:schemeClr val="dk1">
+                        <a:alpha val="40000"/>
+                      </a:schemeClr>
+                    </a:outerShdw>
+                  </a:effectLst>
+                </a:rPr>
+                <a:t>6</a:t>
+              </a:r>
+            </a:p>
+          </p:txBody>
+        </p:sp>
+        <p:cxnSp>
+          <p:nvCxnSpPr>
+            <p:cNvPr id="19" name="Egyenes összekötő nyíllal 18">
+              <a:extLst>
+                <a:ext uri="{FF2B5EF4-FFF2-40B4-BE49-F238E27FC236}">
+                  <a16:creationId xmlns:a16="http://schemas.microsoft.com/office/drawing/2014/main" id="{9D72598F-677B-4898-97D6-4A9950018F8F}"/>
+                </a:ext>
+              </a:extLst>
+            </p:cNvPr>
+            <p:cNvCxnSpPr>
+              <a:cxnSpLocks/>
+            </p:cNvCxnSpPr>
+            <p:nvPr/>
+          </p:nvCxnSpPr>
+          <p:spPr>
+            <a:xfrm>
+              <a:off x="6655467" y="3752738"/>
+              <a:ext cx="589529" cy="321258"/>
+            </a:xfrm>
+            <a:prstGeom prst="straightConnector1">
+              <a:avLst/>
+            </a:prstGeom>
+            <a:ln>
+              <a:tailEnd type="triangle"/>
+            </a:ln>
+          </p:spPr>
+          <p:style>
+            <a:lnRef idx="1">
+              <a:schemeClr val="accent1"/>
+            </a:lnRef>
+            <a:fillRef idx="0">
+              <a:schemeClr val="accent1"/>
+            </a:fillRef>
+            <a:effectRef idx="0">
+              <a:schemeClr val="accent1"/>
+            </a:effectRef>
+            <a:fontRef idx="minor">
+              <a:schemeClr val="tx1"/>
+            </a:fontRef>
+          </p:style>
+        </p:cxnSp>
+        <p:cxnSp>
+          <p:nvCxnSpPr>
+            <p:cNvPr id="20" name="Egyenes összekötő nyíllal 19">
+              <a:extLst>
+                <a:ext uri="{FF2B5EF4-FFF2-40B4-BE49-F238E27FC236}">
+                  <a16:creationId xmlns:a16="http://schemas.microsoft.com/office/drawing/2014/main" id="{C395C9D7-7139-4148-B3DB-1E0782813EEC}"/>
+                </a:ext>
+              </a:extLst>
+            </p:cNvPr>
+            <p:cNvCxnSpPr>
+              <a:cxnSpLocks/>
+              <a:stCxn id="17" idx="4"/>
+              <a:endCxn id="16" idx="1"/>
+            </p:cNvCxnSpPr>
+            <p:nvPr/>
+          </p:nvCxnSpPr>
+          <p:spPr>
+            <a:xfrm flipH="1">
+              <a:off x="7244996" y="4397614"/>
+              <a:ext cx="149162" cy="582895"/>
+            </a:xfrm>
+            <a:prstGeom prst="straightConnector1">
+              <a:avLst/>
+            </a:prstGeom>
+            <a:ln>
+              <a:tailEnd type="triangle"/>
+            </a:ln>
+          </p:spPr>
+          <p:style>
+            <a:lnRef idx="1">
+              <a:schemeClr val="accent1"/>
+            </a:lnRef>
+            <a:fillRef idx="0">
+              <a:schemeClr val="accent1"/>
+            </a:fillRef>
+            <a:effectRef idx="0">
+              <a:schemeClr val="accent1"/>
+            </a:effectRef>
+            <a:fontRef idx="minor">
+              <a:schemeClr val="tx1"/>
+            </a:fontRef>
+          </p:style>
+        </p:cxnSp>
+        <p:cxnSp>
+          <p:nvCxnSpPr>
+            <p:cNvPr id="21" name="Egyenes összekötő nyíllal 20">
+              <a:extLst>
+                <a:ext uri="{FF2B5EF4-FFF2-40B4-BE49-F238E27FC236}">
+                  <a16:creationId xmlns:a16="http://schemas.microsoft.com/office/drawing/2014/main" id="{484D49EB-F6CA-45DE-862A-90AC7BC3AF08}"/>
+                </a:ext>
+              </a:extLst>
+            </p:cNvPr>
+            <p:cNvCxnSpPr>
+              <a:cxnSpLocks/>
+              <a:endCxn id="16" idx="7"/>
+            </p:cNvCxnSpPr>
+            <p:nvPr/>
+          </p:nvCxnSpPr>
+          <p:spPr>
+            <a:xfrm>
+              <a:off x="7470358" y="4397613"/>
+              <a:ext cx="72962" cy="582896"/>
+            </a:xfrm>
+            <a:prstGeom prst="straightConnector1">
+              <a:avLst/>
+            </a:prstGeom>
+            <a:ln>
+              <a:tailEnd type="triangle"/>
+            </a:ln>
+          </p:spPr>
+          <p:style>
+            <a:lnRef idx="1">
+              <a:schemeClr val="accent1"/>
+            </a:lnRef>
+            <a:fillRef idx="0">
+              <a:schemeClr val="accent1"/>
+            </a:fillRef>
+            <a:effectRef idx="0">
+              <a:schemeClr val="accent1"/>
+            </a:effectRef>
+            <a:fontRef idx="minor">
+              <a:schemeClr val="tx1"/>
+            </a:fontRef>
+          </p:style>
+        </p:cxnSp>
+        <p:cxnSp>
+          <p:nvCxnSpPr>
+            <p:cNvPr id="22" name="Egyenes összekötő nyíllal 21">
+              <a:extLst>
+                <a:ext uri="{FF2B5EF4-FFF2-40B4-BE49-F238E27FC236}">
+                  <a16:creationId xmlns:a16="http://schemas.microsoft.com/office/drawing/2014/main" id="{DAE97A01-B599-4039-B19D-823C8D875151}"/>
+                </a:ext>
+              </a:extLst>
+            </p:cNvPr>
+            <p:cNvCxnSpPr>
+              <a:cxnSpLocks/>
+              <a:stCxn id="16" idx="2"/>
+              <a:endCxn id="15" idx="0"/>
+            </p:cNvCxnSpPr>
+            <p:nvPr/>
+          </p:nvCxnSpPr>
+          <p:spPr>
+            <a:xfrm flipH="1">
+              <a:off x="6444520" y="5128844"/>
+              <a:ext cx="738691" cy="261204"/>
+            </a:xfrm>
+            <a:prstGeom prst="straightConnector1">
+              <a:avLst/>
+            </a:prstGeom>
+            <a:ln>
+              <a:tailEnd type="triangle"/>
+            </a:ln>
+          </p:spPr>
+          <p:style>
+            <a:lnRef idx="1">
+              <a:schemeClr val="accent1"/>
+            </a:lnRef>
+            <a:fillRef idx="0">
+              <a:schemeClr val="accent1"/>
+            </a:fillRef>
+            <a:effectRef idx="0">
+              <a:schemeClr val="accent1"/>
+            </a:effectRef>
+            <a:fontRef idx="minor">
+              <a:schemeClr val="tx1"/>
+            </a:fontRef>
+          </p:style>
+        </p:cxnSp>
+        <p:cxnSp>
+          <p:nvCxnSpPr>
+            <p:cNvPr id="23" name="Egyenes összekötő nyíllal 22">
+              <a:extLst>
+                <a:ext uri="{FF2B5EF4-FFF2-40B4-BE49-F238E27FC236}">
+                  <a16:creationId xmlns:a16="http://schemas.microsoft.com/office/drawing/2014/main" id="{6B369320-2308-4AD5-AC76-5F9067A40432}"/>
+                </a:ext>
+              </a:extLst>
+            </p:cNvPr>
+            <p:cNvCxnSpPr>
+              <a:cxnSpLocks/>
+              <a:stCxn id="16" idx="3"/>
+              <a:endCxn id="15" idx="6"/>
+            </p:cNvCxnSpPr>
+            <p:nvPr/>
+          </p:nvCxnSpPr>
+          <p:spPr>
+            <a:xfrm flipH="1">
+              <a:off x="6655467" y="5277178"/>
+              <a:ext cx="589529" cy="322647"/>
+            </a:xfrm>
+            <a:prstGeom prst="straightConnector1">
+              <a:avLst/>
+            </a:prstGeom>
+            <a:ln>
+              <a:tailEnd type="triangle"/>
+            </a:ln>
+          </p:spPr>
+          <p:style>
+            <a:lnRef idx="1">
+              <a:schemeClr val="accent1"/>
+            </a:lnRef>
+            <a:fillRef idx="0">
+              <a:schemeClr val="accent1"/>
+            </a:fillRef>
+            <a:effectRef idx="0">
+              <a:schemeClr val="accent1"/>
+            </a:effectRef>
+            <a:fontRef idx="minor">
+              <a:schemeClr val="tx1"/>
+            </a:fontRef>
+          </p:style>
+        </p:cxnSp>
+        <p:cxnSp>
+          <p:nvCxnSpPr>
+            <p:cNvPr id="24" name="Egyenes összekötő nyíllal 23">
+              <a:extLst>
+                <a:ext uri="{FF2B5EF4-FFF2-40B4-BE49-F238E27FC236}">
+                  <a16:creationId xmlns:a16="http://schemas.microsoft.com/office/drawing/2014/main" id="{D1CAE4C4-2410-44BE-853E-3E959E861312}"/>
+                </a:ext>
+              </a:extLst>
+            </p:cNvPr>
+            <p:cNvCxnSpPr>
+              <a:cxnSpLocks/>
+              <a:stCxn id="16" idx="4"/>
+              <a:endCxn id="15" idx="5"/>
+            </p:cNvCxnSpPr>
+            <p:nvPr/>
+          </p:nvCxnSpPr>
+          <p:spPr>
+            <a:xfrm flipH="1">
+              <a:off x="6593682" y="5338620"/>
+              <a:ext cx="800476" cy="409539"/>
+            </a:xfrm>
+            <a:prstGeom prst="straightConnector1">
+              <a:avLst/>
+            </a:prstGeom>
+            <a:ln>
+              <a:tailEnd type="triangle"/>
+            </a:ln>
+          </p:spPr>
+          <p:style>
+            <a:lnRef idx="1">
+              <a:schemeClr val="accent1"/>
+            </a:lnRef>
+            <a:fillRef idx="0">
+              <a:schemeClr val="accent1"/>
+            </a:fillRef>
+            <a:effectRef idx="0">
+              <a:schemeClr val="accent1"/>
+            </a:effectRef>
+            <a:fontRef idx="minor">
+              <a:schemeClr val="tx1"/>
+            </a:fontRef>
+          </p:style>
+        </p:cxnSp>
+        <p:cxnSp>
+          <p:nvCxnSpPr>
+            <p:cNvPr id="25" name="Egyenes összekötő nyíllal 24">
+              <a:extLst>
+                <a:ext uri="{FF2B5EF4-FFF2-40B4-BE49-F238E27FC236}">
+                  <a16:creationId xmlns:a16="http://schemas.microsoft.com/office/drawing/2014/main" id="{753F33F4-7C5F-4648-9728-4D7A1650B771}"/>
+                </a:ext>
+              </a:extLst>
+            </p:cNvPr>
+            <p:cNvCxnSpPr>
+              <a:cxnSpLocks/>
+              <a:stCxn id="15" idx="2"/>
+              <a:endCxn id="18" idx="4"/>
+            </p:cNvCxnSpPr>
+            <p:nvPr/>
+          </p:nvCxnSpPr>
+          <p:spPr>
+            <a:xfrm flipH="1" flipV="1">
+              <a:off x="5530645" y="4438090"/>
+              <a:ext cx="702928" cy="1161735"/>
+            </a:xfrm>
+            <a:prstGeom prst="straightConnector1">
+              <a:avLst/>
+            </a:prstGeom>
+            <a:ln>
+              <a:tailEnd type="triangle"/>
+            </a:ln>
+          </p:spPr>
+          <p:style>
+            <a:lnRef idx="1">
+              <a:schemeClr val="accent1"/>
+            </a:lnRef>
+            <a:fillRef idx="0">
+              <a:schemeClr val="accent1"/>
+            </a:fillRef>
+            <a:effectRef idx="0">
+              <a:schemeClr val="accent1"/>
+            </a:effectRef>
+            <a:fontRef idx="minor">
+              <a:schemeClr val="tx1"/>
+            </a:fontRef>
+          </p:style>
+        </p:cxnSp>
+        <p:cxnSp>
+          <p:nvCxnSpPr>
+            <p:cNvPr id="26" name="Egyenes összekötő nyíllal 25">
+              <a:extLst>
+                <a:ext uri="{FF2B5EF4-FFF2-40B4-BE49-F238E27FC236}">
+                  <a16:creationId xmlns:a16="http://schemas.microsoft.com/office/drawing/2014/main" id="{A31D6B92-E4C3-47F1-A02D-D035347B73D3}"/>
+                </a:ext>
+              </a:extLst>
+            </p:cNvPr>
+            <p:cNvCxnSpPr>
+              <a:cxnSpLocks/>
+              <a:stCxn id="15" idx="1"/>
+              <a:endCxn id="18" idx="5"/>
+            </p:cNvCxnSpPr>
+            <p:nvPr/>
+          </p:nvCxnSpPr>
+          <p:spPr>
+            <a:xfrm flipH="1" flipV="1">
+              <a:off x="5679807" y="4376648"/>
+              <a:ext cx="615551" cy="1074842"/>
+            </a:xfrm>
+            <a:prstGeom prst="straightConnector1">
+              <a:avLst/>
+            </a:prstGeom>
+            <a:ln>
+              <a:tailEnd type="triangle"/>
+            </a:ln>
+          </p:spPr>
+          <p:style>
+            <a:lnRef idx="1">
+              <a:schemeClr val="accent1"/>
+            </a:lnRef>
+            <a:fillRef idx="0">
+              <a:schemeClr val="accent1"/>
+            </a:fillRef>
+            <a:effectRef idx="0">
+              <a:schemeClr val="accent1"/>
+            </a:effectRef>
+            <a:fontRef idx="minor">
+              <a:schemeClr val="tx1"/>
+            </a:fontRef>
+          </p:style>
+        </p:cxnSp>
+        <p:cxnSp>
+          <p:nvCxnSpPr>
+            <p:cNvPr id="27" name="Egyenes összekötő nyíllal 26">
+              <a:extLst>
+                <a:ext uri="{FF2B5EF4-FFF2-40B4-BE49-F238E27FC236}">
+                  <a16:creationId xmlns:a16="http://schemas.microsoft.com/office/drawing/2014/main" id="{DF95F1B0-3D3C-4CAC-9245-0BAF17192F81}"/>
+                </a:ext>
+              </a:extLst>
+            </p:cNvPr>
+            <p:cNvCxnSpPr>
+              <a:cxnSpLocks/>
+              <a:stCxn id="15" idx="0"/>
+              <a:endCxn id="18" idx="6"/>
+            </p:cNvCxnSpPr>
+            <p:nvPr/>
+          </p:nvCxnSpPr>
+          <p:spPr>
+            <a:xfrm flipH="1" flipV="1">
+              <a:off x="5741592" y="4228314"/>
+              <a:ext cx="702928" cy="1161734"/>
+            </a:xfrm>
+            <a:prstGeom prst="straightConnector1">
+              <a:avLst/>
+            </a:prstGeom>
+            <a:ln>
+              <a:tailEnd type="triangle"/>
+            </a:ln>
+          </p:spPr>
+          <p:style>
+            <a:lnRef idx="1">
+              <a:schemeClr val="accent1"/>
+            </a:lnRef>
+            <a:fillRef idx="0">
+              <a:schemeClr val="accent1"/>
+            </a:fillRef>
+            <a:effectRef idx="0">
+              <a:schemeClr val="accent1"/>
+            </a:effectRef>
+            <a:fontRef idx="minor">
+              <a:schemeClr val="tx1"/>
+            </a:fontRef>
+          </p:style>
+        </p:cxnSp>
+      </p:grpSp>
+      <p:grpSp>
+        <p:nvGrpSpPr>
+          <p:cNvPr id="28" name="Csoportba foglalás 27">
             <a:extLst>
               <a:ext uri="{FF2B5EF4-FFF2-40B4-BE49-F238E27FC236}">
-                <a16:creationId xmlns:a16="http://schemas.microsoft.com/office/drawing/2014/main" id="{CFEE2F05-9431-410F-8D13-3B50D44FCC98}"/>
+                <a16:creationId xmlns:a16="http://schemas.microsoft.com/office/drawing/2014/main" id="{836832F4-0C41-4123-A361-79285AF24732}"/>
               </a:ext>
             </a:extLst>
           </p:cNvPr>
-          <p:cNvSpPr/>
+          <p:cNvGrpSpPr/>
           <p:nvPr/>
-        </p:nvSpPr>
-        <p:spPr>
+        </p:nvGrpSpPr>
+        <p:grpSpPr>
           <a:xfrm>
-            <a:off x="5319698" y="4919068"/>
-            <a:ext cx="421894" cy="419553"/>
+            <a:off x="8364070" y="3417819"/>
+            <a:ext cx="2285407" cy="2286479"/>
+            <a:chOff x="8364070" y="3417819"/>
+            <a:chExt cx="2285407" cy="2286479"/>
           </a:xfrm>
-          <a:prstGeom prst="ellipse">
-            <a:avLst/>
-          </a:prstGeom>
-          <a:solidFill>
-            <a:schemeClr val="bg1"/>
-          </a:solidFill>
-        </p:spPr>
-        <p:style>
-          <a:lnRef idx="2">
-            <a:schemeClr val="accent1">
-              <a:shade val="50000"/>
-            </a:schemeClr>
-          </a:lnRef>
-          <a:fillRef idx="1">
-            <a:schemeClr val="accent1"/>
-          </a:fillRef>
-          <a:effectRef idx="0">
-            <a:schemeClr val="accent1"/>
-          </a:effectRef>
-          <a:fontRef idx="minor">
-            <a:schemeClr val="lt1"/>
-          </a:fontRef>
-        </p:style>
-        <p:txBody>
-          <a:bodyPr rtlCol="0" anchor="ctr"/>
-          <a:lstStyle/>
-          <a:p>
-            <a:pPr algn="ctr"/>
-            <a:r>
-              <a:rPr lang="hu-HU" dirty="0">
-                <a:ln w="0"/>
-                <a:solidFill>
-                  <a:schemeClr val="tx1"/>
-                </a:solidFill>
-                <a:effectLst>
-                  <a:outerShdw blurRad="38100" dist="19050" dir="2700000" algn="tl" rotWithShape="0">
-                    <a:schemeClr val="dk1">
-                      <a:alpha val="40000"/>
-                    </a:schemeClr>
-                  </a:outerShdw>
-                </a:effectLst>
-              </a:rPr>
-              <a:t>5</a:t>
-            </a:r>
-          </a:p>
-        </p:txBody>
-      </p:sp>
-      <p:sp>
-        <p:nvSpPr>
-          <p:cNvPr id="14" name="Ellipszis 13">
-            <a:extLst>
-              <a:ext uri="{FF2B5EF4-FFF2-40B4-BE49-F238E27FC236}">
-                <a16:creationId xmlns:a16="http://schemas.microsoft.com/office/drawing/2014/main" id="{B48B6676-20B7-46D6-A45A-4F3DBD71A82C}"/>
-              </a:ext>
-            </a:extLst>
-          </p:cNvPr>
-          <p:cNvSpPr/>
-          <p:nvPr/>
-        </p:nvSpPr>
-        <p:spPr>
-          <a:xfrm>
-            <a:off x="6233573" y="5390048"/>
-            <a:ext cx="421894" cy="419553"/>
-          </a:xfrm>
-          <a:prstGeom prst="ellipse">
-            <a:avLst/>
-          </a:prstGeom>
-          <a:solidFill>
-            <a:schemeClr val="bg1"/>
-          </a:solidFill>
-        </p:spPr>
-        <p:style>
-          <a:lnRef idx="2">
-            <a:schemeClr val="accent1">
-              <a:shade val="50000"/>
-            </a:schemeClr>
-          </a:lnRef>
-          <a:fillRef idx="1">
-            <a:schemeClr val="accent1"/>
-          </a:fillRef>
-          <a:effectRef idx="0">
-            <a:schemeClr val="accent1"/>
-          </a:effectRef>
-          <a:fontRef idx="minor">
-            <a:schemeClr val="lt1"/>
-          </a:fontRef>
-        </p:style>
-        <p:txBody>
-          <a:bodyPr rtlCol="0" anchor="ctr"/>
-          <a:lstStyle/>
-          <a:p>
-            <a:pPr algn="ctr"/>
-            <a:r>
-              <a:rPr lang="hu-HU" dirty="0">
-                <a:ln w="0"/>
-                <a:solidFill>
-                  <a:schemeClr val="tx1"/>
-                </a:solidFill>
-                <a:effectLst>
-                  <a:outerShdw blurRad="38100" dist="19050" dir="2700000" algn="tl" rotWithShape="0">
-                    <a:schemeClr val="dk1">
-                      <a:alpha val="40000"/>
-                    </a:schemeClr>
-                  </a:outerShdw>
-                </a:effectLst>
-              </a:rPr>
-              <a:t>4</a:t>
-            </a:r>
-          </a:p>
-        </p:txBody>
-      </p:sp>
-      <p:sp>
-        <p:nvSpPr>
-          <p:cNvPr id="15" name="Ellipszis 14">
-            <a:extLst>
-              <a:ext uri="{FF2B5EF4-FFF2-40B4-BE49-F238E27FC236}">
-                <a16:creationId xmlns:a16="http://schemas.microsoft.com/office/drawing/2014/main" id="{FA424EC2-8238-47EA-9D50-3EE05A09DE91}"/>
-              </a:ext>
-            </a:extLst>
-          </p:cNvPr>
-          <p:cNvSpPr/>
-          <p:nvPr/>
-        </p:nvSpPr>
-        <p:spPr>
-          <a:xfrm>
-            <a:off x="7183211" y="4919067"/>
-            <a:ext cx="421894" cy="419553"/>
-          </a:xfrm>
-          <a:prstGeom prst="ellipse">
-            <a:avLst/>
-          </a:prstGeom>
-          <a:solidFill>
-            <a:schemeClr val="bg1"/>
-          </a:solidFill>
-        </p:spPr>
-        <p:style>
-          <a:lnRef idx="2">
-            <a:schemeClr val="accent1">
-              <a:shade val="50000"/>
-            </a:schemeClr>
-          </a:lnRef>
-          <a:fillRef idx="1">
-            <a:schemeClr val="accent1"/>
-          </a:fillRef>
-          <a:effectRef idx="0">
-            <a:schemeClr val="accent1"/>
-          </a:effectRef>
-          <a:fontRef idx="minor">
-            <a:schemeClr val="lt1"/>
-          </a:fontRef>
-        </p:style>
-        <p:txBody>
-          <a:bodyPr rtlCol="0" anchor="ctr"/>
-          <a:lstStyle/>
-          <a:p>
-            <a:pPr algn="ctr"/>
-            <a:r>
-              <a:rPr lang="hu-HU" dirty="0">
-                <a:ln w="0"/>
-                <a:solidFill>
-                  <a:schemeClr val="tx1"/>
-                </a:solidFill>
-                <a:effectLst>
-                  <a:outerShdw blurRad="38100" dist="19050" dir="2700000" algn="tl" rotWithShape="0">
-                    <a:schemeClr val="dk1">
-                      <a:alpha val="40000"/>
-                    </a:schemeClr>
-                  </a:outerShdw>
-                </a:effectLst>
-              </a:rPr>
-              <a:t>3</a:t>
-            </a:r>
-          </a:p>
-        </p:txBody>
-      </p:sp>
-      <p:sp>
-        <p:nvSpPr>
-          <p:cNvPr id="16" name="Ellipszis 15">
-            <a:extLst>
-              <a:ext uri="{FF2B5EF4-FFF2-40B4-BE49-F238E27FC236}">
-                <a16:creationId xmlns:a16="http://schemas.microsoft.com/office/drawing/2014/main" id="{81E2216F-0ED1-4F84-AB3B-561532161D03}"/>
-              </a:ext>
-            </a:extLst>
-          </p:cNvPr>
-          <p:cNvSpPr/>
-          <p:nvPr/>
-        </p:nvSpPr>
-        <p:spPr>
-          <a:xfrm>
-            <a:off x="7183211" y="3978061"/>
-            <a:ext cx="421894" cy="419553"/>
-          </a:xfrm>
-          <a:prstGeom prst="ellipse">
-            <a:avLst/>
-          </a:prstGeom>
-          <a:solidFill>
-            <a:schemeClr val="bg1"/>
-          </a:solidFill>
-        </p:spPr>
-        <p:style>
-          <a:lnRef idx="2">
-            <a:schemeClr val="accent1">
-              <a:shade val="50000"/>
-            </a:schemeClr>
-          </a:lnRef>
-          <a:fillRef idx="1">
-            <a:schemeClr val="accent1"/>
-          </a:fillRef>
-          <a:effectRef idx="0">
-            <a:schemeClr val="accent1"/>
-          </a:effectRef>
-          <a:fontRef idx="minor">
-            <a:schemeClr val="lt1"/>
-          </a:fontRef>
-        </p:style>
-        <p:txBody>
-          <a:bodyPr rtlCol="0" anchor="ctr"/>
-          <a:lstStyle/>
-          <a:p>
-            <a:pPr algn="ctr"/>
-            <a:r>
-              <a:rPr lang="hu-HU" dirty="0">
-                <a:ln w="0"/>
-                <a:solidFill>
-                  <a:schemeClr val="tx1"/>
-                </a:solidFill>
-                <a:effectLst>
-                  <a:outerShdw blurRad="38100" dist="19050" dir="2700000" algn="tl" rotWithShape="0">
-                    <a:schemeClr val="dk1">
-                      <a:alpha val="40000"/>
-                    </a:schemeClr>
-                  </a:outerShdw>
-                </a:effectLst>
-              </a:rPr>
-              <a:t>2</a:t>
-            </a:r>
-          </a:p>
-        </p:txBody>
-      </p:sp>
-      <p:sp>
-        <p:nvSpPr>
-          <p:cNvPr id="17" name="Ellipszis 16">
-            <a:extLst>
-              <a:ext uri="{FF2B5EF4-FFF2-40B4-BE49-F238E27FC236}">
-                <a16:creationId xmlns:a16="http://schemas.microsoft.com/office/drawing/2014/main" id="{C161DE59-D71F-46B3-81FA-96C238362529}"/>
-              </a:ext>
-            </a:extLst>
-          </p:cNvPr>
-          <p:cNvSpPr/>
-          <p:nvPr/>
-        </p:nvSpPr>
-        <p:spPr>
-          <a:xfrm>
-            <a:off x="5319698" y="4018537"/>
-            <a:ext cx="421894" cy="419553"/>
-          </a:xfrm>
-          <a:prstGeom prst="ellipse">
-            <a:avLst/>
-          </a:prstGeom>
-          <a:solidFill>
-            <a:schemeClr val="bg1"/>
-          </a:solidFill>
-        </p:spPr>
-        <p:style>
-          <a:lnRef idx="2">
-            <a:schemeClr val="accent1">
-              <a:shade val="50000"/>
-            </a:schemeClr>
-          </a:lnRef>
-          <a:fillRef idx="1">
-            <a:schemeClr val="accent1"/>
-          </a:fillRef>
-          <a:effectRef idx="0">
-            <a:schemeClr val="accent1"/>
-          </a:effectRef>
-          <a:fontRef idx="minor">
-            <a:schemeClr val="lt1"/>
-          </a:fontRef>
-        </p:style>
-        <p:txBody>
-          <a:bodyPr rtlCol="0" anchor="ctr"/>
-          <a:lstStyle/>
-          <a:p>
-            <a:pPr algn="ctr"/>
-            <a:r>
-              <a:rPr lang="hu-HU" dirty="0">
-                <a:ln w="0"/>
-                <a:solidFill>
-                  <a:schemeClr val="tx1"/>
-                </a:solidFill>
-                <a:effectLst>
-                  <a:outerShdw blurRad="38100" dist="19050" dir="2700000" algn="tl" rotWithShape="0">
-                    <a:schemeClr val="dk1">
-                      <a:alpha val="40000"/>
-                    </a:schemeClr>
-                  </a:outerShdw>
-                </a:effectLst>
-              </a:rPr>
-              <a:t>6</a:t>
-            </a:r>
-          </a:p>
-        </p:txBody>
-      </p:sp>
-      <p:cxnSp>
-        <p:nvCxnSpPr>
-          <p:cNvPr id="3" name="Egyenes összekötő nyíllal 2">
-            <a:extLst>
-              <a:ext uri="{FF2B5EF4-FFF2-40B4-BE49-F238E27FC236}">
-                <a16:creationId xmlns:a16="http://schemas.microsoft.com/office/drawing/2014/main" id="{3B7C2303-AD8B-47BD-B171-40E9D65AE941}"/>
-              </a:ext>
-            </a:extLst>
-          </p:cNvPr>
-          <p:cNvCxnSpPr>
-            <a:cxnSpLocks/>
-          </p:cNvCxnSpPr>
-          <p:nvPr/>
-        </p:nvCxnSpPr>
-        <p:spPr>
-          <a:xfrm>
-            <a:off x="6655467" y="3752738"/>
-            <a:ext cx="589529" cy="321258"/>
-          </a:xfrm>
-          <a:prstGeom prst="straightConnector1">
-            <a:avLst/>
-          </a:prstGeom>
-          <a:ln>
-            <a:tailEnd type="triangle"/>
-          </a:ln>
-        </p:spPr>
-        <p:style>
-          <a:lnRef idx="1">
-            <a:schemeClr val="accent1"/>
-          </a:lnRef>
-          <a:fillRef idx="0">
-            <a:schemeClr val="accent1"/>
-          </a:fillRef>
-          <a:effectRef idx="0">
-            <a:schemeClr val="accent1"/>
-          </a:effectRef>
-          <a:fontRef idx="minor">
-            <a:schemeClr val="tx1"/>
-          </a:fontRef>
-        </p:style>
-      </p:cxnSp>
-      <p:cxnSp>
-        <p:nvCxnSpPr>
-          <p:cNvPr id="18" name="Egyenes összekötő nyíllal 17">
-            <a:extLst>
-              <a:ext uri="{FF2B5EF4-FFF2-40B4-BE49-F238E27FC236}">
-                <a16:creationId xmlns:a16="http://schemas.microsoft.com/office/drawing/2014/main" id="{ACA86D39-A705-4ABD-9A10-4F6E59CD716A}"/>
-              </a:ext>
-            </a:extLst>
-          </p:cNvPr>
-          <p:cNvCxnSpPr>
-            <a:cxnSpLocks/>
-            <a:stCxn id="16" idx="4"/>
-            <a:endCxn id="15" idx="1"/>
-          </p:cNvCxnSpPr>
-          <p:nvPr/>
-        </p:nvCxnSpPr>
-        <p:spPr>
-          <a:xfrm flipH="1">
-            <a:off x="7244996" y="4397614"/>
-            <a:ext cx="149162" cy="582895"/>
-          </a:xfrm>
-          <a:prstGeom prst="straightConnector1">
-            <a:avLst/>
-          </a:prstGeom>
-          <a:ln>
-            <a:tailEnd type="triangle"/>
-          </a:ln>
-        </p:spPr>
-        <p:style>
-          <a:lnRef idx="1">
-            <a:schemeClr val="accent1"/>
-          </a:lnRef>
-          <a:fillRef idx="0">
-            <a:schemeClr val="accent1"/>
-          </a:fillRef>
-          <a:effectRef idx="0">
-            <a:schemeClr val="accent1"/>
-          </a:effectRef>
-          <a:fontRef idx="minor">
-            <a:schemeClr val="tx1"/>
-          </a:fontRef>
-        </p:style>
-      </p:cxnSp>
-      <p:cxnSp>
-        <p:nvCxnSpPr>
-          <p:cNvPr id="20" name="Egyenes összekötő nyíllal 19">
-            <a:extLst>
-              <a:ext uri="{FF2B5EF4-FFF2-40B4-BE49-F238E27FC236}">
-                <a16:creationId xmlns:a16="http://schemas.microsoft.com/office/drawing/2014/main" id="{C441581D-7A1E-40C2-82ED-3504F8FFFB94}"/>
-              </a:ext>
-            </a:extLst>
-          </p:cNvPr>
-          <p:cNvCxnSpPr>
-            <a:cxnSpLocks/>
-            <a:endCxn id="15" idx="7"/>
-          </p:cNvCxnSpPr>
-          <p:nvPr/>
-        </p:nvCxnSpPr>
-        <p:spPr>
-          <a:xfrm>
-            <a:off x="7470358" y="4397613"/>
-            <a:ext cx="72962" cy="582896"/>
-          </a:xfrm>
-          <a:prstGeom prst="straightConnector1">
-            <a:avLst/>
-          </a:prstGeom>
-          <a:ln>
-            <a:tailEnd type="triangle"/>
-          </a:ln>
-        </p:spPr>
-        <p:style>
-          <a:lnRef idx="1">
-            <a:schemeClr val="accent1"/>
-          </a:lnRef>
-          <a:fillRef idx="0">
-            <a:schemeClr val="accent1"/>
-          </a:fillRef>
-          <a:effectRef idx="0">
-            <a:schemeClr val="accent1"/>
-          </a:effectRef>
-          <a:fontRef idx="minor">
-            <a:schemeClr val="tx1"/>
-          </a:fontRef>
-        </p:style>
-      </p:cxnSp>
-      <p:cxnSp>
-        <p:nvCxnSpPr>
-          <p:cNvPr id="26" name="Egyenes összekötő nyíllal 25">
-            <a:extLst>
-              <a:ext uri="{FF2B5EF4-FFF2-40B4-BE49-F238E27FC236}">
-                <a16:creationId xmlns:a16="http://schemas.microsoft.com/office/drawing/2014/main" id="{7F461830-7B4A-45AE-AA34-6D457D2FD768}"/>
-              </a:ext>
-            </a:extLst>
-          </p:cNvPr>
-          <p:cNvCxnSpPr>
-            <a:cxnSpLocks/>
-            <a:stCxn id="15" idx="2"/>
-            <a:endCxn id="14" idx="0"/>
-          </p:cNvCxnSpPr>
-          <p:nvPr/>
-        </p:nvCxnSpPr>
-        <p:spPr>
-          <a:xfrm flipH="1">
-            <a:off x="6444520" y="5128844"/>
-            <a:ext cx="738691" cy="261204"/>
-          </a:xfrm>
-          <a:prstGeom prst="straightConnector1">
-            <a:avLst/>
-          </a:prstGeom>
-          <a:ln>
-            <a:tailEnd type="triangle"/>
-          </a:ln>
-        </p:spPr>
-        <p:style>
-          <a:lnRef idx="1">
-            <a:schemeClr val="accent1"/>
-          </a:lnRef>
-          <a:fillRef idx="0">
-            <a:schemeClr val="accent1"/>
-          </a:fillRef>
-          <a:effectRef idx="0">
-            <a:schemeClr val="accent1"/>
-          </a:effectRef>
-          <a:fontRef idx="minor">
-            <a:schemeClr val="tx1"/>
-          </a:fontRef>
-        </p:style>
-      </p:cxnSp>
-      <p:cxnSp>
-        <p:nvCxnSpPr>
-          <p:cNvPr id="27" name="Egyenes összekötő nyíllal 26">
-            <a:extLst>
-              <a:ext uri="{FF2B5EF4-FFF2-40B4-BE49-F238E27FC236}">
-                <a16:creationId xmlns:a16="http://schemas.microsoft.com/office/drawing/2014/main" id="{B24C8AE0-A535-45DE-9838-200151486815}"/>
-              </a:ext>
-            </a:extLst>
-          </p:cNvPr>
-          <p:cNvCxnSpPr>
-            <a:cxnSpLocks/>
-            <a:stCxn id="15" idx="3"/>
-            <a:endCxn id="14" idx="6"/>
-          </p:cNvCxnSpPr>
-          <p:nvPr/>
-        </p:nvCxnSpPr>
-        <p:spPr>
-          <a:xfrm flipH="1">
-            <a:off x="6655467" y="5277178"/>
-            <a:ext cx="589529" cy="322647"/>
-          </a:xfrm>
-          <a:prstGeom prst="straightConnector1">
-            <a:avLst/>
-          </a:prstGeom>
-          <a:ln>
-            <a:tailEnd type="triangle"/>
-          </a:ln>
-        </p:spPr>
-        <p:style>
-          <a:lnRef idx="1">
-            <a:schemeClr val="accent1"/>
-          </a:lnRef>
-          <a:fillRef idx="0">
-            <a:schemeClr val="accent1"/>
-          </a:fillRef>
-          <a:effectRef idx="0">
-            <a:schemeClr val="accent1"/>
-          </a:effectRef>
-          <a:fontRef idx="minor">
-            <a:schemeClr val="tx1"/>
-          </a:fontRef>
-        </p:style>
-      </p:cxnSp>
-      <p:cxnSp>
-        <p:nvCxnSpPr>
-          <p:cNvPr id="30" name="Egyenes összekötő nyíllal 29">
-            <a:extLst>
-              <a:ext uri="{FF2B5EF4-FFF2-40B4-BE49-F238E27FC236}">
-                <a16:creationId xmlns:a16="http://schemas.microsoft.com/office/drawing/2014/main" id="{188A565A-D93F-4766-A2C5-D018A14F3972}"/>
-              </a:ext>
-            </a:extLst>
-          </p:cNvPr>
-          <p:cNvCxnSpPr>
-            <a:cxnSpLocks/>
-            <a:stCxn id="15" idx="4"/>
-            <a:endCxn id="14" idx="5"/>
-          </p:cNvCxnSpPr>
-          <p:nvPr/>
-        </p:nvCxnSpPr>
-        <p:spPr>
-          <a:xfrm flipH="1">
-            <a:off x="6593682" y="5338620"/>
-            <a:ext cx="800476" cy="409539"/>
-          </a:xfrm>
-          <a:prstGeom prst="straightConnector1">
-            <a:avLst/>
-          </a:prstGeom>
-          <a:ln>
-            <a:tailEnd type="triangle"/>
-          </a:ln>
-        </p:spPr>
-        <p:style>
-          <a:lnRef idx="1">
-            <a:schemeClr val="accent1"/>
-          </a:lnRef>
-          <a:fillRef idx="0">
-            <a:schemeClr val="accent1"/>
-          </a:fillRef>
-          <a:effectRef idx="0">
-            <a:schemeClr val="accent1"/>
-          </a:effectRef>
-          <a:fontRef idx="minor">
-            <a:schemeClr val="tx1"/>
-          </a:fontRef>
-        </p:style>
-      </p:cxnSp>
-      <p:cxnSp>
-        <p:nvCxnSpPr>
-          <p:cNvPr id="34" name="Egyenes összekötő nyíllal 33">
-            <a:extLst>
-              <a:ext uri="{FF2B5EF4-FFF2-40B4-BE49-F238E27FC236}">
-                <a16:creationId xmlns:a16="http://schemas.microsoft.com/office/drawing/2014/main" id="{A952BD21-D17A-4CDB-AD2A-E14F9D7CECE3}"/>
-              </a:ext>
-            </a:extLst>
-          </p:cNvPr>
-          <p:cNvCxnSpPr>
-            <a:cxnSpLocks/>
-            <a:stCxn id="14" idx="2"/>
-            <a:endCxn id="17" idx="4"/>
-          </p:cNvCxnSpPr>
-          <p:nvPr/>
-        </p:nvCxnSpPr>
-        <p:spPr>
-          <a:xfrm flipH="1" flipV="1">
-            <a:off x="5530645" y="4438090"/>
-            <a:ext cx="702928" cy="1161735"/>
-          </a:xfrm>
-          <a:prstGeom prst="straightConnector1">
-            <a:avLst/>
-          </a:prstGeom>
-          <a:ln>
-            <a:tailEnd type="triangle"/>
-          </a:ln>
-        </p:spPr>
-        <p:style>
-          <a:lnRef idx="1">
-            <a:schemeClr val="accent1"/>
-          </a:lnRef>
-          <a:fillRef idx="0">
-            <a:schemeClr val="accent1"/>
-          </a:fillRef>
-          <a:effectRef idx="0">
-            <a:schemeClr val="accent1"/>
-          </a:effectRef>
-          <a:fontRef idx="minor">
-            <a:schemeClr val="tx1"/>
-          </a:fontRef>
-        </p:style>
-      </p:cxnSp>
-      <p:cxnSp>
-        <p:nvCxnSpPr>
-          <p:cNvPr id="36" name="Egyenes összekötő nyíllal 35">
-            <a:extLst>
-              <a:ext uri="{FF2B5EF4-FFF2-40B4-BE49-F238E27FC236}">
-                <a16:creationId xmlns:a16="http://schemas.microsoft.com/office/drawing/2014/main" id="{080C1544-812C-4E19-A8A1-5F24DEEF95F1}"/>
-              </a:ext>
-            </a:extLst>
-          </p:cNvPr>
-          <p:cNvCxnSpPr>
-            <a:cxnSpLocks/>
-            <a:stCxn id="14" idx="1"/>
-            <a:endCxn id="17" idx="5"/>
-          </p:cNvCxnSpPr>
-          <p:nvPr/>
-        </p:nvCxnSpPr>
-        <p:spPr>
-          <a:xfrm flipH="1" flipV="1">
-            <a:off x="5679807" y="4376648"/>
-            <a:ext cx="615551" cy="1074842"/>
-          </a:xfrm>
-          <a:prstGeom prst="straightConnector1">
-            <a:avLst/>
-          </a:prstGeom>
-          <a:ln>
-            <a:tailEnd type="triangle"/>
-          </a:ln>
-        </p:spPr>
-        <p:style>
-          <a:lnRef idx="1">
-            <a:schemeClr val="accent1"/>
-          </a:lnRef>
-          <a:fillRef idx="0">
-            <a:schemeClr val="accent1"/>
-          </a:fillRef>
-          <a:effectRef idx="0">
-            <a:schemeClr val="accent1"/>
-          </a:effectRef>
-          <a:fontRef idx="minor">
-            <a:schemeClr val="tx1"/>
-          </a:fontRef>
-        </p:style>
-      </p:cxnSp>
-      <p:cxnSp>
-        <p:nvCxnSpPr>
-          <p:cNvPr id="39" name="Egyenes összekötő nyíllal 38">
-            <a:extLst>
-              <a:ext uri="{FF2B5EF4-FFF2-40B4-BE49-F238E27FC236}">
-                <a16:creationId xmlns:a16="http://schemas.microsoft.com/office/drawing/2014/main" id="{E0725F5D-7BC2-45D0-8170-B3B10E781EDD}"/>
-              </a:ext>
-            </a:extLst>
-          </p:cNvPr>
-          <p:cNvCxnSpPr>
-            <a:cxnSpLocks/>
-            <a:stCxn id="14" idx="0"/>
-            <a:endCxn id="17" idx="6"/>
-          </p:cNvCxnSpPr>
-          <p:nvPr/>
-        </p:nvCxnSpPr>
-        <p:spPr>
-          <a:xfrm flipH="1" flipV="1">
-            <a:off x="5741592" y="4228314"/>
-            <a:ext cx="702928" cy="1161734"/>
-          </a:xfrm>
-          <a:prstGeom prst="straightConnector1">
-            <a:avLst/>
-          </a:prstGeom>
-          <a:ln>
-            <a:tailEnd type="triangle"/>
-          </a:ln>
-        </p:spPr>
-        <p:style>
-          <a:lnRef idx="1">
-            <a:schemeClr val="accent1"/>
-          </a:lnRef>
-          <a:fillRef idx="0">
-            <a:schemeClr val="accent1"/>
-          </a:fillRef>
-          <a:effectRef idx="0">
-            <a:schemeClr val="accent1"/>
-          </a:effectRef>
-          <a:fontRef idx="minor">
-            <a:schemeClr val="tx1"/>
-          </a:fontRef>
-        </p:style>
-      </p:cxnSp>
-      <p:sp>
-        <p:nvSpPr>
-          <p:cNvPr id="42" name="Ellipszis 41">
-            <a:extLst>
-              <a:ext uri="{FF2B5EF4-FFF2-40B4-BE49-F238E27FC236}">
-                <a16:creationId xmlns:a16="http://schemas.microsoft.com/office/drawing/2014/main" id="{258B66A8-BE5F-4E59-BC82-21E19ED93F1C}"/>
-              </a:ext>
-            </a:extLst>
-          </p:cNvPr>
-          <p:cNvSpPr/>
-          <p:nvPr/>
-        </p:nvSpPr>
-        <p:spPr>
-          <a:xfrm>
-            <a:off x="9277945" y="3417819"/>
-            <a:ext cx="421894" cy="390245"/>
-          </a:xfrm>
-          <a:prstGeom prst="ellipse">
-            <a:avLst/>
-          </a:prstGeom>
-          <a:solidFill>
-            <a:schemeClr val="bg1"/>
-          </a:solidFill>
-        </p:spPr>
-        <p:style>
-          <a:lnRef idx="2">
-            <a:schemeClr val="accent1">
-              <a:shade val="50000"/>
-            </a:schemeClr>
-          </a:lnRef>
-          <a:fillRef idx="1">
-            <a:schemeClr val="accent1"/>
-          </a:fillRef>
-          <a:effectRef idx="0">
-            <a:schemeClr val="accent1"/>
-          </a:effectRef>
-          <a:fontRef idx="minor">
-            <a:schemeClr val="lt1"/>
-          </a:fontRef>
-        </p:style>
-        <p:txBody>
-          <a:bodyPr rtlCol="0" anchor="ctr"/>
-          <a:lstStyle/>
-          <a:p>
-            <a:pPr algn="ctr"/>
-            <a:r>
-              <a:rPr lang="hu-HU" dirty="0">
-                <a:ln w="0"/>
-                <a:solidFill>
-                  <a:schemeClr val="tx1"/>
-                </a:solidFill>
-                <a:effectLst>
-                  <a:outerShdw blurRad="38100" dist="19050" dir="2700000" algn="tl" rotWithShape="0">
-                    <a:schemeClr val="dk1">
-                      <a:alpha val="40000"/>
-                    </a:schemeClr>
-                  </a:outerShdw>
-                </a:effectLst>
-              </a:rPr>
-              <a:t>1</a:t>
-            </a:r>
-          </a:p>
-        </p:txBody>
-      </p:sp>
-      <p:sp>
-        <p:nvSpPr>
-          <p:cNvPr id="43" name="Ellipszis 42">
-            <a:extLst>
-              <a:ext uri="{FF2B5EF4-FFF2-40B4-BE49-F238E27FC236}">
-                <a16:creationId xmlns:a16="http://schemas.microsoft.com/office/drawing/2014/main" id="{72DDDA77-9B5D-4A9B-A743-CFC15A30FD36}"/>
-              </a:ext>
-            </a:extLst>
-          </p:cNvPr>
-          <p:cNvSpPr/>
-          <p:nvPr/>
-        </p:nvSpPr>
-        <p:spPr>
-          <a:xfrm>
-            <a:off x="8364070" y="4813765"/>
-            <a:ext cx="421894" cy="419553"/>
-          </a:xfrm>
-          <a:prstGeom prst="ellipse">
-            <a:avLst/>
-          </a:prstGeom>
-          <a:solidFill>
-            <a:schemeClr val="bg1"/>
-          </a:solidFill>
-        </p:spPr>
-        <p:style>
-          <a:lnRef idx="2">
-            <a:schemeClr val="accent1">
-              <a:shade val="50000"/>
-            </a:schemeClr>
-          </a:lnRef>
-          <a:fillRef idx="1">
-            <a:schemeClr val="accent1"/>
-          </a:fillRef>
-          <a:effectRef idx="0">
-            <a:schemeClr val="accent1"/>
-          </a:effectRef>
-          <a:fontRef idx="minor">
-            <a:schemeClr val="lt1"/>
-          </a:fontRef>
-        </p:style>
-        <p:txBody>
-          <a:bodyPr rtlCol="0" anchor="ctr"/>
-          <a:lstStyle/>
-          <a:p>
-            <a:pPr algn="ctr"/>
-            <a:r>
-              <a:rPr lang="hu-HU" dirty="0">
-                <a:ln w="0"/>
-                <a:solidFill>
-                  <a:schemeClr val="tx1"/>
-                </a:solidFill>
-                <a:effectLst>
-                  <a:outerShdw blurRad="38100" dist="19050" dir="2700000" algn="tl" rotWithShape="0">
-                    <a:schemeClr val="dk1">
-                      <a:alpha val="40000"/>
-                    </a:schemeClr>
-                  </a:outerShdw>
-                </a:effectLst>
-              </a:rPr>
-              <a:t>5</a:t>
-            </a:r>
-          </a:p>
-        </p:txBody>
-      </p:sp>
-      <p:sp>
-        <p:nvSpPr>
-          <p:cNvPr id="44" name="Ellipszis 43">
-            <a:extLst>
-              <a:ext uri="{FF2B5EF4-FFF2-40B4-BE49-F238E27FC236}">
-                <a16:creationId xmlns:a16="http://schemas.microsoft.com/office/drawing/2014/main" id="{12CE47F8-D4E1-40C6-A1F2-12F83F5F1233}"/>
-              </a:ext>
-            </a:extLst>
-          </p:cNvPr>
-          <p:cNvSpPr/>
-          <p:nvPr/>
-        </p:nvSpPr>
-        <p:spPr>
-          <a:xfrm>
-            <a:off x="9277945" y="5284745"/>
-            <a:ext cx="421894" cy="419553"/>
-          </a:xfrm>
-          <a:prstGeom prst="ellipse">
-            <a:avLst/>
-          </a:prstGeom>
-          <a:solidFill>
-            <a:schemeClr val="bg1"/>
-          </a:solidFill>
-        </p:spPr>
-        <p:style>
-          <a:lnRef idx="2">
-            <a:schemeClr val="accent1">
-              <a:shade val="50000"/>
-            </a:schemeClr>
-          </a:lnRef>
-          <a:fillRef idx="1">
-            <a:schemeClr val="accent1"/>
-          </a:fillRef>
-          <a:effectRef idx="0">
-            <a:schemeClr val="accent1"/>
-          </a:effectRef>
-          <a:fontRef idx="minor">
-            <a:schemeClr val="lt1"/>
-          </a:fontRef>
-        </p:style>
-        <p:txBody>
-          <a:bodyPr rtlCol="0" anchor="ctr"/>
-          <a:lstStyle/>
-          <a:p>
-            <a:pPr algn="ctr"/>
-            <a:r>
-              <a:rPr lang="hu-HU" dirty="0">
-                <a:ln w="0"/>
-                <a:solidFill>
-                  <a:schemeClr val="tx1"/>
-                </a:solidFill>
-                <a:effectLst>
-                  <a:outerShdw blurRad="38100" dist="19050" dir="2700000" algn="tl" rotWithShape="0">
-                    <a:schemeClr val="dk1">
-                      <a:alpha val="40000"/>
-                    </a:schemeClr>
-                  </a:outerShdw>
-                </a:effectLst>
-              </a:rPr>
-              <a:t>4</a:t>
-            </a:r>
-          </a:p>
-        </p:txBody>
-      </p:sp>
-      <p:sp>
-        <p:nvSpPr>
-          <p:cNvPr id="45" name="Ellipszis 44">
-            <a:extLst>
-              <a:ext uri="{FF2B5EF4-FFF2-40B4-BE49-F238E27FC236}">
-                <a16:creationId xmlns:a16="http://schemas.microsoft.com/office/drawing/2014/main" id="{01087318-3370-4A1D-A4D0-1047838401E6}"/>
-              </a:ext>
-            </a:extLst>
-          </p:cNvPr>
-          <p:cNvSpPr/>
-          <p:nvPr/>
-        </p:nvSpPr>
-        <p:spPr>
-          <a:xfrm>
-            <a:off x="10227583" y="4813764"/>
-            <a:ext cx="421894" cy="419553"/>
-          </a:xfrm>
-          <a:prstGeom prst="ellipse">
-            <a:avLst/>
-          </a:prstGeom>
-          <a:solidFill>
-            <a:schemeClr val="bg1"/>
-          </a:solidFill>
-        </p:spPr>
-        <p:style>
-          <a:lnRef idx="2">
-            <a:schemeClr val="accent1">
-              <a:shade val="50000"/>
-            </a:schemeClr>
-          </a:lnRef>
-          <a:fillRef idx="1">
-            <a:schemeClr val="accent1"/>
-          </a:fillRef>
-          <a:effectRef idx="0">
-            <a:schemeClr val="accent1"/>
-          </a:effectRef>
-          <a:fontRef idx="minor">
-            <a:schemeClr val="lt1"/>
-          </a:fontRef>
-        </p:style>
-        <p:txBody>
-          <a:bodyPr rtlCol="0" anchor="ctr"/>
-          <a:lstStyle/>
-          <a:p>
-            <a:pPr algn="ctr"/>
-            <a:r>
-              <a:rPr lang="hu-HU" dirty="0">
-                <a:ln w="0"/>
-                <a:solidFill>
-                  <a:schemeClr val="tx1"/>
-                </a:solidFill>
-                <a:effectLst>
-                  <a:outerShdw blurRad="38100" dist="19050" dir="2700000" algn="tl" rotWithShape="0">
-                    <a:schemeClr val="dk1">
-                      <a:alpha val="40000"/>
-                    </a:schemeClr>
-                  </a:outerShdw>
-                </a:effectLst>
-              </a:rPr>
-              <a:t>3</a:t>
-            </a:r>
-          </a:p>
-        </p:txBody>
-      </p:sp>
-      <p:sp>
-        <p:nvSpPr>
-          <p:cNvPr id="46" name="Ellipszis 45">
-            <a:extLst>
-              <a:ext uri="{FF2B5EF4-FFF2-40B4-BE49-F238E27FC236}">
-                <a16:creationId xmlns:a16="http://schemas.microsoft.com/office/drawing/2014/main" id="{90E2A985-F844-4F26-AAFA-3EC781DDD25F}"/>
-              </a:ext>
-            </a:extLst>
-          </p:cNvPr>
-          <p:cNvSpPr/>
-          <p:nvPr/>
-        </p:nvSpPr>
-        <p:spPr>
-          <a:xfrm>
-            <a:off x="10227583" y="3872758"/>
-            <a:ext cx="421894" cy="419553"/>
-          </a:xfrm>
-          <a:prstGeom prst="ellipse">
-            <a:avLst/>
-          </a:prstGeom>
-          <a:solidFill>
-            <a:schemeClr val="bg1"/>
-          </a:solidFill>
-        </p:spPr>
-        <p:style>
-          <a:lnRef idx="2">
-            <a:schemeClr val="accent1">
-              <a:shade val="50000"/>
-            </a:schemeClr>
-          </a:lnRef>
-          <a:fillRef idx="1">
-            <a:schemeClr val="accent1"/>
-          </a:fillRef>
-          <a:effectRef idx="0">
-            <a:schemeClr val="accent1"/>
-          </a:effectRef>
-          <a:fontRef idx="minor">
-            <a:schemeClr val="lt1"/>
-          </a:fontRef>
-        </p:style>
-        <p:txBody>
-          <a:bodyPr rtlCol="0" anchor="ctr"/>
-          <a:lstStyle/>
-          <a:p>
-            <a:pPr algn="ctr"/>
-            <a:r>
-              <a:rPr lang="hu-HU" dirty="0">
-                <a:ln w="0"/>
-                <a:solidFill>
-                  <a:schemeClr val="tx1"/>
-                </a:solidFill>
-                <a:effectLst>
-                  <a:outerShdw blurRad="38100" dist="19050" dir="2700000" algn="tl" rotWithShape="0">
-                    <a:schemeClr val="dk1">
-                      <a:alpha val="40000"/>
-                    </a:schemeClr>
-                  </a:outerShdw>
-                </a:effectLst>
-              </a:rPr>
-              <a:t>2</a:t>
-            </a:r>
-          </a:p>
-        </p:txBody>
-      </p:sp>
-      <p:sp>
-        <p:nvSpPr>
-          <p:cNvPr id="47" name="Ellipszis 46">
-            <a:extLst>
-              <a:ext uri="{FF2B5EF4-FFF2-40B4-BE49-F238E27FC236}">
-                <a16:creationId xmlns:a16="http://schemas.microsoft.com/office/drawing/2014/main" id="{4679B146-15D8-4398-BAF6-7BCC410D7EE7}"/>
-              </a:ext>
-            </a:extLst>
-          </p:cNvPr>
-          <p:cNvSpPr/>
-          <p:nvPr/>
-        </p:nvSpPr>
-        <p:spPr>
-          <a:xfrm>
-            <a:off x="8364070" y="3913234"/>
-            <a:ext cx="421894" cy="419553"/>
-          </a:xfrm>
-          <a:prstGeom prst="ellipse">
-            <a:avLst/>
-          </a:prstGeom>
-          <a:solidFill>
-            <a:schemeClr val="bg1"/>
-          </a:solidFill>
-        </p:spPr>
-        <p:style>
-          <a:lnRef idx="2">
-            <a:schemeClr val="accent1">
-              <a:shade val="50000"/>
-            </a:schemeClr>
-          </a:lnRef>
-          <a:fillRef idx="1">
-            <a:schemeClr val="accent1"/>
-          </a:fillRef>
-          <a:effectRef idx="0">
-            <a:schemeClr val="accent1"/>
-          </a:effectRef>
-          <a:fontRef idx="minor">
-            <a:schemeClr val="lt1"/>
-          </a:fontRef>
-        </p:style>
-        <p:txBody>
-          <a:bodyPr rtlCol="0" anchor="ctr"/>
-          <a:lstStyle/>
-          <a:p>
-            <a:pPr algn="ctr"/>
-            <a:r>
-              <a:rPr lang="hu-HU" dirty="0">
-                <a:ln w="0"/>
-                <a:solidFill>
-                  <a:schemeClr val="tx1"/>
-                </a:solidFill>
-                <a:effectLst>
-                  <a:outerShdw blurRad="38100" dist="19050" dir="2700000" algn="tl" rotWithShape="0">
-                    <a:schemeClr val="dk1">
-                      <a:alpha val="40000"/>
-                    </a:schemeClr>
-                  </a:outerShdw>
-                </a:effectLst>
-              </a:rPr>
-              <a:t>6</a:t>
-            </a:r>
-          </a:p>
-        </p:txBody>
-      </p:sp>
-      <p:cxnSp>
-        <p:nvCxnSpPr>
-          <p:cNvPr id="48" name="Egyenes összekötő nyíllal 47">
-            <a:extLst>
-              <a:ext uri="{FF2B5EF4-FFF2-40B4-BE49-F238E27FC236}">
-                <a16:creationId xmlns:a16="http://schemas.microsoft.com/office/drawing/2014/main" id="{22D6AA96-3D7F-434C-B2A4-ABDC4BB92557}"/>
-              </a:ext>
-            </a:extLst>
-          </p:cNvPr>
-          <p:cNvCxnSpPr>
-            <a:cxnSpLocks/>
-          </p:cNvCxnSpPr>
-          <p:nvPr/>
-        </p:nvCxnSpPr>
-        <p:spPr>
-          <a:xfrm>
-            <a:off x="9699839" y="3647435"/>
-            <a:ext cx="589529" cy="321258"/>
-          </a:xfrm>
-          <a:prstGeom prst="straightConnector1">
-            <a:avLst/>
-          </a:prstGeom>
-          <a:ln>
-            <a:tailEnd type="triangle"/>
-          </a:ln>
-        </p:spPr>
-        <p:style>
-          <a:lnRef idx="1">
-            <a:schemeClr val="accent1"/>
-          </a:lnRef>
-          <a:fillRef idx="0">
-            <a:schemeClr val="accent1"/>
-          </a:fillRef>
-          <a:effectRef idx="0">
-            <a:schemeClr val="accent1"/>
-          </a:effectRef>
-          <a:fontRef idx="minor">
-            <a:schemeClr val="tx1"/>
-          </a:fontRef>
-        </p:style>
-      </p:cxnSp>
-      <p:cxnSp>
-        <p:nvCxnSpPr>
-          <p:cNvPr id="49" name="Egyenes összekötő nyíllal 48">
-            <a:extLst>
-              <a:ext uri="{FF2B5EF4-FFF2-40B4-BE49-F238E27FC236}">
-                <a16:creationId xmlns:a16="http://schemas.microsoft.com/office/drawing/2014/main" id="{A1FB7530-C2FA-43C2-A486-128570DA487A}"/>
-              </a:ext>
-            </a:extLst>
-          </p:cNvPr>
-          <p:cNvCxnSpPr>
-            <a:cxnSpLocks/>
-            <a:stCxn id="46" idx="4"/>
-            <a:endCxn id="45" idx="0"/>
-          </p:cNvCxnSpPr>
-          <p:nvPr/>
-        </p:nvCxnSpPr>
-        <p:spPr>
-          <a:xfrm>
-            <a:off x="10438530" y="4292311"/>
-            <a:ext cx="0" cy="521453"/>
-          </a:xfrm>
-          <a:prstGeom prst="straightConnector1">
-            <a:avLst/>
-          </a:prstGeom>
-          <a:ln>
-            <a:tailEnd type="triangle"/>
-          </a:ln>
-        </p:spPr>
-        <p:style>
-          <a:lnRef idx="1">
-            <a:schemeClr val="accent1"/>
-          </a:lnRef>
-          <a:fillRef idx="0">
-            <a:schemeClr val="accent1"/>
-          </a:fillRef>
-          <a:effectRef idx="0">
-            <a:schemeClr val="accent1"/>
-          </a:effectRef>
-          <a:fontRef idx="minor">
-            <a:schemeClr val="tx1"/>
-          </a:fontRef>
-        </p:style>
-      </p:cxnSp>
-      <p:cxnSp>
-        <p:nvCxnSpPr>
-          <p:cNvPr id="51" name="Egyenes összekötő nyíllal 50">
-            <a:extLst>
-              <a:ext uri="{FF2B5EF4-FFF2-40B4-BE49-F238E27FC236}">
-                <a16:creationId xmlns:a16="http://schemas.microsoft.com/office/drawing/2014/main" id="{B608C0F1-DBD2-4FD0-82C1-9755B05B32D1}"/>
-              </a:ext>
-            </a:extLst>
-          </p:cNvPr>
-          <p:cNvCxnSpPr>
-            <a:stCxn id="45" idx="2"/>
-            <a:endCxn id="44" idx="0"/>
-          </p:cNvCxnSpPr>
-          <p:nvPr/>
-        </p:nvCxnSpPr>
-        <p:spPr>
-          <a:xfrm flipH="1">
-            <a:off x="9488892" y="5023541"/>
-            <a:ext cx="738691" cy="261204"/>
-          </a:xfrm>
-          <a:prstGeom prst="straightConnector1">
-            <a:avLst/>
-          </a:prstGeom>
-          <a:ln>
-            <a:tailEnd type="triangle"/>
-          </a:ln>
-        </p:spPr>
-        <p:style>
-          <a:lnRef idx="1">
-            <a:schemeClr val="accent1"/>
-          </a:lnRef>
-          <a:fillRef idx="0">
-            <a:schemeClr val="accent1"/>
-          </a:fillRef>
-          <a:effectRef idx="0">
-            <a:schemeClr val="accent1"/>
-          </a:effectRef>
-          <a:fontRef idx="minor">
-            <a:schemeClr val="tx1"/>
-          </a:fontRef>
-        </p:style>
-      </p:cxnSp>
-      <p:cxnSp>
-        <p:nvCxnSpPr>
-          <p:cNvPr id="53" name="Egyenes összekötő nyíllal 52">
-            <a:extLst>
-              <a:ext uri="{FF2B5EF4-FFF2-40B4-BE49-F238E27FC236}">
-                <a16:creationId xmlns:a16="http://schemas.microsoft.com/office/drawing/2014/main" id="{3E1A2EF1-E822-48F7-9AA3-79E6DBB325A2}"/>
-              </a:ext>
-            </a:extLst>
-          </p:cNvPr>
-          <p:cNvCxnSpPr>
-            <a:cxnSpLocks/>
-            <a:stCxn id="45" idx="4"/>
-            <a:endCxn id="44" idx="6"/>
-          </p:cNvCxnSpPr>
-          <p:nvPr/>
-        </p:nvCxnSpPr>
-        <p:spPr>
-          <a:xfrm flipH="1">
-            <a:off x="9699839" y="5233317"/>
-            <a:ext cx="738691" cy="261205"/>
-          </a:xfrm>
-          <a:prstGeom prst="straightConnector1">
-            <a:avLst/>
-          </a:prstGeom>
-          <a:ln>
-            <a:tailEnd type="triangle"/>
-          </a:ln>
-        </p:spPr>
-        <p:style>
-          <a:lnRef idx="1">
-            <a:schemeClr val="accent1"/>
-          </a:lnRef>
-          <a:fillRef idx="0">
-            <a:schemeClr val="accent1"/>
-          </a:fillRef>
-          <a:effectRef idx="0">
-            <a:schemeClr val="accent1"/>
-          </a:effectRef>
-          <a:fontRef idx="minor">
-            <a:schemeClr val="tx1"/>
-          </a:fontRef>
-        </p:style>
-      </p:cxnSp>
-      <p:cxnSp>
-        <p:nvCxnSpPr>
-          <p:cNvPr id="54" name="Egyenes összekötő nyíllal 53">
-            <a:extLst>
-              <a:ext uri="{FF2B5EF4-FFF2-40B4-BE49-F238E27FC236}">
-                <a16:creationId xmlns:a16="http://schemas.microsoft.com/office/drawing/2014/main" id="{E68234D6-F355-44F6-8D3D-D3601E7E7AC2}"/>
-              </a:ext>
-            </a:extLst>
-          </p:cNvPr>
-          <p:cNvCxnSpPr>
-            <a:cxnSpLocks/>
-            <a:stCxn id="44" idx="2"/>
-          </p:cNvCxnSpPr>
-          <p:nvPr/>
-        </p:nvCxnSpPr>
-        <p:spPr>
-          <a:xfrm flipH="1" flipV="1">
-            <a:off x="8662611" y="4321426"/>
-            <a:ext cx="615334" cy="1173096"/>
-          </a:xfrm>
-          <a:prstGeom prst="straightConnector1">
-            <a:avLst/>
-          </a:prstGeom>
-          <a:ln>
-            <a:tailEnd type="triangle"/>
-          </a:ln>
-        </p:spPr>
-        <p:style>
-          <a:lnRef idx="1">
-            <a:schemeClr val="accent1"/>
-          </a:lnRef>
-          <a:fillRef idx="0">
-            <a:schemeClr val="accent1"/>
-          </a:fillRef>
-          <a:effectRef idx="0">
-            <a:schemeClr val="accent1"/>
-          </a:effectRef>
-          <a:fontRef idx="minor">
-            <a:schemeClr val="tx1"/>
-          </a:fontRef>
-        </p:style>
-      </p:cxnSp>
-      <p:cxnSp>
-        <p:nvCxnSpPr>
-          <p:cNvPr id="55" name="Egyenes összekötő nyíllal 54">
-            <a:extLst>
-              <a:ext uri="{FF2B5EF4-FFF2-40B4-BE49-F238E27FC236}">
-                <a16:creationId xmlns:a16="http://schemas.microsoft.com/office/drawing/2014/main" id="{E7A2E117-9F4E-4D19-81F4-0F75E99F34F7}"/>
-              </a:ext>
-            </a:extLst>
-          </p:cNvPr>
-          <p:cNvCxnSpPr>
-            <a:cxnSpLocks/>
-            <a:stCxn id="44" idx="1"/>
-          </p:cNvCxnSpPr>
-          <p:nvPr/>
-        </p:nvCxnSpPr>
-        <p:spPr>
-          <a:xfrm flipH="1" flipV="1">
-            <a:off x="8736366" y="4216257"/>
-            <a:ext cx="603364" cy="1129930"/>
-          </a:xfrm>
-          <a:prstGeom prst="straightConnector1">
-            <a:avLst/>
-          </a:prstGeom>
-          <a:ln>
-            <a:tailEnd type="triangle"/>
-          </a:ln>
-        </p:spPr>
-        <p:style>
-          <a:lnRef idx="1">
-            <a:schemeClr val="accent1"/>
-          </a:lnRef>
-          <a:fillRef idx="0">
-            <a:schemeClr val="accent1"/>
-          </a:fillRef>
-          <a:effectRef idx="0">
-            <a:schemeClr val="accent1"/>
-          </a:effectRef>
-          <a:fontRef idx="minor">
-            <a:schemeClr val="tx1"/>
-          </a:fontRef>
-        </p:style>
-      </p:cxnSp>
-      <p:cxnSp>
-        <p:nvCxnSpPr>
-          <p:cNvPr id="58" name="Egyenes összekötő nyíllal 57">
-            <a:extLst>
-              <a:ext uri="{FF2B5EF4-FFF2-40B4-BE49-F238E27FC236}">
-                <a16:creationId xmlns:a16="http://schemas.microsoft.com/office/drawing/2014/main" id="{BCD426FC-89F6-4AE6-9ADC-C5DAF6FEF7FB}"/>
-              </a:ext>
-            </a:extLst>
-          </p:cNvPr>
-          <p:cNvCxnSpPr>
-            <a:stCxn id="46" idx="2"/>
-            <a:endCxn id="43" idx="6"/>
-          </p:cNvCxnSpPr>
-          <p:nvPr/>
-        </p:nvCxnSpPr>
-        <p:spPr>
-          <a:xfrm flipH="1">
-            <a:off x="8785964" y="4082535"/>
-            <a:ext cx="1441619" cy="941007"/>
-          </a:xfrm>
-          <a:prstGeom prst="straightConnector1">
-            <a:avLst/>
-          </a:prstGeom>
-          <a:ln>
-            <a:tailEnd type="triangle"/>
-          </a:ln>
-        </p:spPr>
-        <p:style>
-          <a:lnRef idx="1">
-            <a:schemeClr val="accent1"/>
-          </a:lnRef>
-          <a:fillRef idx="0">
-            <a:schemeClr val="accent1"/>
-          </a:fillRef>
-          <a:effectRef idx="0">
-            <a:schemeClr val="accent1"/>
-          </a:effectRef>
-          <a:fontRef idx="minor">
-            <a:schemeClr val="tx1"/>
-          </a:fontRef>
-        </p:style>
-      </p:cxnSp>
-      <p:cxnSp>
-        <p:nvCxnSpPr>
-          <p:cNvPr id="60" name="Egyenes összekötő nyíllal 59">
-            <a:extLst>
-              <a:ext uri="{FF2B5EF4-FFF2-40B4-BE49-F238E27FC236}">
-                <a16:creationId xmlns:a16="http://schemas.microsoft.com/office/drawing/2014/main" id="{01DF418F-F661-4FED-BD46-754260453194}"/>
-              </a:ext>
-            </a:extLst>
-          </p:cNvPr>
-          <p:cNvCxnSpPr>
-            <a:stCxn id="43" idx="0"/>
-            <a:endCxn id="47" idx="4"/>
-          </p:cNvCxnSpPr>
-          <p:nvPr/>
-        </p:nvCxnSpPr>
-        <p:spPr>
-          <a:xfrm flipV="1">
-            <a:off x="8575017" y="4332787"/>
-            <a:ext cx="0" cy="480978"/>
-          </a:xfrm>
-          <a:prstGeom prst="straightConnector1">
-            <a:avLst/>
-          </a:prstGeom>
-          <a:ln>
-            <a:tailEnd type="triangle"/>
-          </a:ln>
-        </p:spPr>
-        <p:style>
-          <a:lnRef idx="1">
-            <a:schemeClr val="accent1"/>
-          </a:lnRef>
-          <a:fillRef idx="0">
-            <a:schemeClr val="accent1"/>
-          </a:fillRef>
-          <a:effectRef idx="0">
-            <a:schemeClr val="accent1"/>
-          </a:effectRef>
-          <a:fontRef idx="minor">
-            <a:schemeClr val="tx1"/>
-          </a:fontRef>
-        </p:style>
-      </p:cxnSp>
+        </p:grpSpPr>
+        <p:sp>
+          <p:nvSpPr>
+            <p:cNvPr id="29" name="Ellipszis 28">
+              <a:extLst>
+                <a:ext uri="{FF2B5EF4-FFF2-40B4-BE49-F238E27FC236}">
+                  <a16:creationId xmlns:a16="http://schemas.microsoft.com/office/drawing/2014/main" id="{A769AAB5-22A9-470D-BF74-7BBC3C989B71}"/>
+                </a:ext>
+              </a:extLst>
+            </p:cNvPr>
+            <p:cNvSpPr/>
+            <p:nvPr/>
+          </p:nvSpPr>
+          <p:spPr>
+            <a:xfrm>
+              <a:off x="9277945" y="3417819"/>
+              <a:ext cx="421894" cy="390245"/>
+            </a:xfrm>
+            <a:prstGeom prst="ellipse">
+              <a:avLst/>
+            </a:prstGeom>
+            <a:solidFill>
+              <a:schemeClr val="bg1"/>
+            </a:solidFill>
+          </p:spPr>
+          <p:style>
+            <a:lnRef idx="2">
+              <a:schemeClr val="accent1">
+                <a:shade val="50000"/>
+              </a:schemeClr>
+            </a:lnRef>
+            <a:fillRef idx="1">
+              <a:schemeClr val="accent1"/>
+            </a:fillRef>
+            <a:effectRef idx="0">
+              <a:schemeClr val="accent1"/>
+            </a:effectRef>
+            <a:fontRef idx="minor">
+              <a:schemeClr val="lt1"/>
+            </a:fontRef>
+          </p:style>
+          <p:txBody>
+            <a:bodyPr rtlCol="0" anchor="ctr"/>
+            <a:lstStyle/>
+            <a:p>
+              <a:pPr algn="ctr"/>
+              <a:r>
+                <a:rPr lang="hu-HU" dirty="0">
+                  <a:ln w="0"/>
+                  <a:solidFill>
+                    <a:schemeClr val="tx1"/>
+                  </a:solidFill>
+                  <a:effectLst>
+                    <a:outerShdw blurRad="38100" dist="19050" dir="2700000" algn="tl" rotWithShape="0">
+                      <a:schemeClr val="dk1">
+                        <a:alpha val="40000"/>
+                      </a:schemeClr>
+                    </a:outerShdw>
+                  </a:effectLst>
+                </a:rPr>
+                <a:t>1</a:t>
+              </a:r>
+            </a:p>
+          </p:txBody>
+        </p:sp>
+        <p:sp>
+          <p:nvSpPr>
+            <p:cNvPr id="30" name="Ellipszis 29">
+              <a:extLst>
+                <a:ext uri="{FF2B5EF4-FFF2-40B4-BE49-F238E27FC236}">
+                  <a16:creationId xmlns:a16="http://schemas.microsoft.com/office/drawing/2014/main" id="{A7BD4BD6-2B96-4F63-91D7-72B03BFEEAD7}"/>
+                </a:ext>
+              </a:extLst>
+            </p:cNvPr>
+            <p:cNvSpPr/>
+            <p:nvPr/>
+          </p:nvSpPr>
+          <p:spPr>
+            <a:xfrm>
+              <a:off x="8364070" y="4813765"/>
+              <a:ext cx="421894" cy="419553"/>
+            </a:xfrm>
+            <a:prstGeom prst="ellipse">
+              <a:avLst/>
+            </a:prstGeom>
+            <a:solidFill>
+              <a:schemeClr val="bg1"/>
+            </a:solidFill>
+          </p:spPr>
+          <p:style>
+            <a:lnRef idx="2">
+              <a:schemeClr val="accent1">
+                <a:shade val="50000"/>
+              </a:schemeClr>
+            </a:lnRef>
+            <a:fillRef idx="1">
+              <a:schemeClr val="accent1"/>
+            </a:fillRef>
+            <a:effectRef idx="0">
+              <a:schemeClr val="accent1"/>
+            </a:effectRef>
+            <a:fontRef idx="minor">
+              <a:schemeClr val="lt1"/>
+            </a:fontRef>
+          </p:style>
+          <p:txBody>
+            <a:bodyPr rtlCol="0" anchor="ctr"/>
+            <a:lstStyle/>
+            <a:p>
+              <a:pPr algn="ctr"/>
+              <a:r>
+                <a:rPr lang="hu-HU" dirty="0">
+                  <a:ln w="0"/>
+                  <a:solidFill>
+                    <a:schemeClr val="tx1"/>
+                  </a:solidFill>
+                  <a:effectLst>
+                    <a:outerShdw blurRad="38100" dist="19050" dir="2700000" algn="tl" rotWithShape="0">
+                      <a:schemeClr val="dk1">
+                        <a:alpha val="40000"/>
+                      </a:schemeClr>
+                    </a:outerShdw>
+                  </a:effectLst>
+                </a:rPr>
+                <a:t>5</a:t>
+              </a:r>
+            </a:p>
+          </p:txBody>
+        </p:sp>
+        <p:sp>
+          <p:nvSpPr>
+            <p:cNvPr id="31" name="Ellipszis 30">
+              <a:extLst>
+                <a:ext uri="{FF2B5EF4-FFF2-40B4-BE49-F238E27FC236}">
+                  <a16:creationId xmlns:a16="http://schemas.microsoft.com/office/drawing/2014/main" id="{B911316B-7C89-48A8-9BA9-1E9A5018ECC9}"/>
+                </a:ext>
+              </a:extLst>
+            </p:cNvPr>
+            <p:cNvSpPr/>
+            <p:nvPr/>
+          </p:nvSpPr>
+          <p:spPr>
+            <a:xfrm>
+              <a:off x="9277945" y="5284745"/>
+              <a:ext cx="421894" cy="419553"/>
+            </a:xfrm>
+            <a:prstGeom prst="ellipse">
+              <a:avLst/>
+            </a:prstGeom>
+            <a:solidFill>
+              <a:schemeClr val="bg1"/>
+            </a:solidFill>
+          </p:spPr>
+          <p:style>
+            <a:lnRef idx="2">
+              <a:schemeClr val="accent1">
+                <a:shade val="50000"/>
+              </a:schemeClr>
+            </a:lnRef>
+            <a:fillRef idx="1">
+              <a:schemeClr val="accent1"/>
+            </a:fillRef>
+            <a:effectRef idx="0">
+              <a:schemeClr val="accent1"/>
+            </a:effectRef>
+            <a:fontRef idx="minor">
+              <a:schemeClr val="lt1"/>
+            </a:fontRef>
+          </p:style>
+          <p:txBody>
+            <a:bodyPr rtlCol="0" anchor="ctr"/>
+            <a:lstStyle/>
+            <a:p>
+              <a:pPr algn="ctr"/>
+              <a:r>
+                <a:rPr lang="hu-HU" dirty="0">
+                  <a:ln w="0"/>
+                  <a:solidFill>
+                    <a:schemeClr val="tx1"/>
+                  </a:solidFill>
+                  <a:effectLst>
+                    <a:outerShdw blurRad="38100" dist="19050" dir="2700000" algn="tl" rotWithShape="0">
+                      <a:schemeClr val="dk1">
+                        <a:alpha val="40000"/>
+                      </a:schemeClr>
+                    </a:outerShdw>
+                  </a:effectLst>
+                </a:rPr>
+                <a:t>4</a:t>
+              </a:r>
+            </a:p>
+          </p:txBody>
+        </p:sp>
+        <p:sp>
+          <p:nvSpPr>
+            <p:cNvPr id="32" name="Ellipszis 31">
+              <a:extLst>
+                <a:ext uri="{FF2B5EF4-FFF2-40B4-BE49-F238E27FC236}">
+                  <a16:creationId xmlns:a16="http://schemas.microsoft.com/office/drawing/2014/main" id="{CFBA901B-78E4-4765-B0E3-FBA35B1587F5}"/>
+                </a:ext>
+              </a:extLst>
+            </p:cNvPr>
+            <p:cNvSpPr/>
+            <p:nvPr/>
+          </p:nvSpPr>
+          <p:spPr>
+            <a:xfrm>
+              <a:off x="10227583" y="4813764"/>
+              <a:ext cx="421894" cy="419553"/>
+            </a:xfrm>
+            <a:prstGeom prst="ellipse">
+              <a:avLst/>
+            </a:prstGeom>
+            <a:solidFill>
+              <a:schemeClr val="bg1"/>
+            </a:solidFill>
+          </p:spPr>
+          <p:style>
+            <a:lnRef idx="2">
+              <a:schemeClr val="accent1">
+                <a:shade val="50000"/>
+              </a:schemeClr>
+            </a:lnRef>
+            <a:fillRef idx="1">
+              <a:schemeClr val="accent1"/>
+            </a:fillRef>
+            <a:effectRef idx="0">
+              <a:schemeClr val="accent1"/>
+            </a:effectRef>
+            <a:fontRef idx="minor">
+              <a:schemeClr val="lt1"/>
+            </a:fontRef>
+          </p:style>
+          <p:txBody>
+            <a:bodyPr rtlCol="0" anchor="ctr"/>
+            <a:lstStyle/>
+            <a:p>
+              <a:pPr algn="ctr"/>
+              <a:r>
+                <a:rPr lang="hu-HU" dirty="0">
+                  <a:ln w="0"/>
+                  <a:solidFill>
+                    <a:schemeClr val="tx1"/>
+                  </a:solidFill>
+                  <a:effectLst>
+                    <a:outerShdw blurRad="38100" dist="19050" dir="2700000" algn="tl" rotWithShape="0">
+                      <a:schemeClr val="dk1">
+                        <a:alpha val="40000"/>
+                      </a:schemeClr>
+                    </a:outerShdw>
+                  </a:effectLst>
+                </a:rPr>
+                <a:t>3</a:t>
+              </a:r>
+            </a:p>
+          </p:txBody>
+        </p:sp>
+        <p:sp>
+          <p:nvSpPr>
+            <p:cNvPr id="33" name="Ellipszis 32">
+              <a:extLst>
+                <a:ext uri="{FF2B5EF4-FFF2-40B4-BE49-F238E27FC236}">
+                  <a16:creationId xmlns:a16="http://schemas.microsoft.com/office/drawing/2014/main" id="{27CAFEAE-8247-4EE6-A883-39C625A158A6}"/>
+                </a:ext>
+              </a:extLst>
+            </p:cNvPr>
+            <p:cNvSpPr/>
+            <p:nvPr/>
+          </p:nvSpPr>
+          <p:spPr>
+            <a:xfrm>
+              <a:off x="10227583" y="3872758"/>
+              <a:ext cx="421894" cy="419553"/>
+            </a:xfrm>
+            <a:prstGeom prst="ellipse">
+              <a:avLst/>
+            </a:prstGeom>
+            <a:solidFill>
+              <a:schemeClr val="bg1"/>
+            </a:solidFill>
+          </p:spPr>
+          <p:style>
+            <a:lnRef idx="2">
+              <a:schemeClr val="accent1">
+                <a:shade val="50000"/>
+              </a:schemeClr>
+            </a:lnRef>
+            <a:fillRef idx="1">
+              <a:schemeClr val="accent1"/>
+            </a:fillRef>
+            <a:effectRef idx="0">
+              <a:schemeClr val="accent1"/>
+            </a:effectRef>
+            <a:fontRef idx="minor">
+              <a:schemeClr val="lt1"/>
+            </a:fontRef>
+          </p:style>
+          <p:txBody>
+            <a:bodyPr rtlCol="0" anchor="ctr"/>
+            <a:lstStyle/>
+            <a:p>
+              <a:pPr algn="ctr"/>
+              <a:r>
+                <a:rPr lang="hu-HU" dirty="0">
+                  <a:ln w="0"/>
+                  <a:solidFill>
+                    <a:schemeClr val="tx1"/>
+                  </a:solidFill>
+                  <a:effectLst>
+                    <a:outerShdw blurRad="38100" dist="19050" dir="2700000" algn="tl" rotWithShape="0">
+                      <a:schemeClr val="dk1">
+                        <a:alpha val="40000"/>
+                      </a:schemeClr>
+                    </a:outerShdw>
+                  </a:effectLst>
+                </a:rPr>
+                <a:t>2</a:t>
+              </a:r>
+            </a:p>
+          </p:txBody>
+        </p:sp>
+        <p:sp>
+          <p:nvSpPr>
+            <p:cNvPr id="34" name="Ellipszis 33">
+              <a:extLst>
+                <a:ext uri="{FF2B5EF4-FFF2-40B4-BE49-F238E27FC236}">
+                  <a16:creationId xmlns:a16="http://schemas.microsoft.com/office/drawing/2014/main" id="{702FA7A6-F5C2-41D9-A5E2-C174482C0036}"/>
+                </a:ext>
+              </a:extLst>
+            </p:cNvPr>
+            <p:cNvSpPr/>
+            <p:nvPr/>
+          </p:nvSpPr>
+          <p:spPr>
+            <a:xfrm>
+              <a:off x="8364070" y="3913234"/>
+              <a:ext cx="421894" cy="419553"/>
+            </a:xfrm>
+            <a:prstGeom prst="ellipse">
+              <a:avLst/>
+            </a:prstGeom>
+            <a:solidFill>
+              <a:schemeClr val="bg1"/>
+            </a:solidFill>
+          </p:spPr>
+          <p:style>
+            <a:lnRef idx="2">
+              <a:schemeClr val="accent1">
+                <a:shade val="50000"/>
+              </a:schemeClr>
+            </a:lnRef>
+            <a:fillRef idx="1">
+              <a:schemeClr val="accent1"/>
+            </a:fillRef>
+            <a:effectRef idx="0">
+              <a:schemeClr val="accent1"/>
+            </a:effectRef>
+            <a:fontRef idx="minor">
+              <a:schemeClr val="lt1"/>
+            </a:fontRef>
+          </p:style>
+          <p:txBody>
+            <a:bodyPr rtlCol="0" anchor="ctr"/>
+            <a:lstStyle/>
+            <a:p>
+              <a:pPr algn="ctr"/>
+              <a:r>
+                <a:rPr lang="hu-HU" dirty="0">
+                  <a:ln w="0"/>
+                  <a:solidFill>
+                    <a:schemeClr val="tx1"/>
+                  </a:solidFill>
+                  <a:effectLst>
+                    <a:outerShdw blurRad="38100" dist="19050" dir="2700000" algn="tl" rotWithShape="0">
+                      <a:schemeClr val="dk1">
+                        <a:alpha val="40000"/>
+                      </a:schemeClr>
+                    </a:outerShdw>
+                  </a:effectLst>
+                </a:rPr>
+                <a:t>6</a:t>
+              </a:r>
+            </a:p>
+          </p:txBody>
+        </p:sp>
+        <p:cxnSp>
+          <p:nvCxnSpPr>
+            <p:cNvPr id="35" name="Egyenes összekötő nyíllal 34">
+              <a:extLst>
+                <a:ext uri="{FF2B5EF4-FFF2-40B4-BE49-F238E27FC236}">
+                  <a16:creationId xmlns:a16="http://schemas.microsoft.com/office/drawing/2014/main" id="{F8A22F9B-7661-41BC-A4D3-5B06244CCF1A}"/>
+                </a:ext>
+              </a:extLst>
+            </p:cNvPr>
+            <p:cNvCxnSpPr>
+              <a:cxnSpLocks/>
+            </p:cNvCxnSpPr>
+            <p:nvPr/>
+          </p:nvCxnSpPr>
+          <p:spPr>
+            <a:xfrm>
+              <a:off x="9699839" y="3647435"/>
+              <a:ext cx="589529" cy="321258"/>
+            </a:xfrm>
+            <a:prstGeom prst="straightConnector1">
+              <a:avLst/>
+            </a:prstGeom>
+            <a:ln>
+              <a:tailEnd type="triangle"/>
+            </a:ln>
+          </p:spPr>
+          <p:style>
+            <a:lnRef idx="1">
+              <a:schemeClr val="accent1"/>
+            </a:lnRef>
+            <a:fillRef idx="0">
+              <a:schemeClr val="accent1"/>
+            </a:fillRef>
+            <a:effectRef idx="0">
+              <a:schemeClr val="accent1"/>
+            </a:effectRef>
+            <a:fontRef idx="minor">
+              <a:schemeClr val="tx1"/>
+            </a:fontRef>
+          </p:style>
+        </p:cxnSp>
+        <p:cxnSp>
+          <p:nvCxnSpPr>
+            <p:cNvPr id="36" name="Egyenes összekötő nyíllal 35">
+              <a:extLst>
+                <a:ext uri="{FF2B5EF4-FFF2-40B4-BE49-F238E27FC236}">
+                  <a16:creationId xmlns:a16="http://schemas.microsoft.com/office/drawing/2014/main" id="{E3735CC9-821F-4184-8B0F-5818F8CF13A0}"/>
+                </a:ext>
+              </a:extLst>
+            </p:cNvPr>
+            <p:cNvCxnSpPr>
+              <a:cxnSpLocks/>
+              <a:stCxn id="33" idx="4"/>
+              <a:endCxn id="32" idx="0"/>
+            </p:cNvCxnSpPr>
+            <p:nvPr/>
+          </p:nvCxnSpPr>
+          <p:spPr>
+            <a:xfrm>
+              <a:off x="10438530" y="4292311"/>
+              <a:ext cx="0" cy="521453"/>
+            </a:xfrm>
+            <a:prstGeom prst="straightConnector1">
+              <a:avLst/>
+            </a:prstGeom>
+            <a:ln>
+              <a:tailEnd type="triangle"/>
+            </a:ln>
+          </p:spPr>
+          <p:style>
+            <a:lnRef idx="1">
+              <a:schemeClr val="accent1"/>
+            </a:lnRef>
+            <a:fillRef idx="0">
+              <a:schemeClr val="accent1"/>
+            </a:fillRef>
+            <a:effectRef idx="0">
+              <a:schemeClr val="accent1"/>
+            </a:effectRef>
+            <a:fontRef idx="minor">
+              <a:schemeClr val="tx1"/>
+            </a:fontRef>
+          </p:style>
+        </p:cxnSp>
+        <p:cxnSp>
+          <p:nvCxnSpPr>
+            <p:cNvPr id="37" name="Egyenes összekötő nyíllal 36">
+              <a:extLst>
+                <a:ext uri="{FF2B5EF4-FFF2-40B4-BE49-F238E27FC236}">
+                  <a16:creationId xmlns:a16="http://schemas.microsoft.com/office/drawing/2014/main" id="{5E85C180-156F-49DE-AF56-2E97FB42CDD6}"/>
+                </a:ext>
+              </a:extLst>
+            </p:cNvPr>
+            <p:cNvCxnSpPr>
+              <a:stCxn id="32" idx="2"/>
+              <a:endCxn id="31" idx="0"/>
+            </p:cNvCxnSpPr>
+            <p:nvPr/>
+          </p:nvCxnSpPr>
+          <p:spPr>
+            <a:xfrm flipH="1">
+              <a:off x="9488892" y="5023541"/>
+              <a:ext cx="738691" cy="261204"/>
+            </a:xfrm>
+            <a:prstGeom prst="straightConnector1">
+              <a:avLst/>
+            </a:prstGeom>
+            <a:ln>
+              <a:tailEnd type="triangle"/>
+            </a:ln>
+          </p:spPr>
+          <p:style>
+            <a:lnRef idx="1">
+              <a:schemeClr val="accent1"/>
+            </a:lnRef>
+            <a:fillRef idx="0">
+              <a:schemeClr val="accent1"/>
+            </a:fillRef>
+            <a:effectRef idx="0">
+              <a:schemeClr val="accent1"/>
+            </a:effectRef>
+            <a:fontRef idx="minor">
+              <a:schemeClr val="tx1"/>
+            </a:fontRef>
+          </p:style>
+        </p:cxnSp>
+        <p:cxnSp>
+          <p:nvCxnSpPr>
+            <p:cNvPr id="38" name="Egyenes összekötő nyíllal 37">
+              <a:extLst>
+                <a:ext uri="{FF2B5EF4-FFF2-40B4-BE49-F238E27FC236}">
+                  <a16:creationId xmlns:a16="http://schemas.microsoft.com/office/drawing/2014/main" id="{090388B8-FBDD-404E-ABAA-86052C387EA2}"/>
+                </a:ext>
+              </a:extLst>
+            </p:cNvPr>
+            <p:cNvCxnSpPr>
+              <a:cxnSpLocks/>
+              <a:stCxn id="32" idx="4"/>
+              <a:endCxn id="31" idx="6"/>
+            </p:cNvCxnSpPr>
+            <p:nvPr/>
+          </p:nvCxnSpPr>
+          <p:spPr>
+            <a:xfrm flipH="1">
+              <a:off x="9699839" y="5233317"/>
+              <a:ext cx="738691" cy="261205"/>
+            </a:xfrm>
+            <a:prstGeom prst="straightConnector1">
+              <a:avLst/>
+            </a:prstGeom>
+            <a:ln>
+              <a:tailEnd type="triangle"/>
+            </a:ln>
+          </p:spPr>
+          <p:style>
+            <a:lnRef idx="1">
+              <a:schemeClr val="accent1"/>
+            </a:lnRef>
+            <a:fillRef idx="0">
+              <a:schemeClr val="accent1"/>
+            </a:fillRef>
+            <a:effectRef idx="0">
+              <a:schemeClr val="accent1"/>
+            </a:effectRef>
+            <a:fontRef idx="minor">
+              <a:schemeClr val="tx1"/>
+            </a:fontRef>
+          </p:style>
+        </p:cxnSp>
+        <p:cxnSp>
+          <p:nvCxnSpPr>
+            <p:cNvPr id="39" name="Egyenes összekötő nyíllal 38">
+              <a:extLst>
+                <a:ext uri="{FF2B5EF4-FFF2-40B4-BE49-F238E27FC236}">
+                  <a16:creationId xmlns:a16="http://schemas.microsoft.com/office/drawing/2014/main" id="{801366F2-FD4E-4AA2-8E6E-44FB951C62F7}"/>
+                </a:ext>
+              </a:extLst>
+            </p:cNvPr>
+            <p:cNvCxnSpPr>
+              <a:cxnSpLocks/>
+              <a:stCxn id="31" idx="2"/>
+            </p:cNvCxnSpPr>
+            <p:nvPr/>
+          </p:nvCxnSpPr>
+          <p:spPr>
+            <a:xfrm flipH="1" flipV="1">
+              <a:off x="8662611" y="4321426"/>
+              <a:ext cx="615334" cy="1173096"/>
+            </a:xfrm>
+            <a:prstGeom prst="straightConnector1">
+              <a:avLst/>
+            </a:prstGeom>
+            <a:ln>
+              <a:tailEnd type="triangle"/>
+            </a:ln>
+          </p:spPr>
+          <p:style>
+            <a:lnRef idx="1">
+              <a:schemeClr val="accent1"/>
+            </a:lnRef>
+            <a:fillRef idx="0">
+              <a:schemeClr val="accent1"/>
+            </a:fillRef>
+            <a:effectRef idx="0">
+              <a:schemeClr val="accent1"/>
+            </a:effectRef>
+            <a:fontRef idx="minor">
+              <a:schemeClr val="tx1"/>
+            </a:fontRef>
+          </p:style>
+        </p:cxnSp>
+        <p:cxnSp>
+          <p:nvCxnSpPr>
+            <p:cNvPr id="40" name="Egyenes összekötő nyíllal 39">
+              <a:extLst>
+                <a:ext uri="{FF2B5EF4-FFF2-40B4-BE49-F238E27FC236}">
+                  <a16:creationId xmlns:a16="http://schemas.microsoft.com/office/drawing/2014/main" id="{390C78A4-AC81-4CAA-8F3F-A35725258808}"/>
+                </a:ext>
+              </a:extLst>
+            </p:cNvPr>
+            <p:cNvCxnSpPr>
+              <a:cxnSpLocks/>
+              <a:stCxn id="31" idx="1"/>
+            </p:cNvCxnSpPr>
+            <p:nvPr/>
+          </p:nvCxnSpPr>
+          <p:spPr>
+            <a:xfrm flipH="1" flipV="1">
+              <a:off x="8736366" y="4216257"/>
+              <a:ext cx="603364" cy="1129930"/>
+            </a:xfrm>
+            <a:prstGeom prst="straightConnector1">
+              <a:avLst/>
+            </a:prstGeom>
+            <a:ln>
+              <a:tailEnd type="triangle"/>
+            </a:ln>
+          </p:spPr>
+          <p:style>
+            <a:lnRef idx="1">
+              <a:schemeClr val="accent1"/>
+            </a:lnRef>
+            <a:fillRef idx="0">
+              <a:schemeClr val="accent1"/>
+            </a:fillRef>
+            <a:effectRef idx="0">
+              <a:schemeClr val="accent1"/>
+            </a:effectRef>
+            <a:fontRef idx="minor">
+              <a:schemeClr val="tx1"/>
+            </a:fontRef>
+          </p:style>
+        </p:cxnSp>
+        <p:cxnSp>
+          <p:nvCxnSpPr>
+            <p:cNvPr id="41" name="Egyenes összekötő nyíllal 40">
+              <a:extLst>
+                <a:ext uri="{FF2B5EF4-FFF2-40B4-BE49-F238E27FC236}">
+                  <a16:creationId xmlns:a16="http://schemas.microsoft.com/office/drawing/2014/main" id="{1F3AC376-9A1F-4E05-8677-B33D06D70966}"/>
+                </a:ext>
+              </a:extLst>
+            </p:cNvPr>
+            <p:cNvCxnSpPr>
+              <a:stCxn id="33" idx="2"/>
+              <a:endCxn id="30" idx="6"/>
+            </p:cNvCxnSpPr>
+            <p:nvPr/>
+          </p:nvCxnSpPr>
+          <p:spPr>
+            <a:xfrm flipH="1">
+              <a:off x="8785964" y="4082535"/>
+              <a:ext cx="1441619" cy="941007"/>
+            </a:xfrm>
+            <a:prstGeom prst="straightConnector1">
+              <a:avLst/>
+            </a:prstGeom>
+            <a:ln>
+              <a:tailEnd type="triangle"/>
+            </a:ln>
+          </p:spPr>
+          <p:style>
+            <a:lnRef idx="1">
+              <a:schemeClr val="accent1"/>
+            </a:lnRef>
+            <a:fillRef idx="0">
+              <a:schemeClr val="accent1"/>
+            </a:fillRef>
+            <a:effectRef idx="0">
+              <a:schemeClr val="accent1"/>
+            </a:effectRef>
+            <a:fontRef idx="minor">
+              <a:schemeClr val="tx1"/>
+            </a:fontRef>
+          </p:style>
+        </p:cxnSp>
+        <p:cxnSp>
+          <p:nvCxnSpPr>
+            <p:cNvPr id="42" name="Egyenes összekötő nyíllal 41">
+              <a:extLst>
+                <a:ext uri="{FF2B5EF4-FFF2-40B4-BE49-F238E27FC236}">
+                  <a16:creationId xmlns:a16="http://schemas.microsoft.com/office/drawing/2014/main" id="{C7B3866C-5B2E-4AA0-B91C-AF59FE94B521}"/>
+                </a:ext>
+              </a:extLst>
+            </p:cNvPr>
+            <p:cNvCxnSpPr>
+              <a:stCxn id="30" idx="0"/>
+              <a:endCxn id="34" idx="4"/>
+            </p:cNvCxnSpPr>
+            <p:nvPr/>
+          </p:nvCxnSpPr>
+          <p:spPr>
+            <a:xfrm flipV="1">
+              <a:off x="8575017" y="4332787"/>
+              <a:ext cx="0" cy="480978"/>
+            </a:xfrm>
+            <a:prstGeom prst="straightConnector1">
+              <a:avLst/>
+            </a:prstGeom>
+            <a:ln>
+              <a:tailEnd type="triangle"/>
+            </a:ln>
+          </p:spPr>
+          <p:style>
+            <a:lnRef idx="1">
+              <a:schemeClr val="accent1"/>
+            </a:lnRef>
+            <a:fillRef idx="0">
+              <a:schemeClr val="accent1"/>
+            </a:fillRef>
+            <a:effectRef idx="0">
+              <a:schemeClr val="accent1"/>
+            </a:effectRef>
+            <a:fontRef idx="minor">
+              <a:schemeClr val="tx1"/>
+            </a:fontRef>
+          </p:style>
+        </p:cxnSp>
+      </p:grpSp>
     </p:spTree>
     <p:extLst>
       <p:ext uri="{BB962C8B-B14F-4D97-AF65-F5344CB8AC3E}">
@@ -6501,14 +6532,14 @@
             </a:r>
             <a:r>
               <a:rPr lang="hu-HU" dirty="0" err="1"/>
-              <a:t>shcmaes</a:t>
+              <a:t>schemes</a:t>
             </a:r>
             <a:endParaRPr lang="hu-HU" dirty="0"/>
           </a:p>
         </p:txBody>
       </p:sp>
-      <mc:AlternateContent xmlns:mc="http://schemas.openxmlformats.org/markup-compatibility/2006" xmlns:a14="http://schemas.microsoft.com/office/drawing/2010/main">
-        <mc:Choice Requires="a14">
+      <mc:AlternateContent xmlns:mc="http://schemas.openxmlformats.org/markup-compatibility/2006">
+        <mc:Choice xmlns:a14="http://schemas.microsoft.com/office/drawing/2010/main" Requires="a14">
           <p:sp>
             <p:nvSpPr>
               <p:cNvPr id="3" name="Tartalom helye 2"/>
@@ -6519,9 +6550,16 @@
                 <p:ph idx="1"/>
               </p:nvPr>
             </p:nvSpPr>
-            <p:spPr/>
+            <p:spPr>
+              <a:xfrm>
+                <a:off x="838200" y="1825625"/>
+                <a:ext cx="10515600" cy="4351338"/>
+              </a:xfrm>
+            </p:spPr>
             <p:txBody>
-              <a:bodyPr/>
+              <a:bodyPr>
+                <a:normAutofit/>
+              </a:bodyPr>
               <a:lstStyle/>
               <a:p>
                 <a:r>
@@ -6546,7 +6584,7 @@
                 </a:r>
                 <a:r>
                   <a:rPr lang="hu-HU" dirty="0" err="1"/>
-                  <a:t>exactliy</a:t>
+                  <a:t>exactly</a:t>
                 </a:r>
                 <a:r>
                   <a:rPr lang="hu-HU" dirty="0"/>
@@ -6554,7 +6592,7 @@
                 </a:r>
                 <a:r>
                   <a:rPr lang="hu-HU" dirty="0" err="1"/>
-                  <a:t>onece</a:t>
+                  <a:t>once</a:t>
                 </a:r>
                 <a:r>
                   <a:rPr lang="hu-HU" dirty="0"/>
@@ -6582,7 +6620,7 @@
                 </a:r>
                 <a:r>
                   <a:rPr lang="hu-HU" dirty="0"/>
-                  <a:t>  </a:t>
+                  <a:t> </a:t>
                 </a:r>
                 <a:r>
                   <a:rPr lang="hu-HU" dirty="0" err="1"/>
@@ -6648,7 +6686,14 @@
                 </a:r>
                 <a:r>
                   <a:rPr lang="hu-HU" dirty="0"/>
-                  <a:t>. (</a:t>
+                  <a:t>. </a:t>
+                </a:r>
+                <a:br>
+                  <a:rPr lang="hu-HU" dirty="0"/>
+                </a:br>
+                <a:r>
+                  <a:rPr lang="hu-HU" dirty="0"/>
+                  <a:t>(</a:t>
                 </a:r>
                 <a:r>
                   <a:rPr lang="hu-HU" dirty="0" err="1"/>
@@ -6677,8 +6722,12 @@
               </a:p>
               <a:p>
                 <a:r>
+                  <a:rPr lang="hu-HU" dirty="0" err="1"/>
+                  <a:t>Example</a:t>
+                </a:r>
+                <a:r>
                   <a:rPr lang="hu-HU" dirty="0"/>
-                  <a:t>Example: </a:t>
+                  <a:t> (n=4):   </a:t>
                 </a:r>
                 <a14:m>
                   <m:oMath xmlns:m="http://schemas.openxmlformats.org/officeDocument/2006/math">
@@ -6693,7 +6742,7 @@
                           </m:mc>
                         </m:mcs>
                         <m:ctrlPr>
-                          <a:rPr lang="hu-HU" i="1" dirty="0" smtClean="0">
+                          <a:rPr lang="hu-HU" b="0" i="1" dirty="0" smtClean="0">
                             <a:latin typeface="Cambria Math" panose="02040503050406030204" pitchFamily="18" charset="0"/>
                           </a:rPr>
                         </m:ctrlPr>
@@ -6719,38 +6768,44 @@
                           </m:r>
                         </m:e>
                         <m:e>
-                          <m:r>
-                            <a:rPr lang="hu-HU" b="0" i="1" dirty="0" smtClean="0">
-                              <a:latin typeface="Cambria Math" panose="02040503050406030204" pitchFamily="18" charset="0"/>
-                            </a:rPr>
-                            <m:t>3</m:t>
-                          </m:r>
-                        </m:e>
-                      </m:mr>
-                      <m:mr>
-                        <m:e>
-                          <m:r>
-                            <a:rPr lang="hu-HU" b="0" i="1" dirty="0" smtClean="0">
-                              <a:latin typeface="Cambria Math" panose="02040503050406030204" pitchFamily="18" charset="0"/>
-                            </a:rPr>
-                            <m:t>3</m:t>
-                          </m:r>
-                        </m:e>
-                        <m:e>
-                          <m:r>
-                            <a:rPr lang="hu-HU" b="0" i="1" dirty="0" smtClean="0">
-                              <a:latin typeface="Cambria Math" panose="02040503050406030204" pitchFamily="18" charset="0"/>
-                            </a:rPr>
-                            <m:t>1</m:t>
-                          </m:r>
-                        </m:e>
-                        <m:e>
-                          <m:r>
-                            <a:rPr lang="hu-HU" b="0" i="1" dirty="0" smtClean="0">
-                              <a:latin typeface="Cambria Math" panose="02040503050406030204" pitchFamily="18" charset="0"/>
-                            </a:rPr>
-                            <m:t>2</m:t>
-                          </m:r>
+                          <m:m>
+                            <m:mPr>
+                              <m:mcs>
+                                <m:mc>
+                                  <m:mcPr>
+                                    <m:count m:val="2"/>
+                                    <m:mcJc m:val="center"/>
+                                  </m:mcPr>
+                                </m:mc>
+                              </m:mcs>
+                              <m:ctrlPr>
+                                <a:rPr lang="hu-HU" b="0" i="1" dirty="0" smtClean="0">
+                                  <a:latin typeface="Cambria Math" panose="02040503050406030204" pitchFamily="18" charset="0"/>
+                                </a:rPr>
+                              </m:ctrlPr>
+                            </m:mPr>
+                            <m:mr>
+                              <m:e>
+                                <m:r>
+                                  <m:rPr>
+                                    <m:brk m:alnAt="7"/>
+                                  </m:rPr>
+                                  <a:rPr lang="hu-HU" b="0" i="1" dirty="0" smtClean="0">
+                                    <a:latin typeface="Cambria Math" panose="02040503050406030204" pitchFamily="18" charset="0"/>
+                                  </a:rPr>
+                                  <m:t>0</m:t>
+                                </m:r>
+                              </m:e>
+                              <m:e>
+                                <m:r>
+                                  <a:rPr lang="hu-HU" b="0" i="1" dirty="0" smtClean="0">
+                                    <a:latin typeface="Cambria Math" panose="02040503050406030204" pitchFamily="18" charset="0"/>
+                                  </a:rPr>
+                                  <m:t>𝑑</m:t>
+                                </m:r>
+                              </m:e>
+                            </m:mr>
+                          </m:m>
                         </m:e>
                       </m:mr>
                       <m:mr>
@@ -6767,22 +6822,214 @@
                             <a:rPr lang="hu-HU" b="0" i="1" dirty="0" smtClean="0">
                               <a:latin typeface="Cambria Math" panose="02040503050406030204" pitchFamily="18" charset="0"/>
                             </a:rPr>
-                            <m:t>3</m:t>
+                            <m:t>0</m:t>
                           </m:r>
                         </m:e>
                         <m:e>
-                          <m:r>
-                            <a:rPr lang="hu-HU" b="0" i="1" dirty="0" smtClean="0">
-                              <a:latin typeface="Cambria Math" panose="02040503050406030204" pitchFamily="18" charset="0"/>
-                            </a:rPr>
-                            <m:t>1</m:t>
-                          </m:r>
+                          <m:m>
+                            <m:mPr>
+                              <m:mcs>
+                                <m:mc>
+                                  <m:mcPr>
+                                    <m:count m:val="2"/>
+                                    <m:mcJc m:val="center"/>
+                                  </m:mcPr>
+                                </m:mc>
+                              </m:mcs>
+                              <m:ctrlPr>
+                                <a:rPr lang="hu-HU" b="0" i="1" dirty="0" smtClean="0">
+                                  <a:latin typeface="Cambria Math" panose="02040503050406030204" pitchFamily="18" charset="0"/>
+                                </a:rPr>
+                              </m:ctrlPr>
+                            </m:mPr>
+                            <m:mr>
+                              <m:e>
+                                <m:r>
+                                  <m:rPr>
+                                    <m:brk m:alnAt="7"/>
+                                  </m:rPr>
+                                  <a:rPr lang="hu-HU" b="0" i="1" dirty="0" smtClean="0">
+                                    <a:latin typeface="Cambria Math" panose="02040503050406030204" pitchFamily="18" charset="0"/>
+                                  </a:rPr>
+                                  <m:t>1</m:t>
+                                </m:r>
+                              </m:e>
+                              <m:e>
+                                <m:r>
+                                  <a:rPr lang="hu-HU" b="0" i="1" dirty="0" smtClean="0">
+                                    <a:latin typeface="Cambria Math" panose="02040503050406030204" pitchFamily="18" charset="0"/>
+                                  </a:rPr>
+                                  <m:t>𝑑</m:t>
+                                </m:r>
+                              </m:e>
+                            </m:mr>
+                          </m:m>
+                        </m:e>
+                      </m:mr>
+                      <m:mr>
+                        <m:e>
+                          <m:m>
+                            <m:mPr>
+                              <m:mcs>
+                                <m:mc>
+                                  <m:mcPr>
+                                    <m:count m:val="1"/>
+                                    <m:mcJc m:val="center"/>
+                                  </m:mcPr>
+                                </m:mc>
+                              </m:mcs>
+                              <m:ctrlPr>
+                                <a:rPr lang="hu-HU" b="0" i="1" dirty="0" smtClean="0">
+                                  <a:latin typeface="Cambria Math" panose="02040503050406030204" pitchFamily="18" charset="0"/>
+                                </a:rPr>
+                              </m:ctrlPr>
+                            </m:mPr>
+                            <m:mr>
+                              <m:e>
+                                <m:r>
+                                  <m:rPr>
+                                    <m:brk m:alnAt="7"/>
+                                  </m:rPr>
+                                  <a:rPr lang="hu-HU" b="0" i="1" dirty="0" smtClean="0">
+                                    <a:latin typeface="Cambria Math" panose="02040503050406030204" pitchFamily="18" charset="0"/>
+                                  </a:rPr>
+                                  <m:t>0</m:t>
+                                </m:r>
+                              </m:e>
+                            </m:mr>
+                            <m:mr>
+                              <m:e>
+                                <m:r>
+                                  <a:rPr lang="hu-HU" b="0" i="1" dirty="0" smtClean="0">
+                                    <a:latin typeface="Cambria Math" panose="02040503050406030204" pitchFamily="18" charset="0"/>
+                                  </a:rPr>
+                                  <m:t> </m:t>
+                                </m:r>
+                              </m:e>
+                            </m:mr>
+                          </m:m>
+                        </m:e>
+                        <m:e>
+                          <m:m>
+                            <m:mPr>
+                              <m:mcs>
+                                <m:mc>
+                                  <m:mcPr>
+                                    <m:count m:val="1"/>
+                                    <m:mcJc m:val="center"/>
+                                  </m:mcPr>
+                                </m:mc>
+                              </m:mcs>
+                              <m:ctrlPr>
+                                <a:rPr lang="hu-HU" b="0" i="1" dirty="0" smtClean="0">
+                                  <a:latin typeface="Cambria Math" panose="02040503050406030204" pitchFamily="18" charset="0"/>
+                                </a:rPr>
+                              </m:ctrlPr>
+                            </m:mPr>
+                            <m:mr>
+                              <m:e>
+                                <m:r>
+                                  <m:rPr>
+                                    <m:brk m:alnAt="7"/>
+                                  </m:rPr>
+                                  <a:rPr lang="hu-HU" b="0" i="1" dirty="0" smtClean="0">
+                                    <a:latin typeface="Cambria Math" panose="02040503050406030204" pitchFamily="18" charset="0"/>
+                                  </a:rPr>
+                                  <m:t>1</m:t>
+                                </m:r>
+                              </m:e>
+                            </m:mr>
+                            <m:mr>
+                              <m:e>
+                                <m:r>
+                                  <a:rPr lang="hu-HU" b="0" i="1" dirty="0" smtClean="0">
+                                    <a:latin typeface="Cambria Math" panose="02040503050406030204" pitchFamily="18" charset="0"/>
+                                  </a:rPr>
+                                  <m:t> </m:t>
+                                </m:r>
+                              </m:e>
+                            </m:mr>
+                          </m:m>
+                        </m:e>
+                        <m:e>
+                          <m:m>
+                            <m:mPr>
+                              <m:mcs>
+                                <m:mc>
+                                  <m:mcPr>
+                                    <m:count m:val="1"/>
+                                    <m:mcJc m:val="center"/>
+                                  </m:mcPr>
+                                </m:mc>
+                              </m:mcs>
+                              <m:ctrlPr>
+                                <a:rPr lang="hu-HU" b="0" i="1" dirty="0" smtClean="0">
+                                  <a:latin typeface="Cambria Math" panose="02040503050406030204" pitchFamily="18" charset="0"/>
+                                </a:rPr>
+                              </m:ctrlPr>
+                            </m:mPr>
+                            <m:mr>
+                              <m:e>
+                                <m:m>
+                                  <m:mPr>
+                                    <m:mcs>
+                                      <m:mc>
+                                        <m:mcPr>
+                                          <m:count m:val="2"/>
+                                          <m:mcJc m:val="center"/>
+                                        </m:mcPr>
+                                      </m:mc>
+                                    </m:mcs>
+                                    <m:ctrlPr>
+                                      <a:rPr lang="hu-HU" b="0" i="1" dirty="0" smtClean="0">
+                                        <a:latin typeface="Cambria Math" panose="02040503050406030204" pitchFamily="18" charset="0"/>
+                                      </a:rPr>
+                                    </m:ctrlPr>
+                                  </m:mPr>
+                                  <m:mr>
+                                    <m:e>
+                                      <m:r>
+                                        <m:rPr>
+                                          <m:brk m:alnAt="7"/>
+                                        </m:rPr>
+                                        <a:rPr lang="hu-HU" b="0" i="1" dirty="0" smtClean="0">
+                                          <a:latin typeface="Cambria Math" panose="02040503050406030204" pitchFamily="18" charset="0"/>
+                                        </a:rPr>
+                                        <m:t>2</m:t>
+                                      </m:r>
+                                    </m:e>
+                                    <m:e>
+                                      <m:r>
+                                        <m:rPr>
+                                          <m:brk m:alnAt="7"/>
+                                        </m:rPr>
+                                        <a:rPr lang="hu-HU" b="0" i="1" dirty="0" smtClean="0">
+                                          <a:latin typeface="Cambria Math" panose="02040503050406030204" pitchFamily="18" charset="0"/>
+                                        </a:rPr>
+                                        <m:t>𝑑</m:t>
+                                      </m:r>
+                                    </m:e>
+                                  </m:mr>
+                                </m:m>
+                              </m:e>
+                            </m:mr>
+                            <m:mr>
+                              <m:e>
+                                <m:r>
+                                  <a:rPr lang="hu-HU" b="0" i="1" dirty="0" smtClean="0">
+                                    <a:latin typeface="Cambria Math" panose="02040503050406030204" pitchFamily="18" charset="0"/>
+                                  </a:rPr>
+                                  <m:t> </m:t>
+                                </m:r>
+                              </m:e>
+                            </m:mr>
+                          </m:m>
                         </m:e>
                       </m:mr>
                     </m:m>
                   </m:oMath>
                 </a14:m>
-                <a:endParaRPr lang="hu-HU" dirty="0"/>
+                <a:endParaRPr lang="hu-HU" sz="1000" dirty="0"/>
               </a:p>
               <a:p>
                 <a:r>
@@ -6803,7 +7050,7 @@
                 </a:r>
                 <a:r>
                   <a:rPr lang="hu-HU" dirty="0" err="1"/>
-                  <a:t>llinks</a:t>
+                  <a:t>links</a:t>
                 </a:r>
                 <a:r>
                   <a:rPr lang="hu-HU" dirty="0"/>
@@ -6811,6 +7058,14 @@
                 </a:r>
                 <a:r>
                   <a:rPr lang="hu-HU" dirty="0" err="1"/>
+                  <a:t>to</a:t>
+                </a:r>
+                <a:r>
+                  <a:rPr lang="hu-HU" dirty="0"/>
+                  <a:t> d </a:t>
+                </a:r>
+                <a:r>
+                  <a:rPr lang="hu-HU" dirty="0" err="1"/>
                   <a:t>fail</a:t>
                 </a:r>
                 <a:r>
@@ -6867,7 +7122,23 @@
                 </a:r>
                 <a:r>
                   <a:rPr lang="hu-HU" dirty="0" err="1"/>
-                  <a:t>rougth</a:t>
+                  <a:t>through</a:t>
+                </a:r>
+                <a:r>
+                  <a:rPr lang="hu-HU" dirty="0"/>
+                  <a:t> (v</a:t>
+                </a:r>
+                <a:r>
+                  <a:rPr lang="hu-HU" baseline="-25000" dirty="0"/>
+                  <a:t>f+1</a:t>
+                </a:r>
+                <a:r>
+                  <a:rPr lang="hu-HU" dirty="0"/>
+                  <a:t>, d) </a:t>
+                </a:r>
+                <a:r>
+                  <a:rPr lang="hu-HU" dirty="0" err="1"/>
+                  <a:t>so</a:t>
                 </a:r>
                 <a:r>
                   <a:rPr lang="hu-HU" dirty="0"/>
@@ -6875,31 +7146,7 @@
                 </a:r>
                 <a:r>
                   <a:rPr lang="hu-HU" dirty="0" err="1"/>
-                  <a:t>throw</a:t>
-                </a:r>
-                <a:r>
-                  <a:rPr lang="hu-HU" dirty="0"/>
-                  <a:t> (v </a:t>
-                </a:r>
-                <a:r>
-                  <a:rPr lang="hu-HU" baseline="-25000" dirty="0"/>
-                  <a:t>f+1</a:t>
-                </a:r>
-                <a:r>
-                  <a:rPr lang="hu-HU" dirty="0"/>
-                  <a:t>, d) </a:t>
-                </a:r>
-                <a:r>
-                  <a:rPr lang="hu-HU" dirty="0" err="1"/>
-                  <a:t>so</a:t>
-                </a:r>
-                <a:r>
-                  <a:rPr lang="hu-HU" dirty="0"/>
-                  <a:t> </a:t>
-                </a:r>
-                <a:r>
-                  <a:rPr lang="hu-HU" dirty="0" err="1"/>
-                  <a:t>ww</a:t>
+                  <a:t>we</a:t>
                 </a:r>
                 <a:r>
                   <a:rPr lang="hu-HU" dirty="0"/>
@@ -7010,7 +7257,7 @@
             </p:txBody>
           </p:sp>
         </mc:Choice>
-        <mc:Fallback xmlns="">
+        <mc:Fallback>
           <p:sp>
             <p:nvSpPr>
               <p:cNvPr id="3" name="Tartalom helye 2"/>
@@ -7022,10 +7269,14 @@
               </p:nvPr>
             </p:nvSpPr>
             <p:spPr>
+              <a:xfrm>
+                <a:off x="838200" y="1825625"/>
+                <a:ext cx="10515600" cy="4351338"/>
+              </a:xfrm>
               <a:blipFill>
                 <a:blip r:embed="rId2"/>
                 <a:stretch>
-                  <a:fillRect l="-1043" t="-2241"/>
+                  <a:fillRect l="-1043" t="-2241" r="-116" b="-1821"/>
                 </a:stretch>
               </a:blipFill>
             </p:spPr>
@@ -7110,8 +7361,8 @@
           </a:p>
         </p:txBody>
       </p:sp>
-      <mc:AlternateContent xmlns:mc="http://schemas.openxmlformats.org/markup-compatibility/2006" xmlns:a14="http://schemas.microsoft.com/office/drawing/2010/main">
-        <mc:Choice Requires="a14">
+      <mc:AlternateContent xmlns:mc="http://schemas.openxmlformats.org/markup-compatibility/2006">
+        <mc:Choice xmlns:a14="http://schemas.microsoft.com/office/drawing/2010/main" Requires="a14">
           <p:sp>
             <p:nvSpPr>
               <p:cNvPr id="3" name="Tartalom helye 2"/>
@@ -7181,7 +7432,7 @@
                 </a:r>
                 <a:r>
                   <a:rPr lang="hu-HU" dirty="0" err="1"/>
-                  <a:t>affatced</a:t>
+                  <a:t>affected</a:t>
                 </a:r>
                 <a:r>
                   <a:rPr lang="hu-HU" dirty="0"/>
@@ -7231,7 +7482,7 @@
                 </a:r>
                 <a:r>
                   <a:rPr lang="hu-HU" dirty="0" err="1"/>
-                  <a:t>ultimatly</a:t>
+                  <a:t>ultimately</a:t>
                 </a:r>
                 <a:r>
                   <a:rPr lang="hu-HU" dirty="0"/>
@@ -7271,6 +7522,22 @@
                 </a:r>
                 <a:r>
                   <a:rPr lang="hu-HU" dirty="0" err="1"/>
+                  <a:t>on</a:t>
+                </a:r>
+                <a:r>
+                  <a:rPr lang="hu-HU" dirty="0"/>
+                  <a:t> </a:t>
+                </a:r>
+                <a:r>
+                  <a:rPr lang="hu-HU" dirty="0" err="1"/>
+                  <a:t>the</a:t>
+                </a:r>
+                <a:r>
+                  <a:rPr lang="hu-HU" dirty="0"/>
+                  <a:t> </a:t>
+                </a:r>
+                <a:r>
+                  <a:rPr lang="hu-HU" dirty="0" err="1"/>
                   <a:t>first</a:t>
                 </a:r>
                 <a:r>
@@ -7305,15 +7572,27 @@
               <a:p>
                 <a:r>
                   <a:rPr lang="hu-HU" dirty="0"/>
-                  <a:t>Mk = [</a:t>
+                  <a:t>M</a:t>
+                </a:r>
+                <a:r>
+                  <a:rPr lang="hu-HU" baseline="30000" dirty="0"/>
+                  <a:t>k</a:t>
+                </a:r>
+                <a:r>
+                  <a:rPr lang="hu-HU" dirty="0"/>
+                  <a:t> = [</a:t>
                 </a:r>
                 <a:r>
                   <a:rPr lang="hu-HU" dirty="0" err="1"/>
-                  <a:t>mij</a:t>
+                  <a:t>m</a:t>
+                </a:r>
+                <a:r>
+                  <a:rPr lang="hu-HU" baseline="-25000" dirty="0" err="1"/>
+                  <a:t>ij</a:t>
                 </a:r>
                 <a:r>
                   <a:rPr lang="hu-HU" dirty="0"/>
-                  <a:t> | 1 &lt;= i, &lt; n 1 &lt;= j &lt; &lt;= k]</a:t>
+                  <a:t> | 1 &lt;= i &lt; n, 1 &lt;= j &lt;= k]</a:t>
                 </a:r>
               </a:p>
               <a:p>
@@ -7345,6 +7624,9 @@
                   <a:rPr lang="hu-HU" dirty="0"/>
                   <a:t>: </a:t>
                 </a:r>
+                <a:br>
+                  <a:rPr lang="hu-HU" dirty="0"/>
+                </a:br>
                 <a14:m>
                   <m:oMath xmlns:m="http://schemas.openxmlformats.org/officeDocument/2006/math">
                     <m:r>
@@ -7430,6 +7712,140 @@
                         <a:latin typeface="Cambria Math" panose="02040503050406030204" pitchFamily="18" charset="0"/>
                         <a:ea typeface="Cambria Math" panose="02040503050406030204" pitchFamily="18" charset="0"/>
                       </a:rPr>
+                      <m:t>, </m:t>
+                    </m:r>
+                    <m:r>
+                      <m:rPr>
+                        <m:sty m:val="p"/>
+                      </m:rPr>
+                      <a:rPr lang="hu-HU" b="0" i="0" smtClean="0">
+                        <a:latin typeface="Cambria Math" panose="02040503050406030204" pitchFamily="18" charset="0"/>
+                        <a:ea typeface="Cambria Math" panose="02040503050406030204" pitchFamily="18" charset="0"/>
+                      </a:rPr>
+                      <m:t>intersection</m:t>
+                    </m:r>
+                    <m:r>
+                      <a:rPr lang="hu-HU" b="0" i="0" smtClean="0">
+                        <a:latin typeface="Cambria Math" panose="02040503050406030204" pitchFamily="18" charset="0"/>
+                        <a:ea typeface="Cambria Math" panose="02040503050406030204" pitchFamily="18" charset="0"/>
+                      </a:rPr>
+                      <m:t> </m:t>
+                    </m:r>
+                    <m:r>
+                      <m:rPr>
+                        <m:sty m:val="p"/>
+                      </m:rPr>
+                      <a:rPr lang="hu-HU" b="0" i="0" smtClean="0">
+                        <a:latin typeface="Cambria Math" panose="02040503050406030204" pitchFamily="18" charset="0"/>
+                        <a:ea typeface="Cambria Math" panose="02040503050406030204" pitchFamily="18" charset="0"/>
+                      </a:rPr>
+                      <m:t>of</m:t>
+                    </m:r>
+                    <m:r>
+                      <a:rPr lang="hu-HU" b="0" i="0" smtClean="0">
+                        <a:latin typeface="Cambria Math" panose="02040503050406030204" pitchFamily="18" charset="0"/>
+                        <a:ea typeface="Cambria Math" panose="02040503050406030204" pitchFamily="18" charset="0"/>
+                      </a:rPr>
+                      <m:t> </m:t>
+                    </m:r>
+                    <m:r>
+                      <m:rPr>
+                        <m:sty m:val="p"/>
+                      </m:rPr>
+                      <a:rPr lang="hu-HU" b="0" i="0" smtClean="0">
+                        <a:latin typeface="Cambria Math" panose="02040503050406030204" pitchFamily="18" charset="0"/>
+                        <a:ea typeface="Cambria Math" panose="02040503050406030204" pitchFamily="18" charset="0"/>
+                      </a:rPr>
+                      <m:t>two</m:t>
+                    </m:r>
+                    <m:r>
+                      <a:rPr lang="hu-HU" b="0" i="0" smtClean="0">
+                        <a:latin typeface="Cambria Math" panose="02040503050406030204" pitchFamily="18" charset="0"/>
+                        <a:ea typeface="Cambria Math" panose="02040503050406030204" pitchFamily="18" charset="0"/>
+                      </a:rPr>
+                      <m:t> </m:t>
+                    </m:r>
+                    <m:r>
+                      <m:rPr>
+                        <m:sty m:val="p"/>
+                      </m:rPr>
+                      <a:rPr lang="hu-HU" b="0" i="0" smtClean="0">
+                        <a:latin typeface="Cambria Math" panose="02040503050406030204" pitchFamily="18" charset="0"/>
+                        <a:ea typeface="Cambria Math" panose="02040503050406030204" pitchFamily="18" charset="0"/>
+                      </a:rPr>
+                      <m:t>rows</m:t>
+                    </m:r>
+                    <m:r>
+                      <a:rPr lang="hu-HU" b="0" i="0" smtClean="0">
+                        <a:latin typeface="Cambria Math" panose="02040503050406030204" pitchFamily="18" charset="0"/>
+                        <a:ea typeface="Cambria Math" panose="02040503050406030204" pitchFamily="18" charset="0"/>
+                      </a:rPr>
+                      <m:t> </m:t>
+                    </m:r>
+                    <m:r>
+                      <m:rPr>
+                        <m:sty m:val="p"/>
+                      </m:rPr>
+                      <a:rPr lang="hu-HU" b="0" i="0" smtClean="0">
+                        <a:latin typeface="Cambria Math" panose="02040503050406030204" pitchFamily="18" charset="0"/>
+                        <a:ea typeface="Cambria Math" panose="02040503050406030204" pitchFamily="18" charset="0"/>
+                      </a:rPr>
+                      <m:t>in</m:t>
+                    </m:r>
+                    <m:r>
+                      <a:rPr lang="hu-HU" b="0" i="0" smtClean="0">
+                        <a:latin typeface="Cambria Math" panose="02040503050406030204" pitchFamily="18" charset="0"/>
+                        <a:ea typeface="Cambria Math" panose="02040503050406030204" pitchFamily="18" charset="0"/>
+                      </a:rPr>
+                      <m:t> </m:t>
+                    </m:r>
+                    <m:sSup>
+                      <m:sSupPr>
+                        <m:ctrlPr>
+                          <a:rPr lang="hu-HU" b="0" i="1" smtClean="0">
+                            <a:latin typeface="Cambria Math" panose="02040503050406030204" pitchFamily="18" charset="0"/>
+                            <a:ea typeface="Cambria Math" panose="02040503050406030204" pitchFamily="18" charset="0"/>
+                          </a:rPr>
+                        </m:ctrlPr>
+                      </m:sSupPr>
+                      <m:e>
+                        <m:r>
+                          <a:rPr lang="hu-HU" b="0" i="1" smtClean="0">
+                            <a:latin typeface="Cambria Math" panose="02040503050406030204" pitchFamily="18" charset="0"/>
+                            <a:ea typeface="Cambria Math" panose="02040503050406030204" pitchFamily="18" charset="0"/>
+                          </a:rPr>
+                          <m:t>𝑀</m:t>
+                        </m:r>
+                      </m:e>
+                      <m:sup>
+                        <m:r>
+                          <a:rPr lang="hu-HU" b="0" i="1" smtClean="0">
+                            <a:latin typeface="Cambria Math" panose="02040503050406030204" pitchFamily="18" charset="0"/>
+                            <a:ea typeface="Cambria Math" panose="02040503050406030204" pitchFamily="18" charset="0"/>
+                          </a:rPr>
+                          <m:t>𝑘</m:t>
+                        </m:r>
+                      </m:sup>
+                    </m:sSup>
+                    <m:r>
+                      <a:rPr lang="hu-HU" b="0" i="1" smtClean="0">
+                        <a:latin typeface="Cambria Math" panose="02040503050406030204" pitchFamily="18" charset="0"/>
+                        <a:ea typeface="Cambria Math" panose="02040503050406030204" pitchFamily="18" charset="0"/>
+                      </a:rPr>
+                      <m:t>𝑖𝑠</m:t>
+                    </m:r>
+                    <m:r>
+                      <a:rPr lang="hu-HU" b="0" i="1" smtClean="0">
+                        <a:latin typeface="Cambria Math" panose="02040503050406030204" pitchFamily="18" charset="0"/>
+                        <a:ea typeface="Cambria Math" panose="02040503050406030204" pitchFamily="18" charset="0"/>
+                      </a:rPr>
+                      <m:t>≤1 </m:t>
+                    </m:r>
+                    <m:r>
+                      <a:rPr lang="hu-HU" b="0" i="0" smtClean="0">
+                        <a:latin typeface="Cambria Math" panose="02040503050406030204" pitchFamily="18" charset="0"/>
+                        <a:ea typeface="Cambria Math" panose="02040503050406030204" pitchFamily="18" charset="0"/>
+                      </a:rPr>
                       <m:t> </m:t>
                     </m:r>
                     <m:r>
@@ -7449,6 +7865,16 @@
                       </a:rPr>
                       <m:t>  </m:t>
                     </m:r>
+                  </m:oMath>
+                </a14:m>
+                <a:br>
+                  <a:rPr lang="hu-HU" b="0" i="0" dirty="0">
+                    <a:latin typeface="Cambria Math" panose="02040503050406030204" pitchFamily="18" charset="0"/>
+                    <a:ea typeface="Cambria Math" panose="02040503050406030204" pitchFamily="18" charset="0"/>
+                  </a:rPr>
+                </a:br>
+                <a14:m>
+                  <m:oMath xmlns:m="http://schemas.openxmlformats.org/officeDocument/2006/math">
                     <m:r>
                       <a:rPr lang="hu-HU" b="0" i="1" smtClean="0">
                         <a:latin typeface="Cambria Math" panose="02040503050406030204" pitchFamily="18" charset="0"/>
@@ -7475,7 +7901,49 @@
                         <a:latin typeface="Cambria Math" panose="02040503050406030204" pitchFamily="18" charset="0"/>
                         <a:ea typeface="Cambria Math" panose="02040503050406030204" pitchFamily="18" charset="0"/>
                       </a:rPr>
+                      <m:t>≤</m:t>
+                    </m:r>
+                    <m:rad>
+                      <m:radPr>
+                        <m:degHide m:val="on"/>
+                        <m:ctrlPr>
+                          <a:rPr lang="hu-HU" b="0" i="1" smtClean="0">
+                            <a:latin typeface="Cambria Math" panose="02040503050406030204" pitchFamily="18" charset="0"/>
+                            <a:ea typeface="Cambria Math" panose="02040503050406030204" pitchFamily="18" charset="0"/>
+                          </a:rPr>
+                        </m:ctrlPr>
+                      </m:radPr>
+                      <m:deg/>
+                      <m:e>
+                        <m:r>
+                          <a:rPr lang="hu-HU" b="0" i="1" smtClean="0">
+                            <a:latin typeface="Cambria Math" panose="02040503050406030204" pitchFamily="18" charset="0"/>
+                            <a:ea typeface="Cambria Math" panose="02040503050406030204" pitchFamily="18" charset="0"/>
+                          </a:rPr>
+                          <m:t>𝑛</m:t>
+                        </m:r>
+                      </m:e>
+                    </m:rad>
+                    <m:r>
+                      <a:rPr lang="hu-HU" b="0" i="1" smtClean="0">
+                        <a:latin typeface="Cambria Math" panose="02040503050406030204" pitchFamily="18" charset="0"/>
+                        <a:ea typeface="Cambria Math" panose="02040503050406030204" pitchFamily="18" charset="0"/>
+                      </a:rPr>
+                      <m:t>  </m:t>
+                    </m:r>
+                    <m:r>
+                      <a:rPr lang="hu-HU" b="0" i="1" smtClean="0">
+                        <a:latin typeface="Cambria Math" panose="02040503050406030204" pitchFamily="18" charset="0"/>
+                        <a:ea typeface="Cambria Math" panose="02040503050406030204" pitchFamily="18" charset="0"/>
+                      </a:rPr>
                       <m:t>⇒</m:t>
+                    </m:r>
+                    <m:r>
+                      <a:rPr lang="hu-HU" b="0" i="1" smtClean="0">
+                        <a:latin typeface="Cambria Math" panose="02040503050406030204" pitchFamily="18" charset="0"/>
+                        <a:ea typeface="Cambria Math" panose="02040503050406030204" pitchFamily="18" charset="0"/>
+                      </a:rPr>
+                      <m:t> </m:t>
                     </m:r>
                     <m:d>
                       <m:dPr>
@@ -7515,42 +7983,43 @@
                       </a:rPr>
                       <m:t>Ω</m:t>
                     </m:r>
-                    <m:r>
-                      <a:rPr lang="hu-HU" b="0" i="1" smtClean="0">
-                        <a:latin typeface="Cambria Math" panose="02040503050406030204" pitchFamily="18" charset="0"/>
-                        <a:ea typeface="Cambria Math" panose="02040503050406030204" pitchFamily="18" charset="0"/>
-                      </a:rPr>
-                      <m:t>(</m:t>
-                    </m:r>
-                    <m:r>
-                      <a:rPr lang="hu-HU" b="0" i="1" smtClean="0">
-                        <a:latin typeface="Cambria Math" panose="02040503050406030204" pitchFamily="18" charset="0"/>
-                        <a:ea typeface="Cambria Math" panose="02040503050406030204" pitchFamily="18" charset="0"/>
-                      </a:rPr>
-                      <m:t>𝜙</m:t>
-                    </m:r>
-                    <m:r>
-                      <a:rPr lang="hu-HU" b="0" i="1" baseline="30000" smtClean="0">
-                        <a:latin typeface="Cambria Math" panose="02040503050406030204" pitchFamily="18" charset="0"/>
-                        <a:ea typeface="Cambria Math" panose="02040503050406030204" pitchFamily="18" charset="0"/>
-                      </a:rPr>
-                      <m:t>2</m:t>
-                    </m:r>
-                    <m:r>
-                      <a:rPr lang="hu-HU" b="0" i="1" smtClean="0">
-                        <a:latin typeface="Cambria Math" panose="02040503050406030204" pitchFamily="18" charset="0"/>
-                        <a:ea typeface="Cambria Math" panose="02040503050406030204" pitchFamily="18" charset="0"/>
-                      </a:rPr>
-                      <m:t>)</m:t>
-                    </m:r>
+                    <m:d>
+                      <m:dPr>
+                        <m:ctrlPr>
+                          <a:rPr lang="hu-HU" b="0" i="1" smtClean="0">
+                            <a:latin typeface="Cambria Math" panose="02040503050406030204" pitchFamily="18" charset="0"/>
+                            <a:ea typeface="Cambria Math" panose="02040503050406030204" pitchFamily="18" charset="0"/>
+                          </a:rPr>
+                        </m:ctrlPr>
+                      </m:dPr>
+                      <m:e>
+                        <m:r>
+                          <a:rPr lang="hu-HU" b="0" i="1" smtClean="0">
+                            <a:latin typeface="Cambria Math" panose="02040503050406030204" pitchFamily="18" charset="0"/>
+                            <a:ea typeface="Cambria Math" panose="02040503050406030204" pitchFamily="18" charset="0"/>
+                          </a:rPr>
+                          <m:t>𝜙</m:t>
+                        </m:r>
+                        <m:r>
+                          <a:rPr lang="hu-HU" b="0" i="1" baseline="30000" smtClean="0">
+                            <a:latin typeface="Cambria Math" panose="02040503050406030204" pitchFamily="18" charset="0"/>
+                            <a:ea typeface="Cambria Math" panose="02040503050406030204" pitchFamily="18" charset="0"/>
+                          </a:rPr>
+                          <m:t>2</m:t>
+                        </m:r>
+                      </m:e>
+                    </m:d>
                   </m:oMath>
                 </a14:m>
+                <a:br>
+                  <a:rPr lang="hu-HU" dirty="0"/>
+                </a:br>
                 <a:endParaRPr lang="hu-HU" dirty="0"/>
               </a:p>
             </p:txBody>
           </p:sp>
         </mc:Choice>
-        <mc:Fallback xmlns="">
+        <mc:Fallback>
           <p:sp>
             <p:nvSpPr>
               <p:cNvPr id="3" name="Tartalom helye 2"/>
@@ -7565,7 +8034,7 @@
               <a:blipFill>
                 <a:blip r:embed="rId2"/>
                 <a:stretch>
-                  <a:fillRect l="-1043" t="-2241" r="-290"/>
+                  <a:fillRect l="-1043" t="-2241" r="-174"/>
                 </a:stretch>
               </a:blipFill>
             </p:spPr>
@@ -7677,8 +8146,8 @@
           </a:p>
         </p:txBody>
       </p:sp>
-      <mc:AlternateContent xmlns:mc="http://schemas.openxmlformats.org/markup-compatibility/2006" xmlns:a14="http://schemas.microsoft.com/office/drawing/2010/main">
-        <mc:Choice Requires="a14">
+      <mc:AlternateContent xmlns:mc="http://schemas.openxmlformats.org/markup-compatibility/2006">
+        <mc:Choice xmlns:a14="http://schemas.microsoft.com/office/drawing/2010/main" Requires="a14">
           <p:sp>
             <p:nvSpPr>
               <p:cNvPr id="3" name="Tartalom helye 2"/>
@@ -7692,13 +8161,82 @@
             <p:spPr/>
             <p:txBody>
               <a:bodyPr>
-                <a:normAutofit fontScale="77500" lnSpcReduction="20000"/>
+                <a:normAutofit fontScale="62500" lnSpcReduction="20000"/>
               </a:bodyPr>
               <a:lstStyle/>
               <a:p>
                 <a:r>
+                  <a:rPr lang="hu-HU" sz="3700" dirty="0"/>
+                  <a:t>We </a:t>
+                </a:r>
+                <a:r>
+                  <a:rPr lang="hu-HU" sz="3700" dirty="0" err="1"/>
+                  <a:t>need</a:t>
+                </a:r>
+                <a:r>
+                  <a:rPr lang="hu-HU" sz="3700" dirty="0"/>
+                  <a:t> </a:t>
+                </a:r>
+                <a:r>
+                  <a:rPr lang="hu-HU" sz="3700" dirty="0" err="1"/>
+                  <a:t>symmetric</a:t>
+                </a:r>
+                <a:r>
+                  <a:rPr lang="hu-HU" sz="3700" dirty="0"/>
+                  <a:t> </a:t>
+                </a:r>
+                <a:r>
+                  <a:rPr lang="hu-HU" sz="3700" dirty="0" err="1"/>
+                  <a:t>balanced</a:t>
+                </a:r>
+                <a:r>
+                  <a:rPr lang="hu-HU" sz="3700" dirty="0"/>
+                  <a:t> </a:t>
+                </a:r>
+                <a:r>
+                  <a:rPr lang="hu-HU" sz="3700" dirty="0" err="1"/>
+                  <a:t>incomplete</a:t>
+                </a:r>
+                <a:r>
+                  <a:rPr lang="hu-HU" sz="3700" dirty="0"/>
+                  <a:t> </a:t>
+                </a:r>
+                <a:r>
+                  <a:rPr lang="hu-HU" sz="3700" dirty="0" err="1"/>
+                  <a:t>block</a:t>
+                </a:r>
+                <a:r>
+                  <a:rPr lang="hu-HU" sz="3700" dirty="0"/>
+                  <a:t> </a:t>
+                </a:r>
+                <a:r>
+                  <a:rPr lang="hu-HU" sz="3700" dirty="0" err="1"/>
+                  <a:t>designs</a:t>
+                </a:r>
+                <a:r>
+                  <a:rPr lang="hu-HU" sz="3700" dirty="0"/>
+                  <a:t> (</a:t>
+                </a:r>
+                <a:r>
+                  <a:rPr lang="hu-HU" sz="3700" dirty="0" err="1"/>
+                  <a:t>BIBDs</a:t>
+                </a:r>
+                <a:r>
+                  <a:rPr lang="hu-HU" sz="3700" dirty="0"/>
+                  <a:t>).</a:t>
+                </a:r>
+              </a:p>
+              <a:p>
+                <a:endParaRPr lang="hu-HU" sz="3700" dirty="0"/>
+              </a:p>
+              <a:p>
+                <a:r>
+                  <a:rPr lang="hu-HU" sz="3700" dirty="0"/>
+                  <a:t>BIBD:</a:t>
+                </a:r>
+                <a:r>
                   <a:rPr lang="hu-HU" dirty="0"/>
-                  <a:t>BIBD: </a:t>
+                  <a:t> </a:t>
                 </a:r>
                 <a14:m>
                   <m:oMath xmlns:m="http://schemas.openxmlformats.org/officeDocument/2006/math">
@@ -7805,7 +8343,66 @@
                         <a:latin typeface="Cambria Math" panose="02040503050406030204" pitchFamily="18" charset="0"/>
                         <a:ea typeface="Cambria Math" panose="02040503050406030204" pitchFamily="18" charset="0"/>
                       </a:rPr>
-                      <m:t>≥1 </m:t>
+                      <m:t>≥</m:t>
+                    </m:r>
+                    <m:r>
+                      <a:rPr lang="hu-HU" sz="3800" b="0" i="1" smtClean="0">
+                        <a:latin typeface="Cambria Math" panose="02040503050406030204" pitchFamily="18" charset="0"/>
+                        <a:ea typeface="Cambria Math" panose="02040503050406030204" pitchFamily="18" charset="0"/>
+                      </a:rPr>
+                      <m:t>1</m:t>
+                    </m:r>
+                  </m:oMath>
+                </a14:m>
+                <a:br>
+                  <a:rPr lang="hu-HU" sz="3800" b="0" i="1" dirty="0">
+                    <a:latin typeface="Cambria Math" panose="02040503050406030204" pitchFamily="18" charset="0"/>
+                    <a:ea typeface="Cambria Math" panose="02040503050406030204" pitchFamily="18" charset="0"/>
+                  </a:rPr>
+                </a:br>
+                <a14:m>
+                  <m:oMath xmlns:m="http://schemas.openxmlformats.org/officeDocument/2006/math">
+                    <m:r>
+                      <a:rPr lang="hu-HU" sz="3800" b="0" i="1" smtClean="0">
+                        <a:latin typeface="Cambria Math" panose="02040503050406030204" pitchFamily="18" charset="0"/>
+                        <a:ea typeface="Cambria Math" panose="02040503050406030204" pitchFamily="18" charset="0"/>
+                      </a:rPr>
+                      <m:t>𝑖𝑠</m:t>
+                    </m:r>
+                    <m:r>
+                      <a:rPr lang="hu-HU" sz="3800" b="0" i="1" smtClean="0">
+                        <a:latin typeface="Cambria Math" panose="02040503050406030204" pitchFamily="18" charset="0"/>
+                        <a:ea typeface="Cambria Math" panose="02040503050406030204" pitchFamily="18" charset="0"/>
+                      </a:rPr>
+                      <m:t> </m:t>
+                    </m:r>
+                    <m:r>
+                      <a:rPr lang="hu-HU" sz="3800" b="0" i="1" smtClean="0">
+                        <a:latin typeface="Cambria Math" panose="02040503050406030204" pitchFamily="18" charset="0"/>
+                        <a:ea typeface="Cambria Math" panose="02040503050406030204" pitchFamily="18" charset="0"/>
+                      </a:rPr>
+                      <m:t>𝑎</m:t>
+                    </m:r>
+                    <m:r>
+                      <a:rPr lang="hu-HU" sz="3800" b="0" i="1" smtClean="0">
+                        <a:latin typeface="Cambria Math" panose="02040503050406030204" pitchFamily="18" charset="0"/>
+                        <a:ea typeface="Cambria Math" panose="02040503050406030204" pitchFamily="18" charset="0"/>
+                      </a:rPr>
+                      <m:t> </m:t>
+                    </m:r>
+                    <m:r>
+                      <a:rPr lang="hu-HU" sz="3800" b="0" i="1" smtClean="0">
+                        <a:latin typeface="Cambria Math" panose="02040503050406030204" pitchFamily="18" charset="0"/>
+                        <a:ea typeface="Cambria Math" panose="02040503050406030204" pitchFamily="18" charset="0"/>
+                      </a:rPr>
+                      <m:t>𝑑𝑒𝑠𝑖𝑔𝑛</m:t>
+                    </m:r>
+                    <m:r>
+                      <a:rPr lang="hu-HU" sz="3800" b="0" i="1" smtClean="0">
+                        <a:latin typeface="Cambria Math" panose="02040503050406030204" pitchFamily="18" charset="0"/>
+                        <a:ea typeface="Cambria Math" panose="02040503050406030204" pitchFamily="18" charset="0"/>
+                      </a:rPr>
+                      <m:t> </m:t>
                     </m:r>
                     <m:d>
                       <m:dPr>
@@ -7840,6 +8437,13 @@
                         </m:r>
                       </m:e>
                     </m:d>
+                    <m:r>
+                      <a:rPr lang="hu-HU" sz="3800" b="0" i="1" smtClean="0">
+                        <a:latin typeface="Cambria Math" panose="02040503050406030204" pitchFamily="18" charset="0"/>
+                        <a:ea typeface="Cambria Math" panose="02040503050406030204" pitchFamily="18" charset="0"/>
+                      </a:rPr>
+                      <m:t> </m:t>
+                    </m:r>
                     <m:r>
                       <a:rPr lang="hu-HU" sz="3800" b="0" i="1" smtClean="0">
                         <a:latin typeface="Cambria Math" panose="02040503050406030204" pitchFamily="18" charset="0"/>
@@ -7971,7 +8575,7 @@
                         <a:latin typeface="Cambria Math" panose="02040503050406030204" pitchFamily="18" charset="0"/>
                         <a:ea typeface="Cambria Math" panose="02040503050406030204" pitchFamily="18" charset="0"/>
                       </a:rPr>
-                      <m:t>𝑜𝑓</m:t>
+                      <m:t>𝑜𝑓𝑏</m:t>
                     </m:r>
                     <m:r>
                       <a:rPr lang="hu-HU" sz="3800" b="0" i="1" smtClean="0">
@@ -8023,7 +8627,7 @@
                         <a:latin typeface="Cambria Math" panose="02040503050406030204" pitchFamily="18" charset="0"/>
                         <a:ea typeface="Cambria Math" panose="02040503050406030204" pitchFamily="18" charset="0"/>
                       </a:rPr>
-                      <m:t>𝑒𝑐h</m:t>
+                      <m:t>𝑒𝑎𝑐h</m:t>
                     </m:r>
                     <m:r>
                       <a:rPr lang="hu-HU" sz="3800" b="0" i="1" smtClean="0">
@@ -8037,7 +8641,7 @@
                         <a:latin typeface="Cambria Math" panose="02040503050406030204" pitchFamily="18" charset="0"/>
                         <a:ea typeface="Cambria Math" panose="02040503050406030204" pitchFamily="18" charset="0"/>
                       </a:rPr>
-                      <m:t>𝑏𝑙𝑜𝑐𝑘𝑠</m:t>
+                      <m:t>𝑏𝑙𝑜𝑐𝑘</m:t>
                     </m:r>
                     <m:r>
                       <a:rPr lang="hu-HU" sz="3800" b="0" i="1" smtClean="0">
@@ -8079,14 +8683,14 @@
                         <a:latin typeface="Cambria Math" panose="02040503050406030204" pitchFamily="18" charset="0"/>
                         <a:ea typeface="Cambria Math" panose="02040503050406030204" pitchFamily="18" charset="0"/>
                       </a:rPr>
-                      <m:t>𝑒𝑙𝑒𝑚𝑒𝑛𝑡</m:t>
+                      <m:t>𝑒𝑙𝑒𝑚𝑒𝑛𝑡𝑠</m:t>
                     </m:r>
                     <m:r>
                       <a:rPr lang="hu-HU" sz="3800" b="0" i="1" smtClean="0">
                         <a:latin typeface="Cambria Math" panose="02040503050406030204" pitchFamily="18" charset="0"/>
                         <a:ea typeface="Cambria Math" panose="02040503050406030204" pitchFamily="18" charset="0"/>
                       </a:rPr>
-                      <m:t> </m:t>
+                      <m:t>. </m:t>
                     </m:r>
                   </m:oMath>
                 </a14:m>
@@ -8107,7 +8711,7 @@
                 </a:r>
                 <a:r>
                   <a:rPr lang="hu-HU" sz="3800" dirty="0" err="1"/>
-                  <a:t>symetric</a:t>
+                  <a:t>symmetric</a:t>
                 </a:r>
                 <a:endParaRPr lang="hu-HU" sz="3800" dirty="0"/>
               </a:p>
@@ -8126,7 +8730,7 @@
                 </a:r>
                 <a:r>
                   <a:rPr lang="hu-HU" sz="3800" dirty="0" err="1"/>
-                  <a:t>reaming</a:t>
+                  <a:t>remaining</a:t>
                 </a:r>
                 <a:r>
                   <a:rPr lang="hu-HU" sz="3800" dirty="0"/>
@@ -8150,7 +8754,7 @@
                 </a:r>
                 <a:r>
                   <a:rPr lang="hu-HU" sz="3800" dirty="0" err="1"/>
-                  <a:t>block</a:t>
+                  <a:t>blocks</a:t>
                 </a:r>
                 <a:r>
                   <a:rPr lang="hu-HU" sz="3800" dirty="0"/>
@@ -8158,7 +8762,7 @@
                 </a:r>
                 <a:r>
                   <a:rPr lang="hu-HU" sz="3800" dirty="0" err="1"/>
-                  <a:t>arent</a:t>
+                  <a:t>aren’t</a:t>
                 </a:r>
                 <a:r>
                   <a:rPr lang="hu-HU" sz="3800" dirty="0"/>
@@ -8168,7 +8772,10 @@
                   <a:rPr lang="hu-HU" sz="3800" dirty="0" err="1"/>
                   <a:t>rows</a:t>
                 </a:r>
-                <a:endParaRPr lang="hu-HU" sz="3800" dirty="0"/>
+                <a:r>
+                  <a:rPr lang="hu-HU" sz="3800" dirty="0"/>
+                  <a:t>.</a:t>
+                </a:r>
               </a:p>
               <a:p>
                 <a:r>
@@ -8205,14 +8812,14 @@
                 </a:r>
                 <a:r>
                   <a:rPr lang="hu-HU" sz="3800" dirty="0" err="1"/>
-                  <a:t>Rwos</a:t>
+                  <a:t>Rows</a:t>
                 </a:r>
                 <a:endParaRPr lang="hu-HU" sz="3800" dirty="0"/>
               </a:p>
             </p:txBody>
           </p:sp>
         </mc:Choice>
-        <mc:Fallback xmlns="">
+        <mc:Fallback>
           <p:sp>
             <p:nvSpPr>
               <p:cNvPr id="3" name="Tartalom helye 2"/>
@@ -8227,7 +8834,7 @@
               <a:blipFill>
                 <a:blip r:embed="rId2"/>
                 <a:stretch>
-                  <a:fillRect l="-1101" t="-1681"/>
+                  <a:fillRect l="-812" t="-3081"/>
                 </a:stretch>
               </a:blipFill>
             </p:spPr>
@@ -11593,7 +12200,7 @@
             <a:pPr algn="ctr"/>
             <a:r>
               <a:rPr lang="hu-HU" dirty="0" err="1"/>
-              <a:t>Prmutation</a:t>
+              <a:t>Permutation</a:t>
             </a:r>
             <a:r>
               <a:rPr lang="hu-HU" dirty="0"/>
@@ -11607,8 +12214,8 @@
           </a:p>
         </p:txBody>
       </p:sp>
-      <mc:AlternateContent xmlns:mc="http://schemas.openxmlformats.org/markup-compatibility/2006" xmlns:a14="http://schemas.microsoft.com/office/drawing/2010/main">
-        <mc:Choice Requires="a14">
+      <mc:AlternateContent xmlns:mc="http://schemas.openxmlformats.org/markup-compatibility/2006">
+        <mc:Choice xmlns:a14="http://schemas.microsoft.com/office/drawing/2010/main" Requires="a14">
           <p:sp>
             <p:nvSpPr>
               <p:cNvPr id="3" name="Tartalom helye 2"/>
@@ -11860,10 +12467,164 @@
                 </a14:m>
                 <a:endParaRPr lang="hu-HU" dirty="0"/>
               </a:p>
+              <a:p>
+                <a:r>
+                  <a:rPr lang="hu-HU" dirty="0" err="1"/>
+                  <a:t>With</a:t>
+                </a:r>
+                <a:r>
+                  <a:rPr lang="hu-HU" dirty="0"/>
+                  <a:t> </a:t>
+                </a:r>
+                <a:r>
+                  <a:rPr lang="hu-HU" dirty="0" err="1"/>
+                  <a:t>the</a:t>
+                </a:r>
+                <a:r>
+                  <a:rPr lang="hu-HU" dirty="0"/>
+                  <a:t> </a:t>
+                </a:r>
+                <a:r>
+                  <a:rPr lang="hu-HU" dirty="0" err="1"/>
+                  <a:t>previous</a:t>
+                </a:r>
+                <a:r>
+                  <a:rPr lang="hu-HU" dirty="0"/>
+                  <a:t> </a:t>
+                </a:r>
+                <a:r>
+                  <a:rPr lang="hu-HU" dirty="0" err="1"/>
+                  <a:t>conditions</a:t>
+                </a:r>
+                <a:r>
+                  <a:rPr lang="hu-HU" dirty="0"/>
+                  <a:t>, </a:t>
+                </a:r>
+                <a:r>
+                  <a:rPr lang="hu-HU" dirty="0" err="1"/>
+                  <a:t>we</a:t>
+                </a:r>
+                <a:r>
+                  <a:rPr lang="hu-HU" dirty="0"/>
+                  <a:t> </a:t>
+                </a:r>
+                <a:r>
+                  <a:rPr lang="hu-HU" dirty="0" err="1"/>
+                  <a:t>can</a:t>
+                </a:r>
+                <a:r>
+                  <a:rPr lang="hu-HU" dirty="0"/>
+                  <a:t> </a:t>
+                </a:r>
+                <a:r>
+                  <a:rPr lang="hu-HU" dirty="0" err="1"/>
+                  <a:t>guarantee</a:t>
+                </a:r>
+                <a:r>
+                  <a:rPr lang="hu-HU" dirty="0"/>
+                  <a:t> |F| = </a:t>
+                </a:r>
+                <a14:m>
+                  <m:oMath xmlns:m="http://schemas.openxmlformats.org/officeDocument/2006/math">
+                    <m:r>
+                      <m:rPr>
+                        <m:sty m:val="p"/>
+                      </m:rPr>
+                      <a:rPr lang="el-GR" i="1">
+                        <a:latin typeface="Cambria Math" panose="02040503050406030204" pitchFamily="18" charset="0"/>
+                        <a:ea typeface="Cambria Math" panose="02040503050406030204" pitchFamily="18" charset="0"/>
+                      </a:rPr>
+                      <m:t>Ω</m:t>
+                    </m:r>
+                    <m:d>
+                      <m:dPr>
+                        <m:ctrlPr>
+                          <a:rPr lang="hu-HU" i="1">
+                            <a:latin typeface="Cambria Math" panose="02040503050406030204" pitchFamily="18" charset="0"/>
+                            <a:ea typeface="Cambria Math" panose="02040503050406030204" pitchFamily="18" charset="0"/>
+                          </a:rPr>
+                        </m:ctrlPr>
+                      </m:dPr>
+                      <m:e>
+                        <m:r>
+                          <a:rPr lang="hu-HU" i="1">
+                            <a:latin typeface="Cambria Math" panose="02040503050406030204" pitchFamily="18" charset="0"/>
+                            <a:ea typeface="Cambria Math" panose="02040503050406030204" pitchFamily="18" charset="0"/>
+                          </a:rPr>
+                          <m:t>𝜙</m:t>
+                        </m:r>
+                        <m:r>
+                          <a:rPr lang="hu-HU" b="0" i="1" smtClean="0">
+                            <a:latin typeface="Cambria Math" panose="02040503050406030204" pitchFamily="18" charset="0"/>
+                            <a:ea typeface="Cambria Math" panose="02040503050406030204" pitchFamily="18" charset="0"/>
+                          </a:rPr>
+                          <m:t>∗</m:t>
+                        </m:r>
+                        <m:rad>
+                          <m:radPr>
+                            <m:degHide m:val="on"/>
+                            <m:ctrlPr>
+                              <a:rPr lang="hu-HU" b="0" i="1" smtClean="0">
+                                <a:latin typeface="Cambria Math" panose="02040503050406030204" pitchFamily="18" charset="0"/>
+                                <a:ea typeface="Cambria Math" panose="02040503050406030204" pitchFamily="18" charset="0"/>
+                              </a:rPr>
+                            </m:ctrlPr>
+                          </m:radPr>
+                          <m:deg/>
+                          <m:e>
+                            <m:r>
+                              <a:rPr lang="hu-HU" b="0" i="1" smtClean="0">
+                                <a:latin typeface="Cambria Math" panose="02040503050406030204" pitchFamily="18" charset="0"/>
+                                <a:ea typeface="Cambria Math" panose="02040503050406030204" pitchFamily="18" charset="0"/>
+                              </a:rPr>
+                              <m:t>𝑛</m:t>
+                            </m:r>
+                          </m:e>
+                        </m:rad>
+                        <m:r>
+                          <a:rPr lang="hu-HU" b="0" i="1" smtClean="0">
+                            <a:latin typeface="Cambria Math" panose="02040503050406030204" pitchFamily="18" charset="0"/>
+                            <a:ea typeface="Cambria Math" panose="02040503050406030204" pitchFamily="18" charset="0"/>
+                          </a:rPr>
+                          <m:t> </m:t>
+                        </m:r>
+                      </m:e>
+                    </m:d>
+                  </m:oMath>
+                </a14:m>
+                <a:r>
+                  <a:rPr lang="hu-HU" dirty="0"/>
+                  <a:t> </a:t>
+                </a:r>
+                <a:r>
+                  <a:rPr lang="hu-HU" dirty="0" err="1"/>
+                  <a:t>for</a:t>
+                </a:r>
+                <a:r>
+                  <a:rPr lang="hu-HU" dirty="0"/>
+                  <a:t> </a:t>
+                </a:r>
+                <a:r>
+                  <a:rPr lang="hu-HU" dirty="0" err="1"/>
+                  <a:t>permutation</a:t>
+                </a:r>
+                <a:r>
+                  <a:rPr lang="hu-HU" dirty="0"/>
+                  <a:t> </a:t>
+                </a:r>
+                <a:r>
+                  <a:rPr lang="hu-HU" dirty="0" err="1"/>
+                  <a:t>routing</a:t>
+                </a:r>
+                <a:r>
+                  <a:rPr lang="hu-HU" dirty="0"/>
+                  <a:t>.</a:t>
+                </a:r>
+              </a:p>
             </p:txBody>
           </p:sp>
         </mc:Choice>
-        <mc:Fallback xmlns="">
+        <mc:Fallback>
           <p:sp>
             <p:nvSpPr>
               <p:cNvPr id="3" name="Tartalom helye 2"/>
@@ -11901,6 +12662,273 @@
     <p:extLst>
       <p:ext uri="{BB962C8B-B14F-4D97-AF65-F5344CB8AC3E}">
         <p14:creationId xmlns:p14="http://schemas.microsoft.com/office/powerpoint/2010/main" val="1737229487"/>
+      </p:ext>
+    </p:extLst>
+  </p:cSld>
+  <p:clrMapOvr>
+    <a:masterClrMapping/>
+  </p:clrMapOvr>
+</p:sld>
+</file>
+
+<file path=ppt/slides/slide19.xml><?xml version="1.0" encoding="utf-8"?>
+<p:sld xmlns:a="http://schemas.openxmlformats.org/drawingml/2006/main" xmlns:r="http://schemas.openxmlformats.org/officeDocument/2006/relationships" xmlns:p="http://schemas.openxmlformats.org/presentationml/2006/main">
+  <p:cSld>
+    <p:spTree>
+      <p:nvGrpSpPr>
+        <p:cNvPr id="1" name=""/>
+        <p:cNvGrpSpPr/>
+        <p:nvPr/>
+      </p:nvGrpSpPr>
+      <p:grpSpPr>
+        <a:xfrm>
+          <a:off x="0" y="0"/>
+          <a:ext cx="0" cy="0"/>
+          <a:chOff x="0" y="0"/>
+          <a:chExt cx="0" cy="0"/>
+        </a:xfrm>
+      </p:grpSpPr>
+      <p:sp>
+        <p:nvSpPr>
+          <p:cNvPr id="2" name="Cím 1"/>
+          <p:cNvSpPr>
+            <a:spLocks noGrp="1"/>
+          </p:cNvSpPr>
+          <p:nvPr>
+            <p:ph type="title"/>
+          </p:nvPr>
+        </p:nvSpPr>
+        <p:spPr/>
+        <p:txBody>
+          <a:bodyPr/>
+          <a:lstStyle/>
+          <a:p>
+            <a:pPr algn="ctr"/>
+            <a:r>
+              <a:rPr lang="hu-HU" dirty="0" err="1"/>
+              <a:t>Arbitrary</a:t>
+            </a:r>
+            <a:r>
+              <a:rPr lang="hu-HU" dirty="0"/>
+              <a:t> </a:t>
+            </a:r>
+            <a:r>
+              <a:rPr lang="hu-HU" dirty="0" err="1"/>
+              <a:t>patterns</a:t>
+            </a:r>
+            <a:endParaRPr lang="hu-HU" dirty="0"/>
+          </a:p>
+        </p:txBody>
+      </p:sp>
+      <mc:AlternateContent xmlns:mc="http://schemas.openxmlformats.org/markup-compatibility/2006">
+        <mc:Choice xmlns:a14="http://schemas.microsoft.com/office/drawing/2010/main" Requires="a14">
+          <p:sp>
+            <p:nvSpPr>
+              <p:cNvPr id="3" name="Tartalom helye 2"/>
+              <p:cNvSpPr>
+                <a:spLocks noGrp="1"/>
+              </p:cNvSpPr>
+              <p:nvPr>
+                <p:ph idx="1"/>
+              </p:nvPr>
+            </p:nvSpPr>
+            <p:spPr/>
+            <p:txBody>
+              <a:bodyPr/>
+              <a:lstStyle/>
+              <a:p>
+                <a14:m>
+                  <m:oMath xmlns:m="http://schemas.openxmlformats.org/officeDocument/2006/math">
+                    <m:r>
+                      <m:rPr>
+                        <m:sty m:val="p"/>
+                      </m:rPr>
+                      <a:rPr lang="el-GR" i="1" smtClean="0">
+                        <a:latin typeface="Cambria Math" panose="02040503050406030204" pitchFamily="18" charset="0"/>
+                        <a:ea typeface="Cambria Math" panose="02040503050406030204" pitchFamily="18" charset="0"/>
+                      </a:rPr>
+                      <m:t>Ω</m:t>
+                    </m:r>
+                    <m:d>
+                      <m:dPr>
+                        <m:ctrlPr>
+                          <a:rPr lang="hu-HU" i="1">
+                            <a:latin typeface="Cambria Math" panose="02040503050406030204" pitchFamily="18" charset="0"/>
+                            <a:ea typeface="Cambria Math" panose="02040503050406030204" pitchFamily="18" charset="0"/>
+                          </a:rPr>
+                        </m:ctrlPr>
+                      </m:dPr>
+                      <m:e>
+                        <m:r>
+                          <a:rPr lang="hu-HU" i="1">
+                            <a:latin typeface="Cambria Math" panose="02040503050406030204" pitchFamily="18" charset="0"/>
+                            <a:ea typeface="Cambria Math" panose="02040503050406030204" pitchFamily="18" charset="0"/>
+                          </a:rPr>
+                          <m:t>𝜙</m:t>
+                        </m:r>
+                        <m:r>
+                          <a:rPr lang="hu-HU" i="1" baseline="30000">
+                            <a:latin typeface="Cambria Math" panose="02040503050406030204" pitchFamily="18" charset="0"/>
+                            <a:ea typeface="Cambria Math" panose="02040503050406030204" pitchFamily="18" charset="0"/>
+                          </a:rPr>
+                          <m:t>2</m:t>
+                        </m:r>
+                      </m:e>
+                    </m:d>
+                  </m:oMath>
+                </a14:m>
+                <a:r>
+                  <a:rPr lang="hu-HU" dirty="0"/>
+                  <a:t> link </a:t>
+                </a:r>
+                <a:r>
+                  <a:rPr lang="hu-HU" dirty="0" err="1"/>
+                  <a:t>failures</a:t>
+                </a:r>
+                <a:r>
+                  <a:rPr lang="hu-HU" dirty="0"/>
+                  <a:t> </a:t>
+                </a:r>
+                <a:r>
+                  <a:rPr lang="hu-HU" dirty="0" err="1"/>
+                  <a:t>are</a:t>
+                </a:r>
+                <a:r>
+                  <a:rPr lang="hu-HU" dirty="0"/>
+                  <a:t> </a:t>
+                </a:r>
+                <a:r>
+                  <a:rPr lang="hu-HU" dirty="0" err="1"/>
+                  <a:t>necessary</a:t>
+                </a:r>
+                <a:r>
+                  <a:rPr lang="hu-HU" dirty="0"/>
+                  <a:t> </a:t>
+                </a:r>
+                <a:r>
+                  <a:rPr lang="hu-HU" dirty="0" err="1"/>
+                  <a:t>to</a:t>
+                </a:r>
+                <a:r>
+                  <a:rPr lang="hu-HU" dirty="0"/>
+                  <a:t> </a:t>
+                </a:r>
+                <a:r>
+                  <a:rPr lang="hu-HU" dirty="0" err="1"/>
+                  <a:t>generate</a:t>
+                </a:r>
+                <a:r>
+                  <a:rPr lang="hu-HU" dirty="0"/>
+                  <a:t> a </a:t>
+                </a:r>
+                <a:r>
+                  <a:rPr lang="hu-HU" dirty="0" err="1"/>
+                  <a:t>failover</a:t>
+                </a:r>
+                <a:r>
+                  <a:rPr lang="hu-HU" dirty="0"/>
+                  <a:t> </a:t>
+                </a:r>
+                <a:r>
+                  <a:rPr lang="hu-HU" dirty="0" err="1"/>
+                  <a:t>load</a:t>
+                </a:r>
+                <a14:m>
+                  <m:oMath xmlns:m="http://schemas.openxmlformats.org/officeDocument/2006/math">
+                    <m:r>
+                      <a:rPr lang="hu-HU" b="0" i="0" smtClean="0">
+                        <a:latin typeface="Cambria Math" panose="02040503050406030204" pitchFamily="18" charset="0"/>
+                        <a:ea typeface="Cambria Math" panose="02040503050406030204" pitchFamily="18" charset="0"/>
+                      </a:rPr>
+                      <m:t> </m:t>
+                    </m:r>
+                    <m:r>
+                      <a:rPr lang="hu-HU" i="1">
+                        <a:latin typeface="Cambria Math" panose="02040503050406030204" pitchFamily="18" charset="0"/>
+                        <a:ea typeface="Cambria Math" panose="02040503050406030204" pitchFamily="18" charset="0"/>
+                      </a:rPr>
+                      <m:t>𝜙</m:t>
+                    </m:r>
+                    <m:r>
+                      <a:rPr lang="hu-HU" b="0" i="1" smtClean="0">
+                        <a:latin typeface="Cambria Math" panose="02040503050406030204" pitchFamily="18" charset="0"/>
+                        <a:ea typeface="Cambria Math" panose="02040503050406030204" pitchFamily="18" charset="0"/>
+                      </a:rPr>
+                      <m:t>&lt;</m:t>
+                    </m:r>
+                    <m:rad>
+                      <m:radPr>
+                        <m:degHide m:val="on"/>
+                        <m:ctrlPr>
+                          <a:rPr lang="hu-HU" b="0" i="1" smtClean="0">
+                            <a:latin typeface="Cambria Math" panose="02040503050406030204" pitchFamily="18" charset="0"/>
+                            <a:ea typeface="Cambria Math" panose="02040503050406030204" pitchFamily="18" charset="0"/>
+                          </a:rPr>
+                        </m:ctrlPr>
+                      </m:radPr>
+                      <m:deg/>
+                      <m:e>
+                        <m:r>
+                          <a:rPr lang="hu-HU" b="0" i="1" smtClean="0">
+                            <a:latin typeface="Cambria Math" panose="02040503050406030204" pitchFamily="18" charset="0"/>
+                            <a:ea typeface="Cambria Math" panose="02040503050406030204" pitchFamily="18" charset="0"/>
+                          </a:rPr>
+                          <m:t>𝑛</m:t>
+                        </m:r>
+                      </m:e>
+                    </m:rad>
+                    <m:r>
+                      <a:rPr lang="hu-HU" b="0" i="1" smtClean="0">
+                        <a:latin typeface="Cambria Math" panose="02040503050406030204" pitchFamily="18" charset="0"/>
+                        <a:ea typeface="Cambria Math" panose="02040503050406030204" pitchFamily="18" charset="0"/>
+                      </a:rPr>
+                      <m:t>.</m:t>
+                    </m:r>
+                  </m:oMath>
+                </a14:m>
+                <a:endParaRPr lang="hu-HU" dirty="0"/>
+              </a:p>
+            </p:txBody>
+          </p:sp>
+        </mc:Choice>
+        <mc:Fallback>
+          <p:sp>
+            <p:nvSpPr>
+              <p:cNvPr id="3" name="Tartalom helye 2"/>
+              <p:cNvSpPr>
+                <a:spLocks noGrp="1" noRot="1" noChangeAspect="1" noMove="1" noResize="1" noEditPoints="1" noAdjustHandles="1" noChangeArrowheads="1" noChangeShapeType="1" noTextEdit="1"/>
+              </p:cNvSpPr>
+              <p:nvPr>
+                <p:ph idx="1"/>
+              </p:nvPr>
+            </p:nvSpPr>
+            <p:spPr>
+              <a:blipFill>
+                <a:blip r:embed="rId2"/>
+                <a:stretch>
+                  <a:fillRect t="-2101"/>
+                </a:stretch>
+              </a:blipFill>
+            </p:spPr>
+            <p:txBody>
+              <a:bodyPr/>
+              <a:lstStyle/>
+              <a:p>
+                <a:r>
+                  <a:rPr lang="hu-HU">
+                    <a:noFill/>
+                  </a:rPr>
+                  <a:t> </a:t>
+                </a:r>
+              </a:p>
+            </p:txBody>
+          </p:sp>
+        </mc:Fallback>
+      </mc:AlternateContent>
+    </p:spTree>
+    <p:extLst>
+      <p:ext uri="{BB962C8B-B14F-4D97-AF65-F5344CB8AC3E}">
+        <p14:creationId xmlns:p14="http://schemas.microsoft.com/office/powerpoint/2010/main" val="593050783"/>
       </p:ext>
     </p:extLst>
   </p:cSld>
@@ -11967,19 +12995,83 @@
           <a:p>
             <a:r>
               <a:rPr lang="hu-HU" dirty="0"/>
-              <a:t>Need for faster failover protocol when mutiplie edge fall out.</a:t>
+              <a:t>Need for faster failover protocol </a:t>
+            </a:r>
+            <a:r>
+              <a:rPr lang="hu-HU" dirty="0" err="1"/>
+              <a:t>when</a:t>
+            </a:r>
+            <a:r>
+              <a:rPr lang="hu-HU" dirty="0"/>
+              <a:t> </a:t>
+            </a:r>
+            <a:r>
+              <a:rPr lang="hu-HU" dirty="0" err="1"/>
+              <a:t>mutiple</a:t>
+            </a:r>
+            <a:r>
+              <a:rPr lang="hu-HU" dirty="0"/>
+              <a:t> </a:t>
+            </a:r>
+            <a:r>
+              <a:rPr lang="hu-HU" dirty="0" err="1"/>
+              <a:t>edges</a:t>
+            </a:r>
+            <a:r>
+              <a:rPr lang="hu-HU" dirty="0"/>
+              <a:t> fall out.</a:t>
             </a:r>
           </a:p>
           <a:p>
             <a:r>
               <a:rPr lang="hu-HU" dirty="0"/>
-              <a:t>Not using pacake tagging. (Additional information for packages to rerouing)</a:t>
+              <a:t>Not </a:t>
+            </a:r>
+            <a:r>
+              <a:rPr lang="hu-HU" dirty="0" err="1"/>
+              <a:t>using</a:t>
+            </a:r>
+            <a:r>
+              <a:rPr lang="hu-HU" dirty="0"/>
+              <a:t> </a:t>
+            </a:r>
+            <a:r>
+              <a:rPr lang="hu-HU" dirty="0" err="1"/>
+              <a:t>packet</a:t>
+            </a:r>
+            <a:r>
+              <a:rPr lang="hu-HU" dirty="0"/>
+              <a:t> tagging. (Additional information for packages </a:t>
+            </a:r>
+            <a:r>
+              <a:rPr lang="hu-HU" dirty="0" err="1"/>
+              <a:t>to</a:t>
+            </a:r>
+            <a:r>
+              <a:rPr lang="hu-HU" dirty="0"/>
+              <a:t> </a:t>
+            </a:r>
+            <a:r>
+              <a:rPr lang="hu-HU" dirty="0" err="1"/>
+              <a:t>rerouting</a:t>
+            </a:r>
+            <a:r>
+              <a:rPr lang="hu-HU" dirty="0"/>
+              <a:t>)</a:t>
             </a:r>
           </a:p>
           <a:p>
             <a:r>
               <a:rPr lang="hu-HU" dirty="0"/>
-              <a:t>Build a static failover matrix in order that the alternative route should not be recoputied in runtime.</a:t>
+              <a:t>Build a static failover matrix in order that the alternative route should not be </a:t>
+            </a:r>
+            <a:r>
+              <a:rPr lang="hu-HU" dirty="0" err="1"/>
+              <a:t>recomputed</a:t>
+            </a:r>
+            <a:r>
+              <a:rPr lang="hu-HU" dirty="0"/>
+              <a:t> in runtime.</a:t>
             </a:r>
           </a:p>
         </p:txBody>
@@ -12037,8 +13129,8 @@
           </a:p>
         </p:txBody>
       </p:sp>
-      <mc:AlternateContent xmlns:mc="http://schemas.openxmlformats.org/markup-compatibility/2006" xmlns:a14="http://schemas.microsoft.com/office/drawing/2010/main">
-        <mc:Choice Requires="a14">
+      <mc:AlternateContent xmlns:mc="http://schemas.openxmlformats.org/markup-compatibility/2006">
+        <mc:Choice xmlns:a14="http://schemas.microsoft.com/office/drawing/2010/main" Requires="a14">
           <p:sp>
             <p:nvSpPr>
               <p:cNvPr id="3" name="Content Placeholder 2"/>
@@ -12056,7 +13148,15 @@
               <a:p>
                 <a:r>
                   <a:rPr lang="hu-HU" dirty="0"/>
-                  <a:t>SDN-network:</a:t>
+                  <a:t>SDN-</a:t>
+                </a:r>
+                <a:r>
+                  <a:rPr lang="hu-HU" dirty="0" err="1"/>
+                  <a:t>network</a:t>
+                </a:r>
+                <a:r>
+                  <a:rPr lang="hu-HU" dirty="0"/>
+                  <a:t>: </a:t>
                 </a:r>
                 <a14:m>
                   <m:oMath xmlns:m="http://schemas.openxmlformats.org/officeDocument/2006/math">
@@ -12209,7 +13309,31 @@
               <a:p>
                 <a:r>
                   <a:rPr lang="hu-HU" dirty="0"/>
-                  <a:t>2 flow rolues: original (regular forwaring behavior) and conditional (in case of node fail)</a:t>
+                  <a:t>2 flow </a:t>
+                </a:r>
+                <a:r>
+                  <a:rPr lang="hu-HU" dirty="0" err="1"/>
+                  <a:t>rules</a:t>
+                </a:r>
+                <a:r>
+                  <a:rPr lang="hu-HU" dirty="0"/>
+                  <a:t>: original (</a:t>
+                </a:r>
+                <a:r>
+                  <a:rPr lang="hu-HU" dirty="0" err="1"/>
+                  <a:t>regular</a:t>
+                </a:r>
+                <a:r>
+                  <a:rPr lang="hu-HU" dirty="0"/>
+                  <a:t> </a:t>
+                </a:r>
+                <a:r>
+                  <a:rPr lang="hu-HU" dirty="0" err="1"/>
+                  <a:t>forwarding</a:t>
+                </a:r>
+                <a:r>
+                  <a:rPr lang="hu-HU" dirty="0"/>
+                  <a:t> behavior) and conditional (in case of node fail)</a:t>
                 </a:r>
               </a:p>
               <a:p>
@@ -12233,7 +13357,7 @@
             </p:txBody>
           </p:sp>
         </mc:Choice>
-        <mc:Fallback xmlns="">
+        <mc:Fallback>
           <p:sp>
             <p:nvSpPr>
               <p:cNvPr id="3" name="Content Placeholder 2"/>
@@ -12373,8 +13497,42 @@
                 </a14:m>
                 <a:r>
                   <a:rPr lang="hu-HU" dirty="0"/>
-                  <a:t> is a number of corrsing flow considering an e edge due the reouring.</a:t>
-                </a:r>
+                  <a:t> is a number of </a:t>
+                </a:r>
+                <a:r>
+                  <a:rPr lang="hu-HU" dirty="0" err="1"/>
+                  <a:t>crossing</a:t>
+                </a:r>
+                <a:r>
+                  <a:rPr lang="hu-HU" dirty="0"/>
+                  <a:t> flows considering an e edge </a:t>
+                </a:r>
+                <a:r>
+                  <a:rPr lang="hu-HU" dirty="0" err="1"/>
+                  <a:t>due</a:t>
+                </a:r>
+                <a:r>
+                  <a:rPr lang="hu-HU" dirty="0"/>
+                  <a:t> </a:t>
+                </a:r>
+                <a:r>
+                  <a:rPr lang="hu-HU" dirty="0" err="1"/>
+                  <a:t>to</a:t>
+                </a:r>
+                <a:r>
+                  <a:rPr lang="hu-HU" dirty="0"/>
+                  <a:t> </a:t>
+                </a:r>
+                <a:r>
+                  <a:rPr lang="hu-HU" dirty="0" err="1"/>
+                  <a:t>rerouting</a:t>
+                </a:r>
+                <a:r>
+                  <a:rPr lang="hu-HU" dirty="0"/>
+                  <a:t>. </a:t>
+                </a:r>
+              </a:p>
+              <a:p>
                 <a14:m>
                   <m:oMath xmlns:m="http://schemas.openxmlformats.org/officeDocument/2006/math">
                     <m:r>
@@ -12563,6 +13721,13 @@
                       </a:rPr>
                       <m:t>𝐹</m:t>
                     </m:r>
+                    <m:r>
+                      <m:rPr>
+                        <m:nor/>
+                      </m:rPr>
+                      <a:rPr lang="hu-HU" baseline="-25000" dirty="0"/>
+                      <m:t>o</m:t>
+                    </m:r>
                     <m:d>
                       <m:dPr>
                         <m:ctrlPr>
@@ -12584,10 +13749,6 @@
                   </m:oMath>
                 </a14:m>
                 <a:r>
-                  <a:rPr lang="hu-HU" baseline="-25000" dirty="0"/>
-                  <a:t>o</a:t>
-                </a:r>
-                <a:r>
                   <a:rPr lang="hu-HU" dirty="0"/>
                   <a:t> is </a:t>
                 </a:r>
@@ -12617,7 +13778,7 @@
                 </a:r>
                 <a:r>
                   <a:rPr lang="hu-HU" dirty="0" err="1"/>
-                  <a:t>number</a:t>
+                  <a:t>set</a:t>
                 </a:r>
                 <a:r>
                   <a:rPr lang="hu-HU" dirty="0"/>
@@ -12857,7 +14018,7 @@
             </a:r>
             <a:r>
               <a:rPr lang="hu-HU" dirty="0" err="1"/>
-              <a:t>schame</a:t>
+              <a:t>scheme</a:t>
             </a:r>
             <a:r>
               <a:rPr lang="hu-HU" dirty="0"/>
@@ -12865,7 +14026,7 @@
             </a:r>
             <a:r>
               <a:rPr lang="hu-HU" dirty="0" err="1"/>
-              <a:t>repesented</a:t>
+              <a:t>represented</a:t>
             </a:r>
             <a:r>
               <a:rPr lang="hu-HU" dirty="0"/>
@@ -12885,15 +14046,7 @@
             </a:r>
             <a:r>
               <a:rPr lang="hu-HU" baseline="-25000" dirty="0" err="1"/>
-              <a:t>i</a:t>
-            </a:r>
-            <a:r>
-              <a:rPr lang="hu-HU" dirty="0" err="1"/>
-              <a:t>,</a:t>
-            </a:r>
-            <a:r>
-              <a:rPr lang="hu-HU" baseline="-25000" dirty="0" err="1"/>
-              <a:t>j</a:t>
+              <a:t>i,j</a:t>
             </a:r>
             <a:r>
               <a:rPr lang="hu-HU" dirty="0"/>

--- a/halozatok/Load-Optimal Local Fast Rerouting for Relisient Networks.pptx
+++ b/halozatok/Load-Optimal Local Fast Rerouting for Relisient Networks.pptx
@@ -13007,7 +13007,7 @@
             </a:r>
             <a:r>
               <a:rPr lang="hu-HU" dirty="0" err="1"/>
-              <a:t>mutiple</a:t>
+              <a:t>multiple</a:t>
             </a:r>
             <a:r>
               <a:rPr lang="hu-HU" dirty="0"/>
@@ -13289,14 +13289,33 @@
                           <a:rPr lang="hu-HU" b="0" i="1" smtClean="0">
                             <a:latin typeface="Cambria Math" panose="02040503050406030204" pitchFamily="18" charset="0"/>
                           </a:rPr>
-                          <m:t>, .. , </m:t>
+                          <m:t>, .. ,</m:t>
                         </m:r>
-                        <m:r>
-                          <a:rPr lang="hu-HU" b="0" i="1" smtClean="0">
-                            <a:latin typeface="Cambria Math" panose="02040503050406030204" pitchFamily="18" charset="0"/>
-                          </a:rPr>
-                          <m:t>𝑣𝑛</m:t>
-                        </m:r>
+                        <m:sSub>
+                          <m:sSubPr>
+                            <m:ctrlPr>
+                              <a:rPr lang="hu-HU" b="0" i="1" smtClean="0">
+                                <a:latin typeface="Cambria Math" panose="02040503050406030204" pitchFamily="18" charset="0"/>
+                              </a:rPr>
+                            </m:ctrlPr>
+                          </m:sSubPr>
+                          <m:e>
+                            <m:r>
+                              <a:rPr lang="hu-HU" b="0" i="1" smtClean="0">
+                                <a:latin typeface="Cambria Math" panose="02040503050406030204" pitchFamily="18" charset="0"/>
+                              </a:rPr>
+                              <m:t>𝑣</m:t>
+                            </m:r>
+                          </m:e>
+                          <m:sub>
+                            <m:r>
+                              <a:rPr lang="hu-HU" b="0" i="1" smtClean="0">
+                                <a:latin typeface="Cambria Math" panose="02040503050406030204" pitchFamily="18" charset="0"/>
+                              </a:rPr>
+                              <m:t>𝑛</m:t>
+                            </m:r>
+                          </m:sub>
+                        </m:sSub>
                       </m:e>
                     </m:d>
                   </m:oMath>
@@ -13308,8 +13327,36 @@
               </a:p>
               <a:p>
                 <a:r>
+                  <a:rPr lang="hu-HU" dirty="0" err="1"/>
+                  <a:t>Each</a:t>
+                </a:r>
+                <a:r>
                   <a:rPr lang="hu-HU" dirty="0"/>
-                  <a:t>2 flow </a:t>
+                  <a:t> </a:t>
+                </a:r>
+                <a:r>
+                  <a:rPr lang="hu-HU" dirty="0" err="1"/>
+                  <a:t>node</a:t>
+                </a:r>
+                <a:r>
+                  <a:rPr lang="hu-HU" dirty="0"/>
+                  <a:t> has 2 </a:t>
+                </a:r>
+                <a:r>
+                  <a:rPr lang="hu-HU" dirty="0" err="1"/>
+                  <a:t>kinds</a:t>
+                </a:r>
+                <a:r>
+                  <a:rPr lang="hu-HU" dirty="0"/>
+                  <a:t> of </a:t>
+                </a:r>
+                <a:r>
+                  <a:rPr lang="hu-HU" dirty="0" err="1"/>
+                  <a:t>static</a:t>
+                </a:r>
+                <a:r>
+                  <a:rPr lang="hu-HU" dirty="0"/>
+                  <a:t> flow </a:t>
                 </a:r>
                 <a:r>
                   <a:rPr lang="hu-HU" dirty="0" err="1"/>
@@ -13317,7 +13364,18 @@
                 </a:r>
                 <a:r>
                   <a:rPr lang="hu-HU" dirty="0"/>
-                  <a:t>: original (</a:t>
+                  <a:t>: </a:t>
+                </a:r>
+              </a:p>
+              <a:p>
+                <a:pPr lvl="1"/>
+                <a:r>
+                  <a:rPr lang="hu-HU" dirty="0" err="1"/>
+                  <a:t>original</a:t>
+                </a:r>
+                <a:r>
+                  <a:rPr lang="hu-HU" dirty="0"/>
+                  <a:t> (</a:t>
                 </a:r>
                 <a:r>
                   <a:rPr lang="hu-HU" dirty="0" err="1"/>
@@ -13333,7 +13391,26 @@
                 </a:r>
                 <a:r>
                   <a:rPr lang="hu-HU" dirty="0"/>
-                  <a:t> behavior) and conditional (in case of node fail)</a:t>
+                  <a:t> </a:t>
+                </a:r>
+                <a:r>
+                  <a:rPr lang="hu-HU" dirty="0" err="1"/>
+                  <a:t>behavior</a:t>
+                </a:r>
+                <a:r>
+                  <a:rPr lang="hu-HU" dirty="0"/>
+                  <a:t>)</a:t>
+                </a:r>
+              </a:p>
+              <a:p>
+                <a:pPr lvl="1"/>
+                <a:r>
+                  <a:rPr lang="hu-HU" dirty="0" err="1"/>
+                  <a:t>conditional</a:t>
+                </a:r>
+                <a:r>
+                  <a:rPr lang="hu-HU" dirty="0"/>
+                  <a:t> (in case of node fail)</a:t>
                 </a:r>
               </a:p>
               <a:p>
@@ -13372,7 +13449,7 @@
               <a:blipFill>
                 <a:blip r:embed="rId2"/>
                 <a:stretch>
-                  <a:fillRect l="-1043" t="-2241" r="-1333"/>
+                  <a:fillRect l="-1043" t="-2241" r="-696"/>
                 </a:stretch>
               </a:blipFill>
             </p:spPr>
@@ -13497,7 +13574,23 @@
                 </a14:m>
                 <a:r>
                   <a:rPr lang="hu-HU" dirty="0"/>
-                  <a:t> is a number of </a:t>
+                  <a:t> is </a:t>
+                </a:r>
+                <a:r>
+                  <a:rPr lang="hu-HU" dirty="0" err="1"/>
+                  <a:t>the</a:t>
+                </a:r>
+                <a:r>
+                  <a:rPr lang="hu-HU" dirty="0"/>
+                  <a:t> </a:t>
+                </a:r>
+                <a:r>
+                  <a:rPr lang="hu-HU" dirty="0" err="1"/>
+                  <a:t>number</a:t>
+                </a:r>
+                <a:r>
+                  <a:rPr lang="hu-HU" dirty="0"/>
+                  <a:t> of flows </a:t>
                 </a:r>
                 <a:r>
                   <a:rPr lang="hu-HU" dirty="0" err="1"/>
@@ -13505,7 +13598,7 @@
                 </a:r>
                 <a:r>
                   <a:rPr lang="hu-HU" dirty="0"/>
-                  <a:t> flows considering an e edge </a:t>
+                  <a:t> e edge </a:t>
                 </a:r>
                 <a:r>
                   <a:rPr lang="hu-HU" dirty="0" err="1"/>
@@ -13533,6 +13626,18 @@
                 </a:r>
               </a:p>
               <a:p>
+                <a:r>
+                  <a:rPr lang="hu-HU" dirty="0" err="1">
+                    <a:ea typeface="Cambria Math" panose="02040503050406030204" pitchFamily="18" charset="0"/>
+                  </a:rPr>
+                  <a:t>Let</a:t>
+                </a:r>
+                <a:r>
+                  <a:rPr lang="hu-HU" dirty="0">
+                    <a:ea typeface="Cambria Math" panose="02040503050406030204" pitchFamily="18" charset="0"/>
+                  </a:rPr>
+                  <a:t> </a:t>
+                </a:r>
                 <a14:m>
                   <m:oMath xmlns:m="http://schemas.openxmlformats.org/officeDocument/2006/math">
                     <m:r>
@@ -13620,6 +13725,9 @@
                   <a:rPr lang="hu-HU" dirty="0"/>
                   <a:t>: </a:t>
                 </a:r>
+              </a:p>
+              <a:p>
+                <a:pPr lvl="1"/>
                 <a14:m>
                   <m:oMath xmlns:m="http://schemas.openxmlformats.org/officeDocument/2006/math">
                     <m:r>
@@ -13641,8 +13749,50 @@
                       </a:rPr>
                       <m:t>𝐸</m:t>
                     </m:r>
+                    <m:r>
+                      <a:rPr lang="hu-HU" b="0" i="1" smtClean="0">
+                        <a:latin typeface="Cambria Math" panose="02040503050406030204" pitchFamily="18" charset="0"/>
+                        <a:ea typeface="Cambria Math" panose="02040503050406030204" pitchFamily="18" charset="0"/>
+                      </a:rPr>
+                      <m:t>.</m:t>
+                    </m:r>
                   </m:oMath>
                 </a14:m>
+                <a:r>
+                  <a:rPr lang="hu-HU" dirty="0"/>
+                  <a:t> </a:t>
+                </a:r>
+              </a:p>
+              <a:p>
+                <a:pPr lvl="1"/>
+                <a:r>
+                  <a:rPr lang="hu-HU" dirty="0" err="1"/>
+                  <a:t>Choose</a:t>
+                </a:r>
+                <a:r>
+                  <a:rPr lang="hu-HU" dirty="0"/>
+                  <a:t> </a:t>
+                </a:r>
+                <a:r>
+                  <a:rPr lang="hu-HU" dirty="0" err="1"/>
+                  <a:t>some</a:t>
+                </a:r>
+                <a:r>
+                  <a:rPr lang="hu-HU" dirty="0"/>
+                  <a:t> </a:t>
+                </a:r>
+                <a:r>
+                  <a:rPr lang="hu-HU" dirty="0" err="1"/>
+                  <a:t>failing</a:t>
+                </a:r>
+                <a:r>
+                  <a:rPr lang="hu-HU" dirty="0"/>
+                  <a:t> </a:t>
+                </a:r>
+                <a:r>
+                  <a:rPr lang="hu-HU" dirty="0" err="1"/>
+                  <a:t>links</a:t>
+                </a:r>
                 <a:r>
                   <a:rPr lang="hu-HU" dirty="0"/>
                   <a:t> </a:t>
@@ -13713,6 +13863,12 @@
                   <a:rPr lang="hu-HU" dirty="0"/>
                   <a:t>. </a:t>
                 </a:r>
+                <a:endParaRPr lang="hu-HU" b="0" i="1" dirty="0">
+                  <a:latin typeface="Cambria Math" panose="02040503050406030204" pitchFamily="18" charset="0"/>
+                </a:endParaRPr>
+              </a:p>
+              <a:p>
+                <a:pPr lvl="1"/>
                 <a14:m>
                   <m:oMath xmlns:m="http://schemas.openxmlformats.org/officeDocument/2006/math">
                     <m:r>
@@ -13762,7 +13918,15 @@
                 </a:r>
                 <a:r>
                   <a:rPr lang="hu-HU" dirty="0" err="1"/>
-                  <a:t>minimal</a:t>
+                  <a:t>set</a:t>
+                </a:r>
+                <a:r>
+                  <a:rPr lang="hu-HU" dirty="0"/>
+                  <a:t> of </a:t>
+                </a:r>
+                <a:r>
+                  <a:rPr lang="hu-HU" dirty="0" err="1"/>
+                  <a:t>optimal</a:t>
                 </a:r>
                 <a:r>
                   <a:rPr lang="hu-HU" dirty="0"/>
@@ -13770,7 +13934,15 @@
                 </a:r>
                 <a:r>
                   <a:rPr lang="hu-HU" dirty="0" err="1"/>
-                  <a:t>required</a:t>
+                  <a:t>attacks</a:t>
+                </a:r>
+                <a:r>
+                  <a:rPr lang="hu-HU" dirty="0"/>
+                  <a:t>: </a:t>
+                </a:r>
+                <a:r>
+                  <a:rPr lang="hu-HU" dirty="0" err="1"/>
+                  <a:t>minimal</a:t>
                 </a:r>
                 <a:r>
                   <a:rPr lang="hu-HU" dirty="0"/>
@@ -13778,11 +13950,11 @@
                 </a:r>
                 <a:r>
                   <a:rPr lang="hu-HU" dirty="0" err="1"/>
-                  <a:t>set</a:t>
+                  <a:t>required</a:t>
                 </a:r>
                 <a:r>
                   <a:rPr lang="hu-HU" dirty="0"/>
-                  <a:t> of </a:t>
+                  <a:t> </a:t>
                 </a:r>
                 <a:r>
                   <a:rPr lang="hu-HU" dirty="0" err="1"/>
@@ -13838,7 +14010,10 @@
                     </m:r>
                   </m:oMath>
                 </a14:m>
-                <a:endParaRPr lang="hu-HU" dirty="0"/>
+                <a:r>
+                  <a:rPr lang="hu-HU" dirty="0"/>
+                  <a:t>.</a:t>
+                </a:r>
               </a:p>
             </p:txBody>
           </p:sp>
@@ -13964,7 +14139,7 @@
           <a:p>
             <a:r>
               <a:rPr lang="hu-HU" dirty="0" err="1"/>
-              <a:t>Using</a:t>
+              <a:t>We</a:t>
             </a:r>
             <a:r>
               <a:rPr lang="hu-HU" dirty="0"/>
@@ -13972,7 +14147,7 @@
             </a:r>
             <a:r>
               <a:rPr lang="hu-HU" dirty="0" err="1"/>
-              <a:t>All-to</a:t>
+              <a:t>consider</a:t>
             </a:r>
             <a:r>
               <a:rPr lang="hu-HU" dirty="0"/>
@@ -13980,7 +14155,7 @@
             </a:r>
             <a:r>
               <a:rPr lang="hu-HU" dirty="0" err="1"/>
-              <a:t>One</a:t>
+              <a:t>All-to</a:t>
             </a:r>
             <a:r>
               <a:rPr lang="hu-HU" dirty="0"/>
@@ -13988,7 +14163,15 @@
             </a:r>
             <a:r>
               <a:rPr lang="hu-HU" dirty="0" err="1"/>
-              <a:t>routing</a:t>
+              <a:t>One</a:t>
+            </a:r>
+            <a:r>
+              <a:rPr lang="hu-HU" dirty="0"/>
+              <a:t> </a:t>
+            </a:r>
+            <a:r>
+              <a:rPr lang="hu-HU" dirty="0" err="1"/>
+              <a:t>communication</a:t>
             </a:r>
             <a:endParaRPr lang="hu-HU" dirty="0"/>
           </a:p>

--- a/halozatok/Load-Optimal Local Fast Rerouting for Relisient Networks.pptx
+++ b/halozatok/Load-Optimal Local Fast Rerouting for Relisient Networks.pptx
@@ -12470,6 +12470,84 @@
               <a:p>
                 <a:r>
                   <a:rPr lang="hu-HU" dirty="0" err="1"/>
+                  <a:t>Need</a:t>
+                </a:r>
+                <a:r>
+                  <a:rPr lang="hu-HU" dirty="0"/>
+                  <a:t> backup </a:t>
+                </a:r>
+                <a:r>
+                  <a:rPr lang="hu-HU" dirty="0" err="1"/>
+                  <a:t>sequences</a:t>
+                </a:r>
+                <a:r>
+                  <a:rPr lang="hu-HU" dirty="0"/>
+                  <a:t> </a:t>
+                </a:r>
+                <a:r>
+                  <a:rPr lang="hu-HU" dirty="0" err="1"/>
+                  <a:t>to</a:t>
+                </a:r>
+                <a:r>
+                  <a:rPr lang="hu-HU" dirty="0"/>
+                  <a:t> </a:t>
+                </a:r>
+                <a:r>
+                  <a:rPr lang="hu-HU" dirty="0" err="1"/>
+                  <a:t>reach</a:t>
+                </a:r>
+                <a:r>
+                  <a:rPr lang="hu-HU" dirty="0"/>
+                  <a:t> </a:t>
+                </a:r>
+                <a:r>
+                  <a:rPr lang="hu-HU" dirty="0" err="1"/>
+                  <a:t>destination</a:t>
+                </a:r>
+                <a:r>
+                  <a:rPr lang="hu-HU" dirty="0"/>
+                  <a:t> </a:t>
+                </a:r>
+                <a14:m>
+                  <m:oMath xmlns:m="http://schemas.openxmlformats.org/officeDocument/2006/math">
+                    <m:r>
+                      <a:rPr lang="hu-HU" i="1">
+                        <a:latin typeface="Cambria Math" panose="02040503050406030204" pitchFamily="18" charset="0"/>
+                        <a:ea typeface="Cambria Math" panose="02040503050406030204" pitchFamily="18" charset="0"/>
+                      </a:rPr>
+                      <m:t>𝜋</m:t>
+                    </m:r>
+                    <m:r>
+                      <a:rPr lang="hu-HU" i="1">
+                        <a:latin typeface="Cambria Math" panose="02040503050406030204" pitchFamily="18" charset="0"/>
+                        <a:ea typeface="Cambria Math" panose="02040503050406030204" pitchFamily="18" charset="0"/>
+                      </a:rPr>
+                      <m:t>(</m:t>
+                    </m:r>
+                    <m:r>
+                      <a:rPr lang="hu-HU" i="1">
+                        <a:latin typeface="Cambria Math" panose="02040503050406030204" pitchFamily="18" charset="0"/>
+                        <a:ea typeface="Cambria Math" panose="02040503050406030204" pitchFamily="18" charset="0"/>
+                      </a:rPr>
+                      <m:t>𝑣</m:t>
+                    </m:r>
+                    <m:r>
+                      <a:rPr lang="hu-HU" i="1">
+                        <a:latin typeface="Cambria Math" panose="02040503050406030204" pitchFamily="18" charset="0"/>
+                        <a:ea typeface="Cambria Math" panose="02040503050406030204" pitchFamily="18" charset="0"/>
+                      </a:rPr>
+                      <m:t>)</m:t>
+                    </m:r>
+                  </m:oMath>
+                </a14:m>
+                <a:r>
+                  <a:rPr lang="hu-HU" dirty="0"/>
+                  <a:t>.</a:t>
+                </a:r>
+              </a:p>
+              <a:p>
+                <a:r>
+                  <a:rPr lang="hu-HU" dirty="0" err="1"/>
                   <a:t>With</a:t>
                 </a:r>
                 <a:r>
@@ -12707,6 +12785,14 @@
             <a:r>
               <a:rPr lang="hu-HU" dirty="0" err="1"/>
               <a:t>Arbitrary</a:t>
+            </a:r>
+            <a:r>
+              <a:rPr lang="hu-HU" dirty="0"/>
+              <a:t> </a:t>
+            </a:r>
+            <a:r>
+              <a:rPr lang="hu-HU" dirty="0" err="1"/>
+              <a:t>traffic</a:t>
             </a:r>
             <a:r>
               <a:rPr lang="hu-HU" dirty="0"/>
@@ -14178,11 +14264,93 @@
           <a:p>
             <a:r>
               <a:rPr lang="hu-HU" dirty="0"/>
-              <a:t>n flow, n </a:t>
+              <a:t>n flows </a:t>
             </a:r>
             <a:r>
               <a:rPr lang="hu-HU" dirty="0" err="1"/>
-              <a:t>node</a:t>
+              <a:t>routed</a:t>
+            </a:r>
+            <a:r>
+              <a:rPr lang="hu-HU" dirty="0"/>
+              <a:t> </a:t>
+            </a:r>
+            <a:r>
+              <a:rPr lang="hu-HU" dirty="0" err="1"/>
+              <a:t>on</a:t>
+            </a:r>
+            <a:r>
+              <a:rPr lang="hu-HU" dirty="0"/>
+              <a:t> </a:t>
+            </a:r>
+            <a:r>
+              <a:rPr lang="hu-HU" dirty="0" err="1"/>
+              <a:t>the</a:t>
+            </a:r>
+            <a:r>
+              <a:rPr lang="hu-HU" dirty="0"/>
+              <a:t> </a:t>
+            </a:r>
+            <a:r>
+              <a:rPr lang="hu-HU" dirty="0" err="1"/>
+              <a:t>network</a:t>
+            </a:r>
+            <a:r>
+              <a:rPr lang="hu-HU" dirty="0"/>
+              <a:t> (</a:t>
+            </a:r>
+            <a:r>
+              <a:rPr lang="hu-HU" dirty="0" err="1"/>
+              <a:t>represented</a:t>
+            </a:r>
+            <a:r>
+              <a:rPr lang="hu-HU" dirty="0"/>
+              <a:t> </a:t>
+            </a:r>
+            <a:r>
+              <a:rPr lang="hu-HU" dirty="0" err="1"/>
+              <a:t>by</a:t>
+            </a:r>
+            <a:r>
+              <a:rPr lang="hu-HU" dirty="0"/>
+              <a:t> (</a:t>
+            </a:r>
+            <a:r>
+              <a:rPr lang="hu-HU" dirty="0" err="1"/>
+              <a:t>s</a:t>
+            </a:r>
+            <a:r>
+              <a:rPr lang="hu-HU" baseline="-25000" dirty="0" err="1"/>
+              <a:t>i</a:t>
+            </a:r>
+            <a:r>
+              <a:rPr lang="hu-HU" dirty="0" err="1"/>
+              <a:t>,d</a:t>
+            </a:r>
+            <a:r>
+              <a:rPr lang="hu-HU" baseline="-25000" dirty="0" err="1"/>
+              <a:t>i</a:t>
+            </a:r>
+            <a:r>
+              <a:rPr lang="hu-HU" dirty="0"/>
+              <a:t>) </a:t>
+            </a:r>
+            <a:r>
+              <a:rPr lang="hu-HU" dirty="0" err="1"/>
+              <a:t>pairs</a:t>
+            </a:r>
+            <a:r>
+              <a:rPr lang="hu-HU" dirty="0"/>
+              <a:t>), </a:t>
+            </a:r>
+          </a:p>
+          <a:p>
+            <a:r>
+              <a:rPr lang="hu-HU" dirty="0"/>
+              <a:t>n </a:t>
+            </a:r>
+            <a:r>
+              <a:rPr lang="hu-HU" dirty="0" err="1"/>
+              <a:t>nodes</a:t>
             </a:r>
             <a:endParaRPr lang="hu-HU" dirty="0"/>
           </a:p>
@@ -14247,7 +14415,15 @@
             </a:r>
             <a:r>
               <a:rPr lang="hu-HU" dirty="0"/>
-              <a:t> flow </a:t>
+              <a:t> </a:t>
+            </a:r>
+            <a:r>
+              <a:rPr lang="hu-HU" dirty="0" err="1"/>
+              <a:t>row</a:t>
+            </a:r>
+            <a:r>
+              <a:rPr lang="hu-HU" dirty="0"/>
+              <a:t> </a:t>
             </a:r>
             <a:r>
               <a:rPr lang="hu-HU" dirty="0" err="1"/>
@@ -14275,7 +14451,7 @@
             </a:r>
             <a:r>
               <a:rPr lang="hu-HU" dirty="0" err="1"/>
-              <a:t>foward</a:t>
+              <a:t>forward</a:t>
             </a:r>
             <a:r>
               <a:rPr lang="hu-HU" dirty="0"/>
@@ -14319,11 +14495,19 @@
             </a:r>
             <a:r>
               <a:rPr lang="hu-HU" baseline="-25000" dirty="0"/>
-              <a:t>i</a:t>
+              <a:t>i </a:t>
             </a:r>
             <a:r>
               <a:rPr lang="hu-HU" dirty="0"/>
-              <a:t>. </a:t>
+              <a:t>(</a:t>
+            </a:r>
+            <a:r>
+              <a:rPr lang="hu-HU" dirty="0" err="1"/>
+              <a:t>ith</a:t>
+            </a:r>
+            <a:r>
+              <a:rPr lang="hu-HU" dirty="0"/>
+              <a:t> flow). </a:t>
             </a:r>
             <a:r>
               <a:rPr lang="hu-HU" dirty="0" err="1"/>
@@ -14395,7 +14579,15 @@
             </a:r>
             <a:r>
               <a:rPr lang="hu-HU" dirty="0"/>
-              <a:t> flow </a:t>
+              <a:t> </a:t>
+            </a:r>
+            <a:r>
+              <a:rPr lang="hu-HU" dirty="0" err="1"/>
+              <a:t>row</a:t>
+            </a:r>
+            <a:r>
+              <a:rPr lang="hu-HU" dirty="0"/>
+              <a:t> </a:t>
             </a:r>
             <a:r>
               <a:rPr lang="hu-HU" dirty="0" err="1"/>
